--- a/Outros/MestradoFiguras.pptx
+++ b/Outros/MestradoFiguras.pptx
@@ -10,6 +10,9 @@
     <p:sldId id="258" r:id="rId4"/>
     <p:sldId id="259" r:id="rId5"/>
     <p:sldId id="260" r:id="rId6"/>
+    <p:sldId id="261" r:id="rId7"/>
+    <p:sldId id="262" r:id="rId8"/>
+    <p:sldId id="263" r:id="rId9"/>
   </p:sldIdLst>
   <p:sldSz cx="12192000" cy="6858000"/>
   <p:notesSz cx="6858000" cy="9144000"/>
@@ -287,7 +290,7 @@
           <a:p>
             <a:fld id="{581EE8FE-2ED7-4609-AFA7-8DD37B39FEBE}" type="slidenum">
               <a:rPr lang="pt-BR" smtClean="0"/>
-              <a:t>‹#›</a:t>
+              <a:t>‹nº›</a:t>
             </a:fld>
             <a:endParaRPr lang="pt-BR"/>
           </a:p>
@@ -455,7 +458,7 @@
           <a:p>
             <a:fld id="{581EE8FE-2ED7-4609-AFA7-8DD37B39FEBE}" type="slidenum">
               <a:rPr lang="pt-BR" smtClean="0"/>
-              <a:t>‹#›</a:t>
+              <a:t>‹nº›</a:t>
             </a:fld>
             <a:endParaRPr lang="pt-BR"/>
           </a:p>
@@ -633,7 +636,7 @@
           <a:p>
             <a:fld id="{581EE8FE-2ED7-4609-AFA7-8DD37B39FEBE}" type="slidenum">
               <a:rPr lang="pt-BR" smtClean="0"/>
-              <a:t>‹#›</a:t>
+              <a:t>‹nº›</a:t>
             </a:fld>
             <a:endParaRPr lang="pt-BR"/>
           </a:p>
@@ -801,7 +804,7 @@
           <a:p>
             <a:fld id="{581EE8FE-2ED7-4609-AFA7-8DD37B39FEBE}" type="slidenum">
               <a:rPr lang="pt-BR" smtClean="0"/>
-              <a:t>‹#›</a:t>
+              <a:t>‹nº›</a:t>
             </a:fld>
             <a:endParaRPr lang="pt-BR"/>
           </a:p>
@@ -1046,7 +1049,7 @@
           <a:p>
             <a:fld id="{581EE8FE-2ED7-4609-AFA7-8DD37B39FEBE}" type="slidenum">
               <a:rPr lang="pt-BR" smtClean="0"/>
-              <a:t>‹#›</a:t>
+              <a:t>‹nº›</a:t>
             </a:fld>
             <a:endParaRPr lang="pt-BR"/>
           </a:p>
@@ -1275,7 +1278,7 @@
           <a:p>
             <a:fld id="{581EE8FE-2ED7-4609-AFA7-8DD37B39FEBE}" type="slidenum">
               <a:rPr lang="pt-BR" smtClean="0"/>
-              <a:t>‹#›</a:t>
+              <a:t>‹nº›</a:t>
             </a:fld>
             <a:endParaRPr lang="pt-BR"/>
           </a:p>
@@ -1639,7 +1642,7 @@
           <a:p>
             <a:fld id="{581EE8FE-2ED7-4609-AFA7-8DD37B39FEBE}" type="slidenum">
               <a:rPr lang="pt-BR" smtClean="0"/>
-              <a:t>‹#›</a:t>
+              <a:t>‹nº›</a:t>
             </a:fld>
             <a:endParaRPr lang="pt-BR"/>
           </a:p>
@@ -1756,7 +1759,7 @@
           <a:p>
             <a:fld id="{581EE8FE-2ED7-4609-AFA7-8DD37B39FEBE}" type="slidenum">
               <a:rPr lang="pt-BR" smtClean="0"/>
-              <a:t>‹#›</a:t>
+              <a:t>‹nº›</a:t>
             </a:fld>
             <a:endParaRPr lang="pt-BR"/>
           </a:p>
@@ -1851,7 +1854,7 @@
           <a:p>
             <a:fld id="{581EE8FE-2ED7-4609-AFA7-8DD37B39FEBE}" type="slidenum">
               <a:rPr lang="pt-BR" smtClean="0"/>
-              <a:t>‹#›</a:t>
+              <a:t>‹nº›</a:t>
             </a:fld>
             <a:endParaRPr lang="pt-BR"/>
           </a:p>
@@ -2126,7 +2129,7 @@
           <a:p>
             <a:fld id="{581EE8FE-2ED7-4609-AFA7-8DD37B39FEBE}" type="slidenum">
               <a:rPr lang="pt-BR" smtClean="0"/>
-              <a:t>‹#›</a:t>
+              <a:t>‹nº›</a:t>
             </a:fld>
             <a:endParaRPr lang="pt-BR"/>
           </a:p>
@@ -2378,7 +2381,7 @@
           <a:p>
             <a:fld id="{581EE8FE-2ED7-4609-AFA7-8DD37B39FEBE}" type="slidenum">
               <a:rPr lang="pt-BR" smtClean="0"/>
-              <a:t>‹#›</a:t>
+              <a:t>‹nº›</a:t>
             </a:fld>
             <a:endParaRPr lang="pt-BR"/>
           </a:p>
@@ -2625,7 +2628,7 @@
           <a:p>
             <a:fld id="{581EE8FE-2ED7-4609-AFA7-8DD37B39FEBE}" type="slidenum">
               <a:rPr lang="pt-BR" smtClean="0"/>
-              <a:t>‹#›</a:t>
+              <a:t>‹nº›</a:t>
             </a:fld>
             <a:endParaRPr lang="pt-BR"/>
           </a:p>
@@ -7873,6 +7876,19 @@
               </a:rPr>
               <a:t>  </a:t>
             </a:r>
+            <a:r>
+              <a:rPr kumimoji="0" lang="pt-BR" altLang="pt-BR" sz="146800" b="0" i="0" u="none" strike="noStrike" cap="none" normalizeH="0" baseline="0">
+                <a:ln>
+                  <a:noFill/>
+                </a:ln>
+                <a:solidFill>
+                  <a:schemeClr val="tx1"/>
+                </a:solidFill>
+                <a:effectLst/>
+                <a:latin typeface="Arial" panose="020B0604020202020204" pitchFamily="34" charset="0"/>
+              </a:rPr>
+              <a:t/>
+            </a:r>
             <a:br>
               <a:rPr kumimoji="0" lang="pt-BR" altLang="pt-BR" sz="146800" b="0" i="0" u="none" strike="noStrike" cap="none" normalizeH="0" baseline="0">
                 <a:ln>
@@ -11644,7 +11660,7 @@
           <p:cNvPr id="9" name="Conector de Seta Reta 30">
             <a:extLst>
               <a:ext uri="{FF2B5EF4-FFF2-40B4-BE49-F238E27FC236}">
-                <a16:creationId xmlns:a16="http://schemas.microsoft.com/office/drawing/2014/main" id="{F4E2726F-250A-244A-9FEF-08E332214A0E}"/>
+                <a16:creationId xmlns:a16="http://schemas.microsoft.com/office/drawing/2014/main" xmlns="" id="{F4E2726F-250A-244A-9FEF-08E332214A0E}"/>
               </a:ext>
             </a:extLst>
           </p:cNvPr>
@@ -11686,7 +11702,7 @@
           <p:cNvPr id="11" name="Conector de Seta Reta 31">
             <a:extLst>
               <a:ext uri="{FF2B5EF4-FFF2-40B4-BE49-F238E27FC236}">
-                <a16:creationId xmlns:a16="http://schemas.microsoft.com/office/drawing/2014/main" id="{58C6BB8A-40B7-1D44-841F-91C8117B7A12}"/>
+                <a16:creationId xmlns:a16="http://schemas.microsoft.com/office/drawing/2014/main" xmlns="" id="{58C6BB8A-40B7-1D44-841F-91C8117B7A12}"/>
               </a:ext>
             </a:extLst>
           </p:cNvPr>
@@ -11728,7 +11744,7 @@
           <p:cNvPr id="12" name="CaixaDeTexto 37">
             <a:extLst>
               <a:ext uri="{FF2B5EF4-FFF2-40B4-BE49-F238E27FC236}">
-                <a16:creationId xmlns:a16="http://schemas.microsoft.com/office/drawing/2014/main" id="{71091896-9F67-8847-9C2A-DE057411D085}"/>
+                <a16:creationId xmlns:a16="http://schemas.microsoft.com/office/drawing/2014/main" xmlns="" id="{71091896-9F67-8847-9C2A-DE057411D085}"/>
               </a:ext>
             </a:extLst>
           </p:cNvPr>
@@ -11763,7 +11779,7 @@
           <p:cNvPr id="13" name="CaixaDeTexto 38">
             <a:extLst>
               <a:ext uri="{FF2B5EF4-FFF2-40B4-BE49-F238E27FC236}">
-                <a16:creationId xmlns:a16="http://schemas.microsoft.com/office/drawing/2014/main" id="{76B8159C-42E2-4940-B7F6-6CFD8DA7CF7E}"/>
+                <a16:creationId xmlns:a16="http://schemas.microsoft.com/office/drawing/2014/main" xmlns="" id="{76B8159C-42E2-4940-B7F6-6CFD8DA7CF7E}"/>
               </a:ext>
             </a:extLst>
           </p:cNvPr>
@@ -11798,7 +11814,7 @@
           <p:cNvPr id="14" name="Conector de Seta Reta 31">
             <a:extLst>
               <a:ext uri="{FF2B5EF4-FFF2-40B4-BE49-F238E27FC236}">
-                <a16:creationId xmlns:a16="http://schemas.microsoft.com/office/drawing/2014/main" id="{6270ED07-5855-EB46-9509-DAAB56BDB6EE}"/>
+                <a16:creationId xmlns:a16="http://schemas.microsoft.com/office/drawing/2014/main" xmlns="" id="{6270ED07-5855-EB46-9509-DAAB56BDB6EE}"/>
               </a:ext>
             </a:extLst>
           </p:cNvPr>
@@ -11842,7 +11858,7 @@
           <p:cNvPr id="15" name="CaixaDeTexto 37">
             <a:extLst>
               <a:ext uri="{FF2B5EF4-FFF2-40B4-BE49-F238E27FC236}">
-                <a16:creationId xmlns:a16="http://schemas.microsoft.com/office/drawing/2014/main" id="{A883361E-6275-FD48-BBBB-CC236BA50F68}"/>
+                <a16:creationId xmlns:a16="http://schemas.microsoft.com/office/drawing/2014/main" xmlns="" id="{A883361E-6275-FD48-BBBB-CC236BA50F68}"/>
               </a:ext>
             </a:extLst>
           </p:cNvPr>
@@ -11878,7 +11894,7 @@
           <p:cNvPr id="4" name="Cube 3">
             <a:extLst>
               <a:ext uri="{FF2B5EF4-FFF2-40B4-BE49-F238E27FC236}">
-                <a16:creationId xmlns:a16="http://schemas.microsoft.com/office/drawing/2014/main" id="{91386F85-D730-BC4D-BFB6-86BD933FCE40}"/>
+                <a16:creationId xmlns:a16="http://schemas.microsoft.com/office/drawing/2014/main" xmlns="" id="{91386F85-D730-BC4D-BFB6-86BD933FCE40}"/>
               </a:ext>
             </a:extLst>
           </p:cNvPr>
@@ -11930,7 +11946,7 @@
           <p:cNvPr id="7" name="Straight Arrow Connector 6">
             <a:extLst>
               <a:ext uri="{FF2B5EF4-FFF2-40B4-BE49-F238E27FC236}">
-                <a16:creationId xmlns:a16="http://schemas.microsoft.com/office/drawing/2014/main" id="{FB5C299A-1052-4746-8710-63FF6CFD409E}"/>
+                <a16:creationId xmlns:a16="http://schemas.microsoft.com/office/drawing/2014/main" xmlns="" id="{FB5C299A-1052-4746-8710-63FF6CFD409E}"/>
               </a:ext>
             </a:extLst>
           </p:cNvPr>
@@ -11976,7 +11992,7 @@
               <p:cNvPr id="16" name="TextBox 15">
                 <a:extLst>
                   <a:ext uri="{FF2B5EF4-FFF2-40B4-BE49-F238E27FC236}">
-                    <a16:creationId xmlns:a16="http://schemas.microsoft.com/office/drawing/2014/main" id="{ADCB2C18-6EAD-5D4A-98EB-E29D64C0FCAF}"/>
+                    <a16:creationId xmlns:a16="http://schemas.microsoft.com/office/drawing/2014/main" xmlns="" id="{ADCB2C18-6EAD-5D4A-98EB-E29D64C0FCAF}"/>
                   </a:ext>
                 </a:extLst>
               </p:cNvPr>
@@ -12089,7 +12105,7 @@
           <p:cNvPr id="25" name="Straight Arrow Connector 24">
             <a:extLst>
               <a:ext uri="{FF2B5EF4-FFF2-40B4-BE49-F238E27FC236}">
-                <a16:creationId xmlns:a16="http://schemas.microsoft.com/office/drawing/2014/main" id="{ED64D3D5-6A3F-5A41-83A7-36085B488607}"/>
+                <a16:creationId xmlns:a16="http://schemas.microsoft.com/office/drawing/2014/main" xmlns="" id="{ED64D3D5-6A3F-5A41-83A7-36085B488607}"/>
               </a:ext>
             </a:extLst>
           </p:cNvPr>
@@ -12135,7 +12151,7 @@
               <p:cNvPr id="27" name="TextBox 26">
                 <a:extLst>
                   <a:ext uri="{FF2B5EF4-FFF2-40B4-BE49-F238E27FC236}">
-                    <a16:creationId xmlns:a16="http://schemas.microsoft.com/office/drawing/2014/main" id="{85C03481-1FBF-DF4E-96C2-CDB1991F1F7B}"/>
+                    <a16:creationId xmlns:a16="http://schemas.microsoft.com/office/drawing/2014/main" xmlns="" id="{85C03481-1FBF-DF4E-96C2-CDB1991F1F7B}"/>
                   </a:ext>
                 </a:extLst>
               </p:cNvPr>
@@ -12248,7 +12264,7 @@
           <p:cNvPr id="28" name="Straight Arrow Connector 27">
             <a:extLst>
               <a:ext uri="{FF2B5EF4-FFF2-40B4-BE49-F238E27FC236}">
-                <a16:creationId xmlns:a16="http://schemas.microsoft.com/office/drawing/2014/main" id="{12070AFC-2402-1041-8B48-36FB0348B700}"/>
+                <a16:creationId xmlns:a16="http://schemas.microsoft.com/office/drawing/2014/main" xmlns="" id="{12070AFC-2402-1041-8B48-36FB0348B700}"/>
               </a:ext>
             </a:extLst>
           </p:cNvPr>
@@ -12294,7 +12310,7 @@
               <p:cNvPr id="36" name="TextBox 35">
                 <a:extLst>
                   <a:ext uri="{FF2B5EF4-FFF2-40B4-BE49-F238E27FC236}">
-                    <a16:creationId xmlns:a16="http://schemas.microsoft.com/office/drawing/2014/main" id="{5FE8FBEA-ADFF-AB40-A54A-449E780BBA65}"/>
+                    <a16:creationId xmlns:a16="http://schemas.microsoft.com/office/drawing/2014/main" xmlns="" id="{5FE8FBEA-ADFF-AB40-A54A-449E780BBA65}"/>
                   </a:ext>
                 </a:extLst>
               </p:cNvPr>
@@ -12407,7 +12423,7 @@
           <p:cNvPr id="40" name="Conector de Seta Reta 30">
             <a:extLst>
               <a:ext uri="{FF2B5EF4-FFF2-40B4-BE49-F238E27FC236}">
-                <a16:creationId xmlns:a16="http://schemas.microsoft.com/office/drawing/2014/main" id="{BA2E9DFA-5E42-7A45-BAAF-990ADF7EA0D3}"/>
+                <a16:creationId xmlns:a16="http://schemas.microsoft.com/office/drawing/2014/main" xmlns="" id="{BA2E9DFA-5E42-7A45-BAAF-990ADF7EA0D3}"/>
               </a:ext>
             </a:extLst>
           </p:cNvPr>
@@ -12451,7 +12467,7 @@
           <p:cNvPr id="41" name="Conector de Seta Reta 31">
             <a:extLst>
               <a:ext uri="{FF2B5EF4-FFF2-40B4-BE49-F238E27FC236}">
-                <a16:creationId xmlns:a16="http://schemas.microsoft.com/office/drawing/2014/main" id="{E89DE250-B42E-074A-9B4B-D32C5B21682A}"/>
+                <a16:creationId xmlns:a16="http://schemas.microsoft.com/office/drawing/2014/main" xmlns="" id="{E89DE250-B42E-074A-9B4B-D32C5B21682A}"/>
               </a:ext>
             </a:extLst>
           </p:cNvPr>
@@ -12495,7 +12511,7 @@
           <p:cNvPr id="42" name="CaixaDeTexto 37">
             <a:extLst>
               <a:ext uri="{FF2B5EF4-FFF2-40B4-BE49-F238E27FC236}">
-                <a16:creationId xmlns:a16="http://schemas.microsoft.com/office/drawing/2014/main" id="{EB1519E0-5286-4349-B80E-C58B3668839D}"/>
+                <a16:creationId xmlns:a16="http://schemas.microsoft.com/office/drawing/2014/main" xmlns="" id="{EB1519E0-5286-4349-B80E-C58B3668839D}"/>
               </a:ext>
             </a:extLst>
           </p:cNvPr>
@@ -12530,7 +12546,7 @@
           <p:cNvPr id="44" name="Conector de Seta Reta 31">
             <a:extLst>
               <a:ext uri="{FF2B5EF4-FFF2-40B4-BE49-F238E27FC236}">
-                <a16:creationId xmlns:a16="http://schemas.microsoft.com/office/drawing/2014/main" id="{498F1A6C-5107-C140-BB57-1B5DC6F026FE}"/>
+                <a16:creationId xmlns:a16="http://schemas.microsoft.com/office/drawing/2014/main" xmlns="" id="{498F1A6C-5107-C140-BB57-1B5DC6F026FE}"/>
               </a:ext>
             </a:extLst>
           </p:cNvPr>
@@ -12574,7 +12590,7 @@
           <p:cNvPr id="45" name="CaixaDeTexto 37">
             <a:extLst>
               <a:ext uri="{FF2B5EF4-FFF2-40B4-BE49-F238E27FC236}">
-                <a16:creationId xmlns:a16="http://schemas.microsoft.com/office/drawing/2014/main" id="{B6B0C0B4-5D95-E046-8F05-DBA56B369AC9}"/>
+                <a16:creationId xmlns:a16="http://schemas.microsoft.com/office/drawing/2014/main" xmlns="" id="{B6B0C0B4-5D95-E046-8F05-DBA56B369AC9}"/>
               </a:ext>
             </a:extLst>
           </p:cNvPr>
@@ -12610,7 +12626,7 @@
           <p:cNvPr id="37" name="Cube 36">
             <a:extLst>
               <a:ext uri="{FF2B5EF4-FFF2-40B4-BE49-F238E27FC236}">
-                <a16:creationId xmlns:a16="http://schemas.microsoft.com/office/drawing/2014/main" id="{678A5E09-5210-8B4F-9C6E-687A6DAE997E}"/>
+                <a16:creationId xmlns:a16="http://schemas.microsoft.com/office/drawing/2014/main" xmlns="" id="{678A5E09-5210-8B4F-9C6E-687A6DAE997E}"/>
               </a:ext>
             </a:extLst>
           </p:cNvPr>
@@ -12662,7 +12678,7 @@
           <p:cNvPr id="54" name="Straight Connector 53">
             <a:extLst>
               <a:ext uri="{FF2B5EF4-FFF2-40B4-BE49-F238E27FC236}">
-                <a16:creationId xmlns:a16="http://schemas.microsoft.com/office/drawing/2014/main" id="{13538F5B-109E-414B-A880-6203A7899206}"/>
+                <a16:creationId xmlns:a16="http://schemas.microsoft.com/office/drawing/2014/main" xmlns="" id="{13538F5B-109E-414B-A880-6203A7899206}"/>
               </a:ext>
             </a:extLst>
           </p:cNvPr>
@@ -12704,7 +12720,7 @@
           <p:cNvPr id="55" name="Straight Connector 54">
             <a:extLst>
               <a:ext uri="{FF2B5EF4-FFF2-40B4-BE49-F238E27FC236}">
-                <a16:creationId xmlns:a16="http://schemas.microsoft.com/office/drawing/2014/main" id="{57FE85EB-0365-8045-A5A8-D95E80529B6A}"/>
+                <a16:creationId xmlns:a16="http://schemas.microsoft.com/office/drawing/2014/main" xmlns="" id="{57FE85EB-0365-8045-A5A8-D95E80529B6A}"/>
               </a:ext>
             </a:extLst>
           </p:cNvPr>
@@ -12748,7 +12764,7 @@
           <p:cNvPr id="59" name="Straight Connector 58">
             <a:extLst>
               <a:ext uri="{FF2B5EF4-FFF2-40B4-BE49-F238E27FC236}">
-                <a16:creationId xmlns:a16="http://schemas.microsoft.com/office/drawing/2014/main" id="{4C50B42D-6F2E-F143-8613-E77625FDA0C2}"/>
+                <a16:creationId xmlns:a16="http://schemas.microsoft.com/office/drawing/2014/main" xmlns="" id="{4C50B42D-6F2E-F143-8613-E77625FDA0C2}"/>
               </a:ext>
             </a:extLst>
           </p:cNvPr>
@@ -12792,7 +12808,7 @@
           <p:cNvPr id="61" name="Straight Arrow Connector 60">
             <a:extLst>
               <a:ext uri="{FF2B5EF4-FFF2-40B4-BE49-F238E27FC236}">
-                <a16:creationId xmlns:a16="http://schemas.microsoft.com/office/drawing/2014/main" id="{CF4E5FA0-002E-E44C-85C4-9D2B890C8F48}"/>
+                <a16:creationId xmlns:a16="http://schemas.microsoft.com/office/drawing/2014/main" xmlns="" id="{CF4E5FA0-002E-E44C-85C4-9D2B890C8F48}"/>
               </a:ext>
             </a:extLst>
           </p:cNvPr>
@@ -12838,7 +12854,7 @@
               <p:cNvPr id="64" name="TextBox 63">
                 <a:extLst>
                   <a:ext uri="{FF2B5EF4-FFF2-40B4-BE49-F238E27FC236}">
-                    <a16:creationId xmlns:a16="http://schemas.microsoft.com/office/drawing/2014/main" id="{D3DDB3F6-3863-8B40-8B0C-765B50556082}"/>
+                    <a16:creationId xmlns:a16="http://schemas.microsoft.com/office/drawing/2014/main" xmlns="" id="{D3DDB3F6-3863-8B40-8B0C-765B50556082}"/>
                   </a:ext>
                 </a:extLst>
               </p:cNvPr>
@@ -12991,7 +13007,7 @@
           <p:cNvPr id="66" name="Straight Arrow Connector 65">
             <a:extLst>
               <a:ext uri="{FF2B5EF4-FFF2-40B4-BE49-F238E27FC236}">
-                <a16:creationId xmlns:a16="http://schemas.microsoft.com/office/drawing/2014/main" id="{754DC28D-02DE-074B-A64E-37E346FFDEAB}"/>
+                <a16:creationId xmlns:a16="http://schemas.microsoft.com/office/drawing/2014/main" xmlns="" id="{754DC28D-02DE-074B-A64E-37E346FFDEAB}"/>
               </a:ext>
             </a:extLst>
           </p:cNvPr>
@@ -13038,7 +13054,7 @@
               <p:cNvPr id="68" name="Rectangle 67">
                 <a:extLst>
                   <a:ext uri="{FF2B5EF4-FFF2-40B4-BE49-F238E27FC236}">
-                    <a16:creationId xmlns:a16="http://schemas.microsoft.com/office/drawing/2014/main" id="{FE8B028E-C93E-E548-AF4F-0A464D80D063}"/>
+                    <a16:creationId xmlns:a16="http://schemas.microsoft.com/office/drawing/2014/main" xmlns="" id="{FE8B028E-C93E-E548-AF4F-0A464D80D063}"/>
                   </a:ext>
                 </a:extLst>
               </p:cNvPr>
@@ -13153,7 +13169,7 @@
           <p:cNvPr id="69" name="Straight Arrow Connector 68">
             <a:extLst>
               <a:ext uri="{FF2B5EF4-FFF2-40B4-BE49-F238E27FC236}">
-                <a16:creationId xmlns:a16="http://schemas.microsoft.com/office/drawing/2014/main" id="{BE0D7074-2E41-6946-A7C8-8B995652278D}"/>
+                <a16:creationId xmlns:a16="http://schemas.microsoft.com/office/drawing/2014/main" xmlns="" id="{BE0D7074-2E41-6946-A7C8-8B995652278D}"/>
               </a:ext>
             </a:extLst>
           </p:cNvPr>
@@ -13199,7 +13215,7 @@
               <p:cNvPr id="71" name="Rectangle 70">
                 <a:extLst>
                   <a:ext uri="{FF2B5EF4-FFF2-40B4-BE49-F238E27FC236}">
-                    <a16:creationId xmlns:a16="http://schemas.microsoft.com/office/drawing/2014/main" id="{40CC5FCB-F480-2645-BAD0-61FA0E7FE5ED}"/>
+                    <a16:creationId xmlns:a16="http://schemas.microsoft.com/office/drawing/2014/main" xmlns="" id="{40CC5FCB-F480-2645-BAD0-61FA0E7FE5ED}"/>
                   </a:ext>
                 </a:extLst>
               </p:cNvPr>
@@ -13365,7 +13381,7 @@
               <p:cNvPr id="72" name="Rectangle 71">
                 <a:extLst>
                   <a:ext uri="{FF2B5EF4-FFF2-40B4-BE49-F238E27FC236}">
-                    <a16:creationId xmlns:a16="http://schemas.microsoft.com/office/drawing/2014/main" id="{23629297-22E7-7441-81D1-749C3AD58B54}"/>
+                    <a16:creationId xmlns:a16="http://schemas.microsoft.com/office/drawing/2014/main" xmlns="" id="{23629297-22E7-7441-81D1-749C3AD58B54}"/>
                   </a:ext>
                 </a:extLst>
               </p:cNvPr>
@@ -13477,7 +13493,7 @@
           <p:cNvPr id="73" name="Straight Arrow Connector 72">
             <a:extLst>
               <a:ext uri="{FF2B5EF4-FFF2-40B4-BE49-F238E27FC236}">
-                <a16:creationId xmlns:a16="http://schemas.microsoft.com/office/drawing/2014/main" id="{46F78AF6-5B3C-564C-8FAE-8D1FD83E19D9}"/>
+                <a16:creationId xmlns:a16="http://schemas.microsoft.com/office/drawing/2014/main" xmlns="" id="{46F78AF6-5B3C-564C-8FAE-8D1FD83E19D9}"/>
               </a:ext>
             </a:extLst>
           </p:cNvPr>
@@ -13522,7 +13538,7 @@
           <p:cNvPr id="74" name="Straight Arrow Connector 73">
             <a:extLst>
               <a:ext uri="{FF2B5EF4-FFF2-40B4-BE49-F238E27FC236}">
-                <a16:creationId xmlns:a16="http://schemas.microsoft.com/office/drawing/2014/main" id="{DE12505A-7235-6448-B5C6-FE671E3F8A22}"/>
+                <a16:creationId xmlns:a16="http://schemas.microsoft.com/office/drawing/2014/main" xmlns="" id="{DE12505A-7235-6448-B5C6-FE671E3F8A22}"/>
               </a:ext>
             </a:extLst>
           </p:cNvPr>
@@ -13568,7 +13584,7 @@
               <p:cNvPr id="75" name="TextBox 74">
                 <a:extLst>
                   <a:ext uri="{FF2B5EF4-FFF2-40B4-BE49-F238E27FC236}">
-                    <a16:creationId xmlns:a16="http://schemas.microsoft.com/office/drawing/2014/main" id="{71F8CD0D-BA76-8E46-9CCA-A28143CAAB39}"/>
+                    <a16:creationId xmlns:a16="http://schemas.microsoft.com/office/drawing/2014/main" xmlns="" id="{71F8CD0D-BA76-8E46-9CCA-A28143CAAB39}"/>
                   </a:ext>
                 </a:extLst>
               </p:cNvPr>
@@ -13727,7 +13743,7 @@
           <p:cNvPr id="83" name="CaixaDeTexto 37">
             <a:extLst>
               <a:ext uri="{FF2B5EF4-FFF2-40B4-BE49-F238E27FC236}">
-                <a16:creationId xmlns:a16="http://schemas.microsoft.com/office/drawing/2014/main" id="{82977875-7FA0-AA40-AFC9-85EBA228660F}"/>
+                <a16:creationId xmlns:a16="http://schemas.microsoft.com/office/drawing/2014/main" xmlns="" id="{82977875-7FA0-AA40-AFC9-85EBA228660F}"/>
               </a:ext>
             </a:extLst>
           </p:cNvPr>
@@ -13762,7 +13778,7 @@
           <p:cNvPr id="84" name="Straight Arrow Connector 83">
             <a:extLst>
               <a:ext uri="{FF2B5EF4-FFF2-40B4-BE49-F238E27FC236}">
-                <a16:creationId xmlns:a16="http://schemas.microsoft.com/office/drawing/2014/main" id="{7B2A7D30-80F5-E04E-AF2E-46549DA5001A}"/>
+                <a16:creationId xmlns:a16="http://schemas.microsoft.com/office/drawing/2014/main" xmlns="" id="{7B2A7D30-80F5-E04E-AF2E-46549DA5001A}"/>
               </a:ext>
             </a:extLst>
           </p:cNvPr>
@@ -13808,7 +13824,7 @@
               <p:cNvPr id="85" name="TextBox 84">
                 <a:extLst>
                   <a:ext uri="{FF2B5EF4-FFF2-40B4-BE49-F238E27FC236}">
-                    <a16:creationId xmlns:a16="http://schemas.microsoft.com/office/drawing/2014/main" id="{9EA20542-1E02-FB4B-8965-FFAFE1DDEE71}"/>
+                    <a16:creationId xmlns:a16="http://schemas.microsoft.com/office/drawing/2014/main" xmlns="" id="{9EA20542-1E02-FB4B-8965-FFAFE1DDEE71}"/>
                   </a:ext>
                 </a:extLst>
               </p:cNvPr>
@@ -13921,7 +13937,7 @@
           <p:cNvPr id="29" name="Group 28">
             <a:extLst>
               <a:ext uri="{FF2B5EF4-FFF2-40B4-BE49-F238E27FC236}">
-                <a16:creationId xmlns:a16="http://schemas.microsoft.com/office/drawing/2014/main" id="{3490477F-763A-4F4D-9169-63E295F28330}"/>
+                <a16:creationId xmlns:a16="http://schemas.microsoft.com/office/drawing/2014/main" xmlns="" id="{3490477F-763A-4F4D-9169-63E295F28330}"/>
               </a:ext>
             </a:extLst>
           </p:cNvPr>
@@ -13941,7 +13957,7 @@
             <p:cNvPr id="2" name="Rectangle 1">
               <a:extLst>
                 <a:ext uri="{FF2B5EF4-FFF2-40B4-BE49-F238E27FC236}">
-                  <a16:creationId xmlns:a16="http://schemas.microsoft.com/office/drawing/2014/main" id="{44D1A702-3EFD-7147-9604-63E809BECA89}"/>
+                  <a16:creationId xmlns:a16="http://schemas.microsoft.com/office/drawing/2014/main" xmlns="" id="{44D1A702-3EFD-7147-9604-63E809BECA89}"/>
                 </a:ext>
               </a:extLst>
             </p:cNvPr>
@@ -13998,7 +14014,7 @@
             <p:cNvPr id="3" name="Freeform 2">
               <a:extLst>
                 <a:ext uri="{FF2B5EF4-FFF2-40B4-BE49-F238E27FC236}">
-                  <a16:creationId xmlns:a16="http://schemas.microsoft.com/office/drawing/2014/main" id="{B8C752B6-8936-584E-9D03-0B78FBF9796E}"/>
+                  <a16:creationId xmlns:a16="http://schemas.microsoft.com/office/drawing/2014/main" xmlns="" id="{B8C752B6-8936-584E-9D03-0B78FBF9796E}"/>
                 </a:ext>
               </a:extLst>
             </p:cNvPr>
@@ -14384,7 +14400,7 @@
             <p:cNvPr id="6" name="Oval 5">
               <a:extLst>
                 <a:ext uri="{FF2B5EF4-FFF2-40B4-BE49-F238E27FC236}">
-                  <a16:creationId xmlns:a16="http://schemas.microsoft.com/office/drawing/2014/main" id="{957036A3-CE44-3948-9771-2A025BF838D5}"/>
+                  <a16:creationId xmlns:a16="http://schemas.microsoft.com/office/drawing/2014/main" xmlns="" id="{957036A3-CE44-3948-9771-2A025BF838D5}"/>
                 </a:ext>
               </a:extLst>
             </p:cNvPr>
@@ -14441,7 +14457,7 @@
             <p:cNvPr id="8" name="Freeform 7">
               <a:extLst>
                 <a:ext uri="{FF2B5EF4-FFF2-40B4-BE49-F238E27FC236}">
-                  <a16:creationId xmlns:a16="http://schemas.microsoft.com/office/drawing/2014/main" id="{B9218790-1900-2742-B907-060A7FD7EF9D}"/>
+                  <a16:creationId xmlns:a16="http://schemas.microsoft.com/office/drawing/2014/main" xmlns="" id="{B9218790-1900-2742-B907-060A7FD7EF9D}"/>
                 </a:ext>
               </a:extLst>
             </p:cNvPr>
@@ -14771,7 +14787,7 @@
             <p:cNvPr id="17" name="Freeform 16">
               <a:extLst>
                 <a:ext uri="{FF2B5EF4-FFF2-40B4-BE49-F238E27FC236}">
-                  <a16:creationId xmlns:a16="http://schemas.microsoft.com/office/drawing/2014/main" id="{983FDBFF-E7D3-4A4D-9B1C-35CBBDDED5F6}"/>
+                  <a16:creationId xmlns:a16="http://schemas.microsoft.com/office/drawing/2014/main" xmlns="" id="{983FDBFF-E7D3-4A4D-9B1C-35CBBDDED5F6}"/>
                 </a:ext>
               </a:extLst>
             </p:cNvPr>
@@ -15159,7 +15175,7 @@
             <p:cNvPr id="18" name="Freeform 17">
               <a:extLst>
                 <a:ext uri="{FF2B5EF4-FFF2-40B4-BE49-F238E27FC236}">
-                  <a16:creationId xmlns:a16="http://schemas.microsoft.com/office/drawing/2014/main" id="{351E04E1-FCD0-664D-A440-E67F5F4D328D}"/>
+                  <a16:creationId xmlns:a16="http://schemas.microsoft.com/office/drawing/2014/main" xmlns="" id="{351E04E1-FCD0-664D-A440-E67F5F4D328D}"/>
                 </a:ext>
               </a:extLst>
             </p:cNvPr>
@@ -15381,7 +15397,7 @@
             <p:cNvPr id="20" name="Freeform 19">
               <a:extLst>
                 <a:ext uri="{FF2B5EF4-FFF2-40B4-BE49-F238E27FC236}">
-                  <a16:creationId xmlns:a16="http://schemas.microsoft.com/office/drawing/2014/main" id="{8DC4F329-D01C-094D-ABC3-C4DA25596C37}"/>
+                  <a16:creationId xmlns:a16="http://schemas.microsoft.com/office/drawing/2014/main" xmlns="" id="{8DC4F329-D01C-094D-ABC3-C4DA25596C37}"/>
                 </a:ext>
               </a:extLst>
             </p:cNvPr>
@@ -15631,7 +15647,7 @@
             <p:cNvPr id="22" name="Freeform 21">
               <a:extLst>
                 <a:ext uri="{FF2B5EF4-FFF2-40B4-BE49-F238E27FC236}">
-                  <a16:creationId xmlns:a16="http://schemas.microsoft.com/office/drawing/2014/main" id="{7E04F2F1-51C6-6A47-91BE-CA28F302B4A9}"/>
+                  <a16:creationId xmlns:a16="http://schemas.microsoft.com/office/drawing/2014/main" xmlns="" id="{7E04F2F1-51C6-6A47-91BE-CA28F302B4A9}"/>
                 </a:ext>
               </a:extLst>
             </p:cNvPr>
@@ -15875,7 +15891,7 @@
             <p:cNvPr id="53" name="Freeform 52">
               <a:extLst>
                 <a:ext uri="{FF2B5EF4-FFF2-40B4-BE49-F238E27FC236}">
-                  <a16:creationId xmlns:a16="http://schemas.microsoft.com/office/drawing/2014/main" id="{0147C010-60C8-9843-8796-B13BD5EB5C78}"/>
+                  <a16:creationId xmlns:a16="http://schemas.microsoft.com/office/drawing/2014/main" xmlns="" id="{0147C010-60C8-9843-8796-B13BD5EB5C78}"/>
                 </a:ext>
               </a:extLst>
             </p:cNvPr>
@@ -16263,7 +16279,7 @@
             <p:cNvPr id="56" name="Freeform 55">
               <a:extLst>
                 <a:ext uri="{FF2B5EF4-FFF2-40B4-BE49-F238E27FC236}">
-                  <a16:creationId xmlns:a16="http://schemas.microsoft.com/office/drawing/2014/main" id="{F0095C1D-22F3-BB4B-B94A-E1418D8828E8}"/>
+                  <a16:creationId xmlns:a16="http://schemas.microsoft.com/office/drawing/2014/main" xmlns="" id="{F0095C1D-22F3-BB4B-B94A-E1418D8828E8}"/>
                 </a:ext>
               </a:extLst>
             </p:cNvPr>
@@ -16649,7 +16665,7 @@
             <p:cNvPr id="57" name="Freeform 56">
               <a:extLst>
                 <a:ext uri="{FF2B5EF4-FFF2-40B4-BE49-F238E27FC236}">
-                  <a16:creationId xmlns:a16="http://schemas.microsoft.com/office/drawing/2014/main" id="{47A790B9-35EB-B644-B261-B2582C621B1A}"/>
+                  <a16:creationId xmlns:a16="http://schemas.microsoft.com/office/drawing/2014/main" xmlns="" id="{47A790B9-35EB-B644-B261-B2582C621B1A}"/>
                 </a:ext>
               </a:extLst>
             </p:cNvPr>
@@ -16899,7 +16915,7 @@
             <p:cNvPr id="58" name="Freeform 57">
               <a:extLst>
                 <a:ext uri="{FF2B5EF4-FFF2-40B4-BE49-F238E27FC236}">
-                  <a16:creationId xmlns:a16="http://schemas.microsoft.com/office/drawing/2014/main" id="{72AB0C17-E2D7-9E4A-8F06-5AA42B43D956}"/>
+                  <a16:creationId xmlns:a16="http://schemas.microsoft.com/office/drawing/2014/main" xmlns="" id="{72AB0C17-E2D7-9E4A-8F06-5AA42B43D956}"/>
                 </a:ext>
               </a:extLst>
             </p:cNvPr>
@@ -17285,7 +17301,7 @@
             <p:cNvPr id="60" name="Freeform 59">
               <a:extLst>
                 <a:ext uri="{FF2B5EF4-FFF2-40B4-BE49-F238E27FC236}">
-                  <a16:creationId xmlns:a16="http://schemas.microsoft.com/office/drawing/2014/main" id="{F8FBCBA5-8772-9141-A68A-733CD1CE40F4}"/>
+                  <a16:creationId xmlns:a16="http://schemas.microsoft.com/office/drawing/2014/main" xmlns="" id="{F8FBCBA5-8772-9141-A68A-733CD1CE40F4}"/>
                 </a:ext>
               </a:extLst>
             </p:cNvPr>
@@ -17671,7 +17687,7 @@
             <p:cNvPr id="62" name="Freeform 61">
               <a:extLst>
                 <a:ext uri="{FF2B5EF4-FFF2-40B4-BE49-F238E27FC236}">
-                  <a16:creationId xmlns:a16="http://schemas.microsoft.com/office/drawing/2014/main" id="{81F5B2E2-D515-5449-8565-69EB2D19B507}"/>
+                  <a16:creationId xmlns:a16="http://schemas.microsoft.com/office/drawing/2014/main" xmlns="" id="{81F5B2E2-D515-5449-8565-69EB2D19B507}"/>
                 </a:ext>
               </a:extLst>
             </p:cNvPr>
@@ -17893,7 +17909,7 @@
             <p:cNvPr id="63" name="Freeform 62">
               <a:extLst>
                 <a:ext uri="{FF2B5EF4-FFF2-40B4-BE49-F238E27FC236}">
-                  <a16:creationId xmlns:a16="http://schemas.microsoft.com/office/drawing/2014/main" id="{86706AD3-955C-8C40-A242-3B2625A36FDC}"/>
+                  <a16:creationId xmlns:a16="http://schemas.microsoft.com/office/drawing/2014/main" xmlns="" id="{86706AD3-955C-8C40-A242-3B2625A36FDC}"/>
                 </a:ext>
               </a:extLst>
             </p:cNvPr>
@@ -18223,7 +18239,7 @@
             <p:cNvPr id="65" name="Freeform 64">
               <a:extLst>
                 <a:ext uri="{FF2B5EF4-FFF2-40B4-BE49-F238E27FC236}">
-                  <a16:creationId xmlns:a16="http://schemas.microsoft.com/office/drawing/2014/main" id="{392ED72B-B593-E94B-8E3A-47A57F4EFA28}"/>
+                  <a16:creationId xmlns:a16="http://schemas.microsoft.com/office/drawing/2014/main" xmlns="" id="{392ED72B-B593-E94B-8E3A-47A57F4EFA28}"/>
                 </a:ext>
               </a:extLst>
             </p:cNvPr>
@@ -18609,7 +18625,7 @@
             <p:cNvPr id="67" name="Freeform 66">
               <a:extLst>
                 <a:ext uri="{FF2B5EF4-FFF2-40B4-BE49-F238E27FC236}">
-                  <a16:creationId xmlns:a16="http://schemas.microsoft.com/office/drawing/2014/main" id="{863BAA95-54EC-6648-A2E4-B92D02F843F9}"/>
+                  <a16:creationId xmlns:a16="http://schemas.microsoft.com/office/drawing/2014/main" xmlns="" id="{863BAA95-54EC-6648-A2E4-B92D02F843F9}"/>
                 </a:ext>
               </a:extLst>
             </p:cNvPr>
@@ -18831,7 +18847,7 @@
             <p:cNvPr id="70" name="Straight Arrow Connector 69">
               <a:extLst>
                 <a:ext uri="{FF2B5EF4-FFF2-40B4-BE49-F238E27FC236}">
-                  <a16:creationId xmlns:a16="http://schemas.microsoft.com/office/drawing/2014/main" id="{37CB2550-0B63-614F-A657-CA0C3BAD55B1}"/>
+                  <a16:creationId xmlns:a16="http://schemas.microsoft.com/office/drawing/2014/main" xmlns="" id="{37CB2550-0B63-614F-A657-CA0C3BAD55B1}"/>
                 </a:ext>
               </a:extLst>
             </p:cNvPr>
@@ -18877,7 +18893,7 @@
                 <p:cNvPr id="76" name="TextBox 75">
                   <a:extLst>
                     <a:ext uri="{FF2B5EF4-FFF2-40B4-BE49-F238E27FC236}">
-                      <a16:creationId xmlns:a16="http://schemas.microsoft.com/office/drawing/2014/main" id="{9855CA9B-1AE1-6F48-B19D-C1DCCFD013A6}"/>
+                      <a16:creationId xmlns:a16="http://schemas.microsoft.com/office/drawing/2014/main" xmlns="" id="{9855CA9B-1AE1-6F48-B19D-C1DCCFD013A6}"/>
                     </a:ext>
                   </a:extLst>
                 </p:cNvPr>
@@ -18990,7 +19006,7 @@
             <p:cNvPr id="79" name="Straight Arrow Connector 78">
               <a:extLst>
                 <a:ext uri="{FF2B5EF4-FFF2-40B4-BE49-F238E27FC236}">
-                  <a16:creationId xmlns:a16="http://schemas.microsoft.com/office/drawing/2014/main" id="{55665669-207C-A24A-BA6F-7BBB58EA34B9}"/>
+                  <a16:creationId xmlns:a16="http://schemas.microsoft.com/office/drawing/2014/main" xmlns="" id="{55665669-207C-A24A-BA6F-7BBB58EA34B9}"/>
                 </a:ext>
               </a:extLst>
             </p:cNvPr>
@@ -19036,7 +19052,7 @@
                 <p:cNvPr id="80" name="TextBox 79">
                   <a:extLst>
                     <a:ext uri="{FF2B5EF4-FFF2-40B4-BE49-F238E27FC236}">
-                      <a16:creationId xmlns:a16="http://schemas.microsoft.com/office/drawing/2014/main" id="{34A6CB74-D772-554F-8A10-ABD6AFE1BFFE}"/>
+                      <a16:creationId xmlns:a16="http://schemas.microsoft.com/office/drawing/2014/main" xmlns="" id="{34A6CB74-D772-554F-8A10-ABD6AFE1BFFE}"/>
                     </a:ext>
                   </a:extLst>
                 </p:cNvPr>
@@ -19149,7 +19165,7 @@
             <p:cNvPr id="81" name="Straight Arrow Connector 80">
               <a:extLst>
                 <a:ext uri="{FF2B5EF4-FFF2-40B4-BE49-F238E27FC236}">
-                  <a16:creationId xmlns:a16="http://schemas.microsoft.com/office/drawing/2014/main" id="{FDFE2E75-8803-D645-962C-55BE74228762}"/>
+                  <a16:creationId xmlns:a16="http://schemas.microsoft.com/office/drawing/2014/main" xmlns="" id="{FDFE2E75-8803-D645-962C-55BE74228762}"/>
                 </a:ext>
               </a:extLst>
             </p:cNvPr>
@@ -19193,7 +19209,7 @@
             <p:cNvPr id="86" name="Straight Arrow Connector 85">
               <a:extLst>
                 <a:ext uri="{FF2B5EF4-FFF2-40B4-BE49-F238E27FC236}">
-                  <a16:creationId xmlns:a16="http://schemas.microsoft.com/office/drawing/2014/main" id="{93DD0A17-02BB-484C-A585-78064B5351E9}"/>
+                  <a16:creationId xmlns:a16="http://schemas.microsoft.com/office/drawing/2014/main" xmlns="" id="{93DD0A17-02BB-484C-A585-78064B5351E9}"/>
                 </a:ext>
               </a:extLst>
             </p:cNvPr>
@@ -19239,7 +19255,7 @@
                 <p:cNvPr id="87" name="TextBox 86">
                   <a:extLst>
                     <a:ext uri="{FF2B5EF4-FFF2-40B4-BE49-F238E27FC236}">
-                      <a16:creationId xmlns:a16="http://schemas.microsoft.com/office/drawing/2014/main" id="{99094E6F-4903-FA41-A682-767C00BC8280}"/>
+                      <a16:creationId xmlns:a16="http://schemas.microsoft.com/office/drawing/2014/main" xmlns="" id="{99094E6F-4903-FA41-A682-767C00BC8280}"/>
                     </a:ext>
                   </a:extLst>
                 </p:cNvPr>
@@ -19354,7 +19370,7 @@
                 <p:cNvPr id="88" name="TextBox 87">
                   <a:extLst>
                     <a:ext uri="{FF2B5EF4-FFF2-40B4-BE49-F238E27FC236}">
-                      <a16:creationId xmlns:a16="http://schemas.microsoft.com/office/drawing/2014/main" id="{CA81FD42-A571-FD45-A4BD-D662E0F8144C}"/>
+                      <a16:creationId xmlns:a16="http://schemas.microsoft.com/office/drawing/2014/main" xmlns="" id="{CA81FD42-A571-FD45-A4BD-D662E0F8144C}"/>
                     </a:ext>
                   </a:extLst>
                 </p:cNvPr>
@@ -19498,7 +19514,7 @@
           <p:cNvPr id="4" name="Picture 3">
             <a:extLst>
               <a:ext uri="{FF2B5EF4-FFF2-40B4-BE49-F238E27FC236}">
-                <a16:creationId xmlns:a16="http://schemas.microsoft.com/office/drawing/2014/main" id="{1F46FB23-65FB-9049-9C50-43B5B6AD9EA8}"/>
+                <a16:creationId xmlns:a16="http://schemas.microsoft.com/office/drawing/2014/main" xmlns="" id="{1F46FB23-65FB-9049-9C50-43B5B6AD9EA8}"/>
               </a:ext>
             </a:extLst>
           </p:cNvPr>
@@ -19528,7 +19544,7 @@
           <p:cNvPr id="6" name="Straight Connector 5">
             <a:extLst>
               <a:ext uri="{FF2B5EF4-FFF2-40B4-BE49-F238E27FC236}">
-                <a16:creationId xmlns:a16="http://schemas.microsoft.com/office/drawing/2014/main" id="{3E621B72-9657-FE4E-9C41-001E2A069FE3}"/>
+                <a16:creationId xmlns:a16="http://schemas.microsoft.com/office/drawing/2014/main" xmlns="" id="{3E621B72-9657-FE4E-9C41-001E2A069FE3}"/>
               </a:ext>
             </a:extLst>
           </p:cNvPr>
@@ -19563,6 +19579,7478 @@
     <p:extLst>
       <p:ext uri="{BB962C8B-B14F-4D97-AF65-F5344CB8AC3E}">
         <p14:creationId xmlns:p14="http://schemas.microsoft.com/office/powerpoint/2010/main" val="3708112039"/>
+      </p:ext>
+    </p:extLst>
+  </p:cSld>
+  <p:clrMapOvr>
+    <a:masterClrMapping/>
+  </p:clrMapOvr>
+</p:sld>
+</file>
+
+<file path=ppt/slides/slide6.xml><?xml version="1.0" encoding="utf-8"?>
+<p:sld xmlns:a="http://schemas.openxmlformats.org/drawingml/2006/main" xmlns:r="http://schemas.openxmlformats.org/officeDocument/2006/relationships" xmlns:p="http://schemas.openxmlformats.org/presentationml/2006/main">
+  <p:cSld>
+    <p:spTree>
+      <p:nvGrpSpPr>
+        <p:cNvPr id="1" name=""/>
+        <p:cNvGrpSpPr/>
+        <p:nvPr/>
+      </p:nvGrpSpPr>
+      <p:grpSpPr>
+        <a:xfrm>
+          <a:off x="0" y="0"/>
+          <a:ext cx="0" cy="0"/>
+          <a:chOff x="0" y="0"/>
+          <a:chExt cx="0" cy="0"/>
+        </a:xfrm>
+      </p:grpSpPr>
+      <p:sp>
+        <p:nvSpPr>
+          <p:cNvPr id="5" name="Retângulo 4"/>
+          <p:cNvSpPr/>
+          <p:nvPr/>
+        </p:nvSpPr>
+        <p:spPr>
+          <a:xfrm>
+            <a:off x="5836258" y="572494"/>
+            <a:ext cx="1470992" cy="1470992"/>
+          </a:xfrm>
+          <a:prstGeom prst="rect">
+            <a:avLst/>
+          </a:prstGeom>
+          <a:solidFill>
+            <a:schemeClr val="bg1"/>
+          </a:solidFill>
+          <a:ln w="19050">
+            <a:solidFill>
+              <a:schemeClr val="tx1"/>
+            </a:solidFill>
+          </a:ln>
+        </p:spPr>
+        <p:style>
+          <a:lnRef idx="2">
+            <a:schemeClr val="accent1">
+              <a:shade val="50000"/>
+            </a:schemeClr>
+          </a:lnRef>
+          <a:fillRef idx="1">
+            <a:schemeClr val="accent1"/>
+          </a:fillRef>
+          <a:effectRef idx="0">
+            <a:schemeClr val="accent1"/>
+          </a:effectRef>
+          <a:fontRef idx="minor">
+            <a:schemeClr val="lt1"/>
+          </a:fontRef>
+        </p:style>
+        <p:txBody>
+          <a:bodyPr rtlCol="0" anchor="ctr"/>
+          <a:lstStyle/>
+          <a:p>
+            <a:pPr algn="ctr"/>
+            <a:endParaRPr lang="pt-BR"/>
+          </a:p>
+        </p:txBody>
+      </p:sp>
+      <p:cxnSp>
+        <p:nvCxnSpPr>
+          <p:cNvPr id="10" name="Conector de Seta Reta 9"/>
+          <p:cNvCxnSpPr/>
+          <p:nvPr/>
+        </p:nvCxnSpPr>
+        <p:spPr>
+          <a:xfrm>
+            <a:off x="6571754" y="23854"/>
+            <a:ext cx="0" cy="2464904"/>
+          </a:xfrm>
+          <a:prstGeom prst="straightConnector1">
+            <a:avLst/>
+          </a:prstGeom>
+          <a:ln w="12700">
+            <a:solidFill>
+              <a:schemeClr val="tx1"/>
+            </a:solidFill>
+            <a:headEnd type="triangle"/>
+            <a:tailEnd type="triangle"/>
+          </a:ln>
+        </p:spPr>
+        <p:style>
+          <a:lnRef idx="1">
+            <a:schemeClr val="accent1"/>
+          </a:lnRef>
+          <a:fillRef idx="0">
+            <a:schemeClr val="accent1"/>
+          </a:fillRef>
+          <a:effectRef idx="0">
+            <a:schemeClr val="accent1"/>
+          </a:effectRef>
+          <a:fontRef idx="minor">
+            <a:schemeClr val="tx1"/>
+          </a:fontRef>
+        </p:style>
+      </p:cxnSp>
+      <p:cxnSp>
+        <p:nvCxnSpPr>
+          <p:cNvPr id="19" name="Conector de Seta Reta 18"/>
+          <p:cNvCxnSpPr/>
+          <p:nvPr/>
+        </p:nvCxnSpPr>
+        <p:spPr>
+          <a:xfrm>
+            <a:off x="5303520" y="1307990"/>
+            <a:ext cx="2409245" cy="0"/>
+          </a:xfrm>
+          <a:prstGeom prst="straightConnector1">
+            <a:avLst/>
+          </a:prstGeom>
+          <a:ln w="12700">
+            <a:solidFill>
+              <a:schemeClr val="tx1"/>
+            </a:solidFill>
+            <a:headEnd type="triangle"/>
+            <a:tailEnd type="triangle"/>
+          </a:ln>
+        </p:spPr>
+        <p:style>
+          <a:lnRef idx="1">
+            <a:schemeClr val="accent1"/>
+          </a:lnRef>
+          <a:fillRef idx="0">
+            <a:schemeClr val="accent1"/>
+          </a:fillRef>
+          <a:effectRef idx="0">
+            <a:schemeClr val="accent1"/>
+          </a:effectRef>
+          <a:fontRef idx="minor">
+            <a:schemeClr val="tx1"/>
+          </a:fontRef>
+        </p:style>
+      </p:cxnSp>
+      <p:cxnSp>
+        <p:nvCxnSpPr>
+          <p:cNvPr id="31" name="Conector de Seta Reta 30"/>
+          <p:cNvCxnSpPr/>
+          <p:nvPr/>
+        </p:nvCxnSpPr>
+        <p:spPr>
+          <a:xfrm>
+            <a:off x="1025718" y="2425149"/>
+            <a:ext cx="389614" cy="0"/>
+          </a:xfrm>
+          <a:prstGeom prst="straightConnector1">
+            <a:avLst/>
+          </a:prstGeom>
+          <a:ln w="19050">
+            <a:solidFill>
+              <a:schemeClr val="tx1"/>
+            </a:solidFill>
+            <a:tailEnd type="triangle"/>
+          </a:ln>
+        </p:spPr>
+        <p:style>
+          <a:lnRef idx="1">
+            <a:schemeClr val="accent1"/>
+          </a:lnRef>
+          <a:fillRef idx="0">
+            <a:schemeClr val="accent1"/>
+          </a:fillRef>
+          <a:effectRef idx="0">
+            <a:schemeClr val="accent1"/>
+          </a:effectRef>
+          <a:fontRef idx="minor">
+            <a:schemeClr val="tx1"/>
+          </a:fontRef>
+        </p:style>
+      </p:cxnSp>
+      <p:cxnSp>
+        <p:nvCxnSpPr>
+          <p:cNvPr id="32" name="Conector de Seta Reta 31"/>
+          <p:cNvCxnSpPr/>
+          <p:nvPr/>
+        </p:nvCxnSpPr>
+        <p:spPr>
+          <a:xfrm flipV="1">
+            <a:off x="1025717" y="2043486"/>
+            <a:ext cx="0" cy="381664"/>
+          </a:xfrm>
+          <a:prstGeom prst="straightConnector1">
+            <a:avLst/>
+          </a:prstGeom>
+          <a:ln w="19050">
+            <a:solidFill>
+              <a:schemeClr val="tx1"/>
+            </a:solidFill>
+            <a:tailEnd type="triangle"/>
+          </a:ln>
+        </p:spPr>
+        <p:style>
+          <a:lnRef idx="1">
+            <a:schemeClr val="accent1"/>
+          </a:lnRef>
+          <a:fillRef idx="0">
+            <a:schemeClr val="accent1"/>
+          </a:fillRef>
+          <a:effectRef idx="0">
+            <a:schemeClr val="accent1"/>
+          </a:effectRef>
+          <a:fontRef idx="minor">
+            <a:schemeClr val="tx1"/>
+          </a:fontRef>
+        </p:style>
+      </p:cxnSp>
+      <p:sp>
+        <p:nvSpPr>
+          <p:cNvPr id="38" name="CaixaDeTexto 37"/>
+          <p:cNvSpPr txBox="1"/>
+          <p:nvPr/>
+        </p:nvSpPr>
+        <p:spPr>
+          <a:xfrm>
+            <a:off x="1222512" y="2401295"/>
+            <a:ext cx="385639" cy="369332"/>
+          </a:xfrm>
+          <a:prstGeom prst="rect">
+            <a:avLst/>
+          </a:prstGeom>
+          <a:noFill/>
+        </p:spPr>
+        <p:txBody>
+          <a:bodyPr wrap="square" rtlCol="0">
+            <a:spAutoFit/>
+          </a:bodyPr>
+          <a:lstStyle/>
+          <a:p>
+            <a:r>
+              <a:rPr lang="pt-BR" dirty="0" smtClean="0"/>
+              <a:t>x</a:t>
+            </a:r>
+            <a:endParaRPr lang="pt-BR" dirty="0"/>
+          </a:p>
+        </p:txBody>
+      </p:sp>
+      <p:sp>
+        <p:nvSpPr>
+          <p:cNvPr id="39" name="CaixaDeTexto 38"/>
+          <p:cNvSpPr txBox="1"/>
+          <p:nvPr/>
+        </p:nvSpPr>
+        <p:spPr>
+          <a:xfrm>
+            <a:off x="699051" y="1858820"/>
+            <a:ext cx="385639" cy="369332"/>
+          </a:xfrm>
+          <a:prstGeom prst="rect">
+            <a:avLst/>
+          </a:prstGeom>
+          <a:noFill/>
+        </p:spPr>
+        <p:txBody>
+          <a:bodyPr wrap="square" rtlCol="0">
+            <a:spAutoFit/>
+          </a:bodyPr>
+          <a:lstStyle/>
+          <a:p>
+            <a:r>
+              <a:rPr lang="pt-BR" dirty="0" smtClean="0"/>
+              <a:t>y</a:t>
+            </a:r>
+            <a:endParaRPr lang="pt-BR" dirty="0"/>
+          </a:p>
+        </p:txBody>
+      </p:sp>
+      <p:grpSp>
+        <p:nvGrpSpPr>
+          <p:cNvPr id="52" name="Grupo 51"/>
+          <p:cNvGrpSpPr/>
+          <p:nvPr/>
+        </p:nvGrpSpPr>
+        <p:grpSpPr>
+          <a:xfrm>
+            <a:off x="413031" y="2967624"/>
+            <a:ext cx="4340139" cy="3276174"/>
+            <a:chOff x="862611" y="3365061"/>
+            <a:chExt cx="4340139" cy="3276174"/>
+          </a:xfrm>
+        </p:grpSpPr>
+        <p:sp>
+          <p:nvSpPr>
+            <p:cNvPr id="53" name="Forma livre 52"/>
+            <p:cNvSpPr/>
+            <p:nvPr/>
+          </p:nvSpPr>
+          <p:spPr>
+            <a:xfrm>
+              <a:off x="1415332" y="3695700"/>
+              <a:ext cx="3162300" cy="2019300"/>
+            </a:xfrm>
+            <a:custGeom>
+              <a:avLst/>
+              <a:gdLst>
+                <a:gd name="connsiteX0" fmla="*/ 396240 w 3162300"/>
+                <a:gd name="connsiteY0" fmla="*/ 2019300 h 2019300"/>
+                <a:gd name="connsiteX1" fmla="*/ 0 w 3162300"/>
+                <a:gd name="connsiteY1" fmla="*/ 685800 h 2019300"/>
+                <a:gd name="connsiteX2" fmla="*/ 2057400 w 3162300"/>
+                <a:gd name="connsiteY2" fmla="*/ 0 h 2019300"/>
+                <a:gd name="connsiteX3" fmla="*/ 3162300 w 3162300"/>
+                <a:gd name="connsiteY3" fmla="*/ 1752600 h 2019300"/>
+                <a:gd name="connsiteX4" fmla="*/ 396240 w 3162300"/>
+                <a:gd name="connsiteY4" fmla="*/ 2019300 h 2019300"/>
+              </a:gdLst>
+              <a:ahLst/>
+              <a:cxnLst>
+                <a:cxn ang="0">
+                  <a:pos x="connsiteX0" y="connsiteY0"/>
+                </a:cxn>
+                <a:cxn ang="0">
+                  <a:pos x="connsiteX1" y="connsiteY1"/>
+                </a:cxn>
+                <a:cxn ang="0">
+                  <a:pos x="connsiteX2" y="connsiteY2"/>
+                </a:cxn>
+                <a:cxn ang="0">
+                  <a:pos x="connsiteX3" y="connsiteY3"/>
+                </a:cxn>
+                <a:cxn ang="0">
+                  <a:pos x="connsiteX4" y="connsiteY4"/>
+                </a:cxn>
+              </a:cxnLst>
+              <a:rect l="l" t="t" r="r" b="b"/>
+              <a:pathLst>
+                <a:path w="3162300" h="2019300">
+                  <a:moveTo>
+                    <a:pt x="396240" y="2019300"/>
+                  </a:moveTo>
+                  <a:lnTo>
+                    <a:pt x="0" y="685800"/>
+                  </a:lnTo>
+                  <a:lnTo>
+                    <a:pt x="2057400" y="0"/>
+                  </a:lnTo>
+                  <a:lnTo>
+                    <a:pt x="3162300" y="1752600"/>
+                  </a:lnTo>
+                  <a:lnTo>
+                    <a:pt x="396240" y="2019300"/>
+                  </a:lnTo>
+                  <a:close/>
+                </a:path>
+              </a:pathLst>
+            </a:custGeom>
+            <a:solidFill>
+              <a:schemeClr val="bg1"/>
+            </a:solidFill>
+            <a:ln w="38100">
+              <a:solidFill>
+                <a:schemeClr val="tx1"/>
+              </a:solidFill>
+            </a:ln>
+          </p:spPr>
+          <p:style>
+            <a:lnRef idx="2">
+              <a:schemeClr val="accent1">
+                <a:shade val="50000"/>
+              </a:schemeClr>
+            </a:lnRef>
+            <a:fillRef idx="1">
+              <a:schemeClr val="accent1"/>
+            </a:fillRef>
+            <a:effectRef idx="0">
+              <a:schemeClr val="accent1"/>
+            </a:effectRef>
+            <a:fontRef idx="minor">
+              <a:schemeClr val="lt1"/>
+            </a:fontRef>
+          </p:style>
+          <p:txBody>
+            <a:bodyPr rtlCol="0" anchor="ctr"/>
+            <a:lstStyle/>
+            <a:p>
+              <a:pPr algn="ctr"/>
+              <a:endParaRPr lang="pt-BR"/>
+            </a:p>
+          </p:txBody>
+        </p:sp>
+        <mc:AlternateContent xmlns:mc="http://schemas.openxmlformats.org/markup-compatibility/2006" xmlns:a14="http://schemas.microsoft.com/office/drawing/2010/main">
+          <mc:Choice Requires="a14">
+            <p:sp>
+              <p:nvSpPr>
+                <p:cNvPr id="54" name="CaixaDeTexto 53"/>
+                <p:cNvSpPr txBox="1"/>
+                <p:nvPr/>
+              </p:nvSpPr>
+              <p:spPr>
+                <a:xfrm>
+                  <a:off x="1235766" y="5742637"/>
+                  <a:ext cx="1025220" cy="281744"/>
+                </a:xfrm>
+                <a:prstGeom prst="rect">
+                  <a:avLst/>
+                </a:prstGeom>
+                <a:noFill/>
+              </p:spPr>
+              <p:txBody>
+                <a:bodyPr wrap="square" lIns="0" tIns="0" rIns="0" bIns="0" rtlCol="0">
+                  <a:spAutoFit/>
+                </a:bodyPr>
+                <a:lstStyle/>
+                <a:p>
+                  <a:pPr/>
+                  <a14:m>
+                    <m:oMathPara xmlns:m="http://schemas.openxmlformats.org/officeDocument/2006/math">
+                      <m:oMathParaPr>
+                        <m:jc m:val="centerGroup"/>
+                      </m:oMathParaPr>
+                      <m:oMath xmlns:m="http://schemas.openxmlformats.org/officeDocument/2006/math">
+                        <m:sSubSup>
+                          <m:sSubSupPr>
+                            <m:ctrlPr>
+                              <a:rPr lang="pt-BR" b="0" i="1" smtClean="0">
+                                <a:latin typeface="Cambria Math" panose="02040503050406030204" pitchFamily="18" charset="0"/>
+                              </a:rPr>
+                            </m:ctrlPr>
+                          </m:sSubSupPr>
+                          <m:e>
+                            <m:r>
+                              <a:rPr lang="pt-BR" b="0" i="1" smtClean="0">
+                                <a:latin typeface="Cambria Math" panose="02040503050406030204" pitchFamily="18" charset="0"/>
+                              </a:rPr>
+                              <m:t>𝑁</m:t>
+                            </m:r>
+                          </m:e>
+                          <m:sub>
+                            <m:r>
+                              <a:rPr lang="pt-BR" b="0" i="1" smtClean="0">
+                                <a:latin typeface="Cambria Math" panose="02040503050406030204" pitchFamily="18" charset="0"/>
+                              </a:rPr>
+                              <m:t>𝑒</m:t>
+                            </m:r>
+                            <m:r>
+                              <a:rPr lang="pt-BR" b="0" i="1" smtClean="0">
+                                <a:latin typeface="Cambria Math" panose="02040503050406030204" pitchFamily="18" charset="0"/>
+                              </a:rPr>
+                              <m:t>1</m:t>
+                            </m:r>
+                          </m:sub>
+                          <m:sup>
+                            <m:r>
+                              <a:rPr lang="pt-BR" b="0" i="1" smtClean="0">
+                                <a:latin typeface="Cambria Math" panose="02040503050406030204" pitchFamily="18" charset="0"/>
+                              </a:rPr>
+                              <m:t>𝐻</m:t>
+                            </m:r>
+                          </m:sup>
+                        </m:sSubSup>
+                        <m:r>
+                          <a:rPr lang="pt-BR" b="0" i="1" smtClean="0">
+                            <a:latin typeface="Cambria Math" panose="02040503050406030204" pitchFamily="18" charset="0"/>
+                          </a:rPr>
+                          <m:t>,</m:t>
+                        </m:r>
+                        <m:sSubSup>
+                          <m:sSubSupPr>
+                            <m:ctrlPr>
+                              <a:rPr lang="pt-BR" i="1">
+                                <a:latin typeface="Cambria Math" panose="02040503050406030204" pitchFamily="18" charset="0"/>
+                              </a:rPr>
+                            </m:ctrlPr>
+                          </m:sSubSupPr>
+                          <m:e>
+                            <m:r>
+                              <a:rPr lang="pt-BR" i="1">
+                                <a:latin typeface="Cambria Math" panose="02040503050406030204" pitchFamily="18" charset="0"/>
+                              </a:rPr>
+                              <m:t>𝑁</m:t>
+                            </m:r>
+                          </m:e>
+                          <m:sub>
+                            <m:r>
+                              <a:rPr lang="pt-BR" i="1">
+                                <a:latin typeface="Cambria Math" panose="02040503050406030204" pitchFamily="18" charset="0"/>
+                              </a:rPr>
+                              <m:t>𝑒</m:t>
+                            </m:r>
+                            <m:r>
+                              <a:rPr lang="pt-BR" i="1">
+                                <a:latin typeface="Cambria Math" panose="02040503050406030204" pitchFamily="18" charset="0"/>
+                              </a:rPr>
+                              <m:t>2</m:t>
+                            </m:r>
+                          </m:sub>
+                          <m:sup>
+                            <m:r>
+                              <a:rPr lang="pt-BR" i="1">
+                                <a:latin typeface="Cambria Math" panose="02040503050406030204" pitchFamily="18" charset="0"/>
+                              </a:rPr>
+                              <m:t>𝐻</m:t>
+                            </m:r>
+                          </m:sup>
+                        </m:sSubSup>
+                      </m:oMath>
+                    </m:oMathPara>
+                  </a14:m>
+                  <a:endParaRPr lang="pt-BR" dirty="0"/>
+                </a:p>
+              </p:txBody>
+            </p:sp>
+          </mc:Choice>
+          <mc:Fallback xmlns="">
+            <p:sp>
+              <p:nvSpPr>
+                <p:cNvPr id="54" name="CaixaDeTexto 53"/>
+                <p:cNvSpPr txBox="1">
+                  <a:spLocks noRot="1" noChangeAspect="1" noMove="1" noResize="1" noEditPoints="1" noAdjustHandles="1" noChangeArrowheads="1" noChangeShapeType="1" noTextEdit="1"/>
+                </p:cNvSpPr>
+                <p:nvPr/>
+              </p:nvSpPr>
+              <p:spPr>
+                <a:xfrm>
+                  <a:off x="1235766" y="5742637"/>
+                  <a:ext cx="1025220" cy="281744"/>
+                </a:xfrm>
+                <a:prstGeom prst="rect">
+                  <a:avLst/>
+                </a:prstGeom>
+                <a:blipFill rotWithShape="0">
+                  <a:blip r:embed="rId2"/>
+                  <a:stretch>
+                    <a:fillRect t="-2174" b="-17391"/>
+                  </a:stretch>
+                </a:blipFill>
+              </p:spPr>
+              <p:txBody>
+                <a:bodyPr/>
+                <a:lstStyle/>
+                <a:p>
+                  <a:r>
+                    <a:rPr lang="pt-BR">
+                      <a:noFill/>
+                    </a:rPr>
+                    <a:t> </a:t>
+                  </a:r>
+                </a:p>
+              </p:txBody>
+            </p:sp>
+          </mc:Fallback>
+        </mc:AlternateContent>
+        <p:cxnSp>
+          <p:nvCxnSpPr>
+            <p:cNvPr id="55" name="Conector reto 54"/>
+            <p:cNvCxnSpPr/>
+            <p:nvPr/>
+          </p:nvCxnSpPr>
+          <p:spPr>
+            <a:xfrm>
+              <a:off x="1725865" y="4290060"/>
+              <a:ext cx="714687" cy="1363980"/>
+            </a:xfrm>
+            <a:prstGeom prst="line">
+              <a:avLst/>
+            </a:prstGeom>
+            <a:ln>
+              <a:solidFill>
+                <a:schemeClr val="tx1"/>
+              </a:solidFill>
+            </a:ln>
+          </p:spPr>
+          <p:style>
+            <a:lnRef idx="1">
+              <a:schemeClr val="accent1"/>
+            </a:lnRef>
+            <a:fillRef idx="0">
+              <a:schemeClr val="accent1"/>
+            </a:fillRef>
+            <a:effectRef idx="0">
+              <a:schemeClr val="accent1"/>
+            </a:effectRef>
+            <a:fontRef idx="minor">
+              <a:schemeClr val="tx1"/>
+            </a:fontRef>
+          </p:style>
+        </p:cxnSp>
+        <p:cxnSp>
+          <p:nvCxnSpPr>
+            <p:cNvPr id="56" name="Conector reto 55"/>
+            <p:cNvCxnSpPr/>
+            <p:nvPr/>
+          </p:nvCxnSpPr>
+          <p:spPr>
+            <a:xfrm>
+              <a:off x="2175891" y="4119933"/>
+              <a:ext cx="796495" cy="1491562"/>
+            </a:xfrm>
+            <a:prstGeom prst="line">
+              <a:avLst/>
+            </a:prstGeom>
+            <a:ln>
+              <a:solidFill>
+                <a:schemeClr val="tx1"/>
+              </a:solidFill>
+            </a:ln>
+          </p:spPr>
+          <p:style>
+            <a:lnRef idx="1">
+              <a:schemeClr val="accent1"/>
+            </a:lnRef>
+            <a:fillRef idx="0">
+              <a:schemeClr val="accent1"/>
+            </a:fillRef>
+            <a:effectRef idx="0">
+              <a:schemeClr val="accent1"/>
+            </a:effectRef>
+            <a:fontRef idx="minor">
+              <a:schemeClr val="tx1"/>
+            </a:fontRef>
+          </p:style>
+        </p:cxnSp>
+        <p:cxnSp>
+          <p:nvCxnSpPr>
+            <p:cNvPr id="57" name="Conector reto 56"/>
+            <p:cNvCxnSpPr/>
+            <p:nvPr/>
+          </p:nvCxnSpPr>
+          <p:spPr>
+            <a:xfrm>
+              <a:off x="2751085" y="3935232"/>
+              <a:ext cx="677519" cy="1634988"/>
+            </a:xfrm>
+            <a:prstGeom prst="line">
+              <a:avLst/>
+            </a:prstGeom>
+            <a:ln>
+              <a:solidFill>
+                <a:schemeClr val="tx1"/>
+              </a:solidFill>
+            </a:ln>
+          </p:spPr>
+          <p:style>
+            <a:lnRef idx="1">
+              <a:schemeClr val="accent1"/>
+            </a:lnRef>
+            <a:fillRef idx="0">
+              <a:schemeClr val="accent1"/>
+            </a:fillRef>
+            <a:effectRef idx="0">
+              <a:schemeClr val="accent1"/>
+            </a:effectRef>
+            <a:fontRef idx="minor">
+              <a:schemeClr val="tx1"/>
+            </a:fontRef>
+          </p:style>
+        </p:cxnSp>
+        <p:cxnSp>
+          <p:nvCxnSpPr>
+            <p:cNvPr id="58" name="Conector reto 57"/>
+            <p:cNvCxnSpPr/>
+            <p:nvPr/>
+          </p:nvCxnSpPr>
+          <p:spPr>
+            <a:xfrm>
+              <a:off x="3115966" y="3792108"/>
+              <a:ext cx="681446" cy="1717152"/>
+            </a:xfrm>
+            <a:prstGeom prst="line">
+              <a:avLst/>
+            </a:prstGeom>
+            <a:ln>
+              <a:solidFill>
+                <a:schemeClr val="tx1"/>
+              </a:solidFill>
+            </a:ln>
+          </p:spPr>
+          <p:style>
+            <a:lnRef idx="1">
+              <a:schemeClr val="accent1"/>
+            </a:lnRef>
+            <a:fillRef idx="0">
+              <a:schemeClr val="accent1"/>
+            </a:fillRef>
+            <a:effectRef idx="0">
+              <a:schemeClr val="accent1"/>
+            </a:effectRef>
+            <a:fontRef idx="minor">
+              <a:schemeClr val="tx1"/>
+            </a:fontRef>
+          </p:style>
+        </p:cxnSp>
+        <p:cxnSp>
+          <p:nvCxnSpPr>
+            <p:cNvPr id="59" name="Conector reto 58"/>
+            <p:cNvCxnSpPr/>
+            <p:nvPr/>
+          </p:nvCxnSpPr>
+          <p:spPr>
+            <a:xfrm flipV="1">
+              <a:off x="1489549" y="4080012"/>
+              <a:ext cx="2213647" cy="625338"/>
+            </a:xfrm>
+            <a:prstGeom prst="line">
+              <a:avLst/>
+            </a:prstGeom>
+            <a:ln>
+              <a:solidFill>
+                <a:schemeClr val="tx1"/>
+              </a:solidFill>
+            </a:ln>
+          </p:spPr>
+          <p:style>
+            <a:lnRef idx="1">
+              <a:schemeClr val="accent1"/>
+            </a:lnRef>
+            <a:fillRef idx="0">
+              <a:schemeClr val="accent1"/>
+            </a:fillRef>
+            <a:effectRef idx="0">
+              <a:schemeClr val="accent1"/>
+            </a:effectRef>
+            <a:fontRef idx="minor">
+              <a:schemeClr val="tx1"/>
+            </a:fontRef>
+          </p:style>
+        </p:cxnSp>
+        <p:cxnSp>
+          <p:nvCxnSpPr>
+            <p:cNvPr id="60" name="Conector reto 59"/>
+            <p:cNvCxnSpPr/>
+            <p:nvPr/>
+          </p:nvCxnSpPr>
+          <p:spPr>
+            <a:xfrm flipV="1">
+              <a:off x="1583765" y="4392681"/>
+              <a:ext cx="2319827" cy="611672"/>
+            </a:xfrm>
+            <a:prstGeom prst="line">
+              <a:avLst/>
+            </a:prstGeom>
+            <a:ln>
+              <a:solidFill>
+                <a:schemeClr val="tx1"/>
+              </a:solidFill>
+            </a:ln>
+          </p:spPr>
+          <p:style>
+            <a:lnRef idx="1">
+              <a:schemeClr val="accent1"/>
+            </a:lnRef>
+            <a:fillRef idx="0">
+              <a:schemeClr val="accent1"/>
+            </a:fillRef>
+            <a:effectRef idx="0">
+              <a:schemeClr val="accent1"/>
+            </a:effectRef>
+            <a:fontRef idx="minor">
+              <a:schemeClr val="tx1"/>
+            </a:fontRef>
+          </p:style>
+        </p:cxnSp>
+        <p:cxnSp>
+          <p:nvCxnSpPr>
+            <p:cNvPr id="61" name="Conector reto 60"/>
+            <p:cNvCxnSpPr/>
+            <p:nvPr/>
+          </p:nvCxnSpPr>
+          <p:spPr>
+            <a:xfrm flipV="1">
+              <a:off x="1705900" y="4876467"/>
+              <a:ext cx="2532972" cy="501515"/>
+            </a:xfrm>
+            <a:prstGeom prst="line">
+              <a:avLst/>
+            </a:prstGeom>
+            <a:ln>
+              <a:solidFill>
+                <a:schemeClr val="tx1"/>
+              </a:solidFill>
+            </a:ln>
+          </p:spPr>
+          <p:style>
+            <a:lnRef idx="1">
+              <a:schemeClr val="accent1"/>
+            </a:lnRef>
+            <a:fillRef idx="0">
+              <a:schemeClr val="accent1"/>
+            </a:fillRef>
+            <a:effectRef idx="0">
+              <a:schemeClr val="accent1"/>
+            </a:effectRef>
+            <a:fontRef idx="minor">
+              <a:schemeClr val="tx1"/>
+            </a:fontRef>
+          </p:style>
+        </p:cxnSp>
+        <mc:AlternateContent xmlns:mc="http://schemas.openxmlformats.org/markup-compatibility/2006" xmlns:a14="http://schemas.microsoft.com/office/drawing/2010/main">
+          <mc:Choice Requires="a14">
+            <p:sp>
+              <p:nvSpPr>
+                <p:cNvPr id="62" name="CaixaDeTexto 61"/>
+                <p:cNvSpPr txBox="1"/>
+                <p:nvPr/>
+              </p:nvSpPr>
+              <p:spPr>
+                <a:xfrm>
+                  <a:off x="4177530" y="5520304"/>
+                  <a:ext cx="1025220" cy="281744"/>
+                </a:xfrm>
+                <a:prstGeom prst="rect">
+                  <a:avLst/>
+                </a:prstGeom>
+                <a:noFill/>
+              </p:spPr>
+              <p:txBody>
+                <a:bodyPr wrap="square" lIns="0" tIns="0" rIns="0" bIns="0" rtlCol="0">
+                  <a:spAutoFit/>
+                </a:bodyPr>
+                <a:lstStyle/>
+                <a:p>
+                  <a:pPr/>
+                  <a14:m>
+                    <m:oMathPara xmlns:m="http://schemas.openxmlformats.org/officeDocument/2006/math">
+                      <m:oMathParaPr>
+                        <m:jc m:val="centerGroup"/>
+                      </m:oMathParaPr>
+                      <m:oMath xmlns:m="http://schemas.openxmlformats.org/officeDocument/2006/math">
+                        <m:sSubSup>
+                          <m:sSubSupPr>
+                            <m:ctrlPr>
+                              <a:rPr lang="pt-BR" b="0" i="1" smtClean="0">
+                                <a:latin typeface="Cambria Math" panose="02040503050406030204" pitchFamily="18" charset="0"/>
+                              </a:rPr>
+                            </m:ctrlPr>
+                          </m:sSubSupPr>
+                          <m:e>
+                            <m:r>
+                              <a:rPr lang="pt-BR" b="0" i="1" smtClean="0">
+                                <a:latin typeface="Cambria Math" panose="02040503050406030204" pitchFamily="18" charset="0"/>
+                              </a:rPr>
+                              <m:t>𝑁</m:t>
+                            </m:r>
+                          </m:e>
+                          <m:sub>
+                            <m:r>
+                              <a:rPr lang="pt-BR" b="0" i="1" smtClean="0">
+                                <a:latin typeface="Cambria Math" panose="02040503050406030204" pitchFamily="18" charset="0"/>
+                              </a:rPr>
+                              <m:t>𝑒</m:t>
+                            </m:r>
+                            <m:r>
+                              <a:rPr lang="pt-BR" b="0" i="1" smtClean="0">
+                                <a:latin typeface="Cambria Math" panose="02040503050406030204" pitchFamily="18" charset="0"/>
+                              </a:rPr>
+                              <m:t>3</m:t>
+                            </m:r>
+                          </m:sub>
+                          <m:sup>
+                            <m:r>
+                              <a:rPr lang="pt-BR" b="0" i="1" smtClean="0">
+                                <a:latin typeface="Cambria Math" panose="02040503050406030204" pitchFamily="18" charset="0"/>
+                              </a:rPr>
+                              <m:t>𝐻</m:t>
+                            </m:r>
+                          </m:sup>
+                        </m:sSubSup>
+                        <m:r>
+                          <a:rPr lang="pt-BR" b="0" i="1" smtClean="0">
+                            <a:latin typeface="Cambria Math" panose="02040503050406030204" pitchFamily="18" charset="0"/>
+                          </a:rPr>
+                          <m:t>,</m:t>
+                        </m:r>
+                        <m:sSubSup>
+                          <m:sSubSupPr>
+                            <m:ctrlPr>
+                              <a:rPr lang="pt-BR" i="1">
+                                <a:latin typeface="Cambria Math" panose="02040503050406030204" pitchFamily="18" charset="0"/>
+                              </a:rPr>
+                            </m:ctrlPr>
+                          </m:sSubSupPr>
+                          <m:e>
+                            <m:r>
+                              <a:rPr lang="pt-BR" i="1">
+                                <a:latin typeface="Cambria Math" panose="02040503050406030204" pitchFamily="18" charset="0"/>
+                              </a:rPr>
+                              <m:t>𝑁</m:t>
+                            </m:r>
+                          </m:e>
+                          <m:sub>
+                            <m:r>
+                              <a:rPr lang="pt-BR" i="1">
+                                <a:latin typeface="Cambria Math" panose="02040503050406030204" pitchFamily="18" charset="0"/>
+                              </a:rPr>
+                              <m:t>𝑒</m:t>
+                            </m:r>
+                            <m:r>
+                              <a:rPr lang="pt-BR" b="0" i="1" smtClean="0">
+                                <a:latin typeface="Cambria Math" panose="02040503050406030204" pitchFamily="18" charset="0"/>
+                              </a:rPr>
+                              <m:t>4</m:t>
+                            </m:r>
+                          </m:sub>
+                          <m:sup>
+                            <m:r>
+                              <a:rPr lang="pt-BR" i="1">
+                                <a:latin typeface="Cambria Math" panose="02040503050406030204" pitchFamily="18" charset="0"/>
+                              </a:rPr>
+                              <m:t>𝐻</m:t>
+                            </m:r>
+                          </m:sup>
+                        </m:sSubSup>
+                      </m:oMath>
+                    </m:oMathPara>
+                  </a14:m>
+                  <a:endParaRPr lang="pt-BR" dirty="0"/>
+                </a:p>
+              </p:txBody>
+            </p:sp>
+          </mc:Choice>
+          <mc:Fallback xmlns="">
+            <p:sp>
+              <p:nvSpPr>
+                <p:cNvPr id="62" name="CaixaDeTexto 61"/>
+                <p:cNvSpPr txBox="1">
+                  <a:spLocks noRot="1" noChangeAspect="1" noMove="1" noResize="1" noEditPoints="1" noAdjustHandles="1" noChangeArrowheads="1" noChangeShapeType="1" noTextEdit="1"/>
+                </p:cNvSpPr>
+                <p:nvPr/>
+              </p:nvSpPr>
+              <p:spPr>
+                <a:xfrm>
+                  <a:off x="4177530" y="5520304"/>
+                  <a:ext cx="1025220" cy="281744"/>
+                </a:xfrm>
+                <a:prstGeom prst="rect">
+                  <a:avLst/>
+                </a:prstGeom>
+                <a:blipFill rotWithShape="0">
+                  <a:blip r:embed="rId3"/>
+                  <a:stretch>
+                    <a:fillRect t="-2128" b="-17021"/>
+                  </a:stretch>
+                </a:blipFill>
+              </p:spPr>
+              <p:txBody>
+                <a:bodyPr/>
+                <a:lstStyle/>
+                <a:p>
+                  <a:r>
+                    <a:rPr lang="pt-BR">
+                      <a:noFill/>
+                    </a:rPr>
+                    <a:t> </a:t>
+                  </a:r>
+                </a:p>
+              </p:txBody>
+            </p:sp>
+          </mc:Fallback>
+        </mc:AlternateContent>
+        <mc:AlternateContent xmlns:mc="http://schemas.openxmlformats.org/markup-compatibility/2006" xmlns:a14="http://schemas.microsoft.com/office/drawing/2010/main">
+          <mc:Choice Requires="a14">
+            <p:sp>
+              <p:nvSpPr>
+                <p:cNvPr id="63" name="CaixaDeTexto 62"/>
+                <p:cNvSpPr txBox="1"/>
+                <p:nvPr/>
+              </p:nvSpPr>
+              <p:spPr>
+                <a:xfrm>
+                  <a:off x="2972386" y="3365061"/>
+                  <a:ext cx="1025220" cy="286489"/>
+                </a:xfrm>
+                <a:prstGeom prst="rect">
+                  <a:avLst/>
+                </a:prstGeom>
+                <a:noFill/>
+              </p:spPr>
+              <p:txBody>
+                <a:bodyPr wrap="square" lIns="0" tIns="0" rIns="0" bIns="0" rtlCol="0">
+                  <a:spAutoFit/>
+                </a:bodyPr>
+                <a:lstStyle/>
+                <a:p>
+                  <a:pPr/>
+                  <a14:m>
+                    <m:oMathPara xmlns:m="http://schemas.openxmlformats.org/officeDocument/2006/math">
+                      <m:oMathParaPr>
+                        <m:jc m:val="centerGroup"/>
+                      </m:oMathParaPr>
+                      <m:oMath xmlns:m="http://schemas.openxmlformats.org/officeDocument/2006/math">
+                        <m:sSubSup>
+                          <m:sSubSupPr>
+                            <m:ctrlPr>
+                              <a:rPr lang="pt-BR" b="0" i="1" smtClean="0">
+                                <a:latin typeface="Cambria Math" panose="02040503050406030204" pitchFamily="18" charset="0"/>
+                              </a:rPr>
+                            </m:ctrlPr>
+                          </m:sSubSupPr>
+                          <m:e>
+                            <m:r>
+                              <a:rPr lang="pt-BR" b="0" i="1" smtClean="0">
+                                <a:latin typeface="Cambria Math" panose="02040503050406030204" pitchFamily="18" charset="0"/>
+                              </a:rPr>
+                              <m:t>𝑁</m:t>
+                            </m:r>
+                          </m:e>
+                          <m:sub>
+                            <m:r>
+                              <a:rPr lang="pt-BR" b="0" i="1" smtClean="0">
+                                <a:latin typeface="Cambria Math" panose="02040503050406030204" pitchFamily="18" charset="0"/>
+                              </a:rPr>
+                              <m:t>𝑒</m:t>
+                            </m:r>
+                            <m:r>
+                              <a:rPr lang="pt-BR" b="0" i="1" smtClean="0">
+                                <a:latin typeface="Cambria Math" panose="02040503050406030204" pitchFamily="18" charset="0"/>
+                              </a:rPr>
+                              <m:t>5</m:t>
+                            </m:r>
+                          </m:sub>
+                          <m:sup>
+                            <m:r>
+                              <a:rPr lang="pt-BR" b="0" i="1" smtClean="0">
+                                <a:latin typeface="Cambria Math" panose="02040503050406030204" pitchFamily="18" charset="0"/>
+                              </a:rPr>
+                              <m:t>𝐻</m:t>
+                            </m:r>
+                          </m:sup>
+                        </m:sSubSup>
+                        <m:r>
+                          <a:rPr lang="pt-BR" b="0" i="1" smtClean="0">
+                            <a:latin typeface="Cambria Math" panose="02040503050406030204" pitchFamily="18" charset="0"/>
+                          </a:rPr>
+                          <m:t>,</m:t>
+                        </m:r>
+                        <m:sSubSup>
+                          <m:sSubSupPr>
+                            <m:ctrlPr>
+                              <a:rPr lang="pt-BR" i="1">
+                                <a:latin typeface="Cambria Math" panose="02040503050406030204" pitchFamily="18" charset="0"/>
+                              </a:rPr>
+                            </m:ctrlPr>
+                          </m:sSubSupPr>
+                          <m:e>
+                            <m:r>
+                              <a:rPr lang="pt-BR" i="1">
+                                <a:latin typeface="Cambria Math" panose="02040503050406030204" pitchFamily="18" charset="0"/>
+                              </a:rPr>
+                              <m:t>𝑁</m:t>
+                            </m:r>
+                          </m:e>
+                          <m:sub>
+                            <m:r>
+                              <a:rPr lang="pt-BR" i="1">
+                                <a:latin typeface="Cambria Math" panose="02040503050406030204" pitchFamily="18" charset="0"/>
+                              </a:rPr>
+                              <m:t>𝑒</m:t>
+                            </m:r>
+                            <m:r>
+                              <a:rPr lang="pt-BR" b="0" i="1" smtClean="0">
+                                <a:latin typeface="Cambria Math" panose="02040503050406030204" pitchFamily="18" charset="0"/>
+                              </a:rPr>
+                              <m:t>6</m:t>
+                            </m:r>
+                          </m:sub>
+                          <m:sup>
+                            <m:r>
+                              <a:rPr lang="pt-BR" i="1">
+                                <a:latin typeface="Cambria Math" panose="02040503050406030204" pitchFamily="18" charset="0"/>
+                              </a:rPr>
+                              <m:t>𝐻</m:t>
+                            </m:r>
+                          </m:sup>
+                        </m:sSubSup>
+                      </m:oMath>
+                    </m:oMathPara>
+                  </a14:m>
+                  <a:endParaRPr lang="pt-BR" dirty="0"/>
+                </a:p>
+              </p:txBody>
+            </p:sp>
+          </mc:Choice>
+          <mc:Fallback xmlns="">
+            <p:sp>
+              <p:nvSpPr>
+                <p:cNvPr id="63" name="CaixaDeTexto 62"/>
+                <p:cNvSpPr txBox="1">
+                  <a:spLocks noRot="1" noChangeAspect="1" noMove="1" noResize="1" noEditPoints="1" noAdjustHandles="1" noChangeArrowheads="1" noChangeShapeType="1" noTextEdit="1"/>
+                </p:cNvSpPr>
+                <p:nvPr/>
+              </p:nvSpPr>
+              <p:spPr>
+                <a:xfrm>
+                  <a:off x="2972386" y="3365061"/>
+                  <a:ext cx="1025220" cy="286489"/>
+                </a:xfrm>
+                <a:prstGeom prst="rect">
+                  <a:avLst/>
+                </a:prstGeom>
+                <a:blipFill rotWithShape="0">
+                  <a:blip r:embed="rId4"/>
+                  <a:stretch>
+                    <a:fillRect t="-2128" b="-19149"/>
+                  </a:stretch>
+                </a:blipFill>
+              </p:spPr>
+              <p:txBody>
+                <a:bodyPr/>
+                <a:lstStyle/>
+                <a:p>
+                  <a:r>
+                    <a:rPr lang="pt-BR">
+                      <a:noFill/>
+                    </a:rPr>
+                    <a:t> </a:t>
+                  </a:r>
+                </a:p>
+              </p:txBody>
+            </p:sp>
+          </mc:Fallback>
+        </mc:AlternateContent>
+        <mc:AlternateContent xmlns:mc="http://schemas.openxmlformats.org/markup-compatibility/2006" xmlns:a14="http://schemas.microsoft.com/office/drawing/2010/main">
+          <mc:Choice Requires="a14">
+            <p:sp>
+              <p:nvSpPr>
+                <p:cNvPr id="64" name="CaixaDeTexto 63"/>
+                <p:cNvSpPr txBox="1"/>
+                <p:nvPr/>
+              </p:nvSpPr>
+              <p:spPr>
+                <a:xfrm>
+                  <a:off x="862611" y="3952806"/>
+                  <a:ext cx="1025220" cy="281744"/>
+                </a:xfrm>
+                <a:prstGeom prst="rect">
+                  <a:avLst/>
+                </a:prstGeom>
+                <a:noFill/>
+              </p:spPr>
+              <p:txBody>
+                <a:bodyPr wrap="square" lIns="0" tIns="0" rIns="0" bIns="0" rtlCol="0">
+                  <a:spAutoFit/>
+                </a:bodyPr>
+                <a:lstStyle/>
+                <a:p>
+                  <a:pPr/>
+                  <a14:m>
+                    <m:oMathPara xmlns:m="http://schemas.openxmlformats.org/officeDocument/2006/math">
+                      <m:oMathParaPr>
+                        <m:jc m:val="centerGroup"/>
+                      </m:oMathParaPr>
+                      <m:oMath xmlns:m="http://schemas.openxmlformats.org/officeDocument/2006/math">
+                        <m:sSubSup>
+                          <m:sSubSupPr>
+                            <m:ctrlPr>
+                              <a:rPr lang="pt-BR" b="0" i="1" smtClean="0">
+                                <a:latin typeface="Cambria Math" panose="02040503050406030204" pitchFamily="18" charset="0"/>
+                              </a:rPr>
+                            </m:ctrlPr>
+                          </m:sSubSupPr>
+                          <m:e>
+                            <m:r>
+                              <a:rPr lang="pt-BR" b="0" i="1" smtClean="0">
+                                <a:latin typeface="Cambria Math" panose="02040503050406030204" pitchFamily="18" charset="0"/>
+                              </a:rPr>
+                              <m:t>𝑁</m:t>
+                            </m:r>
+                          </m:e>
+                          <m:sub>
+                            <m:r>
+                              <a:rPr lang="pt-BR" b="0" i="1" smtClean="0">
+                                <a:latin typeface="Cambria Math" panose="02040503050406030204" pitchFamily="18" charset="0"/>
+                              </a:rPr>
+                              <m:t>𝑒</m:t>
+                            </m:r>
+                            <m:r>
+                              <a:rPr lang="pt-BR" b="0" i="1" smtClean="0">
+                                <a:latin typeface="Cambria Math" panose="02040503050406030204" pitchFamily="18" charset="0"/>
+                              </a:rPr>
+                              <m:t>7</m:t>
+                            </m:r>
+                          </m:sub>
+                          <m:sup>
+                            <m:r>
+                              <a:rPr lang="pt-BR" b="0" i="1" smtClean="0">
+                                <a:latin typeface="Cambria Math" panose="02040503050406030204" pitchFamily="18" charset="0"/>
+                              </a:rPr>
+                              <m:t>𝐻</m:t>
+                            </m:r>
+                          </m:sup>
+                        </m:sSubSup>
+                        <m:r>
+                          <a:rPr lang="pt-BR" b="0" i="1" smtClean="0">
+                            <a:latin typeface="Cambria Math" panose="02040503050406030204" pitchFamily="18" charset="0"/>
+                          </a:rPr>
+                          <m:t>,</m:t>
+                        </m:r>
+                        <m:sSubSup>
+                          <m:sSubSupPr>
+                            <m:ctrlPr>
+                              <a:rPr lang="pt-BR" i="1">
+                                <a:latin typeface="Cambria Math" panose="02040503050406030204" pitchFamily="18" charset="0"/>
+                              </a:rPr>
+                            </m:ctrlPr>
+                          </m:sSubSupPr>
+                          <m:e>
+                            <m:r>
+                              <a:rPr lang="pt-BR" i="1">
+                                <a:latin typeface="Cambria Math" panose="02040503050406030204" pitchFamily="18" charset="0"/>
+                              </a:rPr>
+                              <m:t>𝑁</m:t>
+                            </m:r>
+                          </m:e>
+                          <m:sub>
+                            <m:r>
+                              <a:rPr lang="pt-BR" i="1">
+                                <a:latin typeface="Cambria Math" panose="02040503050406030204" pitchFamily="18" charset="0"/>
+                              </a:rPr>
+                              <m:t>𝑒</m:t>
+                            </m:r>
+                            <m:r>
+                              <a:rPr lang="pt-BR" b="0" i="1" smtClean="0">
+                                <a:latin typeface="Cambria Math" panose="02040503050406030204" pitchFamily="18" charset="0"/>
+                              </a:rPr>
+                              <m:t>8</m:t>
+                            </m:r>
+                          </m:sub>
+                          <m:sup>
+                            <m:r>
+                              <a:rPr lang="pt-BR" i="1">
+                                <a:latin typeface="Cambria Math" panose="02040503050406030204" pitchFamily="18" charset="0"/>
+                              </a:rPr>
+                              <m:t>𝐻</m:t>
+                            </m:r>
+                          </m:sup>
+                        </m:sSubSup>
+                      </m:oMath>
+                    </m:oMathPara>
+                  </a14:m>
+                  <a:endParaRPr lang="pt-BR" dirty="0"/>
+                </a:p>
+              </p:txBody>
+            </p:sp>
+          </mc:Choice>
+          <mc:Fallback xmlns="">
+            <p:sp>
+              <p:nvSpPr>
+                <p:cNvPr id="64" name="CaixaDeTexto 63"/>
+                <p:cNvSpPr txBox="1">
+                  <a:spLocks noRot="1" noChangeAspect="1" noMove="1" noResize="1" noEditPoints="1" noAdjustHandles="1" noChangeArrowheads="1" noChangeShapeType="1" noTextEdit="1"/>
+                </p:cNvSpPr>
+                <p:nvPr/>
+              </p:nvSpPr>
+              <p:spPr>
+                <a:xfrm>
+                  <a:off x="862611" y="3952806"/>
+                  <a:ext cx="1025220" cy="281744"/>
+                </a:xfrm>
+                <a:prstGeom prst="rect">
+                  <a:avLst/>
+                </a:prstGeom>
+                <a:blipFill rotWithShape="0">
+                  <a:blip r:embed="rId5"/>
+                  <a:stretch>
+                    <a:fillRect t="-2174" b="-19565"/>
+                  </a:stretch>
+                </a:blipFill>
+              </p:spPr>
+              <p:txBody>
+                <a:bodyPr/>
+                <a:lstStyle/>
+                <a:p>
+                  <a:r>
+                    <a:rPr lang="pt-BR">
+                      <a:noFill/>
+                    </a:rPr>
+                    <a:t> </a:t>
+                  </a:r>
+                </a:p>
+              </p:txBody>
+            </p:sp>
+          </mc:Fallback>
+        </mc:AlternateContent>
+        <p:cxnSp>
+          <p:nvCxnSpPr>
+            <p:cNvPr id="65" name="Conector de Seta Reta 30"/>
+            <p:cNvCxnSpPr/>
+            <p:nvPr/>
+          </p:nvCxnSpPr>
+          <p:spPr>
+            <a:xfrm>
+              <a:off x="1218538" y="6295757"/>
+              <a:ext cx="389614" cy="0"/>
+            </a:xfrm>
+            <a:prstGeom prst="straightConnector1">
+              <a:avLst/>
+            </a:prstGeom>
+            <a:ln w="19050">
+              <a:solidFill>
+                <a:schemeClr val="tx1"/>
+              </a:solidFill>
+              <a:tailEnd type="triangle"/>
+            </a:ln>
+          </p:spPr>
+          <p:style>
+            <a:lnRef idx="1">
+              <a:schemeClr val="accent1"/>
+            </a:lnRef>
+            <a:fillRef idx="0">
+              <a:schemeClr val="accent1"/>
+            </a:fillRef>
+            <a:effectRef idx="0">
+              <a:schemeClr val="accent1"/>
+            </a:effectRef>
+            <a:fontRef idx="minor">
+              <a:schemeClr val="tx1"/>
+            </a:fontRef>
+          </p:style>
+        </p:cxnSp>
+        <p:cxnSp>
+          <p:nvCxnSpPr>
+            <p:cNvPr id="66" name="Conector de Seta Reta 31"/>
+            <p:cNvCxnSpPr/>
+            <p:nvPr/>
+          </p:nvCxnSpPr>
+          <p:spPr>
+            <a:xfrm flipV="1">
+              <a:off x="1218537" y="5914094"/>
+              <a:ext cx="0" cy="381664"/>
+            </a:xfrm>
+            <a:prstGeom prst="straightConnector1">
+              <a:avLst/>
+            </a:prstGeom>
+            <a:ln w="19050">
+              <a:solidFill>
+                <a:schemeClr val="tx1"/>
+              </a:solidFill>
+              <a:tailEnd type="triangle"/>
+            </a:ln>
+          </p:spPr>
+          <p:style>
+            <a:lnRef idx="1">
+              <a:schemeClr val="accent1"/>
+            </a:lnRef>
+            <a:fillRef idx="0">
+              <a:schemeClr val="accent1"/>
+            </a:fillRef>
+            <a:effectRef idx="0">
+              <a:schemeClr val="accent1"/>
+            </a:effectRef>
+            <a:fontRef idx="minor">
+              <a:schemeClr val="tx1"/>
+            </a:fontRef>
+          </p:style>
+        </p:cxnSp>
+        <p:sp>
+          <p:nvSpPr>
+            <p:cNvPr id="67" name="CaixaDeTexto 66"/>
+            <p:cNvSpPr txBox="1"/>
+            <p:nvPr/>
+          </p:nvSpPr>
+          <p:spPr>
+            <a:xfrm>
+              <a:off x="1415332" y="6271903"/>
+              <a:ext cx="385639" cy="369332"/>
+            </a:xfrm>
+            <a:prstGeom prst="rect">
+              <a:avLst/>
+            </a:prstGeom>
+            <a:noFill/>
+          </p:spPr>
+          <p:txBody>
+            <a:bodyPr wrap="square" rtlCol="0">
+              <a:spAutoFit/>
+            </a:bodyPr>
+            <a:lstStyle/>
+            <a:p>
+              <a:r>
+                <a:rPr lang="pt-BR" dirty="0" smtClean="0"/>
+                <a:t>x</a:t>
+              </a:r>
+              <a:endParaRPr lang="pt-BR" dirty="0"/>
+            </a:p>
+          </p:txBody>
+        </p:sp>
+        <p:sp>
+          <p:nvSpPr>
+            <p:cNvPr id="68" name="CaixaDeTexto 67"/>
+            <p:cNvSpPr txBox="1"/>
+            <p:nvPr/>
+          </p:nvSpPr>
+          <p:spPr>
+            <a:xfrm>
+              <a:off x="891871" y="5729428"/>
+              <a:ext cx="385639" cy="369332"/>
+            </a:xfrm>
+            <a:prstGeom prst="rect">
+              <a:avLst/>
+            </a:prstGeom>
+            <a:noFill/>
+          </p:spPr>
+          <p:txBody>
+            <a:bodyPr wrap="square" rtlCol="0">
+              <a:spAutoFit/>
+            </a:bodyPr>
+            <a:lstStyle/>
+            <a:p>
+              <a:r>
+                <a:rPr lang="pt-BR" dirty="0" smtClean="0"/>
+                <a:t>y</a:t>
+              </a:r>
+              <a:endParaRPr lang="pt-BR" dirty="0"/>
+            </a:p>
+          </p:txBody>
+        </p:sp>
+      </p:grpSp>
+      <p:grpSp>
+        <p:nvGrpSpPr>
+          <p:cNvPr id="94" name="Grupo 93"/>
+          <p:cNvGrpSpPr/>
+          <p:nvPr/>
+        </p:nvGrpSpPr>
+        <p:grpSpPr>
+          <a:xfrm>
+            <a:off x="5129584" y="2666178"/>
+            <a:ext cx="4474931" cy="3461902"/>
+            <a:chOff x="5129584" y="2666178"/>
+            <a:chExt cx="4474931" cy="3461902"/>
+          </a:xfrm>
+        </p:grpSpPr>
+        <p:sp>
+          <p:nvSpPr>
+            <p:cNvPr id="70" name="Forma livre 69"/>
+            <p:cNvSpPr/>
+            <p:nvPr/>
+          </p:nvSpPr>
+          <p:spPr>
+            <a:xfrm>
+              <a:off x="5817097" y="3047841"/>
+              <a:ext cx="3162300" cy="2019300"/>
+            </a:xfrm>
+            <a:custGeom>
+              <a:avLst/>
+              <a:gdLst>
+                <a:gd name="connsiteX0" fmla="*/ 396240 w 3162300"/>
+                <a:gd name="connsiteY0" fmla="*/ 2019300 h 2019300"/>
+                <a:gd name="connsiteX1" fmla="*/ 0 w 3162300"/>
+                <a:gd name="connsiteY1" fmla="*/ 685800 h 2019300"/>
+                <a:gd name="connsiteX2" fmla="*/ 2057400 w 3162300"/>
+                <a:gd name="connsiteY2" fmla="*/ 0 h 2019300"/>
+                <a:gd name="connsiteX3" fmla="*/ 3162300 w 3162300"/>
+                <a:gd name="connsiteY3" fmla="*/ 1752600 h 2019300"/>
+                <a:gd name="connsiteX4" fmla="*/ 396240 w 3162300"/>
+                <a:gd name="connsiteY4" fmla="*/ 2019300 h 2019300"/>
+              </a:gdLst>
+              <a:ahLst/>
+              <a:cxnLst>
+                <a:cxn ang="0">
+                  <a:pos x="connsiteX0" y="connsiteY0"/>
+                </a:cxn>
+                <a:cxn ang="0">
+                  <a:pos x="connsiteX1" y="connsiteY1"/>
+                </a:cxn>
+                <a:cxn ang="0">
+                  <a:pos x="connsiteX2" y="connsiteY2"/>
+                </a:cxn>
+                <a:cxn ang="0">
+                  <a:pos x="connsiteX3" y="connsiteY3"/>
+                </a:cxn>
+                <a:cxn ang="0">
+                  <a:pos x="connsiteX4" y="connsiteY4"/>
+                </a:cxn>
+              </a:cxnLst>
+              <a:rect l="l" t="t" r="r" b="b"/>
+              <a:pathLst>
+                <a:path w="3162300" h="2019300">
+                  <a:moveTo>
+                    <a:pt x="396240" y="2019300"/>
+                  </a:moveTo>
+                  <a:lnTo>
+                    <a:pt x="0" y="685800"/>
+                  </a:lnTo>
+                  <a:lnTo>
+                    <a:pt x="2057400" y="0"/>
+                  </a:lnTo>
+                  <a:lnTo>
+                    <a:pt x="3162300" y="1752600"/>
+                  </a:lnTo>
+                  <a:lnTo>
+                    <a:pt x="396240" y="2019300"/>
+                  </a:lnTo>
+                  <a:close/>
+                </a:path>
+              </a:pathLst>
+            </a:custGeom>
+            <a:solidFill>
+              <a:schemeClr val="bg1"/>
+            </a:solidFill>
+            <a:ln w="38100">
+              <a:solidFill>
+                <a:schemeClr val="tx1"/>
+              </a:solidFill>
+            </a:ln>
+          </p:spPr>
+          <p:style>
+            <a:lnRef idx="2">
+              <a:schemeClr val="accent1">
+                <a:shade val="50000"/>
+              </a:schemeClr>
+            </a:lnRef>
+            <a:fillRef idx="1">
+              <a:schemeClr val="accent1"/>
+            </a:fillRef>
+            <a:effectRef idx="0">
+              <a:schemeClr val="accent1"/>
+            </a:effectRef>
+            <a:fontRef idx="minor">
+              <a:schemeClr val="lt1"/>
+            </a:fontRef>
+          </p:style>
+          <p:txBody>
+            <a:bodyPr rtlCol="0" anchor="ctr"/>
+            <a:lstStyle/>
+            <a:p>
+              <a:pPr algn="ctr"/>
+              <a:endParaRPr lang="pt-BR"/>
+            </a:p>
+          </p:txBody>
+        </p:sp>
+        <mc:AlternateContent xmlns:mc="http://schemas.openxmlformats.org/markup-compatibility/2006" xmlns:a14="http://schemas.microsoft.com/office/drawing/2010/main">
+          <mc:Choice Requires="a14">
+            <p:sp>
+              <p:nvSpPr>
+                <p:cNvPr id="71" name="CaixaDeTexto 70"/>
+                <p:cNvSpPr txBox="1"/>
+                <p:nvPr/>
+              </p:nvSpPr>
+              <p:spPr>
+                <a:xfrm>
+                  <a:off x="5623451" y="5223391"/>
+                  <a:ext cx="1025220" cy="281744"/>
+                </a:xfrm>
+                <a:prstGeom prst="rect">
+                  <a:avLst/>
+                </a:prstGeom>
+                <a:noFill/>
+              </p:spPr>
+              <p:txBody>
+                <a:bodyPr wrap="square" lIns="0" tIns="0" rIns="0" bIns="0" rtlCol="0">
+                  <a:spAutoFit/>
+                </a:bodyPr>
+                <a:lstStyle/>
+                <a:p>
+                  <a:pPr/>
+                  <a14:m>
+                    <m:oMathPara xmlns:m="http://schemas.openxmlformats.org/officeDocument/2006/math">
+                      <m:oMathParaPr>
+                        <m:jc m:val="centerGroup"/>
+                      </m:oMathParaPr>
+                      <m:oMath xmlns:m="http://schemas.openxmlformats.org/officeDocument/2006/math">
+                        <m:sSubSup>
+                          <m:sSubSupPr>
+                            <m:ctrlPr>
+                              <a:rPr lang="pt-BR" b="0" i="1" smtClean="0">
+                                <a:solidFill>
+                                  <a:srgbClr val="00B050"/>
+                                </a:solidFill>
+                                <a:latin typeface="Cambria Math" panose="02040503050406030204" pitchFamily="18" charset="0"/>
+                              </a:rPr>
+                            </m:ctrlPr>
+                          </m:sSubSupPr>
+                          <m:e>
+                            <m:r>
+                              <a:rPr lang="pt-BR" b="0" i="1" smtClean="0">
+                                <a:solidFill>
+                                  <a:srgbClr val="00B050"/>
+                                </a:solidFill>
+                                <a:latin typeface="Cambria Math" panose="02040503050406030204" pitchFamily="18" charset="0"/>
+                              </a:rPr>
+                              <m:t>𝑁</m:t>
+                            </m:r>
+                          </m:e>
+                          <m:sub>
+                            <m:r>
+                              <a:rPr lang="pt-BR" b="0" i="1" smtClean="0">
+                                <a:solidFill>
+                                  <a:srgbClr val="00B050"/>
+                                </a:solidFill>
+                                <a:latin typeface="Cambria Math" panose="02040503050406030204" pitchFamily="18" charset="0"/>
+                              </a:rPr>
+                              <m:t>𝑒</m:t>
+                            </m:r>
+                            <m:r>
+                              <a:rPr lang="pt-BR" b="0" i="1" smtClean="0">
+                                <a:solidFill>
+                                  <a:srgbClr val="00B050"/>
+                                </a:solidFill>
+                                <a:latin typeface="Cambria Math" panose="02040503050406030204" pitchFamily="18" charset="0"/>
+                              </a:rPr>
+                              <m:t>1</m:t>
+                            </m:r>
+                          </m:sub>
+                          <m:sup>
+                            <m:r>
+                              <a:rPr lang="pt-BR" b="0" i="1" smtClean="0">
+                                <a:solidFill>
+                                  <a:srgbClr val="00B050"/>
+                                </a:solidFill>
+                                <a:latin typeface="Cambria Math" panose="02040503050406030204" pitchFamily="18" charset="0"/>
+                              </a:rPr>
+                              <m:t>𝐻</m:t>
+                            </m:r>
+                          </m:sup>
+                        </m:sSubSup>
+                        <m:r>
+                          <a:rPr lang="pt-BR" b="0" i="1" smtClean="0">
+                            <a:solidFill>
+                              <a:schemeClr val="tx1"/>
+                            </a:solidFill>
+                            <a:latin typeface="Cambria Math" panose="02040503050406030204" pitchFamily="18" charset="0"/>
+                          </a:rPr>
+                          <m:t>,</m:t>
+                        </m:r>
+                        <m:sSubSup>
+                          <m:sSubSupPr>
+                            <m:ctrlPr>
+                              <a:rPr lang="pt-BR" i="1" smtClean="0">
+                                <a:solidFill>
+                                  <a:srgbClr val="FF0000"/>
+                                </a:solidFill>
+                                <a:latin typeface="Cambria Math" panose="02040503050406030204" pitchFamily="18" charset="0"/>
+                              </a:rPr>
+                            </m:ctrlPr>
+                          </m:sSubSupPr>
+                          <m:e>
+                            <m:r>
+                              <a:rPr lang="pt-BR" i="1">
+                                <a:solidFill>
+                                  <a:srgbClr val="FF0000"/>
+                                </a:solidFill>
+                                <a:latin typeface="Cambria Math" panose="02040503050406030204" pitchFamily="18" charset="0"/>
+                              </a:rPr>
+                              <m:t>𝑁</m:t>
+                            </m:r>
+                          </m:e>
+                          <m:sub>
+                            <m:r>
+                              <a:rPr lang="pt-BR" i="1">
+                                <a:solidFill>
+                                  <a:srgbClr val="FF0000"/>
+                                </a:solidFill>
+                                <a:latin typeface="Cambria Math" panose="02040503050406030204" pitchFamily="18" charset="0"/>
+                              </a:rPr>
+                              <m:t>𝑒</m:t>
+                            </m:r>
+                            <m:r>
+                              <a:rPr lang="pt-BR" i="1">
+                                <a:solidFill>
+                                  <a:srgbClr val="FF0000"/>
+                                </a:solidFill>
+                                <a:latin typeface="Cambria Math" panose="02040503050406030204" pitchFamily="18" charset="0"/>
+                              </a:rPr>
+                              <m:t>2</m:t>
+                            </m:r>
+                          </m:sub>
+                          <m:sup>
+                            <m:r>
+                              <a:rPr lang="pt-BR" i="1">
+                                <a:solidFill>
+                                  <a:srgbClr val="FF0000"/>
+                                </a:solidFill>
+                                <a:latin typeface="Cambria Math" panose="02040503050406030204" pitchFamily="18" charset="0"/>
+                              </a:rPr>
+                              <m:t>𝐻</m:t>
+                            </m:r>
+                          </m:sup>
+                        </m:sSubSup>
+                      </m:oMath>
+                    </m:oMathPara>
+                  </a14:m>
+                  <a:endParaRPr lang="pt-BR" dirty="0">
+                    <a:solidFill>
+                      <a:srgbClr val="FF0000"/>
+                    </a:solidFill>
+                  </a:endParaRPr>
+                </a:p>
+              </p:txBody>
+            </p:sp>
+          </mc:Choice>
+          <mc:Fallback xmlns="">
+            <p:sp>
+              <p:nvSpPr>
+                <p:cNvPr id="71" name="CaixaDeTexto 70"/>
+                <p:cNvSpPr txBox="1">
+                  <a:spLocks noRot="1" noChangeAspect="1" noMove="1" noResize="1" noEditPoints="1" noAdjustHandles="1" noChangeArrowheads="1" noChangeShapeType="1" noTextEdit="1"/>
+                </p:cNvSpPr>
+                <p:nvPr/>
+              </p:nvSpPr>
+              <p:spPr>
+                <a:xfrm>
+                  <a:off x="5623451" y="5223391"/>
+                  <a:ext cx="1025220" cy="281744"/>
+                </a:xfrm>
+                <a:prstGeom prst="rect">
+                  <a:avLst/>
+                </a:prstGeom>
+                <a:blipFill rotWithShape="0">
+                  <a:blip r:embed="rId6"/>
+                  <a:stretch>
+                    <a:fillRect t="-2174" b="-17391"/>
+                  </a:stretch>
+                </a:blipFill>
+              </p:spPr>
+              <p:txBody>
+                <a:bodyPr/>
+                <a:lstStyle/>
+                <a:p>
+                  <a:r>
+                    <a:rPr lang="pt-BR">
+                      <a:noFill/>
+                    </a:rPr>
+                    <a:t> </a:t>
+                  </a:r>
+                </a:p>
+              </p:txBody>
+            </p:sp>
+          </mc:Fallback>
+        </mc:AlternateContent>
+        <p:cxnSp>
+          <p:nvCxnSpPr>
+            <p:cNvPr id="72" name="Conector reto 71"/>
+            <p:cNvCxnSpPr/>
+            <p:nvPr/>
+          </p:nvCxnSpPr>
+          <p:spPr>
+            <a:xfrm>
+              <a:off x="6127630" y="3642201"/>
+              <a:ext cx="714687" cy="1363980"/>
+            </a:xfrm>
+            <a:prstGeom prst="line">
+              <a:avLst/>
+            </a:prstGeom>
+            <a:ln>
+              <a:solidFill>
+                <a:schemeClr val="tx1"/>
+              </a:solidFill>
+            </a:ln>
+          </p:spPr>
+          <p:style>
+            <a:lnRef idx="1">
+              <a:schemeClr val="accent1"/>
+            </a:lnRef>
+            <a:fillRef idx="0">
+              <a:schemeClr val="accent1"/>
+            </a:fillRef>
+            <a:effectRef idx="0">
+              <a:schemeClr val="accent1"/>
+            </a:effectRef>
+            <a:fontRef idx="minor">
+              <a:schemeClr val="tx1"/>
+            </a:fontRef>
+          </p:style>
+        </p:cxnSp>
+        <p:cxnSp>
+          <p:nvCxnSpPr>
+            <p:cNvPr id="73" name="Conector reto 72"/>
+            <p:cNvCxnSpPr/>
+            <p:nvPr/>
+          </p:nvCxnSpPr>
+          <p:spPr>
+            <a:xfrm>
+              <a:off x="6577656" y="3472074"/>
+              <a:ext cx="796495" cy="1491562"/>
+            </a:xfrm>
+            <a:prstGeom prst="line">
+              <a:avLst/>
+            </a:prstGeom>
+            <a:ln>
+              <a:solidFill>
+                <a:schemeClr val="tx1"/>
+              </a:solidFill>
+            </a:ln>
+          </p:spPr>
+          <p:style>
+            <a:lnRef idx="1">
+              <a:schemeClr val="accent1"/>
+            </a:lnRef>
+            <a:fillRef idx="0">
+              <a:schemeClr val="accent1"/>
+            </a:fillRef>
+            <a:effectRef idx="0">
+              <a:schemeClr val="accent1"/>
+            </a:effectRef>
+            <a:fontRef idx="minor">
+              <a:schemeClr val="tx1"/>
+            </a:fontRef>
+          </p:style>
+        </p:cxnSp>
+        <p:cxnSp>
+          <p:nvCxnSpPr>
+            <p:cNvPr id="74" name="Conector reto 73"/>
+            <p:cNvCxnSpPr/>
+            <p:nvPr/>
+          </p:nvCxnSpPr>
+          <p:spPr>
+            <a:xfrm>
+              <a:off x="7152850" y="3287373"/>
+              <a:ext cx="677519" cy="1634988"/>
+            </a:xfrm>
+            <a:prstGeom prst="line">
+              <a:avLst/>
+            </a:prstGeom>
+            <a:ln>
+              <a:solidFill>
+                <a:schemeClr val="tx1"/>
+              </a:solidFill>
+            </a:ln>
+          </p:spPr>
+          <p:style>
+            <a:lnRef idx="1">
+              <a:schemeClr val="accent1"/>
+            </a:lnRef>
+            <a:fillRef idx="0">
+              <a:schemeClr val="accent1"/>
+            </a:fillRef>
+            <a:effectRef idx="0">
+              <a:schemeClr val="accent1"/>
+            </a:effectRef>
+            <a:fontRef idx="minor">
+              <a:schemeClr val="tx1"/>
+            </a:fontRef>
+          </p:style>
+        </p:cxnSp>
+        <p:cxnSp>
+          <p:nvCxnSpPr>
+            <p:cNvPr id="75" name="Conector reto 74"/>
+            <p:cNvCxnSpPr/>
+            <p:nvPr/>
+          </p:nvCxnSpPr>
+          <p:spPr>
+            <a:xfrm>
+              <a:off x="7517731" y="3144249"/>
+              <a:ext cx="681446" cy="1717152"/>
+            </a:xfrm>
+            <a:prstGeom prst="line">
+              <a:avLst/>
+            </a:prstGeom>
+            <a:ln>
+              <a:solidFill>
+                <a:schemeClr val="tx1"/>
+              </a:solidFill>
+            </a:ln>
+          </p:spPr>
+          <p:style>
+            <a:lnRef idx="1">
+              <a:schemeClr val="accent1"/>
+            </a:lnRef>
+            <a:fillRef idx="0">
+              <a:schemeClr val="accent1"/>
+            </a:fillRef>
+            <a:effectRef idx="0">
+              <a:schemeClr val="accent1"/>
+            </a:effectRef>
+            <a:fontRef idx="minor">
+              <a:schemeClr val="tx1"/>
+            </a:fontRef>
+          </p:style>
+        </p:cxnSp>
+        <p:cxnSp>
+          <p:nvCxnSpPr>
+            <p:cNvPr id="76" name="Conector reto 75"/>
+            <p:cNvCxnSpPr/>
+            <p:nvPr/>
+          </p:nvCxnSpPr>
+          <p:spPr>
+            <a:xfrm flipV="1">
+              <a:off x="5891314" y="3432153"/>
+              <a:ext cx="2213647" cy="625338"/>
+            </a:xfrm>
+            <a:prstGeom prst="line">
+              <a:avLst/>
+            </a:prstGeom>
+            <a:ln>
+              <a:solidFill>
+                <a:schemeClr val="tx1"/>
+              </a:solidFill>
+            </a:ln>
+          </p:spPr>
+          <p:style>
+            <a:lnRef idx="1">
+              <a:schemeClr val="accent1"/>
+            </a:lnRef>
+            <a:fillRef idx="0">
+              <a:schemeClr val="accent1"/>
+            </a:fillRef>
+            <a:effectRef idx="0">
+              <a:schemeClr val="accent1"/>
+            </a:effectRef>
+            <a:fontRef idx="minor">
+              <a:schemeClr val="tx1"/>
+            </a:fontRef>
+          </p:style>
+        </p:cxnSp>
+        <p:cxnSp>
+          <p:nvCxnSpPr>
+            <p:cNvPr id="77" name="Conector reto 76"/>
+            <p:cNvCxnSpPr/>
+            <p:nvPr/>
+          </p:nvCxnSpPr>
+          <p:spPr>
+            <a:xfrm flipV="1">
+              <a:off x="5985530" y="3744822"/>
+              <a:ext cx="2319827" cy="611672"/>
+            </a:xfrm>
+            <a:prstGeom prst="line">
+              <a:avLst/>
+            </a:prstGeom>
+            <a:ln>
+              <a:solidFill>
+                <a:schemeClr val="tx1"/>
+              </a:solidFill>
+            </a:ln>
+          </p:spPr>
+          <p:style>
+            <a:lnRef idx="1">
+              <a:schemeClr val="accent1"/>
+            </a:lnRef>
+            <a:fillRef idx="0">
+              <a:schemeClr val="accent1"/>
+            </a:fillRef>
+            <a:effectRef idx="0">
+              <a:schemeClr val="accent1"/>
+            </a:effectRef>
+            <a:fontRef idx="minor">
+              <a:schemeClr val="tx1"/>
+            </a:fontRef>
+          </p:style>
+        </p:cxnSp>
+        <p:cxnSp>
+          <p:nvCxnSpPr>
+            <p:cNvPr id="78" name="Conector reto 77"/>
+            <p:cNvCxnSpPr/>
+            <p:nvPr/>
+          </p:nvCxnSpPr>
+          <p:spPr>
+            <a:xfrm flipV="1">
+              <a:off x="6107665" y="4228608"/>
+              <a:ext cx="2532972" cy="501515"/>
+            </a:xfrm>
+            <a:prstGeom prst="line">
+              <a:avLst/>
+            </a:prstGeom>
+            <a:ln>
+              <a:solidFill>
+                <a:schemeClr val="tx1"/>
+              </a:solidFill>
+            </a:ln>
+          </p:spPr>
+          <p:style>
+            <a:lnRef idx="1">
+              <a:schemeClr val="accent1"/>
+            </a:lnRef>
+            <a:fillRef idx="0">
+              <a:schemeClr val="accent1"/>
+            </a:fillRef>
+            <a:effectRef idx="0">
+              <a:schemeClr val="accent1"/>
+            </a:effectRef>
+            <a:fontRef idx="minor">
+              <a:schemeClr val="tx1"/>
+            </a:fontRef>
+          </p:style>
+        </p:cxnSp>
+        <mc:AlternateContent xmlns:mc="http://schemas.openxmlformats.org/markup-compatibility/2006" xmlns:a14="http://schemas.microsoft.com/office/drawing/2010/main">
+          <mc:Choice Requires="a14">
+            <p:sp>
+              <p:nvSpPr>
+                <p:cNvPr id="79" name="CaixaDeTexto 78"/>
+                <p:cNvSpPr txBox="1"/>
+                <p:nvPr/>
+              </p:nvSpPr>
+              <p:spPr>
+                <a:xfrm>
+                  <a:off x="8579295" y="4872445"/>
+                  <a:ext cx="1025220" cy="281744"/>
+                </a:xfrm>
+                <a:prstGeom prst="rect">
+                  <a:avLst/>
+                </a:prstGeom>
+                <a:noFill/>
+              </p:spPr>
+              <p:txBody>
+                <a:bodyPr wrap="square" lIns="0" tIns="0" rIns="0" bIns="0" rtlCol="0">
+                  <a:spAutoFit/>
+                </a:bodyPr>
+                <a:lstStyle/>
+                <a:p>
+                  <a:pPr/>
+                  <a14:m>
+                    <m:oMathPara xmlns:m="http://schemas.openxmlformats.org/officeDocument/2006/math">
+                      <m:oMathParaPr>
+                        <m:jc m:val="centerGroup"/>
+                      </m:oMathParaPr>
+                      <m:oMath xmlns:m="http://schemas.openxmlformats.org/officeDocument/2006/math">
+                        <m:sSubSup>
+                          <m:sSubSupPr>
+                            <m:ctrlPr>
+                              <a:rPr lang="pt-BR" b="0" i="1" smtClean="0">
+                                <a:solidFill>
+                                  <a:srgbClr val="00B050"/>
+                                </a:solidFill>
+                                <a:latin typeface="Cambria Math" panose="02040503050406030204" pitchFamily="18" charset="0"/>
+                              </a:rPr>
+                            </m:ctrlPr>
+                          </m:sSubSupPr>
+                          <m:e>
+                            <m:r>
+                              <a:rPr lang="pt-BR" b="0" i="1" smtClean="0">
+                                <a:solidFill>
+                                  <a:srgbClr val="00B050"/>
+                                </a:solidFill>
+                                <a:latin typeface="Cambria Math" panose="02040503050406030204" pitchFamily="18" charset="0"/>
+                              </a:rPr>
+                              <m:t>𝑁</m:t>
+                            </m:r>
+                          </m:e>
+                          <m:sub>
+                            <m:r>
+                              <a:rPr lang="pt-BR" b="0" i="1" smtClean="0">
+                                <a:solidFill>
+                                  <a:srgbClr val="00B050"/>
+                                </a:solidFill>
+                                <a:latin typeface="Cambria Math" panose="02040503050406030204" pitchFamily="18" charset="0"/>
+                              </a:rPr>
+                              <m:t>𝑒</m:t>
+                            </m:r>
+                            <m:r>
+                              <a:rPr lang="pt-BR" b="0" i="1" smtClean="0">
+                                <a:solidFill>
+                                  <a:srgbClr val="00B050"/>
+                                </a:solidFill>
+                                <a:latin typeface="Cambria Math" panose="02040503050406030204" pitchFamily="18" charset="0"/>
+                              </a:rPr>
+                              <m:t>3</m:t>
+                            </m:r>
+                          </m:sub>
+                          <m:sup>
+                            <m:r>
+                              <a:rPr lang="pt-BR" b="0" i="1" smtClean="0">
+                                <a:solidFill>
+                                  <a:srgbClr val="00B050"/>
+                                </a:solidFill>
+                                <a:latin typeface="Cambria Math" panose="02040503050406030204" pitchFamily="18" charset="0"/>
+                              </a:rPr>
+                              <m:t>𝐻</m:t>
+                            </m:r>
+                          </m:sup>
+                        </m:sSubSup>
+                        <m:r>
+                          <a:rPr lang="pt-BR" b="0" i="1" smtClean="0">
+                            <a:solidFill>
+                              <a:schemeClr val="tx1"/>
+                            </a:solidFill>
+                            <a:latin typeface="Cambria Math" panose="02040503050406030204" pitchFamily="18" charset="0"/>
+                          </a:rPr>
+                          <m:t>,</m:t>
+                        </m:r>
+                        <m:sSubSup>
+                          <m:sSubSupPr>
+                            <m:ctrlPr>
+                              <a:rPr lang="pt-BR" i="1">
+                                <a:solidFill>
+                                  <a:srgbClr val="FF0000"/>
+                                </a:solidFill>
+                                <a:latin typeface="Cambria Math" panose="02040503050406030204" pitchFamily="18" charset="0"/>
+                              </a:rPr>
+                            </m:ctrlPr>
+                          </m:sSubSupPr>
+                          <m:e>
+                            <m:r>
+                              <a:rPr lang="pt-BR" i="1">
+                                <a:solidFill>
+                                  <a:srgbClr val="FF0000"/>
+                                </a:solidFill>
+                                <a:latin typeface="Cambria Math" panose="02040503050406030204" pitchFamily="18" charset="0"/>
+                              </a:rPr>
+                              <m:t>𝑁</m:t>
+                            </m:r>
+                          </m:e>
+                          <m:sub>
+                            <m:r>
+                              <a:rPr lang="pt-BR" i="1">
+                                <a:solidFill>
+                                  <a:srgbClr val="FF0000"/>
+                                </a:solidFill>
+                                <a:latin typeface="Cambria Math" panose="02040503050406030204" pitchFamily="18" charset="0"/>
+                              </a:rPr>
+                              <m:t>𝑒</m:t>
+                            </m:r>
+                            <m:r>
+                              <a:rPr lang="pt-BR" b="0" i="1" smtClean="0">
+                                <a:solidFill>
+                                  <a:srgbClr val="FF0000"/>
+                                </a:solidFill>
+                                <a:latin typeface="Cambria Math" panose="02040503050406030204" pitchFamily="18" charset="0"/>
+                              </a:rPr>
+                              <m:t>4</m:t>
+                            </m:r>
+                          </m:sub>
+                          <m:sup>
+                            <m:r>
+                              <a:rPr lang="pt-BR" i="1">
+                                <a:solidFill>
+                                  <a:srgbClr val="FF0000"/>
+                                </a:solidFill>
+                                <a:latin typeface="Cambria Math" panose="02040503050406030204" pitchFamily="18" charset="0"/>
+                              </a:rPr>
+                              <m:t>𝐻</m:t>
+                            </m:r>
+                          </m:sup>
+                        </m:sSubSup>
+                      </m:oMath>
+                    </m:oMathPara>
+                  </a14:m>
+                  <a:endParaRPr lang="pt-BR" dirty="0">
+                    <a:solidFill>
+                      <a:srgbClr val="FF0000"/>
+                    </a:solidFill>
+                  </a:endParaRPr>
+                </a:p>
+              </p:txBody>
+            </p:sp>
+          </mc:Choice>
+          <mc:Fallback xmlns="">
+            <p:sp>
+              <p:nvSpPr>
+                <p:cNvPr id="79" name="CaixaDeTexto 78"/>
+                <p:cNvSpPr txBox="1">
+                  <a:spLocks noRot="1" noChangeAspect="1" noMove="1" noResize="1" noEditPoints="1" noAdjustHandles="1" noChangeArrowheads="1" noChangeShapeType="1" noTextEdit="1"/>
+                </p:cNvSpPr>
+                <p:nvPr/>
+              </p:nvSpPr>
+              <p:spPr>
+                <a:xfrm>
+                  <a:off x="8579295" y="4872445"/>
+                  <a:ext cx="1025220" cy="281744"/>
+                </a:xfrm>
+                <a:prstGeom prst="rect">
+                  <a:avLst/>
+                </a:prstGeom>
+                <a:blipFill rotWithShape="0">
+                  <a:blip r:embed="rId7"/>
+                  <a:stretch>
+                    <a:fillRect t="-2128" b="-17021"/>
+                  </a:stretch>
+                </a:blipFill>
+              </p:spPr>
+              <p:txBody>
+                <a:bodyPr/>
+                <a:lstStyle/>
+                <a:p>
+                  <a:r>
+                    <a:rPr lang="pt-BR">
+                      <a:noFill/>
+                    </a:rPr>
+                    <a:t> </a:t>
+                  </a:r>
+                </a:p>
+              </p:txBody>
+            </p:sp>
+          </mc:Fallback>
+        </mc:AlternateContent>
+        <mc:AlternateContent xmlns:mc="http://schemas.openxmlformats.org/markup-compatibility/2006" xmlns:a14="http://schemas.microsoft.com/office/drawing/2010/main">
+          <mc:Choice Requires="a14">
+            <p:sp>
+              <p:nvSpPr>
+                <p:cNvPr id="80" name="CaixaDeTexto 79"/>
+                <p:cNvSpPr txBox="1"/>
+                <p:nvPr/>
+              </p:nvSpPr>
+              <p:spPr>
+                <a:xfrm>
+                  <a:off x="6866621" y="2770712"/>
+                  <a:ext cx="1025220" cy="286489"/>
+                </a:xfrm>
+                <a:prstGeom prst="rect">
+                  <a:avLst/>
+                </a:prstGeom>
+                <a:noFill/>
+              </p:spPr>
+              <p:txBody>
+                <a:bodyPr wrap="square" lIns="0" tIns="0" rIns="0" bIns="0" rtlCol="0">
+                  <a:spAutoFit/>
+                </a:bodyPr>
+                <a:lstStyle/>
+                <a:p>
+                  <a:pPr/>
+                  <a14:m>
+                    <m:oMathPara xmlns:m="http://schemas.openxmlformats.org/officeDocument/2006/math">
+                      <m:oMathParaPr>
+                        <m:jc m:val="centerGroup"/>
+                      </m:oMathParaPr>
+                      <m:oMath xmlns:m="http://schemas.openxmlformats.org/officeDocument/2006/math">
+                        <m:sSubSup>
+                          <m:sSubSupPr>
+                            <m:ctrlPr>
+                              <a:rPr lang="pt-BR" b="0" i="1" smtClean="0">
+                                <a:solidFill>
+                                  <a:srgbClr val="00B050"/>
+                                </a:solidFill>
+                                <a:latin typeface="Cambria Math" panose="02040503050406030204" pitchFamily="18" charset="0"/>
+                              </a:rPr>
+                            </m:ctrlPr>
+                          </m:sSubSupPr>
+                          <m:e>
+                            <m:r>
+                              <a:rPr lang="pt-BR" b="0" i="1" smtClean="0">
+                                <a:solidFill>
+                                  <a:srgbClr val="00B050"/>
+                                </a:solidFill>
+                                <a:latin typeface="Cambria Math" panose="02040503050406030204" pitchFamily="18" charset="0"/>
+                              </a:rPr>
+                              <m:t>𝑁</m:t>
+                            </m:r>
+                          </m:e>
+                          <m:sub>
+                            <m:r>
+                              <a:rPr lang="pt-BR" b="0" i="1" smtClean="0">
+                                <a:solidFill>
+                                  <a:srgbClr val="00B050"/>
+                                </a:solidFill>
+                                <a:latin typeface="Cambria Math" panose="02040503050406030204" pitchFamily="18" charset="0"/>
+                              </a:rPr>
+                              <m:t>𝑒</m:t>
+                            </m:r>
+                            <m:r>
+                              <a:rPr lang="pt-BR" b="0" i="1" smtClean="0">
+                                <a:solidFill>
+                                  <a:srgbClr val="00B050"/>
+                                </a:solidFill>
+                                <a:latin typeface="Cambria Math" panose="02040503050406030204" pitchFamily="18" charset="0"/>
+                              </a:rPr>
+                              <m:t>5</m:t>
+                            </m:r>
+                          </m:sub>
+                          <m:sup>
+                            <m:r>
+                              <a:rPr lang="pt-BR" b="0" i="1" smtClean="0">
+                                <a:solidFill>
+                                  <a:srgbClr val="00B050"/>
+                                </a:solidFill>
+                                <a:latin typeface="Cambria Math" panose="02040503050406030204" pitchFamily="18" charset="0"/>
+                              </a:rPr>
+                              <m:t>𝐻</m:t>
+                            </m:r>
+                          </m:sup>
+                        </m:sSubSup>
+                        <m:r>
+                          <a:rPr lang="pt-BR" b="0" i="1" smtClean="0">
+                            <a:solidFill>
+                              <a:schemeClr val="tx1"/>
+                            </a:solidFill>
+                            <a:latin typeface="Cambria Math" panose="02040503050406030204" pitchFamily="18" charset="0"/>
+                          </a:rPr>
+                          <m:t>,</m:t>
+                        </m:r>
+                        <m:sSubSup>
+                          <m:sSubSupPr>
+                            <m:ctrlPr>
+                              <a:rPr lang="pt-BR" i="1">
+                                <a:solidFill>
+                                  <a:srgbClr val="FF0000"/>
+                                </a:solidFill>
+                                <a:latin typeface="Cambria Math" panose="02040503050406030204" pitchFamily="18" charset="0"/>
+                              </a:rPr>
+                            </m:ctrlPr>
+                          </m:sSubSupPr>
+                          <m:e>
+                            <m:r>
+                              <a:rPr lang="pt-BR" i="1">
+                                <a:solidFill>
+                                  <a:srgbClr val="FF0000"/>
+                                </a:solidFill>
+                                <a:latin typeface="Cambria Math" panose="02040503050406030204" pitchFamily="18" charset="0"/>
+                              </a:rPr>
+                              <m:t>𝑁</m:t>
+                            </m:r>
+                          </m:e>
+                          <m:sub>
+                            <m:r>
+                              <a:rPr lang="pt-BR" i="1">
+                                <a:solidFill>
+                                  <a:srgbClr val="FF0000"/>
+                                </a:solidFill>
+                                <a:latin typeface="Cambria Math" panose="02040503050406030204" pitchFamily="18" charset="0"/>
+                              </a:rPr>
+                              <m:t>𝑒</m:t>
+                            </m:r>
+                            <m:r>
+                              <a:rPr lang="pt-BR" b="0" i="1" smtClean="0">
+                                <a:solidFill>
+                                  <a:srgbClr val="FF0000"/>
+                                </a:solidFill>
+                                <a:latin typeface="Cambria Math" panose="02040503050406030204" pitchFamily="18" charset="0"/>
+                              </a:rPr>
+                              <m:t>6</m:t>
+                            </m:r>
+                          </m:sub>
+                          <m:sup>
+                            <m:r>
+                              <a:rPr lang="pt-BR" i="1">
+                                <a:solidFill>
+                                  <a:srgbClr val="FF0000"/>
+                                </a:solidFill>
+                                <a:latin typeface="Cambria Math" panose="02040503050406030204" pitchFamily="18" charset="0"/>
+                              </a:rPr>
+                              <m:t>𝐻</m:t>
+                            </m:r>
+                          </m:sup>
+                        </m:sSubSup>
+                      </m:oMath>
+                    </m:oMathPara>
+                  </a14:m>
+                  <a:endParaRPr lang="pt-BR" dirty="0">
+                    <a:solidFill>
+                      <a:srgbClr val="FF0000"/>
+                    </a:solidFill>
+                  </a:endParaRPr>
+                </a:p>
+              </p:txBody>
+            </p:sp>
+          </mc:Choice>
+          <mc:Fallback xmlns="">
+            <p:sp>
+              <p:nvSpPr>
+                <p:cNvPr id="80" name="CaixaDeTexto 79"/>
+                <p:cNvSpPr txBox="1">
+                  <a:spLocks noRot="1" noChangeAspect="1" noMove="1" noResize="1" noEditPoints="1" noAdjustHandles="1" noChangeArrowheads="1" noChangeShapeType="1" noTextEdit="1"/>
+                </p:cNvSpPr>
+                <p:nvPr/>
+              </p:nvSpPr>
+              <p:spPr>
+                <a:xfrm>
+                  <a:off x="6866621" y="2770712"/>
+                  <a:ext cx="1025220" cy="286489"/>
+                </a:xfrm>
+                <a:prstGeom prst="rect">
+                  <a:avLst/>
+                </a:prstGeom>
+                <a:blipFill rotWithShape="0">
+                  <a:blip r:embed="rId8"/>
+                  <a:stretch>
+                    <a:fillRect t="-2128" b="-19149"/>
+                  </a:stretch>
+                </a:blipFill>
+              </p:spPr>
+              <p:txBody>
+                <a:bodyPr/>
+                <a:lstStyle/>
+                <a:p>
+                  <a:r>
+                    <a:rPr lang="pt-BR">
+                      <a:noFill/>
+                    </a:rPr>
+                    <a:t> </a:t>
+                  </a:r>
+                </a:p>
+              </p:txBody>
+            </p:sp>
+          </mc:Fallback>
+        </mc:AlternateContent>
+        <mc:AlternateContent xmlns:mc="http://schemas.openxmlformats.org/markup-compatibility/2006" xmlns:a14="http://schemas.microsoft.com/office/drawing/2010/main">
+          <mc:Choice Requires="a14">
+            <p:sp>
+              <p:nvSpPr>
+                <p:cNvPr id="81" name="CaixaDeTexto 80"/>
+                <p:cNvSpPr txBox="1"/>
+                <p:nvPr/>
+              </p:nvSpPr>
+              <p:spPr>
+                <a:xfrm>
+                  <a:off x="5129584" y="3114561"/>
+                  <a:ext cx="1025220" cy="281744"/>
+                </a:xfrm>
+                <a:prstGeom prst="rect">
+                  <a:avLst/>
+                </a:prstGeom>
+                <a:noFill/>
+              </p:spPr>
+              <p:txBody>
+                <a:bodyPr wrap="square" lIns="0" tIns="0" rIns="0" bIns="0" rtlCol="0">
+                  <a:spAutoFit/>
+                </a:bodyPr>
+                <a:lstStyle/>
+                <a:p>
+                  <a:pPr/>
+                  <a14:m>
+                    <m:oMathPara xmlns:m="http://schemas.openxmlformats.org/officeDocument/2006/math">
+                      <m:oMathParaPr>
+                        <m:jc m:val="centerGroup"/>
+                      </m:oMathParaPr>
+                      <m:oMath xmlns:m="http://schemas.openxmlformats.org/officeDocument/2006/math">
+                        <m:sSubSup>
+                          <m:sSubSupPr>
+                            <m:ctrlPr>
+                              <a:rPr lang="pt-BR" b="0" i="1" smtClean="0">
+                                <a:solidFill>
+                                  <a:srgbClr val="00B050"/>
+                                </a:solidFill>
+                                <a:latin typeface="Cambria Math" panose="02040503050406030204" pitchFamily="18" charset="0"/>
+                              </a:rPr>
+                            </m:ctrlPr>
+                          </m:sSubSupPr>
+                          <m:e>
+                            <m:r>
+                              <a:rPr lang="pt-BR" b="0" i="1" smtClean="0">
+                                <a:solidFill>
+                                  <a:srgbClr val="00B050"/>
+                                </a:solidFill>
+                                <a:latin typeface="Cambria Math" panose="02040503050406030204" pitchFamily="18" charset="0"/>
+                              </a:rPr>
+                              <m:t>𝑁</m:t>
+                            </m:r>
+                          </m:e>
+                          <m:sub>
+                            <m:r>
+                              <a:rPr lang="pt-BR" b="0" i="1" smtClean="0">
+                                <a:solidFill>
+                                  <a:srgbClr val="00B050"/>
+                                </a:solidFill>
+                                <a:latin typeface="Cambria Math" panose="02040503050406030204" pitchFamily="18" charset="0"/>
+                              </a:rPr>
+                              <m:t>𝑒</m:t>
+                            </m:r>
+                            <m:r>
+                              <a:rPr lang="pt-BR" b="0" i="1" smtClean="0">
+                                <a:solidFill>
+                                  <a:srgbClr val="00B050"/>
+                                </a:solidFill>
+                                <a:latin typeface="Cambria Math" panose="02040503050406030204" pitchFamily="18" charset="0"/>
+                              </a:rPr>
+                              <m:t>7</m:t>
+                            </m:r>
+                          </m:sub>
+                          <m:sup>
+                            <m:r>
+                              <a:rPr lang="pt-BR" b="0" i="1" smtClean="0">
+                                <a:solidFill>
+                                  <a:srgbClr val="00B050"/>
+                                </a:solidFill>
+                                <a:latin typeface="Cambria Math" panose="02040503050406030204" pitchFamily="18" charset="0"/>
+                              </a:rPr>
+                              <m:t>𝐻</m:t>
+                            </m:r>
+                          </m:sup>
+                        </m:sSubSup>
+                        <m:r>
+                          <a:rPr lang="pt-BR" b="0" i="1" smtClean="0">
+                            <a:solidFill>
+                              <a:schemeClr val="tx1"/>
+                            </a:solidFill>
+                            <a:latin typeface="Cambria Math" panose="02040503050406030204" pitchFamily="18" charset="0"/>
+                          </a:rPr>
+                          <m:t>,</m:t>
+                        </m:r>
+                        <m:sSubSup>
+                          <m:sSubSupPr>
+                            <m:ctrlPr>
+                              <a:rPr lang="pt-BR" i="1">
+                                <a:solidFill>
+                                  <a:srgbClr val="FF0000"/>
+                                </a:solidFill>
+                                <a:latin typeface="Cambria Math" panose="02040503050406030204" pitchFamily="18" charset="0"/>
+                              </a:rPr>
+                            </m:ctrlPr>
+                          </m:sSubSupPr>
+                          <m:e>
+                            <m:r>
+                              <a:rPr lang="pt-BR" i="1">
+                                <a:solidFill>
+                                  <a:srgbClr val="FF0000"/>
+                                </a:solidFill>
+                                <a:latin typeface="Cambria Math" panose="02040503050406030204" pitchFamily="18" charset="0"/>
+                              </a:rPr>
+                              <m:t>𝑁</m:t>
+                            </m:r>
+                          </m:e>
+                          <m:sub>
+                            <m:r>
+                              <a:rPr lang="pt-BR" i="1">
+                                <a:solidFill>
+                                  <a:srgbClr val="FF0000"/>
+                                </a:solidFill>
+                                <a:latin typeface="Cambria Math" panose="02040503050406030204" pitchFamily="18" charset="0"/>
+                              </a:rPr>
+                              <m:t>𝑒</m:t>
+                            </m:r>
+                            <m:r>
+                              <a:rPr lang="pt-BR" b="0" i="1" smtClean="0">
+                                <a:solidFill>
+                                  <a:srgbClr val="FF0000"/>
+                                </a:solidFill>
+                                <a:latin typeface="Cambria Math" panose="02040503050406030204" pitchFamily="18" charset="0"/>
+                              </a:rPr>
+                              <m:t>8</m:t>
+                            </m:r>
+                          </m:sub>
+                          <m:sup>
+                            <m:r>
+                              <a:rPr lang="pt-BR" i="1">
+                                <a:solidFill>
+                                  <a:srgbClr val="FF0000"/>
+                                </a:solidFill>
+                                <a:latin typeface="Cambria Math" panose="02040503050406030204" pitchFamily="18" charset="0"/>
+                              </a:rPr>
+                              <m:t>𝐻</m:t>
+                            </m:r>
+                          </m:sup>
+                        </m:sSubSup>
+                      </m:oMath>
+                    </m:oMathPara>
+                  </a14:m>
+                  <a:endParaRPr lang="pt-BR" dirty="0">
+                    <a:solidFill>
+                      <a:srgbClr val="FF0000"/>
+                    </a:solidFill>
+                  </a:endParaRPr>
+                </a:p>
+              </p:txBody>
+            </p:sp>
+          </mc:Choice>
+          <mc:Fallback xmlns="">
+            <p:sp>
+              <p:nvSpPr>
+                <p:cNvPr id="81" name="CaixaDeTexto 80"/>
+                <p:cNvSpPr txBox="1">
+                  <a:spLocks noRot="1" noChangeAspect="1" noMove="1" noResize="1" noEditPoints="1" noAdjustHandles="1" noChangeArrowheads="1" noChangeShapeType="1" noTextEdit="1"/>
+                </p:cNvSpPr>
+                <p:nvPr/>
+              </p:nvSpPr>
+              <p:spPr>
+                <a:xfrm>
+                  <a:off x="5129584" y="3114561"/>
+                  <a:ext cx="1025220" cy="281744"/>
+                </a:xfrm>
+                <a:prstGeom prst="rect">
+                  <a:avLst/>
+                </a:prstGeom>
+                <a:blipFill rotWithShape="0">
+                  <a:blip r:embed="rId9"/>
+                  <a:stretch>
+                    <a:fillRect t="-2174" b="-17391"/>
+                  </a:stretch>
+                </a:blipFill>
+              </p:spPr>
+              <p:txBody>
+                <a:bodyPr/>
+                <a:lstStyle/>
+                <a:p>
+                  <a:r>
+                    <a:rPr lang="pt-BR">
+                      <a:noFill/>
+                    </a:rPr>
+                    <a:t> </a:t>
+                  </a:r>
+                </a:p>
+              </p:txBody>
+            </p:sp>
+          </mc:Fallback>
+        </mc:AlternateContent>
+        <p:cxnSp>
+          <p:nvCxnSpPr>
+            <p:cNvPr id="82" name="Conector de Seta Reta 30"/>
+            <p:cNvCxnSpPr/>
+            <p:nvPr/>
+          </p:nvCxnSpPr>
+          <p:spPr>
+            <a:xfrm>
+              <a:off x="6218377" y="5069589"/>
+              <a:ext cx="389614" cy="0"/>
+            </a:xfrm>
+            <a:prstGeom prst="straightConnector1">
+              <a:avLst/>
+            </a:prstGeom>
+            <a:ln w="19050">
+              <a:solidFill>
+                <a:srgbClr val="00B050"/>
+              </a:solidFill>
+              <a:tailEnd type="triangle"/>
+            </a:ln>
+          </p:spPr>
+          <p:style>
+            <a:lnRef idx="1">
+              <a:schemeClr val="accent1"/>
+            </a:lnRef>
+            <a:fillRef idx="0">
+              <a:schemeClr val="accent1"/>
+            </a:fillRef>
+            <a:effectRef idx="0">
+              <a:schemeClr val="accent1"/>
+            </a:effectRef>
+            <a:fontRef idx="minor">
+              <a:schemeClr val="tx1"/>
+            </a:fontRef>
+          </p:style>
+        </p:cxnSp>
+        <p:cxnSp>
+          <p:nvCxnSpPr>
+            <p:cNvPr id="83" name="Conector de Seta Reta 31"/>
+            <p:cNvCxnSpPr/>
+            <p:nvPr/>
+          </p:nvCxnSpPr>
+          <p:spPr>
+            <a:xfrm flipV="1">
+              <a:off x="6218376" y="4687926"/>
+              <a:ext cx="0" cy="381664"/>
+            </a:xfrm>
+            <a:prstGeom prst="straightConnector1">
+              <a:avLst/>
+            </a:prstGeom>
+            <a:ln w="19050">
+              <a:solidFill>
+                <a:srgbClr val="FF0000"/>
+              </a:solidFill>
+              <a:tailEnd type="triangle"/>
+            </a:ln>
+          </p:spPr>
+          <p:style>
+            <a:lnRef idx="1">
+              <a:schemeClr val="accent1"/>
+            </a:lnRef>
+            <a:fillRef idx="0">
+              <a:schemeClr val="accent1"/>
+            </a:fillRef>
+            <a:effectRef idx="0">
+              <a:schemeClr val="accent1"/>
+            </a:effectRef>
+            <a:fontRef idx="minor">
+              <a:schemeClr val="tx1"/>
+            </a:fontRef>
+          </p:style>
+        </p:cxnSp>
+        <p:sp>
+          <p:nvSpPr>
+            <p:cNvPr id="84" name="CaixaDeTexto 83"/>
+            <p:cNvSpPr txBox="1"/>
+            <p:nvPr/>
+          </p:nvSpPr>
+          <p:spPr>
+            <a:xfrm>
+              <a:off x="5852877" y="5758748"/>
+              <a:ext cx="385639" cy="369332"/>
+            </a:xfrm>
+            <a:prstGeom prst="rect">
+              <a:avLst/>
+            </a:prstGeom>
+            <a:noFill/>
+          </p:spPr>
+          <p:txBody>
+            <a:bodyPr wrap="square" rtlCol="0">
+              <a:spAutoFit/>
+            </a:bodyPr>
+            <a:lstStyle/>
+            <a:p>
+              <a:r>
+                <a:rPr lang="pt-BR" dirty="0" smtClean="0"/>
+                <a:t>x</a:t>
+              </a:r>
+              <a:endParaRPr lang="pt-BR" dirty="0"/>
+            </a:p>
+          </p:txBody>
+        </p:sp>
+        <p:sp>
+          <p:nvSpPr>
+            <p:cNvPr id="85" name="CaixaDeTexto 84"/>
+            <p:cNvSpPr txBox="1"/>
+            <p:nvPr/>
+          </p:nvSpPr>
+          <p:spPr>
+            <a:xfrm>
+              <a:off x="5329416" y="5216273"/>
+              <a:ext cx="385639" cy="369332"/>
+            </a:xfrm>
+            <a:prstGeom prst="rect">
+              <a:avLst/>
+            </a:prstGeom>
+            <a:noFill/>
+          </p:spPr>
+          <p:txBody>
+            <a:bodyPr wrap="square" rtlCol="0">
+              <a:spAutoFit/>
+            </a:bodyPr>
+            <a:lstStyle/>
+            <a:p>
+              <a:r>
+                <a:rPr lang="pt-BR" dirty="0" smtClean="0"/>
+                <a:t>y</a:t>
+              </a:r>
+              <a:endParaRPr lang="pt-BR" dirty="0"/>
+            </a:p>
+          </p:txBody>
+        </p:sp>
+        <p:cxnSp>
+          <p:nvCxnSpPr>
+            <p:cNvPr id="86" name="Conector de Seta Reta 30"/>
+            <p:cNvCxnSpPr/>
+            <p:nvPr/>
+          </p:nvCxnSpPr>
+          <p:spPr>
+            <a:xfrm>
+              <a:off x="8979397" y="4802889"/>
+              <a:ext cx="389614" cy="0"/>
+            </a:xfrm>
+            <a:prstGeom prst="straightConnector1">
+              <a:avLst/>
+            </a:prstGeom>
+            <a:ln w="19050">
+              <a:solidFill>
+                <a:srgbClr val="00B050"/>
+              </a:solidFill>
+              <a:tailEnd type="triangle"/>
+            </a:ln>
+          </p:spPr>
+          <p:style>
+            <a:lnRef idx="1">
+              <a:schemeClr val="accent1"/>
+            </a:lnRef>
+            <a:fillRef idx="0">
+              <a:schemeClr val="accent1"/>
+            </a:fillRef>
+            <a:effectRef idx="0">
+              <a:schemeClr val="accent1"/>
+            </a:effectRef>
+            <a:fontRef idx="minor">
+              <a:schemeClr val="tx1"/>
+            </a:fontRef>
+          </p:style>
+        </p:cxnSp>
+        <p:cxnSp>
+          <p:nvCxnSpPr>
+            <p:cNvPr id="87" name="Conector de Seta Reta 31"/>
+            <p:cNvCxnSpPr/>
+            <p:nvPr/>
+          </p:nvCxnSpPr>
+          <p:spPr>
+            <a:xfrm flipV="1">
+              <a:off x="8979396" y="4421226"/>
+              <a:ext cx="0" cy="381664"/>
+            </a:xfrm>
+            <a:prstGeom prst="straightConnector1">
+              <a:avLst/>
+            </a:prstGeom>
+            <a:ln w="19050">
+              <a:solidFill>
+                <a:srgbClr val="FF0000"/>
+              </a:solidFill>
+              <a:tailEnd type="triangle"/>
+            </a:ln>
+          </p:spPr>
+          <p:style>
+            <a:lnRef idx="1">
+              <a:schemeClr val="accent1"/>
+            </a:lnRef>
+            <a:fillRef idx="0">
+              <a:schemeClr val="accent1"/>
+            </a:fillRef>
+            <a:effectRef idx="0">
+              <a:schemeClr val="accent1"/>
+            </a:effectRef>
+            <a:fontRef idx="minor">
+              <a:schemeClr val="tx1"/>
+            </a:fontRef>
+          </p:style>
+        </p:cxnSp>
+        <p:cxnSp>
+          <p:nvCxnSpPr>
+            <p:cNvPr id="88" name="Conector de Seta Reta 30"/>
+            <p:cNvCxnSpPr/>
+            <p:nvPr/>
+          </p:nvCxnSpPr>
+          <p:spPr>
+            <a:xfrm>
+              <a:off x="7830369" y="3047841"/>
+              <a:ext cx="389614" cy="0"/>
+            </a:xfrm>
+            <a:prstGeom prst="straightConnector1">
+              <a:avLst/>
+            </a:prstGeom>
+            <a:ln w="19050">
+              <a:solidFill>
+                <a:srgbClr val="00B050"/>
+              </a:solidFill>
+              <a:tailEnd type="triangle"/>
+            </a:ln>
+          </p:spPr>
+          <p:style>
+            <a:lnRef idx="1">
+              <a:schemeClr val="accent1"/>
+            </a:lnRef>
+            <a:fillRef idx="0">
+              <a:schemeClr val="accent1"/>
+            </a:fillRef>
+            <a:effectRef idx="0">
+              <a:schemeClr val="accent1"/>
+            </a:effectRef>
+            <a:fontRef idx="minor">
+              <a:schemeClr val="tx1"/>
+            </a:fontRef>
+          </p:style>
+        </p:cxnSp>
+        <p:cxnSp>
+          <p:nvCxnSpPr>
+            <p:cNvPr id="89" name="Conector de Seta Reta 31"/>
+            <p:cNvCxnSpPr/>
+            <p:nvPr/>
+          </p:nvCxnSpPr>
+          <p:spPr>
+            <a:xfrm flipV="1">
+              <a:off x="7830368" y="2666178"/>
+              <a:ext cx="0" cy="381664"/>
+            </a:xfrm>
+            <a:prstGeom prst="straightConnector1">
+              <a:avLst/>
+            </a:prstGeom>
+            <a:ln w="19050">
+              <a:solidFill>
+                <a:srgbClr val="FF0000"/>
+              </a:solidFill>
+              <a:tailEnd type="triangle"/>
+            </a:ln>
+          </p:spPr>
+          <p:style>
+            <a:lnRef idx="1">
+              <a:schemeClr val="accent1"/>
+            </a:lnRef>
+            <a:fillRef idx="0">
+              <a:schemeClr val="accent1"/>
+            </a:fillRef>
+            <a:effectRef idx="0">
+              <a:schemeClr val="accent1"/>
+            </a:effectRef>
+            <a:fontRef idx="minor">
+              <a:schemeClr val="tx1"/>
+            </a:fontRef>
+          </p:style>
+        </p:cxnSp>
+        <p:cxnSp>
+          <p:nvCxnSpPr>
+            <p:cNvPr id="90" name="Conector de Seta Reta 30"/>
+            <p:cNvCxnSpPr/>
+            <p:nvPr/>
+          </p:nvCxnSpPr>
+          <p:spPr>
+            <a:xfrm>
+              <a:off x="5817097" y="3744822"/>
+              <a:ext cx="389614" cy="0"/>
+            </a:xfrm>
+            <a:prstGeom prst="straightConnector1">
+              <a:avLst/>
+            </a:prstGeom>
+            <a:ln w="19050">
+              <a:solidFill>
+                <a:srgbClr val="00B050"/>
+              </a:solidFill>
+              <a:tailEnd type="triangle"/>
+            </a:ln>
+          </p:spPr>
+          <p:style>
+            <a:lnRef idx="1">
+              <a:schemeClr val="accent1"/>
+            </a:lnRef>
+            <a:fillRef idx="0">
+              <a:schemeClr val="accent1"/>
+            </a:fillRef>
+            <a:effectRef idx="0">
+              <a:schemeClr val="accent1"/>
+            </a:effectRef>
+            <a:fontRef idx="minor">
+              <a:schemeClr val="tx1"/>
+            </a:fontRef>
+          </p:style>
+        </p:cxnSp>
+        <p:cxnSp>
+          <p:nvCxnSpPr>
+            <p:cNvPr id="91" name="Conector de Seta Reta 31"/>
+            <p:cNvCxnSpPr/>
+            <p:nvPr/>
+          </p:nvCxnSpPr>
+          <p:spPr>
+            <a:xfrm flipV="1">
+              <a:off x="5817096" y="3363159"/>
+              <a:ext cx="0" cy="381664"/>
+            </a:xfrm>
+            <a:prstGeom prst="straightConnector1">
+              <a:avLst/>
+            </a:prstGeom>
+            <a:ln w="19050">
+              <a:solidFill>
+                <a:srgbClr val="FF0000"/>
+              </a:solidFill>
+              <a:tailEnd type="triangle"/>
+            </a:ln>
+          </p:spPr>
+          <p:style>
+            <a:lnRef idx="1">
+              <a:schemeClr val="accent1"/>
+            </a:lnRef>
+            <a:fillRef idx="0">
+              <a:schemeClr val="accent1"/>
+            </a:fillRef>
+            <a:effectRef idx="0">
+              <a:schemeClr val="accent1"/>
+            </a:effectRef>
+            <a:fontRef idx="minor">
+              <a:schemeClr val="tx1"/>
+            </a:fontRef>
+          </p:style>
+        </p:cxnSp>
+        <p:cxnSp>
+          <p:nvCxnSpPr>
+            <p:cNvPr id="92" name="Conector de Seta Reta 30"/>
+            <p:cNvCxnSpPr/>
+            <p:nvPr/>
+          </p:nvCxnSpPr>
+          <p:spPr>
+            <a:xfrm>
+              <a:off x="5613612" y="5766808"/>
+              <a:ext cx="389614" cy="0"/>
+            </a:xfrm>
+            <a:prstGeom prst="straightConnector1">
+              <a:avLst/>
+            </a:prstGeom>
+            <a:ln w="19050">
+              <a:solidFill>
+                <a:schemeClr val="tx1"/>
+              </a:solidFill>
+              <a:tailEnd type="triangle"/>
+            </a:ln>
+          </p:spPr>
+          <p:style>
+            <a:lnRef idx="1">
+              <a:schemeClr val="accent1"/>
+            </a:lnRef>
+            <a:fillRef idx="0">
+              <a:schemeClr val="accent1"/>
+            </a:fillRef>
+            <a:effectRef idx="0">
+              <a:schemeClr val="accent1"/>
+            </a:effectRef>
+            <a:fontRef idx="minor">
+              <a:schemeClr val="tx1"/>
+            </a:fontRef>
+          </p:style>
+        </p:cxnSp>
+        <p:cxnSp>
+          <p:nvCxnSpPr>
+            <p:cNvPr id="93" name="Conector de Seta Reta 31"/>
+            <p:cNvCxnSpPr/>
+            <p:nvPr/>
+          </p:nvCxnSpPr>
+          <p:spPr>
+            <a:xfrm flipV="1">
+              <a:off x="5613611" y="5385145"/>
+              <a:ext cx="0" cy="381664"/>
+            </a:xfrm>
+            <a:prstGeom prst="straightConnector1">
+              <a:avLst/>
+            </a:prstGeom>
+            <a:ln w="19050">
+              <a:solidFill>
+                <a:schemeClr val="tx1"/>
+              </a:solidFill>
+              <a:tailEnd type="triangle"/>
+            </a:ln>
+          </p:spPr>
+          <p:style>
+            <a:lnRef idx="1">
+              <a:schemeClr val="accent1"/>
+            </a:lnRef>
+            <a:fillRef idx="0">
+              <a:schemeClr val="accent1"/>
+            </a:fillRef>
+            <a:effectRef idx="0">
+              <a:schemeClr val="accent1"/>
+            </a:effectRef>
+            <a:fontRef idx="minor">
+              <a:schemeClr val="tx1"/>
+            </a:fontRef>
+          </p:style>
+        </p:cxnSp>
+      </p:grpSp>
+    </p:spTree>
+    <p:extLst>
+      <p:ext uri="{BB962C8B-B14F-4D97-AF65-F5344CB8AC3E}">
+        <p14:creationId xmlns:p14="http://schemas.microsoft.com/office/powerpoint/2010/main" val="1021928342"/>
+      </p:ext>
+    </p:extLst>
+  </p:cSld>
+  <p:clrMapOvr>
+    <a:masterClrMapping/>
+  </p:clrMapOvr>
+</p:sld>
+</file>
+
+<file path=ppt/slides/slide7.xml><?xml version="1.0" encoding="utf-8"?>
+<p:sld xmlns:a="http://schemas.openxmlformats.org/drawingml/2006/main" xmlns:r="http://schemas.openxmlformats.org/officeDocument/2006/relationships" xmlns:p="http://schemas.openxmlformats.org/presentationml/2006/main">
+  <p:cSld>
+    <p:spTree>
+      <p:nvGrpSpPr>
+        <p:cNvPr id="1" name=""/>
+        <p:cNvGrpSpPr/>
+        <p:nvPr/>
+      </p:nvGrpSpPr>
+      <p:grpSpPr>
+        <a:xfrm>
+          <a:off x="0" y="0"/>
+          <a:ext cx="0" cy="0"/>
+          <a:chOff x="0" y="0"/>
+          <a:chExt cx="0" cy="0"/>
+        </a:xfrm>
+      </p:grpSpPr>
+      <p:sp>
+        <p:nvSpPr>
+          <p:cNvPr id="44" name="Forma livre 43"/>
+          <p:cNvSpPr/>
+          <p:nvPr/>
+        </p:nvSpPr>
+        <p:spPr>
+          <a:xfrm>
+            <a:off x="6308710" y="1891734"/>
+            <a:ext cx="3162300" cy="2019300"/>
+          </a:xfrm>
+          <a:custGeom>
+            <a:avLst/>
+            <a:gdLst>
+              <a:gd name="connsiteX0" fmla="*/ 396240 w 3162300"/>
+              <a:gd name="connsiteY0" fmla="*/ 2019300 h 2019300"/>
+              <a:gd name="connsiteX1" fmla="*/ 0 w 3162300"/>
+              <a:gd name="connsiteY1" fmla="*/ 685800 h 2019300"/>
+              <a:gd name="connsiteX2" fmla="*/ 2057400 w 3162300"/>
+              <a:gd name="connsiteY2" fmla="*/ 0 h 2019300"/>
+              <a:gd name="connsiteX3" fmla="*/ 3162300 w 3162300"/>
+              <a:gd name="connsiteY3" fmla="*/ 1752600 h 2019300"/>
+              <a:gd name="connsiteX4" fmla="*/ 396240 w 3162300"/>
+              <a:gd name="connsiteY4" fmla="*/ 2019300 h 2019300"/>
+            </a:gdLst>
+            <a:ahLst/>
+            <a:cxnLst>
+              <a:cxn ang="0">
+                <a:pos x="connsiteX0" y="connsiteY0"/>
+              </a:cxn>
+              <a:cxn ang="0">
+                <a:pos x="connsiteX1" y="connsiteY1"/>
+              </a:cxn>
+              <a:cxn ang="0">
+                <a:pos x="connsiteX2" y="connsiteY2"/>
+              </a:cxn>
+              <a:cxn ang="0">
+                <a:pos x="connsiteX3" y="connsiteY3"/>
+              </a:cxn>
+              <a:cxn ang="0">
+                <a:pos x="connsiteX4" y="connsiteY4"/>
+              </a:cxn>
+            </a:cxnLst>
+            <a:rect l="l" t="t" r="r" b="b"/>
+            <a:pathLst>
+              <a:path w="3162300" h="2019300">
+                <a:moveTo>
+                  <a:pt x="396240" y="2019300"/>
+                </a:moveTo>
+                <a:lnTo>
+                  <a:pt x="0" y="685800"/>
+                </a:lnTo>
+                <a:lnTo>
+                  <a:pt x="2057400" y="0"/>
+                </a:lnTo>
+                <a:lnTo>
+                  <a:pt x="3162300" y="1752600"/>
+                </a:lnTo>
+                <a:lnTo>
+                  <a:pt x="396240" y="2019300"/>
+                </a:lnTo>
+                <a:close/>
+              </a:path>
+            </a:pathLst>
+          </a:custGeom>
+          <a:solidFill>
+            <a:schemeClr val="bg1"/>
+          </a:solidFill>
+          <a:ln w="38100">
+            <a:solidFill>
+              <a:schemeClr val="tx1"/>
+            </a:solidFill>
+          </a:ln>
+        </p:spPr>
+        <p:style>
+          <a:lnRef idx="2">
+            <a:schemeClr val="accent1">
+              <a:shade val="50000"/>
+            </a:schemeClr>
+          </a:lnRef>
+          <a:fillRef idx="1">
+            <a:schemeClr val="accent1"/>
+          </a:fillRef>
+          <a:effectRef idx="0">
+            <a:schemeClr val="accent1"/>
+          </a:effectRef>
+          <a:fontRef idx="minor">
+            <a:schemeClr val="lt1"/>
+          </a:fontRef>
+        </p:style>
+        <p:txBody>
+          <a:bodyPr rtlCol="0" anchor="ctr"/>
+          <a:lstStyle/>
+          <a:p>
+            <a:pPr algn="ctr"/>
+            <a:endParaRPr lang="pt-BR"/>
+          </a:p>
+        </p:txBody>
+      </p:sp>
+      <p:cxnSp>
+        <p:nvCxnSpPr>
+          <p:cNvPr id="46" name="Conector reto 45"/>
+          <p:cNvCxnSpPr/>
+          <p:nvPr/>
+        </p:nvCxnSpPr>
+        <p:spPr>
+          <a:xfrm>
+            <a:off x="6619243" y="2486094"/>
+            <a:ext cx="714687" cy="1363980"/>
+          </a:xfrm>
+          <a:prstGeom prst="line">
+            <a:avLst/>
+          </a:prstGeom>
+          <a:ln>
+            <a:solidFill>
+              <a:schemeClr val="tx1"/>
+            </a:solidFill>
+          </a:ln>
+        </p:spPr>
+        <p:style>
+          <a:lnRef idx="1">
+            <a:schemeClr val="accent1"/>
+          </a:lnRef>
+          <a:fillRef idx="0">
+            <a:schemeClr val="accent1"/>
+          </a:fillRef>
+          <a:effectRef idx="0">
+            <a:schemeClr val="accent1"/>
+          </a:effectRef>
+          <a:fontRef idx="minor">
+            <a:schemeClr val="tx1"/>
+          </a:fontRef>
+        </p:style>
+      </p:cxnSp>
+      <p:cxnSp>
+        <p:nvCxnSpPr>
+          <p:cNvPr id="47" name="Conector reto 46"/>
+          <p:cNvCxnSpPr/>
+          <p:nvPr/>
+        </p:nvCxnSpPr>
+        <p:spPr>
+          <a:xfrm>
+            <a:off x="7069269" y="2315967"/>
+            <a:ext cx="796495" cy="1491562"/>
+          </a:xfrm>
+          <a:prstGeom prst="line">
+            <a:avLst/>
+          </a:prstGeom>
+          <a:ln>
+            <a:solidFill>
+              <a:schemeClr val="tx1"/>
+            </a:solidFill>
+          </a:ln>
+        </p:spPr>
+        <p:style>
+          <a:lnRef idx="1">
+            <a:schemeClr val="accent1"/>
+          </a:lnRef>
+          <a:fillRef idx="0">
+            <a:schemeClr val="accent1"/>
+          </a:fillRef>
+          <a:effectRef idx="0">
+            <a:schemeClr val="accent1"/>
+          </a:effectRef>
+          <a:fontRef idx="minor">
+            <a:schemeClr val="tx1"/>
+          </a:fontRef>
+        </p:style>
+      </p:cxnSp>
+      <p:cxnSp>
+        <p:nvCxnSpPr>
+          <p:cNvPr id="48" name="Conector reto 47"/>
+          <p:cNvCxnSpPr/>
+          <p:nvPr/>
+        </p:nvCxnSpPr>
+        <p:spPr>
+          <a:xfrm>
+            <a:off x="7644463" y="2131266"/>
+            <a:ext cx="677519" cy="1634988"/>
+          </a:xfrm>
+          <a:prstGeom prst="line">
+            <a:avLst/>
+          </a:prstGeom>
+          <a:ln>
+            <a:solidFill>
+              <a:schemeClr val="tx1"/>
+            </a:solidFill>
+          </a:ln>
+        </p:spPr>
+        <p:style>
+          <a:lnRef idx="1">
+            <a:schemeClr val="accent1"/>
+          </a:lnRef>
+          <a:fillRef idx="0">
+            <a:schemeClr val="accent1"/>
+          </a:fillRef>
+          <a:effectRef idx="0">
+            <a:schemeClr val="accent1"/>
+          </a:effectRef>
+          <a:fontRef idx="minor">
+            <a:schemeClr val="tx1"/>
+          </a:fontRef>
+        </p:style>
+      </p:cxnSp>
+      <p:cxnSp>
+        <p:nvCxnSpPr>
+          <p:cNvPr id="49" name="Conector reto 48"/>
+          <p:cNvCxnSpPr/>
+          <p:nvPr/>
+        </p:nvCxnSpPr>
+        <p:spPr>
+          <a:xfrm>
+            <a:off x="8009344" y="1988142"/>
+            <a:ext cx="681446" cy="1717152"/>
+          </a:xfrm>
+          <a:prstGeom prst="line">
+            <a:avLst/>
+          </a:prstGeom>
+          <a:ln>
+            <a:solidFill>
+              <a:schemeClr val="tx1"/>
+            </a:solidFill>
+          </a:ln>
+        </p:spPr>
+        <p:style>
+          <a:lnRef idx="1">
+            <a:schemeClr val="accent1"/>
+          </a:lnRef>
+          <a:fillRef idx="0">
+            <a:schemeClr val="accent1"/>
+          </a:fillRef>
+          <a:effectRef idx="0">
+            <a:schemeClr val="accent1"/>
+          </a:effectRef>
+          <a:fontRef idx="minor">
+            <a:schemeClr val="tx1"/>
+          </a:fontRef>
+        </p:style>
+      </p:cxnSp>
+      <p:cxnSp>
+        <p:nvCxnSpPr>
+          <p:cNvPr id="50" name="Conector reto 49"/>
+          <p:cNvCxnSpPr/>
+          <p:nvPr/>
+        </p:nvCxnSpPr>
+        <p:spPr>
+          <a:xfrm flipV="1">
+            <a:off x="6382927" y="2276046"/>
+            <a:ext cx="2213647" cy="625338"/>
+          </a:xfrm>
+          <a:prstGeom prst="line">
+            <a:avLst/>
+          </a:prstGeom>
+          <a:ln>
+            <a:solidFill>
+              <a:schemeClr val="tx1"/>
+            </a:solidFill>
+          </a:ln>
+        </p:spPr>
+        <p:style>
+          <a:lnRef idx="1">
+            <a:schemeClr val="accent1"/>
+          </a:lnRef>
+          <a:fillRef idx="0">
+            <a:schemeClr val="accent1"/>
+          </a:fillRef>
+          <a:effectRef idx="0">
+            <a:schemeClr val="accent1"/>
+          </a:effectRef>
+          <a:fontRef idx="minor">
+            <a:schemeClr val="tx1"/>
+          </a:fontRef>
+        </p:style>
+      </p:cxnSp>
+      <p:cxnSp>
+        <p:nvCxnSpPr>
+          <p:cNvPr id="51" name="Conector reto 50"/>
+          <p:cNvCxnSpPr/>
+          <p:nvPr/>
+        </p:nvCxnSpPr>
+        <p:spPr>
+          <a:xfrm flipV="1">
+            <a:off x="6477143" y="2588715"/>
+            <a:ext cx="2319827" cy="611672"/>
+          </a:xfrm>
+          <a:prstGeom prst="line">
+            <a:avLst/>
+          </a:prstGeom>
+          <a:ln>
+            <a:solidFill>
+              <a:schemeClr val="tx1"/>
+            </a:solidFill>
+          </a:ln>
+        </p:spPr>
+        <p:style>
+          <a:lnRef idx="1">
+            <a:schemeClr val="accent1"/>
+          </a:lnRef>
+          <a:fillRef idx="0">
+            <a:schemeClr val="accent1"/>
+          </a:fillRef>
+          <a:effectRef idx="0">
+            <a:schemeClr val="accent1"/>
+          </a:effectRef>
+          <a:fontRef idx="minor">
+            <a:schemeClr val="tx1"/>
+          </a:fontRef>
+        </p:style>
+      </p:cxnSp>
+      <p:cxnSp>
+        <p:nvCxnSpPr>
+          <p:cNvPr id="52" name="Conector reto 51"/>
+          <p:cNvCxnSpPr/>
+          <p:nvPr/>
+        </p:nvCxnSpPr>
+        <p:spPr>
+          <a:xfrm flipV="1">
+            <a:off x="6599278" y="3072501"/>
+            <a:ext cx="2532972" cy="501515"/>
+          </a:xfrm>
+          <a:prstGeom prst="line">
+            <a:avLst/>
+          </a:prstGeom>
+          <a:ln>
+            <a:solidFill>
+              <a:schemeClr val="tx1"/>
+            </a:solidFill>
+          </a:ln>
+        </p:spPr>
+        <p:style>
+          <a:lnRef idx="1">
+            <a:schemeClr val="accent1"/>
+          </a:lnRef>
+          <a:fillRef idx="0">
+            <a:schemeClr val="accent1"/>
+          </a:fillRef>
+          <a:effectRef idx="0">
+            <a:schemeClr val="accent1"/>
+          </a:effectRef>
+          <a:fontRef idx="minor">
+            <a:schemeClr val="tx1"/>
+          </a:fontRef>
+        </p:style>
+      </p:cxnSp>
+      <p:grpSp>
+        <p:nvGrpSpPr>
+          <p:cNvPr id="61" name="Grupo 60"/>
+          <p:cNvGrpSpPr/>
+          <p:nvPr/>
+        </p:nvGrpSpPr>
+        <p:grpSpPr>
+          <a:xfrm>
+            <a:off x="708692" y="4614608"/>
+            <a:ext cx="909100" cy="911807"/>
+            <a:chOff x="5187840" y="3172319"/>
+            <a:chExt cx="909100" cy="911807"/>
+          </a:xfrm>
+        </p:grpSpPr>
+        <p:cxnSp>
+          <p:nvCxnSpPr>
+            <p:cNvPr id="56" name="Conector de Seta Reta 30"/>
+            <p:cNvCxnSpPr/>
+            <p:nvPr/>
+          </p:nvCxnSpPr>
+          <p:spPr>
+            <a:xfrm>
+              <a:off x="5514507" y="3738648"/>
+              <a:ext cx="389614" cy="0"/>
+            </a:xfrm>
+            <a:prstGeom prst="straightConnector1">
+              <a:avLst/>
+            </a:prstGeom>
+            <a:ln w="19050">
+              <a:solidFill>
+                <a:schemeClr val="tx1"/>
+              </a:solidFill>
+              <a:tailEnd type="triangle"/>
+            </a:ln>
+          </p:spPr>
+          <p:style>
+            <a:lnRef idx="1">
+              <a:schemeClr val="accent1"/>
+            </a:lnRef>
+            <a:fillRef idx="0">
+              <a:schemeClr val="accent1"/>
+            </a:fillRef>
+            <a:effectRef idx="0">
+              <a:schemeClr val="accent1"/>
+            </a:effectRef>
+            <a:fontRef idx="minor">
+              <a:schemeClr val="tx1"/>
+            </a:fontRef>
+          </p:style>
+        </p:cxnSp>
+        <p:cxnSp>
+          <p:nvCxnSpPr>
+            <p:cNvPr id="57" name="Conector de Seta Reta 31"/>
+            <p:cNvCxnSpPr/>
+            <p:nvPr/>
+          </p:nvCxnSpPr>
+          <p:spPr>
+            <a:xfrm flipV="1">
+              <a:off x="5514506" y="3356985"/>
+              <a:ext cx="0" cy="381664"/>
+            </a:xfrm>
+            <a:prstGeom prst="straightConnector1">
+              <a:avLst/>
+            </a:prstGeom>
+            <a:ln w="19050">
+              <a:solidFill>
+                <a:schemeClr val="tx1"/>
+              </a:solidFill>
+              <a:tailEnd type="triangle"/>
+            </a:ln>
+          </p:spPr>
+          <p:style>
+            <a:lnRef idx="1">
+              <a:schemeClr val="accent1"/>
+            </a:lnRef>
+            <a:fillRef idx="0">
+              <a:schemeClr val="accent1"/>
+            </a:fillRef>
+            <a:effectRef idx="0">
+              <a:schemeClr val="accent1"/>
+            </a:effectRef>
+            <a:fontRef idx="minor">
+              <a:schemeClr val="tx1"/>
+            </a:fontRef>
+          </p:style>
+        </p:cxnSp>
+        <p:sp>
+          <p:nvSpPr>
+            <p:cNvPr id="58" name="CaixaDeTexto 57"/>
+            <p:cNvSpPr txBox="1"/>
+            <p:nvPr/>
+          </p:nvSpPr>
+          <p:spPr>
+            <a:xfrm>
+              <a:off x="5711301" y="3714794"/>
+              <a:ext cx="385639" cy="369332"/>
+            </a:xfrm>
+            <a:prstGeom prst="rect">
+              <a:avLst/>
+            </a:prstGeom>
+            <a:noFill/>
+          </p:spPr>
+          <p:txBody>
+            <a:bodyPr wrap="square" rtlCol="0">
+              <a:spAutoFit/>
+            </a:bodyPr>
+            <a:lstStyle/>
+            <a:p>
+              <a:r>
+                <a:rPr lang="pt-BR" dirty="0" smtClean="0"/>
+                <a:t>x</a:t>
+              </a:r>
+              <a:endParaRPr lang="pt-BR" dirty="0"/>
+            </a:p>
+          </p:txBody>
+        </p:sp>
+        <p:sp>
+          <p:nvSpPr>
+            <p:cNvPr id="59" name="CaixaDeTexto 58"/>
+            <p:cNvSpPr txBox="1"/>
+            <p:nvPr/>
+          </p:nvSpPr>
+          <p:spPr>
+            <a:xfrm>
+              <a:off x="5187840" y="3172319"/>
+              <a:ext cx="385639" cy="369332"/>
+            </a:xfrm>
+            <a:prstGeom prst="rect">
+              <a:avLst/>
+            </a:prstGeom>
+            <a:noFill/>
+          </p:spPr>
+          <p:txBody>
+            <a:bodyPr wrap="square" rtlCol="0">
+              <a:spAutoFit/>
+            </a:bodyPr>
+            <a:lstStyle/>
+            <a:p>
+              <a:r>
+                <a:rPr lang="pt-BR" dirty="0" smtClean="0"/>
+                <a:t>y</a:t>
+              </a:r>
+              <a:endParaRPr lang="pt-BR" dirty="0"/>
+            </a:p>
+          </p:txBody>
+        </p:sp>
+      </p:grpSp>
+      <p:grpSp>
+        <p:nvGrpSpPr>
+          <p:cNvPr id="39" name="Grupo 38"/>
+          <p:cNvGrpSpPr/>
+          <p:nvPr/>
+        </p:nvGrpSpPr>
+        <p:grpSpPr>
+          <a:xfrm>
+            <a:off x="1689569" y="737813"/>
+            <a:ext cx="4061460" cy="4061461"/>
+            <a:chOff x="1843046" y="1001429"/>
+            <a:chExt cx="4061460" cy="4061461"/>
+          </a:xfrm>
+        </p:grpSpPr>
+        <p:sp>
+          <p:nvSpPr>
+            <p:cNvPr id="5" name="Forma livre 4"/>
+            <p:cNvSpPr/>
+            <p:nvPr/>
+          </p:nvSpPr>
+          <p:spPr>
+            <a:xfrm>
+              <a:off x="3032760" y="2301238"/>
+              <a:ext cx="2017312" cy="1461843"/>
+            </a:xfrm>
+            <a:custGeom>
+              <a:avLst/>
+              <a:gdLst>
+                <a:gd name="connsiteX0" fmla="*/ 396240 w 3162300"/>
+                <a:gd name="connsiteY0" fmla="*/ 2019300 h 2019300"/>
+                <a:gd name="connsiteX1" fmla="*/ 0 w 3162300"/>
+                <a:gd name="connsiteY1" fmla="*/ 685800 h 2019300"/>
+                <a:gd name="connsiteX2" fmla="*/ 2057400 w 3162300"/>
+                <a:gd name="connsiteY2" fmla="*/ 0 h 2019300"/>
+                <a:gd name="connsiteX3" fmla="*/ 3162300 w 3162300"/>
+                <a:gd name="connsiteY3" fmla="*/ 1752600 h 2019300"/>
+                <a:gd name="connsiteX4" fmla="*/ 396240 w 3162300"/>
+                <a:gd name="connsiteY4" fmla="*/ 2019300 h 2019300"/>
+              </a:gdLst>
+              <a:ahLst/>
+              <a:cxnLst>
+                <a:cxn ang="0">
+                  <a:pos x="connsiteX0" y="connsiteY0"/>
+                </a:cxn>
+                <a:cxn ang="0">
+                  <a:pos x="connsiteX1" y="connsiteY1"/>
+                </a:cxn>
+                <a:cxn ang="0">
+                  <a:pos x="connsiteX2" y="connsiteY2"/>
+                </a:cxn>
+                <a:cxn ang="0">
+                  <a:pos x="connsiteX3" y="connsiteY3"/>
+                </a:cxn>
+                <a:cxn ang="0">
+                  <a:pos x="connsiteX4" y="connsiteY4"/>
+                </a:cxn>
+              </a:cxnLst>
+              <a:rect l="l" t="t" r="r" b="b"/>
+              <a:pathLst>
+                <a:path w="3162300" h="2019300">
+                  <a:moveTo>
+                    <a:pt x="396240" y="2019300"/>
+                  </a:moveTo>
+                  <a:lnTo>
+                    <a:pt x="0" y="685800"/>
+                  </a:lnTo>
+                  <a:lnTo>
+                    <a:pt x="2057400" y="0"/>
+                  </a:lnTo>
+                  <a:lnTo>
+                    <a:pt x="3162300" y="1752600"/>
+                  </a:lnTo>
+                  <a:lnTo>
+                    <a:pt x="396240" y="2019300"/>
+                  </a:lnTo>
+                  <a:close/>
+                </a:path>
+              </a:pathLst>
+            </a:custGeom>
+            <a:solidFill>
+              <a:schemeClr val="bg1"/>
+            </a:solidFill>
+            <a:ln w="38100">
+              <a:solidFill>
+                <a:schemeClr val="tx1"/>
+              </a:solidFill>
+            </a:ln>
+          </p:spPr>
+          <p:style>
+            <a:lnRef idx="2">
+              <a:schemeClr val="accent1">
+                <a:shade val="50000"/>
+              </a:schemeClr>
+            </a:lnRef>
+            <a:fillRef idx="1">
+              <a:schemeClr val="accent1"/>
+            </a:fillRef>
+            <a:effectRef idx="0">
+              <a:schemeClr val="accent1"/>
+            </a:effectRef>
+            <a:fontRef idx="minor">
+              <a:schemeClr val="lt1"/>
+            </a:fontRef>
+          </p:style>
+          <p:txBody>
+            <a:bodyPr rtlCol="0" anchor="ctr"/>
+            <a:lstStyle/>
+            <a:p>
+              <a:pPr algn="ctr"/>
+              <a:endParaRPr lang="pt-BR" dirty="0">
+                <a:solidFill>
+                  <a:schemeClr val="tx1"/>
+                </a:solidFill>
+              </a:endParaRPr>
+            </a:p>
+          </p:txBody>
+        </p:sp>
+        <p:sp>
+          <p:nvSpPr>
+            <p:cNvPr id="21" name="Retângulo 20"/>
+            <p:cNvSpPr/>
+            <p:nvPr/>
+          </p:nvSpPr>
+          <p:spPr>
+            <a:xfrm>
+              <a:off x="1843046" y="1001430"/>
+              <a:ext cx="4061460" cy="4061460"/>
+            </a:xfrm>
+            <a:prstGeom prst="rect">
+              <a:avLst/>
+            </a:prstGeom>
+            <a:noFill/>
+            <a:ln w="28575">
+              <a:solidFill>
+                <a:schemeClr val="tx1"/>
+              </a:solidFill>
+            </a:ln>
+          </p:spPr>
+          <p:style>
+            <a:lnRef idx="2">
+              <a:schemeClr val="accent1">
+                <a:shade val="50000"/>
+              </a:schemeClr>
+            </a:lnRef>
+            <a:fillRef idx="1">
+              <a:schemeClr val="accent1"/>
+            </a:fillRef>
+            <a:effectRef idx="0">
+              <a:schemeClr val="accent1"/>
+            </a:effectRef>
+            <a:fontRef idx="minor">
+              <a:schemeClr val="lt1"/>
+            </a:fontRef>
+          </p:style>
+          <p:txBody>
+            <a:bodyPr rtlCol="0" anchor="ctr"/>
+            <a:lstStyle/>
+            <a:p>
+              <a:pPr algn="ctr"/>
+              <a:endParaRPr lang="pt-BR"/>
+            </a:p>
+          </p:txBody>
+        </p:sp>
+        <p:cxnSp>
+          <p:nvCxnSpPr>
+            <p:cNvPr id="23" name="Conector reto 22"/>
+            <p:cNvCxnSpPr>
+              <a:stCxn id="5" idx="1"/>
+            </p:cNvCxnSpPr>
+            <p:nvPr/>
+          </p:nvCxnSpPr>
+          <p:spPr>
+            <a:xfrm flipH="1" flipV="1">
+              <a:off x="1843046" y="2446020"/>
+              <a:ext cx="1189714" cy="351693"/>
+            </a:xfrm>
+            <a:prstGeom prst="line">
+              <a:avLst/>
+            </a:prstGeom>
+            <a:ln w="28575">
+              <a:solidFill>
+                <a:schemeClr val="tx1"/>
+              </a:solidFill>
+            </a:ln>
+          </p:spPr>
+          <p:style>
+            <a:lnRef idx="1">
+              <a:schemeClr val="accent1"/>
+            </a:lnRef>
+            <a:fillRef idx="0">
+              <a:schemeClr val="accent1"/>
+            </a:fillRef>
+            <a:effectRef idx="0">
+              <a:schemeClr val="accent1"/>
+            </a:effectRef>
+            <a:fontRef idx="minor">
+              <a:schemeClr val="tx1"/>
+            </a:fontRef>
+          </p:style>
+        </p:cxnSp>
+        <p:cxnSp>
+          <p:nvCxnSpPr>
+            <p:cNvPr id="25" name="Conector reto 24"/>
+            <p:cNvCxnSpPr>
+              <a:stCxn id="5" idx="0"/>
+            </p:cNvCxnSpPr>
+            <p:nvPr/>
+          </p:nvCxnSpPr>
+          <p:spPr>
+            <a:xfrm flipH="1">
+              <a:off x="1843046" y="3763081"/>
+              <a:ext cx="1442486" cy="778439"/>
+            </a:xfrm>
+            <a:prstGeom prst="line">
+              <a:avLst/>
+            </a:prstGeom>
+            <a:ln w="28575">
+              <a:solidFill>
+                <a:schemeClr val="tx1"/>
+              </a:solidFill>
+            </a:ln>
+          </p:spPr>
+          <p:style>
+            <a:lnRef idx="1">
+              <a:schemeClr val="accent1"/>
+            </a:lnRef>
+            <a:fillRef idx="0">
+              <a:schemeClr val="accent1"/>
+            </a:fillRef>
+            <a:effectRef idx="0">
+              <a:schemeClr val="accent1"/>
+            </a:effectRef>
+            <a:fontRef idx="minor">
+              <a:schemeClr val="tx1"/>
+            </a:fontRef>
+          </p:style>
+        </p:cxnSp>
+        <p:cxnSp>
+          <p:nvCxnSpPr>
+            <p:cNvPr id="27" name="Conector reto 26"/>
+            <p:cNvCxnSpPr>
+              <a:stCxn id="5" idx="0"/>
+            </p:cNvCxnSpPr>
+            <p:nvPr/>
+          </p:nvCxnSpPr>
+          <p:spPr>
+            <a:xfrm flipH="1">
+              <a:off x="3108960" y="3763081"/>
+              <a:ext cx="176572" cy="1299808"/>
+            </a:xfrm>
+            <a:prstGeom prst="line">
+              <a:avLst/>
+            </a:prstGeom>
+            <a:ln w="28575">
+              <a:solidFill>
+                <a:schemeClr val="tx1"/>
+              </a:solidFill>
+            </a:ln>
+          </p:spPr>
+          <p:style>
+            <a:lnRef idx="1">
+              <a:schemeClr val="accent1"/>
+            </a:lnRef>
+            <a:fillRef idx="0">
+              <a:schemeClr val="accent1"/>
+            </a:fillRef>
+            <a:effectRef idx="0">
+              <a:schemeClr val="accent1"/>
+            </a:effectRef>
+            <a:fontRef idx="minor">
+              <a:schemeClr val="tx1"/>
+            </a:fontRef>
+          </p:style>
+        </p:cxnSp>
+        <p:cxnSp>
+          <p:nvCxnSpPr>
+            <p:cNvPr id="29" name="Conector reto 28"/>
+            <p:cNvCxnSpPr>
+              <a:stCxn id="5" idx="3"/>
+            </p:cNvCxnSpPr>
+            <p:nvPr/>
+          </p:nvCxnSpPr>
+          <p:spPr>
+            <a:xfrm>
+              <a:off x="5050072" y="3570007"/>
+              <a:ext cx="338931" cy="1492882"/>
+            </a:xfrm>
+            <a:prstGeom prst="line">
+              <a:avLst/>
+            </a:prstGeom>
+            <a:ln w="28575">
+              <a:solidFill>
+                <a:schemeClr val="tx1"/>
+              </a:solidFill>
+            </a:ln>
+          </p:spPr>
+          <p:style>
+            <a:lnRef idx="1">
+              <a:schemeClr val="accent1"/>
+            </a:lnRef>
+            <a:fillRef idx="0">
+              <a:schemeClr val="accent1"/>
+            </a:fillRef>
+            <a:effectRef idx="0">
+              <a:schemeClr val="accent1"/>
+            </a:effectRef>
+            <a:fontRef idx="minor">
+              <a:schemeClr val="tx1"/>
+            </a:fontRef>
+          </p:style>
+        </p:cxnSp>
+        <p:cxnSp>
+          <p:nvCxnSpPr>
+            <p:cNvPr id="32" name="Conector reto 31"/>
+            <p:cNvCxnSpPr>
+              <a:stCxn id="5" idx="3"/>
+            </p:cNvCxnSpPr>
+            <p:nvPr/>
+          </p:nvCxnSpPr>
+          <p:spPr>
+            <a:xfrm flipV="1">
+              <a:off x="5050072" y="2720340"/>
+              <a:ext cx="854434" cy="849667"/>
+            </a:xfrm>
+            <a:prstGeom prst="line">
+              <a:avLst/>
+            </a:prstGeom>
+            <a:ln w="28575">
+              <a:solidFill>
+                <a:schemeClr val="tx1"/>
+              </a:solidFill>
+            </a:ln>
+          </p:spPr>
+          <p:style>
+            <a:lnRef idx="1">
+              <a:schemeClr val="accent1"/>
+            </a:lnRef>
+            <a:fillRef idx="0">
+              <a:schemeClr val="accent1"/>
+            </a:fillRef>
+            <a:effectRef idx="0">
+              <a:schemeClr val="accent1"/>
+            </a:effectRef>
+            <a:fontRef idx="minor">
+              <a:schemeClr val="tx1"/>
+            </a:fontRef>
+          </p:style>
+        </p:cxnSp>
+        <p:cxnSp>
+          <p:nvCxnSpPr>
+            <p:cNvPr id="34" name="Conector reto 33"/>
+            <p:cNvCxnSpPr>
+              <a:stCxn id="5" idx="2"/>
+            </p:cNvCxnSpPr>
+            <p:nvPr/>
+          </p:nvCxnSpPr>
+          <p:spPr>
+            <a:xfrm flipV="1">
+              <a:off x="4345228" y="1996440"/>
+              <a:ext cx="1559278" cy="304798"/>
+            </a:xfrm>
+            <a:prstGeom prst="line">
+              <a:avLst/>
+            </a:prstGeom>
+            <a:ln w="28575">
+              <a:solidFill>
+                <a:schemeClr val="tx1"/>
+              </a:solidFill>
+            </a:ln>
+          </p:spPr>
+          <p:style>
+            <a:lnRef idx="1">
+              <a:schemeClr val="accent1"/>
+            </a:lnRef>
+            <a:fillRef idx="0">
+              <a:schemeClr val="accent1"/>
+            </a:fillRef>
+            <a:effectRef idx="0">
+              <a:schemeClr val="accent1"/>
+            </a:effectRef>
+            <a:fontRef idx="minor">
+              <a:schemeClr val="tx1"/>
+            </a:fontRef>
+          </p:style>
+        </p:cxnSp>
+        <p:cxnSp>
+          <p:nvCxnSpPr>
+            <p:cNvPr id="36" name="Conector reto 35"/>
+            <p:cNvCxnSpPr>
+              <a:stCxn id="5" idx="2"/>
+            </p:cNvCxnSpPr>
+            <p:nvPr/>
+          </p:nvCxnSpPr>
+          <p:spPr>
+            <a:xfrm flipV="1">
+              <a:off x="4345228" y="1001429"/>
+              <a:ext cx="352422" cy="1299809"/>
+            </a:xfrm>
+            <a:prstGeom prst="line">
+              <a:avLst/>
+            </a:prstGeom>
+            <a:ln w="28575">
+              <a:solidFill>
+                <a:schemeClr val="tx1"/>
+              </a:solidFill>
+            </a:ln>
+          </p:spPr>
+          <p:style>
+            <a:lnRef idx="1">
+              <a:schemeClr val="accent1"/>
+            </a:lnRef>
+            <a:fillRef idx="0">
+              <a:schemeClr val="accent1"/>
+            </a:fillRef>
+            <a:effectRef idx="0">
+              <a:schemeClr val="accent1"/>
+            </a:effectRef>
+            <a:fontRef idx="minor">
+              <a:schemeClr val="tx1"/>
+            </a:fontRef>
+          </p:style>
+        </p:cxnSp>
+        <p:cxnSp>
+          <p:nvCxnSpPr>
+            <p:cNvPr id="38" name="Conector reto 37"/>
+            <p:cNvCxnSpPr>
+              <a:stCxn id="5" idx="1"/>
+            </p:cNvCxnSpPr>
+            <p:nvPr/>
+          </p:nvCxnSpPr>
+          <p:spPr>
+            <a:xfrm flipH="1" flipV="1">
+              <a:off x="2564289" y="1001430"/>
+              <a:ext cx="468471" cy="1796283"/>
+            </a:xfrm>
+            <a:prstGeom prst="line">
+              <a:avLst/>
+            </a:prstGeom>
+            <a:ln w="28575">
+              <a:solidFill>
+                <a:schemeClr val="tx1"/>
+              </a:solidFill>
+            </a:ln>
+          </p:spPr>
+          <p:style>
+            <a:lnRef idx="1">
+              <a:schemeClr val="accent1"/>
+            </a:lnRef>
+            <a:fillRef idx="0">
+              <a:schemeClr val="accent1"/>
+            </a:fillRef>
+            <a:effectRef idx="0">
+              <a:schemeClr val="accent1"/>
+            </a:effectRef>
+            <a:fontRef idx="minor">
+              <a:schemeClr val="tx1"/>
+            </a:fontRef>
+          </p:style>
+        </p:cxnSp>
+      </p:grpSp>
+      <mc:AlternateContent xmlns:mc="http://schemas.openxmlformats.org/markup-compatibility/2006" xmlns:a14="http://schemas.microsoft.com/office/drawing/2010/main">
+        <mc:Choice Requires="a14">
+          <p:sp>
+            <p:nvSpPr>
+              <p:cNvPr id="40" name="CaixaDeTexto 39"/>
+              <p:cNvSpPr txBox="1"/>
+              <p:nvPr/>
+            </p:nvSpPr>
+            <p:spPr>
+              <a:xfrm>
+                <a:off x="3624822" y="2553099"/>
+                <a:ext cx="526233" cy="430887"/>
+              </a:xfrm>
+              <a:prstGeom prst="rect">
+                <a:avLst/>
+              </a:prstGeom>
+              <a:noFill/>
+            </p:spPr>
+            <p:txBody>
+              <a:bodyPr wrap="none" lIns="0" tIns="0" rIns="0" bIns="0" rtlCol="0">
+                <a:spAutoFit/>
+              </a:bodyPr>
+              <a:lstStyle/>
+              <a:p>
+                <a:pPr/>
+                <a14:m>
+                  <m:oMathPara xmlns:m="http://schemas.openxmlformats.org/officeDocument/2006/math">
+                    <m:oMathParaPr>
+                      <m:jc m:val="centerGroup"/>
+                    </m:oMathParaPr>
+                    <m:oMath xmlns:m="http://schemas.openxmlformats.org/officeDocument/2006/math">
+                      <m:sSup>
+                        <m:sSupPr>
+                          <m:ctrlPr>
+                            <a:rPr lang="pt-BR" sz="2800" b="0" i="1" smtClean="0">
+                              <a:latin typeface="Cambria Math" panose="02040503050406030204" pitchFamily="18" charset="0"/>
+                            </a:rPr>
+                          </m:ctrlPr>
+                        </m:sSupPr>
+                        <m:e>
+                          <m:r>
+                            <a:rPr lang="pt-BR" sz="2800" b="0" i="1" smtClean="0">
+                              <a:latin typeface="Cambria Math" panose="02040503050406030204" pitchFamily="18" charset="0"/>
+                            </a:rPr>
+                            <m:t>𝑇</m:t>
+                          </m:r>
+                        </m:e>
+                        <m:sup>
+                          <m:r>
+                            <a:rPr lang="pt-BR" sz="2800" b="0" i="1" smtClean="0">
+                              <a:latin typeface="Cambria Math" panose="02040503050406030204" pitchFamily="18" charset="0"/>
+                            </a:rPr>
+                            <m:t>𝐾</m:t>
+                          </m:r>
+                        </m:sup>
+                      </m:sSup>
+                    </m:oMath>
+                  </m:oMathPara>
+                </a14:m>
+                <a:endParaRPr lang="pt-BR" sz="2800" dirty="0"/>
+              </a:p>
+            </p:txBody>
+          </p:sp>
+        </mc:Choice>
+        <mc:Fallback xmlns="">
+          <p:sp>
+            <p:nvSpPr>
+              <p:cNvPr id="40" name="CaixaDeTexto 39"/>
+              <p:cNvSpPr txBox="1">
+                <a:spLocks noRot="1" noChangeAspect="1" noMove="1" noResize="1" noEditPoints="1" noAdjustHandles="1" noChangeArrowheads="1" noChangeShapeType="1" noTextEdit="1"/>
+              </p:cNvSpPr>
+              <p:nvPr/>
+            </p:nvSpPr>
+            <p:spPr>
+              <a:xfrm>
+                <a:off x="3624822" y="2553099"/>
+                <a:ext cx="526233" cy="430887"/>
+              </a:xfrm>
+              <a:prstGeom prst="rect">
+                <a:avLst/>
+              </a:prstGeom>
+              <a:blipFill rotWithShape="0">
+                <a:blip r:embed="rId2"/>
+                <a:stretch>
+                  <a:fillRect/>
+                </a:stretch>
+              </a:blipFill>
+            </p:spPr>
+            <p:txBody>
+              <a:bodyPr/>
+              <a:lstStyle/>
+              <a:p>
+                <a:r>
+                  <a:rPr lang="pt-BR">
+                    <a:noFill/>
+                  </a:rPr>
+                  <a:t> </a:t>
+                </a:r>
+              </a:p>
+            </p:txBody>
+          </p:sp>
+        </mc:Fallback>
+      </mc:AlternateContent>
+      <p:cxnSp>
+        <p:nvCxnSpPr>
+          <p:cNvPr id="42" name="Conector de seta reta 41"/>
+          <p:cNvCxnSpPr>
+            <a:stCxn id="40" idx="3"/>
+          </p:cNvCxnSpPr>
+          <p:nvPr/>
+        </p:nvCxnSpPr>
+        <p:spPr>
+          <a:xfrm>
+            <a:off x="4151055" y="2768543"/>
+            <a:ext cx="2154437" cy="390545"/>
+          </a:xfrm>
+          <a:prstGeom prst="straightConnector1">
+            <a:avLst/>
+          </a:prstGeom>
+          <a:ln w="12700">
+            <a:solidFill>
+              <a:schemeClr val="tx1"/>
+            </a:solidFill>
+            <a:tailEnd type="triangle"/>
+          </a:ln>
+        </p:spPr>
+        <p:style>
+          <a:lnRef idx="1">
+            <a:schemeClr val="accent1"/>
+          </a:lnRef>
+          <a:fillRef idx="0">
+            <a:schemeClr val="accent1"/>
+          </a:fillRef>
+          <a:effectRef idx="0">
+            <a:schemeClr val="accent1"/>
+          </a:effectRef>
+          <a:fontRef idx="minor">
+            <a:schemeClr val="tx1"/>
+          </a:fontRef>
+        </p:style>
+      </p:cxnSp>
+      <p:cxnSp>
+        <p:nvCxnSpPr>
+          <p:cNvPr id="64" name="Conector reto 63"/>
+          <p:cNvCxnSpPr/>
+          <p:nvPr/>
+        </p:nvCxnSpPr>
+        <p:spPr>
+          <a:xfrm flipV="1">
+            <a:off x="7069269" y="2131266"/>
+            <a:ext cx="575194" cy="184701"/>
+          </a:xfrm>
+          <a:prstGeom prst="line">
+            <a:avLst/>
+          </a:prstGeom>
+          <a:ln w="57150">
+            <a:solidFill>
+              <a:srgbClr val="FF0000"/>
+            </a:solidFill>
+          </a:ln>
+        </p:spPr>
+        <p:style>
+          <a:lnRef idx="1">
+            <a:schemeClr val="accent1"/>
+          </a:lnRef>
+          <a:fillRef idx="0">
+            <a:schemeClr val="accent1"/>
+          </a:fillRef>
+          <a:effectRef idx="0">
+            <a:schemeClr val="accent1"/>
+          </a:effectRef>
+          <a:fontRef idx="minor">
+            <a:schemeClr val="tx1"/>
+          </a:fontRef>
+        </p:style>
+      </p:cxnSp>
+      <p:cxnSp>
+        <p:nvCxnSpPr>
+          <p:cNvPr id="65" name="Conector reto 64"/>
+          <p:cNvCxnSpPr/>
+          <p:nvPr/>
+        </p:nvCxnSpPr>
+        <p:spPr>
+          <a:xfrm flipV="1">
+            <a:off x="6463506" y="906779"/>
+            <a:ext cx="1600192" cy="513840"/>
+          </a:xfrm>
+          <a:prstGeom prst="line">
+            <a:avLst/>
+          </a:prstGeom>
+          <a:ln w="57150">
+            <a:solidFill>
+              <a:srgbClr val="FF0000"/>
+            </a:solidFill>
+          </a:ln>
+        </p:spPr>
+        <p:style>
+          <a:lnRef idx="1">
+            <a:schemeClr val="accent1"/>
+          </a:lnRef>
+          <a:fillRef idx="0">
+            <a:schemeClr val="accent1"/>
+          </a:fillRef>
+          <a:effectRef idx="0">
+            <a:schemeClr val="accent1"/>
+          </a:effectRef>
+          <a:fontRef idx="minor">
+            <a:schemeClr val="tx1"/>
+          </a:fontRef>
+        </p:style>
+      </p:cxnSp>
+      <p:cxnSp>
+        <p:nvCxnSpPr>
+          <p:cNvPr id="68" name="Conector reto 67"/>
+          <p:cNvCxnSpPr/>
+          <p:nvPr/>
+        </p:nvCxnSpPr>
+        <p:spPr>
+          <a:xfrm>
+            <a:off x="6960626" y="1257287"/>
+            <a:ext cx="906780" cy="0"/>
+          </a:xfrm>
+          <a:prstGeom prst="line">
+            <a:avLst/>
+          </a:prstGeom>
+          <a:ln w="12700">
+            <a:solidFill>
+              <a:schemeClr val="tx1"/>
+            </a:solidFill>
+          </a:ln>
+        </p:spPr>
+        <p:style>
+          <a:lnRef idx="1">
+            <a:schemeClr val="accent1"/>
+          </a:lnRef>
+          <a:fillRef idx="0">
+            <a:schemeClr val="accent1"/>
+          </a:fillRef>
+          <a:effectRef idx="0">
+            <a:schemeClr val="accent1"/>
+          </a:effectRef>
+          <a:fontRef idx="minor">
+            <a:schemeClr val="tx1"/>
+          </a:fontRef>
+        </p:style>
+      </p:cxnSp>
+      <p:cxnSp>
+        <p:nvCxnSpPr>
+          <p:cNvPr id="70" name="Conector reto 69"/>
+          <p:cNvCxnSpPr/>
+          <p:nvPr/>
+        </p:nvCxnSpPr>
+        <p:spPr>
+          <a:xfrm flipV="1">
+            <a:off x="6960626" y="982980"/>
+            <a:ext cx="842254" cy="274307"/>
+          </a:xfrm>
+          <a:prstGeom prst="line">
+            <a:avLst/>
+          </a:prstGeom>
+          <a:ln w="12700">
+            <a:solidFill>
+              <a:schemeClr val="tx1"/>
+            </a:solidFill>
+          </a:ln>
+        </p:spPr>
+        <p:style>
+          <a:lnRef idx="1">
+            <a:schemeClr val="accent1"/>
+          </a:lnRef>
+          <a:fillRef idx="0">
+            <a:schemeClr val="accent1"/>
+          </a:fillRef>
+          <a:effectRef idx="0">
+            <a:schemeClr val="accent1"/>
+          </a:effectRef>
+          <a:fontRef idx="minor">
+            <a:schemeClr val="tx1"/>
+          </a:fontRef>
+        </p:style>
+      </p:cxnSp>
+      <mc:AlternateContent xmlns:mc="http://schemas.openxmlformats.org/markup-compatibility/2006" xmlns:a14="http://schemas.microsoft.com/office/drawing/2010/main">
+        <mc:Choice Requires="a14">
+          <p:sp>
+            <p:nvSpPr>
+              <p:cNvPr id="71" name="CaixaDeTexto 70"/>
+              <p:cNvSpPr txBox="1"/>
+              <p:nvPr/>
+            </p:nvSpPr>
+            <p:spPr>
+              <a:xfrm>
+                <a:off x="7498141" y="1067784"/>
+                <a:ext cx="146322" cy="215444"/>
+              </a:xfrm>
+              <a:prstGeom prst="rect">
+                <a:avLst/>
+              </a:prstGeom>
+              <a:noFill/>
+            </p:spPr>
+            <p:txBody>
+              <a:bodyPr wrap="none" lIns="0" tIns="0" rIns="0" bIns="0" rtlCol="0">
+                <a:spAutoFit/>
+              </a:bodyPr>
+              <a:lstStyle/>
+              <a:p>
+                <a:pPr/>
+                <a14:m>
+                  <m:oMathPara xmlns:m="http://schemas.openxmlformats.org/officeDocument/2006/math">
+                    <m:oMathParaPr>
+                      <m:jc m:val="centerGroup"/>
+                    </m:oMathParaPr>
+                    <m:oMath xmlns:m="http://schemas.openxmlformats.org/officeDocument/2006/math">
+                      <m:r>
+                        <a:rPr lang="pt-BR" sz="1400" b="0" i="1" smtClean="0">
+                          <a:latin typeface="Cambria Math" panose="02040503050406030204" pitchFamily="18" charset="0"/>
+                        </a:rPr>
+                        <m:t>𝜃</m:t>
+                      </m:r>
+                    </m:oMath>
+                  </m:oMathPara>
+                </a14:m>
+                <a:endParaRPr lang="pt-BR" dirty="0"/>
+              </a:p>
+            </p:txBody>
+          </p:sp>
+        </mc:Choice>
+        <mc:Fallback xmlns="">
+          <p:sp>
+            <p:nvSpPr>
+              <p:cNvPr id="71" name="CaixaDeTexto 70"/>
+              <p:cNvSpPr txBox="1">
+                <a:spLocks noRot="1" noChangeAspect="1" noMove="1" noResize="1" noEditPoints="1" noAdjustHandles="1" noChangeArrowheads="1" noChangeShapeType="1" noTextEdit="1"/>
+              </p:cNvSpPr>
+              <p:nvPr/>
+            </p:nvSpPr>
+            <p:spPr>
+              <a:xfrm>
+                <a:off x="7498141" y="1067784"/>
+                <a:ext cx="146322" cy="215444"/>
+              </a:xfrm>
+              <a:prstGeom prst="rect">
+                <a:avLst/>
+              </a:prstGeom>
+              <a:blipFill rotWithShape="0">
+                <a:blip r:embed="rId3"/>
+                <a:stretch>
+                  <a:fillRect l="-29167" r="-25000" b="-5556"/>
+                </a:stretch>
+              </a:blipFill>
+            </p:spPr>
+            <p:txBody>
+              <a:bodyPr/>
+              <a:lstStyle/>
+              <a:p>
+                <a:r>
+                  <a:rPr lang="pt-BR">
+                    <a:noFill/>
+                  </a:rPr>
+                  <a:t> </a:t>
+                </a:r>
+              </a:p>
+            </p:txBody>
+          </p:sp>
+        </mc:Fallback>
+      </mc:AlternateContent>
+      <p:sp>
+        <p:nvSpPr>
+          <p:cNvPr id="72" name="Arco 71"/>
+          <p:cNvSpPr/>
+          <p:nvPr/>
+        </p:nvSpPr>
+        <p:spPr>
+          <a:xfrm rot="2709482">
+            <a:off x="7067723" y="1078272"/>
+            <a:ext cx="281696" cy="345107"/>
+          </a:xfrm>
+          <a:prstGeom prst="arc">
+            <a:avLst>
+              <a:gd name="adj1" fmla="val 16200000"/>
+              <a:gd name="adj2" fmla="val 19490876"/>
+            </a:avLst>
+          </a:prstGeom>
+          <a:ln>
+            <a:solidFill>
+              <a:schemeClr val="tx1"/>
+            </a:solidFill>
+          </a:ln>
+        </p:spPr>
+        <p:style>
+          <a:lnRef idx="1">
+            <a:schemeClr val="accent1"/>
+          </a:lnRef>
+          <a:fillRef idx="0">
+            <a:schemeClr val="accent1"/>
+          </a:fillRef>
+          <a:effectRef idx="0">
+            <a:schemeClr val="accent1"/>
+          </a:effectRef>
+          <a:fontRef idx="minor">
+            <a:schemeClr val="tx1"/>
+          </a:fontRef>
+        </p:style>
+        <p:txBody>
+          <a:bodyPr rtlCol="0" anchor="ctr"/>
+          <a:lstStyle/>
+          <a:p>
+            <a:pPr algn="ctr"/>
+            <a:endParaRPr lang="pt-BR"/>
+          </a:p>
+        </p:txBody>
+      </p:sp>
+      <p:cxnSp>
+        <p:nvCxnSpPr>
+          <p:cNvPr id="73" name="Conector de seta reta 72"/>
+          <p:cNvCxnSpPr/>
+          <p:nvPr/>
+        </p:nvCxnSpPr>
+        <p:spPr>
+          <a:xfrm flipH="1" flipV="1">
+            <a:off x="7118322" y="1311981"/>
+            <a:ext cx="282882" cy="847652"/>
+          </a:xfrm>
+          <a:prstGeom prst="straightConnector1">
+            <a:avLst/>
+          </a:prstGeom>
+          <a:ln w="12700">
+            <a:solidFill>
+              <a:schemeClr val="tx1"/>
+            </a:solidFill>
+            <a:tailEnd type="triangle"/>
+          </a:ln>
+        </p:spPr>
+        <p:style>
+          <a:lnRef idx="1">
+            <a:schemeClr val="accent1"/>
+          </a:lnRef>
+          <a:fillRef idx="0">
+            <a:schemeClr val="accent1"/>
+          </a:fillRef>
+          <a:effectRef idx="0">
+            <a:schemeClr val="accent1"/>
+          </a:effectRef>
+          <a:fontRef idx="minor">
+            <a:schemeClr val="tx1"/>
+          </a:fontRef>
+        </p:style>
+      </p:cxnSp>
+      <p:cxnSp>
+        <p:nvCxnSpPr>
+          <p:cNvPr id="75" name="Conector de seta reta 74"/>
+          <p:cNvCxnSpPr/>
+          <p:nvPr/>
+        </p:nvCxnSpPr>
+        <p:spPr>
+          <a:xfrm flipH="1" flipV="1">
+            <a:off x="6249328" y="864269"/>
+            <a:ext cx="214178" cy="559898"/>
+          </a:xfrm>
+          <a:prstGeom prst="straightConnector1">
+            <a:avLst/>
+          </a:prstGeom>
+          <a:ln w="12700">
+            <a:solidFill>
+              <a:schemeClr val="tx1"/>
+            </a:solidFill>
+            <a:tailEnd type="triangle"/>
+          </a:ln>
+        </p:spPr>
+        <p:style>
+          <a:lnRef idx="1">
+            <a:schemeClr val="accent1"/>
+          </a:lnRef>
+          <a:fillRef idx="0">
+            <a:schemeClr val="accent1"/>
+          </a:fillRef>
+          <a:effectRef idx="0">
+            <a:schemeClr val="accent1"/>
+          </a:effectRef>
+          <a:fontRef idx="minor">
+            <a:schemeClr val="tx1"/>
+          </a:fontRef>
+        </p:style>
+      </p:cxnSp>
+      <p:cxnSp>
+        <p:nvCxnSpPr>
+          <p:cNvPr id="77" name="Conector de seta reta 76"/>
+          <p:cNvCxnSpPr/>
+          <p:nvPr/>
+        </p:nvCxnSpPr>
+        <p:spPr>
+          <a:xfrm flipV="1">
+            <a:off x="6452755" y="1311981"/>
+            <a:ext cx="360680" cy="104195"/>
+          </a:xfrm>
+          <a:prstGeom prst="straightConnector1">
+            <a:avLst/>
+          </a:prstGeom>
+          <a:ln w="12700">
+            <a:solidFill>
+              <a:schemeClr val="tx1"/>
+            </a:solidFill>
+            <a:tailEnd type="triangle"/>
+          </a:ln>
+        </p:spPr>
+        <p:style>
+          <a:lnRef idx="1">
+            <a:schemeClr val="accent1"/>
+          </a:lnRef>
+          <a:fillRef idx="0">
+            <a:schemeClr val="accent1"/>
+          </a:fillRef>
+          <a:effectRef idx="0">
+            <a:schemeClr val="accent1"/>
+          </a:effectRef>
+          <a:fontRef idx="minor">
+            <a:schemeClr val="tx1"/>
+          </a:fontRef>
+        </p:style>
+      </p:cxnSp>
+      <mc:AlternateContent xmlns:mc="http://schemas.openxmlformats.org/markup-compatibility/2006" xmlns:a14="http://schemas.microsoft.com/office/drawing/2010/main">
+        <mc:Choice Requires="a14">
+          <p:sp>
+            <p:nvSpPr>
+              <p:cNvPr id="80" name="CaixaDeTexto 79"/>
+              <p:cNvSpPr txBox="1"/>
+              <p:nvPr/>
+            </p:nvSpPr>
+            <p:spPr>
+              <a:xfrm>
+                <a:off x="6530196" y="1408581"/>
+                <a:ext cx="183320" cy="276999"/>
+              </a:xfrm>
+              <a:prstGeom prst="rect">
+                <a:avLst/>
+              </a:prstGeom>
+              <a:noFill/>
+            </p:spPr>
+            <p:txBody>
+              <a:bodyPr wrap="none" lIns="0" tIns="0" rIns="0" bIns="0" rtlCol="0">
+                <a:spAutoFit/>
+              </a:bodyPr>
+              <a:lstStyle/>
+              <a:p>
+                <a:pPr/>
+                <a14:m>
+                  <m:oMathPara xmlns:m="http://schemas.openxmlformats.org/officeDocument/2006/math">
+                    <m:oMathParaPr>
+                      <m:jc m:val="centerGroup"/>
+                    </m:oMathParaPr>
+                    <m:oMath xmlns:m="http://schemas.openxmlformats.org/officeDocument/2006/math">
+                      <m:acc>
+                        <m:accPr>
+                          <m:chr m:val="̂"/>
+                          <m:ctrlPr>
+                            <a:rPr lang="pt-BR" i="1" smtClean="0">
+                              <a:latin typeface="Cambria Math" panose="02040503050406030204" pitchFamily="18" charset="0"/>
+                            </a:rPr>
+                          </m:ctrlPr>
+                        </m:accPr>
+                        <m:e>
+                          <m:r>
+                            <a:rPr lang="pt-BR" b="0" i="1" smtClean="0">
+                              <a:latin typeface="Cambria Math" panose="02040503050406030204" pitchFamily="18" charset="0"/>
+                            </a:rPr>
+                            <m:t>𝑥</m:t>
+                          </m:r>
+                        </m:e>
+                      </m:acc>
+                    </m:oMath>
+                  </m:oMathPara>
+                </a14:m>
+                <a:endParaRPr lang="pt-BR" dirty="0"/>
+              </a:p>
+            </p:txBody>
+          </p:sp>
+        </mc:Choice>
+        <mc:Fallback xmlns="">
+          <p:sp>
+            <p:nvSpPr>
+              <p:cNvPr id="80" name="CaixaDeTexto 79"/>
+              <p:cNvSpPr txBox="1">
+                <a:spLocks noRot="1" noChangeAspect="1" noMove="1" noResize="1" noEditPoints="1" noAdjustHandles="1" noChangeArrowheads="1" noChangeShapeType="1" noTextEdit="1"/>
+              </p:cNvSpPr>
+              <p:nvPr/>
+            </p:nvSpPr>
+            <p:spPr>
+              <a:xfrm>
+                <a:off x="6530196" y="1408581"/>
+                <a:ext cx="183320" cy="276999"/>
+              </a:xfrm>
+              <a:prstGeom prst="rect">
+                <a:avLst/>
+              </a:prstGeom>
+              <a:blipFill rotWithShape="0">
+                <a:blip r:embed="rId4"/>
+                <a:stretch>
+                  <a:fillRect l="-20000" t="-23913" r="-80000"/>
+                </a:stretch>
+              </a:blipFill>
+            </p:spPr>
+            <p:txBody>
+              <a:bodyPr/>
+              <a:lstStyle/>
+              <a:p>
+                <a:r>
+                  <a:rPr lang="pt-BR">
+                    <a:noFill/>
+                  </a:rPr>
+                  <a:t> </a:t>
+                </a:r>
+              </a:p>
+            </p:txBody>
+          </p:sp>
+        </mc:Fallback>
+      </mc:AlternateContent>
+      <mc:AlternateContent xmlns:mc="http://schemas.openxmlformats.org/markup-compatibility/2006" xmlns:a14="http://schemas.microsoft.com/office/drawing/2010/main">
+        <mc:Choice Requires="a14">
+          <p:sp>
+            <p:nvSpPr>
+              <p:cNvPr id="81" name="CaixaDeTexto 80"/>
+              <p:cNvSpPr txBox="1"/>
+              <p:nvPr/>
+            </p:nvSpPr>
+            <p:spPr>
+              <a:xfrm>
+                <a:off x="6148903" y="1037006"/>
+                <a:ext cx="186718" cy="276999"/>
+              </a:xfrm>
+              <a:prstGeom prst="rect">
+                <a:avLst/>
+              </a:prstGeom>
+              <a:noFill/>
+            </p:spPr>
+            <p:txBody>
+              <a:bodyPr wrap="none" lIns="0" tIns="0" rIns="0" bIns="0" rtlCol="0">
+                <a:spAutoFit/>
+              </a:bodyPr>
+              <a:lstStyle/>
+              <a:p>
+                <a:pPr/>
+                <a14:m>
+                  <m:oMathPara xmlns:m="http://schemas.openxmlformats.org/officeDocument/2006/math">
+                    <m:oMathParaPr>
+                      <m:jc m:val="centerGroup"/>
+                    </m:oMathParaPr>
+                    <m:oMath xmlns:m="http://schemas.openxmlformats.org/officeDocument/2006/math">
+                      <m:acc>
+                        <m:accPr>
+                          <m:chr m:val="̂"/>
+                          <m:ctrlPr>
+                            <a:rPr lang="pt-BR" i="1" smtClean="0">
+                              <a:latin typeface="Cambria Math" panose="02040503050406030204" pitchFamily="18" charset="0"/>
+                            </a:rPr>
+                          </m:ctrlPr>
+                        </m:accPr>
+                        <m:e>
+                          <m:r>
+                            <a:rPr lang="pt-BR" b="0" i="1" smtClean="0">
+                              <a:latin typeface="Cambria Math" panose="02040503050406030204" pitchFamily="18" charset="0"/>
+                            </a:rPr>
+                            <m:t>𝑦</m:t>
+                          </m:r>
+                        </m:e>
+                      </m:acc>
+                    </m:oMath>
+                  </m:oMathPara>
+                </a14:m>
+                <a:endParaRPr lang="pt-BR" dirty="0"/>
+              </a:p>
+            </p:txBody>
+          </p:sp>
+        </mc:Choice>
+        <mc:Fallback xmlns="">
+          <p:sp>
+            <p:nvSpPr>
+              <p:cNvPr id="81" name="CaixaDeTexto 80"/>
+              <p:cNvSpPr txBox="1">
+                <a:spLocks noRot="1" noChangeAspect="1" noMove="1" noResize="1" noEditPoints="1" noAdjustHandles="1" noChangeArrowheads="1" noChangeShapeType="1" noTextEdit="1"/>
+              </p:cNvSpPr>
+              <p:nvPr/>
+            </p:nvSpPr>
+            <p:spPr>
+              <a:xfrm>
+                <a:off x="6148903" y="1037006"/>
+                <a:ext cx="186718" cy="276999"/>
+              </a:xfrm>
+              <a:prstGeom prst="rect">
+                <a:avLst/>
+              </a:prstGeom>
+              <a:blipFill rotWithShape="0">
+                <a:blip r:embed="rId5"/>
+                <a:stretch>
+                  <a:fillRect l="-33333" t="-23913" r="-80000" b="-23913"/>
+                </a:stretch>
+              </a:blipFill>
+            </p:spPr>
+            <p:txBody>
+              <a:bodyPr/>
+              <a:lstStyle/>
+              <a:p>
+                <a:r>
+                  <a:rPr lang="pt-BR">
+                    <a:noFill/>
+                  </a:rPr>
+                  <a:t> </a:t>
+                </a:r>
+              </a:p>
+            </p:txBody>
+          </p:sp>
+        </mc:Fallback>
+      </mc:AlternateContent>
+    </p:spTree>
+    <p:extLst>
+      <p:ext uri="{BB962C8B-B14F-4D97-AF65-F5344CB8AC3E}">
+        <p14:creationId xmlns:p14="http://schemas.microsoft.com/office/powerpoint/2010/main" val="1790904607"/>
+      </p:ext>
+    </p:extLst>
+  </p:cSld>
+  <p:clrMapOvr>
+    <a:masterClrMapping/>
+  </p:clrMapOvr>
+</p:sld>
+</file>
+
+<file path=ppt/slides/slide8.xml><?xml version="1.0" encoding="utf-8"?>
+<p:sld xmlns:a="http://schemas.openxmlformats.org/drawingml/2006/main" xmlns:r="http://schemas.openxmlformats.org/officeDocument/2006/relationships" xmlns:p="http://schemas.openxmlformats.org/presentationml/2006/main">
+  <p:cSld>
+    <p:spTree>
+      <p:nvGrpSpPr>
+        <p:cNvPr id="1" name=""/>
+        <p:cNvGrpSpPr/>
+        <p:nvPr/>
+      </p:nvGrpSpPr>
+      <p:grpSpPr>
+        <a:xfrm>
+          <a:off x="0" y="0"/>
+          <a:ext cx="0" cy="0"/>
+          <a:chOff x="0" y="0"/>
+          <a:chExt cx="0" cy="0"/>
+        </a:xfrm>
+      </p:grpSpPr>
+      <p:sp>
+        <p:nvSpPr>
+          <p:cNvPr id="2" name="Título 1"/>
+          <p:cNvSpPr>
+            <a:spLocks noGrp="1"/>
+          </p:cNvSpPr>
+          <p:nvPr>
+            <p:ph type="title"/>
+          </p:nvPr>
+        </p:nvSpPr>
+        <p:spPr/>
+        <p:txBody>
+          <a:bodyPr/>
+          <a:lstStyle/>
+          <a:p>
+            <a:endParaRPr lang="pt-BR"/>
+          </a:p>
+        </p:txBody>
+      </p:sp>
+      <p:sp>
+        <p:nvSpPr>
+          <p:cNvPr id="3" name="Espaço Reservado para Conteúdo 2"/>
+          <p:cNvSpPr>
+            <a:spLocks noGrp="1"/>
+          </p:cNvSpPr>
+          <p:nvPr>
+            <p:ph idx="1"/>
+          </p:nvPr>
+        </p:nvSpPr>
+        <p:spPr/>
+        <p:txBody>
+          <a:bodyPr/>
+          <a:lstStyle/>
+          <a:p>
+            <a:endParaRPr lang="pt-BR"/>
+          </a:p>
+        </p:txBody>
+      </p:sp>
+      <p:graphicFrame>
+        <p:nvGraphicFramePr>
+          <p:cNvPr id="4" name="Tabela 3"/>
+          <p:cNvGraphicFramePr>
+            <a:graphicFrameLocks noGrp="1"/>
+          </p:cNvGraphicFramePr>
+          <p:nvPr>
+            <p:extLst/>
+          </p:nvPr>
+        </p:nvGraphicFramePr>
+        <p:xfrm>
+          <a:off x="1914719" y="2331721"/>
+          <a:ext cx="4173992" cy="2966720"/>
+        </p:xfrm>
+        <a:graphic>
+          <a:graphicData uri="http://schemas.openxmlformats.org/drawingml/2006/table">
+            <a:tbl>
+              <a:tblPr firstRow="1" bandRow="1">
+                <a:tableStyleId>{5940675A-B579-460E-94D1-54222C63F5DA}</a:tableStyleId>
+              </a:tblPr>
+              <a:tblGrid>
+                <a:gridCol w="521749"/>
+                <a:gridCol w="521749"/>
+                <a:gridCol w="521749"/>
+                <a:gridCol w="521749"/>
+                <a:gridCol w="521749"/>
+                <a:gridCol w="521749"/>
+                <a:gridCol w="521749"/>
+                <a:gridCol w="521749"/>
+              </a:tblGrid>
+              <a:tr h="370840">
+                <a:tc>
+                  <a:txBody>
+                    <a:bodyPr/>
+                    <a:lstStyle/>
+                    <a:p>
+                      <a:pPr algn="ctr"/>
+                      <a:r>
+                        <a:rPr lang="pt-BR" dirty="0" smtClean="0"/>
+                        <a:t>B</a:t>
+                      </a:r>
+                      <a:endParaRPr lang="pt-BR" dirty="0"/>
+                    </a:p>
+                  </a:txBody>
+                  <a:tcPr anchor="ctr"/>
+                </a:tc>
+                <a:tc>
+                  <a:txBody>
+                    <a:bodyPr/>
+                    <a:lstStyle/>
+                    <a:p>
+                      <a:pPr algn="ctr"/>
+                      <a:r>
+                        <a:rPr lang="pt-BR" dirty="0" smtClean="0"/>
+                        <a:t>x</a:t>
+                      </a:r>
+                      <a:endParaRPr lang="pt-BR" dirty="0"/>
+                    </a:p>
+                  </a:txBody>
+                  <a:tcPr anchor="ctr"/>
+                </a:tc>
+                <a:tc rowSpan="2">
+                  <a:txBody>
+                    <a:bodyPr/>
+                    <a:lstStyle/>
+                    <a:p>
+                      <a:pPr algn="ctr"/>
+                      <a:r>
+                        <a:rPr lang="pt-BR" dirty="0" smtClean="0"/>
+                        <a:t>...</a:t>
+                      </a:r>
+                      <a:endParaRPr lang="pt-BR" dirty="0"/>
+                    </a:p>
+                  </a:txBody>
+                  <a:tcPr anchor="ctr"/>
+                </a:tc>
+                <a:tc>
+                  <a:txBody>
+                    <a:bodyPr/>
+                    <a:lstStyle/>
+                    <a:p>
+                      <a:pPr algn="ctr"/>
+                      <a:r>
+                        <a:rPr lang="pt-BR" dirty="0" smtClean="0"/>
+                        <a:t>x</a:t>
+                      </a:r>
+                      <a:endParaRPr lang="pt-BR" dirty="0"/>
+                    </a:p>
+                  </a:txBody>
+                  <a:tcPr anchor="ctr"/>
+                </a:tc>
+                <a:tc>
+                  <a:txBody>
+                    <a:bodyPr/>
+                    <a:lstStyle/>
+                    <a:p>
+                      <a:pPr algn="ctr"/>
+                      <a:r>
+                        <a:rPr lang="pt-BR" dirty="0" smtClean="0"/>
+                        <a:t>x</a:t>
+                      </a:r>
+                      <a:endParaRPr lang="pt-BR" dirty="0"/>
+                    </a:p>
+                  </a:txBody>
+                  <a:tcPr anchor="ctr"/>
+                </a:tc>
+                <a:tc rowSpan="2">
+                  <a:txBody>
+                    <a:bodyPr/>
+                    <a:lstStyle/>
+                    <a:p>
+                      <a:pPr algn="ctr"/>
+                      <a:r>
+                        <a:rPr lang="pt-BR" dirty="0" smtClean="0"/>
+                        <a:t>...</a:t>
+                      </a:r>
+                      <a:endParaRPr lang="pt-BR" dirty="0"/>
+                    </a:p>
+                  </a:txBody>
+                  <a:tcPr anchor="ctr"/>
+                </a:tc>
+                <a:tc>
+                  <a:txBody>
+                    <a:bodyPr/>
+                    <a:lstStyle/>
+                    <a:p>
+                      <a:pPr algn="ctr"/>
+                      <a:r>
+                        <a:rPr lang="pt-BR" dirty="0" smtClean="0"/>
+                        <a:t>x</a:t>
+                      </a:r>
+                      <a:endParaRPr lang="pt-BR" dirty="0"/>
+                    </a:p>
+                  </a:txBody>
+                  <a:tcPr anchor="ctr"/>
+                </a:tc>
+                <a:tc>
+                  <a:txBody>
+                    <a:bodyPr/>
+                    <a:lstStyle/>
+                    <a:p>
+                      <a:pPr algn="ctr"/>
+                      <a:r>
+                        <a:rPr lang="pt-BR" dirty="0" smtClean="0"/>
+                        <a:t>x</a:t>
+                      </a:r>
+                      <a:endParaRPr lang="pt-BR" dirty="0"/>
+                    </a:p>
+                  </a:txBody>
+                  <a:tcPr anchor="ctr"/>
+                </a:tc>
+              </a:tr>
+              <a:tr h="370840">
+                <a:tc>
+                  <a:txBody>
+                    <a:bodyPr/>
+                    <a:lstStyle/>
+                    <a:p>
+                      <a:pPr algn="ctr"/>
+                      <a:r>
+                        <a:rPr lang="pt-BR" dirty="0" smtClean="0"/>
+                        <a:t>x</a:t>
+                      </a:r>
+                      <a:endParaRPr lang="pt-BR" dirty="0"/>
+                    </a:p>
+                  </a:txBody>
+                  <a:tcPr anchor="ctr">
+                    <a:lnB w="12700" cap="flat" cmpd="sng" algn="ctr">
+                      <a:solidFill>
+                        <a:schemeClr val="tx1"/>
+                      </a:solidFill>
+                      <a:prstDash val="solid"/>
+                      <a:round/>
+                      <a:headEnd type="none" w="med" len="med"/>
+                      <a:tailEnd type="none" w="med" len="med"/>
+                    </a:lnB>
+                  </a:tcPr>
+                </a:tc>
+                <a:tc>
+                  <a:txBody>
+                    <a:bodyPr/>
+                    <a:lstStyle/>
+                    <a:p>
+                      <a:pPr algn="ctr"/>
+                      <a:r>
+                        <a:rPr lang="pt-BR" dirty="0" smtClean="0"/>
+                        <a:t>B</a:t>
+                      </a:r>
+                      <a:endParaRPr lang="pt-BR" dirty="0"/>
+                    </a:p>
+                  </a:txBody>
+                  <a:tcPr anchor="ctr">
+                    <a:lnB w="12700" cap="flat" cmpd="sng" algn="ctr">
+                      <a:solidFill>
+                        <a:schemeClr val="tx1"/>
+                      </a:solidFill>
+                      <a:prstDash val="solid"/>
+                      <a:round/>
+                      <a:headEnd type="none" w="med" len="med"/>
+                      <a:tailEnd type="none" w="med" len="med"/>
+                    </a:lnB>
+                  </a:tcPr>
+                </a:tc>
+                <a:tc vMerge="1">
+                  <a:txBody>
+                    <a:bodyPr/>
+                    <a:lstStyle/>
+                    <a:p>
+                      <a:endParaRPr lang="pt-BR" dirty="0"/>
+                    </a:p>
+                  </a:txBody>
+                  <a:tcPr/>
+                </a:tc>
+                <a:tc>
+                  <a:txBody>
+                    <a:bodyPr/>
+                    <a:lstStyle/>
+                    <a:p>
+                      <a:pPr algn="ctr"/>
+                      <a:r>
+                        <a:rPr lang="pt-BR" dirty="0" smtClean="0"/>
+                        <a:t>x</a:t>
+                      </a:r>
+                      <a:endParaRPr lang="pt-BR" dirty="0"/>
+                    </a:p>
+                  </a:txBody>
+                  <a:tcPr anchor="ctr"/>
+                </a:tc>
+                <a:tc>
+                  <a:txBody>
+                    <a:bodyPr/>
+                    <a:lstStyle/>
+                    <a:p>
+                      <a:pPr algn="ctr"/>
+                      <a:r>
+                        <a:rPr lang="pt-BR" dirty="0" smtClean="0"/>
+                        <a:t>x</a:t>
+                      </a:r>
+                      <a:endParaRPr lang="pt-BR" dirty="0"/>
+                    </a:p>
+                  </a:txBody>
+                  <a:tcPr anchor="ctr"/>
+                </a:tc>
+                <a:tc vMerge="1">
+                  <a:txBody>
+                    <a:bodyPr/>
+                    <a:lstStyle/>
+                    <a:p>
+                      <a:endParaRPr lang="pt-BR" dirty="0"/>
+                    </a:p>
+                  </a:txBody>
+                  <a:tcPr/>
+                </a:tc>
+                <a:tc>
+                  <a:txBody>
+                    <a:bodyPr/>
+                    <a:lstStyle/>
+                    <a:p>
+                      <a:pPr algn="ctr"/>
+                      <a:r>
+                        <a:rPr lang="pt-BR" dirty="0" smtClean="0"/>
+                        <a:t>x</a:t>
+                      </a:r>
+                      <a:endParaRPr lang="pt-BR" dirty="0"/>
+                    </a:p>
+                  </a:txBody>
+                  <a:tcPr anchor="ctr"/>
+                </a:tc>
+                <a:tc>
+                  <a:txBody>
+                    <a:bodyPr/>
+                    <a:lstStyle/>
+                    <a:p>
+                      <a:pPr algn="ctr"/>
+                      <a:r>
+                        <a:rPr lang="pt-BR" dirty="0" smtClean="0"/>
+                        <a:t>x</a:t>
+                      </a:r>
+                      <a:endParaRPr lang="pt-BR" dirty="0"/>
+                    </a:p>
+                  </a:txBody>
+                  <a:tcPr anchor="ctr"/>
+                </a:tc>
+              </a:tr>
+              <a:tr h="370840">
+                <a:tc gridSpan="2">
+                  <a:txBody>
+                    <a:bodyPr/>
+                    <a:lstStyle/>
+                    <a:p>
+                      <a:pPr algn="ctr"/>
+                      <a:r>
+                        <a:rPr lang="pt-BR" dirty="0" smtClean="0"/>
+                        <a:t>...</a:t>
+                      </a:r>
+                      <a:endParaRPr lang="pt-BR" dirty="0"/>
+                    </a:p>
+                  </a:txBody>
+                  <a:tcPr vert="vert" anchor="ctr">
+                    <a:lnL w="12700" cap="flat" cmpd="sng" algn="ctr">
+                      <a:solidFill>
+                        <a:schemeClr val="tx1"/>
+                      </a:solidFill>
+                      <a:prstDash val="solid"/>
+                      <a:round/>
+                      <a:headEnd type="none" w="med" len="med"/>
+                      <a:tailEnd type="none" w="med" len="med"/>
+                    </a:lnL>
+                    <a:lnR w="12700" cap="flat" cmpd="sng" algn="ctr">
+                      <a:solidFill>
+                        <a:schemeClr val="tx1"/>
+                      </a:solidFill>
+                      <a:prstDash val="solid"/>
+                      <a:round/>
+                      <a:headEnd type="none" w="med" len="med"/>
+                      <a:tailEnd type="none" w="med" len="med"/>
+                    </a:lnR>
+                    <a:lnT w="12700" cap="flat" cmpd="sng" algn="ctr">
+                      <a:solidFill>
+                        <a:schemeClr val="tx1"/>
+                      </a:solidFill>
+                      <a:prstDash val="solid"/>
+                      <a:round/>
+                      <a:headEnd type="none" w="med" len="med"/>
+                      <a:tailEnd type="none" w="med" len="med"/>
+                    </a:lnT>
+                    <a:lnB w="12700" cap="flat" cmpd="sng" algn="ctr">
+                      <a:solidFill>
+                        <a:schemeClr val="tx1"/>
+                      </a:solidFill>
+                      <a:prstDash val="solid"/>
+                      <a:round/>
+                      <a:headEnd type="none" w="med" len="med"/>
+                      <a:tailEnd type="none" w="med" len="med"/>
+                    </a:lnB>
+                  </a:tcPr>
+                </a:tc>
+                <a:tc hMerge="1">
+                  <a:txBody>
+                    <a:bodyPr/>
+                    <a:lstStyle/>
+                    <a:p>
+                      <a:endParaRPr lang="pt-BR" dirty="0"/>
+                    </a:p>
+                  </a:txBody>
+                  <a:tcPr>
+                    <a:lnL w="12700" cap="flat" cmpd="sng" algn="ctr">
+                      <a:solidFill>
+                        <a:schemeClr val="tx1"/>
+                      </a:solidFill>
+                      <a:prstDash val="solid"/>
+                      <a:round/>
+                      <a:headEnd type="none" w="med" len="med"/>
+                      <a:tailEnd type="none" w="med" len="med"/>
+                    </a:lnL>
+                    <a:lnR w="12700" cap="flat" cmpd="sng" algn="ctr">
+                      <a:solidFill>
+                        <a:schemeClr val="tx1"/>
+                      </a:solidFill>
+                      <a:prstDash val="solid"/>
+                      <a:round/>
+                      <a:headEnd type="none" w="med" len="med"/>
+                      <a:tailEnd type="none" w="med" len="med"/>
+                    </a:lnR>
+                    <a:lnT w="12700" cap="flat" cmpd="sng" algn="ctr">
+                      <a:solidFill>
+                        <a:schemeClr val="tx1"/>
+                      </a:solidFill>
+                      <a:prstDash val="solid"/>
+                      <a:round/>
+                      <a:headEnd type="none" w="med" len="med"/>
+                      <a:tailEnd type="none" w="med" len="med"/>
+                    </a:lnT>
+                    <a:lnB w="12700" cap="flat" cmpd="sng" algn="ctr">
+                      <a:solidFill>
+                        <a:schemeClr val="tx1"/>
+                      </a:solidFill>
+                      <a:prstDash val="solid"/>
+                      <a:round/>
+                      <a:headEnd type="none" w="med" len="med"/>
+                      <a:tailEnd type="none" w="med" len="med"/>
+                    </a:lnB>
+                  </a:tcPr>
+                </a:tc>
+                <a:tc>
+                  <a:txBody>
+                    <a:bodyPr/>
+                    <a:lstStyle/>
+                    <a:p>
+                      <a:pPr algn="ctr"/>
+                      <a:endParaRPr lang="pt-BR" dirty="0"/>
+                    </a:p>
+                  </a:txBody>
+                  <a:tcPr anchor="ctr">
+                    <a:lnL w="12700" cap="flat" cmpd="sng" algn="ctr">
+                      <a:solidFill>
+                        <a:schemeClr val="tx1"/>
+                      </a:solidFill>
+                      <a:prstDash val="solid"/>
+                      <a:round/>
+                      <a:headEnd type="none" w="med" len="med"/>
+                      <a:tailEnd type="none" w="med" len="med"/>
+                    </a:lnL>
+                    <a:lnB w="12700" cap="flat" cmpd="sng" algn="ctr">
+                      <a:solidFill>
+                        <a:schemeClr val="tx1"/>
+                      </a:solidFill>
+                      <a:prstDash val="solid"/>
+                      <a:round/>
+                      <a:headEnd type="none" w="med" len="med"/>
+                      <a:tailEnd type="none" w="med" len="med"/>
+                    </a:lnB>
+                  </a:tcPr>
+                </a:tc>
+                <a:tc gridSpan="2">
+                  <a:txBody>
+                    <a:bodyPr/>
+                    <a:lstStyle/>
+                    <a:p>
+                      <a:pPr algn="ctr"/>
+                      <a:r>
+                        <a:rPr lang="pt-BR" dirty="0" smtClean="0"/>
+                        <a:t>...</a:t>
+                      </a:r>
+                      <a:endParaRPr lang="pt-BR" dirty="0"/>
+                    </a:p>
+                  </a:txBody>
+                  <a:tcPr vert="vert" anchor="ctr"/>
+                </a:tc>
+                <a:tc hMerge="1">
+                  <a:txBody>
+                    <a:bodyPr/>
+                    <a:lstStyle/>
+                    <a:p>
+                      <a:endParaRPr lang="pt-BR" dirty="0"/>
+                    </a:p>
+                  </a:txBody>
+                  <a:tcPr/>
+                </a:tc>
+                <a:tc>
+                  <a:txBody>
+                    <a:bodyPr/>
+                    <a:lstStyle/>
+                    <a:p>
+                      <a:pPr algn="ctr"/>
+                      <a:endParaRPr lang="pt-BR" dirty="0"/>
+                    </a:p>
+                  </a:txBody>
+                  <a:tcPr anchor="ctr"/>
+                </a:tc>
+                <a:tc rowSpan="4" gridSpan="2">
+                  <a:txBody>
+                    <a:bodyPr/>
+                    <a:lstStyle/>
+                    <a:p>
+                      <a:pPr algn="ctr"/>
+                      <a:r>
+                        <a:rPr lang="pt-BR" dirty="0" smtClean="0"/>
+                        <a:t>...</a:t>
+                      </a:r>
+                      <a:endParaRPr lang="pt-BR" dirty="0"/>
+                    </a:p>
+                  </a:txBody>
+                  <a:tcPr vert="vert" anchor="ctr"/>
+                </a:tc>
+                <a:tc rowSpan="4" hMerge="1">
+                  <a:txBody>
+                    <a:bodyPr/>
+                    <a:lstStyle/>
+                    <a:p>
+                      <a:endParaRPr lang="pt-BR" dirty="0"/>
+                    </a:p>
+                  </a:txBody>
+                  <a:tcPr/>
+                </a:tc>
+              </a:tr>
+              <a:tr h="370840">
+                <a:tc>
+                  <a:txBody>
+                    <a:bodyPr/>
+                    <a:lstStyle/>
+                    <a:p>
+                      <a:pPr algn="ctr"/>
+                      <a:r>
+                        <a:rPr lang="pt-BR" dirty="0" smtClean="0">
+                          <a:solidFill>
+                            <a:srgbClr val="FF0000"/>
+                          </a:solidFill>
+                        </a:rPr>
+                        <a:t>x</a:t>
+                      </a:r>
+                      <a:endParaRPr lang="pt-BR" dirty="0">
+                        <a:solidFill>
+                          <a:srgbClr val="FF0000"/>
+                        </a:solidFill>
+                      </a:endParaRPr>
+                    </a:p>
+                  </a:txBody>
+                  <a:tcPr anchor="ctr">
+                    <a:lnL w="12700" cap="flat" cmpd="sng" algn="ctr">
+                      <a:solidFill>
+                        <a:schemeClr val="tx1"/>
+                      </a:solidFill>
+                      <a:prstDash val="solid"/>
+                      <a:round/>
+                      <a:headEnd type="none" w="med" len="med"/>
+                      <a:tailEnd type="none" w="med" len="med"/>
+                    </a:lnL>
+                    <a:lnR w="12700" cap="flat" cmpd="sng" algn="ctr">
+                      <a:solidFill>
+                        <a:schemeClr val="tx1"/>
+                      </a:solidFill>
+                      <a:prstDash val="solid"/>
+                      <a:round/>
+                      <a:headEnd type="none" w="med" len="med"/>
+                      <a:tailEnd type="none" w="med" len="med"/>
+                    </a:lnR>
+                    <a:lnT w="12700" cap="flat" cmpd="sng" algn="ctr">
+                      <a:solidFill>
+                        <a:schemeClr val="tx1"/>
+                      </a:solidFill>
+                      <a:prstDash val="solid"/>
+                      <a:round/>
+                      <a:headEnd type="none" w="med" len="med"/>
+                      <a:tailEnd type="none" w="med" len="med"/>
+                    </a:lnT>
+                    <a:lnB w="12700" cap="flat" cmpd="sng" algn="ctr">
+                      <a:solidFill>
+                        <a:schemeClr val="tx1"/>
+                      </a:solidFill>
+                      <a:prstDash val="solid"/>
+                      <a:round/>
+                      <a:headEnd type="none" w="med" len="med"/>
+                      <a:tailEnd type="none" w="med" len="med"/>
+                    </a:lnB>
+                  </a:tcPr>
+                </a:tc>
+                <a:tc>
+                  <a:txBody>
+                    <a:bodyPr/>
+                    <a:lstStyle/>
+                    <a:p>
+                      <a:pPr algn="ctr"/>
+                      <a:r>
+                        <a:rPr lang="pt-BR" dirty="0" smtClean="0">
+                          <a:solidFill>
+                            <a:srgbClr val="FF0000"/>
+                          </a:solidFill>
+                        </a:rPr>
+                        <a:t>x</a:t>
+                      </a:r>
+                      <a:endParaRPr lang="pt-BR" dirty="0">
+                        <a:solidFill>
+                          <a:srgbClr val="FF0000"/>
+                        </a:solidFill>
+                      </a:endParaRPr>
+                    </a:p>
+                  </a:txBody>
+                  <a:tcPr anchor="ctr">
+                    <a:lnL w="12700" cap="flat" cmpd="sng" algn="ctr">
+                      <a:solidFill>
+                        <a:schemeClr val="tx1"/>
+                      </a:solidFill>
+                      <a:prstDash val="solid"/>
+                      <a:round/>
+                      <a:headEnd type="none" w="med" len="med"/>
+                      <a:tailEnd type="none" w="med" len="med"/>
+                    </a:lnL>
+                    <a:lnR w="12700" cap="flat" cmpd="sng" algn="ctr">
+                      <a:solidFill>
+                        <a:schemeClr val="tx1"/>
+                      </a:solidFill>
+                      <a:prstDash val="solid"/>
+                      <a:round/>
+                      <a:headEnd type="none" w="med" len="med"/>
+                      <a:tailEnd type="none" w="med" len="med"/>
+                    </a:lnR>
+                    <a:lnT w="12700" cap="flat" cmpd="sng" algn="ctr">
+                      <a:solidFill>
+                        <a:schemeClr val="tx1"/>
+                      </a:solidFill>
+                      <a:prstDash val="solid"/>
+                      <a:round/>
+                      <a:headEnd type="none" w="med" len="med"/>
+                      <a:tailEnd type="none" w="med" len="med"/>
+                    </a:lnT>
+                    <a:lnB w="12700" cap="flat" cmpd="sng" algn="ctr">
+                      <a:solidFill>
+                        <a:schemeClr val="tx1"/>
+                      </a:solidFill>
+                      <a:prstDash val="solid"/>
+                      <a:round/>
+                      <a:headEnd type="none" w="med" len="med"/>
+                      <a:tailEnd type="none" w="med" len="med"/>
+                    </a:lnB>
+                  </a:tcPr>
+                </a:tc>
+                <a:tc rowSpan="2">
+                  <a:txBody>
+                    <a:bodyPr/>
+                    <a:lstStyle/>
+                    <a:p>
+                      <a:pPr algn="ctr"/>
+                      <a:endParaRPr lang="pt-BR" dirty="0"/>
+                    </a:p>
+                  </a:txBody>
+                  <a:tcPr anchor="ctr">
+                    <a:lnL w="12700" cap="flat" cmpd="sng" algn="ctr">
+                      <a:solidFill>
+                        <a:schemeClr val="tx1"/>
+                      </a:solidFill>
+                      <a:prstDash val="solid"/>
+                      <a:round/>
+                      <a:headEnd type="none" w="med" len="med"/>
+                      <a:tailEnd type="none" w="med" len="med"/>
+                    </a:lnL>
+                    <a:lnR w="12700" cap="flat" cmpd="sng" algn="ctr">
+                      <a:solidFill>
+                        <a:schemeClr val="tx1"/>
+                      </a:solidFill>
+                      <a:prstDash val="solid"/>
+                      <a:round/>
+                      <a:headEnd type="none" w="med" len="med"/>
+                      <a:tailEnd type="none" w="med" len="med"/>
+                    </a:lnR>
+                    <a:lnT w="12700" cap="flat" cmpd="sng" algn="ctr">
+                      <a:solidFill>
+                        <a:schemeClr val="tx1"/>
+                      </a:solidFill>
+                      <a:prstDash val="solid"/>
+                      <a:round/>
+                      <a:headEnd type="none" w="med" len="med"/>
+                      <a:tailEnd type="none" w="med" len="med"/>
+                    </a:lnT>
+                    <a:lnB w="12700" cap="flat" cmpd="sng" algn="ctr">
+                      <a:solidFill>
+                        <a:schemeClr val="tx1"/>
+                      </a:solidFill>
+                      <a:prstDash val="solid"/>
+                      <a:round/>
+                      <a:headEnd type="none" w="med" len="med"/>
+                      <a:tailEnd type="none" w="med" len="med"/>
+                    </a:lnB>
+                  </a:tcPr>
+                </a:tc>
+                <a:tc>
+                  <a:txBody>
+                    <a:bodyPr/>
+                    <a:lstStyle/>
+                    <a:p>
+                      <a:pPr algn="ctr"/>
+                      <a:r>
+                        <a:rPr lang="pt-BR" dirty="0" smtClean="0"/>
+                        <a:t>x</a:t>
+                      </a:r>
+                      <a:endParaRPr lang="pt-BR" dirty="0"/>
+                    </a:p>
+                  </a:txBody>
+                  <a:tcPr anchor="ctr">
+                    <a:lnL w="12700" cap="flat" cmpd="sng" algn="ctr">
+                      <a:solidFill>
+                        <a:schemeClr val="tx1"/>
+                      </a:solidFill>
+                      <a:prstDash val="solid"/>
+                      <a:round/>
+                      <a:headEnd type="none" w="med" len="med"/>
+                      <a:tailEnd type="none" w="med" len="med"/>
+                    </a:lnL>
+                  </a:tcPr>
+                </a:tc>
+                <a:tc>
+                  <a:txBody>
+                    <a:bodyPr/>
+                    <a:lstStyle/>
+                    <a:p>
+                      <a:pPr algn="ctr"/>
+                      <a:r>
+                        <a:rPr lang="pt-BR" dirty="0" smtClean="0"/>
+                        <a:t>x</a:t>
+                      </a:r>
+                      <a:endParaRPr lang="pt-BR" dirty="0"/>
+                    </a:p>
+                  </a:txBody>
+                  <a:tcPr anchor="ctr"/>
+                </a:tc>
+                <a:tc rowSpan="2">
+                  <a:txBody>
+                    <a:bodyPr/>
+                    <a:lstStyle/>
+                    <a:p>
+                      <a:pPr algn="ctr"/>
+                      <a:endParaRPr lang="pt-BR" dirty="0"/>
+                    </a:p>
+                  </a:txBody>
+                  <a:tcPr anchor="ctr"/>
+                </a:tc>
+                <a:tc gridSpan="2" vMerge="1">
+                  <a:txBody>
+                    <a:bodyPr/>
+                    <a:lstStyle/>
+                    <a:p>
+                      <a:endParaRPr lang="pt-BR" dirty="0"/>
+                    </a:p>
+                  </a:txBody>
+                  <a:tcPr anchor="ctr"/>
+                </a:tc>
+                <a:tc hMerge="1" vMerge="1">
+                  <a:txBody>
+                    <a:bodyPr/>
+                    <a:lstStyle/>
+                    <a:p>
+                      <a:endParaRPr lang="pt-BR" dirty="0"/>
+                    </a:p>
+                  </a:txBody>
+                  <a:tcPr anchor="ctr"/>
+                </a:tc>
+              </a:tr>
+              <a:tr h="370840">
+                <a:tc>
+                  <a:txBody>
+                    <a:bodyPr/>
+                    <a:lstStyle/>
+                    <a:p>
+                      <a:pPr algn="ctr"/>
+                      <a:r>
+                        <a:rPr lang="pt-BR" dirty="0" smtClean="0">
+                          <a:solidFill>
+                            <a:srgbClr val="FF0000"/>
+                          </a:solidFill>
+                        </a:rPr>
+                        <a:t>x</a:t>
+                      </a:r>
+                      <a:endParaRPr lang="pt-BR" dirty="0">
+                        <a:solidFill>
+                          <a:srgbClr val="FF0000"/>
+                        </a:solidFill>
+                      </a:endParaRPr>
+                    </a:p>
+                  </a:txBody>
+                  <a:tcPr anchor="ctr">
+                    <a:lnT w="12700" cap="flat" cmpd="sng" algn="ctr">
+                      <a:solidFill>
+                        <a:schemeClr val="tx1"/>
+                      </a:solidFill>
+                      <a:prstDash val="solid"/>
+                      <a:round/>
+                      <a:headEnd type="none" w="med" len="med"/>
+                      <a:tailEnd type="none" w="med" len="med"/>
+                    </a:lnT>
+                  </a:tcPr>
+                </a:tc>
+                <a:tc>
+                  <a:txBody>
+                    <a:bodyPr/>
+                    <a:lstStyle/>
+                    <a:p>
+                      <a:pPr algn="ctr"/>
+                      <a:r>
+                        <a:rPr lang="pt-BR" dirty="0" smtClean="0">
+                          <a:solidFill>
+                            <a:srgbClr val="FF0000"/>
+                          </a:solidFill>
+                        </a:rPr>
+                        <a:t>x</a:t>
+                      </a:r>
+                      <a:endParaRPr lang="pt-BR" dirty="0">
+                        <a:solidFill>
+                          <a:srgbClr val="FF0000"/>
+                        </a:solidFill>
+                      </a:endParaRPr>
+                    </a:p>
+                  </a:txBody>
+                  <a:tcPr anchor="ctr">
+                    <a:lnR w="12700" cap="flat" cmpd="sng" algn="ctr">
+                      <a:solidFill>
+                        <a:schemeClr val="tx1"/>
+                      </a:solidFill>
+                      <a:prstDash val="solid"/>
+                      <a:round/>
+                      <a:headEnd type="none" w="med" len="med"/>
+                      <a:tailEnd type="none" w="med" len="med"/>
+                    </a:lnR>
+                    <a:lnT w="12700" cap="flat" cmpd="sng" algn="ctr">
+                      <a:solidFill>
+                        <a:schemeClr val="tx1"/>
+                      </a:solidFill>
+                      <a:prstDash val="solid"/>
+                      <a:round/>
+                      <a:headEnd type="none" w="med" len="med"/>
+                      <a:tailEnd type="none" w="med" len="med"/>
+                    </a:lnT>
+                  </a:tcPr>
+                </a:tc>
+                <a:tc vMerge="1">
+                  <a:txBody>
+                    <a:bodyPr/>
+                    <a:lstStyle/>
+                    <a:p>
+                      <a:endParaRPr lang="pt-BR" dirty="0"/>
+                    </a:p>
+                  </a:txBody>
+                  <a:tcPr>
+                    <a:lnL w="12700" cap="flat" cmpd="sng" algn="ctr">
+                      <a:solidFill>
+                        <a:schemeClr val="tx1"/>
+                      </a:solidFill>
+                      <a:prstDash val="solid"/>
+                      <a:round/>
+                      <a:headEnd type="none" w="med" len="med"/>
+                      <a:tailEnd type="none" w="med" len="med"/>
+                    </a:lnL>
+                    <a:lnR w="12700" cap="flat" cmpd="sng" algn="ctr">
+                      <a:solidFill>
+                        <a:schemeClr val="tx1"/>
+                      </a:solidFill>
+                      <a:prstDash val="solid"/>
+                      <a:round/>
+                      <a:headEnd type="none" w="med" len="med"/>
+                      <a:tailEnd type="none" w="med" len="med"/>
+                    </a:lnR>
+                    <a:lnT w="12700" cap="flat" cmpd="sng" algn="ctr">
+                      <a:solidFill>
+                        <a:schemeClr val="tx1"/>
+                      </a:solidFill>
+                      <a:prstDash val="solid"/>
+                      <a:round/>
+                      <a:headEnd type="none" w="med" len="med"/>
+                      <a:tailEnd type="none" w="med" len="med"/>
+                    </a:lnT>
+                    <a:lnB w="12700" cap="flat" cmpd="sng" algn="ctr">
+                      <a:solidFill>
+                        <a:schemeClr val="tx1"/>
+                      </a:solidFill>
+                      <a:prstDash val="solid"/>
+                      <a:round/>
+                      <a:headEnd type="none" w="med" len="med"/>
+                      <a:tailEnd type="none" w="med" len="med"/>
+                    </a:lnB>
+                  </a:tcPr>
+                </a:tc>
+                <a:tc>
+                  <a:txBody>
+                    <a:bodyPr/>
+                    <a:lstStyle/>
+                    <a:p>
+                      <a:pPr algn="ctr"/>
+                      <a:r>
+                        <a:rPr lang="pt-BR" dirty="0" smtClean="0"/>
+                        <a:t>x</a:t>
+                      </a:r>
+                      <a:endParaRPr lang="pt-BR" dirty="0"/>
+                    </a:p>
+                  </a:txBody>
+                  <a:tcPr anchor="ctr">
+                    <a:lnL w="12700" cap="flat" cmpd="sng" algn="ctr">
+                      <a:solidFill>
+                        <a:schemeClr val="tx1"/>
+                      </a:solidFill>
+                      <a:prstDash val="solid"/>
+                      <a:round/>
+                      <a:headEnd type="none" w="med" len="med"/>
+                      <a:tailEnd type="none" w="med" len="med"/>
+                    </a:lnL>
+                  </a:tcPr>
+                </a:tc>
+                <a:tc>
+                  <a:txBody>
+                    <a:bodyPr/>
+                    <a:lstStyle/>
+                    <a:p>
+                      <a:pPr algn="ctr"/>
+                      <a:r>
+                        <a:rPr lang="pt-BR" dirty="0" smtClean="0"/>
+                        <a:t>x</a:t>
+                      </a:r>
+                      <a:endParaRPr lang="pt-BR" dirty="0"/>
+                    </a:p>
+                  </a:txBody>
+                  <a:tcPr anchor="ctr"/>
+                </a:tc>
+                <a:tc vMerge="1">
+                  <a:txBody>
+                    <a:bodyPr/>
+                    <a:lstStyle/>
+                    <a:p>
+                      <a:endParaRPr lang="pt-BR" dirty="0"/>
+                    </a:p>
+                  </a:txBody>
+                  <a:tcPr/>
+                </a:tc>
+                <a:tc gridSpan="2" vMerge="1">
+                  <a:txBody>
+                    <a:bodyPr/>
+                    <a:lstStyle/>
+                    <a:p>
+                      <a:endParaRPr lang="pt-BR" dirty="0"/>
+                    </a:p>
+                  </a:txBody>
+                  <a:tcPr anchor="ctr"/>
+                </a:tc>
+                <a:tc hMerge="1" vMerge="1">
+                  <a:txBody>
+                    <a:bodyPr/>
+                    <a:lstStyle/>
+                    <a:p>
+                      <a:endParaRPr lang="pt-BR" dirty="0"/>
+                    </a:p>
+                  </a:txBody>
+                  <a:tcPr anchor="ctr"/>
+                </a:tc>
+              </a:tr>
+              <a:tr h="370840">
+                <a:tc gridSpan="2">
+                  <a:txBody>
+                    <a:bodyPr/>
+                    <a:lstStyle/>
+                    <a:p>
+                      <a:pPr algn="ctr"/>
+                      <a:r>
+                        <a:rPr lang="pt-BR" dirty="0" smtClean="0"/>
+                        <a:t>...</a:t>
+                      </a:r>
+                      <a:endParaRPr lang="pt-BR" dirty="0"/>
+                    </a:p>
+                  </a:txBody>
+                  <a:tcPr vert="vert" anchor="ctr"/>
+                </a:tc>
+                <a:tc hMerge="1">
+                  <a:txBody>
+                    <a:bodyPr/>
+                    <a:lstStyle/>
+                    <a:p>
+                      <a:endParaRPr lang="pt-BR" dirty="0"/>
+                    </a:p>
+                  </a:txBody>
+                  <a:tcPr/>
+                </a:tc>
+                <a:tc>
+                  <a:txBody>
+                    <a:bodyPr/>
+                    <a:lstStyle/>
+                    <a:p>
+                      <a:pPr algn="ctr"/>
+                      <a:endParaRPr lang="pt-BR" dirty="0"/>
+                    </a:p>
+                  </a:txBody>
+                  <a:tcPr anchor="ctr">
+                    <a:lnT w="12700" cap="flat" cmpd="sng" algn="ctr">
+                      <a:solidFill>
+                        <a:schemeClr val="tx1"/>
+                      </a:solidFill>
+                      <a:prstDash val="solid"/>
+                      <a:round/>
+                      <a:headEnd type="none" w="med" len="med"/>
+                      <a:tailEnd type="none" w="med" len="med"/>
+                    </a:lnT>
+                  </a:tcPr>
+                </a:tc>
+                <a:tc gridSpan="2">
+                  <a:txBody>
+                    <a:bodyPr/>
+                    <a:lstStyle/>
+                    <a:p>
+                      <a:pPr algn="ctr"/>
+                      <a:r>
+                        <a:rPr lang="pt-BR" dirty="0" smtClean="0"/>
+                        <a:t>...</a:t>
+                      </a:r>
+                      <a:endParaRPr lang="pt-BR" dirty="0"/>
+                    </a:p>
+                  </a:txBody>
+                  <a:tcPr vert="vert" anchor="ctr"/>
+                </a:tc>
+                <a:tc hMerge="1">
+                  <a:txBody>
+                    <a:bodyPr/>
+                    <a:lstStyle/>
+                    <a:p>
+                      <a:endParaRPr lang="pt-BR" dirty="0"/>
+                    </a:p>
+                  </a:txBody>
+                  <a:tcPr/>
+                </a:tc>
+                <a:tc>
+                  <a:txBody>
+                    <a:bodyPr/>
+                    <a:lstStyle/>
+                    <a:p>
+                      <a:pPr algn="ctr"/>
+                      <a:endParaRPr lang="pt-BR" dirty="0"/>
+                    </a:p>
+                  </a:txBody>
+                  <a:tcPr anchor="ctr"/>
+                </a:tc>
+                <a:tc gridSpan="2" vMerge="1">
+                  <a:txBody>
+                    <a:bodyPr/>
+                    <a:lstStyle/>
+                    <a:p>
+                      <a:pPr algn="ctr"/>
+                      <a:endParaRPr lang="pt-BR" dirty="0"/>
+                    </a:p>
+                  </a:txBody>
+                  <a:tcPr vert="vert" anchor="ctr"/>
+                </a:tc>
+                <a:tc hMerge="1" vMerge="1">
+                  <a:txBody>
+                    <a:bodyPr/>
+                    <a:lstStyle/>
+                    <a:p>
+                      <a:endParaRPr lang="pt-BR" dirty="0"/>
+                    </a:p>
+                  </a:txBody>
+                  <a:tcPr/>
+                </a:tc>
+              </a:tr>
+              <a:tr h="370840">
+                <a:tc>
+                  <a:txBody>
+                    <a:bodyPr/>
+                    <a:lstStyle/>
+                    <a:p>
+                      <a:pPr algn="ctr"/>
+                      <a:r>
+                        <a:rPr lang="pt-BR" dirty="0" smtClean="0">
+                          <a:solidFill>
+                            <a:srgbClr val="FF0000"/>
+                          </a:solidFill>
+                        </a:rPr>
+                        <a:t>x</a:t>
+                      </a:r>
+                      <a:endParaRPr lang="pt-BR" dirty="0">
+                        <a:solidFill>
+                          <a:srgbClr val="FF0000"/>
+                        </a:solidFill>
+                      </a:endParaRPr>
+                    </a:p>
+                  </a:txBody>
+                  <a:tcPr anchor="ctr"/>
+                </a:tc>
+                <a:tc>
+                  <a:txBody>
+                    <a:bodyPr/>
+                    <a:lstStyle/>
+                    <a:p>
+                      <a:pPr algn="ctr"/>
+                      <a:r>
+                        <a:rPr lang="pt-BR" dirty="0" smtClean="0">
+                          <a:solidFill>
+                            <a:srgbClr val="FF0000"/>
+                          </a:solidFill>
+                        </a:rPr>
+                        <a:t>x</a:t>
+                      </a:r>
+                      <a:endParaRPr lang="pt-BR" dirty="0">
+                        <a:solidFill>
+                          <a:srgbClr val="FF0000"/>
+                        </a:solidFill>
+                      </a:endParaRPr>
+                    </a:p>
+                  </a:txBody>
+                  <a:tcPr anchor="ctr"/>
+                </a:tc>
+                <a:tc>
+                  <a:txBody>
+                    <a:bodyPr/>
+                    <a:lstStyle/>
+                    <a:p>
+                      <a:pPr algn="ctr"/>
+                      <a:endParaRPr lang="pt-BR"/>
+                    </a:p>
+                  </a:txBody>
+                  <a:tcPr anchor="ctr"/>
+                </a:tc>
+                <a:tc>
+                  <a:txBody>
+                    <a:bodyPr/>
+                    <a:lstStyle/>
+                    <a:p>
+                      <a:pPr algn="ctr"/>
+                      <a:r>
+                        <a:rPr lang="pt-BR" dirty="0" smtClean="0"/>
+                        <a:t>x</a:t>
+                      </a:r>
+                      <a:endParaRPr lang="pt-BR" dirty="0"/>
+                    </a:p>
+                  </a:txBody>
+                  <a:tcPr anchor="ctr"/>
+                </a:tc>
+                <a:tc>
+                  <a:txBody>
+                    <a:bodyPr/>
+                    <a:lstStyle/>
+                    <a:p>
+                      <a:pPr algn="ctr"/>
+                      <a:r>
+                        <a:rPr lang="pt-BR" dirty="0" smtClean="0"/>
+                        <a:t>x</a:t>
+                      </a:r>
+                      <a:endParaRPr lang="pt-BR" dirty="0"/>
+                    </a:p>
+                  </a:txBody>
+                  <a:tcPr anchor="ctr"/>
+                </a:tc>
+                <a:tc>
+                  <a:txBody>
+                    <a:bodyPr/>
+                    <a:lstStyle/>
+                    <a:p>
+                      <a:pPr algn="ctr"/>
+                      <a:endParaRPr lang="pt-BR"/>
+                    </a:p>
+                  </a:txBody>
+                  <a:tcPr anchor="ctr"/>
+                </a:tc>
+                <a:tc>
+                  <a:txBody>
+                    <a:bodyPr/>
+                    <a:lstStyle/>
+                    <a:p>
+                      <a:pPr algn="ctr"/>
+                      <a:r>
+                        <a:rPr lang="pt-BR" dirty="0" smtClean="0"/>
+                        <a:t>x</a:t>
+                      </a:r>
+                      <a:endParaRPr lang="pt-BR" dirty="0"/>
+                    </a:p>
+                  </a:txBody>
+                  <a:tcPr anchor="ctr"/>
+                </a:tc>
+                <a:tc>
+                  <a:txBody>
+                    <a:bodyPr/>
+                    <a:lstStyle/>
+                    <a:p>
+                      <a:pPr algn="ctr"/>
+                      <a:r>
+                        <a:rPr lang="pt-BR" dirty="0" smtClean="0"/>
+                        <a:t>x</a:t>
+                      </a:r>
+                      <a:endParaRPr lang="pt-BR" dirty="0"/>
+                    </a:p>
+                  </a:txBody>
+                  <a:tcPr anchor="ctr"/>
+                </a:tc>
+              </a:tr>
+              <a:tr h="370840">
+                <a:tc>
+                  <a:txBody>
+                    <a:bodyPr/>
+                    <a:lstStyle/>
+                    <a:p>
+                      <a:pPr algn="ctr"/>
+                      <a:r>
+                        <a:rPr lang="pt-BR" dirty="0" smtClean="0">
+                          <a:solidFill>
+                            <a:srgbClr val="FF0000"/>
+                          </a:solidFill>
+                        </a:rPr>
+                        <a:t>x</a:t>
+                      </a:r>
+                      <a:endParaRPr lang="pt-BR" dirty="0">
+                        <a:solidFill>
+                          <a:srgbClr val="FF0000"/>
+                        </a:solidFill>
+                      </a:endParaRPr>
+                    </a:p>
+                  </a:txBody>
+                  <a:tcPr anchor="ctr"/>
+                </a:tc>
+                <a:tc>
+                  <a:txBody>
+                    <a:bodyPr/>
+                    <a:lstStyle/>
+                    <a:p>
+                      <a:pPr algn="ctr"/>
+                      <a:r>
+                        <a:rPr lang="pt-BR" dirty="0" smtClean="0">
+                          <a:solidFill>
+                            <a:srgbClr val="FF0000"/>
+                          </a:solidFill>
+                        </a:rPr>
+                        <a:t>x</a:t>
+                      </a:r>
+                      <a:endParaRPr lang="pt-BR" dirty="0">
+                        <a:solidFill>
+                          <a:srgbClr val="FF0000"/>
+                        </a:solidFill>
+                      </a:endParaRPr>
+                    </a:p>
+                  </a:txBody>
+                  <a:tcPr anchor="ctr"/>
+                </a:tc>
+                <a:tc>
+                  <a:txBody>
+                    <a:bodyPr/>
+                    <a:lstStyle/>
+                    <a:p>
+                      <a:pPr algn="ctr"/>
+                      <a:endParaRPr lang="pt-BR" dirty="0"/>
+                    </a:p>
+                  </a:txBody>
+                  <a:tcPr anchor="ctr"/>
+                </a:tc>
+                <a:tc>
+                  <a:txBody>
+                    <a:bodyPr/>
+                    <a:lstStyle/>
+                    <a:p>
+                      <a:pPr algn="ctr"/>
+                      <a:r>
+                        <a:rPr lang="pt-BR" dirty="0" smtClean="0"/>
+                        <a:t>x</a:t>
+                      </a:r>
+                      <a:endParaRPr lang="pt-BR" dirty="0"/>
+                    </a:p>
+                  </a:txBody>
+                  <a:tcPr anchor="ctr"/>
+                </a:tc>
+                <a:tc>
+                  <a:txBody>
+                    <a:bodyPr/>
+                    <a:lstStyle/>
+                    <a:p>
+                      <a:pPr algn="ctr"/>
+                      <a:r>
+                        <a:rPr lang="pt-BR" dirty="0" smtClean="0"/>
+                        <a:t>x</a:t>
+                      </a:r>
+                      <a:endParaRPr lang="pt-BR" dirty="0"/>
+                    </a:p>
+                  </a:txBody>
+                  <a:tcPr anchor="ctr"/>
+                </a:tc>
+                <a:tc>
+                  <a:txBody>
+                    <a:bodyPr/>
+                    <a:lstStyle/>
+                    <a:p>
+                      <a:pPr algn="ctr"/>
+                      <a:endParaRPr lang="pt-BR"/>
+                    </a:p>
+                  </a:txBody>
+                  <a:tcPr anchor="ctr"/>
+                </a:tc>
+                <a:tc>
+                  <a:txBody>
+                    <a:bodyPr/>
+                    <a:lstStyle/>
+                    <a:p>
+                      <a:pPr algn="ctr"/>
+                      <a:r>
+                        <a:rPr lang="pt-BR" dirty="0" smtClean="0"/>
+                        <a:t>x</a:t>
+                      </a:r>
+                      <a:endParaRPr lang="pt-BR" dirty="0"/>
+                    </a:p>
+                  </a:txBody>
+                  <a:tcPr anchor="ctr"/>
+                </a:tc>
+                <a:tc>
+                  <a:txBody>
+                    <a:bodyPr/>
+                    <a:lstStyle/>
+                    <a:p>
+                      <a:pPr algn="ctr"/>
+                      <a:r>
+                        <a:rPr lang="pt-BR" dirty="0" smtClean="0"/>
+                        <a:t>x</a:t>
+                      </a:r>
+                      <a:endParaRPr lang="pt-BR" dirty="0"/>
+                    </a:p>
+                  </a:txBody>
+                  <a:tcPr anchor="ctr"/>
+                </a:tc>
+              </a:tr>
+            </a:tbl>
+          </a:graphicData>
+        </a:graphic>
+      </p:graphicFrame>
+      <p:sp>
+        <p:nvSpPr>
+          <p:cNvPr id="5" name="Chave esquerda 4"/>
+          <p:cNvSpPr/>
+          <p:nvPr/>
+        </p:nvSpPr>
+        <p:spPr>
+          <a:xfrm>
+            <a:off x="1584740" y="2331721"/>
+            <a:ext cx="243500" cy="720504"/>
+          </a:xfrm>
+          <a:prstGeom prst="leftBrace">
+            <a:avLst/>
+          </a:prstGeom>
+          <a:ln>
+            <a:solidFill>
+              <a:schemeClr val="tx1"/>
+            </a:solidFill>
+          </a:ln>
+        </p:spPr>
+        <p:style>
+          <a:lnRef idx="1">
+            <a:schemeClr val="accent1"/>
+          </a:lnRef>
+          <a:fillRef idx="0">
+            <a:schemeClr val="accent1"/>
+          </a:fillRef>
+          <a:effectRef idx="0">
+            <a:schemeClr val="accent1"/>
+          </a:effectRef>
+          <a:fontRef idx="minor">
+            <a:schemeClr val="tx1"/>
+          </a:fontRef>
+        </p:style>
+        <p:txBody>
+          <a:bodyPr rtlCol="0" anchor="ctr"/>
+          <a:lstStyle/>
+          <a:p>
+            <a:pPr algn="ctr"/>
+            <a:endParaRPr lang="pt-BR"/>
+          </a:p>
+        </p:txBody>
+      </p:sp>
+      <p:sp>
+        <p:nvSpPr>
+          <p:cNvPr id="6" name="CaixaDeTexto 5"/>
+          <p:cNvSpPr txBox="1"/>
+          <p:nvPr/>
+        </p:nvSpPr>
+        <p:spPr>
+          <a:xfrm>
+            <a:off x="243738" y="2507307"/>
+            <a:ext cx="1462752" cy="369332"/>
+          </a:xfrm>
+          <a:prstGeom prst="rect">
+            <a:avLst/>
+          </a:prstGeom>
+          <a:noFill/>
+        </p:spPr>
+        <p:txBody>
+          <a:bodyPr wrap="square" rtlCol="0">
+            <a:spAutoFit/>
+          </a:bodyPr>
+          <a:lstStyle/>
+          <a:p>
+            <a:r>
+              <a:rPr lang="pt-BR" dirty="0" smtClean="0"/>
+              <a:t>Nó </a:t>
+            </a:r>
+            <a:r>
+              <a:rPr lang="pt-BR" dirty="0" err="1" smtClean="0"/>
+              <a:t>Dirichlet</a:t>
+            </a:r>
+            <a:endParaRPr lang="pt-BR" dirty="0"/>
+          </a:p>
+        </p:txBody>
+      </p:sp>
+      <p:graphicFrame>
+        <p:nvGraphicFramePr>
+          <p:cNvPr id="7" name="Tabela 6"/>
+          <p:cNvGraphicFramePr>
+            <a:graphicFrameLocks noGrp="1"/>
+          </p:cNvGraphicFramePr>
+          <p:nvPr>
+            <p:extLst/>
+          </p:nvPr>
+        </p:nvGraphicFramePr>
+        <p:xfrm>
+          <a:off x="7895249" y="2303131"/>
+          <a:ext cx="4173992" cy="2966720"/>
+        </p:xfrm>
+        <a:graphic>
+          <a:graphicData uri="http://schemas.openxmlformats.org/drawingml/2006/table">
+            <a:tbl>
+              <a:tblPr firstRow="1" bandRow="1">
+                <a:tableStyleId>{5940675A-B579-460E-94D1-54222C63F5DA}</a:tableStyleId>
+              </a:tblPr>
+              <a:tblGrid>
+                <a:gridCol w="521749"/>
+                <a:gridCol w="521749"/>
+                <a:gridCol w="521749"/>
+                <a:gridCol w="521749"/>
+                <a:gridCol w="521749"/>
+                <a:gridCol w="521749"/>
+                <a:gridCol w="521749"/>
+                <a:gridCol w="521749"/>
+              </a:tblGrid>
+              <a:tr h="370840">
+                <a:tc>
+                  <a:txBody>
+                    <a:bodyPr/>
+                    <a:lstStyle/>
+                    <a:p>
+                      <a:pPr algn="ctr"/>
+                      <a:r>
+                        <a:rPr lang="pt-BR" dirty="0" smtClean="0"/>
+                        <a:t>1</a:t>
+                      </a:r>
+                      <a:endParaRPr lang="pt-BR" dirty="0"/>
+                    </a:p>
+                  </a:txBody>
+                  <a:tcPr anchor="ctr"/>
+                </a:tc>
+                <a:tc>
+                  <a:txBody>
+                    <a:bodyPr/>
+                    <a:lstStyle/>
+                    <a:p>
+                      <a:pPr algn="ctr"/>
+                      <a:r>
+                        <a:rPr lang="pt-BR" dirty="0" smtClean="0"/>
+                        <a:t>0</a:t>
+                      </a:r>
+                      <a:endParaRPr lang="pt-BR" dirty="0"/>
+                    </a:p>
+                  </a:txBody>
+                  <a:tcPr anchor="ctr"/>
+                </a:tc>
+                <a:tc rowSpan="2">
+                  <a:txBody>
+                    <a:bodyPr/>
+                    <a:lstStyle/>
+                    <a:p>
+                      <a:pPr algn="ctr"/>
+                      <a:r>
+                        <a:rPr lang="pt-BR" dirty="0" smtClean="0"/>
+                        <a:t>...</a:t>
+                      </a:r>
+                      <a:endParaRPr lang="pt-BR" dirty="0"/>
+                    </a:p>
+                  </a:txBody>
+                  <a:tcPr anchor="ctr"/>
+                </a:tc>
+                <a:tc>
+                  <a:txBody>
+                    <a:bodyPr/>
+                    <a:lstStyle/>
+                    <a:p>
+                      <a:pPr algn="ctr"/>
+                      <a:r>
+                        <a:rPr lang="pt-BR" dirty="0" smtClean="0"/>
+                        <a:t>0</a:t>
+                      </a:r>
+                      <a:endParaRPr lang="pt-BR" dirty="0"/>
+                    </a:p>
+                  </a:txBody>
+                  <a:tcPr anchor="ctr"/>
+                </a:tc>
+                <a:tc>
+                  <a:txBody>
+                    <a:bodyPr/>
+                    <a:lstStyle/>
+                    <a:p>
+                      <a:pPr algn="ctr"/>
+                      <a:r>
+                        <a:rPr lang="pt-BR" dirty="0" smtClean="0"/>
+                        <a:t>0</a:t>
+                      </a:r>
+                      <a:endParaRPr lang="pt-BR" dirty="0"/>
+                    </a:p>
+                  </a:txBody>
+                  <a:tcPr anchor="ctr"/>
+                </a:tc>
+                <a:tc rowSpan="2">
+                  <a:txBody>
+                    <a:bodyPr/>
+                    <a:lstStyle/>
+                    <a:p>
+                      <a:pPr algn="ctr"/>
+                      <a:r>
+                        <a:rPr lang="pt-BR" dirty="0" smtClean="0"/>
+                        <a:t>...</a:t>
+                      </a:r>
+                      <a:endParaRPr lang="pt-BR" dirty="0"/>
+                    </a:p>
+                  </a:txBody>
+                  <a:tcPr anchor="ctr"/>
+                </a:tc>
+                <a:tc>
+                  <a:txBody>
+                    <a:bodyPr/>
+                    <a:lstStyle/>
+                    <a:p>
+                      <a:pPr algn="ctr"/>
+                      <a:r>
+                        <a:rPr lang="pt-BR" dirty="0" smtClean="0"/>
+                        <a:t>0</a:t>
+                      </a:r>
+                      <a:endParaRPr lang="pt-BR" dirty="0"/>
+                    </a:p>
+                  </a:txBody>
+                  <a:tcPr anchor="ctr"/>
+                </a:tc>
+                <a:tc>
+                  <a:txBody>
+                    <a:bodyPr/>
+                    <a:lstStyle/>
+                    <a:p>
+                      <a:pPr algn="ctr"/>
+                      <a:r>
+                        <a:rPr lang="pt-BR" dirty="0" smtClean="0"/>
+                        <a:t>0</a:t>
+                      </a:r>
+                      <a:endParaRPr lang="pt-BR" dirty="0"/>
+                    </a:p>
+                  </a:txBody>
+                  <a:tcPr anchor="ctr"/>
+                </a:tc>
+              </a:tr>
+              <a:tr h="370840">
+                <a:tc>
+                  <a:txBody>
+                    <a:bodyPr/>
+                    <a:lstStyle/>
+                    <a:p>
+                      <a:pPr algn="ctr"/>
+                      <a:r>
+                        <a:rPr lang="pt-BR" dirty="0" smtClean="0"/>
+                        <a:t>0</a:t>
+                      </a:r>
+                      <a:endParaRPr lang="pt-BR" dirty="0"/>
+                    </a:p>
+                  </a:txBody>
+                  <a:tcPr anchor="ctr">
+                    <a:lnB w="12700" cap="flat" cmpd="sng" algn="ctr">
+                      <a:solidFill>
+                        <a:schemeClr val="tx1"/>
+                      </a:solidFill>
+                      <a:prstDash val="solid"/>
+                      <a:round/>
+                      <a:headEnd type="none" w="med" len="med"/>
+                      <a:tailEnd type="none" w="med" len="med"/>
+                    </a:lnB>
+                  </a:tcPr>
+                </a:tc>
+                <a:tc>
+                  <a:txBody>
+                    <a:bodyPr/>
+                    <a:lstStyle/>
+                    <a:p>
+                      <a:pPr algn="ctr"/>
+                      <a:r>
+                        <a:rPr lang="pt-BR" dirty="0" smtClean="0"/>
+                        <a:t>1</a:t>
+                      </a:r>
+                      <a:endParaRPr lang="pt-BR" dirty="0"/>
+                    </a:p>
+                  </a:txBody>
+                  <a:tcPr anchor="ctr">
+                    <a:lnB w="12700" cap="flat" cmpd="sng" algn="ctr">
+                      <a:solidFill>
+                        <a:schemeClr val="tx1"/>
+                      </a:solidFill>
+                      <a:prstDash val="solid"/>
+                      <a:round/>
+                      <a:headEnd type="none" w="med" len="med"/>
+                      <a:tailEnd type="none" w="med" len="med"/>
+                    </a:lnB>
+                  </a:tcPr>
+                </a:tc>
+                <a:tc vMerge="1">
+                  <a:txBody>
+                    <a:bodyPr/>
+                    <a:lstStyle/>
+                    <a:p>
+                      <a:endParaRPr lang="pt-BR" dirty="0"/>
+                    </a:p>
+                  </a:txBody>
+                  <a:tcPr/>
+                </a:tc>
+                <a:tc>
+                  <a:txBody>
+                    <a:bodyPr/>
+                    <a:lstStyle/>
+                    <a:p>
+                      <a:pPr algn="ctr"/>
+                      <a:r>
+                        <a:rPr lang="pt-BR" dirty="0" smtClean="0"/>
+                        <a:t>0</a:t>
+                      </a:r>
+                      <a:endParaRPr lang="pt-BR" dirty="0"/>
+                    </a:p>
+                  </a:txBody>
+                  <a:tcPr anchor="ctr"/>
+                </a:tc>
+                <a:tc>
+                  <a:txBody>
+                    <a:bodyPr/>
+                    <a:lstStyle/>
+                    <a:p>
+                      <a:pPr algn="ctr"/>
+                      <a:r>
+                        <a:rPr lang="pt-BR" dirty="0" smtClean="0"/>
+                        <a:t>0</a:t>
+                      </a:r>
+                      <a:endParaRPr lang="pt-BR" dirty="0"/>
+                    </a:p>
+                  </a:txBody>
+                  <a:tcPr anchor="ctr"/>
+                </a:tc>
+                <a:tc vMerge="1">
+                  <a:txBody>
+                    <a:bodyPr/>
+                    <a:lstStyle/>
+                    <a:p>
+                      <a:endParaRPr lang="pt-BR" dirty="0"/>
+                    </a:p>
+                  </a:txBody>
+                  <a:tcPr/>
+                </a:tc>
+                <a:tc>
+                  <a:txBody>
+                    <a:bodyPr/>
+                    <a:lstStyle/>
+                    <a:p>
+                      <a:pPr algn="ctr"/>
+                      <a:r>
+                        <a:rPr lang="pt-BR" dirty="0" smtClean="0"/>
+                        <a:t>0</a:t>
+                      </a:r>
+                      <a:endParaRPr lang="pt-BR" dirty="0"/>
+                    </a:p>
+                  </a:txBody>
+                  <a:tcPr anchor="ctr"/>
+                </a:tc>
+                <a:tc>
+                  <a:txBody>
+                    <a:bodyPr/>
+                    <a:lstStyle/>
+                    <a:p>
+                      <a:pPr algn="ctr"/>
+                      <a:r>
+                        <a:rPr lang="pt-BR" dirty="0" smtClean="0"/>
+                        <a:t>0</a:t>
+                      </a:r>
+                      <a:endParaRPr lang="pt-BR" dirty="0"/>
+                    </a:p>
+                  </a:txBody>
+                  <a:tcPr anchor="ctr"/>
+                </a:tc>
+              </a:tr>
+              <a:tr h="370840">
+                <a:tc gridSpan="2">
+                  <a:txBody>
+                    <a:bodyPr/>
+                    <a:lstStyle/>
+                    <a:p>
+                      <a:pPr algn="ctr"/>
+                      <a:r>
+                        <a:rPr lang="pt-BR" dirty="0" smtClean="0"/>
+                        <a:t>...</a:t>
+                      </a:r>
+                      <a:endParaRPr lang="pt-BR" dirty="0"/>
+                    </a:p>
+                  </a:txBody>
+                  <a:tcPr vert="vert" anchor="ctr">
+                    <a:lnL w="12700" cap="flat" cmpd="sng" algn="ctr">
+                      <a:solidFill>
+                        <a:schemeClr val="tx1"/>
+                      </a:solidFill>
+                      <a:prstDash val="solid"/>
+                      <a:round/>
+                      <a:headEnd type="none" w="med" len="med"/>
+                      <a:tailEnd type="none" w="med" len="med"/>
+                    </a:lnL>
+                    <a:lnR w="12700" cap="flat" cmpd="sng" algn="ctr">
+                      <a:solidFill>
+                        <a:schemeClr val="tx1"/>
+                      </a:solidFill>
+                      <a:prstDash val="solid"/>
+                      <a:round/>
+                      <a:headEnd type="none" w="med" len="med"/>
+                      <a:tailEnd type="none" w="med" len="med"/>
+                    </a:lnR>
+                    <a:lnT w="12700" cap="flat" cmpd="sng" algn="ctr">
+                      <a:solidFill>
+                        <a:schemeClr val="tx1"/>
+                      </a:solidFill>
+                      <a:prstDash val="solid"/>
+                      <a:round/>
+                      <a:headEnd type="none" w="med" len="med"/>
+                      <a:tailEnd type="none" w="med" len="med"/>
+                    </a:lnT>
+                    <a:lnB w="12700" cap="flat" cmpd="sng" algn="ctr">
+                      <a:solidFill>
+                        <a:schemeClr val="tx1"/>
+                      </a:solidFill>
+                      <a:prstDash val="solid"/>
+                      <a:round/>
+                      <a:headEnd type="none" w="med" len="med"/>
+                      <a:tailEnd type="none" w="med" len="med"/>
+                    </a:lnB>
+                  </a:tcPr>
+                </a:tc>
+                <a:tc hMerge="1">
+                  <a:txBody>
+                    <a:bodyPr/>
+                    <a:lstStyle/>
+                    <a:p>
+                      <a:endParaRPr lang="pt-BR" dirty="0"/>
+                    </a:p>
+                  </a:txBody>
+                  <a:tcPr>
+                    <a:lnL w="12700" cap="flat" cmpd="sng" algn="ctr">
+                      <a:solidFill>
+                        <a:schemeClr val="tx1"/>
+                      </a:solidFill>
+                      <a:prstDash val="solid"/>
+                      <a:round/>
+                      <a:headEnd type="none" w="med" len="med"/>
+                      <a:tailEnd type="none" w="med" len="med"/>
+                    </a:lnL>
+                    <a:lnR w="12700" cap="flat" cmpd="sng" algn="ctr">
+                      <a:solidFill>
+                        <a:schemeClr val="tx1"/>
+                      </a:solidFill>
+                      <a:prstDash val="solid"/>
+                      <a:round/>
+                      <a:headEnd type="none" w="med" len="med"/>
+                      <a:tailEnd type="none" w="med" len="med"/>
+                    </a:lnR>
+                    <a:lnT w="12700" cap="flat" cmpd="sng" algn="ctr">
+                      <a:solidFill>
+                        <a:schemeClr val="tx1"/>
+                      </a:solidFill>
+                      <a:prstDash val="solid"/>
+                      <a:round/>
+                      <a:headEnd type="none" w="med" len="med"/>
+                      <a:tailEnd type="none" w="med" len="med"/>
+                    </a:lnT>
+                    <a:lnB w="12700" cap="flat" cmpd="sng" algn="ctr">
+                      <a:solidFill>
+                        <a:schemeClr val="tx1"/>
+                      </a:solidFill>
+                      <a:prstDash val="solid"/>
+                      <a:round/>
+                      <a:headEnd type="none" w="med" len="med"/>
+                      <a:tailEnd type="none" w="med" len="med"/>
+                    </a:lnB>
+                  </a:tcPr>
+                </a:tc>
+                <a:tc>
+                  <a:txBody>
+                    <a:bodyPr/>
+                    <a:lstStyle/>
+                    <a:p>
+                      <a:pPr algn="ctr"/>
+                      <a:endParaRPr lang="pt-BR" dirty="0"/>
+                    </a:p>
+                  </a:txBody>
+                  <a:tcPr anchor="ctr">
+                    <a:lnL w="12700" cap="flat" cmpd="sng" algn="ctr">
+                      <a:solidFill>
+                        <a:schemeClr val="tx1"/>
+                      </a:solidFill>
+                      <a:prstDash val="solid"/>
+                      <a:round/>
+                      <a:headEnd type="none" w="med" len="med"/>
+                      <a:tailEnd type="none" w="med" len="med"/>
+                    </a:lnL>
+                    <a:lnB w="12700" cap="flat" cmpd="sng" algn="ctr">
+                      <a:solidFill>
+                        <a:schemeClr val="tx1"/>
+                      </a:solidFill>
+                      <a:prstDash val="solid"/>
+                      <a:round/>
+                      <a:headEnd type="none" w="med" len="med"/>
+                      <a:tailEnd type="none" w="med" len="med"/>
+                    </a:lnB>
+                  </a:tcPr>
+                </a:tc>
+                <a:tc gridSpan="2">
+                  <a:txBody>
+                    <a:bodyPr/>
+                    <a:lstStyle/>
+                    <a:p>
+                      <a:pPr algn="ctr"/>
+                      <a:r>
+                        <a:rPr lang="pt-BR" dirty="0" smtClean="0"/>
+                        <a:t>...</a:t>
+                      </a:r>
+                      <a:endParaRPr lang="pt-BR" dirty="0"/>
+                    </a:p>
+                  </a:txBody>
+                  <a:tcPr vert="vert" anchor="ctr"/>
+                </a:tc>
+                <a:tc hMerge="1">
+                  <a:txBody>
+                    <a:bodyPr/>
+                    <a:lstStyle/>
+                    <a:p>
+                      <a:endParaRPr lang="pt-BR" dirty="0"/>
+                    </a:p>
+                  </a:txBody>
+                  <a:tcPr/>
+                </a:tc>
+                <a:tc>
+                  <a:txBody>
+                    <a:bodyPr/>
+                    <a:lstStyle/>
+                    <a:p>
+                      <a:pPr algn="ctr"/>
+                      <a:endParaRPr lang="pt-BR" dirty="0"/>
+                    </a:p>
+                  </a:txBody>
+                  <a:tcPr anchor="ctr"/>
+                </a:tc>
+                <a:tc rowSpan="4" gridSpan="2">
+                  <a:txBody>
+                    <a:bodyPr/>
+                    <a:lstStyle/>
+                    <a:p>
+                      <a:pPr algn="ctr"/>
+                      <a:r>
+                        <a:rPr lang="pt-BR" dirty="0" smtClean="0"/>
+                        <a:t>...</a:t>
+                      </a:r>
+                      <a:endParaRPr lang="pt-BR" dirty="0"/>
+                    </a:p>
+                  </a:txBody>
+                  <a:tcPr vert="vert" anchor="ctr"/>
+                </a:tc>
+                <a:tc rowSpan="4" hMerge="1">
+                  <a:txBody>
+                    <a:bodyPr/>
+                    <a:lstStyle/>
+                    <a:p>
+                      <a:endParaRPr lang="pt-BR" dirty="0"/>
+                    </a:p>
+                  </a:txBody>
+                  <a:tcPr/>
+                </a:tc>
+              </a:tr>
+              <a:tr h="370840">
+                <a:tc>
+                  <a:txBody>
+                    <a:bodyPr/>
+                    <a:lstStyle/>
+                    <a:p>
+                      <a:pPr algn="ctr"/>
+                      <a:r>
+                        <a:rPr lang="pt-BR" dirty="0" smtClean="0">
+                          <a:solidFill>
+                            <a:srgbClr val="FF0000"/>
+                          </a:solidFill>
+                        </a:rPr>
+                        <a:t>x</a:t>
+                      </a:r>
+                      <a:endParaRPr lang="pt-BR" dirty="0">
+                        <a:solidFill>
+                          <a:srgbClr val="FF0000"/>
+                        </a:solidFill>
+                      </a:endParaRPr>
+                    </a:p>
+                  </a:txBody>
+                  <a:tcPr anchor="ctr">
+                    <a:lnL w="12700" cap="flat" cmpd="sng" algn="ctr">
+                      <a:solidFill>
+                        <a:schemeClr val="tx1"/>
+                      </a:solidFill>
+                      <a:prstDash val="solid"/>
+                      <a:round/>
+                      <a:headEnd type="none" w="med" len="med"/>
+                      <a:tailEnd type="none" w="med" len="med"/>
+                    </a:lnL>
+                    <a:lnR w="12700" cap="flat" cmpd="sng" algn="ctr">
+                      <a:solidFill>
+                        <a:schemeClr val="tx1"/>
+                      </a:solidFill>
+                      <a:prstDash val="solid"/>
+                      <a:round/>
+                      <a:headEnd type="none" w="med" len="med"/>
+                      <a:tailEnd type="none" w="med" len="med"/>
+                    </a:lnR>
+                    <a:lnT w="12700" cap="flat" cmpd="sng" algn="ctr">
+                      <a:solidFill>
+                        <a:schemeClr val="tx1"/>
+                      </a:solidFill>
+                      <a:prstDash val="solid"/>
+                      <a:round/>
+                      <a:headEnd type="none" w="med" len="med"/>
+                      <a:tailEnd type="none" w="med" len="med"/>
+                    </a:lnT>
+                    <a:lnB w="12700" cap="flat" cmpd="sng" algn="ctr">
+                      <a:solidFill>
+                        <a:schemeClr val="tx1"/>
+                      </a:solidFill>
+                      <a:prstDash val="solid"/>
+                      <a:round/>
+                      <a:headEnd type="none" w="med" len="med"/>
+                      <a:tailEnd type="none" w="med" len="med"/>
+                    </a:lnB>
+                  </a:tcPr>
+                </a:tc>
+                <a:tc>
+                  <a:txBody>
+                    <a:bodyPr/>
+                    <a:lstStyle/>
+                    <a:p>
+                      <a:pPr algn="ctr"/>
+                      <a:r>
+                        <a:rPr lang="pt-BR" dirty="0" smtClean="0">
+                          <a:solidFill>
+                            <a:srgbClr val="FF0000"/>
+                          </a:solidFill>
+                        </a:rPr>
+                        <a:t>x</a:t>
+                      </a:r>
+                      <a:endParaRPr lang="pt-BR" dirty="0">
+                        <a:solidFill>
+                          <a:srgbClr val="FF0000"/>
+                        </a:solidFill>
+                      </a:endParaRPr>
+                    </a:p>
+                  </a:txBody>
+                  <a:tcPr anchor="ctr">
+                    <a:lnL w="12700" cap="flat" cmpd="sng" algn="ctr">
+                      <a:solidFill>
+                        <a:schemeClr val="tx1"/>
+                      </a:solidFill>
+                      <a:prstDash val="solid"/>
+                      <a:round/>
+                      <a:headEnd type="none" w="med" len="med"/>
+                      <a:tailEnd type="none" w="med" len="med"/>
+                    </a:lnL>
+                    <a:lnR w="12700" cap="flat" cmpd="sng" algn="ctr">
+                      <a:solidFill>
+                        <a:schemeClr val="tx1"/>
+                      </a:solidFill>
+                      <a:prstDash val="solid"/>
+                      <a:round/>
+                      <a:headEnd type="none" w="med" len="med"/>
+                      <a:tailEnd type="none" w="med" len="med"/>
+                    </a:lnR>
+                    <a:lnT w="12700" cap="flat" cmpd="sng" algn="ctr">
+                      <a:solidFill>
+                        <a:schemeClr val="tx1"/>
+                      </a:solidFill>
+                      <a:prstDash val="solid"/>
+                      <a:round/>
+                      <a:headEnd type="none" w="med" len="med"/>
+                      <a:tailEnd type="none" w="med" len="med"/>
+                    </a:lnT>
+                    <a:lnB w="12700" cap="flat" cmpd="sng" algn="ctr">
+                      <a:solidFill>
+                        <a:schemeClr val="tx1"/>
+                      </a:solidFill>
+                      <a:prstDash val="solid"/>
+                      <a:round/>
+                      <a:headEnd type="none" w="med" len="med"/>
+                      <a:tailEnd type="none" w="med" len="med"/>
+                    </a:lnB>
+                  </a:tcPr>
+                </a:tc>
+                <a:tc rowSpan="2">
+                  <a:txBody>
+                    <a:bodyPr/>
+                    <a:lstStyle/>
+                    <a:p>
+                      <a:pPr algn="ctr"/>
+                      <a:endParaRPr lang="pt-BR" dirty="0"/>
+                    </a:p>
+                  </a:txBody>
+                  <a:tcPr anchor="ctr">
+                    <a:lnL w="12700" cap="flat" cmpd="sng" algn="ctr">
+                      <a:solidFill>
+                        <a:schemeClr val="tx1"/>
+                      </a:solidFill>
+                      <a:prstDash val="solid"/>
+                      <a:round/>
+                      <a:headEnd type="none" w="med" len="med"/>
+                      <a:tailEnd type="none" w="med" len="med"/>
+                    </a:lnL>
+                    <a:lnR w="12700" cap="flat" cmpd="sng" algn="ctr">
+                      <a:solidFill>
+                        <a:schemeClr val="tx1"/>
+                      </a:solidFill>
+                      <a:prstDash val="solid"/>
+                      <a:round/>
+                      <a:headEnd type="none" w="med" len="med"/>
+                      <a:tailEnd type="none" w="med" len="med"/>
+                    </a:lnR>
+                    <a:lnT w="12700" cap="flat" cmpd="sng" algn="ctr">
+                      <a:solidFill>
+                        <a:schemeClr val="tx1"/>
+                      </a:solidFill>
+                      <a:prstDash val="solid"/>
+                      <a:round/>
+                      <a:headEnd type="none" w="med" len="med"/>
+                      <a:tailEnd type="none" w="med" len="med"/>
+                    </a:lnT>
+                    <a:lnB w="12700" cap="flat" cmpd="sng" algn="ctr">
+                      <a:solidFill>
+                        <a:schemeClr val="tx1"/>
+                      </a:solidFill>
+                      <a:prstDash val="solid"/>
+                      <a:round/>
+                      <a:headEnd type="none" w="med" len="med"/>
+                      <a:tailEnd type="none" w="med" len="med"/>
+                    </a:lnB>
+                  </a:tcPr>
+                </a:tc>
+                <a:tc>
+                  <a:txBody>
+                    <a:bodyPr/>
+                    <a:lstStyle/>
+                    <a:p>
+                      <a:pPr algn="ctr"/>
+                      <a:r>
+                        <a:rPr lang="pt-BR" dirty="0" smtClean="0"/>
+                        <a:t>x</a:t>
+                      </a:r>
+                      <a:endParaRPr lang="pt-BR" dirty="0"/>
+                    </a:p>
+                  </a:txBody>
+                  <a:tcPr anchor="ctr">
+                    <a:lnL w="12700" cap="flat" cmpd="sng" algn="ctr">
+                      <a:solidFill>
+                        <a:schemeClr val="tx1"/>
+                      </a:solidFill>
+                      <a:prstDash val="solid"/>
+                      <a:round/>
+                      <a:headEnd type="none" w="med" len="med"/>
+                      <a:tailEnd type="none" w="med" len="med"/>
+                    </a:lnL>
+                  </a:tcPr>
+                </a:tc>
+                <a:tc>
+                  <a:txBody>
+                    <a:bodyPr/>
+                    <a:lstStyle/>
+                    <a:p>
+                      <a:pPr algn="ctr"/>
+                      <a:r>
+                        <a:rPr lang="pt-BR" dirty="0" smtClean="0"/>
+                        <a:t>x</a:t>
+                      </a:r>
+                      <a:endParaRPr lang="pt-BR" dirty="0"/>
+                    </a:p>
+                  </a:txBody>
+                  <a:tcPr anchor="ctr"/>
+                </a:tc>
+                <a:tc rowSpan="2">
+                  <a:txBody>
+                    <a:bodyPr/>
+                    <a:lstStyle/>
+                    <a:p>
+                      <a:pPr algn="ctr"/>
+                      <a:endParaRPr lang="pt-BR" dirty="0"/>
+                    </a:p>
+                  </a:txBody>
+                  <a:tcPr anchor="ctr"/>
+                </a:tc>
+                <a:tc gridSpan="2" vMerge="1">
+                  <a:txBody>
+                    <a:bodyPr/>
+                    <a:lstStyle/>
+                    <a:p>
+                      <a:endParaRPr lang="pt-BR" dirty="0"/>
+                    </a:p>
+                  </a:txBody>
+                  <a:tcPr anchor="ctr"/>
+                </a:tc>
+                <a:tc hMerge="1" vMerge="1">
+                  <a:txBody>
+                    <a:bodyPr/>
+                    <a:lstStyle/>
+                    <a:p>
+                      <a:endParaRPr lang="pt-BR" dirty="0"/>
+                    </a:p>
+                  </a:txBody>
+                  <a:tcPr anchor="ctr"/>
+                </a:tc>
+              </a:tr>
+              <a:tr h="370840">
+                <a:tc>
+                  <a:txBody>
+                    <a:bodyPr/>
+                    <a:lstStyle/>
+                    <a:p>
+                      <a:pPr algn="ctr"/>
+                      <a:r>
+                        <a:rPr lang="pt-BR" dirty="0" smtClean="0">
+                          <a:solidFill>
+                            <a:srgbClr val="FF0000"/>
+                          </a:solidFill>
+                        </a:rPr>
+                        <a:t>x</a:t>
+                      </a:r>
+                      <a:endParaRPr lang="pt-BR" dirty="0">
+                        <a:solidFill>
+                          <a:srgbClr val="FF0000"/>
+                        </a:solidFill>
+                      </a:endParaRPr>
+                    </a:p>
+                  </a:txBody>
+                  <a:tcPr anchor="ctr">
+                    <a:lnT w="12700" cap="flat" cmpd="sng" algn="ctr">
+                      <a:solidFill>
+                        <a:schemeClr val="tx1"/>
+                      </a:solidFill>
+                      <a:prstDash val="solid"/>
+                      <a:round/>
+                      <a:headEnd type="none" w="med" len="med"/>
+                      <a:tailEnd type="none" w="med" len="med"/>
+                    </a:lnT>
+                  </a:tcPr>
+                </a:tc>
+                <a:tc>
+                  <a:txBody>
+                    <a:bodyPr/>
+                    <a:lstStyle/>
+                    <a:p>
+                      <a:pPr algn="ctr"/>
+                      <a:r>
+                        <a:rPr lang="pt-BR" dirty="0" smtClean="0">
+                          <a:solidFill>
+                            <a:srgbClr val="FF0000"/>
+                          </a:solidFill>
+                        </a:rPr>
+                        <a:t>x</a:t>
+                      </a:r>
+                      <a:endParaRPr lang="pt-BR" dirty="0">
+                        <a:solidFill>
+                          <a:srgbClr val="FF0000"/>
+                        </a:solidFill>
+                      </a:endParaRPr>
+                    </a:p>
+                  </a:txBody>
+                  <a:tcPr anchor="ctr">
+                    <a:lnR w="12700" cap="flat" cmpd="sng" algn="ctr">
+                      <a:solidFill>
+                        <a:schemeClr val="tx1"/>
+                      </a:solidFill>
+                      <a:prstDash val="solid"/>
+                      <a:round/>
+                      <a:headEnd type="none" w="med" len="med"/>
+                      <a:tailEnd type="none" w="med" len="med"/>
+                    </a:lnR>
+                    <a:lnT w="12700" cap="flat" cmpd="sng" algn="ctr">
+                      <a:solidFill>
+                        <a:schemeClr val="tx1"/>
+                      </a:solidFill>
+                      <a:prstDash val="solid"/>
+                      <a:round/>
+                      <a:headEnd type="none" w="med" len="med"/>
+                      <a:tailEnd type="none" w="med" len="med"/>
+                    </a:lnT>
+                  </a:tcPr>
+                </a:tc>
+                <a:tc vMerge="1">
+                  <a:txBody>
+                    <a:bodyPr/>
+                    <a:lstStyle/>
+                    <a:p>
+                      <a:endParaRPr lang="pt-BR" dirty="0"/>
+                    </a:p>
+                  </a:txBody>
+                  <a:tcPr>
+                    <a:lnL w="12700" cap="flat" cmpd="sng" algn="ctr">
+                      <a:solidFill>
+                        <a:schemeClr val="tx1"/>
+                      </a:solidFill>
+                      <a:prstDash val="solid"/>
+                      <a:round/>
+                      <a:headEnd type="none" w="med" len="med"/>
+                      <a:tailEnd type="none" w="med" len="med"/>
+                    </a:lnL>
+                    <a:lnR w="12700" cap="flat" cmpd="sng" algn="ctr">
+                      <a:solidFill>
+                        <a:schemeClr val="tx1"/>
+                      </a:solidFill>
+                      <a:prstDash val="solid"/>
+                      <a:round/>
+                      <a:headEnd type="none" w="med" len="med"/>
+                      <a:tailEnd type="none" w="med" len="med"/>
+                    </a:lnR>
+                    <a:lnT w="12700" cap="flat" cmpd="sng" algn="ctr">
+                      <a:solidFill>
+                        <a:schemeClr val="tx1"/>
+                      </a:solidFill>
+                      <a:prstDash val="solid"/>
+                      <a:round/>
+                      <a:headEnd type="none" w="med" len="med"/>
+                      <a:tailEnd type="none" w="med" len="med"/>
+                    </a:lnT>
+                    <a:lnB w="12700" cap="flat" cmpd="sng" algn="ctr">
+                      <a:solidFill>
+                        <a:schemeClr val="tx1"/>
+                      </a:solidFill>
+                      <a:prstDash val="solid"/>
+                      <a:round/>
+                      <a:headEnd type="none" w="med" len="med"/>
+                      <a:tailEnd type="none" w="med" len="med"/>
+                    </a:lnB>
+                  </a:tcPr>
+                </a:tc>
+                <a:tc>
+                  <a:txBody>
+                    <a:bodyPr/>
+                    <a:lstStyle/>
+                    <a:p>
+                      <a:pPr algn="ctr"/>
+                      <a:r>
+                        <a:rPr lang="pt-BR" dirty="0" smtClean="0"/>
+                        <a:t>x</a:t>
+                      </a:r>
+                      <a:endParaRPr lang="pt-BR" dirty="0"/>
+                    </a:p>
+                  </a:txBody>
+                  <a:tcPr anchor="ctr">
+                    <a:lnL w="12700" cap="flat" cmpd="sng" algn="ctr">
+                      <a:solidFill>
+                        <a:schemeClr val="tx1"/>
+                      </a:solidFill>
+                      <a:prstDash val="solid"/>
+                      <a:round/>
+                      <a:headEnd type="none" w="med" len="med"/>
+                      <a:tailEnd type="none" w="med" len="med"/>
+                    </a:lnL>
+                  </a:tcPr>
+                </a:tc>
+                <a:tc>
+                  <a:txBody>
+                    <a:bodyPr/>
+                    <a:lstStyle/>
+                    <a:p>
+                      <a:pPr algn="ctr"/>
+                      <a:r>
+                        <a:rPr lang="pt-BR" dirty="0" smtClean="0"/>
+                        <a:t>x</a:t>
+                      </a:r>
+                      <a:endParaRPr lang="pt-BR" dirty="0"/>
+                    </a:p>
+                  </a:txBody>
+                  <a:tcPr anchor="ctr"/>
+                </a:tc>
+                <a:tc vMerge="1">
+                  <a:txBody>
+                    <a:bodyPr/>
+                    <a:lstStyle/>
+                    <a:p>
+                      <a:endParaRPr lang="pt-BR" dirty="0"/>
+                    </a:p>
+                  </a:txBody>
+                  <a:tcPr/>
+                </a:tc>
+                <a:tc gridSpan="2" vMerge="1">
+                  <a:txBody>
+                    <a:bodyPr/>
+                    <a:lstStyle/>
+                    <a:p>
+                      <a:endParaRPr lang="pt-BR" dirty="0"/>
+                    </a:p>
+                  </a:txBody>
+                  <a:tcPr anchor="ctr"/>
+                </a:tc>
+                <a:tc hMerge="1" vMerge="1">
+                  <a:txBody>
+                    <a:bodyPr/>
+                    <a:lstStyle/>
+                    <a:p>
+                      <a:endParaRPr lang="pt-BR" dirty="0"/>
+                    </a:p>
+                  </a:txBody>
+                  <a:tcPr anchor="ctr"/>
+                </a:tc>
+              </a:tr>
+              <a:tr h="370840">
+                <a:tc gridSpan="2">
+                  <a:txBody>
+                    <a:bodyPr/>
+                    <a:lstStyle/>
+                    <a:p>
+                      <a:pPr algn="ctr"/>
+                      <a:r>
+                        <a:rPr lang="pt-BR" dirty="0" smtClean="0"/>
+                        <a:t>...</a:t>
+                      </a:r>
+                      <a:endParaRPr lang="pt-BR" dirty="0"/>
+                    </a:p>
+                  </a:txBody>
+                  <a:tcPr vert="vert" anchor="ctr"/>
+                </a:tc>
+                <a:tc hMerge="1">
+                  <a:txBody>
+                    <a:bodyPr/>
+                    <a:lstStyle/>
+                    <a:p>
+                      <a:endParaRPr lang="pt-BR" dirty="0"/>
+                    </a:p>
+                  </a:txBody>
+                  <a:tcPr/>
+                </a:tc>
+                <a:tc>
+                  <a:txBody>
+                    <a:bodyPr/>
+                    <a:lstStyle/>
+                    <a:p>
+                      <a:pPr algn="ctr"/>
+                      <a:endParaRPr lang="pt-BR" dirty="0"/>
+                    </a:p>
+                  </a:txBody>
+                  <a:tcPr anchor="ctr">
+                    <a:lnT w="12700" cap="flat" cmpd="sng" algn="ctr">
+                      <a:solidFill>
+                        <a:schemeClr val="tx1"/>
+                      </a:solidFill>
+                      <a:prstDash val="solid"/>
+                      <a:round/>
+                      <a:headEnd type="none" w="med" len="med"/>
+                      <a:tailEnd type="none" w="med" len="med"/>
+                    </a:lnT>
+                  </a:tcPr>
+                </a:tc>
+                <a:tc gridSpan="2">
+                  <a:txBody>
+                    <a:bodyPr/>
+                    <a:lstStyle/>
+                    <a:p>
+                      <a:pPr algn="ctr"/>
+                      <a:r>
+                        <a:rPr lang="pt-BR" dirty="0" smtClean="0"/>
+                        <a:t>...</a:t>
+                      </a:r>
+                      <a:endParaRPr lang="pt-BR" dirty="0"/>
+                    </a:p>
+                  </a:txBody>
+                  <a:tcPr vert="vert" anchor="ctr"/>
+                </a:tc>
+                <a:tc hMerge="1">
+                  <a:txBody>
+                    <a:bodyPr/>
+                    <a:lstStyle/>
+                    <a:p>
+                      <a:endParaRPr lang="pt-BR" dirty="0"/>
+                    </a:p>
+                  </a:txBody>
+                  <a:tcPr/>
+                </a:tc>
+                <a:tc>
+                  <a:txBody>
+                    <a:bodyPr/>
+                    <a:lstStyle/>
+                    <a:p>
+                      <a:pPr algn="ctr"/>
+                      <a:endParaRPr lang="pt-BR" dirty="0"/>
+                    </a:p>
+                  </a:txBody>
+                  <a:tcPr anchor="ctr"/>
+                </a:tc>
+                <a:tc gridSpan="2" vMerge="1">
+                  <a:txBody>
+                    <a:bodyPr/>
+                    <a:lstStyle/>
+                    <a:p>
+                      <a:pPr algn="ctr"/>
+                      <a:endParaRPr lang="pt-BR" dirty="0"/>
+                    </a:p>
+                  </a:txBody>
+                  <a:tcPr vert="vert" anchor="ctr"/>
+                </a:tc>
+                <a:tc hMerge="1" vMerge="1">
+                  <a:txBody>
+                    <a:bodyPr/>
+                    <a:lstStyle/>
+                    <a:p>
+                      <a:endParaRPr lang="pt-BR" dirty="0"/>
+                    </a:p>
+                  </a:txBody>
+                  <a:tcPr/>
+                </a:tc>
+              </a:tr>
+              <a:tr h="370840">
+                <a:tc>
+                  <a:txBody>
+                    <a:bodyPr/>
+                    <a:lstStyle/>
+                    <a:p>
+                      <a:pPr algn="ctr"/>
+                      <a:r>
+                        <a:rPr lang="pt-BR" dirty="0" smtClean="0">
+                          <a:solidFill>
+                            <a:srgbClr val="FF0000"/>
+                          </a:solidFill>
+                        </a:rPr>
+                        <a:t>x</a:t>
+                      </a:r>
+                      <a:endParaRPr lang="pt-BR" dirty="0">
+                        <a:solidFill>
+                          <a:srgbClr val="FF0000"/>
+                        </a:solidFill>
+                      </a:endParaRPr>
+                    </a:p>
+                  </a:txBody>
+                  <a:tcPr anchor="ctr"/>
+                </a:tc>
+                <a:tc>
+                  <a:txBody>
+                    <a:bodyPr/>
+                    <a:lstStyle/>
+                    <a:p>
+                      <a:pPr algn="ctr"/>
+                      <a:r>
+                        <a:rPr lang="pt-BR" dirty="0" smtClean="0">
+                          <a:solidFill>
+                            <a:srgbClr val="FF0000"/>
+                          </a:solidFill>
+                        </a:rPr>
+                        <a:t>x</a:t>
+                      </a:r>
+                      <a:endParaRPr lang="pt-BR" dirty="0">
+                        <a:solidFill>
+                          <a:srgbClr val="FF0000"/>
+                        </a:solidFill>
+                      </a:endParaRPr>
+                    </a:p>
+                  </a:txBody>
+                  <a:tcPr anchor="ctr"/>
+                </a:tc>
+                <a:tc>
+                  <a:txBody>
+                    <a:bodyPr/>
+                    <a:lstStyle/>
+                    <a:p>
+                      <a:pPr algn="ctr"/>
+                      <a:endParaRPr lang="pt-BR"/>
+                    </a:p>
+                  </a:txBody>
+                  <a:tcPr anchor="ctr"/>
+                </a:tc>
+                <a:tc>
+                  <a:txBody>
+                    <a:bodyPr/>
+                    <a:lstStyle/>
+                    <a:p>
+                      <a:pPr algn="ctr"/>
+                      <a:r>
+                        <a:rPr lang="pt-BR" dirty="0" smtClean="0"/>
+                        <a:t>x</a:t>
+                      </a:r>
+                      <a:endParaRPr lang="pt-BR" dirty="0"/>
+                    </a:p>
+                  </a:txBody>
+                  <a:tcPr anchor="ctr"/>
+                </a:tc>
+                <a:tc>
+                  <a:txBody>
+                    <a:bodyPr/>
+                    <a:lstStyle/>
+                    <a:p>
+                      <a:pPr algn="ctr"/>
+                      <a:r>
+                        <a:rPr lang="pt-BR" dirty="0" smtClean="0"/>
+                        <a:t>x</a:t>
+                      </a:r>
+                      <a:endParaRPr lang="pt-BR" dirty="0"/>
+                    </a:p>
+                  </a:txBody>
+                  <a:tcPr anchor="ctr"/>
+                </a:tc>
+                <a:tc>
+                  <a:txBody>
+                    <a:bodyPr/>
+                    <a:lstStyle/>
+                    <a:p>
+                      <a:pPr algn="ctr"/>
+                      <a:endParaRPr lang="pt-BR"/>
+                    </a:p>
+                  </a:txBody>
+                  <a:tcPr anchor="ctr"/>
+                </a:tc>
+                <a:tc>
+                  <a:txBody>
+                    <a:bodyPr/>
+                    <a:lstStyle/>
+                    <a:p>
+                      <a:pPr algn="ctr"/>
+                      <a:r>
+                        <a:rPr lang="pt-BR" dirty="0" smtClean="0"/>
+                        <a:t>x</a:t>
+                      </a:r>
+                      <a:endParaRPr lang="pt-BR" dirty="0"/>
+                    </a:p>
+                  </a:txBody>
+                  <a:tcPr anchor="ctr"/>
+                </a:tc>
+                <a:tc>
+                  <a:txBody>
+                    <a:bodyPr/>
+                    <a:lstStyle/>
+                    <a:p>
+                      <a:pPr algn="ctr"/>
+                      <a:r>
+                        <a:rPr lang="pt-BR" dirty="0" smtClean="0"/>
+                        <a:t>x</a:t>
+                      </a:r>
+                      <a:endParaRPr lang="pt-BR" dirty="0"/>
+                    </a:p>
+                  </a:txBody>
+                  <a:tcPr anchor="ctr"/>
+                </a:tc>
+              </a:tr>
+              <a:tr h="370840">
+                <a:tc>
+                  <a:txBody>
+                    <a:bodyPr/>
+                    <a:lstStyle/>
+                    <a:p>
+                      <a:pPr algn="ctr"/>
+                      <a:r>
+                        <a:rPr lang="pt-BR" dirty="0" smtClean="0">
+                          <a:solidFill>
+                            <a:srgbClr val="FF0000"/>
+                          </a:solidFill>
+                        </a:rPr>
+                        <a:t>x</a:t>
+                      </a:r>
+                      <a:endParaRPr lang="pt-BR" dirty="0">
+                        <a:solidFill>
+                          <a:srgbClr val="FF0000"/>
+                        </a:solidFill>
+                      </a:endParaRPr>
+                    </a:p>
+                  </a:txBody>
+                  <a:tcPr anchor="ctr"/>
+                </a:tc>
+                <a:tc>
+                  <a:txBody>
+                    <a:bodyPr/>
+                    <a:lstStyle/>
+                    <a:p>
+                      <a:pPr algn="ctr"/>
+                      <a:r>
+                        <a:rPr lang="pt-BR" dirty="0" smtClean="0">
+                          <a:solidFill>
+                            <a:srgbClr val="FF0000"/>
+                          </a:solidFill>
+                        </a:rPr>
+                        <a:t>x</a:t>
+                      </a:r>
+                      <a:endParaRPr lang="pt-BR" dirty="0">
+                        <a:solidFill>
+                          <a:srgbClr val="FF0000"/>
+                        </a:solidFill>
+                      </a:endParaRPr>
+                    </a:p>
+                  </a:txBody>
+                  <a:tcPr anchor="ctr"/>
+                </a:tc>
+                <a:tc>
+                  <a:txBody>
+                    <a:bodyPr/>
+                    <a:lstStyle/>
+                    <a:p>
+                      <a:pPr algn="ctr"/>
+                      <a:endParaRPr lang="pt-BR" dirty="0"/>
+                    </a:p>
+                  </a:txBody>
+                  <a:tcPr anchor="ctr"/>
+                </a:tc>
+                <a:tc>
+                  <a:txBody>
+                    <a:bodyPr/>
+                    <a:lstStyle/>
+                    <a:p>
+                      <a:pPr algn="ctr"/>
+                      <a:r>
+                        <a:rPr lang="pt-BR" dirty="0" smtClean="0"/>
+                        <a:t>x</a:t>
+                      </a:r>
+                      <a:endParaRPr lang="pt-BR" dirty="0"/>
+                    </a:p>
+                  </a:txBody>
+                  <a:tcPr anchor="ctr"/>
+                </a:tc>
+                <a:tc>
+                  <a:txBody>
+                    <a:bodyPr/>
+                    <a:lstStyle/>
+                    <a:p>
+                      <a:pPr algn="ctr"/>
+                      <a:r>
+                        <a:rPr lang="pt-BR" dirty="0" smtClean="0"/>
+                        <a:t>x</a:t>
+                      </a:r>
+                      <a:endParaRPr lang="pt-BR" dirty="0"/>
+                    </a:p>
+                  </a:txBody>
+                  <a:tcPr anchor="ctr"/>
+                </a:tc>
+                <a:tc>
+                  <a:txBody>
+                    <a:bodyPr/>
+                    <a:lstStyle/>
+                    <a:p>
+                      <a:pPr algn="ctr"/>
+                      <a:endParaRPr lang="pt-BR"/>
+                    </a:p>
+                  </a:txBody>
+                  <a:tcPr anchor="ctr"/>
+                </a:tc>
+                <a:tc>
+                  <a:txBody>
+                    <a:bodyPr/>
+                    <a:lstStyle/>
+                    <a:p>
+                      <a:pPr algn="ctr"/>
+                      <a:r>
+                        <a:rPr lang="pt-BR" dirty="0" smtClean="0"/>
+                        <a:t>x</a:t>
+                      </a:r>
+                      <a:endParaRPr lang="pt-BR" dirty="0"/>
+                    </a:p>
+                  </a:txBody>
+                  <a:tcPr anchor="ctr"/>
+                </a:tc>
+                <a:tc>
+                  <a:txBody>
+                    <a:bodyPr/>
+                    <a:lstStyle/>
+                    <a:p>
+                      <a:pPr algn="ctr"/>
+                      <a:r>
+                        <a:rPr lang="pt-BR" dirty="0" smtClean="0"/>
+                        <a:t>x</a:t>
+                      </a:r>
+                      <a:endParaRPr lang="pt-BR" dirty="0"/>
+                    </a:p>
+                  </a:txBody>
+                  <a:tcPr anchor="ctr"/>
+                </a:tc>
+              </a:tr>
+            </a:tbl>
+          </a:graphicData>
+        </a:graphic>
+      </p:graphicFrame>
+      <p:sp>
+        <p:nvSpPr>
+          <p:cNvPr id="8" name="Chave esquerda 7"/>
+          <p:cNvSpPr/>
+          <p:nvPr/>
+        </p:nvSpPr>
+        <p:spPr>
+          <a:xfrm>
+            <a:off x="7565270" y="2303131"/>
+            <a:ext cx="243500" cy="720504"/>
+          </a:xfrm>
+          <a:prstGeom prst="leftBrace">
+            <a:avLst/>
+          </a:prstGeom>
+          <a:ln>
+            <a:solidFill>
+              <a:schemeClr val="tx1"/>
+            </a:solidFill>
+          </a:ln>
+        </p:spPr>
+        <p:style>
+          <a:lnRef idx="1">
+            <a:schemeClr val="accent1"/>
+          </a:lnRef>
+          <a:fillRef idx="0">
+            <a:schemeClr val="accent1"/>
+          </a:fillRef>
+          <a:effectRef idx="0">
+            <a:schemeClr val="accent1"/>
+          </a:effectRef>
+          <a:fontRef idx="minor">
+            <a:schemeClr val="tx1"/>
+          </a:fontRef>
+        </p:style>
+        <p:txBody>
+          <a:bodyPr rtlCol="0" anchor="ctr"/>
+          <a:lstStyle/>
+          <a:p>
+            <a:pPr algn="ctr"/>
+            <a:endParaRPr lang="pt-BR"/>
+          </a:p>
+        </p:txBody>
+      </p:sp>
+      <p:sp>
+        <p:nvSpPr>
+          <p:cNvPr id="9" name="CaixaDeTexto 8"/>
+          <p:cNvSpPr txBox="1"/>
+          <p:nvPr/>
+        </p:nvSpPr>
+        <p:spPr>
+          <a:xfrm>
+            <a:off x="6224268" y="2478717"/>
+            <a:ext cx="1462752" cy="369332"/>
+          </a:xfrm>
+          <a:prstGeom prst="rect">
+            <a:avLst/>
+          </a:prstGeom>
+          <a:noFill/>
+        </p:spPr>
+        <p:txBody>
+          <a:bodyPr wrap="square" rtlCol="0">
+            <a:spAutoFit/>
+          </a:bodyPr>
+          <a:lstStyle/>
+          <a:p>
+            <a:r>
+              <a:rPr lang="pt-BR" dirty="0" smtClean="0"/>
+              <a:t>Nó </a:t>
+            </a:r>
+            <a:r>
+              <a:rPr lang="pt-BR" dirty="0" err="1" smtClean="0"/>
+              <a:t>Dirichlet</a:t>
+            </a:r>
+            <a:endParaRPr lang="pt-BR" dirty="0"/>
+          </a:p>
+        </p:txBody>
+      </p:sp>
+    </p:spTree>
+    <p:extLst>
+      <p:ext uri="{BB962C8B-B14F-4D97-AF65-F5344CB8AC3E}">
+        <p14:creationId xmlns:p14="http://schemas.microsoft.com/office/powerpoint/2010/main" val="3840414065"/>
       </p:ext>
     </p:extLst>
   </p:cSld>

--- a/Outros/MestradoFiguras.pptx
+++ b/Outros/MestradoFiguras.pptx
@@ -11660,7 +11660,7 @@
           <p:cNvPr id="9" name="Conector de Seta Reta 30">
             <a:extLst>
               <a:ext uri="{FF2B5EF4-FFF2-40B4-BE49-F238E27FC236}">
-                <a16:creationId xmlns:a16="http://schemas.microsoft.com/office/drawing/2014/main" xmlns="" id="{F4E2726F-250A-244A-9FEF-08E332214A0E}"/>
+                <a16:creationId xmlns="" xmlns:a16="http://schemas.microsoft.com/office/drawing/2014/main" id="{F4E2726F-250A-244A-9FEF-08E332214A0E}"/>
               </a:ext>
             </a:extLst>
           </p:cNvPr>
@@ -11702,7 +11702,7 @@
           <p:cNvPr id="11" name="Conector de Seta Reta 31">
             <a:extLst>
               <a:ext uri="{FF2B5EF4-FFF2-40B4-BE49-F238E27FC236}">
-                <a16:creationId xmlns:a16="http://schemas.microsoft.com/office/drawing/2014/main" xmlns="" id="{58C6BB8A-40B7-1D44-841F-91C8117B7A12}"/>
+                <a16:creationId xmlns="" xmlns:a16="http://schemas.microsoft.com/office/drawing/2014/main" id="{58C6BB8A-40B7-1D44-841F-91C8117B7A12}"/>
               </a:ext>
             </a:extLst>
           </p:cNvPr>
@@ -11744,7 +11744,7 @@
           <p:cNvPr id="12" name="CaixaDeTexto 37">
             <a:extLst>
               <a:ext uri="{FF2B5EF4-FFF2-40B4-BE49-F238E27FC236}">
-                <a16:creationId xmlns:a16="http://schemas.microsoft.com/office/drawing/2014/main" xmlns="" id="{71091896-9F67-8847-9C2A-DE057411D085}"/>
+                <a16:creationId xmlns="" xmlns:a16="http://schemas.microsoft.com/office/drawing/2014/main" id="{71091896-9F67-8847-9C2A-DE057411D085}"/>
               </a:ext>
             </a:extLst>
           </p:cNvPr>
@@ -11779,7 +11779,7 @@
           <p:cNvPr id="13" name="CaixaDeTexto 38">
             <a:extLst>
               <a:ext uri="{FF2B5EF4-FFF2-40B4-BE49-F238E27FC236}">
-                <a16:creationId xmlns:a16="http://schemas.microsoft.com/office/drawing/2014/main" xmlns="" id="{76B8159C-42E2-4940-B7F6-6CFD8DA7CF7E}"/>
+                <a16:creationId xmlns="" xmlns:a16="http://schemas.microsoft.com/office/drawing/2014/main" id="{76B8159C-42E2-4940-B7F6-6CFD8DA7CF7E}"/>
               </a:ext>
             </a:extLst>
           </p:cNvPr>
@@ -11814,7 +11814,7 @@
           <p:cNvPr id="14" name="Conector de Seta Reta 31">
             <a:extLst>
               <a:ext uri="{FF2B5EF4-FFF2-40B4-BE49-F238E27FC236}">
-                <a16:creationId xmlns:a16="http://schemas.microsoft.com/office/drawing/2014/main" xmlns="" id="{6270ED07-5855-EB46-9509-DAAB56BDB6EE}"/>
+                <a16:creationId xmlns="" xmlns:a16="http://schemas.microsoft.com/office/drawing/2014/main" id="{6270ED07-5855-EB46-9509-DAAB56BDB6EE}"/>
               </a:ext>
             </a:extLst>
           </p:cNvPr>
@@ -11858,7 +11858,7 @@
           <p:cNvPr id="15" name="CaixaDeTexto 37">
             <a:extLst>
               <a:ext uri="{FF2B5EF4-FFF2-40B4-BE49-F238E27FC236}">
-                <a16:creationId xmlns:a16="http://schemas.microsoft.com/office/drawing/2014/main" xmlns="" id="{A883361E-6275-FD48-BBBB-CC236BA50F68}"/>
+                <a16:creationId xmlns="" xmlns:a16="http://schemas.microsoft.com/office/drawing/2014/main" id="{A883361E-6275-FD48-BBBB-CC236BA50F68}"/>
               </a:ext>
             </a:extLst>
           </p:cNvPr>
@@ -11894,7 +11894,7 @@
           <p:cNvPr id="4" name="Cube 3">
             <a:extLst>
               <a:ext uri="{FF2B5EF4-FFF2-40B4-BE49-F238E27FC236}">
-                <a16:creationId xmlns:a16="http://schemas.microsoft.com/office/drawing/2014/main" xmlns="" id="{91386F85-D730-BC4D-BFB6-86BD933FCE40}"/>
+                <a16:creationId xmlns="" xmlns:a16="http://schemas.microsoft.com/office/drawing/2014/main" id="{91386F85-D730-BC4D-BFB6-86BD933FCE40}"/>
               </a:ext>
             </a:extLst>
           </p:cNvPr>
@@ -11946,7 +11946,7 @@
           <p:cNvPr id="7" name="Straight Arrow Connector 6">
             <a:extLst>
               <a:ext uri="{FF2B5EF4-FFF2-40B4-BE49-F238E27FC236}">
-                <a16:creationId xmlns:a16="http://schemas.microsoft.com/office/drawing/2014/main" xmlns="" id="{FB5C299A-1052-4746-8710-63FF6CFD409E}"/>
+                <a16:creationId xmlns="" xmlns:a16="http://schemas.microsoft.com/office/drawing/2014/main" id="{FB5C299A-1052-4746-8710-63FF6CFD409E}"/>
               </a:ext>
             </a:extLst>
           </p:cNvPr>
@@ -11992,7 +11992,7 @@
               <p:cNvPr id="16" name="TextBox 15">
                 <a:extLst>
                   <a:ext uri="{FF2B5EF4-FFF2-40B4-BE49-F238E27FC236}">
-                    <a16:creationId xmlns:a16="http://schemas.microsoft.com/office/drawing/2014/main" xmlns="" id="{ADCB2C18-6EAD-5D4A-98EB-E29D64C0FCAF}"/>
+                    <a16:creationId xmlns="" xmlns:a16="http://schemas.microsoft.com/office/drawing/2014/main" id="{ADCB2C18-6EAD-5D4A-98EB-E29D64C0FCAF}"/>
                   </a:ext>
                 </a:extLst>
               </p:cNvPr>
@@ -12105,7 +12105,7 @@
           <p:cNvPr id="25" name="Straight Arrow Connector 24">
             <a:extLst>
               <a:ext uri="{FF2B5EF4-FFF2-40B4-BE49-F238E27FC236}">
-                <a16:creationId xmlns:a16="http://schemas.microsoft.com/office/drawing/2014/main" xmlns="" id="{ED64D3D5-6A3F-5A41-83A7-36085B488607}"/>
+                <a16:creationId xmlns="" xmlns:a16="http://schemas.microsoft.com/office/drawing/2014/main" id="{ED64D3D5-6A3F-5A41-83A7-36085B488607}"/>
               </a:ext>
             </a:extLst>
           </p:cNvPr>
@@ -12151,7 +12151,7 @@
               <p:cNvPr id="27" name="TextBox 26">
                 <a:extLst>
                   <a:ext uri="{FF2B5EF4-FFF2-40B4-BE49-F238E27FC236}">
-                    <a16:creationId xmlns:a16="http://schemas.microsoft.com/office/drawing/2014/main" xmlns="" id="{85C03481-1FBF-DF4E-96C2-CDB1991F1F7B}"/>
+                    <a16:creationId xmlns="" xmlns:a16="http://schemas.microsoft.com/office/drawing/2014/main" id="{85C03481-1FBF-DF4E-96C2-CDB1991F1F7B}"/>
                   </a:ext>
                 </a:extLst>
               </p:cNvPr>
@@ -12264,7 +12264,7 @@
           <p:cNvPr id="28" name="Straight Arrow Connector 27">
             <a:extLst>
               <a:ext uri="{FF2B5EF4-FFF2-40B4-BE49-F238E27FC236}">
-                <a16:creationId xmlns:a16="http://schemas.microsoft.com/office/drawing/2014/main" xmlns="" id="{12070AFC-2402-1041-8B48-36FB0348B700}"/>
+                <a16:creationId xmlns="" xmlns:a16="http://schemas.microsoft.com/office/drawing/2014/main" id="{12070AFC-2402-1041-8B48-36FB0348B700}"/>
               </a:ext>
             </a:extLst>
           </p:cNvPr>
@@ -12310,7 +12310,7 @@
               <p:cNvPr id="36" name="TextBox 35">
                 <a:extLst>
                   <a:ext uri="{FF2B5EF4-FFF2-40B4-BE49-F238E27FC236}">
-                    <a16:creationId xmlns:a16="http://schemas.microsoft.com/office/drawing/2014/main" xmlns="" id="{5FE8FBEA-ADFF-AB40-A54A-449E780BBA65}"/>
+                    <a16:creationId xmlns="" xmlns:a16="http://schemas.microsoft.com/office/drawing/2014/main" id="{5FE8FBEA-ADFF-AB40-A54A-449E780BBA65}"/>
                   </a:ext>
                 </a:extLst>
               </p:cNvPr>
@@ -12423,7 +12423,7 @@
           <p:cNvPr id="40" name="Conector de Seta Reta 30">
             <a:extLst>
               <a:ext uri="{FF2B5EF4-FFF2-40B4-BE49-F238E27FC236}">
-                <a16:creationId xmlns:a16="http://schemas.microsoft.com/office/drawing/2014/main" xmlns="" id="{BA2E9DFA-5E42-7A45-BAAF-990ADF7EA0D3}"/>
+                <a16:creationId xmlns="" xmlns:a16="http://schemas.microsoft.com/office/drawing/2014/main" id="{BA2E9DFA-5E42-7A45-BAAF-990ADF7EA0D3}"/>
               </a:ext>
             </a:extLst>
           </p:cNvPr>
@@ -12467,7 +12467,7 @@
           <p:cNvPr id="41" name="Conector de Seta Reta 31">
             <a:extLst>
               <a:ext uri="{FF2B5EF4-FFF2-40B4-BE49-F238E27FC236}">
-                <a16:creationId xmlns:a16="http://schemas.microsoft.com/office/drawing/2014/main" xmlns="" id="{E89DE250-B42E-074A-9B4B-D32C5B21682A}"/>
+                <a16:creationId xmlns="" xmlns:a16="http://schemas.microsoft.com/office/drawing/2014/main" id="{E89DE250-B42E-074A-9B4B-D32C5B21682A}"/>
               </a:ext>
             </a:extLst>
           </p:cNvPr>
@@ -12511,7 +12511,7 @@
           <p:cNvPr id="42" name="CaixaDeTexto 37">
             <a:extLst>
               <a:ext uri="{FF2B5EF4-FFF2-40B4-BE49-F238E27FC236}">
-                <a16:creationId xmlns:a16="http://schemas.microsoft.com/office/drawing/2014/main" xmlns="" id="{EB1519E0-5286-4349-B80E-C58B3668839D}"/>
+                <a16:creationId xmlns="" xmlns:a16="http://schemas.microsoft.com/office/drawing/2014/main" id="{EB1519E0-5286-4349-B80E-C58B3668839D}"/>
               </a:ext>
             </a:extLst>
           </p:cNvPr>
@@ -12546,7 +12546,7 @@
           <p:cNvPr id="44" name="Conector de Seta Reta 31">
             <a:extLst>
               <a:ext uri="{FF2B5EF4-FFF2-40B4-BE49-F238E27FC236}">
-                <a16:creationId xmlns:a16="http://schemas.microsoft.com/office/drawing/2014/main" xmlns="" id="{498F1A6C-5107-C140-BB57-1B5DC6F026FE}"/>
+                <a16:creationId xmlns="" xmlns:a16="http://schemas.microsoft.com/office/drawing/2014/main" id="{498F1A6C-5107-C140-BB57-1B5DC6F026FE}"/>
               </a:ext>
             </a:extLst>
           </p:cNvPr>
@@ -12590,7 +12590,7 @@
           <p:cNvPr id="45" name="CaixaDeTexto 37">
             <a:extLst>
               <a:ext uri="{FF2B5EF4-FFF2-40B4-BE49-F238E27FC236}">
-                <a16:creationId xmlns:a16="http://schemas.microsoft.com/office/drawing/2014/main" xmlns="" id="{B6B0C0B4-5D95-E046-8F05-DBA56B369AC9}"/>
+                <a16:creationId xmlns="" xmlns:a16="http://schemas.microsoft.com/office/drawing/2014/main" id="{B6B0C0B4-5D95-E046-8F05-DBA56B369AC9}"/>
               </a:ext>
             </a:extLst>
           </p:cNvPr>
@@ -12626,7 +12626,7 @@
           <p:cNvPr id="37" name="Cube 36">
             <a:extLst>
               <a:ext uri="{FF2B5EF4-FFF2-40B4-BE49-F238E27FC236}">
-                <a16:creationId xmlns:a16="http://schemas.microsoft.com/office/drawing/2014/main" xmlns="" id="{678A5E09-5210-8B4F-9C6E-687A6DAE997E}"/>
+                <a16:creationId xmlns="" xmlns:a16="http://schemas.microsoft.com/office/drawing/2014/main" id="{678A5E09-5210-8B4F-9C6E-687A6DAE997E}"/>
               </a:ext>
             </a:extLst>
           </p:cNvPr>
@@ -12678,7 +12678,7 @@
           <p:cNvPr id="54" name="Straight Connector 53">
             <a:extLst>
               <a:ext uri="{FF2B5EF4-FFF2-40B4-BE49-F238E27FC236}">
-                <a16:creationId xmlns:a16="http://schemas.microsoft.com/office/drawing/2014/main" xmlns="" id="{13538F5B-109E-414B-A880-6203A7899206}"/>
+                <a16:creationId xmlns="" xmlns:a16="http://schemas.microsoft.com/office/drawing/2014/main" id="{13538F5B-109E-414B-A880-6203A7899206}"/>
               </a:ext>
             </a:extLst>
           </p:cNvPr>
@@ -12720,7 +12720,7 @@
           <p:cNvPr id="55" name="Straight Connector 54">
             <a:extLst>
               <a:ext uri="{FF2B5EF4-FFF2-40B4-BE49-F238E27FC236}">
-                <a16:creationId xmlns:a16="http://schemas.microsoft.com/office/drawing/2014/main" xmlns="" id="{57FE85EB-0365-8045-A5A8-D95E80529B6A}"/>
+                <a16:creationId xmlns="" xmlns:a16="http://schemas.microsoft.com/office/drawing/2014/main" id="{57FE85EB-0365-8045-A5A8-D95E80529B6A}"/>
               </a:ext>
             </a:extLst>
           </p:cNvPr>
@@ -12764,7 +12764,7 @@
           <p:cNvPr id="59" name="Straight Connector 58">
             <a:extLst>
               <a:ext uri="{FF2B5EF4-FFF2-40B4-BE49-F238E27FC236}">
-                <a16:creationId xmlns:a16="http://schemas.microsoft.com/office/drawing/2014/main" xmlns="" id="{4C50B42D-6F2E-F143-8613-E77625FDA0C2}"/>
+                <a16:creationId xmlns="" xmlns:a16="http://schemas.microsoft.com/office/drawing/2014/main" id="{4C50B42D-6F2E-F143-8613-E77625FDA0C2}"/>
               </a:ext>
             </a:extLst>
           </p:cNvPr>
@@ -12808,7 +12808,7 @@
           <p:cNvPr id="61" name="Straight Arrow Connector 60">
             <a:extLst>
               <a:ext uri="{FF2B5EF4-FFF2-40B4-BE49-F238E27FC236}">
-                <a16:creationId xmlns:a16="http://schemas.microsoft.com/office/drawing/2014/main" xmlns="" id="{CF4E5FA0-002E-E44C-85C4-9D2B890C8F48}"/>
+                <a16:creationId xmlns="" xmlns:a16="http://schemas.microsoft.com/office/drawing/2014/main" id="{CF4E5FA0-002E-E44C-85C4-9D2B890C8F48}"/>
               </a:ext>
             </a:extLst>
           </p:cNvPr>
@@ -12854,7 +12854,7 @@
               <p:cNvPr id="64" name="TextBox 63">
                 <a:extLst>
                   <a:ext uri="{FF2B5EF4-FFF2-40B4-BE49-F238E27FC236}">
-                    <a16:creationId xmlns:a16="http://schemas.microsoft.com/office/drawing/2014/main" xmlns="" id="{D3DDB3F6-3863-8B40-8B0C-765B50556082}"/>
+                    <a16:creationId xmlns="" xmlns:a16="http://schemas.microsoft.com/office/drawing/2014/main" id="{D3DDB3F6-3863-8B40-8B0C-765B50556082}"/>
                   </a:ext>
                 </a:extLst>
               </p:cNvPr>
@@ -13007,7 +13007,7 @@
           <p:cNvPr id="66" name="Straight Arrow Connector 65">
             <a:extLst>
               <a:ext uri="{FF2B5EF4-FFF2-40B4-BE49-F238E27FC236}">
-                <a16:creationId xmlns:a16="http://schemas.microsoft.com/office/drawing/2014/main" xmlns="" id="{754DC28D-02DE-074B-A64E-37E346FFDEAB}"/>
+                <a16:creationId xmlns="" xmlns:a16="http://schemas.microsoft.com/office/drawing/2014/main" id="{754DC28D-02DE-074B-A64E-37E346FFDEAB}"/>
               </a:ext>
             </a:extLst>
           </p:cNvPr>
@@ -13054,7 +13054,7 @@
               <p:cNvPr id="68" name="Rectangle 67">
                 <a:extLst>
                   <a:ext uri="{FF2B5EF4-FFF2-40B4-BE49-F238E27FC236}">
-                    <a16:creationId xmlns:a16="http://schemas.microsoft.com/office/drawing/2014/main" xmlns="" id="{FE8B028E-C93E-E548-AF4F-0A464D80D063}"/>
+                    <a16:creationId xmlns="" xmlns:a16="http://schemas.microsoft.com/office/drawing/2014/main" id="{FE8B028E-C93E-E548-AF4F-0A464D80D063}"/>
                   </a:ext>
                 </a:extLst>
               </p:cNvPr>
@@ -13169,7 +13169,7 @@
           <p:cNvPr id="69" name="Straight Arrow Connector 68">
             <a:extLst>
               <a:ext uri="{FF2B5EF4-FFF2-40B4-BE49-F238E27FC236}">
-                <a16:creationId xmlns:a16="http://schemas.microsoft.com/office/drawing/2014/main" xmlns="" id="{BE0D7074-2E41-6946-A7C8-8B995652278D}"/>
+                <a16:creationId xmlns="" xmlns:a16="http://schemas.microsoft.com/office/drawing/2014/main" id="{BE0D7074-2E41-6946-A7C8-8B995652278D}"/>
               </a:ext>
             </a:extLst>
           </p:cNvPr>
@@ -13215,7 +13215,7 @@
               <p:cNvPr id="71" name="Rectangle 70">
                 <a:extLst>
                   <a:ext uri="{FF2B5EF4-FFF2-40B4-BE49-F238E27FC236}">
-                    <a16:creationId xmlns:a16="http://schemas.microsoft.com/office/drawing/2014/main" xmlns="" id="{40CC5FCB-F480-2645-BAD0-61FA0E7FE5ED}"/>
+                    <a16:creationId xmlns="" xmlns:a16="http://schemas.microsoft.com/office/drawing/2014/main" id="{40CC5FCB-F480-2645-BAD0-61FA0E7FE5ED}"/>
                   </a:ext>
                 </a:extLst>
               </p:cNvPr>
@@ -13381,7 +13381,7 @@
               <p:cNvPr id="72" name="Rectangle 71">
                 <a:extLst>
                   <a:ext uri="{FF2B5EF4-FFF2-40B4-BE49-F238E27FC236}">
-                    <a16:creationId xmlns:a16="http://schemas.microsoft.com/office/drawing/2014/main" xmlns="" id="{23629297-22E7-7441-81D1-749C3AD58B54}"/>
+                    <a16:creationId xmlns="" xmlns:a16="http://schemas.microsoft.com/office/drawing/2014/main" id="{23629297-22E7-7441-81D1-749C3AD58B54}"/>
                   </a:ext>
                 </a:extLst>
               </p:cNvPr>
@@ -13493,7 +13493,7 @@
           <p:cNvPr id="73" name="Straight Arrow Connector 72">
             <a:extLst>
               <a:ext uri="{FF2B5EF4-FFF2-40B4-BE49-F238E27FC236}">
-                <a16:creationId xmlns:a16="http://schemas.microsoft.com/office/drawing/2014/main" xmlns="" id="{46F78AF6-5B3C-564C-8FAE-8D1FD83E19D9}"/>
+                <a16:creationId xmlns="" xmlns:a16="http://schemas.microsoft.com/office/drawing/2014/main" id="{46F78AF6-5B3C-564C-8FAE-8D1FD83E19D9}"/>
               </a:ext>
             </a:extLst>
           </p:cNvPr>
@@ -13538,7 +13538,7 @@
           <p:cNvPr id="74" name="Straight Arrow Connector 73">
             <a:extLst>
               <a:ext uri="{FF2B5EF4-FFF2-40B4-BE49-F238E27FC236}">
-                <a16:creationId xmlns:a16="http://schemas.microsoft.com/office/drawing/2014/main" xmlns="" id="{DE12505A-7235-6448-B5C6-FE671E3F8A22}"/>
+                <a16:creationId xmlns="" xmlns:a16="http://schemas.microsoft.com/office/drawing/2014/main" id="{DE12505A-7235-6448-B5C6-FE671E3F8A22}"/>
               </a:ext>
             </a:extLst>
           </p:cNvPr>
@@ -13584,7 +13584,7 @@
               <p:cNvPr id="75" name="TextBox 74">
                 <a:extLst>
                   <a:ext uri="{FF2B5EF4-FFF2-40B4-BE49-F238E27FC236}">
-                    <a16:creationId xmlns:a16="http://schemas.microsoft.com/office/drawing/2014/main" xmlns="" id="{71F8CD0D-BA76-8E46-9CCA-A28143CAAB39}"/>
+                    <a16:creationId xmlns="" xmlns:a16="http://schemas.microsoft.com/office/drawing/2014/main" id="{71F8CD0D-BA76-8E46-9CCA-A28143CAAB39}"/>
                   </a:ext>
                 </a:extLst>
               </p:cNvPr>
@@ -13743,7 +13743,7 @@
           <p:cNvPr id="83" name="CaixaDeTexto 37">
             <a:extLst>
               <a:ext uri="{FF2B5EF4-FFF2-40B4-BE49-F238E27FC236}">
-                <a16:creationId xmlns:a16="http://schemas.microsoft.com/office/drawing/2014/main" xmlns="" id="{82977875-7FA0-AA40-AFC9-85EBA228660F}"/>
+                <a16:creationId xmlns="" xmlns:a16="http://schemas.microsoft.com/office/drawing/2014/main" id="{82977875-7FA0-AA40-AFC9-85EBA228660F}"/>
               </a:ext>
             </a:extLst>
           </p:cNvPr>
@@ -13778,7 +13778,7 @@
           <p:cNvPr id="84" name="Straight Arrow Connector 83">
             <a:extLst>
               <a:ext uri="{FF2B5EF4-FFF2-40B4-BE49-F238E27FC236}">
-                <a16:creationId xmlns:a16="http://schemas.microsoft.com/office/drawing/2014/main" xmlns="" id="{7B2A7D30-80F5-E04E-AF2E-46549DA5001A}"/>
+                <a16:creationId xmlns="" xmlns:a16="http://schemas.microsoft.com/office/drawing/2014/main" id="{7B2A7D30-80F5-E04E-AF2E-46549DA5001A}"/>
               </a:ext>
             </a:extLst>
           </p:cNvPr>
@@ -13824,7 +13824,7 @@
               <p:cNvPr id="85" name="TextBox 84">
                 <a:extLst>
                   <a:ext uri="{FF2B5EF4-FFF2-40B4-BE49-F238E27FC236}">
-                    <a16:creationId xmlns:a16="http://schemas.microsoft.com/office/drawing/2014/main" xmlns="" id="{9EA20542-1E02-FB4B-8965-FFAFE1DDEE71}"/>
+                    <a16:creationId xmlns="" xmlns:a16="http://schemas.microsoft.com/office/drawing/2014/main" id="{9EA20542-1E02-FB4B-8965-FFAFE1DDEE71}"/>
                   </a:ext>
                 </a:extLst>
               </p:cNvPr>
@@ -13937,7 +13937,7 @@
           <p:cNvPr id="29" name="Group 28">
             <a:extLst>
               <a:ext uri="{FF2B5EF4-FFF2-40B4-BE49-F238E27FC236}">
-                <a16:creationId xmlns:a16="http://schemas.microsoft.com/office/drawing/2014/main" xmlns="" id="{3490477F-763A-4F4D-9169-63E295F28330}"/>
+                <a16:creationId xmlns="" xmlns:a16="http://schemas.microsoft.com/office/drawing/2014/main" id="{3490477F-763A-4F4D-9169-63E295F28330}"/>
               </a:ext>
             </a:extLst>
           </p:cNvPr>
@@ -13957,7 +13957,7 @@
             <p:cNvPr id="2" name="Rectangle 1">
               <a:extLst>
                 <a:ext uri="{FF2B5EF4-FFF2-40B4-BE49-F238E27FC236}">
-                  <a16:creationId xmlns:a16="http://schemas.microsoft.com/office/drawing/2014/main" xmlns="" id="{44D1A702-3EFD-7147-9604-63E809BECA89}"/>
+                  <a16:creationId xmlns="" xmlns:a16="http://schemas.microsoft.com/office/drawing/2014/main" id="{44D1A702-3EFD-7147-9604-63E809BECA89}"/>
                 </a:ext>
               </a:extLst>
             </p:cNvPr>
@@ -14014,7 +14014,7 @@
             <p:cNvPr id="3" name="Freeform 2">
               <a:extLst>
                 <a:ext uri="{FF2B5EF4-FFF2-40B4-BE49-F238E27FC236}">
-                  <a16:creationId xmlns:a16="http://schemas.microsoft.com/office/drawing/2014/main" xmlns="" id="{B8C752B6-8936-584E-9D03-0B78FBF9796E}"/>
+                  <a16:creationId xmlns="" xmlns:a16="http://schemas.microsoft.com/office/drawing/2014/main" id="{B8C752B6-8936-584E-9D03-0B78FBF9796E}"/>
                 </a:ext>
               </a:extLst>
             </p:cNvPr>
@@ -14400,7 +14400,7 @@
             <p:cNvPr id="6" name="Oval 5">
               <a:extLst>
                 <a:ext uri="{FF2B5EF4-FFF2-40B4-BE49-F238E27FC236}">
-                  <a16:creationId xmlns:a16="http://schemas.microsoft.com/office/drawing/2014/main" xmlns="" id="{957036A3-CE44-3948-9771-2A025BF838D5}"/>
+                  <a16:creationId xmlns="" xmlns:a16="http://schemas.microsoft.com/office/drawing/2014/main" id="{957036A3-CE44-3948-9771-2A025BF838D5}"/>
                 </a:ext>
               </a:extLst>
             </p:cNvPr>
@@ -14457,7 +14457,7 @@
             <p:cNvPr id="8" name="Freeform 7">
               <a:extLst>
                 <a:ext uri="{FF2B5EF4-FFF2-40B4-BE49-F238E27FC236}">
-                  <a16:creationId xmlns:a16="http://schemas.microsoft.com/office/drawing/2014/main" xmlns="" id="{B9218790-1900-2742-B907-060A7FD7EF9D}"/>
+                  <a16:creationId xmlns="" xmlns:a16="http://schemas.microsoft.com/office/drawing/2014/main" id="{B9218790-1900-2742-B907-060A7FD7EF9D}"/>
                 </a:ext>
               </a:extLst>
             </p:cNvPr>
@@ -14787,7 +14787,7 @@
             <p:cNvPr id="17" name="Freeform 16">
               <a:extLst>
                 <a:ext uri="{FF2B5EF4-FFF2-40B4-BE49-F238E27FC236}">
-                  <a16:creationId xmlns:a16="http://schemas.microsoft.com/office/drawing/2014/main" xmlns="" id="{983FDBFF-E7D3-4A4D-9B1C-35CBBDDED5F6}"/>
+                  <a16:creationId xmlns="" xmlns:a16="http://schemas.microsoft.com/office/drawing/2014/main" id="{983FDBFF-E7D3-4A4D-9B1C-35CBBDDED5F6}"/>
                 </a:ext>
               </a:extLst>
             </p:cNvPr>
@@ -15175,7 +15175,7 @@
             <p:cNvPr id="18" name="Freeform 17">
               <a:extLst>
                 <a:ext uri="{FF2B5EF4-FFF2-40B4-BE49-F238E27FC236}">
-                  <a16:creationId xmlns:a16="http://schemas.microsoft.com/office/drawing/2014/main" xmlns="" id="{351E04E1-FCD0-664D-A440-E67F5F4D328D}"/>
+                  <a16:creationId xmlns="" xmlns:a16="http://schemas.microsoft.com/office/drawing/2014/main" id="{351E04E1-FCD0-664D-A440-E67F5F4D328D}"/>
                 </a:ext>
               </a:extLst>
             </p:cNvPr>
@@ -15397,7 +15397,7 @@
             <p:cNvPr id="20" name="Freeform 19">
               <a:extLst>
                 <a:ext uri="{FF2B5EF4-FFF2-40B4-BE49-F238E27FC236}">
-                  <a16:creationId xmlns:a16="http://schemas.microsoft.com/office/drawing/2014/main" xmlns="" id="{8DC4F329-D01C-094D-ABC3-C4DA25596C37}"/>
+                  <a16:creationId xmlns="" xmlns:a16="http://schemas.microsoft.com/office/drawing/2014/main" id="{8DC4F329-D01C-094D-ABC3-C4DA25596C37}"/>
                 </a:ext>
               </a:extLst>
             </p:cNvPr>
@@ -15647,7 +15647,7 @@
             <p:cNvPr id="22" name="Freeform 21">
               <a:extLst>
                 <a:ext uri="{FF2B5EF4-FFF2-40B4-BE49-F238E27FC236}">
-                  <a16:creationId xmlns:a16="http://schemas.microsoft.com/office/drawing/2014/main" xmlns="" id="{7E04F2F1-51C6-6A47-91BE-CA28F302B4A9}"/>
+                  <a16:creationId xmlns="" xmlns:a16="http://schemas.microsoft.com/office/drawing/2014/main" id="{7E04F2F1-51C6-6A47-91BE-CA28F302B4A9}"/>
                 </a:ext>
               </a:extLst>
             </p:cNvPr>
@@ -15891,7 +15891,7 @@
             <p:cNvPr id="53" name="Freeform 52">
               <a:extLst>
                 <a:ext uri="{FF2B5EF4-FFF2-40B4-BE49-F238E27FC236}">
-                  <a16:creationId xmlns:a16="http://schemas.microsoft.com/office/drawing/2014/main" xmlns="" id="{0147C010-60C8-9843-8796-B13BD5EB5C78}"/>
+                  <a16:creationId xmlns="" xmlns:a16="http://schemas.microsoft.com/office/drawing/2014/main" id="{0147C010-60C8-9843-8796-B13BD5EB5C78}"/>
                 </a:ext>
               </a:extLst>
             </p:cNvPr>
@@ -16279,7 +16279,7 @@
             <p:cNvPr id="56" name="Freeform 55">
               <a:extLst>
                 <a:ext uri="{FF2B5EF4-FFF2-40B4-BE49-F238E27FC236}">
-                  <a16:creationId xmlns:a16="http://schemas.microsoft.com/office/drawing/2014/main" xmlns="" id="{F0095C1D-22F3-BB4B-B94A-E1418D8828E8}"/>
+                  <a16:creationId xmlns="" xmlns:a16="http://schemas.microsoft.com/office/drawing/2014/main" id="{F0095C1D-22F3-BB4B-B94A-E1418D8828E8}"/>
                 </a:ext>
               </a:extLst>
             </p:cNvPr>
@@ -16665,7 +16665,7 @@
             <p:cNvPr id="57" name="Freeform 56">
               <a:extLst>
                 <a:ext uri="{FF2B5EF4-FFF2-40B4-BE49-F238E27FC236}">
-                  <a16:creationId xmlns:a16="http://schemas.microsoft.com/office/drawing/2014/main" xmlns="" id="{47A790B9-35EB-B644-B261-B2582C621B1A}"/>
+                  <a16:creationId xmlns="" xmlns:a16="http://schemas.microsoft.com/office/drawing/2014/main" id="{47A790B9-35EB-B644-B261-B2582C621B1A}"/>
                 </a:ext>
               </a:extLst>
             </p:cNvPr>
@@ -16915,7 +16915,7 @@
             <p:cNvPr id="58" name="Freeform 57">
               <a:extLst>
                 <a:ext uri="{FF2B5EF4-FFF2-40B4-BE49-F238E27FC236}">
-                  <a16:creationId xmlns:a16="http://schemas.microsoft.com/office/drawing/2014/main" xmlns="" id="{72AB0C17-E2D7-9E4A-8F06-5AA42B43D956}"/>
+                  <a16:creationId xmlns="" xmlns:a16="http://schemas.microsoft.com/office/drawing/2014/main" id="{72AB0C17-E2D7-9E4A-8F06-5AA42B43D956}"/>
                 </a:ext>
               </a:extLst>
             </p:cNvPr>
@@ -17301,7 +17301,7 @@
             <p:cNvPr id="60" name="Freeform 59">
               <a:extLst>
                 <a:ext uri="{FF2B5EF4-FFF2-40B4-BE49-F238E27FC236}">
-                  <a16:creationId xmlns:a16="http://schemas.microsoft.com/office/drawing/2014/main" xmlns="" id="{F8FBCBA5-8772-9141-A68A-733CD1CE40F4}"/>
+                  <a16:creationId xmlns="" xmlns:a16="http://schemas.microsoft.com/office/drawing/2014/main" id="{F8FBCBA5-8772-9141-A68A-733CD1CE40F4}"/>
                 </a:ext>
               </a:extLst>
             </p:cNvPr>
@@ -17687,7 +17687,7 @@
             <p:cNvPr id="62" name="Freeform 61">
               <a:extLst>
                 <a:ext uri="{FF2B5EF4-FFF2-40B4-BE49-F238E27FC236}">
-                  <a16:creationId xmlns:a16="http://schemas.microsoft.com/office/drawing/2014/main" xmlns="" id="{81F5B2E2-D515-5449-8565-69EB2D19B507}"/>
+                  <a16:creationId xmlns="" xmlns:a16="http://schemas.microsoft.com/office/drawing/2014/main" id="{81F5B2E2-D515-5449-8565-69EB2D19B507}"/>
                 </a:ext>
               </a:extLst>
             </p:cNvPr>
@@ -17909,7 +17909,7 @@
             <p:cNvPr id="63" name="Freeform 62">
               <a:extLst>
                 <a:ext uri="{FF2B5EF4-FFF2-40B4-BE49-F238E27FC236}">
-                  <a16:creationId xmlns:a16="http://schemas.microsoft.com/office/drawing/2014/main" xmlns="" id="{86706AD3-955C-8C40-A242-3B2625A36FDC}"/>
+                  <a16:creationId xmlns="" xmlns:a16="http://schemas.microsoft.com/office/drawing/2014/main" id="{86706AD3-955C-8C40-A242-3B2625A36FDC}"/>
                 </a:ext>
               </a:extLst>
             </p:cNvPr>
@@ -18239,7 +18239,7 @@
             <p:cNvPr id="65" name="Freeform 64">
               <a:extLst>
                 <a:ext uri="{FF2B5EF4-FFF2-40B4-BE49-F238E27FC236}">
-                  <a16:creationId xmlns:a16="http://schemas.microsoft.com/office/drawing/2014/main" xmlns="" id="{392ED72B-B593-E94B-8E3A-47A57F4EFA28}"/>
+                  <a16:creationId xmlns="" xmlns:a16="http://schemas.microsoft.com/office/drawing/2014/main" id="{392ED72B-B593-E94B-8E3A-47A57F4EFA28}"/>
                 </a:ext>
               </a:extLst>
             </p:cNvPr>
@@ -18625,7 +18625,7 @@
             <p:cNvPr id="67" name="Freeform 66">
               <a:extLst>
                 <a:ext uri="{FF2B5EF4-FFF2-40B4-BE49-F238E27FC236}">
-                  <a16:creationId xmlns:a16="http://schemas.microsoft.com/office/drawing/2014/main" xmlns="" id="{863BAA95-54EC-6648-A2E4-B92D02F843F9}"/>
+                  <a16:creationId xmlns="" xmlns:a16="http://schemas.microsoft.com/office/drawing/2014/main" id="{863BAA95-54EC-6648-A2E4-B92D02F843F9}"/>
                 </a:ext>
               </a:extLst>
             </p:cNvPr>
@@ -18847,7 +18847,7 @@
             <p:cNvPr id="70" name="Straight Arrow Connector 69">
               <a:extLst>
                 <a:ext uri="{FF2B5EF4-FFF2-40B4-BE49-F238E27FC236}">
-                  <a16:creationId xmlns:a16="http://schemas.microsoft.com/office/drawing/2014/main" xmlns="" id="{37CB2550-0B63-614F-A657-CA0C3BAD55B1}"/>
+                  <a16:creationId xmlns="" xmlns:a16="http://schemas.microsoft.com/office/drawing/2014/main" id="{37CB2550-0B63-614F-A657-CA0C3BAD55B1}"/>
                 </a:ext>
               </a:extLst>
             </p:cNvPr>
@@ -18893,7 +18893,7 @@
                 <p:cNvPr id="76" name="TextBox 75">
                   <a:extLst>
                     <a:ext uri="{FF2B5EF4-FFF2-40B4-BE49-F238E27FC236}">
-                      <a16:creationId xmlns:a16="http://schemas.microsoft.com/office/drawing/2014/main" xmlns="" id="{9855CA9B-1AE1-6F48-B19D-C1DCCFD013A6}"/>
+                      <a16:creationId xmlns="" xmlns:a16="http://schemas.microsoft.com/office/drawing/2014/main" id="{9855CA9B-1AE1-6F48-B19D-C1DCCFD013A6}"/>
                     </a:ext>
                   </a:extLst>
                 </p:cNvPr>
@@ -19006,7 +19006,7 @@
             <p:cNvPr id="79" name="Straight Arrow Connector 78">
               <a:extLst>
                 <a:ext uri="{FF2B5EF4-FFF2-40B4-BE49-F238E27FC236}">
-                  <a16:creationId xmlns:a16="http://schemas.microsoft.com/office/drawing/2014/main" xmlns="" id="{55665669-207C-A24A-BA6F-7BBB58EA34B9}"/>
+                  <a16:creationId xmlns="" xmlns:a16="http://schemas.microsoft.com/office/drawing/2014/main" id="{55665669-207C-A24A-BA6F-7BBB58EA34B9}"/>
                 </a:ext>
               </a:extLst>
             </p:cNvPr>
@@ -19052,7 +19052,7 @@
                 <p:cNvPr id="80" name="TextBox 79">
                   <a:extLst>
                     <a:ext uri="{FF2B5EF4-FFF2-40B4-BE49-F238E27FC236}">
-                      <a16:creationId xmlns:a16="http://schemas.microsoft.com/office/drawing/2014/main" xmlns="" id="{34A6CB74-D772-554F-8A10-ABD6AFE1BFFE}"/>
+                      <a16:creationId xmlns="" xmlns:a16="http://schemas.microsoft.com/office/drawing/2014/main" id="{34A6CB74-D772-554F-8A10-ABD6AFE1BFFE}"/>
                     </a:ext>
                   </a:extLst>
                 </p:cNvPr>
@@ -19165,7 +19165,7 @@
             <p:cNvPr id="81" name="Straight Arrow Connector 80">
               <a:extLst>
                 <a:ext uri="{FF2B5EF4-FFF2-40B4-BE49-F238E27FC236}">
-                  <a16:creationId xmlns:a16="http://schemas.microsoft.com/office/drawing/2014/main" xmlns="" id="{FDFE2E75-8803-D645-962C-55BE74228762}"/>
+                  <a16:creationId xmlns="" xmlns:a16="http://schemas.microsoft.com/office/drawing/2014/main" id="{FDFE2E75-8803-D645-962C-55BE74228762}"/>
                 </a:ext>
               </a:extLst>
             </p:cNvPr>
@@ -19209,7 +19209,7 @@
             <p:cNvPr id="86" name="Straight Arrow Connector 85">
               <a:extLst>
                 <a:ext uri="{FF2B5EF4-FFF2-40B4-BE49-F238E27FC236}">
-                  <a16:creationId xmlns:a16="http://schemas.microsoft.com/office/drawing/2014/main" xmlns="" id="{93DD0A17-02BB-484C-A585-78064B5351E9}"/>
+                  <a16:creationId xmlns="" xmlns:a16="http://schemas.microsoft.com/office/drawing/2014/main" id="{93DD0A17-02BB-484C-A585-78064B5351E9}"/>
                 </a:ext>
               </a:extLst>
             </p:cNvPr>
@@ -19255,7 +19255,7 @@
                 <p:cNvPr id="87" name="TextBox 86">
                   <a:extLst>
                     <a:ext uri="{FF2B5EF4-FFF2-40B4-BE49-F238E27FC236}">
-                      <a16:creationId xmlns:a16="http://schemas.microsoft.com/office/drawing/2014/main" xmlns="" id="{99094E6F-4903-FA41-A682-767C00BC8280}"/>
+                      <a16:creationId xmlns="" xmlns:a16="http://schemas.microsoft.com/office/drawing/2014/main" id="{99094E6F-4903-FA41-A682-767C00BC8280}"/>
                     </a:ext>
                   </a:extLst>
                 </p:cNvPr>
@@ -19370,7 +19370,7 @@
                 <p:cNvPr id="88" name="TextBox 87">
                   <a:extLst>
                     <a:ext uri="{FF2B5EF4-FFF2-40B4-BE49-F238E27FC236}">
-                      <a16:creationId xmlns:a16="http://schemas.microsoft.com/office/drawing/2014/main" xmlns="" id="{CA81FD42-A571-FD45-A4BD-D662E0F8144C}"/>
+                      <a16:creationId xmlns="" xmlns:a16="http://schemas.microsoft.com/office/drawing/2014/main" id="{CA81FD42-A571-FD45-A4BD-D662E0F8144C}"/>
                     </a:ext>
                   </a:extLst>
                 </p:cNvPr>
@@ -19514,7 +19514,7 @@
           <p:cNvPr id="4" name="Picture 3">
             <a:extLst>
               <a:ext uri="{FF2B5EF4-FFF2-40B4-BE49-F238E27FC236}">
-                <a16:creationId xmlns:a16="http://schemas.microsoft.com/office/drawing/2014/main" xmlns="" id="{1F46FB23-65FB-9049-9C50-43B5B6AD9EA8}"/>
+                <a16:creationId xmlns="" xmlns:a16="http://schemas.microsoft.com/office/drawing/2014/main" id="{1F46FB23-65FB-9049-9C50-43B5B6AD9EA8}"/>
               </a:ext>
             </a:extLst>
           </p:cNvPr>
@@ -19544,7 +19544,7 @@
           <p:cNvPr id="6" name="Straight Connector 5">
             <a:extLst>
               <a:ext uri="{FF2B5EF4-FFF2-40B4-BE49-F238E27FC236}">
-                <a16:creationId xmlns:a16="http://schemas.microsoft.com/office/drawing/2014/main" xmlns="" id="{3E621B72-9657-FE4E-9C41-001E2A069FE3}"/>
+                <a16:creationId xmlns="" xmlns:a16="http://schemas.microsoft.com/office/drawing/2014/main" id="{3E621B72-9657-FE4E-9C41-001E2A069FE3}"/>
               </a:ext>
             </a:extLst>
           </p:cNvPr>
@@ -21111,8 +21111,8 @@
             </a:p>
           </p:txBody>
         </p:sp>
-        <mc:AlternateContent xmlns:mc="http://schemas.openxmlformats.org/markup-compatibility/2006" xmlns:a14="http://schemas.microsoft.com/office/drawing/2010/main">
-          <mc:Choice Requires="a14">
+        <mc:AlternateContent xmlns:mc="http://schemas.openxmlformats.org/markup-compatibility/2006">
+          <mc:Choice xmlns:a14="http://schemas.microsoft.com/office/drawing/2010/main" Requires="a14">
             <p:sp>
               <p:nvSpPr>
                 <p:cNvPr id="71" name="CaixaDeTexto 70"/>
@@ -21122,7 +21122,7 @@
               <p:spPr>
                 <a:xfrm>
                   <a:off x="5623451" y="5223391"/>
-                  <a:ext cx="1025220" cy="281744"/>
+                  <a:ext cx="1025220" cy="306431"/>
                 </a:xfrm>
                 <a:prstGeom prst="rect">
                   <a:avLst/>
@@ -21165,24 +21165,40 @@
                             </m:r>
                           </m:e>
                           <m:sub>
-                            <m:r>
-                              <a:rPr lang="pt-BR" b="0" i="1" smtClean="0">
-                                <a:solidFill>
-                                  <a:srgbClr val="00B050"/>
-                                </a:solidFill>
-                                <a:latin typeface="Cambria Math" panose="02040503050406030204" pitchFamily="18" charset="0"/>
-                              </a:rPr>
-                              <m:t>𝑒</m:t>
-                            </m:r>
-                            <m:r>
-                              <a:rPr lang="pt-BR" b="0" i="1" smtClean="0">
-                                <a:solidFill>
-                                  <a:srgbClr val="00B050"/>
-                                </a:solidFill>
-                                <a:latin typeface="Cambria Math" panose="02040503050406030204" pitchFamily="18" charset="0"/>
-                              </a:rPr>
-                              <m:t>1</m:t>
-                            </m:r>
+                            <m:sSub>
+                              <m:sSubPr>
+                                <m:ctrlPr>
+                                  <a:rPr lang="pt-BR" b="0" i="1" smtClean="0">
+                                    <a:solidFill>
+                                      <a:srgbClr val="00B050"/>
+                                    </a:solidFill>
+                                    <a:latin typeface="Cambria Math" panose="02040503050406030204" pitchFamily="18" charset="0"/>
+                                  </a:rPr>
+                                </m:ctrlPr>
+                              </m:sSubPr>
+                              <m:e>
+                                <m:r>
+                                  <a:rPr lang="pt-BR" b="0" i="1" smtClean="0">
+                                    <a:solidFill>
+                                      <a:srgbClr val="00B050"/>
+                                    </a:solidFill>
+                                    <a:latin typeface="Cambria Math" panose="02040503050406030204" pitchFamily="18" charset="0"/>
+                                  </a:rPr>
+                                  <m:t>𝑒</m:t>
+                                </m:r>
+                              </m:e>
+                              <m:sub>
+                                <m:r>
+                                  <a:rPr lang="pt-BR" b="0" i="1" smtClean="0">
+                                    <a:solidFill>
+                                      <a:srgbClr val="00B050"/>
+                                    </a:solidFill>
+                                    <a:latin typeface="Cambria Math" panose="02040503050406030204" pitchFamily="18" charset="0"/>
+                                  </a:rPr>
+                                  <m:t>1</m:t>
+                                </m:r>
+                              </m:sub>
+                            </m:sSub>
                           </m:sub>
                           <m:sup>
                             <m:r>
@@ -21228,24 +21244,40 @@
                             </m:r>
                           </m:e>
                           <m:sub>
-                            <m:r>
-                              <a:rPr lang="pt-BR" i="1">
-                                <a:solidFill>
-                                  <a:srgbClr val="FF0000"/>
-                                </a:solidFill>
-                                <a:latin typeface="Cambria Math" panose="02040503050406030204" pitchFamily="18" charset="0"/>
-                              </a:rPr>
-                              <m:t>𝑒</m:t>
-                            </m:r>
-                            <m:r>
-                              <a:rPr lang="pt-BR" i="1">
-                                <a:solidFill>
-                                  <a:srgbClr val="FF0000"/>
-                                </a:solidFill>
-                                <a:latin typeface="Cambria Math" panose="02040503050406030204" pitchFamily="18" charset="0"/>
-                              </a:rPr>
-                              <m:t>2</m:t>
-                            </m:r>
+                            <m:sSub>
+                              <m:sSubPr>
+                                <m:ctrlPr>
+                                  <a:rPr lang="pt-BR" b="0" i="1" smtClean="0">
+                                    <a:solidFill>
+                                      <a:srgbClr val="FF0000"/>
+                                    </a:solidFill>
+                                    <a:latin typeface="Cambria Math" panose="02040503050406030204" pitchFamily="18" charset="0"/>
+                                  </a:rPr>
+                                </m:ctrlPr>
+                              </m:sSubPr>
+                              <m:e>
+                                <m:r>
+                                  <a:rPr lang="pt-BR" i="1">
+                                    <a:solidFill>
+                                      <a:srgbClr val="FF0000"/>
+                                    </a:solidFill>
+                                    <a:latin typeface="Cambria Math" panose="02040503050406030204" pitchFamily="18" charset="0"/>
+                                  </a:rPr>
+                                  <m:t>𝑒</m:t>
+                                </m:r>
+                              </m:e>
+                              <m:sub>
+                                <m:r>
+                                  <a:rPr lang="pt-BR" b="0" i="1" smtClean="0">
+                                    <a:solidFill>
+                                      <a:srgbClr val="FF0000"/>
+                                    </a:solidFill>
+                                    <a:latin typeface="Cambria Math" panose="02040503050406030204" pitchFamily="18" charset="0"/>
+                                  </a:rPr>
+                                  <m:t>2</m:t>
+                                </m:r>
+                              </m:sub>
+                            </m:sSub>
                           </m:sub>
                           <m:sup>
                             <m:r>
@@ -21271,7 +21303,7 @@
               </p:txBody>
             </p:sp>
           </mc:Choice>
-          <mc:Fallback xmlns="">
+          <mc:Fallback>
             <p:sp>
               <p:nvSpPr>
                 <p:cNvPr id="71" name="CaixaDeTexto 70"/>
@@ -21283,7 +21315,7 @@
               <p:spPr>
                 <a:xfrm>
                   <a:off x="5623451" y="5223391"/>
-                  <a:ext cx="1025220" cy="281744"/>
+                  <a:ext cx="1025220" cy="306431"/>
                 </a:xfrm>
                 <a:prstGeom prst="rect">
                   <a:avLst/>
@@ -21291,7 +21323,7 @@
                 <a:blipFill rotWithShape="0">
                   <a:blip r:embed="rId6"/>
                   <a:stretch>
-                    <a:fillRect t="-2174" b="-17391"/>
+                    <a:fillRect b="-16000"/>
                   </a:stretch>
                 </a:blipFill>
               </p:spPr>
@@ -21555,8 +21587,8 @@
             </a:fontRef>
           </p:style>
         </p:cxnSp>
-        <mc:AlternateContent xmlns:mc="http://schemas.openxmlformats.org/markup-compatibility/2006" xmlns:a14="http://schemas.microsoft.com/office/drawing/2010/main">
-          <mc:Choice Requires="a14">
+        <mc:AlternateContent xmlns:mc="http://schemas.openxmlformats.org/markup-compatibility/2006">
+          <mc:Choice xmlns:a14="http://schemas.microsoft.com/office/drawing/2010/main" Requires="a14">
             <p:sp>
               <p:nvSpPr>
                 <p:cNvPr id="79" name="CaixaDeTexto 78"/>
@@ -21566,7 +21598,7 @@
               <p:spPr>
                 <a:xfrm>
                   <a:off x="8579295" y="4872445"/>
-                  <a:ext cx="1025220" cy="281744"/>
+                  <a:ext cx="1025220" cy="311496"/>
                 </a:xfrm>
                 <a:prstGeom prst="rect">
                   <a:avLst/>
@@ -21609,24 +21641,40 @@
                             </m:r>
                           </m:e>
                           <m:sub>
-                            <m:r>
-                              <a:rPr lang="pt-BR" b="0" i="1" smtClean="0">
-                                <a:solidFill>
-                                  <a:srgbClr val="00B050"/>
-                                </a:solidFill>
-                                <a:latin typeface="Cambria Math" panose="02040503050406030204" pitchFamily="18" charset="0"/>
-                              </a:rPr>
-                              <m:t>𝑒</m:t>
-                            </m:r>
-                            <m:r>
-                              <a:rPr lang="pt-BR" b="0" i="1" smtClean="0">
-                                <a:solidFill>
-                                  <a:srgbClr val="00B050"/>
-                                </a:solidFill>
-                                <a:latin typeface="Cambria Math" panose="02040503050406030204" pitchFamily="18" charset="0"/>
-                              </a:rPr>
-                              <m:t>3</m:t>
-                            </m:r>
+                            <m:sSub>
+                              <m:sSubPr>
+                                <m:ctrlPr>
+                                  <a:rPr lang="pt-BR" b="0" i="1" smtClean="0">
+                                    <a:solidFill>
+                                      <a:srgbClr val="00B050"/>
+                                    </a:solidFill>
+                                    <a:latin typeface="Cambria Math" panose="02040503050406030204" pitchFamily="18" charset="0"/>
+                                  </a:rPr>
+                                </m:ctrlPr>
+                              </m:sSubPr>
+                              <m:e>
+                                <m:r>
+                                  <a:rPr lang="pt-BR" b="0" i="1" smtClean="0">
+                                    <a:solidFill>
+                                      <a:srgbClr val="00B050"/>
+                                    </a:solidFill>
+                                    <a:latin typeface="Cambria Math" panose="02040503050406030204" pitchFamily="18" charset="0"/>
+                                  </a:rPr>
+                                  <m:t>𝑒</m:t>
+                                </m:r>
+                              </m:e>
+                              <m:sub>
+                                <m:r>
+                                  <a:rPr lang="pt-BR" b="0" i="1" smtClean="0">
+                                    <a:solidFill>
+                                      <a:srgbClr val="00B050"/>
+                                    </a:solidFill>
+                                    <a:latin typeface="Cambria Math" panose="02040503050406030204" pitchFamily="18" charset="0"/>
+                                  </a:rPr>
+                                  <m:t>3</m:t>
+                                </m:r>
+                              </m:sub>
+                            </m:sSub>
                           </m:sub>
                           <m:sup>
                             <m:r>
@@ -21672,24 +21720,40 @@
                             </m:r>
                           </m:e>
                           <m:sub>
-                            <m:r>
-                              <a:rPr lang="pt-BR" i="1">
-                                <a:solidFill>
-                                  <a:srgbClr val="FF0000"/>
-                                </a:solidFill>
-                                <a:latin typeface="Cambria Math" panose="02040503050406030204" pitchFamily="18" charset="0"/>
-                              </a:rPr>
-                              <m:t>𝑒</m:t>
-                            </m:r>
-                            <m:r>
-                              <a:rPr lang="pt-BR" b="0" i="1" smtClean="0">
-                                <a:solidFill>
-                                  <a:srgbClr val="FF0000"/>
-                                </a:solidFill>
-                                <a:latin typeface="Cambria Math" panose="02040503050406030204" pitchFamily="18" charset="0"/>
-                              </a:rPr>
-                              <m:t>4</m:t>
-                            </m:r>
+                            <m:sSub>
+                              <m:sSubPr>
+                                <m:ctrlPr>
+                                  <a:rPr lang="pt-BR" b="0" i="1" smtClean="0">
+                                    <a:solidFill>
+                                      <a:srgbClr val="FF0000"/>
+                                    </a:solidFill>
+                                    <a:latin typeface="Cambria Math" panose="02040503050406030204" pitchFamily="18" charset="0"/>
+                                  </a:rPr>
+                                </m:ctrlPr>
+                              </m:sSubPr>
+                              <m:e>
+                                <m:r>
+                                  <a:rPr lang="pt-BR" i="1">
+                                    <a:solidFill>
+                                      <a:srgbClr val="FF0000"/>
+                                    </a:solidFill>
+                                    <a:latin typeface="Cambria Math" panose="02040503050406030204" pitchFamily="18" charset="0"/>
+                                  </a:rPr>
+                                  <m:t>𝑒</m:t>
+                                </m:r>
+                              </m:e>
+                              <m:sub>
+                                <m:r>
+                                  <a:rPr lang="pt-BR" b="0" i="1" smtClean="0">
+                                    <a:solidFill>
+                                      <a:srgbClr val="FF0000"/>
+                                    </a:solidFill>
+                                    <a:latin typeface="Cambria Math" panose="02040503050406030204" pitchFamily="18" charset="0"/>
+                                  </a:rPr>
+                                  <m:t>4</m:t>
+                                </m:r>
+                              </m:sub>
+                            </m:sSub>
                           </m:sub>
                           <m:sup>
                             <m:r>
@@ -21715,7 +21779,7 @@
               </p:txBody>
             </p:sp>
           </mc:Choice>
-          <mc:Fallback xmlns="">
+          <mc:Fallback>
             <p:sp>
               <p:nvSpPr>
                 <p:cNvPr id="79" name="CaixaDeTexto 78"/>
@@ -21727,7 +21791,7 @@
               <p:spPr>
                 <a:xfrm>
                   <a:off x="8579295" y="4872445"/>
-                  <a:ext cx="1025220" cy="281744"/>
+                  <a:ext cx="1025220" cy="311496"/>
                 </a:xfrm>
                 <a:prstGeom prst="rect">
                   <a:avLst/>
@@ -21735,7 +21799,7 @@
                 <a:blipFill rotWithShape="0">
                   <a:blip r:embed="rId7"/>
                   <a:stretch>
-                    <a:fillRect t="-2128" b="-17021"/>
+                    <a:fillRect b="-13725"/>
                   </a:stretch>
                 </a:blipFill>
               </p:spPr>
@@ -21754,8 +21818,8 @@
             </p:sp>
           </mc:Fallback>
         </mc:AlternateContent>
-        <mc:AlternateContent xmlns:mc="http://schemas.openxmlformats.org/markup-compatibility/2006" xmlns:a14="http://schemas.microsoft.com/office/drawing/2010/main">
-          <mc:Choice Requires="a14">
+        <mc:AlternateContent xmlns:mc="http://schemas.openxmlformats.org/markup-compatibility/2006">
+          <mc:Choice xmlns:a14="http://schemas.microsoft.com/office/drawing/2010/main" Requires="a14">
             <p:sp>
               <p:nvSpPr>
                 <p:cNvPr id="80" name="CaixaDeTexto 79"/>
@@ -21765,7 +21829,7 @@
               <p:spPr>
                 <a:xfrm>
                   <a:off x="6866621" y="2770712"/>
-                  <a:ext cx="1025220" cy="286489"/>
+                  <a:ext cx="1025220" cy="312330"/>
                 </a:xfrm>
                 <a:prstGeom prst="rect">
                   <a:avLst/>
@@ -21808,24 +21872,40 @@
                             </m:r>
                           </m:e>
                           <m:sub>
-                            <m:r>
-                              <a:rPr lang="pt-BR" b="0" i="1" smtClean="0">
-                                <a:solidFill>
-                                  <a:srgbClr val="00B050"/>
-                                </a:solidFill>
-                                <a:latin typeface="Cambria Math" panose="02040503050406030204" pitchFamily="18" charset="0"/>
-                              </a:rPr>
-                              <m:t>𝑒</m:t>
-                            </m:r>
-                            <m:r>
-                              <a:rPr lang="pt-BR" b="0" i="1" smtClean="0">
-                                <a:solidFill>
-                                  <a:srgbClr val="00B050"/>
-                                </a:solidFill>
-                                <a:latin typeface="Cambria Math" panose="02040503050406030204" pitchFamily="18" charset="0"/>
-                              </a:rPr>
-                              <m:t>5</m:t>
-                            </m:r>
+                            <m:sSub>
+                              <m:sSubPr>
+                                <m:ctrlPr>
+                                  <a:rPr lang="pt-BR" b="0" i="1" smtClean="0">
+                                    <a:solidFill>
+                                      <a:srgbClr val="00B050"/>
+                                    </a:solidFill>
+                                    <a:latin typeface="Cambria Math" panose="02040503050406030204" pitchFamily="18" charset="0"/>
+                                  </a:rPr>
+                                </m:ctrlPr>
+                              </m:sSubPr>
+                              <m:e>
+                                <m:r>
+                                  <a:rPr lang="pt-BR" b="0" i="1" smtClean="0">
+                                    <a:solidFill>
+                                      <a:srgbClr val="00B050"/>
+                                    </a:solidFill>
+                                    <a:latin typeface="Cambria Math" panose="02040503050406030204" pitchFamily="18" charset="0"/>
+                                  </a:rPr>
+                                  <m:t>𝑒</m:t>
+                                </m:r>
+                              </m:e>
+                              <m:sub>
+                                <m:r>
+                                  <a:rPr lang="pt-BR" b="0" i="1" smtClean="0">
+                                    <a:solidFill>
+                                      <a:srgbClr val="00B050"/>
+                                    </a:solidFill>
+                                    <a:latin typeface="Cambria Math" panose="02040503050406030204" pitchFamily="18" charset="0"/>
+                                  </a:rPr>
+                                  <m:t>5</m:t>
+                                </m:r>
+                              </m:sub>
+                            </m:sSub>
                           </m:sub>
                           <m:sup>
                             <m:r>
@@ -21871,24 +21951,40 @@
                             </m:r>
                           </m:e>
                           <m:sub>
-                            <m:r>
-                              <a:rPr lang="pt-BR" i="1">
-                                <a:solidFill>
-                                  <a:srgbClr val="FF0000"/>
-                                </a:solidFill>
-                                <a:latin typeface="Cambria Math" panose="02040503050406030204" pitchFamily="18" charset="0"/>
-                              </a:rPr>
-                              <m:t>𝑒</m:t>
-                            </m:r>
-                            <m:r>
-                              <a:rPr lang="pt-BR" b="0" i="1" smtClean="0">
-                                <a:solidFill>
-                                  <a:srgbClr val="FF0000"/>
-                                </a:solidFill>
-                                <a:latin typeface="Cambria Math" panose="02040503050406030204" pitchFamily="18" charset="0"/>
-                              </a:rPr>
-                              <m:t>6</m:t>
-                            </m:r>
+                            <m:sSub>
+                              <m:sSubPr>
+                                <m:ctrlPr>
+                                  <a:rPr lang="pt-BR" b="0" i="1" smtClean="0">
+                                    <a:solidFill>
+                                      <a:srgbClr val="FF0000"/>
+                                    </a:solidFill>
+                                    <a:latin typeface="Cambria Math" panose="02040503050406030204" pitchFamily="18" charset="0"/>
+                                  </a:rPr>
+                                </m:ctrlPr>
+                              </m:sSubPr>
+                              <m:e>
+                                <m:r>
+                                  <a:rPr lang="pt-BR" i="1">
+                                    <a:solidFill>
+                                      <a:srgbClr val="FF0000"/>
+                                    </a:solidFill>
+                                    <a:latin typeface="Cambria Math" panose="02040503050406030204" pitchFamily="18" charset="0"/>
+                                  </a:rPr>
+                                  <m:t>𝑒</m:t>
+                                </m:r>
+                              </m:e>
+                              <m:sub>
+                                <m:r>
+                                  <a:rPr lang="pt-BR" b="0" i="1" smtClean="0">
+                                    <a:solidFill>
+                                      <a:srgbClr val="FF0000"/>
+                                    </a:solidFill>
+                                    <a:latin typeface="Cambria Math" panose="02040503050406030204" pitchFamily="18" charset="0"/>
+                                  </a:rPr>
+                                  <m:t>6</m:t>
+                                </m:r>
+                              </m:sub>
+                            </m:sSub>
                           </m:sub>
                           <m:sup>
                             <m:r>
@@ -21914,7 +22010,7 @@
               </p:txBody>
             </p:sp>
           </mc:Choice>
-          <mc:Fallback xmlns="">
+          <mc:Fallback>
             <p:sp>
               <p:nvSpPr>
                 <p:cNvPr id="80" name="CaixaDeTexto 79"/>
@@ -21926,7 +22022,7 @@
               <p:spPr>
                 <a:xfrm>
                   <a:off x="6866621" y="2770712"/>
-                  <a:ext cx="1025220" cy="286489"/>
+                  <a:ext cx="1025220" cy="312330"/>
                 </a:xfrm>
                 <a:prstGeom prst="rect">
                   <a:avLst/>
@@ -21934,7 +22030,7 @@
                 <a:blipFill rotWithShape="0">
                   <a:blip r:embed="rId8"/>
                   <a:stretch>
-                    <a:fillRect t="-2128" b="-19149"/>
+                    <a:fillRect b="-13725"/>
                   </a:stretch>
                 </a:blipFill>
               </p:spPr>
@@ -21953,8 +22049,8 @@
             </p:sp>
           </mc:Fallback>
         </mc:AlternateContent>
-        <mc:AlternateContent xmlns:mc="http://schemas.openxmlformats.org/markup-compatibility/2006" xmlns:a14="http://schemas.microsoft.com/office/drawing/2010/main">
-          <mc:Choice Requires="a14">
+        <mc:AlternateContent xmlns:mc="http://schemas.openxmlformats.org/markup-compatibility/2006">
+          <mc:Choice xmlns:a14="http://schemas.microsoft.com/office/drawing/2010/main" Requires="a14">
             <p:sp>
               <p:nvSpPr>
                 <p:cNvPr id="81" name="CaixaDeTexto 80"/>
@@ -21964,7 +22060,7 @@
               <p:spPr>
                 <a:xfrm>
                   <a:off x="5129584" y="3114561"/>
-                  <a:ext cx="1025220" cy="281744"/>
+                  <a:ext cx="1025220" cy="308226"/>
                 </a:xfrm>
                 <a:prstGeom prst="rect">
                   <a:avLst/>
@@ -22007,24 +22103,40 @@
                             </m:r>
                           </m:e>
                           <m:sub>
-                            <m:r>
-                              <a:rPr lang="pt-BR" b="0" i="1" smtClean="0">
-                                <a:solidFill>
-                                  <a:srgbClr val="00B050"/>
-                                </a:solidFill>
-                                <a:latin typeface="Cambria Math" panose="02040503050406030204" pitchFamily="18" charset="0"/>
-                              </a:rPr>
-                              <m:t>𝑒</m:t>
-                            </m:r>
-                            <m:r>
-                              <a:rPr lang="pt-BR" b="0" i="1" smtClean="0">
-                                <a:solidFill>
-                                  <a:srgbClr val="00B050"/>
-                                </a:solidFill>
-                                <a:latin typeface="Cambria Math" panose="02040503050406030204" pitchFamily="18" charset="0"/>
-                              </a:rPr>
-                              <m:t>7</m:t>
-                            </m:r>
+                            <m:sSub>
+                              <m:sSubPr>
+                                <m:ctrlPr>
+                                  <a:rPr lang="pt-BR" b="0" i="1" smtClean="0">
+                                    <a:solidFill>
+                                      <a:srgbClr val="00B050"/>
+                                    </a:solidFill>
+                                    <a:latin typeface="Cambria Math" panose="02040503050406030204" pitchFamily="18" charset="0"/>
+                                  </a:rPr>
+                                </m:ctrlPr>
+                              </m:sSubPr>
+                              <m:e>
+                                <m:r>
+                                  <a:rPr lang="pt-BR" b="0" i="1" smtClean="0">
+                                    <a:solidFill>
+                                      <a:srgbClr val="00B050"/>
+                                    </a:solidFill>
+                                    <a:latin typeface="Cambria Math" panose="02040503050406030204" pitchFamily="18" charset="0"/>
+                                  </a:rPr>
+                                  <m:t>𝑒</m:t>
+                                </m:r>
+                              </m:e>
+                              <m:sub>
+                                <m:r>
+                                  <a:rPr lang="pt-BR" b="0" i="1" smtClean="0">
+                                    <a:solidFill>
+                                      <a:srgbClr val="00B050"/>
+                                    </a:solidFill>
+                                    <a:latin typeface="Cambria Math" panose="02040503050406030204" pitchFamily="18" charset="0"/>
+                                  </a:rPr>
+                                  <m:t>7</m:t>
+                                </m:r>
+                              </m:sub>
+                            </m:sSub>
                           </m:sub>
                           <m:sup>
                             <m:r>
@@ -22070,24 +22182,40 @@
                             </m:r>
                           </m:e>
                           <m:sub>
-                            <m:r>
-                              <a:rPr lang="pt-BR" i="1">
-                                <a:solidFill>
-                                  <a:srgbClr val="FF0000"/>
-                                </a:solidFill>
-                                <a:latin typeface="Cambria Math" panose="02040503050406030204" pitchFamily="18" charset="0"/>
-                              </a:rPr>
-                              <m:t>𝑒</m:t>
-                            </m:r>
-                            <m:r>
-                              <a:rPr lang="pt-BR" b="0" i="1" smtClean="0">
-                                <a:solidFill>
-                                  <a:srgbClr val="FF0000"/>
-                                </a:solidFill>
-                                <a:latin typeface="Cambria Math" panose="02040503050406030204" pitchFamily="18" charset="0"/>
-                              </a:rPr>
-                              <m:t>8</m:t>
-                            </m:r>
+                            <m:sSub>
+                              <m:sSubPr>
+                                <m:ctrlPr>
+                                  <a:rPr lang="pt-BR" b="0" i="1" smtClean="0">
+                                    <a:solidFill>
+                                      <a:srgbClr val="FF0000"/>
+                                    </a:solidFill>
+                                    <a:latin typeface="Cambria Math" panose="02040503050406030204" pitchFamily="18" charset="0"/>
+                                  </a:rPr>
+                                </m:ctrlPr>
+                              </m:sSubPr>
+                              <m:e>
+                                <m:r>
+                                  <a:rPr lang="pt-BR" i="1">
+                                    <a:solidFill>
+                                      <a:srgbClr val="FF0000"/>
+                                    </a:solidFill>
+                                    <a:latin typeface="Cambria Math" panose="02040503050406030204" pitchFamily="18" charset="0"/>
+                                  </a:rPr>
+                                  <m:t>𝑒</m:t>
+                                </m:r>
+                              </m:e>
+                              <m:sub>
+                                <m:r>
+                                  <a:rPr lang="pt-BR" b="0" i="1" smtClean="0">
+                                    <a:solidFill>
+                                      <a:srgbClr val="FF0000"/>
+                                    </a:solidFill>
+                                    <a:latin typeface="Cambria Math" panose="02040503050406030204" pitchFamily="18" charset="0"/>
+                                  </a:rPr>
+                                  <m:t>8</m:t>
+                                </m:r>
+                              </m:sub>
+                            </m:sSub>
                           </m:sub>
                           <m:sup>
                             <m:r>
@@ -22113,7 +22241,7 @@
               </p:txBody>
             </p:sp>
           </mc:Choice>
-          <mc:Fallback xmlns="">
+          <mc:Fallback>
             <p:sp>
               <p:nvSpPr>
                 <p:cNvPr id="81" name="CaixaDeTexto 80"/>
@@ -22125,7 +22253,7 @@
               <p:spPr>
                 <a:xfrm>
                   <a:off x="5129584" y="3114561"/>
-                  <a:ext cx="1025220" cy="281744"/>
+                  <a:ext cx="1025220" cy="308226"/>
                 </a:xfrm>
                 <a:prstGeom prst="rect">
                   <a:avLst/>
@@ -22133,7 +22261,7 @@
                 <a:blipFill rotWithShape="0">
                   <a:blip r:embed="rId9"/>
                   <a:stretch>
-                    <a:fillRect t="-2174" b="-17391"/>
+                    <a:fillRect b="-16000"/>
                   </a:stretch>
                 </a:blipFill>
               </p:spPr>

--- a/Outros/MestradoFiguras.pptx
+++ b/Outros/MestradoFiguras.pptx
@@ -11,8 +11,9 @@
     <p:sldId id="259" r:id="rId5"/>
     <p:sldId id="260" r:id="rId6"/>
     <p:sldId id="261" r:id="rId7"/>
-    <p:sldId id="262" r:id="rId8"/>
-    <p:sldId id="263" r:id="rId9"/>
+    <p:sldId id="264" r:id="rId8"/>
+    <p:sldId id="262" r:id="rId9"/>
+    <p:sldId id="263" r:id="rId10"/>
   </p:sldIdLst>
   <p:sldSz cx="12192000" cy="6858000"/>
   <p:notesSz cx="6858000" cy="9144000"/>
@@ -11660,7 +11661,7 @@
           <p:cNvPr id="9" name="Conector de Seta Reta 30">
             <a:extLst>
               <a:ext uri="{FF2B5EF4-FFF2-40B4-BE49-F238E27FC236}">
-                <a16:creationId xmlns="" xmlns:a16="http://schemas.microsoft.com/office/drawing/2014/main" id="{F4E2726F-250A-244A-9FEF-08E332214A0E}"/>
+                <a16:creationId xmlns:a16="http://schemas.microsoft.com/office/drawing/2014/main" xmlns="" id="{F4E2726F-250A-244A-9FEF-08E332214A0E}"/>
               </a:ext>
             </a:extLst>
           </p:cNvPr>
@@ -11702,7 +11703,7 @@
           <p:cNvPr id="11" name="Conector de Seta Reta 31">
             <a:extLst>
               <a:ext uri="{FF2B5EF4-FFF2-40B4-BE49-F238E27FC236}">
-                <a16:creationId xmlns="" xmlns:a16="http://schemas.microsoft.com/office/drawing/2014/main" id="{58C6BB8A-40B7-1D44-841F-91C8117B7A12}"/>
+                <a16:creationId xmlns:a16="http://schemas.microsoft.com/office/drawing/2014/main" xmlns="" id="{58C6BB8A-40B7-1D44-841F-91C8117B7A12}"/>
               </a:ext>
             </a:extLst>
           </p:cNvPr>
@@ -11744,7 +11745,7 @@
           <p:cNvPr id="12" name="CaixaDeTexto 37">
             <a:extLst>
               <a:ext uri="{FF2B5EF4-FFF2-40B4-BE49-F238E27FC236}">
-                <a16:creationId xmlns="" xmlns:a16="http://schemas.microsoft.com/office/drawing/2014/main" id="{71091896-9F67-8847-9C2A-DE057411D085}"/>
+                <a16:creationId xmlns:a16="http://schemas.microsoft.com/office/drawing/2014/main" xmlns="" id="{71091896-9F67-8847-9C2A-DE057411D085}"/>
               </a:ext>
             </a:extLst>
           </p:cNvPr>
@@ -11779,7 +11780,7 @@
           <p:cNvPr id="13" name="CaixaDeTexto 38">
             <a:extLst>
               <a:ext uri="{FF2B5EF4-FFF2-40B4-BE49-F238E27FC236}">
-                <a16:creationId xmlns="" xmlns:a16="http://schemas.microsoft.com/office/drawing/2014/main" id="{76B8159C-42E2-4940-B7F6-6CFD8DA7CF7E}"/>
+                <a16:creationId xmlns:a16="http://schemas.microsoft.com/office/drawing/2014/main" xmlns="" id="{76B8159C-42E2-4940-B7F6-6CFD8DA7CF7E}"/>
               </a:ext>
             </a:extLst>
           </p:cNvPr>
@@ -11814,7 +11815,7 @@
           <p:cNvPr id="14" name="Conector de Seta Reta 31">
             <a:extLst>
               <a:ext uri="{FF2B5EF4-FFF2-40B4-BE49-F238E27FC236}">
-                <a16:creationId xmlns="" xmlns:a16="http://schemas.microsoft.com/office/drawing/2014/main" id="{6270ED07-5855-EB46-9509-DAAB56BDB6EE}"/>
+                <a16:creationId xmlns:a16="http://schemas.microsoft.com/office/drawing/2014/main" xmlns="" id="{6270ED07-5855-EB46-9509-DAAB56BDB6EE}"/>
               </a:ext>
             </a:extLst>
           </p:cNvPr>
@@ -11858,7 +11859,7 @@
           <p:cNvPr id="15" name="CaixaDeTexto 37">
             <a:extLst>
               <a:ext uri="{FF2B5EF4-FFF2-40B4-BE49-F238E27FC236}">
-                <a16:creationId xmlns="" xmlns:a16="http://schemas.microsoft.com/office/drawing/2014/main" id="{A883361E-6275-FD48-BBBB-CC236BA50F68}"/>
+                <a16:creationId xmlns:a16="http://schemas.microsoft.com/office/drawing/2014/main" xmlns="" id="{A883361E-6275-FD48-BBBB-CC236BA50F68}"/>
               </a:ext>
             </a:extLst>
           </p:cNvPr>
@@ -11894,7 +11895,7 @@
           <p:cNvPr id="4" name="Cube 3">
             <a:extLst>
               <a:ext uri="{FF2B5EF4-FFF2-40B4-BE49-F238E27FC236}">
-                <a16:creationId xmlns="" xmlns:a16="http://schemas.microsoft.com/office/drawing/2014/main" id="{91386F85-D730-BC4D-BFB6-86BD933FCE40}"/>
+                <a16:creationId xmlns:a16="http://schemas.microsoft.com/office/drawing/2014/main" xmlns="" id="{91386F85-D730-BC4D-BFB6-86BD933FCE40}"/>
               </a:ext>
             </a:extLst>
           </p:cNvPr>
@@ -11946,7 +11947,7 @@
           <p:cNvPr id="7" name="Straight Arrow Connector 6">
             <a:extLst>
               <a:ext uri="{FF2B5EF4-FFF2-40B4-BE49-F238E27FC236}">
-                <a16:creationId xmlns="" xmlns:a16="http://schemas.microsoft.com/office/drawing/2014/main" id="{FB5C299A-1052-4746-8710-63FF6CFD409E}"/>
+                <a16:creationId xmlns:a16="http://schemas.microsoft.com/office/drawing/2014/main" xmlns="" id="{FB5C299A-1052-4746-8710-63FF6CFD409E}"/>
               </a:ext>
             </a:extLst>
           </p:cNvPr>
@@ -11992,7 +11993,7 @@
               <p:cNvPr id="16" name="TextBox 15">
                 <a:extLst>
                   <a:ext uri="{FF2B5EF4-FFF2-40B4-BE49-F238E27FC236}">
-                    <a16:creationId xmlns="" xmlns:a16="http://schemas.microsoft.com/office/drawing/2014/main" id="{ADCB2C18-6EAD-5D4A-98EB-E29D64C0FCAF}"/>
+                    <a16:creationId xmlns:a16="http://schemas.microsoft.com/office/drawing/2014/main" xmlns="" id="{ADCB2C18-6EAD-5D4A-98EB-E29D64C0FCAF}"/>
                   </a:ext>
                 </a:extLst>
               </p:cNvPr>
@@ -12105,7 +12106,7 @@
           <p:cNvPr id="25" name="Straight Arrow Connector 24">
             <a:extLst>
               <a:ext uri="{FF2B5EF4-FFF2-40B4-BE49-F238E27FC236}">
-                <a16:creationId xmlns="" xmlns:a16="http://schemas.microsoft.com/office/drawing/2014/main" id="{ED64D3D5-6A3F-5A41-83A7-36085B488607}"/>
+                <a16:creationId xmlns:a16="http://schemas.microsoft.com/office/drawing/2014/main" xmlns="" id="{ED64D3D5-6A3F-5A41-83A7-36085B488607}"/>
               </a:ext>
             </a:extLst>
           </p:cNvPr>
@@ -12151,7 +12152,7 @@
               <p:cNvPr id="27" name="TextBox 26">
                 <a:extLst>
                   <a:ext uri="{FF2B5EF4-FFF2-40B4-BE49-F238E27FC236}">
-                    <a16:creationId xmlns="" xmlns:a16="http://schemas.microsoft.com/office/drawing/2014/main" id="{85C03481-1FBF-DF4E-96C2-CDB1991F1F7B}"/>
+                    <a16:creationId xmlns:a16="http://schemas.microsoft.com/office/drawing/2014/main" xmlns="" id="{85C03481-1FBF-DF4E-96C2-CDB1991F1F7B}"/>
                   </a:ext>
                 </a:extLst>
               </p:cNvPr>
@@ -12264,7 +12265,7 @@
           <p:cNvPr id="28" name="Straight Arrow Connector 27">
             <a:extLst>
               <a:ext uri="{FF2B5EF4-FFF2-40B4-BE49-F238E27FC236}">
-                <a16:creationId xmlns="" xmlns:a16="http://schemas.microsoft.com/office/drawing/2014/main" id="{12070AFC-2402-1041-8B48-36FB0348B700}"/>
+                <a16:creationId xmlns:a16="http://schemas.microsoft.com/office/drawing/2014/main" xmlns="" id="{12070AFC-2402-1041-8B48-36FB0348B700}"/>
               </a:ext>
             </a:extLst>
           </p:cNvPr>
@@ -12310,7 +12311,7 @@
               <p:cNvPr id="36" name="TextBox 35">
                 <a:extLst>
                   <a:ext uri="{FF2B5EF4-FFF2-40B4-BE49-F238E27FC236}">
-                    <a16:creationId xmlns="" xmlns:a16="http://schemas.microsoft.com/office/drawing/2014/main" id="{5FE8FBEA-ADFF-AB40-A54A-449E780BBA65}"/>
+                    <a16:creationId xmlns:a16="http://schemas.microsoft.com/office/drawing/2014/main" xmlns="" id="{5FE8FBEA-ADFF-AB40-A54A-449E780BBA65}"/>
                   </a:ext>
                 </a:extLst>
               </p:cNvPr>
@@ -12423,7 +12424,7 @@
           <p:cNvPr id="40" name="Conector de Seta Reta 30">
             <a:extLst>
               <a:ext uri="{FF2B5EF4-FFF2-40B4-BE49-F238E27FC236}">
-                <a16:creationId xmlns="" xmlns:a16="http://schemas.microsoft.com/office/drawing/2014/main" id="{BA2E9DFA-5E42-7A45-BAAF-990ADF7EA0D3}"/>
+                <a16:creationId xmlns:a16="http://schemas.microsoft.com/office/drawing/2014/main" xmlns="" id="{BA2E9DFA-5E42-7A45-BAAF-990ADF7EA0D3}"/>
               </a:ext>
             </a:extLst>
           </p:cNvPr>
@@ -12467,7 +12468,7 @@
           <p:cNvPr id="41" name="Conector de Seta Reta 31">
             <a:extLst>
               <a:ext uri="{FF2B5EF4-FFF2-40B4-BE49-F238E27FC236}">
-                <a16:creationId xmlns="" xmlns:a16="http://schemas.microsoft.com/office/drawing/2014/main" id="{E89DE250-B42E-074A-9B4B-D32C5B21682A}"/>
+                <a16:creationId xmlns:a16="http://schemas.microsoft.com/office/drawing/2014/main" xmlns="" id="{E89DE250-B42E-074A-9B4B-D32C5B21682A}"/>
               </a:ext>
             </a:extLst>
           </p:cNvPr>
@@ -12511,7 +12512,7 @@
           <p:cNvPr id="42" name="CaixaDeTexto 37">
             <a:extLst>
               <a:ext uri="{FF2B5EF4-FFF2-40B4-BE49-F238E27FC236}">
-                <a16:creationId xmlns="" xmlns:a16="http://schemas.microsoft.com/office/drawing/2014/main" id="{EB1519E0-5286-4349-B80E-C58B3668839D}"/>
+                <a16:creationId xmlns:a16="http://schemas.microsoft.com/office/drawing/2014/main" xmlns="" id="{EB1519E0-5286-4349-B80E-C58B3668839D}"/>
               </a:ext>
             </a:extLst>
           </p:cNvPr>
@@ -12546,7 +12547,7 @@
           <p:cNvPr id="44" name="Conector de Seta Reta 31">
             <a:extLst>
               <a:ext uri="{FF2B5EF4-FFF2-40B4-BE49-F238E27FC236}">
-                <a16:creationId xmlns="" xmlns:a16="http://schemas.microsoft.com/office/drawing/2014/main" id="{498F1A6C-5107-C140-BB57-1B5DC6F026FE}"/>
+                <a16:creationId xmlns:a16="http://schemas.microsoft.com/office/drawing/2014/main" xmlns="" id="{498F1A6C-5107-C140-BB57-1B5DC6F026FE}"/>
               </a:ext>
             </a:extLst>
           </p:cNvPr>
@@ -12590,7 +12591,7 @@
           <p:cNvPr id="45" name="CaixaDeTexto 37">
             <a:extLst>
               <a:ext uri="{FF2B5EF4-FFF2-40B4-BE49-F238E27FC236}">
-                <a16:creationId xmlns="" xmlns:a16="http://schemas.microsoft.com/office/drawing/2014/main" id="{B6B0C0B4-5D95-E046-8F05-DBA56B369AC9}"/>
+                <a16:creationId xmlns:a16="http://schemas.microsoft.com/office/drawing/2014/main" xmlns="" id="{B6B0C0B4-5D95-E046-8F05-DBA56B369AC9}"/>
               </a:ext>
             </a:extLst>
           </p:cNvPr>
@@ -12626,7 +12627,7 @@
           <p:cNvPr id="37" name="Cube 36">
             <a:extLst>
               <a:ext uri="{FF2B5EF4-FFF2-40B4-BE49-F238E27FC236}">
-                <a16:creationId xmlns="" xmlns:a16="http://schemas.microsoft.com/office/drawing/2014/main" id="{678A5E09-5210-8B4F-9C6E-687A6DAE997E}"/>
+                <a16:creationId xmlns:a16="http://schemas.microsoft.com/office/drawing/2014/main" xmlns="" id="{678A5E09-5210-8B4F-9C6E-687A6DAE997E}"/>
               </a:ext>
             </a:extLst>
           </p:cNvPr>
@@ -12678,7 +12679,7 @@
           <p:cNvPr id="54" name="Straight Connector 53">
             <a:extLst>
               <a:ext uri="{FF2B5EF4-FFF2-40B4-BE49-F238E27FC236}">
-                <a16:creationId xmlns="" xmlns:a16="http://schemas.microsoft.com/office/drawing/2014/main" id="{13538F5B-109E-414B-A880-6203A7899206}"/>
+                <a16:creationId xmlns:a16="http://schemas.microsoft.com/office/drawing/2014/main" xmlns="" id="{13538F5B-109E-414B-A880-6203A7899206}"/>
               </a:ext>
             </a:extLst>
           </p:cNvPr>
@@ -12720,7 +12721,7 @@
           <p:cNvPr id="55" name="Straight Connector 54">
             <a:extLst>
               <a:ext uri="{FF2B5EF4-FFF2-40B4-BE49-F238E27FC236}">
-                <a16:creationId xmlns="" xmlns:a16="http://schemas.microsoft.com/office/drawing/2014/main" id="{57FE85EB-0365-8045-A5A8-D95E80529B6A}"/>
+                <a16:creationId xmlns:a16="http://schemas.microsoft.com/office/drawing/2014/main" xmlns="" id="{57FE85EB-0365-8045-A5A8-D95E80529B6A}"/>
               </a:ext>
             </a:extLst>
           </p:cNvPr>
@@ -12764,7 +12765,7 @@
           <p:cNvPr id="59" name="Straight Connector 58">
             <a:extLst>
               <a:ext uri="{FF2B5EF4-FFF2-40B4-BE49-F238E27FC236}">
-                <a16:creationId xmlns="" xmlns:a16="http://schemas.microsoft.com/office/drawing/2014/main" id="{4C50B42D-6F2E-F143-8613-E77625FDA0C2}"/>
+                <a16:creationId xmlns:a16="http://schemas.microsoft.com/office/drawing/2014/main" xmlns="" id="{4C50B42D-6F2E-F143-8613-E77625FDA0C2}"/>
               </a:ext>
             </a:extLst>
           </p:cNvPr>
@@ -12808,7 +12809,7 @@
           <p:cNvPr id="61" name="Straight Arrow Connector 60">
             <a:extLst>
               <a:ext uri="{FF2B5EF4-FFF2-40B4-BE49-F238E27FC236}">
-                <a16:creationId xmlns="" xmlns:a16="http://schemas.microsoft.com/office/drawing/2014/main" id="{CF4E5FA0-002E-E44C-85C4-9D2B890C8F48}"/>
+                <a16:creationId xmlns:a16="http://schemas.microsoft.com/office/drawing/2014/main" xmlns="" id="{CF4E5FA0-002E-E44C-85C4-9D2B890C8F48}"/>
               </a:ext>
             </a:extLst>
           </p:cNvPr>
@@ -12854,7 +12855,7 @@
               <p:cNvPr id="64" name="TextBox 63">
                 <a:extLst>
                   <a:ext uri="{FF2B5EF4-FFF2-40B4-BE49-F238E27FC236}">
-                    <a16:creationId xmlns="" xmlns:a16="http://schemas.microsoft.com/office/drawing/2014/main" id="{D3DDB3F6-3863-8B40-8B0C-765B50556082}"/>
+                    <a16:creationId xmlns:a16="http://schemas.microsoft.com/office/drawing/2014/main" xmlns="" id="{D3DDB3F6-3863-8B40-8B0C-765B50556082}"/>
                   </a:ext>
                 </a:extLst>
               </p:cNvPr>
@@ -13007,7 +13008,7 @@
           <p:cNvPr id="66" name="Straight Arrow Connector 65">
             <a:extLst>
               <a:ext uri="{FF2B5EF4-FFF2-40B4-BE49-F238E27FC236}">
-                <a16:creationId xmlns="" xmlns:a16="http://schemas.microsoft.com/office/drawing/2014/main" id="{754DC28D-02DE-074B-A64E-37E346FFDEAB}"/>
+                <a16:creationId xmlns:a16="http://schemas.microsoft.com/office/drawing/2014/main" xmlns="" id="{754DC28D-02DE-074B-A64E-37E346FFDEAB}"/>
               </a:ext>
             </a:extLst>
           </p:cNvPr>
@@ -13054,7 +13055,7 @@
               <p:cNvPr id="68" name="Rectangle 67">
                 <a:extLst>
                   <a:ext uri="{FF2B5EF4-FFF2-40B4-BE49-F238E27FC236}">
-                    <a16:creationId xmlns="" xmlns:a16="http://schemas.microsoft.com/office/drawing/2014/main" id="{FE8B028E-C93E-E548-AF4F-0A464D80D063}"/>
+                    <a16:creationId xmlns:a16="http://schemas.microsoft.com/office/drawing/2014/main" xmlns="" id="{FE8B028E-C93E-E548-AF4F-0A464D80D063}"/>
                   </a:ext>
                 </a:extLst>
               </p:cNvPr>
@@ -13169,7 +13170,7 @@
           <p:cNvPr id="69" name="Straight Arrow Connector 68">
             <a:extLst>
               <a:ext uri="{FF2B5EF4-FFF2-40B4-BE49-F238E27FC236}">
-                <a16:creationId xmlns="" xmlns:a16="http://schemas.microsoft.com/office/drawing/2014/main" id="{BE0D7074-2E41-6946-A7C8-8B995652278D}"/>
+                <a16:creationId xmlns:a16="http://schemas.microsoft.com/office/drawing/2014/main" xmlns="" id="{BE0D7074-2E41-6946-A7C8-8B995652278D}"/>
               </a:ext>
             </a:extLst>
           </p:cNvPr>
@@ -13215,7 +13216,7 @@
               <p:cNvPr id="71" name="Rectangle 70">
                 <a:extLst>
                   <a:ext uri="{FF2B5EF4-FFF2-40B4-BE49-F238E27FC236}">
-                    <a16:creationId xmlns="" xmlns:a16="http://schemas.microsoft.com/office/drawing/2014/main" id="{40CC5FCB-F480-2645-BAD0-61FA0E7FE5ED}"/>
+                    <a16:creationId xmlns:a16="http://schemas.microsoft.com/office/drawing/2014/main" xmlns="" id="{40CC5FCB-F480-2645-BAD0-61FA0E7FE5ED}"/>
                   </a:ext>
                 </a:extLst>
               </p:cNvPr>
@@ -13381,7 +13382,7 @@
               <p:cNvPr id="72" name="Rectangle 71">
                 <a:extLst>
                   <a:ext uri="{FF2B5EF4-FFF2-40B4-BE49-F238E27FC236}">
-                    <a16:creationId xmlns="" xmlns:a16="http://schemas.microsoft.com/office/drawing/2014/main" id="{23629297-22E7-7441-81D1-749C3AD58B54}"/>
+                    <a16:creationId xmlns:a16="http://schemas.microsoft.com/office/drawing/2014/main" xmlns="" id="{23629297-22E7-7441-81D1-749C3AD58B54}"/>
                   </a:ext>
                 </a:extLst>
               </p:cNvPr>
@@ -13493,7 +13494,7 @@
           <p:cNvPr id="73" name="Straight Arrow Connector 72">
             <a:extLst>
               <a:ext uri="{FF2B5EF4-FFF2-40B4-BE49-F238E27FC236}">
-                <a16:creationId xmlns="" xmlns:a16="http://schemas.microsoft.com/office/drawing/2014/main" id="{46F78AF6-5B3C-564C-8FAE-8D1FD83E19D9}"/>
+                <a16:creationId xmlns:a16="http://schemas.microsoft.com/office/drawing/2014/main" xmlns="" id="{46F78AF6-5B3C-564C-8FAE-8D1FD83E19D9}"/>
               </a:ext>
             </a:extLst>
           </p:cNvPr>
@@ -13538,7 +13539,7 @@
           <p:cNvPr id="74" name="Straight Arrow Connector 73">
             <a:extLst>
               <a:ext uri="{FF2B5EF4-FFF2-40B4-BE49-F238E27FC236}">
-                <a16:creationId xmlns="" xmlns:a16="http://schemas.microsoft.com/office/drawing/2014/main" id="{DE12505A-7235-6448-B5C6-FE671E3F8A22}"/>
+                <a16:creationId xmlns:a16="http://schemas.microsoft.com/office/drawing/2014/main" xmlns="" id="{DE12505A-7235-6448-B5C6-FE671E3F8A22}"/>
               </a:ext>
             </a:extLst>
           </p:cNvPr>
@@ -13584,7 +13585,7 @@
               <p:cNvPr id="75" name="TextBox 74">
                 <a:extLst>
                   <a:ext uri="{FF2B5EF4-FFF2-40B4-BE49-F238E27FC236}">
-                    <a16:creationId xmlns="" xmlns:a16="http://schemas.microsoft.com/office/drawing/2014/main" id="{71F8CD0D-BA76-8E46-9CCA-A28143CAAB39}"/>
+                    <a16:creationId xmlns:a16="http://schemas.microsoft.com/office/drawing/2014/main" xmlns="" id="{71F8CD0D-BA76-8E46-9CCA-A28143CAAB39}"/>
                   </a:ext>
                 </a:extLst>
               </p:cNvPr>
@@ -13743,7 +13744,7 @@
           <p:cNvPr id="83" name="CaixaDeTexto 37">
             <a:extLst>
               <a:ext uri="{FF2B5EF4-FFF2-40B4-BE49-F238E27FC236}">
-                <a16:creationId xmlns="" xmlns:a16="http://schemas.microsoft.com/office/drawing/2014/main" id="{82977875-7FA0-AA40-AFC9-85EBA228660F}"/>
+                <a16:creationId xmlns:a16="http://schemas.microsoft.com/office/drawing/2014/main" xmlns="" id="{82977875-7FA0-AA40-AFC9-85EBA228660F}"/>
               </a:ext>
             </a:extLst>
           </p:cNvPr>
@@ -13778,7 +13779,7 @@
           <p:cNvPr id="84" name="Straight Arrow Connector 83">
             <a:extLst>
               <a:ext uri="{FF2B5EF4-FFF2-40B4-BE49-F238E27FC236}">
-                <a16:creationId xmlns="" xmlns:a16="http://schemas.microsoft.com/office/drawing/2014/main" id="{7B2A7D30-80F5-E04E-AF2E-46549DA5001A}"/>
+                <a16:creationId xmlns:a16="http://schemas.microsoft.com/office/drawing/2014/main" xmlns="" id="{7B2A7D30-80F5-E04E-AF2E-46549DA5001A}"/>
               </a:ext>
             </a:extLst>
           </p:cNvPr>
@@ -13824,7 +13825,7 @@
               <p:cNvPr id="85" name="TextBox 84">
                 <a:extLst>
                   <a:ext uri="{FF2B5EF4-FFF2-40B4-BE49-F238E27FC236}">
-                    <a16:creationId xmlns="" xmlns:a16="http://schemas.microsoft.com/office/drawing/2014/main" id="{9EA20542-1E02-FB4B-8965-FFAFE1DDEE71}"/>
+                    <a16:creationId xmlns:a16="http://schemas.microsoft.com/office/drawing/2014/main" xmlns="" id="{9EA20542-1E02-FB4B-8965-FFAFE1DDEE71}"/>
                   </a:ext>
                 </a:extLst>
               </p:cNvPr>
@@ -13937,7 +13938,7 @@
           <p:cNvPr id="29" name="Group 28">
             <a:extLst>
               <a:ext uri="{FF2B5EF4-FFF2-40B4-BE49-F238E27FC236}">
-                <a16:creationId xmlns="" xmlns:a16="http://schemas.microsoft.com/office/drawing/2014/main" id="{3490477F-763A-4F4D-9169-63E295F28330}"/>
+                <a16:creationId xmlns:a16="http://schemas.microsoft.com/office/drawing/2014/main" xmlns="" id="{3490477F-763A-4F4D-9169-63E295F28330}"/>
               </a:ext>
             </a:extLst>
           </p:cNvPr>
@@ -13957,7 +13958,7 @@
             <p:cNvPr id="2" name="Rectangle 1">
               <a:extLst>
                 <a:ext uri="{FF2B5EF4-FFF2-40B4-BE49-F238E27FC236}">
-                  <a16:creationId xmlns="" xmlns:a16="http://schemas.microsoft.com/office/drawing/2014/main" id="{44D1A702-3EFD-7147-9604-63E809BECA89}"/>
+                  <a16:creationId xmlns:a16="http://schemas.microsoft.com/office/drawing/2014/main" xmlns="" id="{44D1A702-3EFD-7147-9604-63E809BECA89}"/>
                 </a:ext>
               </a:extLst>
             </p:cNvPr>
@@ -14014,7 +14015,7 @@
             <p:cNvPr id="3" name="Freeform 2">
               <a:extLst>
                 <a:ext uri="{FF2B5EF4-FFF2-40B4-BE49-F238E27FC236}">
-                  <a16:creationId xmlns="" xmlns:a16="http://schemas.microsoft.com/office/drawing/2014/main" id="{B8C752B6-8936-584E-9D03-0B78FBF9796E}"/>
+                  <a16:creationId xmlns:a16="http://schemas.microsoft.com/office/drawing/2014/main" xmlns="" id="{B8C752B6-8936-584E-9D03-0B78FBF9796E}"/>
                 </a:ext>
               </a:extLst>
             </p:cNvPr>
@@ -14400,7 +14401,7 @@
             <p:cNvPr id="6" name="Oval 5">
               <a:extLst>
                 <a:ext uri="{FF2B5EF4-FFF2-40B4-BE49-F238E27FC236}">
-                  <a16:creationId xmlns="" xmlns:a16="http://schemas.microsoft.com/office/drawing/2014/main" id="{957036A3-CE44-3948-9771-2A025BF838D5}"/>
+                  <a16:creationId xmlns:a16="http://schemas.microsoft.com/office/drawing/2014/main" xmlns="" id="{957036A3-CE44-3948-9771-2A025BF838D5}"/>
                 </a:ext>
               </a:extLst>
             </p:cNvPr>
@@ -14457,7 +14458,7 @@
             <p:cNvPr id="8" name="Freeform 7">
               <a:extLst>
                 <a:ext uri="{FF2B5EF4-FFF2-40B4-BE49-F238E27FC236}">
-                  <a16:creationId xmlns="" xmlns:a16="http://schemas.microsoft.com/office/drawing/2014/main" id="{B9218790-1900-2742-B907-060A7FD7EF9D}"/>
+                  <a16:creationId xmlns:a16="http://schemas.microsoft.com/office/drawing/2014/main" xmlns="" id="{B9218790-1900-2742-B907-060A7FD7EF9D}"/>
                 </a:ext>
               </a:extLst>
             </p:cNvPr>
@@ -14787,7 +14788,7 @@
             <p:cNvPr id="17" name="Freeform 16">
               <a:extLst>
                 <a:ext uri="{FF2B5EF4-FFF2-40B4-BE49-F238E27FC236}">
-                  <a16:creationId xmlns="" xmlns:a16="http://schemas.microsoft.com/office/drawing/2014/main" id="{983FDBFF-E7D3-4A4D-9B1C-35CBBDDED5F6}"/>
+                  <a16:creationId xmlns:a16="http://schemas.microsoft.com/office/drawing/2014/main" xmlns="" id="{983FDBFF-E7D3-4A4D-9B1C-35CBBDDED5F6}"/>
                 </a:ext>
               </a:extLst>
             </p:cNvPr>
@@ -15175,7 +15176,7 @@
             <p:cNvPr id="18" name="Freeform 17">
               <a:extLst>
                 <a:ext uri="{FF2B5EF4-FFF2-40B4-BE49-F238E27FC236}">
-                  <a16:creationId xmlns="" xmlns:a16="http://schemas.microsoft.com/office/drawing/2014/main" id="{351E04E1-FCD0-664D-A440-E67F5F4D328D}"/>
+                  <a16:creationId xmlns:a16="http://schemas.microsoft.com/office/drawing/2014/main" xmlns="" id="{351E04E1-FCD0-664D-A440-E67F5F4D328D}"/>
                 </a:ext>
               </a:extLst>
             </p:cNvPr>
@@ -15397,7 +15398,7 @@
             <p:cNvPr id="20" name="Freeform 19">
               <a:extLst>
                 <a:ext uri="{FF2B5EF4-FFF2-40B4-BE49-F238E27FC236}">
-                  <a16:creationId xmlns="" xmlns:a16="http://schemas.microsoft.com/office/drawing/2014/main" id="{8DC4F329-D01C-094D-ABC3-C4DA25596C37}"/>
+                  <a16:creationId xmlns:a16="http://schemas.microsoft.com/office/drawing/2014/main" xmlns="" id="{8DC4F329-D01C-094D-ABC3-C4DA25596C37}"/>
                 </a:ext>
               </a:extLst>
             </p:cNvPr>
@@ -15647,7 +15648,7 @@
             <p:cNvPr id="22" name="Freeform 21">
               <a:extLst>
                 <a:ext uri="{FF2B5EF4-FFF2-40B4-BE49-F238E27FC236}">
-                  <a16:creationId xmlns="" xmlns:a16="http://schemas.microsoft.com/office/drawing/2014/main" id="{7E04F2F1-51C6-6A47-91BE-CA28F302B4A9}"/>
+                  <a16:creationId xmlns:a16="http://schemas.microsoft.com/office/drawing/2014/main" xmlns="" id="{7E04F2F1-51C6-6A47-91BE-CA28F302B4A9}"/>
                 </a:ext>
               </a:extLst>
             </p:cNvPr>
@@ -15891,7 +15892,7 @@
             <p:cNvPr id="53" name="Freeform 52">
               <a:extLst>
                 <a:ext uri="{FF2B5EF4-FFF2-40B4-BE49-F238E27FC236}">
-                  <a16:creationId xmlns="" xmlns:a16="http://schemas.microsoft.com/office/drawing/2014/main" id="{0147C010-60C8-9843-8796-B13BD5EB5C78}"/>
+                  <a16:creationId xmlns:a16="http://schemas.microsoft.com/office/drawing/2014/main" xmlns="" id="{0147C010-60C8-9843-8796-B13BD5EB5C78}"/>
                 </a:ext>
               </a:extLst>
             </p:cNvPr>
@@ -16279,7 +16280,7 @@
             <p:cNvPr id="56" name="Freeform 55">
               <a:extLst>
                 <a:ext uri="{FF2B5EF4-FFF2-40B4-BE49-F238E27FC236}">
-                  <a16:creationId xmlns="" xmlns:a16="http://schemas.microsoft.com/office/drawing/2014/main" id="{F0095C1D-22F3-BB4B-B94A-E1418D8828E8}"/>
+                  <a16:creationId xmlns:a16="http://schemas.microsoft.com/office/drawing/2014/main" xmlns="" id="{F0095C1D-22F3-BB4B-B94A-E1418D8828E8}"/>
                 </a:ext>
               </a:extLst>
             </p:cNvPr>
@@ -16665,7 +16666,7 @@
             <p:cNvPr id="57" name="Freeform 56">
               <a:extLst>
                 <a:ext uri="{FF2B5EF4-FFF2-40B4-BE49-F238E27FC236}">
-                  <a16:creationId xmlns="" xmlns:a16="http://schemas.microsoft.com/office/drawing/2014/main" id="{47A790B9-35EB-B644-B261-B2582C621B1A}"/>
+                  <a16:creationId xmlns:a16="http://schemas.microsoft.com/office/drawing/2014/main" xmlns="" id="{47A790B9-35EB-B644-B261-B2582C621B1A}"/>
                 </a:ext>
               </a:extLst>
             </p:cNvPr>
@@ -16915,7 +16916,7 @@
             <p:cNvPr id="58" name="Freeform 57">
               <a:extLst>
                 <a:ext uri="{FF2B5EF4-FFF2-40B4-BE49-F238E27FC236}">
-                  <a16:creationId xmlns="" xmlns:a16="http://schemas.microsoft.com/office/drawing/2014/main" id="{72AB0C17-E2D7-9E4A-8F06-5AA42B43D956}"/>
+                  <a16:creationId xmlns:a16="http://schemas.microsoft.com/office/drawing/2014/main" xmlns="" id="{72AB0C17-E2D7-9E4A-8F06-5AA42B43D956}"/>
                 </a:ext>
               </a:extLst>
             </p:cNvPr>
@@ -17301,7 +17302,7 @@
             <p:cNvPr id="60" name="Freeform 59">
               <a:extLst>
                 <a:ext uri="{FF2B5EF4-FFF2-40B4-BE49-F238E27FC236}">
-                  <a16:creationId xmlns="" xmlns:a16="http://schemas.microsoft.com/office/drawing/2014/main" id="{F8FBCBA5-8772-9141-A68A-733CD1CE40F4}"/>
+                  <a16:creationId xmlns:a16="http://schemas.microsoft.com/office/drawing/2014/main" xmlns="" id="{F8FBCBA5-8772-9141-A68A-733CD1CE40F4}"/>
                 </a:ext>
               </a:extLst>
             </p:cNvPr>
@@ -17687,7 +17688,7 @@
             <p:cNvPr id="62" name="Freeform 61">
               <a:extLst>
                 <a:ext uri="{FF2B5EF4-FFF2-40B4-BE49-F238E27FC236}">
-                  <a16:creationId xmlns="" xmlns:a16="http://schemas.microsoft.com/office/drawing/2014/main" id="{81F5B2E2-D515-5449-8565-69EB2D19B507}"/>
+                  <a16:creationId xmlns:a16="http://schemas.microsoft.com/office/drawing/2014/main" xmlns="" id="{81F5B2E2-D515-5449-8565-69EB2D19B507}"/>
                 </a:ext>
               </a:extLst>
             </p:cNvPr>
@@ -17909,7 +17910,7 @@
             <p:cNvPr id="63" name="Freeform 62">
               <a:extLst>
                 <a:ext uri="{FF2B5EF4-FFF2-40B4-BE49-F238E27FC236}">
-                  <a16:creationId xmlns="" xmlns:a16="http://schemas.microsoft.com/office/drawing/2014/main" id="{86706AD3-955C-8C40-A242-3B2625A36FDC}"/>
+                  <a16:creationId xmlns:a16="http://schemas.microsoft.com/office/drawing/2014/main" xmlns="" id="{86706AD3-955C-8C40-A242-3B2625A36FDC}"/>
                 </a:ext>
               </a:extLst>
             </p:cNvPr>
@@ -18239,7 +18240,7 @@
             <p:cNvPr id="65" name="Freeform 64">
               <a:extLst>
                 <a:ext uri="{FF2B5EF4-FFF2-40B4-BE49-F238E27FC236}">
-                  <a16:creationId xmlns="" xmlns:a16="http://schemas.microsoft.com/office/drawing/2014/main" id="{392ED72B-B593-E94B-8E3A-47A57F4EFA28}"/>
+                  <a16:creationId xmlns:a16="http://schemas.microsoft.com/office/drawing/2014/main" xmlns="" id="{392ED72B-B593-E94B-8E3A-47A57F4EFA28}"/>
                 </a:ext>
               </a:extLst>
             </p:cNvPr>
@@ -18625,7 +18626,7 @@
             <p:cNvPr id="67" name="Freeform 66">
               <a:extLst>
                 <a:ext uri="{FF2B5EF4-FFF2-40B4-BE49-F238E27FC236}">
-                  <a16:creationId xmlns="" xmlns:a16="http://schemas.microsoft.com/office/drawing/2014/main" id="{863BAA95-54EC-6648-A2E4-B92D02F843F9}"/>
+                  <a16:creationId xmlns:a16="http://schemas.microsoft.com/office/drawing/2014/main" xmlns="" id="{863BAA95-54EC-6648-A2E4-B92D02F843F9}"/>
                 </a:ext>
               </a:extLst>
             </p:cNvPr>
@@ -18847,7 +18848,7 @@
             <p:cNvPr id="70" name="Straight Arrow Connector 69">
               <a:extLst>
                 <a:ext uri="{FF2B5EF4-FFF2-40B4-BE49-F238E27FC236}">
-                  <a16:creationId xmlns="" xmlns:a16="http://schemas.microsoft.com/office/drawing/2014/main" id="{37CB2550-0B63-614F-A657-CA0C3BAD55B1}"/>
+                  <a16:creationId xmlns:a16="http://schemas.microsoft.com/office/drawing/2014/main" xmlns="" id="{37CB2550-0B63-614F-A657-CA0C3BAD55B1}"/>
                 </a:ext>
               </a:extLst>
             </p:cNvPr>
@@ -18893,7 +18894,7 @@
                 <p:cNvPr id="76" name="TextBox 75">
                   <a:extLst>
                     <a:ext uri="{FF2B5EF4-FFF2-40B4-BE49-F238E27FC236}">
-                      <a16:creationId xmlns="" xmlns:a16="http://schemas.microsoft.com/office/drawing/2014/main" id="{9855CA9B-1AE1-6F48-B19D-C1DCCFD013A6}"/>
+                      <a16:creationId xmlns:a16="http://schemas.microsoft.com/office/drawing/2014/main" xmlns="" id="{9855CA9B-1AE1-6F48-B19D-C1DCCFD013A6}"/>
                     </a:ext>
                   </a:extLst>
                 </p:cNvPr>
@@ -19006,7 +19007,7 @@
             <p:cNvPr id="79" name="Straight Arrow Connector 78">
               <a:extLst>
                 <a:ext uri="{FF2B5EF4-FFF2-40B4-BE49-F238E27FC236}">
-                  <a16:creationId xmlns="" xmlns:a16="http://schemas.microsoft.com/office/drawing/2014/main" id="{55665669-207C-A24A-BA6F-7BBB58EA34B9}"/>
+                  <a16:creationId xmlns:a16="http://schemas.microsoft.com/office/drawing/2014/main" xmlns="" id="{55665669-207C-A24A-BA6F-7BBB58EA34B9}"/>
                 </a:ext>
               </a:extLst>
             </p:cNvPr>
@@ -19052,7 +19053,7 @@
                 <p:cNvPr id="80" name="TextBox 79">
                   <a:extLst>
                     <a:ext uri="{FF2B5EF4-FFF2-40B4-BE49-F238E27FC236}">
-                      <a16:creationId xmlns="" xmlns:a16="http://schemas.microsoft.com/office/drawing/2014/main" id="{34A6CB74-D772-554F-8A10-ABD6AFE1BFFE}"/>
+                      <a16:creationId xmlns:a16="http://schemas.microsoft.com/office/drawing/2014/main" xmlns="" id="{34A6CB74-D772-554F-8A10-ABD6AFE1BFFE}"/>
                     </a:ext>
                   </a:extLst>
                 </p:cNvPr>
@@ -19165,7 +19166,7 @@
             <p:cNvPr id="81" name="Straight Arrow Connector 80">
               <a:extLst>
                 <a:ext uri="{FF2B5EF4-FFF2-40B4-BE49-F238E27FC236}">
-                  <a16:creationId xmlns="" xmlns:a16="http://schemas.microsoft.com/office/drawing/2014/main" id="{FDFE2E75-8803-D645-962C-55BE74228762}"/>
+                  <a16:creationId xmlns:a16="http://schemas.microsoft.com/office/drawing/2014/main" xmlns="" id="{FDFE2E75-8803-D645-962C-55BE74228762}"/>
                 </a:ext>
               </a:extLst>
             </p:cNvPr>
@@ -19209,7 +19210,7 @@
             <p:cNvPr id="86" name="Straight Arrow Connector 85">
               <a:extLst>
                 <a:ext uri="{FF2B5EF4-FFF2-40B4-BE49-F238E27FC236}">
-                  <a16:creationId xmlns="" xmlns:a16="http://schemas.microsoft.com/office/drawing/2014/main" id="{93DD0A17-02BB-484C-A585-78064B5351E9}"/>
+                  <a16:creationId xmlns:a16="http://schemas.microsoft.com/office/drawing/2014/main" xmlns="" id="{93DD0A17-02BB-484C-A585-78064B5351E9}"/>
                 </a:ext>
               </a:extLst>
             </p:cNvPr>
@@ -19255,7 +19256,7 @@
                 <p:cNvPr id="87" name="TextBox 86">
                   <a:extLst>
                     <a:ext uri="{FF2B5EF4-FFF2-40B4-BE49-F238E27FC236}">
-                      <a16:creationId xmlns="" xmlns:a16="http://schemas.microsoft.com/office/drawing/2014/main" id="{99094E6F-4903-FA41-A682-767C00BC8280}"/>
+                      <a16:creationId xmlns:a16="http://schemas.microsoft.com/office/drawing/2014/main" xmlns="" id="{99094E6F-4903-FA41-A682-767C00BC8280}"/>
                     </a:ext>
                   </a:extLst>
                 </p:cNvPr>
@@ -19370,7 +19371,7 @@
                 <p:cNvPr id="88" name="TextBox 87">
                   <a:extLst>
                     <a:ext uri="{FF2B5EF4-FFF2-40B4-BE49-F238E27FC236}">
-                      <a16:creationId xmlns="" xmlns:a16="http://schemas.microsoft.com/office/drawing/2014/main" id="{CA81FD42-A571-FD45-A4BD-D662E0F8144C}"/>
+                      <a16:creationId xmlns:a16="http://schemas.microsoft.com/office/drawing/2014/main" xmlns="" id="{CA81FD42-A571-FD45-A4BD-D662E0F8144C}"/>
                     </a:ext>
                   </a:extLst>
                 </p:cNvPr>
@@ -19514,7 +19515,7 @@
           <p:cNvPr id="4" name="Picture 3">
             <a:extLst>
               <a:ext uri="{FF2B5EF4-FFF2-40B4-BE49-F238E27FC236}">
-                <a16:creationId xmlns="" xmlns:a16="http://schemas.microsoft.com/office/drawing/2014/main" id="{1F46FB23-65FB-9049-9C50-43B5B6AD9EA8}"/>
+                <a16:creationId xmlns:a16="http://schemas.microsoft.com/office/drawing/2014/main" xmlns="" id="{1F46FB23-65FB-9049-9C50-43B5B6AD9EA8}"/>
               </a:ext>
             </a:extLst>
           </p:cNvPr>
@@ -19544,7 +19545,7 @@
           <p:cNvPr id="6" name="Straight Connector 5">
             <a:extLst>
               <a:ext uri="{FF2B5EF4-FFF2-40B4-BE49-F238E27FC236}">
-                <a16:creationId xmlns="" xmlns:a16="http://schemas.microsoft.com/office/drawing/2014/main" id="{3E621B72-9657-FE4E-9C41-001E2A069FE3}"/>
+                <a16:creationId xmlns:a16="http://schemas.microsoft.com/office/drawing/2014/main" xmlns="" id="{3E621B72-9657-FE4E-9C41-001E2A069FE3}"/>
               </a:ext>
             </a:extLst>
           </p:cNvPr>
@@ -21111,8 +21112,8 @@
             </a:p>
           </p:txBody>
         </p:sp>
-        <mc:AlternateContent xmlns:mc="http://schemas.openxmlformats.org/markup-compatibility/2006">
-          <mc:Choice xmlns:a14="http://schemas.microsoft.com/office/drawing/2010/main" Requires="a14">
+        <mc:AlternateContent xmlns:mc="http://schemas.openxmlformats.org/markup-compatibility/2006" xmlns:a14="http://schemas.microsoft.com/office/drawing/2010/main">
+          <mc:Choice Requires="a14">
             <p:sp>
               <p:nvSpPr>
                 <p:cNvPr id="71" name="CaixaDeTexto 70"/>
@@ -21303,7 +21304,7 @@
               </p:txBody>
             </p:sp>
           </mc:Choice>
-          <mc:Fallback>
+          <mc:Fallback xmlns="">
             <p:sp>
               <p:nvSpPr>
                 <p:cNvPr id="71" name="CaixaDeTexto 70"/>
@@ -21587,8 +21588,8 @@
             </a:fontRef>
           </p:style>
         </p:cxnSp>
-        <mc:AlternateContent xmlns:mc="http://schemas.openxmlformats.org/markup-compatibility/2006">
-          <mc:Choice xmlns:a14="http://schemas.microsoft.com/office/drawing/2010/main" Requires="a14">
+        <mc:AlternateContent xmlns:mc="http://schemas.openxmlformats.org/markup-compatibility/2006" xmlns:a14="http://schemas.microsoft.com/office/drawing/2010/main">
+          <mc:Choice Requires="a14">
             <p:sp>
               <p:nvSpPr>
                 <p:cNvPr id="79" name="CaixaDeTexto 78"/>
@@ -21779,7 +21780,7 @@
               </p:txBody>
             </p:sp>
           </mc:Choice>
-          <mc:Fallback>
+          <mc:Fallback xmlns="">
             <p:sp>
               <p:nvSpPr>
                 <p:cNvPr id="79" name="CaixaDeTexto 78"/>
@@ -21818,8 +21819,8 @@
             </p:sp>
           </mc:Fallback>
         </mc:AlternateContent>
-        <mc:AlternateContent xmlns:mc="http://schemas.openxmlformats.org/markup-compatibility/2006">
-          <mc:Choice xmlns:a14="http://schemas.microsoft.com/office/drawing/2010/main" Requires="a14">
+        <mc:AlternateContent xmlns:mc="http://schemas.openxmlformats.org/markup-compatibility/2006" xmlns:a14="http://schemas.microsoft.com/office/drawing/2010/main">
+          <mc:Choice Requires="a14">
             <p:sp>
               <p:nvSpPr>
                 <p:cNvPr id="80" name="CaixaDeTexto 79"/>
@@ -22010,7 +22011,7 @@
               </p:txBody>
             </p:sp>
           </mc:Choice>
-          <mc:Fallback>
+          <mc:Fallback xmlns="">
             <p:sp>
               <p:nvSpPr>
                 <p:cNvPr id="80" name="CaixaDeTexto 79"/>
@@ -22049,8 +22050,8 @@
             </p:sp>
           </mc:Fallback>
         </mc:AlternateContent>
-        <mc:AlternateContent xmlns:mc="http://schemas.openxmlformats.org/markup-compatibility/2006">
-          <mc:Choice xmlns:a14="http://schemas.microsoft.com/office/drawing/2010/main" Requires="a14">
+        <mc:AlternateContent xmlns:mc="http://schemas.openxmlformats.org/markup-compatibility/2006" xmlns:a14="http://schemas.microsoft.com/office/drawing/2010/main">
+          <mc:Choice Requires="a14">
             <p:sp>
               <p:nvSpPr>
                 <p:cNvPr id="81" name="CaixaDeTexto 80"/>
@@ -22241,7 +22242,7 @@
               </p:txBody>
             </p:sp>
           </mc:Choice>
-          <mc:Fallback>
+          <mc:Fallback xmlns="">
             <p:sp>
               <p:nvSpPr>
                 <p:cNvPr id="81" name="CaixaDeTexto 80"/>
@@ -22715,6 +22716,675 @@
 </file>
 
 <file path=ppt/slides/slide7.xml><?xml version="1.0" encoding="utf-8"?>
+<p:sld xmlns:a="http://schemas.openxmlformats.org/drawingml/2006/main" xmlns:r="http://schemas.openxmlformats.org/officeDocument/2006/relationships" xmlns:p="http://schemas.openxmlformats.org/presentationml/2006/main">
+  <p:cSld>
+    <p:spTree>
+      <p:nvGrpSpPr>
+        <p:cNvPr id="1" name=""/>
+        <p:cNvGrpSpPr/>
+        <p:nvPr/>
+      </p:nvGrpSpPr>
+      <p:grpSpPr>
+        <a:xfrm>
+          <a:off x="0" y="0"/>
+          <a:ext cx="0" cy="0"/>
+          <a:chOff x="0" y="0"/>
+          <a:chExt cx="0" cy="0"/>
+        </a:xfrm>
+      </p:grpSpPr>
+      <p:pic>
+        <p:nvPicPr>
+          <p:cNvPr id="4" name="Imagem 3"/>
+          <p:cNvPicPr>
+            <a:picLocks noChangeAspect="1"/>
+          </p:cNvPicPr>
+          <p:nvPr/>
+        </p:nvPicPr>
+        <p:blipFill rotWithShape="1">
+          <a:blip r:embed="rId2">
+            <a:extLst>
+              <a:ext uri="{28A0092B-C50C-407E-A947-70E740481C1C}">
+                <a14:useLocalDpi xmlns:a14="http://schemas.microsoft.com/office/drawing/2010/main" val="0"/>
+              </a:ext>
+            </a:extLst>
+          </a:blip>
+          <a:srcRect l="14560" t="14029" r="11932" b="13043"/>
+          <a:stretch/>
+        </p:blipFill>
+        <p:spPr>
+          <a:xfrm>
+            <a:off x="2218415" y="381663"/>
+            <a:ext cx="5041127" cy="5001372"/>
+          </a:xfrm>
+          <a:prstGeom prst="rect">
+            <a:avLst/>
+          </a:prstGeom>
+        </p:spPr>
+      </p:pic>
+      <p:cxnSp>
+        <p:nvCxnSpPr>
+          <p:cNvPr id="6" name="Conector de seta reta 5"/>
+          <p:cNvCxnSpPr/>
+          <p:nvPr/>
+        </p:nvCxnSpPr>
+        <p:spPr>
+          <a:xfrm>
+            <a:off x="2289976" y="5478449"/>
+            <a:ext cx="2449002" cy="0"/>
+          </a:xfrm>
+          <a:prstGeom prst="straightConnector1">
+            <a:avLst/>
+          </a:prstGeom>
+          <a:ln>
+            <a:solidFill>
+              <a:schemeClr val="tx1"/>
+            </a:solidFill>
+            <a:headEnd type="triangle"/>
+            <a:tailEnd type="triangle"/>
+          </a:ln>
+        </p:spPr>
+        <p:style>
+          <a:lnRef idx="1">
+            <a:schemeClr val="accent1"/>
+          </a:lnRef>
+          <a:fillRef idx="0">
+            <a:schemeClr val="accent1"/>
+          </a:fillRef>
+          <a:effectRef idx="0">
+            <a:schemeClr val="accent1"/>
+          </a:effectRef>
+          <a:fontRef idx="minor">
+            <a:schemeClr val="tx1"/>
+          </a:fontRef>
+        </p:style>
+      </p:cxnSp>
+      <p:cxnSp>
+        <p:nvCxnSpPr>
+          <p:cNvPr id="15" name="Conector de seta reta 14"/>
+          <p:cNvCxnSpPr/>
+          <p:nvPr/>
+        </p:nvCxnSpPr>
+        <p:spPr>
+          <a:xfrm>
+            <a:off x="2107096" y="2882349"/>
+            <a:ext cx="0" cy="2421171"/>
+          </a:xfrm>
+          <a:prstGeom prst="straightConnector1">
+            <a:avLst/>
+          </a:prstGeom>
+          <a:ln>
+            <a:solidFill>
+              <a:schemeClr val="tx1"/>
+            </a:solidFill>
+            <a:headEnd type="triangle"/>
+            <a:tailEnd type="triangle"/>
+          </a:ln>
+        </p:spPr>
+        <p:style>
+          <a:lnRef idx="1">
+            <a:schemeClr val="accent1"/>
+          </a:lnRef>
+          <a:fillRef idx="0">
+            <a:schemeClr val="accent1"/>
+          </a:fillRef>
+          <a:effectRef idx="0">
+            <a:schemeClr val="accent1"/>
+          </a:effectRef>
+          <a:fontRef idx="minor">
+            <a:schemeClr val="tx1"/>
+          </a:fontRef>
+        </p:style>
+      </p:cxnSp>
+      <p:cxnSp>
+        <p:nvCxnSpPr>
+          <p:cNvPr id="18" name="Conector de seta reta 17"/>
+          <p:cNvCxnSpPr/>
+          <p:nvPr/>
+        </p:nvCxnSpPr>
+        <p:spPr>
+          <a:xfrm>
+            <a:off x="2289976" y="5805778"/>
+            <a:ext cx="4913906" cy="0"/>
+          </a:xfrm>
+          <a:prstGeom prst="straightConnector1">
+            <a:avLst/>
+          </a:prstGeom>
+          <a:ln>
+            <a:solidFill>
+              <a:schemeClr val="tx1"/>
+            </a:solidFill>
+            <a:headEnd type="triangle"/>
+            <a:tailEnd type="triangle"/>
+          </a:ln>
+        </p:spPr>
+        <p:style>
+          <a:lnRef idx="1">
+            <a:schemeClr val="accent1"/>
+          </a:lnRef>
+          <a:fillRef idx="0">
+            <a:schemeClr val="accent1"/>
+          </a:fillRef>
+          <a:effectRef idx="0">
+            <a:schemeClr val="accent1"/>
+          </a:effectRef>
+          <a:fontRef idx="minor">
+            <a:schemeClr val="tx1"/>
+          </a:fontRef>
+        </p:style>
+      </p:cxnSp>
+      <p:cxnSp>
+        <p:nvCxnSpPr>
+          <p:cNvPr id="23" name="Conector de seta reta 22"/>
+          <p:cNvCxnSpPr/>
+          <p:nvPr/>
+        </p:nvCxnSpPr>
+        <p:spPr>
+          <a:xfrm>
+            <a:off x="1702906" y="485031"/>
+            <a:ext cx="0" cy="4818489"/>
+          </a:xfrm>
+          <a:prstGeom prst="straightConnector1">
+            <a:avLst/>
+          </a:prstGeom>
+          <a:ln>
+            <a:solidFill>
+              <a:schemeClr val="tx1"/>
+            </a:solidFill>
+            <a:headEnd type="triangle"/>
+            <a:tailEnd type="triangle"/>
+          </a:ln>
+        </p:spPr>
+        <p:style>
+          <a:lnRef idx="1">
+            <a:schemeClr val="accent1"/>
+          </a:lnRef>
+          <a:fillRef idx="0">
+            <a:schemeClr val="accent1"/>
+          </a:fillRef>
+          <a:effectRef idx="0">
+            <a:schemeClr val="accent1"/>
+          </a:effectRef>
+          <a:fontRef idx="minor">
+            <a:schemeClr val="tx1"/>
+          </a:fontRef>
+        </p:style>
+      </p:cxnSp>
+      <mc:AlternateContent xmlns:mc="http://schemas.openxmlformats.org/markup-compatibility/2006">
+        <mc:Choice xmlns:a14="http://schemas.microsoft.com/office/drawing/2010/main" Requires="a14">
+          <p:sp>
+            <p:nvSpPr>
+              <p:cNvPr id="25" name="CaixaDeTexto 24"/>
+              <p:cNvSpPr txBox="1"/>
+              <p:nvPr/>
+            </p:nvSpPr>
+            <p:spPr>
+              <a:xfrm>
+                <a:off x="4559826" y="5836851"/>
+                <a:ext cx="374205" cy="313484"/>
+              </a:xfrm>
+              <a:prstGeom prst="rect">
+                <a:avLst/>
+              </a:prstGeom>
+              <a:noFill/>
+            </p:spPr>
+            <p:txBody>
+              <a:bodyPr wrap="none" lIns="0" tIns="0" rIns="0" bIns="0" rtlCol="0">
+                <a:spAutoFit/>
+              </a:bodyPr>
+              <a:lstStyle/>
+              <a:p>
+                <a14:m>
+                  <m:oMathPara xmlns:m="http://schemas.openxmlformats.org/officeDocument/2006/math">
+                    <m:oMathParaPr>
+                      <m:jc m:val="centerGroup"/>
+                    </m:oMathParaPr>
+                    <m:oMath xmlns:m="http://schemas.openxmlformats.org/officeDocument/2006/math">
+                      <m:sSubSup>
+                        <m:sSubSupPr>
+                          <m:ctrlPr>
+                            <a:rPr lang="pt-BR" b="0" i="1" smtClean="0">
+                              <a:latin typeface="Cambria Math" panose="02040503050406030204" pitchFamily="18" charset="0"/>
+                            </a:rPr>
+                          </m:ctrlPr>
+                        </m:sSubSupPr>
+                        <m:e>
+                          <m:r>
+                            <a:rPr lang="pt-BR" b="0" i="1" smtClean="0">
+                              <a:latin typeface="Cambria Math" panose="02040503050406030204" pitchFamily="18" charset="0"/>
+                            </a:rPr>
+                            <m:t>𝑛</m:t>
+                          </m:r>
+                        </m:e>
+                        <m:sub>
+                          <m:sSub>
+                            <m:sSubPr>
+                              <m:ctrlPr>
+                                <a:rPr lang="pt-BR" b="0" i="1" smtClean="0">
+                                  <a:latin typeface="Cambria Math" panose="02040503050406030204" pitchFamily="18" charset="0"/>
+                                </a:rPr>
+                              </m:ctrlPr>
+                            </m:sSubPr>
+                            <m:e>
+                              <m:r>
+                                <a:rPr lang="pt-BR" b="0" i="1" smtClean="0">
+                                  <a:latin typeface="Cambria Math" panose="02040503050406030204" pitchFamily="18" charset="0"/>
+                                </a:rPr>
+                                <m:t>𝑒</m:t>
+                              </m:r>
+                            </m:e>
+                            <m:sub>
+                              <m:r>
+                                <a:rPr lang="pt-BR" b="0" i="1" smtClean="0">
+                                  <a:latin typeface="Cambria Math" panose="02040503050406030204" pitchFamily="18" charset="0"/>
+                                </a:rPr>
+                                <m:t>𝑥</m:t>
+                              </m:r>
+                            </m:sub>
+                          </m:sSub>
+                        </m:sub>
+                        <m:sup>
+                          <m:r>
+                            <a:rPr lang="pt-BR" b="0" i="1" smtClean="0">
+                              <a:latin typeface="Cambria Math" panose="02040503050406030204" pitchFamily="18" charset="0"/>
+                            </a:rPr>
+                            <m:t>h</m:t>
+                          </m:r>
+                        </m:sup>
+                      </m:sSubSup>
+                    </m:oMath>
+                  </m:oMathPara>
+                </a14:m>
+                <a:endParaRPr lang="pt-BR" dirty="0"/>
+              </a:p>
+            </p:txBody>
+          </p:sp>
+        </mc:Choice>
+        <mc:Fallback>
+          <p:sp>
+            <p:nvSpPr>
+              <p:cNvPr id="25" name="CaixaDeTexto 24"/>
+              <p:cNvSpPr txBox="1">
+                <a:spLocks noRot="1" noChangeAspect="1" noMove="1" noResize="1" noEditPoints="1" noAdjustHandles="1" noChangeArrowheads="1" noChangeShapeType="1" noTextEdit="1"/>
+              </p:cNvSpPr>
+              <p:nvPr/>
+            </p:nvSpPr>
+            <p:spPr>
+              <a:xfrm>
+                <a:off x="4559826" y="5836851"/>
+                <a:ext cx="374205" cy="313484"/>
+              </a:xfrm>
+              <a:prstGeom prst="rect">
+                <a:avLst/>
+              </a:prstGeom>
+              <a:blipFill rotWithShape="0">
+                <a:blip r:embed="rId3"/>
+                <a:stretch>
+                  <a:fillRect l="-8197" t="-1923" r="-1639" b="-11538"/>
+                </a:stretch>
+              </a:blipFill>
+            </p:spPr>
+            <p:txBody>
+              <a:bodyPr/>
+              <a:lstStyle/>
+              <a:p>
+                <a:r>
+                  <a:rPr lang="pt-BR">
+                    <a:noFill/>
+                  </a:rPr>
+                  <a:t> </a:t>
+                </a:r>
+              </a:p>
+            </p:txBody>
+          </p:sp>
+        </mc:Fallback>
+      </mc:AlternateContent>
+      <mc:AlternateContent xmlns:mc="http://schemas.openxmlformats.org/markup-compatibility/2006">
+        <mc:Choice xmlns:a14="http://schemas.microsoft.com/office/drawing/2010/main" Requires="a14">
+          <p:sp>
+            <p:nvSpPr>
+              <p:cNvPr id="26" name="CaixaDeTexto 25"/>
+              <p:cNvSpPr txBox="1"/>
+              <p:nvPr/>
+            </p:nvSpPr>
+            <p:spPr>
+              <a:xfrm>
+                <a:off x="1187398" y="2737533"/>
+                <a:ext cx="380617" cy="341312"/>
+              </a:xfrm>
+              <a:prstGeom prst="rect">
+                <a:avLst/>
+              </a:prstGeom>
+              <a:noFill/>
+            </p:spPr>
+            <p:txBody>
+              <a:bodyPr wrap="none" lIns="0" tIns="0" rIns="0" bIns="0" rtlCol="0">
+                <a:spAutoFit/>
+              </a:bodyPr>
+              <a:lstStyle/>
+              <a:p>
+                <a14:m>
+                  <m:oMathPara xmlns:m="http://schemas.openxmlformats.org/officeDocument/2006/math">
+                    <m:oMathParaPr>
+                      <m:jc m:val="centerGroup"/>
+                    </m:oMathParaPr>
+                    <m:oMath xmlns:m="http://schemas.openxmlformats.org/officeDocument/2006/math">
+                      <m:sSubSup>
+                        <m:sSubSupPr>
+                          <m:ctrlPr>
+                            <a:rPr lang="pt-BR" b="0" i="1" smtClean="0">
+                              <a:latin typeface="Cambria Math" panose="02040503050406030204" pitchFamily="18" charset="0"/>
+                            </a:rPr>
+                          </m:ctrlPr>
+                        </m:sSubSupPr>
+                        <m:e>
+                          <m:r>
+                            <a:rPr lang="pt-BR" b="0" i="1" smtClean="0">
+                              <a:latin typeface="Cambria Math" panose="02040503050406030204" pitchFamily="18" charset="0"/>
+                            </a:rPr>
+                            <m:t>𝑛</m:t>
+                          </m:r>
+                        </m:e>
+                        <m:sub>
+                          <m:sSub>
+                            <m:sSubPr>
+                              <m:ctrlPr>
+                                <a:rPr lang="pt-BR" b="0" i="1" smtClean="0">
+                                  <a:latin typeface="Cambria Math" panose="02040503050406030204" pitchFamily="18" charset="0"/>
+                                </a:rPr>
+                              </m:ctrlPr>
+                            </m:sSubPr>
+                            <m:e>
+                              <m:r>
+                                <a:rPr lang="pt-BR" b="0" i="1" smtClean="0">
+                                  <a:latin typeface="Cambria Math" panose="02040503050406030204" pitchFamily="18" charset="0"/>
+                                </a:rPr>
+                                <m:t>𝑒</m:t>
+                              </m:r>
+                            </m:e>
+                            <m:sub>
+                              <m:r>
+                                <a:rPr lang="pt-BR" b="0" i="1" smtClean="0">
+                                  <a:latin typeface="Cambria Math" panose="02040503050406030204" pitchFamily="18" charset="0"/>
+                                </a:rPr>
+                                <m:t>𝑦</m:t>
+                              </m:r>
+                            </m:sub>
+                          </m:sSub>
+                        </m:sub>
+                        <m:sup>
+                          <m:r>
+                            <a:rPr lang="pt-BR" b="0" i="1" smtClean="0">
+                              <a:latin typeface="Cambria Math" panose="02040503050406030204" pitchFamily="18" charset="0"/>
+                            </a:rPr>
+                            <m:t>h</m:t>
+                          </m:r>
+                        </m:sup>
+                      </m:sSubSup>
+                    </m:oMath>
+                  </m:oMathPara>
+                </a14:m>
+                <a:endParaRPr lang="pt-BR" dirty="0"/>
+              </a:p>
+            </p:txBody>
+          </p:sp>
+        </mc:Choice>
+        <mc:Fallback>
+          <p:sp>
+            <p:nvSpPr>
+              <p:cNvPr id="26" name="CaixaDeTexto 25"/>
+              <p:cNvSpPr txBox="1">
+                <a:spLocks noRot="1" noChangeAspect="1" noMove="1" noResize="1" noEditPoints="1" noAdjustHandles="1" noChangeArrowheads="1" noChangeShapeType="1" noTextEdit="1"/>
+              </p:cNvSpPr>
+              <p:nvPr/>
+            </p:nvSpPr>
+            <p:spPr>
+              <a:xfrm>
+                <a:off x="1187398" y="2737533"/>
+                <a:ext cx="380617" cy="341312"/>
+              </a:xfrm>
+              <a:prstGeom prst="rect">
+                <a:avLst/>
+              </a:prstGeom>
+              <a:blipFill rotWithShape="0">
+                <a:blip r:embed="rId4"/>
+                <a:stretch>
+                  <a:fillRect l="-8065" t="-1786" r="-4839" b="-16071"/>
+                </a:stretch>
+              </a:blipFill>
+            </p:spPr>
+            <p:txBody>
+              <a:bodyPr/>
+              <a:lstStyle/>
+              <a:p>
+                <a:r>
+                  <a:rPr lang="pt-BR">
+                    <a:noFill/>
+                  </a:rPr>
+                  <a:t> </a:t>
+                </a:r>
+              </a:p>
+            </p:txBody>
+          </p:sp>
+        </mc:Fallback>
+      </mc:AlternateContent>
+      <mc:AlternateContent xmlns:mc="http://schemas.openxmlformats.org/markup-compatibility/2006">
+        <mc:Choice xmlns:a14="http://schemas.microsoft.com/office/drawing/2010/main" Requires="a14">
+          <p:sp>
+            <p:nvSpPr>
+              <p:cNvPr id="27" name="CaixaDeTexto 26"/>
+              <p:cNvSpPr txBox="1"/>
+              <p:nvPr/>
+            </p:nvSpPr>
+            <p:spPr>
+              <a:xfrm>
+                <a:off x="3371040" y="5455907"/>
+                <a:ext cx="286873" cy="276999"/>
+              </a:xfrm>
+              <a:prstGeom prst="rect">
+                <a:avLst/>
+              </a:prstGeom>
+              <a:noFill/>
+            </p:spPr>
+            <p:txBody>
+              <a:bodyPr wrap="none" lIns="0" tIns="0" rIns="0" bIns="0" rtlCol="0">
+                <a:spAutoFit/>
+              </a:bodyPr>
+              <a:lstStyle/>
+              <a:p>
+                <a14:m>
+                  <m:oMathPara xmlns:m="http://schemas.openxmlformats.org/officeDocument/2006/math">
+                    <m:oMathParaPr>
+                      <m:jc m:val="centerGroup"/>
+                    </m:oMathParaPr>
+                    <m:oMath xmlns:m="http://schemas.openxmlformats.org/officeDocument/2006/math">
+                      <m:sSub>
+                        <m:sSubPr>
+                          <m:ctrlPr>
+                            <a:rPr lang="pt-BR" b="0" i="1" smtClean="0">
+                              <a:latin typeface="Cambria Math" panose="02040503050406030204" pitchFamily="18" charset="0"/>
+                            </a:rPr>
+                          </m:ctrlPr>
+                        </m:sSubPr>
+                        <m:e>
+                          <m:r>
+                            <a:rPr lang="pt-BR" b="0" i="1" smtClean="0">
+                              <a:latin typeface="Cambria Math" panose="02040503050406030204" pitchFamily="18" charset="0"/>
+                            </a:rPr>
+                            <m:t>𝑞</m:t>
+                          </m:r>
+                        </m:e>
+                        <m:sub>
+                          <m:r>
+                            <a:rPr lang="pt-BR" b="0" i="1" smtClean="0">
+                              <a:latin typeface="Cambria Math" panose="02040503050406030204" pitchFamily="18" charset="0"/>
+                            </a:rPr>
+                            <m:t>𝑥</m:t>
+                          </m:r>
+                        </m:sub>
+                      </m:sSub>
+                    </m:oMath>
+                  </m:oMathPara>
+                </a14:m>
+                <a:endParaRPr lang="pt-BR" dirty="0"/>
+              </a:p>
+            </p:txBody>
+          </p:sp>
+        </mc:Choice>
+        <mc:Fallback>
+          <p:sp>
+            <p:nvSpPr>
+              <p:cNvPr id="27" name="CaixaDeTexto 26"/>
+              <p:cNvSpPr txBox="1">
+                <a:spLocks noRot="1" noChangeAspect="1" noMove="1" noResize="1" noEditPoints="1" noAdjustHandles="1" noChangeArrowheads="1" noChangeShapeType="1" noTextEdit="1"/>
+              </p:cNvSpPr>
+              <p:nvPr/>
+            </p:nvSpPr>
+            <p:spPr>
+              <a:xfrm>
+                <a:off x="3371040" y="5455907"/>
+                <a:ext cx="286873" cy="276999"/>
+              </a:xfrm>
+              <a:prstGeom prst="rect">
+                <a:avLst/>
+              </a:prstGeom>
+              <a:blipFill rotWithShape="0">
+                <a:blip r:embed="rId5"/>
+                <a:stretch>
+                  <a:fillRect l="-21277" b="-26667"/>
+                </a:stretch>
+              </a:blipFill>
+            </p:spPr>
+            <p:txBody>
+              <a:bodyPr/>
+              <a:lstStyle/>
+              <a:p>
+                <a:r>
+                  <a:rPr lang="pt-BR">
+                    <a:noFill/>
+                  </a:rPr>
+                  <a:t> </a:t>
+                </a:r>
+              </a:p>
+            </p:txBody>
+          </p:sp>
+        </mc:Fallback>
+      </mc:AlternateContent>
+      <mc:AlternateContent xmlns:mc="http://schemas.openxmlformats.org/markup-compatibility/2006">
+        <mc:Choice xmlns:a14="http://schemas.microsoft.com/office/drawing/2010/main" Requires="a14">
+          <p:sp>
+            <p:nvSpPr>
+              <p:cNvPr id="28" name="CaixaDeTexto 27"/>
+              <p:cNvSpPr txBox="1"/>
+              <p:nvPr/>
+            </p:nvSpPr>
+            <p:spPr>
+              <a:xfrm>
+                <a:off x="1820223" y="3954434"/>
+                <a:ext cx="294504" cy="298928"/>
+              </a:xfrm>
+              <a:prstGeom prst="rect">
+                <a:avLst/>
+              </a:prstGeom>
+              <a:noFill/>
+            </p:spPr>
+            <p:txBody>
+              <a:bodyPr wrap="none" lIns="0" tIns="0" rIns="0" bIns="0" rtlCol="0">
+                <a:spAutoFit/>
+              </a:bodyPr>
+              <a:lstStyle/>
+              <a:p>
+                <a14:m>
+                  <m:oMathPara xmlns:m="http://schemas.openxmlformats.org/officeDocument/2006/math">
+                    <m:oMathParaPr>
+                      <m:jc m:val="centerGroup"/>
+                    </m:oMathParaPr>
+                    <m:oMath xmlns:m="http://schemas.openxmlformats.org/officeDocument/2006/math">
+                      <m:sSub>
+                        <m:sSubPr>
+                          <m:ctrlPr>
+                            <a:rPr lang="pt-BR" b="0" i="1" smtClean="0">
+                              <a:latin typeface="Cambria Math" panose="02040503050406030204" pitchFamily="18" charset="0"/>
+                            </a:rPr>
+                          </m:ctrlPr>
+                        </m:sSubPr>
+                        <m:e>
+                          <m:r>
+                            <a:rPr lang="pt-BR" b="0" i="1" smtClean="0">
+                              <a:latin typeface="Cambria Math" panose="02040503050406030204" pitchFamily="18" charset="0"/>
+                            </a:rPr>
+                            <m:t>𝑞</m:t>
+                          </m:r>
+                        </m:e>
+                        <m:sub>
+                          <m:r>
+                            <a:rPr lang="pt-BR" b="0" i="1" smtClean="0">
+                              <a:latin typeface="Cambria Math" panose="02040503050406030204" pitchFamily="18" charset="0"/>
+                            </a:rPr>
+                            <m:t>𝑦</m:t>
+                          </m:r>
+                        </m:sub>
+                      </m:sSub>
+                    </m:oMath>
+                  </m:oMathPara>
+                </a14:m>
+                <a:endParaRPr lang="pt-BR" dirty="0"/>
+              </a:p>
+            </p:txBody>
+          </p:sp>
+        </mc:Choice>
+        <mc:Fallback>
+          <p:sp>
+            <p:nvSpPr>
+              <p:cNvPr id="28" name="CaixaDeTexto 27"/>
+              <p:cNvSpPr txBox="1">
+                <a:spLocks noRot="1" noChangeAspect="1" noMove="1" noResize="1" noEditPoints="1" noAdjustHandles="1" noChangeArrowheads="1" noChangeShapeType="1" noTextEdit="1"/>
+              </p:cNvSpPr>
+              <p:nvPr/>
+            </p:nvSpPr>
+            <p:spPr>
+              <a:xfrm>
+                <a:off x="1820223" y="3954434"/>
+                <a:ext cx="294504" cy="298928"/>
+              </a:xfrm>
+              <a:prstGeom prst="rect">
+                <a:avLst/>
+              </a:prstGeom>
+              <a:blipFill rotWithShape="0">
+                <a:blip r:embed="rId6"/>
+                <a:stretch>
+                  <a:fillRect l="-20833" r="-6250" b="-20408"/>
+                </a:stretch>
+              </a:blipFill>
+            </p:spPr>
+            <p:txBody>
+              <a:bodyPr/>
+              <a:lstStyle/>
+              <a:p>
+                <a:r>
+                  <a:rPr lang="pt-BR">
+                    <a:noFill/>
+                  </a:rPr>
+                  <a:t> </a:t>
+                </a:r>
+              </a:p>
+            </p:txBody>
+          </p:sp>
+        </mc:Fallback>
+      </mc:AlternateContent>
+    </p:spTree>
+    <p:extLst>
+      <p:ext uri="{BB962C8B-B14F-4D97-AF65-F5344CB8AC3E}">
+        <p14:creationId xmlns:p14="http://schemas.microsoft.com/office/powerpoint/2010/main" val="832048981"/>
+      </p:ext>
+    </p:extLst>
+  </p:cSld>
+  <p:clrMapOvr>
+    <a:masterClrMapping/>
+  </p:clrMapOvr>
+</p:sld>
+</file>
+
+<file path=ppt/slides/slide8.xml><?xml version="1.0" encoding="utf-8"?>
 <p:sld xmlns:a="http://schemas.openxmlformats.org/drawingml/2006/main" xmlns:r="http://schemas.openxmlformats.org/officeDocument/2006/relationships" xmlns:p="http://schemas.openxmlformats.org/presentationml/2006/main">
   <p:cSld>
     <p:spTree>
@@ -24406,7 +25076,7 @@
 </p:sld>
 </file>
 
-<file path=ppt/slides/slide8.xml><?xml version="1.0" encoding="utf-8"?>
+<file path=ppt/slides/slide9.xml><?xml version="1.0" encoding="utf-8"?>
 <p:sld xmlns:a="http://schemas.openxmlformats.org/drawingml/2006/main" xmlns:r="http://schemas.openxmlformats.org/officeDocument/2006/relationships" xmlns:p="http://schemas.openxmlformats.org/presentationml/2006/main">
   <p:cSld>
     <p:spTree>

--- a/Outros/MestradoFiguras.pptx
+++ b/Outros/MestradoFiguras.pptx
@@ -249,7 +249,7 @@
           <a:p>
             <a:fld id="{FD4AC941-A4D7-4DAA-81C3-DA9EA35F0F68}" type="datetimeFigureOut">
               <a:rPr lang="pt-BR" smtClean="0"/>
-              <a:t>08/03/2019</a:t>
+              <a:t>18/03/2019</a:t>
             </a:fld>
             <a:endParaRPr lang="pt-BR"/>
           </a:p>
@@ -417,7 +417,7 @@
           <a:p>
             <a:fld id="{FD4AC941-A4D7-4DAA-81C3-DA9EA35F0F68}" type="datetimeFigureOut">
               <a:rPr lang="pt-BR" smtClean="0"/>
-              <a:t>08/03/2019</a:t>
+              <a:t>18/03/2019</a:t>
             </a:fld>
             <a:endParaRPr lang="pt-BR"/>
           </a:p>
@@ -595,7 +595,7 @@
           <a:p>
             <a:fld id="{FD4AC941-A4D7-4DAA-81C3-DA9EA35F0F68}" type="datetimeFigureOut">
               <a:rPr lang="pt-BR" smtClean="0"/>
-              <a:t>08/03/2019</a:t>
+              <a:t>18/03/2019</a:t>
             </a:fld>
             <a:endParaRPr lang="pt-BR"/>
           </a:p>
@@ -763,7 +763,7 @@
           <a:p>
             <a:fld id="{FD4AC941-A4D7-4DAA-81C3-DA9EA35F0F68}" type="datetimeFigureOut">
               <a:rPr lang="pt-BR" smtClean="0"/>
-              <a:t>08/03/2019</a:t>
+              <a:t>18/03/2019</a:t>
             </a:fld>
             <a:endParaRPr lang="pt-BR"/>
           </a:p>
@@ -1008,7 +1008,7 @@
           <a:p>
             <a:fld id="{FD4AC941-A4D7-4DAA-81C3-DA9EA35F0F68}" type="datetimeFigureOut">
               <a:rPr lang="pt-BR" smtClean="0"/>
-              <a:t>08/03/2019</a:t>
+              <a:t>18/03/2019</a:t>
             </a:fld>
             <a:endParaRPr lang="pt-BR"/>
           </a:p>
@@ -1237,7 +1237,7 @@
           <a:p>
             <a:fld id="{FD4AC941-A4D7-4DAA-81C3-DA9EA35F0F68}" type="datetimeFigureOut">
               <a:rPr lang="pt-BR" smtClean="0"/>
-              <a:t>08/03/2019</a:t>
+              <a:t>18/03/2019</a:t>
             </a:fld>
             <a:endParaRPr lang="pt-BR"/>
           </a:p>
@@ -1601,7 +1601,7 @@
           <a:p>
             <a:fld id="{FD4AC941-A4D7-4DAA-81C3-DA9EA35F0F68}" type="datetimeFigureOut">
               <a:rPr lang="pt-BR" smtClean="0"/>
-              <a:t>08/03/2019</a:t>
+              <a:t>18/03/2019</a:t>
             </a:fld>
             <a:endParaRPr lang="pt-BR"/>
           </a:p>
@@ -1718,7 +1718,7 @@
           <a:p>
             <a:fld id="{FD4AC941-A4D7-4DAA-81C3-DA9EA35F0F68}" type="datetimeFigureOut">
               <a:rPr lang="pt-BR" smtClean="0"/>
-              <a:t>08/03/2019</a:t>
+              <a:t>18/03/2019</a:t>
             </a:fld>
             <a:endParaRPr lang="pt-BR"/>
           </a:p>
@@ -1813,7 +1813,7 @@
           <a:p>
             <a:fld id="{FD4AC941-A4D7-4DAA-81C3-DA9EA35F0F68}" type="datetimeFigureOut">
               <a:rPr lang="pt-BR" smtClean="0"/>
-              <a:t>08/03/2019</a:t>
+              <a:t>18/03/2019</a:t>
             </a:fld>
             <a:endParaRPr lang="pt-BR"/>
           </a:p>
@@ -2088,7 +2088,7 @@
           <a:p>
             <a:fld id="{FD4AC941-A4D7-4DAA-81C3-DA9EA35F0F68}" type="datetimeFigureOut">
               <a:rPr lang="pt-BR" smtClean="0"/>
-              <a:t>08/03/2019</a:t>
+              <a:t>18/03/2019</a:t>
             </a:fld>
             <a:endParaRPr lang="pt-BR"/>
           </a:p>
@@ -2340,7 +2340,7 @@
           <a:p>
             <a:fld id="{FD4AC941-A4D7-4DAA-81C3-DA9EA35F0F68}" type="datetimeFigureOut">
               <a:rPr lang="pt-BR" smtClean="0"/>
-              <a:t>08/03/2019</a:t>
+              <a:t>18/03/2019</a:t>
             </a:fld>
             <a:endParaRPr lang="pt-BR"/>
           </a:p>
@@ -2551,7 +2551,7 @@
           <a:p>
             <a:fld id="{FD4AC941-A4D7-4DAA-81C3-DA9EA35F0F68}" type="datetimeFigureOut">
               <a:rPr lang="pt-BR" smtClean="0"/>
-              <a:t>08/03/2019</a:t>
+              <a:t>18/03/2019</a:t>
             </a:fld>
             <a:endParaRPr lang="pt-BR"/>
           </a:p>
@@ -11661,7 +11661,7 @@
           <p:cNvPr id="9" name="Conector de Seta Reta 30">
             <a:extLst>
               <a:ext uri="{FF2B5EF4-FFF2-40B4-BE49-F238E27FC236}">
-                <a16:creationId xmlns:a16="http://schemas.microsoft.com/office/drawing/2014/main" xmlns="" id="{F4E2726F-250A-244A-9FEF-08E332214A0E}"/>
+                <a16:creationId xmlns:a16="http://schemas.microsoft.com/office/drawing/2014/main" id="{F4E2726F-250A-244A-9FEF-08E332214A0E}"/>
               </a:ext>
             </a:extLst>
           </p:cNvPr>
@@ -11703,7 +11703,7 @@
           <p:cNvPr id="11" name="Conector de Seta Reta 31">
             <a:extLst>
               <a:ext uri="{FF2B5EF4-FFF2-40B4-BE49-F238E27FC236}">
-                <a16:creationId xmlns:a16="http://schemas.microsoft.com/office/drawing/2014/main" xmlns="" id="{58C6BB8A-40B7-1D44-841F-91C8117B7A12}"/>
+                <a16:creationId xmlns:a16="http://schemas.microsoft.com/office/drawing/2014/main" id="{58C6BB8A-40B7-1D44-841F-91C8117B7A12}"/>
               </a:ext>
             </a:extLst>
           </p:cNvPr>
@@ -11745,7 +11745,7 @@
           <p:cNvPr id="12" name="CaixaDeTexto 37">
             <a:extLst>
               <a:ext uri="{FF2B5EF4-FFF2-40B4-BE49-F238E27FC236}">
-                <a16:creationId xmlns:a16="http://schemas.microsoft.com/office/drawing/2014/main" xmlns="" id="{71091896-9F67-8847-9C2A-DE057411D085}"/>
+                <a16:creationId xmlns:a16="http://schemas.microsoft.com/office/drawing/2014/main" id="{71091896-9F67-8847-9C2A-DE057411D085}"/>
               </a:ext>
             </a:extLst>
           </p:cNvPr>
@@ -11780,7 +11780,7 @@
           <p:cNvPr id="13" name="CaixaDeTexto 38">
             <a:extLst>
               <a:ext uri="{FF2B5EF4-FFF2-40B4-BE49-F238E27FC236}">
-                <a16:creationId xmlns:a16="http://schemas.microsoft.com/office/drawing/2014/main" xmlns="" id="{76B8159C-42E2-4940-B7F6-6CFD8DA7CF7E}"/>
+                <a16:creationId xmlns:a16="http://schemas.microsoft.com/office/drawing/2014/main" id="{76B8159C-42E2-4940-B7F6-6CFD8DA7CF7E}"/>
               </a:ext>
             </a:extLst>
           </p:cNvPr>
@@ -11815,7 +11815,7 @@
           <p:cNvPr id="14" name="Conector de Seta Reta 31">
             <a:extLst>
               <a:ext uri="{FF2B5EF4-FFF2-40B4-BE49-F238E27FC236}">
-                <a16:creationId xmlns:a16="http://schemas.microsoft.com/office/drawing/2014/main" xmlns="" id="{6270ED07-5855-EB46-9509-DAAB56BDB6EE}"/>
+                <a16:creationId xmlns:a16="http://schemas.microsoft.com/office/drawing/2014/main" id="{6270ED07-5855-EB46-9509-DAAB56BDB6EE}"/>
               </a:ext>
             </a:extLst>
           </p:cNvPr>
@@ -11859,7 +11859,7 @@
           <p:cNvPr id="15" name="CaixaDeTexto 37">
             <a:extLst>
               <a:ext uri="{FF2B5EF4-FFF2-40B4-BE49-F238E27FC236}">
-                <a16:creationId xmlns:a16="http://schemas.microsoft.com/office/drawing/2014/main" xmlns="" id="{A883361E-6275-FD48-BBBB-CC236BA50F68}"/>
+                <a16:creationId xmlns:a16="http://schemas.microsoft.com/office/drawing/2014/main" id="{A883361E-6275-FD48-BBBB-CC236BA50F68}"/>
               </a:ext>
             </a:extLst>
           </p:cNvPr>
@@ -11895,7 +11895,7 @@
           <p:cNvPr id="4" name="Cube 3">
             <a:extLst>
               <a:ext uri="{FF2B5EF4-FFF2-40B4-BE49-F238E27FC236}">
-                <a16:creationId xmlns:a16="http://schemas.microsoft.com/office/drawing/2014/main" xmlns="" id="{91386F85-D730-BC4D-BFB6-86BD933FCE40}"/>
+                <a16:creationId xmlns:a16="http://schemas.microsoft.com/office/drawing/2014/main" id="{91386F85-D730-BC4D-BFB6-86BD933FCE40}"/>
               </a:ext>
             </a:extLst>
           </p:cNvPr>
@@ -11947,7 +11947,7 @@
           <p:cNvPr id="7" name="Straight Arrow Connector 6">
             <a:extLst>
               <a:ext uri="{FF2B5EF4-FFF2-40B4-BE49-F238E27FC236}">
-                <a16:creationId xmlns:a16="http://schemas.microsoft.com/office/drawing/2014/main" xmlns="" id="{FB5C299A-1052-4746-8710-63FF6CFD409E}"/>
+                <a16:creationId xmlns:a16="http://schemas.microsoft.com/office/drawing/2014/main" id="{FB5C299A-1052-4746-8710-63FF6CFD409E}"/>
               </a:ext>
             </a:extLst>
           </p:cNvPr>
@@ -11968,6 +11968,7 @@
             <a:solidFill>
               <a:schemeClr val="tx1"/>
             </a:solidFill>
+            <a:prstDash val="dash"/>
             <a:tailEnd type="triangle"/>
           </a:ln>
         </p:spPr>
@@ -11993,7 +11994,7 @@
               <p:cNvPr id="16" name="TextBox 15">
                 <a:extLst>
                   <a:ext uri="{FF2B5EF4-FFF2-40B4-BE49-F238E27FC236}">
-                    <a16:creationId xmlns:a16="http://schemas.microsoft.com/office/drawing/2014/main" xmlns="" id="{ADCB2C18-6EAD-5D4A-98EB-E29D64C0FCAF}"/>
+                    <a16:creationId xmlns:a16="http://schemas.microsoft.com/office/drawing/2014/main" id="{ADCB2C18-6EAD-5D4A-98EB-E29D64C0FCAF}"/>
                   </a:ext>
                 </a:extLst>
               </p:cNvPr>
@@ -12106,7 +12107,7 @@
           <p:cNvPr id="25" name="Straight Arrow Connector 24">
             <a:extLst>
               <a:ext uri="{FF2B5EF4-FFF2-40B4-BE49-F238E27FC236}">
-                <a16:creationId xmlns:a16="http://schemas.microsoft.com/office/drawing/2014/main" xmlns="" id="{ED64D3D5-6A3F-5A41-83A7-36085B488607}"/>
+                <a16:creationId xmlns:a16="http://schemas.microsoft.com/office/drawing/2014/main" id="{ED64D3D5-6A3F-5A41-83A7-36085B488607}"/>
               </a:ext>
             </a:extLst>
           </p:cNvPr>
@@ -12152,7 +12153,7 @@
               <p:cNvPr id="27" name="TextBox 26">
                 <a:extLst>
                   <a:ext uri="{FF2B5EF4-FFF2-40B4-BE49-F238E27FC236}">
-                    <a16:creationId xmlns:a16="http://schemas.microsoft.com/office/drawing/2014/main" xmlns="" id="{85C03481-1FBF-DF4E-96C2-CDB1991F1F7B}"/>
+                    <a16:creationId xmlns:a16="http://schemas.microsoft.com/office/drawing/2014/main" id="{85C03481-1FBF-DF4E-96C2-CDB1991F1F7B}"/>
                   </a:ext>
                 </a:extLst>
               </p:cNvPr>
@@ -12265,7 +12266,7 @@
           <p:cNvPr id="28" name="Straight Arrow Connector 27">
             <a:extLst>
               <a:ext uri="{FF2B5EF4-FFF2-40B4-BE49-F238E27FC236}">
-                <a16:creationId xmlns:a16="http://schemas.microsoft.com/office/drawing/2014/main" xmlns="" id="{12070AFC-2402-1041-8B48-36FB0348B700}"/>
+                <a16:creationId xmlns:a16="http://schemas.microsoft.com/office/drawing/2014/main" id="{12070AFC-2402-1041-8B48-36FB0348B700}"/>
               </a:ext>
             </a:extLst>
           </p:cNvPr>
@@ -12311,7 +12312,7 @@
               <p:cNvPr id="36" name="TextBox 35">
                 <a:extLst>
                   <a:ext uri="{FF2B5EF4-FFF2-40B4-BE49-F238E27FC236}">
-                    <a16:creationId xmlns:a16="http://schemas.microsoft.com/office/drawing/2014/main" xmlns="" id="{5FE8FBEA-ADFF-AB40-A54A-449E780BBA65}"/>
+                    <a16:creationId xmlns:a16="http://schemas.microsoft.com/office/drawing/2014/main" id="{5FE8FBEA-ADFF-AB40-A54A-449E780BBA65}"/>
                   </a:ext>
                 </a:extLst>
               </p:cNvPr>
@@ -12424,7 +12425,7 @@
           <p:cNvPr id="40" name="Conector de Seta Reta 30">
             <a:extLst>
               <a:ext uri="{FF2B5EF4-FFF2-40B4-BE49-F238E27FC236}">
-                <a16:creationId xmlns:a16="http://schemas.microsoft.com/office/drawing/2014/main" xmlns="" id="{BA2E9DFA-5E42-7A45-BAAF-990ADF7EA0D3}"/>
+                <a16:creationId xmlns:a16="http://schemas.microsoft.com/office/drawing/2014/main" id="{BA2E9DFA-5E42-7A45-BAAF-990ADF7EA0D3}"/>
               </a:ext>
             </a:extLst>
           </p:cNvPr>
@@ -12468,7 +12469,7 @@
           <p:cNvPr id="41" name="Conector de Seta Reta 31">
             <a:extLst>
               <a:ext uri="{FF2B5EF4-FFF2-40B4-BE49-F238E27FC236}">
-                <a16:creationId xmlns:a16="http://schemas.microsoft.com/office/drawing/2014/main" xmlns="" id="{E89DE250-B42E-074A-9B4B-D32C5B21682A}"/>
+                <a16:creationId xmlns:a16="http://schemas.microsoft.com/office/drawing/2014/main" id="{E89DE250-B42E-074A-9B4B-D32C5B21682A}"/>
               </a:ext>
             </a:extLst>
           </p:cNvPr>
@@ -12512,7 +12513,7 @@
           <p:cNvPr id="42" name="CaixaDeTexto 37">
             <a:extLst>
               <a:ext uri="{FF2B5EF4-FFF2-40B4-BE49-F238E27FC236}">
-                <a16:creationId xmlns:a16="http://schemas.microsoft.com/office/drawing/2014/main" xmlns="" id="{EB1519E0-5286-4349-B80E-C58B3668839D}"/>
+                <a16:creationId xmlns:a16="http://schemas.microsoft.com/office/drawing/2014/main" id="{EB1519E0-5286-4349-B80E-C58B3668839D}"/>
               </a:ext>
             </a:extLst>
           </p:cNvPr>
@@ -12547,7 +12548,7 @@
           <p:cNvPr id="44" name="Conector de Seta Reta 31">
             <a:extLst>
               <a:ext uri="{FF2B5EF4-FFF2-40B4-BE49-F238E27FC236}">
-                <a16:creationId xmlns:a16="http://schemas.microsoft.com/office/drawing/2014/main" xmlns="" id="{498F1A6C-5107-C140-BB57-1B5DC6F026FE}"/>
+                <a16:creationId xmlns:a16="http://schemas.microsoft.com/office/drawing/2014/main" id="{498F1A6C-5107-C140-BB57-1B5DC6F026FE}"/>
               </a:ext>
             </a:extLst>
           </p:cNvPr>
@@ -12591,7 +12592,7 @@
           <p:cNvPr id="45" name="CaixaDeTexto 37">
             <a:extLst>
               <a:ext uri="{FF2B5EF4-FFF2-40B4-BE49-F238E27FC236}">
-                <a16:creationId xmlns:a16="http://schemas.microsoft.com/office/drawing/2014/main" xmlns="" id="{B6B0C0B4-5D95-E046-8F05-DBA56B369AC9}"/>
+                <a16:creationId xmlns:a16="http://schemas.microsoft.com/office/drawing/2014/main" id="{B6B0C0B4-5D95-E046-8F05-DBA56B369AC9}"/>
               </a:ext>
             </a:extLst>
           </p:cNvPr>
@@ -12627,7 +12628,7 @@
           <p:cNvPr id="37" name="Cube 36">
             <a:extLst>
               <a:ext uri="{FF2B5EF4-FFF2-40B4-BE49-F238E27FC236}">
-                <a16:creationId xmlns:a16="http://schemas.microsoft.com/office/drawing/2014/main" xmlns="" id="{678A5E09-5210-8B4F-9C6E-687A6DAE997E}"/>
+                <a16:creationId xmlns:a16="http://schemas.microsoft.com/office/drawing/2014/main" id="{678A5E09-5210-8B4F-9C6E-687A6DAE997E}"/>
               </a:ext>
             </a:extLst>
           </p:cNvPr>
@@ -12679,7 +12680,7 @@
           <p:cNvPr id="54" name="Straight Connector 53">
             <a:extLst>
               <a:ext uri="{FF2B5EF4-FFF2-40B4-BE49-F238E27FC236}">
-                <a16:creationId xmlns:a16="http://schemas.microsoft.com/office/drawing/2014/main" xmlns="" id="{13538F5B-109E-414B-A880-6203A7899206}"/>
+                <a16:creationId xmlns:a16="http://schemas.microsoft.com/office/drawing/2014/main" id="{13538F5B-109E-414B-A880-6203A7899206}"/>
               </a:ext>
             </a:extLst>
           </p:cNvPr>
@@ -12721,7 +12722,7 @@
           <p:cNvPr id="55" name="Straight Connector 54">
             <a:extLst>
               <a:ext uri="{FF2B5EF4-FFF2-40B4-BE49-F238E27FC236}">
-                <a16:creationId xmlns:a16="http://schemas.microsoft.com/office/drawing/2014/main" xmlns="" id="{57FE85EB-0365-8045-A5A8-D95E80529B6A}"/>
+                <a16:creationId xmlns:a16="http://schemas.microsoft.com/office/drawing/2014/main" id="{57FE85EB-0365-8045-A5A8-D95E80529B6A}"/>
               </a:ext>
             </a:extLst>
           </p:cNvPr>
@@ -12765,7 +12766,7 @@
           <p:cNvPr id="59" name="Straight Connector 58">
             <a:extLst>
               <a:ext uri="{FF2B5EF4-FFF2-40B4-BE49-F238E27FC236}">
-                <a16:creationId xmlns:a16="http://schemas.microsoft.com/office/drawing/2014/main" xmlns="" id="{4C50B42D-6F2E-F143-8613-E77625FDA0C2}"/>
+                <a16:creationId xmlns:a16="http://schemas.microsoft.com/office/drawing/2014/main" id="{4C50B42D-6F2E-F143-8613-E77625FDA0C2}"/>
               </a:ext>
             </a:extLst>
           </p:cNvPr>
@@ -12809,7 +12810,7 @@
           <p:cNvPr id="61" name="Straight Arrow Connector 60">
             <a:extLst>
               <a:ext uri="{FF2B5EF4-FFF2-40B4-BE49-F238E27FC236}">
-                <a16:creationId xmlns:a16="http://schemas.microsoft.com/office/drawing/2014/main" xmlns="" id="{CF4E5FA0-002E-E44C-85C4-9D2B890C8F48}"/>
+                <a16:creationId xmlns:a16="http://schemas.microsoft.com/office/drawing/2014/main" id="{CF4E5FA0-002E-E44C-85C4-9D2B890C8F48}"/>
               </a:ext>
             </a:extLst>
           </p:cNvPr>
@@ -12855,7 +12856,7 @@
               <p:cNvPr id="64" name="TextBox 63">
                 <a:extLst>
                   <a:ext uri="{FF2B5EF4-FFF2-40B4-BE49-F238E27FC236}">
-                    <a16:creationId xmlns:a16="http://schemas.microsoft.com/office/drawing/2014/main" xmlns="" id="{D3DDB3F6-3863-8B40-8B0C-765B50556082}"/>
+                    <a16:creationId xmlns:a16="http://schemas.microsoft.com/office/drawing/2014/main" id="{D3DDB3F6-3863-8B40-8B0C-765B50556082}"/>
                   </a:ext>
                 </a:extLst>
               </p:cNvPr>
@@ -13008,7 +13009,7 @@
           <p:cNvPr id="66" name="Straight Arrow Connector 65">
             <a:extLst>
               <a:ext uri="{FF2B5EF4-FFF2-40B4-BE49-F238E27FC236}">
-                <a16:creationId xmlns:a16="http://schemas.microsoft.com/office/drawing/2014/main" xmlns="" id="{754DC28D-02DE-074B-A64E-37E346FFDEAB}"/>
+                <a16:creationId xmlns:a16="http://schemas.microsoft.com/office/drawing/2014/main" id="{754DC28D-02DE-074B-A64E-37E346FFDEAB}"/>
               </a:ext>
             </a:extLst>
           </p:cNvPr>
@@ -13055,7 +13056,7 @@
               <p:cNvPr id="68" name="Rectangle 67">
                 <a:extLst>
                   <a:ext uri="{FF2B5EF4-FFF2-40B4-BE49-F238E27FC236}">
-                    <a16:creationId xmlns:a16="http://schemas.microsoft.com/office/drawing/2014/main" xmlns="" id="{FE8B028E-C93E-E548-AF4F-0A464D80D063}"/>
+                    <a16:creationId xmlns:a16="http://schemas.microsoft.com/office/drawing/2014/main" id="{FE8B028E-C93E-E548-AF4F-0A464D80D063}"/>
                   </a:ext>
                 </a:extLst>
               </p:cNvPr>
@@ -13170,7 +13171,7 @@
           <p:cNvPr id="69" name="Straight Arrow Connector 68">
             <a:extLst>
               <a:ext uri="{FF2B5EF4-FFF2-40B4-BE49-F238E27FC236}">
-                <a16:creationId xmlns:a16="http://schemas.microsoft.com/office/drawing/2014/main" xmlns="" id="{BE0D7074-2E41-6946-A7C8-8B995652278D}"/>
+                <a16:creationId xmlns:a16="http://schemas.microsoft.com/office/drawing/2014/main" id="{BE0D7074-2E41-6946-A7C8-8B995652278D}"/>
               </a:ext>
             </a:extLst>
           </p:cNvPr>
@@ -13216,7 +13217,7 @@
               <p:cNvPr id="71" name="Rectangle 70">
                 <a:extLst>
                   <a:ext uri="{FF2B5EF4-FFF2-40B4-BE49-F238E27FC236}">
-                    <a16:creationId xmlns:a16="http://schemas.microsoft.com/office/drawing/2014/main" xmlns="" id="{40CC5FCB-F480-2645-BAD0-61FA0E7FE5ED}"/>
+                    <a16:creationId xmlns:a16="http://schemas.microsoft.com/office/drawing/2014/main" id="{40CC5FCB-F480-2645-BAD0-61FA0E7FE5ED}"/>
                   </a:ext>
                 </a:extLst>
               </p:cNvPr>
@@ -13382,7 +13383,7 @@
               <p:cNvPr id="72" name="Rectangle 71">
                 <a:extLst>
                   <a:ext uri="{FF2B5EF4-FFF2-40B4-BE49-F238E27FC236}">
-                    <a16:creationId xmlns:a16="http://schemas.microsoft.com/office/drawing/2014/main" xmlns="" id="{23629297-22E7-7441-81D1-749C3AD58B54}"/>
+                    <a16:creationId xmlns:a16="http://schemas.microsoft.com/office/drawing/2014/main" id="{23629297-22E7-7441-81D1-749C3AD58B54}"/>
                   </a:ext>
                 </a:extLst>
               </p:cNvPr>
@@ -13494,7 +13495,7 @@
           <p:cNvPr id="73" name="Straight Arrow Connector 72">
             <a:extLst>
               <a:ext uri="{FF2B5EF4-FFF2-40B4-BE49-F238E27FC236}">
-                <a16:creationId xmlns:a16="http://schemas.microsoft.com/office/drawing/2014/main" xmlns="" id="{46F78AF6-5B3C-564C-8FAE-8D1FD83E19D9}"/>
+                <a16:creationId xmlns:a16="http://schemas.microsoft.com/office/drawing/2014/main" id="{46F78AF6-5B3C-564C-8FAE-8D1FD83E19D9}"/>
               </a:ext>
             </a:extLst>
           </p:cNvPr>
@@ -13539,7 +13540,7 @@
           <p:cNvPr id="74" name="Straight Arrow Connector 73">
             <a:extLst>
               <a:ext uri="{FF2B5EF4-FFF2-40B4-BE49-F238E27FC236}">
-                <a16:creationId xmlns:a16="http://schemas.microsoft.com/office/drawing/2014/main" xmlns="" id="{DE12505A-7235-6448-B5C6-FE671E3F8A22}"/>
+                <a16:creationId xmlns:a16="http://schemas.microsoft.com/office/drawing/2014/main" id="{DE12505A-7235-6448-B5C6-FE671E3F8A22}"/>
               </a:ext>
             </a:extLst>
           </p:cNvPr>
@@ -13585,7 +13586,7 @@
               <p:cNvPr id="75" name="TextBox 74">
                 <a:extLst>
                   <a:ext uri="{FF2B5EF4-FFF2-40B4-BE49-F238E27FC236}">
-                    <a16:creationId xmlns:a16="http://schemas.microsoft.com/office/drawing/2014/main" xmlns="" id="{71F8CD0D-BA76-8E46-9CCA-A28143CAAB39}"/>
+                    <a16:creationId xmlns:a16="http://schemas.microsoft.com/office/drawing/2014/main" id="{71F8CD0D-BA76-8E46-9CCA-A28143CAAB39}"/>
                   </a:ext>
                 </a:extLst>
               </p:cNvPr>
@@ -13744,7 +13745,7 @@
           <p:cNvPr id="83" name="CaixaDeTexto 37">
             <a:extLst>
               <a:ext uri="{FF2B5EF4-FFF2-40B4-BE49-F238E27FC236}">
-                <a16:creationId xmlns:a16="http://schemas.microsoft.com/office/drawing/2014/main" xmlns="" id="{82977875-7FA0-AA40-AFC9-85EBA228660F}"/>
+                <a16:creationId xmlns:a16="http://schemas.microsoft.com/office/drawing/2014/main" id="{82977875-7FA0-AA40-AFC9-85EBA228660F}"/>
               </a:ext>
             </a:extLst>
           </p:cNvPr>
@@ -13779,7 +13780,7 @@
           <p:cNvPr id="84" name="Straight Arrow Connector 83">
             <a:extLst>
               <a:ext uri="{FF2B5EF4-FFF2-40B4-BE49-F238E27FC236}">
-                <a16:creationId xmlns:a16="http://schemas.microsoft.com/office/drawing/2014/main" xmlns="" id="{7B2A7D30-80F5-E04E-AF2E-46549DA5001A}"/>
+                <a16:creationId xmlns:a16="http://schemas.microsoft.com/office/drawing/2014/main" id="{7B2A7D30-80F5-E04E-AF2E-46549DA5001A}"/>
               </a:ext>
             </a:extLst>
           </p:cNvPr>
@@ -13825,7 +13826,7 @@
               <p:cNvPr id="85" name="TextBox 84">
                 <a:extLst>
                   <a:ext uri="{FF2B5EF4-FFF2-40B4-BE49-F238E27FC236}">
-                    <a16:creationId xmlns:a16="http://schemas.microsoft.com/office/drawing/2014/main" xmlns="" id="{9EA20542-1E02-FB4B-8965-FFAFE1DDEE71}"/>
+                    <a16:creationId xmlns:a16="http://schemas.microsoft.com/office/drawing/2014/main" id="{9EA20542-1E02-FB4B-8965-FFAFE1DDEE71}"/>
                   </a:ext>
                 </a:extLst>
               </p:cNvPr>
@@ -13938,7 +13939,7 @@
           <p:cNvPr id="29" name="Group 28">
             <a:extLst>
               <a:ext uri="{FF2B5EF4-FFF2-40B4-BE49-F238E27FC236}">
-                <a16:creationId xmlns:a16="http://schemas.microsoft.com/office/drawing/2014/main" xmlns="" id="{3490477F-763A-4F4D-9169-63E295F28330}"/>
+                <a16:creationId xmlns:a16="http://schemas.microsoft.com/office/drawing/2014/main" id="{3490477F-763A-4F4D-9169-63E295F28330}"/>
               </a:ext>
             </a:extLst>
           </p:cNvPr>
@@ -13948,9 +13949,9 @@
         <p:grpSpPr>
           <a:xfrm>
             <a:off x="1207347" y="3397611"/>
-            <a:ext cx="3910890" cy="3125623"/>
+            <a:ext cx="4259203" cy="3125623"/>
             <a:chOff x="1207347" y="3397611"/>
-            <a:chExt cx="3910890" cy="3125623"/>
+            <a:chExt cx="4259203" cy="3125623"/>
           </a:xfrm>
         </p:grpSpPr>
         <p:sp>
@@ -13958,7 +13959,7 @@
             <p:cNvPr id="2" name="Rectangle 1">
               <a:extLst>
                 <a:ext uri="{FF2B5EF4-FFF2-40B4-BE49-F238E27FC236}">
-                  <a16:creationId xmlns:a16="http://schemas.microsoft.com/office/drawing/2014/main" xmlns="" id="{44D1A702-3EFD-7147-9604-63E809BECA89}"/>
+                  <a16:creationId xmlns:a16="http://schemas.microsoft.com/office/drawing/2014/main" id="{44D1A702-3EFD-7147-9604-63E809BECA89}"/>
                 </a:ext>
               </a:extLst>
             </p:cNvPr>
@@ -14015,7 +14016,7 @@
             <p:cNvPr id="3" name="Freeform 2">
               <a:extLst>
                 <a:ext uri="{FF2B5EF4-FFF2-40B4-BE49-F238E27FC236}">
-                  <a16:creationId xmlns:a16="http://schemas.microsoft.com/office/drawing/2014/main" xmlns="" id="{B8C752B6-8936-584E-9D03-0B78FBF9796E}"/>
+                  <a16:creationId xmlns:a16="http://schemas.microsoft.com/office/drawing/2014/main" id="{B8C752B6-8936-584E-9D03-0B78FBF9796E}"/>
                 </a:ext>
               </a:extLst>
             </p:cNvPr>
@@ -14401,7 +14402,7 @@
             <p:cNvPr id="6" name="Oval 5">
               <a:extLst>
                 <a:ext uri="{FF2B5EF4-FFF2-40B4-BE49-F238E27FC236}">
-                  <a16:creationId xmlns:a16="http://schemas.microsoft.com/office/drawing/2014/main" xmlns="" id="{957036A3-CE44-3948-9771-2A025BF838D5}"/>
+                  <a16:creationId xmlns:a16="http://schemas.microsoft.com/office/drawing/2014/main" id="{957036A3-CE44-3948-9771-2A025BF838D5}"/>
                 </a:ext>
               </a:extLst>
             </p:cNvPr>
@@ -14458,7 +14459,7 @@
             <p:cNvPr id="8" name="Freeform 7">
               <a:extLst>
                 <a:ext uri="{FF2B5EF4-FFF2-40B4-BE49-F238E27FC236}">
-                  <a16:creationId xmlns:a16="http://schemas.microsoft.com/office/drawing/2014/main" xmlns="" id="{B9218790-1900-2742-B907-060A7FD7EF9D}"/>
+                  <a16:creationId xmlns:a16="http://schemas.microsoft.com/office/drawing/2014/main" id="{B9218790-1900-2742-B907-060A7FD7EF9D}"/>
                 </a:ext>
               </a:extLst>
             </p:cNvPr>
@@ -14788,7 +14789,7 @@
             <p:cNvPr id="17" name="Freeform 16">
               <a:extLst>
                 <a:ext uri="{FF2B5EF4-FFF2-40B4-BE49-F238E27FC236}">
-                  <a16:creationId xmlns:a16="http://schemas.microsoft.com/office/drawing/2014/main" xmlns="" id="{983FDBFF-E7D3-4A4D-9B1C-35CBBDDED5F6}"/>
+                  <a16:creationId xmlns:a16="http://schemas.microsoft.com/office/drawing/2014/main" id="{983FDBFF-E7D3-4A4D-9B1C-35CBBDDED5F6}"/>
                 </a:ext>
               </a:extLst>
             </p:cNvPr>
@@ -15176,7 +15177,7 @@
             <p:cNvPr id="18" name="Freeform 17">
               <a:extLst>
                 <a:ext uri="{FF2B5EF4-FFF2-40B4-BE49-F238E27FC236}">
-                  <a16:creationId xmlns:a16="http://schemas.microsoft.com/office/drawing/2014/main" xmlns="" id="{351E04E1-FCD0-664D-A440-E67F5F4D328D}"/>
+                  <a16:creationId xmlns:a16="http://schemas.microsoft.com/office/drawing/2014/main" id="{351E04E1-FCD0-664D-A440-E67F5F4D328D}"/>
                 </a:ext>
               </a:extLst>
             </p:cNvPr>
@@ -15398,7 +15399,7 @@
             <p:cNvPr id="20" name="Freeform 19">
               <a:extLst>
                 <a:ext uri="{FF2B5EF4-FFF2-40B4-BE49-F238E27FC236}">
-                  <a16:creationId xmlns:a16="http://schemas.microsoft.com/office/drawing/2014/main" xmlns="" id="{8DC4F329-D01C-094D-ABC3-C4DA25596C37}"/>
+                  <a16:creationId xmlns:a16="http://schemas.microsoft.com/office/drawing/2014/main" id="{8DC4F329-D01C-094D-ABC3-C4DA25596C37}"/>
                 </a:ext>
               </a:extLst>
             </p:cNvPr>
@@ -15648,7 +15649,7 @@
             <p:cNvPr id="22" name="Freeform 21">
               <a:extLst>
                 <a:ext uri="{FF2B5EF4-FFF2-40B4-BE49-F238E27FC236}">
-                  <a16:creationId xmlns:a16="http://schemas.microsoft.com/office/drawing/2014/main" xmlns="" id="{7E04F2F1-51C6-6A47-91BE-CA28F302B4A9}"/>
+                  <a16:creationId xmlns:a16="http://schemas.microsoft.com/office/drawing/2014/main" id="{7E04F2F1-51C6-6A47-91BE-CA28F302B4A9}"/>
                 </a:ext>
               </a:extLst>
             </p:cNvPr>
@@ -15892,7 +15893,7 @@
             <p:cNvPr id="53" name="Freeform 52">
               <a:extLst>
                 <a:ext uri="{FF2B5EF4-FFF2-40B4-BE49-F238E27FC236}">
-                  <a16:creationId xmlns:a16="http://schemas.microsoft.com/office/drawing/2014/main" xmlns="" id="{0147C010-60C8-9843-8796-B13BD5EB5C78}"/>
+                  <a16:creationId xmlns:a16="http://schemas.microsoft.com/office/drawing/2014/main" id="{0147C010-60C8-9843-8796-B13BD5EB5C78}"/>
                 </a:ext>
               </a:extLst>
             </p:cNvPr>
@@ -16280,7 +16281,7 @@
             <p:cNvPr id="56" name="Freeform 55">
               <a:extLst>
                 <a:ext uri="{FF2B5EF4-FFF2-40B4-BE49-F238E27FC236}">
-                  <a16:creationId xmlns:a16="http://schemas.microsoft.com/office/drawing/2014/main" xmlns="" id="{F0095C1D-22F3-BB4B-B94A-E1418D8828E8}"/>
+                  <a16:creationId xmlns:a16="http://schemas.microsoft.com/office/drawing/2014/main" id="{F0095C1D-22F3-BB4B-B94A-E1418D8828E8}"/>
                 </a:ext>
               </a:extLst>
             </p:cNvPr>
@@ -16666,7 +16667,7 @@
             <p:cNvPr id="57" name="Freeform 56">
               <a:extLst>
                 <a:ext uri="{FF2B5EF4-FFF2-40B4-BE49-F238E27FC236}">
-                  <a16:creationId xmlns:a16="http://schemas.microsoft.com/office/drawing/2014/main" xmlns="" id="{47A790B9-35EB-B644-B261-B2582C621B1A}"/>
+                  <a16:creationId xmlns:a16="http://schemas.microsoft.com/office/drawing/2014/main" id="{47A790B9-35EB-B644-B261-B2582C621B1A}"/>
                 </a:ext>
               </a:extLst>
             </p:cNvPr>
@@ -16916,7 +16917,7 @@
             <p:cNvPr id="58" name="Freeform 57">
               <a:extLst>
                 <a:ext uri="{FF2B5EF4-FFF2-40B4-BE49-F238E27FC236}">
-                  <a16:creationId xmlns:a16="http://schemas.microsoft.com/office/drawing/2014/main" xmlns="" id="{72AB0C17-E2D7-9E4A-8F06-5AA42B43D956}"/>
+                  <a16:creationId xmlns:a16="http://schemas.microsoft.com/office/drawing/2014/main" id="{72AB0C17-E2D7-9E4A-8F06-5AA42B43D956}"/>
                 </a:ext>
               </a:extLst>
             </p:cNvPr>
@@ -17302,7 +17303,7 @@
             <p:cNvPr id="60" name="Freeform 59">
               <a:extLst>
                 <a:ext uri="{FF2B5EF4-FFF2-40B4-BE49-F238E27FC236}">
-                  <a16:creationId xmlns:a16="http://schemas.microsoft.com/office/drawing/2014/main" xmlns="" id="{F8FBCBA5-8772-9141-A68A-733CD1CE40F4}"/>
+                  <a16:creationId xmlns:a16="http://schemas.microsoft.com/office/drawing/2014/main" id="{F8FBCBA5-8772-9141-A68A-733CD1CE40F4}"/>
                 </a:ext>
               </a:extLst>
             </p:cNvPr>
@@ -17688,7 +17689,7 @@
             <p:cNvPr id="62" name="Freeform 61">
               <a:extLst>
                 <a:ext uri="{FF2B5EF4-FFF2-40B4-BE49-F238E27FC236}">
-                  <a16:creationId xmlns:a16="http://schemas.microsoft.com/office/drawing/2014/main" xmlns="" id="{81F5B2E2-D515-5449-8565-69EB2D19B507}"/>
+                  <a16:creationId xmlns:a16="http://schemas.microsoft.com/office/drawing/2014/main" id="{81F5B2E2-D515-5449-8565-69EB2D19B507}"/>
                 </a:ext>
               </a:extLst>
             </p:cNvPr>
@@ -17910,7 +17911,7 @@
             <p:cNvPr id="63" name="Freeform 62">
               <a:extLst>
                 <a:ext uri="{FF2B5EF4-FFF2-40B4-BE49-F238E27FC236}">
-                  <a16:creationId xmlns:a16="http://schemas.microsoft.com/office/drawing/2014/main" xmlns="" id="{86706AD3-955C-8C40-A242-3B2625A36FDC}"/>
+                  <a16:creationId xmlns:a16="http://schemas.microsoft.com/office/drawing/2014/main" id="{86706AD3-955C-8C40-A242-3B2625A36FDC}"/>
                 </a:ext>
               </a:extLst>
             </p:cNvPr>
@@ -18240,7 +18241,7 @@
             <p:cNvPr id="65" name="Freeform 64">
               <a:extLst>
                 <a:ext uri="{FF2B5EF4-FFF2-40B4-BE49-F238E27FC236}">
-                  <a16:creationId xmlns:a16="http://schemas.microsoft.com/office/drawing/2014/main" xmlns="" id="{392ED72B-B593-E94B-8E3A-47A57F4EFA28}"/>
+                  <a16:creationId xmlns:a16="http://schemas.microsoft.com/office/drawing/2014/main" id="{392ED72B-B593-E94B-8E3A-47A57F4EFA28}"/>
                 </a:ext>
               </a:extLst>
             </p:cNvPr>
@@ -18626,7 +18627,7 @@
             <p:cNvPr id="67" name="Freeform 66">
               <a:extLst>
                 <a:ext uri="{FF2B5EF4-FFF2-40B4-BE49-F238E27FC236}">
-                  <a16:creationId xmlns:a16="http://schemas.microsoft.com/office/drawing/2014/main" xmlns="" id="{863BAA95-54EC-6648-A2E4-B92D02F843F9}"/>
+                  <a16:creationId xmlns:a16="http://schemas.microsoft.com/office/drawing/2014/main" id="{863BAA95-54EC-6648-A2E4-B92D02F843F9}"/>
                 </a:ext>
               </a:extLst>
             </p:cNvPr>
@@ -18848,7 +18849,7 @@
             <p:cNvPr id="70" name="Straight Arrow Connector 69">
               <a:extLst>
                 <a:ext uri="{FF2B5EF4-FFF2-40B4-BE49-F238E27FC236}">
-                  <a16:creationId xmlns:a16="http://schemas.microsoft.com/office/drawing/2014/main" xmlns="" id="{37CB2550-0B63-614F-A657-CA0C3BAD55B1}"/>
+                  <a16:creationId xmlns:a16="http://schemas.microsoft.com/office/drawing/2014/main" id="{37CB2550-0B63-614F-A657-CA0C3BAD55B1}"/>
                 </a:ext>
               </a:extLst>
             </p:cNvPr>
@@ -18894,7 +18895,7 @@
                 <p:cNvPr id="76" name="TextBox 75">
                   <a:extLst>
                     <a:ext uri="{FF2B5EF4-FFF2-40B4-BE49-F238E27FC236}">
-                      <a16:creationId xmlns:a16="http://schemas.microsoft.com/office/drawing/2014/main" xmlns="" id="{9855CA9B-1AE1-6F48-B19D-C1DCCFD013A6}"/>
+                      <a16:creationId xmlns:a16="http://schemas.microsoft.com/office/drawing/2014/main" id="{9855CA9B-1AE1-6F48-B19D-C1DCCFD013A6}"/>
                     </a:ext>
                   </a:extLst>
                 </p:cNvPr>
@@ -19007,7 +19008,7 @@
             <p:cNvPr id="79" name="Straight Arrow Connector 78">
               <a:extLst>
                 <a:ext uri="{FF2B5EF4-FFF2-40B4-BE49-F238E27FC236}">
-                  <a16:creationId xmlns:a16="http://schemas.microsoft.com/office/drawing/2014/main" xmlns="" id="{55665669-207C-A24A-BA6F-7BBB58EA34B9}"/>
+                  <a16:creationId xmlns:a16="http://schemas.microsoft.com/office/drawing/2014/main" id="{55665669-207C-A24A-BA6F-7BBB58EA34B9}"/>
                 </a:ext>
               </a:extLst>
             </p:cNvPr>
@@ -19046,14 +19047,14 @@
             </a:fontRef>
           </p:style>
         </p:cxnSp>
-        <mc:AlternateContent xmlns:mc="http://schemas.openxmlformats.org/markup-compatibility/2006" xmlns:a14="http://schemas.microsoft.com/office/drawing/2010/main">
-          <mc:Choice Requires="a14">
+        <mc:AlternateContent xmlns:mc="http://schemas.openxmlformats.org/markup-compatibility/2006">
+          <mc:Choice xmlns:a14="http://schemas.microsoft.com/office/drawing/2010/main" Requires="a14">
             <p:sp>
               <p:nvSpPr>
                 <p:cNvPr id="80" name="TextBox 79">
                   <a:extLst>
                     <a:ext uri="{FF2B5EF4-FFF2-40B4-BE49-F238E27FC236}">
-                      <a16:creationId xmlns:a16="http://schemas.microsoft.com/office/drawing/2014/main" xmlns="" id="{34A6CB74-D772-554F-8A10-ABD6AFE1BFFE}"/>
+                      <a16:creationId xmlns:a16="http://schemas.microsoft.com/office/drawing/2014/main" id="{34A6CB74-D772-554F-8A10-ABD6AFE1BFFE}"/>
                     </a:ext>
                   </a:extLst>
                 </p:cNvPr>
@@ -19062,8 +19063,8 @@
               </p:nvSpPr>
               <p:spPr>
                 <a:xfrm>
-                  <a:off x="4498353" y="4661900"/>
-                  <a:ext cx="384592" cy="276999"/>
+                  <a:off x="4299820" y="4646321"/>
+                  <a:ext cx="1166730" cy="276999"/>
                 </a:xfrm>
                 <a:prstGeom prst="rect">
                   <a:avLst/>
@@ -19108,6 +19109,52 @@
                             </m:r>
                           </m:sub>
                         </m:sSub>
+                        <m:r>
+                          <a:rPr lang="pt-BR" b="0" i="1" smtClean="0">
+                            <a:latin typeface="Cambria Math" panose="02040503050406030204" pitchFamily="18" charset="0"/>
+                          </a:rPr>
+                          <m:t>+</m:t>
+                        </m:r>
+                        <m:r>
+                          <m:rPr>
+                            <m:sty m:val="p"/>
+                          </m:rPr>
+                          <a:rPr lang="pt-BR" b="0" i="0" smtClean="0">
+                            <a:latin typeface="Cambria Math" panose="02040503050406030204" pitchFamily="18" charset="0"/>
+                          </a:rPr>
+                          <m:t>Δ</m:t>
+                        </m:r>
+                        <m:sSub>
+                          <m:sSubPr>
+                            <m:ctrlPr>
+                              <a:rPr lang="pt-BR" b="0" i="1" smtClean="0">
+                                <a:latin typeface="Cambria Math" panose="02040503050406030204" pitchFamily="18" charset="0"/>
+                              </a:rPr>
+                            </m:ctrlPr>
+                          </m:sSubPr>
+                          <m:e>
+                            <m:r>
+                              <a:rPr lang="pt-BR" b="0" i="1" smtClean="0">
+                                <a:latin typeface="Cambria Math" panose="02040503050406030204" pitchFamily="18" charset="0"/>
+                              </a:rPr>
+                              <m:t>𝜎</m:t>
+                            </m:r>
+                          </m:e>
+                          <m:sub>
+                            <m:r>
+                              <a:rPr lang="pt-BR" b="0" i="1" smtClean="0">
+                                <a:latin typeface="Cambria Math" panose="02040503050406030204" pitchFamily="18" charset="0"/>
+                              </a:rPr>
+                              <m:t>𝑥𝑥</m:t>
+                            </m:r>
+                            <m:r>
+                              <a:rPr lang="pt-BR" b="0" i="1" smtClean="0">
+                                <a:latin typeface="Cambria Math" panose="02040503050406030204" pitchFamily="18" charset="0"/>
+                              </a:rPr>
+                              <m:t> </m:t>
+                            </m:r>
+                          </m:sub>
+                        </m:sSub>
                       </m:oMath>
                     </m:oMathPara>
                   </a14:m>
@@ -19116,7 +19163,7 @@
               </p:txBody>
             </p:sp>
           </mc:Choice>
-          <mc:Fallback xmlns="">
+          <mc:Fallback>
             <p:sp>
               <p:nvSpPr>
                 <p:cNvPr id="80" name="TextBox 79">
@@ -19133,8 +19180,8 @@
               </p:nvSpPr>
               <p:spPr>
                 <a:xfrm>
-                  <a:off x="4498353" y="4661900"/>
-                  <a:ext cx="384592" cy="276999"/>
+                  <a:off x="4299820" y="4646321"/>
+                  <a:ext cx="1166730" cy="276999"/>
                 </a:xfrm>
                 <a:prstGeom prst="rect">
                   <a:avLst/>
@@ -19142,7 +19189,7 @@
                 <a:blipFill>
                   <a:blip r:embed="rId12"/>
                   <a:stretch>
-                    <a:fillRect l="-3226" b="-8696"/>
+                    <a:fillRect l="-2604" b="-10870"/>
                   </a:stretch>
                 </a:blipFill>
               </p:spPr>
@@ -19151,7 +19198,7 @@
                 <a:lstStyle/>
                 <a:p>
                   <a:r>
-                    <a:rPr lang="en-US">
+                    <a:rPr lang="pt-BR">
                       <a:noFill/>
                     </a:rPr>
                     <a:t> </a:t>
@@ -19166,7 +19213,7 @@
             <p:cNvPr id="81" name="Straight Arrow Connector 80">
               <a:extLst>
                 <a:ext uri="{FF2B5EF4-FFF2-40B4-BE49-F238E27FC236}">
-                  <a16:creationId xmlns:a16="http://schemas.microsoft.com/office/drawing/2014/main" xmlns="" id="{FDFE2E75-8803-D645-962C-55BE74228762}"/>
+                  <a16:creationId xmlns:a16="http://schemas.microsoft.com/office/drawing/2014/main" id="{FDFE2E75-8803-D645-962C-55BE74228762}"/>
                 </a:ext>
               </a:extLst>
             </p:cNvPr>
@@ -19210,7 +19257,7 @@
             <p:cNvPr id="86" name="Straight Arrow Connector 85">
               <a:extLst>
                 <a:ext uri="{FF2B5EF4-FFF2-40B4-BE49-F238E27FC236}">
-                  <a16:creationId xmlns:a16="http://schemas.microsoft.com/office/drawing/2014/main" xmlns="" id="{93DD0A17-02BB-484C-A585-78064B5351E9}"/>
+                  <a16:creationId xmlns:a16="http://schemas.microsoft.com/office/drawing/2014/main" id="{93DD0A17-02BB-484C-A585-78064B5351E9}"/>
                 </a:ext>
               </a:extLst>
             </p:cNvPr>
@@ -19249,14 +19296,14 @@
             </a:fontRef>
           </p:style>
         </p:cxnSp>
-        <mc:AlternateContent xmlns:mc="http://schemas.openxmlformats.org/markup-compatibility/2006" xmlns:a14="http://schemas.microsoft.com/office/drawing/2010/main">
-          <mc:Choice Requires="a14">
+        <mc:AlternateContent xmlns:mc="http://schemas.openxmlformats.org/markup-compatibility/2006">
+          <mc:Choice xmlns:a14="http://schemas.microsoft.com/office/drawing/2010/main" Requires="a14">
             <p:sp>
               <p:nvSpPr>
                 <p:cNvPr id="87" name="TextBox 86">
                   <a:extLst>
                     <a:ext uri="{FF2B5EF4-FFF2-40B4-BE49-F238E27FC236}">
-                      <a16:creationId xmlns:a16="http://schemas.microsoft.com/office/drawing/2014/main" xmlns="" id="{99094E6F-4903-FA41-A682-767C00BC8280}"/>
+                      <a16:creationId xmlns:a16="http://schemas.microsoft.com/office/drawing/2014/main" id="{99094E6F-4903-FA41-A682-767C00BC8280}"/>
                     </a:ext>
                   </a:extLst>
                 </p:cNvPr>
@@ -19266,7 +19313,7 @@
               <p:spPr>
                 <a:xfrm>
                   <a:off x="3284875" y="3537357"/>
-                  <a:ext cx="400238" cy="298928"/>
+                  <a:ext cx="1161152" cy="298928"/>
                 </a:xfrm>
                 <a:prstGeom prst="rect">
                   <a:avLst/>
@@ -19311,6 +19358,46 @@
                             </m:r>
                           </m:sub>
                         </m:sSub>
+                        <m:r>
+                          <a:rPr lang="pt-BR" b="0" i="1" smtClean="0">
+                            <a:latin typeface="Cambria Math" panose="02040503050406030204" pitchFamily="18" charset="0"/>
+                          </a:rPr>
+                          <m:t>+</m:t>
+                        </m:r>
+                        <m:r>
+                          <m:rPr>
+                            <m:sty m:val="p"/>
+                          </m:rPr>
+                          <a:rPr lang="pt-BR" b="0" i="0" smtClean="0">
+                            <a:latin typeface="Cambria Math" panose="02040503050406030204" pitchFamily="18" charset="0"/>
+                          </a:rPr>
+                          <m:t>Δ</m:t>
+                        </m:r>
+                        <m:sSub>
+                          <m:sSubPr>
+                            <m:ctrlPr>
+                              <a:rPr lang="pt-BR" b="0" i="1" smtClean="0">
+                                <a:latin typeface="Cambria Math" panose="02040503050406030204" pitchFamily="18" charset="0"/>
+                              </a:rPr>
+                            </m:ctrlPr>
+                          </m:sSubPr>
+                          <m:e>
+                            <m:r>
+                              <a:rPr lang="pt-BR" b="0" i="1" smtClean="0">
+                                <a:latin typeface="Cambria Math" panose="02040503050406030204" pitchFamily="18" charset="0"/>
+                              </a:rPr>
+                              <m:t>𝜎</m:t>
+                            </m:r>
+                          </m:e>
+                          <m:sub>
+                            <m:r>
+                              <a:rPr lang="pt-BR" b="0" i="1" smtClean="0">
+                                <a:latin typeface="Cambria Math" panose="02040503050406030204" pitchFamily="18" charset="0"/>
+                              </a:rPr>
+                              <m:t>𝑦𝑦</m:t>
+                            </m:r>
+                          </m:sub>
+                        </m:sSub>
                       </m:oMath>
                     </m:oMathPara>
                   </a14:m>
@@ -19319,7 +19406,7 @@
               </p:txBody>
             </p:sp>
           </mc:Choice>
-          <mc:Fallback xmlns="">
+          <mc:Fallback>
             <p:sp>
               <p:nvSpPr>
                 <p:cNvPr id="87" name="TextBox 86">
@@ -19337,7 +19424,7 @@
               <p:spPr>
                 <a:xfrm>
                   <a:off x="3284875" y="3537357"/>
-                  <a:ext cx="400238" cy="298928"/>
+                  <a:ext cx="1161152" cy="298928"/>
                 </a:xfrm>
                 <a:prstGeom prst="rect">
                   <a:avLst/>
@@ -19345,7 +19432,7 @@
                 <a:blipFill>
                   <a:blip r:embed="rId13"/>
                   <a:stretch>
-                    <a:fillRect l="-6250" r="-3125" b="-16667"/>
+                    <a:fillRect l="-2632" r="-2105" b="-20408"/>
                   </a:stretch>
                 </a:blipFill>
               </p:spPr>
@@ -19354,7 +19441,7 @@
                 <a:lstStyle/>
                 <a:p>
                   <a:r>
-                    <a:rPr lang="en-US">
+                    <a:rPr lang="pt-BR">
                       <a:noFill/>
                     </a:rPr>
                     <a:t> </a:t>
@@ -19371,7 +19458,7 @@
                 <p:cNvPr id="88" name="TextBox 87">
                   <a:extLst>
                     <a:ext uri="{FF2B5EF4-FFF2-40B4-BE49-F238E27FC236}">
-                      <a16:creationId xmlns:a16="http://schemas.microsoft.com/office/drawing/2014/main" xmlns="" id="{CA81FD42-A571-FD45-A4BD-D662E0F8144C}"/>
+                      <a16:creationId xmlns:a16="http://schemas.microsoft.com/office/drawing/2014/main" id="{CA81FD42-A571-FD45-A4BD-D662E0F8144C}"/>
                     </a:ext>
                   </a:extLst>
                 </p:cNvPr>
@@ -19480,6 +19567,41 @@
           </mc:Fallback>
         </mc:AlternateContent>
       </p:grpSp>
+      <p:cxnSp>
+        <p:nvCxnSpPr>
+          <p:cNvPr id="23" name="Conector reto 22"/>
+          <p:cNvCxnSpPr/>
+          <p:nvPr/>
+        </p:nvCxnSpPr>
+        <p:spPr>
+          <a:xfrm flipV="1">
+            <a:off x="6228917" y="4369977"/>
+            <a:ext cx="731205" cy="2"/>
+          </a:xfrm>
+          <a:prstGeom prst="line">
+            <a:avLst/>
+          </a:prstGeom>
+          <a:ln>
+            <a:solidFill>
+              <a:schemeClr val="tx1"/>
+            </a:solidFill>
+          </a:ln>
+        </p:spPr>
+        <p:style>
+          <a:lnRef idx="1">
+            <a:schemeClr val="accent1"/>
+          </a:lnRef>
+          <a:fillRef idx="0">
+            <a:schemeClr val="accent1"/>
+          </a:fillRef>
+          <a:effectRef idx="0">
+            <a:schemeClr val="accent1"/>
+          </a:effectRef>
+          <a:fontRef idx="minor">
+            <a:schemeClr val="tx1"/>
+          </a:fontRef>
+        </p:style>
+      </p:cxnSp>
     </p:spTree>
     <p:extLst>
       <p:ext uri="{BB962C8B-B14F-4D97-AF65-F5344CB8AC3E}">
@@ -19515,7 +19637,7 @@
           <p:cNvPr id="4" name="Picture 3">
             <a:extLst>
               <a:ext uri="{FF2B5EF4-FFF2-40B4-BE49-F238E27FC236}">
-                <a16:creationId xmlns:a16="http://schemas.microsoft.com/office/drawing/2014/main" xmlns="" id="{1F46FB23-65FB-9049-9C50-43B5B6AD9EA8}"/>
+                <a16:creationId xmlns:a16="http://schemas.microsoft.com/office/drawing/2014/main" id="{1F46FB23-65FB-9049-9C50-43B5B6AD9EA8}"/>
               </a:ext>
             </a:extLst>
           </p:cNvPr>
@@ -19545,7 +19667,7 @@
           <p:cNvPr id="6" name="Straight Connector 5">
             <a:extLst>
               <a:ext uri="{FF2B5EF4-FFF2-40B4-BE49-F238E27FC236}">
-                <a16:creationId xmlns:a16="http://schemas.microsoft.com/office/drawing/2014/main" xmlns="" id="{3E621B72-9657-FE4E-9C41-001E2A069FE3}"/>
+                <a16:creationId xmlns:a16="http://schemas.microsoft.com/office/drawing/2014/main" id="{3E621B72-9657-FE4E-9C41-001E2A069FE3}"/>
               </a:ext>
             </a:extLst>
           </p:cNvPr>
@@ -22909,8 +23031,8 @@
           </a:fontRef>
         </p:style>
       </p:cxnSp>
-      <mc:AlternateContent xmlns:mc="http://schemas.openxmlformats.org/markup-compatibility/2006">
-        <mc:Choice xmlns:a14="http://schemas.microsoft.com/office/drawing/2010/main" Requires="a14">
+      <mc:AlternateContent xmlns:mc="http://schemas.openxmlformats.org/markup-compatibility/2006" xmlns:a14="http://schemas.microsoft.com/office/drawing/2010/main">
+        <mc:Choice Requires="a14">
           <p:sp>
             <p:nvSpPr>
               <p:cNvPr id="25" name="CaixaDeTexto 24"/>
@@ -22933,6 +23055,7 @@
               </a:bodyPr>
               <a:lstStyle/>
               <a:p>
+                <a:pPr/>
                 <a14:m>
                   <m:oMathPara xmlns:m="http://schemas.openxmlformats.org/officeDocument/2006/math">
                     <m:oMathParaPr>
@@ -22999,7 +23122,7 @@
             </p:txBody>
           </p:sp>
         </mc:Choice>
-        <mc:Fallback>
+        <mc:Fallback xmlns="">
           <p:sp>
             <p:nvSpPr>
               <p:cNvPr id="25" name="CaixaDeTexto 24"/>
@@ -23038,8 +23161,8 @@
           </p:sp>
         </mc:Fallback>
       </mc:AlternateContent>
-      <mc:AlternateContent xmlns:mc="http://schemas.openxmlformats.org/markup-compatibility/2006">
-        <mc:Choice xmlns:a14="http://schemas.microsoft.com/office/drawing/2010/main" Requires="a14">
+      <mc:AlternateContent xmlns:mc="http://schemas.openxmlformats.org/markup-compatibility/2006" xmlns:a14="http://schemas.microsoft.com/office/drawing/2010/main">
+        <mc:Choice Requires="a14">
           <p:sp>
             <p:nvSpPr>
               <p:cNvPr id="26" name="CaixaDeTexto 25"/>
@@ -23062,6 +23185,7 @@
               </a:bodyPr>
               <a:lstStyle/>
               <a:p>
+                <a:pPr/>
                 <a14:m>
                   <m:oMathPara xmlns:m="http://schemas.openxmlformats.org/officeDocument/2006/math">
                     <m:oMathParaPr>
@@ -23128,7 +23252,7 @@
             </p:txBody>
           </p:sp>
         </mc:Choice>
-        <mc:Fallback>
+        <mc:Fallback xmlns="">
           <p:sp>
             <p:nvSpPr>
               <p:cNvPr id="26" name="CaixaDeTexto 25"/>
@@ -23167,8 +23291,8 @@
           </p:sp>
         </mc:Fallback>
       </mc:AlternateContent>
-      <mc:AlternateContent xmlns:mc="http://schemas.openxmlformats.org/markup-compatibility/2006">
-        <mc:Choice xmlns:a14="http://schemas.microsoft.com/office/drawing/2010/main" Requires="a14">
+      <mc:AlternateContent xmlns:mc="http://schemas.openxmlformats.org/markup-compatibility/2006" xmlns:a14="http://schemas.microsoft.com/office/drawing/2010/main">
+        <mc:Choice Requires="a14">
           <p:sp>
             <p:nvSpPr>
               <p:cNvPr id="27" name="CaixaDeTexto 26"/>
@@ -23191,6 +23315,7 @@
               </a:bodyPr>
               <a:lstStyle/>
               <a:p>
+                <a:pPr/>
                 <a14:m>
                   <m:oMathPara xmlns:m="http://schemas.openxmlformats.org/officeDocument/2006/math">
                     <m:oMathParaPr>
@@ -23230,7 +23355,7 @@
             </p:txBody>
           </p:sp>
         </mc:Choice>
-        <mc:Fallback>
+        <mc:Fallback xmlns="">
           <p:sp>
             <p:nvSpPr>
               <p:cNvPr id="27" name="CaixaDeTexto 26"/>
@@ -23269,8 +23394,8 @@
           </p:sp>
         </mc:Fallback>
       </mc:AlternateContent>
-      <mc:AlternateContent xmlns:mc="http://schemas.openxmlformats.org/markup-compatibility/2006">
-        <mc:Choice xmlns:a14="http://schemas.microsoft.com/office/drawing/2010/main" Requires="a14">
+      <mc:AlternateContent xmlns:mc="http://schemas.openxmlformats.org/markup-compatibility/2006" xmlns:a14="http://schemas.microsoft.com/office/drawing/2010/main">
+        <mc:Choice Requires="a14">
           <p:sp>
             <p:nvSpPr>
               <p:cNvPr id="28" name="CaixaDeTexto 27"/>
@@ -23293,6 +23418,7 @@
               </a:bodyPr>
               <a:lstStyle/>
               <a:p>
+                <a:pPr/>
                 <a14:m>
                   <m:oMathPara xmlns:m="http://schemas.openxmlformats.org/officeDocument/2006/math">
                     <m:oMathParaPr>
@@ -23332,7 +23458,7 @@
             </p:txBody>
           </p:sp>
         </mc:Choice>
-        <mc:Fallback>
+        <mc:Fallback xmlns="">
           <p:sp>
             <p:nvSpPr>
               <p:cNvPr id="28" name="CaixaDeTexto 27"/>
@@ -25152,14 +25278,62 @@
                 <a:tableStyleId>{5940675A-B579-460E-94D1-54222C63F5DA}</a:tableStyleId>
               </a:tblPr>
               <a:tblGrid>
-                <a:gridCol w="521749"/>
-                <a:gridCol w="521749"/>
-                <a:gridCol w="521749"/>
-                <a:gridCol w="521749"/>
-                <a:gridCol w="521749"/>
-                <a:gridCol w="521749"/>
-                <a:gridCol w="521749"/>
-                <a:gridCol w="521749"/>
+                <a:gridCol w="521749">
+                  <a:extLst>
+                    <a:ext uri="{9D8B030D-6E8A-4147-A177-3AD203B41FA5}">
+                      <a16:colId xmlns:a16="http://schemas.microsoft.com/office/drawing/2014/main" val="20000"/>
+                    </a:ext>
+                  </a:extLst>
+                </a:gridCol>
+                <a:gridCol w="521749">
+                  <a:extLst>
+                    <a:ext uri="{9D8B030D-6E8A-4147-A177-3AD203B41FA5}">
+                      <a16:colId xmlns:a16="http://schemas.microsoft.com/office/drawing/2014/main" val="20001"/>
+                    </a:ext>
+                  </a:extLst>
+                </a:gridCol>
+                <a:gridCol w="521749">
+                  <a:extLst>
+                    <a:ext uri="{9D8B030D-6E8A-4147-A177-3AD203B41FA5}">
+                      <a16:colId xmlns:a16="http://schemas.microsoft.com/office/drawing/2014/main" val="20002"/>
+                    </a:ext>
+                  </a:extLst>
+                </a:gridCol>
+                <a:gridCol w="521749">
+                  <a:extLst>
+                    <a:ext uri="{9D8B030D-6E8A-4147-A177-3AD203B41FA5}">
+                      <a16:colId xmlns:a16="http://schemas.microsoft.com/office/drawing/2014/main" val="20003"/>
+                    </a:ext>
+                  </a:extLst>
+                </a:gridCol>
+                <a:gridCol w="521749">
+                  <a:extLst>
+                    <a:ext uri="{9D8B030D-6E8A-4147-A177-3AD203B41FA5}">
+                      <a16:colId xmlns:a16="http://schemas.microsoft.com/office/drawing/2014/main" val="20004"/>
+                    </a:ext>
+                  </a:extLst>
+                </a:gridCol>
+                <a:gridCol w="521749">
+                  <a:extLst>
+                    <a:ext uri="{9D8B030D-6E8A-4147-A177-3AD203B41FA5}">
+                      <a16:colId xmlns:a16="http://schemas.microsoft.com/office/drawing/2014/main" val="20005"/>
+                    </a:ext>
+                  </a:extLst>
+                </a:gridCol>
+                <a:gridCol w="521749">
+                  <a:extLst>
+                    <a:ext uri="{9D8B030D-6E8A-4147-A177-3AD203B41FA5}">
+                      <a16:colId xmlns:a16="http://schemas.microsoft.com/office/drawing/2014/main" val="20006"/>
+                    </a:ext>
+                  </a:extLst>
+                </a:gridCol>
+                <a:gridCol w="521749">
+                  <a:extLst>
+                    <a:ext uri="{9D8B030D-6E8A-4147-A177-3AD203B41FA5}">
+                      <a16:colId xmlns:a16="http://schemas.microsoft.com/office/drawing/2014/main" val="20007"/>
+                    </a:ext>
+                  </a:extLst>
+                </a:gridCol>
               </a:tblGrid>
               <a:tr h="370840">
                 <a:tc>
@@ -25282,6 +25456,11 @@
                   </a:txBody>
                   <a:tcPr anchor="ctr"/>
                 </a:tc>
+                <a:extLst>
+                  <a:ext uri="{0D108BD9-81ED-4DB2-BD59-A6C34878D82A}">
+                    <a16:rowId xmlns:a16="http://schemas.microsoft.com/office/drawing/2014/main" val="10000"/>
+                  </a:ext>
+                </a:extLst>
               </a:tr>
               <a:tr h="370840">
                 <a:tc>
@@ -25414,6 +25593,11 @@
                   </a:txBody>
                   <a:tcPr anchor="ctr"/>
                 </a:tc>
+                <a:extLst>
+                  <a:ext uri="{0D108BD9-81ED-4DB2-BD59-A6C34878D82A}">
+                    <a16:rowId xmlns:a16="http://schemas.microsoft.com/office/drawing/2014/main" val="10001"/>
+                  </a:ext>
+                </a:extLst>
               </a:tr>
               <a:tr h="370840">
                 <a:tc gridSpan="2">
@@ -25606,6 +25790,11 @@
                   </a:txBody>
                   <a:tcPr/>
                 </a:tc>
+                <a:extLst>
+                  <a:ext uri="{0D108BD9-81ED-4DB2-BD59-A6C34878D82A}">
+                    <a16:rowId xmlns:a16="http://schemas.microsoft.com/office/drawing/2014/main" val="10002"/>
+                  </a:ext>
+                </a:extLst>
               </a:tr>
               <a:tr h="370840">
                 <a:tc>
@@ -25847,6 +26036,11 @@
                   </a:txBody>
                   <a:tcPr anchor="ctr"/>
                 </a:tc>
+                <a:extLst>
+                  <a:ext uri="{0D108BD9-81ED-4DB2-BD59-A6C34878D82A}">
+                    <a16:rowId xmlns:a16="http://schemas.microsoft.com/office/drawing/2014/main" val="10003"/>
+                  </a:ext>
+                </a:extLst>
               </a:tr>
               <a:tr h="370840">
                 <a:tc>
@@ -26041,6 +26235,11 @@
                   </a:txBody>
                   <a:tcPr anchor="ctr"/>
                 </a:tc>
+                <a:extLst>
+                  <a:ext uri="{0D108BD9-81ED-4DB2-BD59-A6C34878D82A}">
+                    <a16:rowId xmlns:a16="http://schemas.microsoft.com/office/drawing/2014/main" val="10004"/>
+                  </a:ext>
+                </a:extLst>
               </a:tr>
               <a:tr h="370840">
                 <a:tc gridSpan="2">
@@ -26146,6 +26345,11 @@
                   </a:txBody>
                   <a:tcPr/>
                 </a:tc>
+                <a:extLst>
+                  <a:ext uri="{0D108BD9-81ED-4DB2-BD59-A6C34878D82A}">
+                    <a16:rowId xmlns:a16="http://schemas.microsoft.com/office/drawing/2014/main" val="10005"/>
+                  </a:ext>
+                </a:extLst>
               </a:tr>
               <a:tr h="370840">
                 <a:tc>
@@ -26276,6 +26480,11 @@
                   </a:txBody>
                   <a:tcPr anchor="ctr"/>
                 </a:tc>
+                <a:extLst>
+                  <a:ext uri="{0D108BD9-81ED-4DB2-BD59-A6C34878D82A}">
+                    <a16:rowId xmlns:a16="http://schemas.microsoft.com/office/drawing/2014/main" val="10006"/>
+                  </a:ext>
+                </a:extLst>
               </a:tr>
               <a:tr h="370840">
                 <a:tc>
@@ -26406,6 +26615,11 @@
                   </a:txBody>
                   <a:tcPr anchor="ctr"/>
                 </a:tc>
+                <a:extLst>
+                  <a:ext uri="{0D108BD9-81ED-4DB2-BD59-A6C34878D82A}">
+                    <a16:rowId xmlns:a16="http://schemas.microsoft.com/office/drawing/2014/main" val="10007"/>
+                  </a:ext>
+                </a:extLst>
               </a:tr>
             </a:tbl>
           </a:graphicData>
@@ -26509,14 +26723,62 @@
                 <a:tableStyleId>{5940675A-B579-460E-94D1-54222C63F5DA}</a:tableStyleId>
               </a:tblPr>
               <a:tblGrid>
-                <a:gridCol w="521749"/>
-                <a:gridCol w="521749"/>
-                <a:gridCol w="521749"/>
-                <a:gridCol w="521749"/>
-                <a:gridCol w="521749"/>
-                <a:gridCol w="521749"/>
-                <a:gridCol w="521749"/>
-                <a:gridCol w="521749"/>
+                <a:gridCol w="521749">
+                  <a:extLst>
+                    <a:ext uri="{9D8B030D-6E8A-4147-A177-3AD203B41FA5}">
+                      <a16:colId xmlns:a16="http://schemas.microsoft.com/office/drawing/2014/main" val="20000"/>
+                    </a:ext>
+                  </a:extLst>
+                </a:gridCol>
+                <a:gridCol w="521749">
+                  <a:extLst>
+                    <a:ext uri="{9D8B030D-6E8A-4147-A177-3AD203B41FA5}">
+                      <a16:colId xmlns:a16="http://schemas.microsoft.com/office/drawing/2014/main" val="20001"/>
+                    </a:ext>
+                  </a:extLst>
+                </a:gridCol>
+                <a:gridCol w="521749">
+                  <a:extLst>
+                    <a:ext uri="{9D8B030D-6E8A-4147-A177-3AD203B41FA5}">
+                      <a16:colId xmlns:a16="http://schemas.microsoft.com/office/drawing/2014/main" val="20002"/>
+                    </a:ext>
+                  </a:extLst>
+                </a:gridCol>
+                <a:gridCol w="521749">
+                  <a:extLst>
+                    <a:ext uri="{9D8B030D-6E8A-4147-A177-3AD203B41FA5}">
+                      <a16:colId xmlns:a16="http://schemas.microsoft.com/office/drawing/2014/main" val="20003"/>
+                    </a:ext>
+                  </a:extLst>
+                </a:gridCol>
+                <a:gridCol w="521749">
+                  <a:extLst>
+                    <a:ext uri="{9D8B030D-6E8A-4147-A177-3AD203B41FA5}">
+                      <a16:colId xmlns:a16="http://schemas.microsoft.com/office/drawing/2014/main" val="20004"/>
+                    </a:ext>
+                  </a:extLst>
+                </a:gridCol>
+                <a:gridCol w="521749">
+                  <a:extLst>
+                    <a:ext uri="{9D8B030D-6E8A-4147-A177-3AD203B41FA5}">
+                      <a16:colId xmlns:a16="http://schemas.microsoft.com/office/drawing/2014/main" val="20005"/>
+                    </a:ext>
+                  </a:extLst>
+                </a:gridCol>
+                <a:gridCol w="521749">
+                  <a:extLst>
+                    <a:ext uri="{9D8B030D-6E8A-4147-A177-3AD203B41FA5}">
+                      <a16:colId xmlns:a16="http://schemas.microsoft.com/office/drawing/2014/main" val="20006"/>
+                    </a:ext>
+                  </a:extLst>
+                </a:gridCol>
+                <a:gridCol w="521749">
+                  <a:extLst>
+                    <a:ext uri="{9D8B030D-6E8A-4147-A177-3AD203B41FA5}">
+                      <a16:colId xmlns:a16="http://schemas.microsoft.com/office/drawing/2014/main" val="20007"/>
+                    </a:ext>
+                  </a:extLst>
+                </a:gridCol>
               </a:tblGrid>
               <a:tr h="370840">
                 <a:tc>
@@ -26639,6 +26901,11 @@
                   </a:txBody>
                   <a:tcPr anchor="ctr"/>
                 </a:tc>
+                <a:extLst>
+                  <a:ext uri="{0D108BD9-81ED-4DB2-BD59-A6C34878D82A}">
+                    <a16:rowId xmlns:a16="http://schemas.microsoft.com/office/drawing/2014/main" val="10000"/>
+                  </a:ext>
+                </a:extLst>
               </a:tr>
               <a:tr h="370840">
                 <a:tc>
@@ -26771,6 +27038,11 @@
                   </a:txBody>
                   <a:tcPr anchor="ctr"/>
                 </a:tc>
+                <a:extLst>
+                  <a:ext uri="{0D108BD9-81ED-4DB2-BD59-A6C34878D82A}">
+                    <a16:rowId xmlns:a16="http://schemas.microsoft.com/office/drawing/2014/main" val="10001"/>
+                  </a:ext>
+                </a:extLst>
               </a:tr>
               <a:tr h="370840">
                 <a:tc gridSpan="2">
@@ -26963,6 +27235,11 @@
                   </a:txBody>
                   <a:tcPr/>
                 </a:tc>
+                <a:extLst>
+                  <a:ext uri="{0D108BD9-81ED-4DB2-BD59-A6C34878D82A}">
+                    <a16:rowId xmlns:a16="http://schemas.microsoft.com/office/drawing/2014/main" val="10002"/>
+                  </a:ext>
+                </a:extLst>
               </a:tr>
               <a:tr h="370840">
                 <a:tc>
@@ -27204,6 +27481,11 @@
                   </a:txBody>
                   <a:tcPr anchor="ctr"/>
                 </a:tc>
+                <a:extLst>
+                  <a:ext uri="{0D108BD9-81ED-4DB2-BD59-A6C34878D82A}">
+                    <a16:rowId xmlns:a16="http://schemas.microsoft.com/office/drawing/2014/main" val="10003"/>
+                  </a:ext>
+                </a:extLst>
               </a:tr>
               <a:tr h="370840">
                 <a:tc>
@@ -27398,6 +27680,11 @@
                   </a:txBody>
                   <a:tcPr anchor="ctr"/>
                 </a:tc>
+                <a:extLst>
+                  <a:ext uri="{0D108BD9-81ED-4DB2-BD59-A6C34878D82A}">
+                    <a16:rowId xmlns:a16="http://schemas.microsoft.com/office/drawing/2014/main" val="10004"/>
+                  </a:ext>
+                </a:extLst>
               </a:tr>
               <a:tr h="370840">
                 <a:tc gridSpan="2">
@@ -27503,6 +27790,11 @@
                   </a:txBody>
                   <a:tcPr/>
                 </a:tc>
+                <a:extLst>
+                  <a:ext uri="{0D108BD9-81ED-4DB2-BD59-A6C34878D82A}">
+                    <a16:rowId xmlns:a16="http://schemas.microsoft.com/office/drawing/2014/main" val="10005"/>
+                  </a:ext>
+                </a:extLst>
               </a:tr>
               <a:tr h="370840">
                 <a:tc>
@@ -27633,6 +27925,11 @@
                   </a:txBody>
                   <a:tcPr anchor="ctr"/>
                 </a:tc>
+                <a:extLst>
+                  <a:ext uri="{0D108BD9-81ED-4DB2-BD59-A6C34878D82A}">
+                    <a16:rowId xmlns:a16="http://schemas.microsoft.com/office/drawing/2014/main" val="10006"/>
+                  </a:ext>
+                </a:extLst>
               </a:tr>
               <a:tr h="370840">
                 <a:tc>
@@ -27763,6 +28060,11 @@
                   </a:txBody>
                   <a:tcPr anchor="ctr"/>
                 </a:tc>
+                <a:extLst>
+                  <a:ext uri="{0D108BD9-81ED-4DB2-BD59-A6C34878D82A}">
+                    <a16:rowId xmlns:a16="http://schemas.microsoft.com/office/drawing/2014/main" val="10007"/>
+                  </a:ext>
+                </a:extLst>
               </a:tr>
             </a:tbl>
           </a:graphicData>

--- a/Outros/MestradoFiguras.pptx
+++ b/Outros/MestradoFiguras.pptx
@@ -14,6 +14,18 @@
     <p:sldId id="264" r:id="rId8"/>
     <p:sldId id="262" r:id="rId9"/>
     <p:sldId id="263" r:id="rId10"/>
+    <p:sldId id="265" r:id="rId11"/>
+    <p:sldId id="266" r:id="rId12"/>
+    <p:sldId id="267" r:id="rId13"/>
+    <p:sldId id="269" r:id="rId14"/>
+    <p:sldId id="270" r:id="rId15"/>
+    <p:sldId id="268" r:id="rId16"/>
+    <p:sldId id="272" r:id="rId17"/>
+    <p:sldId id="273" r:id="rId18"/>
+    <p:sldId id="274" r:id="rId19"/>
+    <p:sldId id="275" r:id="rId20"/>
+    <p:sldId id="276" r:id="rId21"/>
+    <p:sldId id="277" r:id="rId22"/>
   </p:sldIdLst>
   <p:sldSz cx="12192000" cy="6858000"/>
   <p:notesSz cx="6858000" cy="9144000"/>
@@ -249,7 +261,7 @@
           <a:p>
             <a:fld id="{FD4AC941-A4D7-4DAA-81C3-DA9EA35F0F68}" type="datetimeFigureOut">
               <a:rPr lang="pt-BR" smtClean="0"/>
-              <a:t>18/03/2019</a:t>
+              <a:t>15/04/2019</a:t>
             </a:fld>
             <a:endParaRPr lang="pt-BR"/>
           </a:p>
@@ -417,7 +429,7 @@
           <a:p>
             <a:fld id="{FD4AC941-A4D7-4DAA-81C3-DA9EA35F0F68}" type="datetimeFigureOut">
               <a:rPr lang="pt-BR" smtClean="0"/>
-              <a:t>18/03/2019</a:t>
+              <a:t>15/04/2019</a:t>
             </a:fld>
             <a:endParaRPr lang="pt-BR"/>
           </a:p>
@@ -595,7 +607,7 @@
           <a:p>
             <a:fld id="{FD4AC941-A4D7-4DAA-81C3-DA9EA35F0F68}" type="datetimeFigureOut">
               <a:rPr lang="pt-BR" smtClean="0"/>
-              <a:t>18/03/2019</a:t>
+              <a:t>15/04/2019</a:t>
             </a:fld>
             <a:endParaRPr lang="pt-BR"/>
           </a:p>
@@ -763,7 +775,7 @@
           <a:p>
             <a:fld id="{FD4AC941-A4D7-4DAA-81C3-DA9EA35F0F68}" type="datetimeFigureOut">
               <a:rPr lang="pt-BR" smtClean="0"/>
-              <a:t>18/03/2019</a:t>
+              <a:t>15/04/2019</a:t>
             </a:fld>
             <a:endParaRPr lang="pt-BR"/>
           </a:p>
@@ -1008,7 +1020,7 @@
           <a:p>
             <a:fld id="{FD4AC941-A4D7-4DAA-81C3-DA9EA35F0F68}" type="datetimeFigureOut">
               <a:rPr lang="pt-BR" smtClean="0"/>
-              <a:t>18/03/2019</a:t>
+              <a:t>15/04/2019</a:t>
             </a:fld>
             <a:endParaRPr lang="pt-BR"/>
           </a:p>
@@ -1237,7 +1249,7 @@
           <a:p>
             <a:fld id="{FD4AC941-A4D7-4DAA-81C3-DA9EA35F0F68}" type="datetimeFigureOut">
               <a:rPr lang="pt-BR" smtClean="0"/>
-              <a:t>18/03/2019</a:t>
+              <a:t>15/04/2019</a:t>
             </a:fld>
             <a:endParaRPr lang="pt-BR"/>
           </a:p>
@@ -1601,7 +1613,7 @@
           <a:p>
             <a:fld id="{FD4AC941-A4D7-4DAA-81C3-DA9EA35F0F68}" type="datetimeFigureOut">
               <a:rPr lang="pt-BR" smtClean="0"/>
-              <a:t>18/03/2019</a:t>
+              <a:t>15/04/2019</a:t>
             </a:fld>
             <a:endParaRPr lang="pt-BR"/>
           </a:p>
@@ -1718,7 +1730,7 @@
           <a:p>
             <a:fld id="{FD4AC941-A4D7-4DAA-81C3-DA9EA35F0F68}" type="datetimeFigureOut">
               <a:rPr lang="pt-BR" smtClean="0"/>
-              <a:t>18/03/2019</a:t>
+              <a:t>15/04/2019</a:t>
             </a:fld>
             <a:endParaRPr lang="pt-BR"/>
           </a:p>
@@ -1813,7 +1825,7 @@
           <a:p>
             <a:fld id="{FD4AC941-A4D7-4DAA-81C3-DA9EA35F0F68}" type="datetimeFigureOut">
               <a:rPr lang="pt-BR" smtClean="0"/>
-              <a:t>18/03/2019</a:t>
+              <a:t>15/04/2019</a:t>
             </a:fld>
             <a:endParaRPr lang="pt-BR"/>
           </a:p>
@@ -2088,7 +2100,7 @@
           <a:p>
             <a:fld id="{FD4AC941-A4D7-4DAA-81C3-DA9EA35F0F68}" type="datetimeFigureOut">
               <a:rPr lang="pt-BR" smtClean="0"/>
-              <a:t>18/03/2019</a:t>
+              <a:t>15/04/2019</a:t>
             </a:fld>
             <a:endParaRPr lang="pt-BR"/>
           </a:p>
@@ -2340,7 +2352,7 @@
           <a:p>
             <a:fld id="{FD4AC941-A4D7-4DAA-81C3-DA9EA35F0F68}" type="datetimeFigureOut">
               <a:rPr lang="pt-BR" smtClean="0"/>
-              <a:t>18/03/2019</a:t>
+              <a:t>15/04/2019</a:t>
             </a:fld>
             <a:endParaRPr lang="pt-BR"/>
           </a:p>
@@ -2551,7 +2563,7 @@
           <a:p>
             <a:fld id="{FD4AC941-A4D7-4DAA-81C3-DA9EA35F0F68}" type="datetimeFigureOut">
               <a:rPr lang="pt-BR" smtClean="0"/>
-              <a:t>18/03/2019</a:t>
+              <a:t>15/04/2019</a:t>
             </a:fld>
             <a:endParaRPr lang="pt-BR"/>
           </a:p>
@@ -4429,6 +4441,7250 @@
 </p:sld>
 </file>
 
+<file path=ppt/slides/slide10.xml><?xml version="1.0" encoding="utf-8"?>
+<p:sld xmlns:a="http://schemas.openxmlformats.org/drawingml/2006/main" xmlns:r="http://schemas.openxmlformats.org/officeDocument/2006/relationships" xmlns:p="http://schemas.openxmlformats.org/presentationml/2006/main">
+  <p:cSld>
+    <p:spTree>
+      <p:nvGrpSpPr>
+        <p:cNvPr id="1" name=""/>
+        <p:cNvGrpSpPr/>
+        <p:nvPr/>
+      </p:nvGrpSpPr>
+      <p:grpSpPr>
+        <a:xfrm>
+          <a:off x="0" y="0"/>
+          <a:ext cx="0" cy="0"/>
+          <a:chOff x="0" y="0"/>
+          <a:chExt cx="0" cy="0"/>
+        </a:xfrm>
+      </p:grpSpPr>
+      <mc:AlternateContent xmlns:mc="http://schemas.openxmlformats.org/markup-compatibility/2006" xmlns:a14="http://schemas.microsoft.com/office/drawing/2010/main">
+        <mc:Choice Requires="a14">
+          <p:sp>
+            <p:nvSpPr>
+              <p:cNvPr id="4" name="Retângulo 3"/>
+              <p:cNvSpPr/>
+              <p:nvPr/>
+            </p:nvSpPr>
+            <p:spPr>
+              <a:xfrm>
+                <a:off x="1160891" y="3723833"/>
+                <a:ext cx="2743200" cy="2743200"/>
+              </a:xfrm>
+              <a:prstGeom prst="rect">
+                <a:avLst/>
+              </a:prstGeom>
+              <a:solidFill>
+                <a:schemeClr val="bg1"/>
+              </a:solidFill>
+              <a:ln w="28575">
+                <a:solidFill>
+                  <a:schemeClr val="tx1"/>
+                </a:solidFill>
+              </a:ln>
+            </p:spPr>
+            <p:style>
+              <a:lnRef idx="2">
+                <a:schemeClr val="accent1">
+                  <a:shade val="50000"/>
+                </a:schemeClr>
+              </a:lnRef>
+              <a:fillRef idx="1">
+                <a:schemeClr val="accent1"/>
+              </a:fillRef>
+              <a:effectRef idx="0">
+                <a:schemeClr val="accent1"/>
+              </a:effectRef>
+              <a:fontRef idx="minor">
+                <a:schemeClr val="lt1"/>
+              </a:fontRef>
+            </p:style>
+            <p:txBody>
+              <a:bodyPr rtlCol="0" anchor="ctr"/>
+              <a:lstStyle/>
+              <a:p>
+                <a:pPr algn="ctr"/>
+                <a14:m>
+                  <m:oMathPara xmlns:m="http://schemas.openxmlformats.org/officeDocument/2006/math">
+                    <m:oMathParaPr>
+                      <m:jc m:val="centerGroup"/>
+                    </m:oMathParaPr>
+                    <m:oMath xmlns:m="http://schemas.openxmlformats.org/officeDocument/2006/math">
+                      <m:r>
+                        <a:rPr lang="pt-BR" sz="3600" b="0" i="0" smtClean="0">
+                          <a:solidFill>
+                            <a:schemeClr val="tx1"/>
+                          </a:solidFill>
+                          <a:latin typeface="Cambria Math" panose="02040503050406030204" pitchFamily="18" charset="0"/>
+                        </a:rPr>
+                        <m:t>  </m:t>
+                      </m:r>
+                      <m:r>
+                        <m:rPr>
+                          <m:sty m:val="p"/>
+                        </m:rPr>
+                        <a:rPr lang="pt-BR" sz="3600" b="0" i="0" smtClean="0">
+                          <a:solidFill>
+                            <a:schemeClr val="tx1"/>
+                          </a:solidFill>
+                          <a:latin typeface="Cambria Math" panose="02040503050406030204" pitchFamily="18" charset="0"/>
+                        </a:rPr>
+                        <m:t>Ω</m:t>
+                      </m:r>
+                    </m:oMath>
+                  </m:oMathPara>
+                </a14:m>
+                <a:endParaRPr lang="pt-BR" dirty="0">
+                  <a:solidFill>
+                    <a:schemeClr val="tx1"/>
+                  </a:solidFill>
+                </a:endParaRPr>
+              </a:p>
+            </p:txBody>
+          </p:sp>
+        </mc:Choice>
+        <mc:Fallback xmlns="">
+          <p:sp>
+            <p:nvSpPr>
+              <p:cNvPr id="4" name="Retângulo 3"/>
+              <p:cNvSpPr>
+                <a:spLocks noRot="1" noChangeAspect="1" noMove="1" noResize="1" noEditPoints="1" noAdjustHandles="1" noChangeArrowheads="1" noChangeShapeType="1" noTextEdit="1"/>
+              </p:cNvSpPr>
+              <p:nvPr/>
+            </p:nvSpPr>
+            <p:spPr>
+              <a:xfrm>
+                <a:off x="1160891" y="3723833"/>
+                <a:ext cx="2743200" cy="2743200"/>
+              </a:xfrm>
+              <a:prstGeom prst="rect">
+                <a:avLst/>
+              </a:prstGeom>
+              <a:blipFill rotWithShape="0">
+                <a:blip r:embed="rId2"/>
+                <a:stretch>
+                  <a:fillRect/>
+                </a:stretch>
+              </a:blipFill>
+              <a:ln w="28575">
+                <a:solidFill>
+                  <a:schemeClr val="tx1"/>
+                </a:solidFill>
+              </a:ln>
+            </p:spPr>
+            <p:txBody>
+              <a:bodyPr/>
+              <a:lstStyle/>
+              <a:p>
+                <a:r>
+                  <a:rPr lang="pt-BR">
+                    <a:noFill/>
+                  </a:rPr>
+                  <a:t> </a:t>
+                </a:r>
+              </a:p>
+            </p:txBody>
+          </p:sp>
+        </mc:Fallback>
+      </mc:AlternateContent>
+      <p:cxnSp>
+        <p:nvCxnSpPr>
+          <p:cNvPr id="5" name="Conector reto 4"/>
+          <p:cNvCxnSpPr/>
+          <p:nvPr/>
+        </p:nvCxnSpPr>
+        <p:spPr>
+          <a:xfrm>
+            <a:off x="2075291" y="3723833"/>
+            <a:ext cx="0" cy="2743200"/>
+          </a:xfrm>
+          <a:prstGeom prst="line">
+            <a:avLst/>
+          </a:prstGeom>
+          <a:ln w="28575">
+            <a:solidFill>
+              <a:schemeClr val="tx1"/>
+            </a:solidFill>
+          </a:ln>
+        </p:spPr>
+        <p:style>
+          <a:lnRef idx="1">
+            <a:schemeClr val="accent1"/>
+          </a:lnRef>
+          <a:fillRef idx="0">
+            <a:schemeClr val="accent1"/>
+          </a:fillRef>
+          <a:effectRef idx="0">
+            <a:schemeClr val="accent1"/>
+          </a:effectRef>
+          <a:fontRef idx="minor">
+            <a:schemeClr val="tx1"/>
+          </a:fontRef>
+        </p:style>
+      </p:cxnSp>
+      <p:cxnSp>
+        <p:nvCxnSpPr>
+          <p:cNvPr id="6" name="Conector reto 5"/>
+          <p:cNvCxnSpPr/>
+          <p:nvPr/>
+        </p:nvCxnSpPr>
+        <p:spPr>
+          <a:xfrm>
+            <a:off x="2989691" y="3723833"/>
+            <a:ext cx="0" cy="2743200"/>
+          </a:xfrm>
+          <a:prstGeom prst="line">
+            <a:avLst/>
+          </a:prstGeom>
+          <a:ln w="28575">
+            <a:solidFill>
+              <a:schemeClr val="tx1"/>
+            </a:solidFill>
+          </a:ln>
+        </p:spPr>
+        <p:style>
+          <a:lnRef idx="1">
+            <a:schemeClr val="accent1"/>
+          </a:lnRef>
+          <a:fillRef idx="0">
+            <a:schemeClr val="accent1"/>
+          </a:fillRef>
+          <a:effectRef idx="0">
+            <a:schemeClr val="accent1"/>
+          </a:effectRef>
+          <a:fontRef idx="minor">
+            <a:schemeClr val="tx1"/>
+          </a:fontRef>
+        </p:style>
+      </p:cxnSp>
+      <p:cxnSp>
+        <p:nvCxnSpPr>
+          <p:cNvPr id="7" name="Conector reto 6"/>
+          <p:cNvCxnSpPr/>
+          <p:nvPr/>
+        </p:nvCxnSpPr>
+        <p:spPr>
+          <a:xfrm>
+            <a:off x="1160891" y="4638233"/>
+            <a:ext cx="2743200" cy="0"/>
+          </a:xfrm>
+          <a:prstGeom prst="line">
+            <a:avLst/>
+          </a:prstGeom>
+          <a:ln w="28575">
+            <a:solidFill>
+              <a:schemeClr val="tx1"/>
+            </a:solidFill>
+          </a:ln>
+        </p:spPr>
+        <p:style>
+          <a:lnRef idx="1">
+            <a:schemeClr val="accent1"/>
+          </a:lnRef>
+          <a:fillRef idx="0">
+            <a:schemeClr val="accent1"/>
+          </a:fillRef>
+          <a:effectRef idx="0">
+            <a:schemeClr val="accent1"/>
+          </a:effectRef>
+          <a:fontRef idx="minor">
+            <a:schemeClr val="tx1"/>
+          </a:fontRef>
+        </p:style>
+      </p:cxnSp>
+      <p:cxnSp>
+        <p:nvCxnSpPr>
+          <p:cNvPr id="8" name="Conector reto 7"/>
+          <p:cNvCxnSpPr/>
+          <p:nvPr/>
+        </p:nvCxnSpPr>
+        <p:spPr>
+          <a:xfrm>
+            <a:off x="1160891" y="5552633"/>
+            <a:ext cx="2743200" cy="0"/>
+          </a:xfrm>
+          <a:prstGeom prst="line">
+            <a:avLst/>
+          </a:prstGeom>
+          <a:ln w="28575">
+            <a:solidFill>
+              <a:schemeClr val="tx1"/>
+            </a:solidFill>
+          </a:ln>
+        </p:spPr>
+        <p:style>
+          <a:lnRef idx="1">
+            <a:schemeClr val="accent1"/>
+          </a:lnRef>
+          <a:fillRef idx="0">
+            <a:schemeClr val="accent1"/>
+          </a:fillRef>
+          <a:effectRef idx="0">
+            <a:schemeClr val="accent1"/>
+          </a:effectRef>
+          <a:fontRef idx="minor">
+            <a:schemeClr val="tx1"/>
+          </a:fontRef>
+        </p:style>
+      </p:cxnSp>
+      <mc:AlternateContent xmlns:mc="http://schemas.openxmlformats.org/markup-compatibility/2006" xmlns:a14="http://schemas.microsoft.com/office/drawing/2010/main">
+        <mc:Choice Requires="a14">
+          <p:sp>
+            <p:nvSpPr>
+              <p:cNvPr id="9" name="Retângulo 8"/>
+              <p:cNvSpPr/>
+              <p:nvPr/>
+            </p:nvSpPr>
+            <p:spPr>
+              <a:xfrm>
+                <a:off x="1160891" y="271372"/>
+                <a:ext cx="2743200" cy="2743200"/>
+              </a:xfrm>
+              <a:prstGeom prst="rect">
+                <a:avLst/>
+              </a:prstGeom>
+              <a:solidFill>
+                <a:schemeClr val="bg1"/>
+              </a:solidFill>
+              <a:ln w="28575">
+                <a:solidFill>
+                  <a:schemeClr val="tx1"/>
+                </a:solidFill>
+              </a:ln>
+            </p:spPr>
+            <p:style>
+              <a:lnRef idx="2">
+                <a:schemeClr val="accent1">
+                  <a:shade val="50000"/>
+                </a:schemeClr>
+              </a:lnRef>
+              <a:fillRef idx="1">
+                <a:schemeClr val="accent1"/>
+              </a:fillRef>
+              <a:effectRef idx="0">
+                <a:schemeClr val="accent1"/>
+              </a:effectRef>
+              <a:fontRef idx="minor">
+                <a:schemeClr val="lt1"/>
+              </a:fontRef>
+            </p:style>
+            <p:txBody>
+              <a:bodyPr rtlCol="0" anchor="ctr"/>
+              <a:lstStyle/>
+              <a:p>
+                <a:pPr algn="ctr"/>
+                <a14:m>
+                  <m:oMathPara xmlns:m="http://schemas.openxmlformats.org/officeDocument/2006/math">
+                    <m:oMathParaPr>
+                      <m:jc m:val="centerGroup"/>
+                    </m:oMathParaPr>
+                    <m:oMath xmlns:m="http://schemas.openxmlformats.org/officeDocument/2006/math">
+                      <m:r>
+                        <a:rPr lang="pt-BR" sz="3600" b="0" i="0" smtClean="0">
+                          <a:solidFill>
+                            <a:schemeClr val="tx1"/>
+                          </a:solidFill>
+                          <a:latin typeface="Cambria Math" panose="02040503050406030204" pitchFamily="18" charset="0"/>
+                        </a:rPr>
+                        <m:t>  </m:t>
+                      </m:r>
+                      <m:r>
+                        <m:rPr>
+                          <m:sty m:val="p"/>
+                        </m:rPr>
+                        <a:rPr lang="pt-BR" sz="3600" b="0" i="0" smtClean="0">
+                          <a:solidFill>
+                            <a:schemeClr val="tx1"/>
+                          </a:solidFill>
+                          <a:latin typeface="Cambria Math" panose="02040503050406030204" pitchFamily="18" charset="0"/>
+                        </a:rPr>
+                        <m:t>Ω</m:t>
+                      </m:r>
+                    </m:oMath>
+                  </m:oMathPara>
+                </a14:m>
+                <a:endParaRPr lang="pt-BR" dirty="0">
+                  <a:solidFill>
+                    <a:schemeClr val="tx1"/>
+                  </a:solidFill>
+                </a:endParaRPr>
+              </a:p>
+            </p:txBody>
+          </p:sp>
+        </mc:Choice>
+        <mc:Fallback xmlns="">
+          <p:sp>
+            <p:nvSpPr>
+              <p:cNvPr id="9" name="Retângulo 8"/>
+              <p:cNvSpPr>
+                <a:spLocks noRot="1" noChangeAspect="1" noMove="1" noResize="1" noEditPoints="1" noAdjustHandles="1" noChangeArrowheads="1" noChangeShapeType="1" noTextEdit="1"/>
+              </p:cNvSpPr>
+              <p:nvPr/>
+            </p:nvSpPr>
+            <p:spPr>
+              <a:xfrm>
+                <a:off x="1160891" y="271372"/>
+                <a:ext cx="2743200" cy="2743200"/>
+              </a:xfrm>
+              <a:prstGeom prst="rect">
+                <a:avLst/>
+              </a:prstGeom>
+              <a:blipFill rotWithShape="0">
+                <a:blip r:embed="rId3"/>
+                <a:stretch>
+                  <a:fillRect/>
+                </a:stretch>
+              </a:blipFill>
+              <a:ln w="28575">
+                <a:solidFill>
+                  <a:schemeClr val="tx1"/>
+                </a:solidFill>
+              </a:ln>
+            </p:spPr>
+            <p:txBody>
+              <a:bodyPr/>
+              <a:lstStyle/>
+              <a:p>
+                <a:r>
+                  <a:rPr lang="pt-BR">
+                    <a:noFill/>
+                  </a:rPr>
+                  <a:t> </a:t>
+                </a:r>
+              </a:p>
+            </p:txBody>
+          </p:sp>
+        </mc:Fallback>
+      </mc:AlternateContent>
+      <p:sp>
+        <p:nvSpPr>
+          <p:cNvPr id="10" name="Seta para baixo 9"/>
+          <p:cNvSpPr/>
+          <p:nvPr/>
+        </p:nvSpPr>
+        <p:spPr>
+          <a:xfrm>
+            <a:off x="2426849" y="3160016"/>
+            <a:ext cx="211283" cy="426552"/>
+          </a:xfrm>
+          <a:prstGeom prst="downArrow">
+            <a:avLst/>
+          </a:prstGeom>
+          <a:solidFill>
+            <a:schemeClr val="tx1"/>
+          </a:solidFill>
+          <a:ln>
+            <a:solidFill>
+              <a:schemeClr val="tx1"/>
+            </a:solidFill>
+          </a:ln>
+        </p:spPr>
+        <p:style>
+          <a:lnRef idx="2">
+            <a:schemeClr val="accent1">
+              <a:shade val="50000"/>
+            </a:schemeClr>
+          </a:lnRef>
+          <a:fillRef idx="1">
+            <a:schemeClr val="accent1"/>
+          </a:fillRef>
+          <a:effectRef idx="0">
+            <a:schemeClr val="accent1"/>
+          </a:effectRef>
+          <a:fontRef idx="minor">
+            <a:schemeClr val="lt1"/>
+          </a:fontRef>
+        </p:style>
+        <p:txBody>
+          <a:bodyPr rtlCol="0" anchor="ctr"/>
+          <a:lstStyle/>
+          <a:p>
+            <a:pPr algn="ctr"/>
+            <a:endParaRPr lang="pt-BR"/>
+          </a:p>
+        </p:txBody>
+      </p:sp>
+      <p:grpSp>
+        <p:nvGrpSpPr>
+          <p:cNvPr id="30" name="Grupo 29"/>
+          <p:cNvGrpSpPr/>
+          <p:nvPr/>
+        </p:nvGrpSpPr>
+        <p:grpSpPr>
+          <a:xfrm>
+            <a:off x="5971429" y="1251255"/>
+            <a:ext cx="2099145" cy="1399857"/>
+            <a:chOff x="5971429" y="1251255"/>
+            <a:chExt cx="2099145" cy="1399857"/>
+          </a:xfrm>
+        </p:grpSpPr>
+        <p:cxnSp>
+          <p:nvCxnSpPr>
+            <p:cNvPr id="14" name="Conector de seta reta 13"/>
+            <p:cNvCxnSpPr/>
+            <p:nvPr/>
+          </p:nvCxnSpPr>
+          <p:spPr>
+            <a:xfrm>
+              <a:off x="5971429" y="2361538"/>
+              <a:ext cx="2099145" cy="0"/>
+            </a:xfrm>
+            <a:prstGeom prst="straightConnector1">
+              <a:avLst/>
+            </a:prstGeom>
+            <a:ln>
+              <a:solidFill>
+                <a:schemeClr val="tx1"/>
+              </a:solidFill>
+              <a:tailEnd type="triangle"/>
+            </a:ln>
+          </p:spPr>
+          <p:style>
+            <a:lnRef idx="1">
+              <a:schemeClr val="accent1"/>
+            </a:lnRef>
+            <a:fillRef idx="0">
+              <a:schemeClr val="accent1"/>
+            </a:fillRef>
+            <a:effectRef idx="0">
+              <a:schemeClr val="accent1"/>
+            </a:effectRef>
+            <a:fontRef idx="minor">
+              <a:schemeClr val="tx1"/>
+            </a:fontRef>
+          </p:style>
+        </p:cxnSp>
+        <p:cxnSp>
+          <p:nvCxnSpPr>
+            <p:cNvPr id="18" name="Conector reto 17"/>
+            <p:cNvCxnSpPr/>
+            <p:nvPr/>
+          </p:nvCxnSpPr>
+          <p:spPr>
+            <a:xfrm flipV="1">
+              <a:off x="6949440" y="1582310"/>
+              <a:ext cx="0" cy="779228"/>
+            </a:xfrm>
+            <a:prstGeom prst="line">
+              <a:avLst/>
+            </a:prstGeom>
+            <a:ln w="9525">
+              <a:solidFill>
+                <a:schemeClr val="tx1"/>
+              </a:solidFill>
+              <a:prstDash val="dash"/>
+            </a:ln>
+          </p:spPr>
+          <p:style>
+            <a:lnRef idx="1">
+              <a:schemeClr val="accent1"/>
+            </a:lnRef>
+            <a:fillRef idx="0">
+              <a:schemeClr val="accent1"/>
+            </a:fillRef>
+            <a:effectRef idx="0">
+              <a:schemeClr val="accent1"/>
+            </a:effectRef>
+            <a:fontRef idx="minor">
+              <a:schemeClr val="tx1"/>
+            </a:fontRef>
+          </p:style>
+        </p:cxnSp>
+        <p:cxnSp>
+          <p:nvCxnSpPr>
+            <p:cNvPr id="19" name="Conector reto 18"/>
+            <p:cNvCxnSpPr/>
+            <p:nvPr/>
+          </p:nvCxnSpPr>
+          <p:spPr>
+            <a:xfrm>
+              <a:off x="6949440" y="2297927"/>
+              <a:ext cx="0" cy="151075"/>
+            </a:xfrm>
+            <a:prstGeom prst="line">
+              <a:avLst/>
+            </a:prstGeom>
+            <a:ln>
+              <a:solidFill>
+                <a:schemeClr val="tx1"/>
+              </a:solidFill>
+            </a:ln>
+          </p:spPr>
+          <p:style>
+            <a:lnRef idx="1">
+              <a:schemeClr val="accent1"/>
+            </a:lnRef>
+            <a:fillRef idx="0">
+              <a:schemeClr val="accent1"/>
+            </a:fillRef>
+            <a:effectRef idx="0">
+              <a:schemeClr val="accent1"/>
+            </a:effectRef>
+            <a:fontRef idx="minor">
+              <a:schemeClr val="tx1"/>
+            </a:fontRef>
+          </p:style>
+        </p:cxnSp>
+        <p:cxnSp>
+          <p:nvCxnSpPr>
+            <p:cNvPr id="20" name="Conector reto 19"/>
+            <p:cNvCxnSpPr/>
+            <p:nvPr/>
+          </p:nvCxnSpPr>
+          <p:spPr>
+            <a:xfrm>
+              <a:off x="6282856" y="2297927"/>
+              <a:ext cx="0" cy="151075"/>
+            </a:xfrm>
+            <a:prstGeom prst="line">
+              <a:avLst/>
+            </a:prstGeom>
+            <a:ln>
+              <a:solidFill>
+                <a:schemeClr val="tx1"/>
+              </a:solidFill>
+            </a:ln>
+          </p:spPr>
+          <p:style>
+            <a:lnRef idx="1">
+              <a:schemeClr val="accent1"/>
+            </a:lnRef>
+            <a:fillRef idx="0">
+              <a:schemeClr val="accent1"/>
+            </a:fillRef>
+            <a:effectRef idx="0">
+              <a:schemeClr val="accent1"/>
+            </a:effectRef>
+            <a:fontRef idx="minor">
+              <a:schemeClr val="tx1"/>
+            </a:fontRef>
+          </p:style>
+        </p:cxnSp>
+        <p:cxnSp>
+          <p:nvCxnSpPr>
+            <p:cNvPr id="21" name="Conector reto 20"/>
+            <p:cNvCxnSpPr/>
+            <p:nvPr/>
+          </p:nvCxnSpPr>
+          <p:spPr>
+            <a:xfrm>
+              <a:off x="7627952" y="2299253"/>
+              <a:ext cx="0" cy="151075"/>
+            </a:xfrm>
+            <a:prstGeom prst="line">
+              <a:avLst/>
+            </a:prstGeom>
+            <a:ln>
+              <a:solidFill>
+                <a:schemeClr val="tx1"/>
+              </a:solidFill>
+            </a:ln>
+          </p:spPr>
+          <p:style>
+            <a:lnRef idx="1">
+              <a:schemeClr val="accent1"/>
+            </a:lnRef>
+            <a:fillRef idx="0">
+              <a:schemeClr val="accent1"/>
+            </a:fillRef>
+            <a:effectRef idx="0">
+              <a:schemeClr val="accent1"/>
+            </a:effectRef>
+            <a:fontRef idx="minor">
+              <a:schemeClr val="tx1"/>
+            </a:fontRef>
+          </p:style>
+        </p:cxnSp>
+        <p:cxnSp>
+          <p:nvCxnSpPr>
+            <p:cNvPr id="23" name="Conector reto 22"/>
+            <p:cNvCxnSpPr/>
+            <p:nvPr/>
+          </p:nvCxnSpPr>
+          <p:spPr>
+            <a:xfrm flipV="1">
+              <a:off x="6282856" y="1582310"/>
+              <a:ext cx="666584" cy="779228"/>
+            </a:xfrm>
+            <a:prstGeom prst="line">
+              <a:avLst/>
+            </a:prstGeom>
+            <a:ln w="19050">
+              <a:solidFill>
+                <a:schemeClr val="tx1"/>
+              </a:solidFill>
+            </a:ln>
+          </p:spPr>
+          <p:style>
+            <a:lnRef idx="1">
+              <a:schemeClr val="accent1"/>
+            </a:lnRef>
+            <a:fillRef idx="0">
+              <a:schemeClr val="accent1"/>
+            </a:fillRef>
+            <a:effectRef idx="0">
+              <a:schemeClr val="accent1"/>
+            </a:effectRef>
+            <a:fontRef idx="minor">
+              <a:schemeClr val="tx1"/>
+            </a:fontRef>
+          </p:style>
+        </p:cxnSp>
+        <p:cxnSp>
+          <p:nvCxnSpPr>
+            <p:cNvPr id="25" name="Conector reto 24"/>
+            <p:cNvCxnSpPr/>
+            <p:nvPr/>
+          </p:nvCxnSpPr>
+          <p:spPr>
+            <a:xfrm>
+              <a:off x="6949440" y="1582310"/>
+              <a:ext cx="678512" cy="779228"/>
+            </a:xfrm>
+            <a:prstGeom prst="line">
+              <a:avLst/>
+            </a:prstGeom>
+            <a:ln w="19050">
+              <a:solidFill>
+                <a:schemeClr val="tx1"/>
+              </a:solidFill>
+            </a:ln>
+          </p:spPr>
+          <p:style>
+            <a:lnRef idx="1">
+              <a:schemeClr val="accent1"/>
+            </a:lnRef>
+            <a:fillRef idx="0">
+              <a:schemeClr val="accent1"/>
+            </a:fillRef>
+            <a:effectRef idx="0">
+              <a:schemeClr val="accent1"/>
+            </a:effectRef>
+            <a:fontRef idx="minor">
+              <a:schemeClr val="tx1"/>
+            </a:fontRef>
+          </p:style>
+        </p:cxnSp>
+        <mc:AlternateContent xmlns:mc="http://schemas.openxmlformats.org/markup-compatibility/2006" xmlns:a14="http://schemas.microsoft.com/office/drawing/2010/main">
+          <mc:Choice Requires="a14">
+            <p:sp>
+              <p:nvSpPr>
+                <p:cNvPr id="26" name="CaixaDeTexto 25"/>
+                <p:cNvSpPr txBox="1"/>
+                <p:nvPr/>
+              </p:nvSpPr>
+              <p:spPr>
+                <a:xfrm>
+                  <a:off x="6773494" y="1251255"/>
+                  <a:ext cx="351891" cy="299249"/>
+                </a:xfrm>
+                <a:prstGeom prst="rect">
+                  <a:avLst/>
+                </a:prstGeom>
+                <a:noFill/>
+              </p:spPr>
+              <p:txBody>
+                <a:bodyPr wrap="none" lIns="0" tIns="0" rIns="0" bIns="0" rtlCol="0">
+                  <a:spAutoFit/>
+                </a:bodyPr>
+                <a:lstStyle/>
+                <a:p>
+                  <a:pPr/>
+                  <a14:m>
+                    <m:oMathPara xmlns:m="http://schemas.openxmlformats.org/officeDocument/2006/math">
+                      <m:oMathParaPr>
+                        <m:jc m:val="centerGroup"/>
+                      </m:oMathParaPr>
+                      <m:oMath xmlns:m="http://schemas.openxmlformats.org/officeDocument/2006/math">
+                        <m:sSubSup>
+                          <m:sSubSupPr>
+                            <m:ctrlPr>
+                              <a:rPr lang="pt-BR" b="0" i="1" smtClean="0">
+                                <a:latin typeface="Cambria Math" panose="02040503050406030204" pitchFamily="18" charset="0"/>
+                              </a:rPr>
+                            </m:ctrlPr>
+                          </m:sSubSupPr>
+                          <m:e>
+                            <m:r>
+                              <a:rPr lang="pt-BR" b="0" i="1" smtClean="0">
+                                <a:latin typeface="Cambria Math" panose="02040503050406030204" pitchFamily="18" charset="0"/>
+                              </a:rPr>
+                              <m:t>𝑁</m:t>
+                            </m:r>
+                          </m:e>
+                          <m:sub>
+                            <m:r>
+                              <a:rPr lang="pt-BR" b="0" i="1" smtClean="0">
+                                <a:latin typeface="Cambria Math" panose="02040503050406030204" pitchFamily="18" charset="0"/>
+                              </a:rPr>
+                              <m:t>𝑖</m:t>
+                            </m:r>
+                          </m:sub>
+                          <m:sup>
+                            <m:r>
+                              <a:rPr lang="pt-BR" b="0" i="1" smtClean="0">
+                                <a:latin typeface="Cambria Math" panose="02040503050406030204" pitchFamily="18" charset="0"/>
+                              </a:rPr>
+                              <m:t>h</m:t>
+                            </m:r>
+                          </m:sup>
+                        </m:sSubSup>
+                      </m:oMath>
+                    </m:oMathPara>
+                  </a14:m>
+                  <a:endParaRPr lang="pt-BR" dirty="0"/>
+                </a:p>
+              </p:txBody>
+            </p:sp>
+          </mc:Choice>
+          <mc:Fallback xmlns="">
+            <p:sp>
+              <p:nvSpPr>
+                <p:cNvPr id="26" name="CaixaDeTexto 25"/>
+                <p:cNvSpPr txBox="1">
+                  <a:spLocks noRot="1" noChangeAspect="1" noMove="1" noResize="1" noEditPoints="1" noAdjustHandles="1" noChangeArrowheads="1" noChangeShapeType="1" noTextEdit="1"/>
+                </p:cNvSpPr>
+                <p:nvPr/>
+              </p:nvSpPr>
+              <p:spPr>
+                <a:xfrm>
+                  <a:off x="6773494" y="1251255"/>
+                  <a:ext cx="351891" cy="299249"/>
+                </a:xfrm>
+                <a:prstGeom prst="rect">
+                  <a:avLst/>
+                </a:prstGeom>
+                <a:blipFill rotWithShape="0">
+                  <a:blip r:embed="rId4"/>
+                  <a:stretch>
+                    <a:fillRect l="-15517" r="-5172" b="-22449"/>
+                  </a:stretch>
+                </a:blipFill>
+              </p:spPr>
+              <p:txBody>
+                <a:bodyPr/>
+                <a:lstStyle/>
+                <a:p>
+                  <a:r>
+                    <a:rPr lang="pt-BR">
+                      <a:noFill/>
+                    </a:rPr>
+                    <a:t> </a:t>
+                  </a:r>
+                </a:p>
+              </p:txBody>
+            </p:sp>
+          </mc:Fallback>
+        </mc:AlternateContent>
+        <mc:AlternateContent xmlns:mc="http://schemas.openxmlformats.org/markup-compatibility/2006" xmlns:a14="http://schemas.microsoft.com/office/drawing/2010/main">
+          <mc:Choice Requires="a14">
+            <p:sp>
+              <p:nvSpPr>
+                <p:cNvPr id="27" name="CaixaDeTexto 26"/>
+                <p:cNvSpPr txBox="1"/>
+                <p:nvPr/>
+              </p:nvSpPr>
+              <p:spPr>
+                <a:xfrm>
+                  <a:off x="6782791" y="2354234"/>
+                  <a:ext cx="350545" cy="276999"/>
+                </a:xfrm>
+                <a:prstGeom prst="rect">
+                  <a:avLst/>
+                </a:prstGeom>
+                <a:noFill/>
+              </p:spPr>
+              <p:txBody>
+                <a:bodyPr wrap="none" rtlCol="0">
+                  <a:spAutoFit/>
+                </a:bodyPr>
+                <a:lstStyle/>
+                <a:p>
+                  <a:pPr/>
+                  <a14:m>
+                    <m:oMathPara xmlns:m="http://schemas.openxmlformats.org/officeDocument/2006/math">
+                      <m:oMathParaPr>
+                        <m:jc m:val="centerGroup"/>
+                      </m:oMathParaPr>
+                      <m:oMath xmlns:m="http://schemas.openxmlformats.org/officeDocument/2006/math">
+                        <m:sSub>
+                          <m:sSubPr>
+                            <m:ctrlPr>
+                              <a:rPr lang="pt-BR" sz="1200" b="0" i="1" smtClean="0">
+                                <a:latin typeface="Cambria Math" panose="02040503050406030204" pitchFamily="18" charset="0"/>
+                              </a:rPr>
+                            </m:ctrlPr>
+                          </m:sSubPr>
+                          <m:e>
+                            <m:r>
+                              <a:rPr lang="pt-BR" sz="1200" b="0" i="1" smtClean="0">
+                                <a:latin typeface="Cambria Math" panose="02040503050406030204" pitchFamily="18" charset="0"/>
+                              </a:rPr>
+                              <m:t>𝑥</m:t>
+                            </m:r>
+                          </m:e>
+                          <m:sub>
+                            <m:r>
+                              <a:rPr lang="pt-BR" sz="1200" b="0" i="1" smtClean="0">
+                                <a:latin typeface="Cambria Math" panose="02040503050406030204" pitchFamily="18" charset="0"/>
+                              </a:rPr>
+                              <m:t>𝑖</m:t>
+                            </m:r>
+                          </m:sub>
+                        </m:sSub>
+                      </m:oMath>
+                    </m:oMathPara>
+                  </a14:m>
+                  <a:endParaRPr lang="pt-BR" sz="1200" dirty="0"/>
+                </a:p>
+              </p:txBody>
+            </p:sp>
+          </mc:Choice>
+          <mc:Fallback xmlns="">
+            <p:sp>
+              <p:nvSpPr>
+                <p:cNvPr id="27" name="CaixaDeTexto 26"/>
+                <p:cNvSpPr txBox="1">
+                  <a:spLocks noRot="1" noChangeAspect="1" noMove="1" noResize="1" noEditPoints="1" noAdjustHandles="1" noChangeArrowheads="1" noChangeShapeType="1" noTextEdit="1"/>
+                </p:cNvSpPr>
+                <p:nvPr/>
+              </p:nvSpPr>
+              <p:spPr>
+                <a:xfrm>
+                  <a:off x="6782791" y="2354234"/>
+                  <a:ext cx="350545" cy="276999"/>
+                </a:xfrm>
+                <a:prstGeom prst="rect">
+                  <a:avLst/>
+                </a:prstGeom>
+                <a:blipFill rotWithShape="0">
+                  <a:blip r:embed="rId5"/>
+                  <a:stretch>
+                    <a:fillRect/>
+                  </a:stretch>
+                </a:blipFill>
+              </p:spPr>
+              <p:txBody>
+                <a:bodyPr/>
+                <a:lstStyle/>
+                <a:p>
+                  <a:r>
+                    <a:rPr lang="pt-BR">
+                      <a:noFill/>
+                    </a:rPr>
+                    <a:t> </a:t>
+                  </a:r>
+                </a:p>
+              </p:txBody>
+            </p:sp>
+          </mc:Fallback>
+        </mc:AlternateContent>
+        <mc:AlternateContent xmlns:mc="http://schemas.openxmlformats.org/markup-compatibility/2006" xmlns:a14="http://schemas.microsoft.com/office/drawing/2010/main">
+          <mc:Choice Requires="a14">
+            <p:sp>
+              <p:nvSpPr>
+                <p:cNvPr id="28" name="CaixaDeTexto 27"/>
+                <p:cNvSpPr txBox="1"/>
+                <p:nvPr/>
+              </p:nvSpPr>
+              <p:spPr>
+                <a:xfrm>
+                  <a:off x="7440750" y="2354233"/>
+                  <a:ext cx="498021" cy="276999"/>
+                </a:xfrm>
+                <a:prstGeom prst="rect">
+                  <a:avLst/>
+                </a:prstGeom>
+                <a:noFill/>
+              </p:spPr>
+              <p:txBody>
+                <a:bodyPr wrap="none" rtlCol="0">
+                  <a:spAutoFit/>
+                </a:bodyPr>
+                <a:lstStyle/>
+                <a:p>
+                  <a:pPr/>
+                  <a14:m>
+                    <m:oMathPara xmlns:m="http://schemas.openxmlformats.org/officeDocument/2006/math">
+                      <m:oMathParaPr>
+                        <m:jc m:val="centerGroup"/>
+                      </m:oMathParaPr>
+                      <m:oMath xmlns:m="http://schemas.openxmlformats.org/officeDocument/2006/math">
+                        <m:sSub>
+                          <m:sSubPr>
+                            <m:ctrlPr>
+                              <a:rPr lang="pt-BR" sz="1200" b="0" i="1" smtClean="0">
+                                <a:latin typeface="Cambria Math" panose="02040503050406030204" pitchFamily="18" charset="0"/>
+                              </a:rPr>
+                            </m:ctrlPr>
+                          </m:sSubPr>
+                          <m:e>
+                            <m:r>
+                              <a:rPr lang="pt-BR" sz="1200" b="0" i="1" smtClean="0">
+                                <a:latin typeface="Cambria Math" panose="02040503050406030204" pitchFamily="18" charset="0"/>
+                              </a:rPr>
+                              <m:t>𝑥</m:t>
+                            </m:r>
+                          </m:e>
+                          <m:sub>
+                            <m:r>
+                              <a:rPr lang="pt-BR" sz="1200" b="0" i="1" smtClean="0">
+                                <a:latin typeface="Cambria Math" panose="02040503050406030204" pitchFamily="18" charset="0"/>
+                              </a:rPr>
+                              <m:t>𝑖</m:t>
+                            </m:r>
+                            <m:r>
+                              <a:rPr lang="pt-BR" sz="1200" b="0" i="1" smtClean="0">
+                                <a:latin typeface="Cambria Math" panose="02040503050406030204" pitchFamily="18" charset="0"/>
+                              </a:rPr>
+                              <m:t>+1</m:t>
+                            </m:r>
+                          </m:sub>
+                        </m:sSub>
+                      </m:oMath>
+                    </m:oMathPara>
+                  </a14:m>
+                  <a:endParaRPr lang="pt-BR" sz="1200" dirty="0"/>
+                </a:p>
+              </p:txBody>
+            </p:sp>
+          </mc:Choice>
+          <mc:Fallback xmlns="">
+            <p:sp>
+              <p:nvSpPr>
+                <p:cNvPr id="28" name="CaixaDeTexto 27"/>
+                <p:cNvSpPr txBox="1">
+                  <a:spLocks noRot="1" noChangeAspect="1" noMove="1" noResize="1" noEditPoints="1" noAdjustHandles="1" noChangeArrowheads="1" noChangeShapeType="1" noTextEdit="1"/>
+                </p:cNvSpPr>
+                <p:nvPr/>
+              </p:nvSpPr>
+              <p:spPr>
+                <a:xfrm>
+                  <a:off x="7440750" y="2354233"/>
+                  <a:ext cx="498021" cy="276999"/>
+                </a:xfrm>
+                <a:prstGeom prst="rect">
+                  <a:avLst/>
+                </a:prstGeom>
+                <a:blipFill rotWithShape="0">
+                  <a:blip r:embed="rId6"/>
+                  <a:stretch>
+                    <a:fillRect/>
+                  </a:stretch>
+                </a:blipFill>
+              </p:spPr>
+              <p:txBody>
+                <a:bodyPr/>
+                <a:lstStyle/>
+                <a:p>
+                  <a:r>
+                    <a:rPr lang="pt-BR">
+                      <a:noFill/>
+                    </a:rPr>
+                    <a:t> </a:t>
+                  </a:r>
+                </a:p>
+              </p:txBody>
+            </p:sp>
+          </mc:Fallback>
+        </mc:AlternateContent>
+        <mc:AlternateContent xmlns:mc="http://schemas.openxmlformats.org/markup-compatibility/2006" xmlns:a14="http://schemas.microsoft.com/office/drawing/2010/main">
+          <mc:Choice Requires="a14">
+            <p:sp>
+              <p:nvSpPr>
+                <p:cNvPr id="29" name="CaixaDeTexto 28"/>
+                <p:cNvSpPr txBox="1"/>
+                <p:nvPr/>
+              </p:nvSpPr>
+              <p:spPr>
+                <a:xfrm>
+                  <a:off x="6048702" y="2374113"/>
+                  <a:ext cx="498021" cy="276999"/>
+                </a:xfrm>
+                <a:prstGeom prst="rect">
+                  <a:avLst/>
+                </a:prstGeom>
+                <a:noFill/>
+              </p:spPr>
+              <p:txBody>
+                <a:bodyPr wrap="none" rtlCol="0">
+                  <a:spAutoFit/>
+                </a:bodyPr>
+                <a:lstStyle/>
+                <a:p>
+                  <a:pPr/>
+                  <a14:m>
+                    <m:oMathPara xmlns:m="http://schemas.openxmlformats.org/officeDocument/2006/math">
+                      <m:oMathParaPr>
+                        <m:jc m:val="centerGroup"/>
+                      </m:oMathParaPr>
+                      <m:oMath xmlns:m="http://schemas.openxmlformats.org/officeDocument/2006/math">
+                        <m:sSub>
+                          <m:sSubPr>
+                            <m:ctrlPr>
+                              <a:rPr lang="pt-BR" sz="1200" b="0" i="1" smtClean="0">
+                                <a:latin typeface="Cambria Math" panose="02040503050406030204" pitchFamily="18" charset="0"/>
+                              </a:rPr>
+                            </m:ctrlPr>
+                          </m:sSubPr>
+                          <m:e>
+                            <m:r>
+                              <a:rPr lang="pt-BR" sz="1200" b="0" i="1" smtClean="0">
+                                <a:latin typeface="Cambria Math" panose="02040503050406030204" pitchFamily="18" charset="0"/>
+                              </a:rPr>
+                              <m:t>𝑥</m:t>
+                            </m:r>
+                          </m:e>
+                          <m:sub>
+                            <m:r>
+                              <a:rPr lang="pt-BR" sz="1200" b="0" i="1" smtClean="0">
+                                <a:latin typeface="Cambria Math" panose="02040503050406030204" pitchFamily="18" charset="0"/>
+                              </a:rPr>
+                              <m:t>𝑖</m:t>
+                            </m:r>
+                            <m:r>
+                              <a:rPr lang="pt-BR" sz="1200" b="0" i="1" smtClean="0">
+                                <a:latin typeface="Cambria Math" panose="02040503050406030204" pitchFamily="18" charset="0"/>
+                              </a:rPr>
+                              <m:t>−1</m:t>
+                            </m:r>
+                          </m:sub>
+                        </m:sSub>
+                      </m:oMath>
+                    </m:oMathPara>
+                  </a14:m>
+                  <a:endParaRPr lang="pt-BR" sz="1200" dirty="0"/>
+                </a:p>
+              </p:txBody>
+            </p:sp>
+          </mc:Choice>
+          <mc:Fallback xmlns="">
+            <p:sp>
+              <p:nvSpPr>
+                <p:cNvPr id="29" name="CaixaDeTexto 28"/>
+                <p:cNvSpPr txBox="1">
+                  <a:spLocks noRot="1" noChangeAspect="1" noMove="1" noResize="1" noEditPoints="1" noAdjustHandles="1" noChangeArrowheads="1" noChangeShapeType="1" noTextEdit="1"/>
+                </p:cNvSpPr>
+                <p:nvPr/>
+              </p:nvSpPr>
+              <p:spPr>
+                <a:xfrm>
+                  <a:off x="6048702" y="2374113"/>
+                  <a:ext cx="498021" cy="276999"/>
+                </a:xfrm>
+                <a:prstGeom prst="rect">
+                  <a:avLst/>
+                </a:prstGeom>
+                <a:blipFill rotWithShape="0">
+                  <a:blip r:embed="rId7"/>
+                  <a:stretch>
+                    <a:fillRect/>
+                  </a:stretch>
+                </a:blipFill>
+              </p:spPr>
+              <p:txBody>
+                <a:bodyPr/>
+                <a:lstStyle/>
+                <a:p>
+                  <a:r>
+                    <a:rPr lang="pt-BR">
+                      <a:noFill/>
+                    </a:rPr>
+                    <a:t> </a:t>
+                  </a:r>
+                </a:p>
+              </p:txBody>
+            </p:sp>
+          </mc:Fallback>
+        </mc:AlternateContent>
+      </p:grpSp>
+    </p:spTree>
+    <p:extLst>
+      <p:ext uri="{BB962C8B-B14F-4D97-AF65-F5344CB8AC3E}">
+        <p14:creationId xmlns:p14="http://schemas.microsoft.com/office/powerpoint/2010/main" val="105255762"/>
+      </p:ext>
+    </p:extLst>
+  </p:cSld>
+  <p:clrMapOvr>
+    <a:masterClrMapping/>
+  </p:clrMapOvr>
+</p:sld>
+</file>
+
+<file path=ppt/slides/slide11.xml><?xml version="1.0" encoding="utf-8"?>
+<p:sld xmlns:a="http://schemas.openxmlformats.org/drawingml/2006/main" xmlns:r="http://schemas.openxmlformats.org/officeDocument/2006/relationships" xmlns:p="http://schemas.openxmlformats.org/presentationml/2006/main">
+  <p:cSld>
+    <p:spTree>
+      <p:nvGrpSpPr>
+        <p:cNvPr id="1" name=""/>
+        <p:cNvGrpSpPr/>
+        <p:nvPr/>
+      </p:nvGrpSpPr>
+      <p:grpSpPr>
+        <a:xfrm>
+          <a:off x="0" y="0"/>
+          <a:ext cx="0" cy="0"/>
+          <a:chOff x="0" y="0"/>
+          <a:chExt cx="0" cy="0"/>
+        </a:xfrm>
+      </p:grpSpPr>
+      <p:pic>
+        <p:nvPicPr>
+          <p:cNvPr id="4" name="Imagem 3"/>
+          <p:cNvPicPr>
+            <a:picLocks noChangeAspect="1"/>
+          </p:cNvPicPr>
+          <p:nvPr/>
+        </p:nvPicPr>
+        <p:blipFill rotWithShape="1">
+          <a:blip r:embed="rId2">
+            <a:extLst>
+              <a:ext uri="{28A0092B-C50C-407E-A947-70E740481C1C}">
+                <a14:useLocalDpi xmlns:a14="http://schemas.microsoft.com/office/drawing/2010/main" val="0"/>
+              </a:ext>
+            </a:extLst>
+          </a:blip>
+          <a:srcRect l="10417"/>
+          <a:stretch/>
+        </p:blipFill>
+        <p:spPr>
+          <a:xfrm>
+            <a:off x="6367235" y="68036"/>
+            <a:ext cx="3822697" cy="3200400"/>
+          </a:xfrm>
+          <a:prstGeom prst="rect">
+            <a:avLst/>
+          </a:prstGeom>
+        </p:spPr>
+      </p:pic>
+      <p:pic>
+        <p:nvPicPr>
+          <p:cNvPr id="6" name="Imagem 5"/>
+          <p:cNvPicPr>
+            <a:picLocks noChangeAspect="1"/>
+          </p:cNvPicPr>
+          <p:nvPr/>
+        </p:nvPicPr>
+        <p:blipFill rotWithShape="1">
+          <a:blip r:embed="rId3">
+            <a:extLst>
+              <a:ext uri="{28A0092B-C50C-407E-A947-70E740481C1C}">
+                <a14:useLocalDpi xmlns:a14="http://schemas.microsoft.com/office/drawing/2010/main" val="0"/>
+              </a:ext>
+            </a:extLst>
+          </a:blip>
+          <a:srcRect l="9747" r="18379"/>
+          <a:stretch/>
+        </p:blipFill>
+        <p:spPr>
+          <a:xfrm>
+            <a:off x="261257" y="408213"/>
+            <a:ext cx="5257800" cy="5486411"/>
+          </a:xfrm>
+          <a:prstGeom prst="rect">
+            <a:avLst/>
+          </a:prstGeom>
+        </p:spPr>
+      </p:pic>
+      <p:pic>
+        <p:nvPicPr>
+          <p:cNvPr id="20" name="Imagem 19"/>
+          <p:cNvPicPr>
+            <a:picLocks noChangeAspect="1"/>
+          </p:cNvPicPr>
+          <p:nvPr/>
+        </p:nvPicPr>
+        <p:blipFill>
+          <a:blip r:embed="rId4">
+            <a:extLst>
+              <a:ext uri="{28A0092B-C50C-407E-A947-70E740481C1C}">
+                <a14:useLocalDpi xmlns:a14="http://schemas.microsoft.com/office/drawing/2010/main" val="0"/>
+              </a:ext>
+            </a:extLst>
+          </a:blip>
+          <a:stretch>
+            <a:fillRect/>
+          </a:stretch>
+        </p:blipFill>
+        <p:spPr>
+          <a:xfrm>
+            <a:off x="5922732" y="3268436"/>
+            <a:ext cx="4267200" cy="3200400"/>
+          </a:xfrm>
+          <a:prstGeom prst="rect">
+            <a:avLst/>
+          </a:prstGeom>
+        </p:spPr>
+      </p:pic>
+      <p:sp>
+        <p:nvSpPr>
+          <p:cNvPr id="22" name="Retângulo 21"/>
+          <p:cNvSpPr/>
+          <p:nvPr/>
+        </p:nvSpPr>
+        <p:spPr>
+          <a:xfrm>
+            <a:off x="6766151" y="346981"/>
+            <a:ext cx="1268188" cy="1267507"/>
+          </a:xfrm>
+          <a:prstGeom prst="rect">
+            <a:avLst/>
+          </a:prstGeom>
+          <a:solidFill>
+            <a:schemeClr val="bg1"/>
+          </a:solidFill>
+          <a:ln>
+            <a:solidFill>
+              <a:schemeClr val="bg1"/>
+            </a:solidFill>
+          </a:ln>
+        </p:spPr>
+        <p:style>
+          <a:lnRef idx="2">
+            <a:schemeClr val="accent1">
+              <a:shade val="50000"/>
+            </a:schemeClr>
+          </a:lnRef>
+          <a:fillRef idx="1">
+            <a:schemeClr val="accent1"/>
+          </a:fillRef>
+          <a:effectRef idx="0">
+            <a:schemeClr val="accent1"/>
+          </a:effectRef>
+          <a:fontRef idx="minor">
+            <a:schemeClr val="lt1"/>
+          </a:fontRef>
+        </p:style>
+        <p:txBody>
+          <a:bodyPr rtlCol="0" anchor="ctr"/>
+          <a:lstStyle/>
+          <a:p>
+            <a:pPr algn="ctr"/>
+            <a:endParaRPr lang="pt-BR"/>
+          </a:p>
+        </p:txBody>
+      </p:sp>
+      <p:sp>
+        <p:nvSpPr>
+          <p:cNvPr id="24" name="Retângulo 23"/>
+          <p:cNvSpPr/>
+          <p:nvPr/>
+        </p:nvSpPr>
+        <p:spPr>
+          <a:xfrm>
+            <a:off x="8034339" y="346981"/>
+            <a:ext cx="1285874" cy="1267507"/>
+          </a:xfrm>
+          <a:prstGeom prst="rect">
+            <a:avLst/>
+          </a:prstGeom>
+          <a:solidFill>
+            <a:schemeClr val="bg1"/>
+          </a:solidFill>
+          <a:ln>
+            <a:solidFill>
+              <a:schemeClr val="bg1"/>
+            </a:solidFill>
+          </a:ln>
+        </p:spPr>
+        <p:style>
+          <a:lnRef idx="2">
+            <a:schemeClr val="accent1">
+              <a:shade val="50000"/>
+            </a:schemeClr>
+          </a:lnRef>
+          <a:fillRef idx="1">
+            <a:schemeClr val="accent1"/>
+          </a:fillRef>
+          <a:effectRef idx="0">
+            <a:schemeClr val="accent1"/>
+          </a:effectRef>
+          <a:fontRef idx="minor">
+            <a:schemeClr val="lt1"/>
+          </a:fontRef>
+        </p:style>
+        <p:txBody>
+          <a:bodyPr rtlCol="0" anchor="ctr"/>
+          <a:lstStyle/>
+          <a:p>
+            <a:pPr algn="ctr"/>
+            <a:endParaRPr lang="pt-BR"/>
+          </a:p>
+        </p:txBody>
+      </p:sp>
+      <p:sp>
+        <p:nvSpPr>
+          <p:cNvPr id="25" name="Retângulo 24"/>
+          <p:cNvSpPr/>
+          <p:nvPr/>
+        </p:nvSpPr>
+        <p:spPr>
+          <a:xfrm>
+            <a:off x="8034338" y="1614488"/>
+            <a:ext cx="1314171" cy="1295400"/>
+          </a:xfrm>
+          <a:prstGeom prst="rect">
+            <a:avLst/>
+          </a:prstGeom>
+          <a:solidFill>
+            <a:schemeClr val="bg1"/>
+          </a:solidFill>
+          <a:ln>
+            <a:solidFill>
+              <a:schemeClr val="bg1"/>
+            </a:solidFill>
+          </a:ln>
+        </p:spPr>
+        <p:style>
+          <a:lnRef idx="2">
+            <a:schemeClr val="accent1">
+              <a:shade val="50000"/>
+            </a:schemeClr>
+          </a:lnRef>
+          <a:fillRef idx="1">
+            <a:schemeClr val="accent1"/>
+          </a:fillRef>
+          <a:effectRef idx="0">
+            <a:schemeClr val="accent1"/>
+          </a:effectRef>
+          <a:fontRef idx="minor">
+            <a:schemeClr val="lt1"/>
+          </a:fontRef>
+        </p:style>
+        <p:txBody>
+          <a:bodyPr rtlCol="0" anchor="ctr"/>
+          <a:lstStyle/>
+          <a:p>
+            <a:pPr algn="ctr"/>
+            <a:endParaRPr lang="pt-BR"/>
+          </a:p>
+        </p:txBody>
+      </p:sp>
+      <p:sp>
+        <p:nvSpPr>
+          <p:cNvPr id="26" name="Retângulo 25"/>
+          <p:cNvSpPr/>
+          <p:nvPr/>
+        </p:nvSpPr>
+        <p:spPr>
+          <a:xfrm>
+            <a:off x="6766150" y="1614488"/>
+            <a:ext cx="1268187" cy="1295400"/>
+          </a:xfrm>
+          <a:prstGeom prst="rect">
+            <a:avLst/>
+          </a:prstGeom>
+          <a:solidFill>
+            <a:schemeClr val="bg1"/>
+          </a:solidFill>
+          <a:ln>
+            <a:solidFill>
+              <a:schemeClr val="bg1"/>
+            </a:solidFill>
+          </a:ln>
+        </p:spPr>
+        <p:style>
+          <a:lnRef idx="2">
+            <a:schemeClr val="accent1">
+              <a:shade val="50000"/>
+            </a:schemeClr>
+          </a:lnRef>
+          <a:fillRef idx="1">
+            <a:schemeClr val="accent1"/>
+          </a:fillRef>
+          <a:effectRef idx="0">
+            <a:schemeClr val="accent1"/>
+          </a:effectRef>
+          <a:fontRef idx="minor">
+            <a:schemeClr val="lt1"/>
+          </a:fontRef>
+        </p:style>
+        <p:txBody>
+          <a:bodyPr rtlCol="0" anchor="ctr"/>
+          <a:lstStyle/>
+          <a:p>
+            <a:pPr algn="ctr"/>
+            <a:endParaRPr lang="pt-BR"/>
+          </a:p>
+        </p:txBody>
+      </p:sp>
+      <p:sp>
+        <p:nvSpPr>
+          <p:cNvPr id="27" name="Retângulo 26"/>
+          <p:cNvSpPr/>
+          <p:nvPr/>
+        </p:nvSpPr>
+        <p:spPr>
+          <a:xfrm>
+            <a:off x="6766151" y="3548400"/>
+            <a:ext cx="1268188" cy="1267507"/>
+          </a:xfrm>
+          <a:prstGeom prst="rect">
+            <a:avLst/>
+          </a:prstGeom>
+          <a:solidFill>
+            <a:schemeClr val="bg1"/>
+          </a:solidFill>
+          <a:ln>
+            <a:solidFill>
+              <a:schemeClr val="bg1"/>
+            </a:solidFill>
+          </a:ln>
+        </p:spPr>
+        <p:style>
+          <a:lnRef idx="2">
+            <a:schemeClr val="accent1">
+              <a:shade val="50000"/>
+            </a:schemeClr>
+          </a:lnRef>
+          <a:fillRef idx="1">
+            <a:schemeClr val="accent1"/>
+          </a:fillRef>
+          <a:effectRef idx="0">
+            <a:schemeClr val="accent1"/>
+          </a:effectRef>
+          <a:fontRef idx="minor">
+            <a:schemeClr val="lt1"/>
+          </a:fontRef>
+        </p:style>
+        <p:txBody>
+          <a:bodyPr rtlCol="0" anchor="ctr"/>
+          <a:lstStyle/>
+          <a:p>
+            <a:pPr algn="ctr"/>
+            <a:endParaRPr lang="pt-BR"/>
+          </a:p>
+        </p:txBody>
+      </p:sp>
+      <p:sp>
+        <p:nvSpPr>
+          <p:cNvPr id="28" name="Retângulo 27"/>
+          <p:cNvSpPr/>
+          <p:nvPr/>
+        </p:nvSpPr>
+        <p:spPr>
+          <a:xfrm>
+            <a:off x="8034339" y="3548400"/>
+            <a:ext cx="1285874" cy="1267507"/>
+          </a:xfrm>
+          <a:prstGeom prst="rect">
+            <a:avLst/>
+          </a:prstGeom>
+          <a:solidFill>
+            <a:schemeClr val="bg1"/>
+          </a:solidFill>
+          <a:ln>
+            <a:solidFill>
+              <a:schemeClr val="bg1"/>
+            </a:solidFill>
+          </a:ln>
+        </p:spPr>
+        <p:style>
+          <a:lnRef idx="2">
+            <a:schemeClr val="accent1">
+              <a:shade val="50000"/>
+            </a:schemeClr>
+          </a:lnRef>
+          <a:fillRef idx="1">
+            <a:schemeClr val="accent1"/>
+          </a:fillRef>
+          <a:effectRef idx="0">
+            <a:schemeClr val="accent1"/>
+          </a:effectRef>
+          <a:fontRef idx="minor">
+            <a:schemeClr val="lt1"/>
+          </a:fontRef>
+        </p:style>
+        <p:txBody>
+          <a:bodyPr rtlCol="0" anchor="ctr"/>
+          <a:lstStyle/>
+          <a:p>
+            <a:pPr algn="ctr"/>
+            <a:endParaRPr lang="pt-BR"/>
+          </a:p>
+        </p:txBody>
+      </p:sp>
+      <p:sp>
+        <p:nvSpPr>
+          <p:cNvPr id="29" name="Retângulo 28"/>
+          <p:cNvSpPr/>
+          <p:nvPr/>
+        </p:nvSpPr>
+        <p:spPr>
+          <a:xfrm>
+            <a:off x="8034338" y="4815907"/>
+            <a:ext cx="1314171" cy="1295400"/>
+          </a:xfrm>
+          <a:prstGeom prst="rect">
+            <a:avLst/>
+          </a:prstGeom>
+          <a:solidFill>
+            <a:schemeClr val="bg1"/>
+          </a:solidFill>
+          <a:ln>
+            <a:solidFill>
+              <a:schemeClr val="bg1"/>
+            </a:solidFill>
+          </a:ln>
+        </p:spPr>
+        <p:style>
+          <a:lnRef idx="2">
+            <a:schemeClr val="accent1">
+              <a:shade val="50000"/>
+            </a:schemeClr>
+          </a:lnRef>
+          <a:fillRef idx="1">
+            <a:schemeClr val="accent1"/>
+          </a:fillRef>
+          <a:effectRef idx="0">
+            <a:schemeClr val="accent1"/>
+          </a:effectRef>
+          <a:fontRef idx="minor">
+            <a:schemeClr val="lt1"/>
+          </a:fontRef>
+        </p:style>
+        <p:txBody>
+          <a:bodyPr rtlCol="0" anchor="ctr"/>
+          <a:lstStyle/>
+          <a:p>
+            <a:pPr algn="ctr"/>
+            <a:endParaRPr lang="pt-BR"/>
+          </a:p>
+        </p:txBody>
+      </p:sp>
+      <p:sp>
+        <p:nvSpPr>
+          <p:cNvPr id="30" name="Retângulo 29"/>
+          <p:cNvSpPr/>
+          <p:nvPr/>
+        </p:nvSpPr>
+        <p:spPr>
+          <a:xfrm>
+            <a:off x="6766150" y="4815907"/>
+            <a:ext cx="1268187" cy="1295400"/>
+          </a:xfrm>
+          <a:prstGeom prst="rect">
+            <a:avLst/>
+          </a:prstGeom>
+          <a:solidFill>
+            <a:schemeClr val="bg1"/>
+          </a:solidFill>
+          <a:ln>
+            <a:solidFill>
+              <a:schemeClr val="bg1"/>
+            </a:solidFill>
+          </a:ln>
+        </p:spPr>
+        <p:style>
+          <a:lnRef idx="2">
+            <a:schemeClr val="accent1">
+              <a:shade val="50000"/>
+            </a:schemeClr>
+          </a:lnRef>
+          <a:fillRef idx="1">
+            <a:schemeClr val="accent1"/>
+          </a:fillRef>
+          <a:effectRef idx="0">
+            <a:schemeClr val="accent1"/>
+          </a:effectRef>
+          <a:fontRef idx="minor">
+            <a:schemeClr val="lt1"/>
+          </a:fontRef>
+        </p:style>
+        <p:txBody>
+          <a:bodyPr rtlCol="0" anchor="ctr"/>
+          <a:lstStyle/>
+          <a:p>
+            <a:pPr algn="ctr"/>
+            <a:endParaRPr lang="pt-BR"/>
+          </a:p>
+        </p:txBody>
+      </p:sp>
+    </p:spTree>
+    <p:extLst>
+      <p:ext uri="{BB962C8B-B14F-4D97-AF65-F5344CB8AC3E}">
+        <p14:creationId xmlns:p14="http://schemas.microsoft.com/office/powerpoint/2010/main" val="3133927602"/>
+      </p:ext>
+    </p:extLst>
+  </p:cSld>
+  <p:clrMapOvr>
+    <a:masterClrMapping/>
+  </p:clrMapOvr>
+</p:sld>
+</file>
+
+<file path=ppt/slides/slide12.xml><?xml version="1.0" encoding="utf-8"?>
+<p:sld xmlns:a="http://schemas.openxmlformats.org/drawingml/2006/main" xmlns:r="http://schemas.openxmlformats.org/officeDocument/2006/relationships" xmlns:p="http://schemas.openxmlformats.org/presentationml/2006/main">
+  <p:cSld>
+    <p:spTree>
+      <p:nvGrpSpPr>
+        <p:cNvPr id="1" name=""/>
+        <p:cNvGrpSpPr/>
+        <p:nvPr/>
+      </p:nvGrpSpPr>
+      <p:grpSpPr>
+        <a:xfrm>
+          <a:off x="0" y="0"/>
+          <a:ext cx="0" cy="0"/>
+          <a:chOff x="0" y="0"/>
+          <a:chExt cx="0" cy="0"/>
+        </a:xfrm>
+      </p:grpSpPr>
+      <p:pic>
+        <p:nvPicPr>
+          <p:cNvPr id="4" name="Imagem 3"/>
+          <p:cNvPicPr>
+            <a:picLocks noChangeAspect="1"/>
+          </p:cNvPicPr>
+          <p:nvPr/>
+        </p:nvPicPr>
+        <p:blipFill rotWithShape="1">
+          <a:blip r:embed="rId2">
+            <a:extLst>
+              <a:ext uri="{28A0092B-C50C-407E-A947-70E740481C1C}">
+                <a14:useLocalDpi xmlns:a14="http://schemas.microsoft.com/office/drawing/2010/main" val="0"/>
+              </a:ext>
+            </a:extLst>
+          </a:blip>
+          <a:srcRect l="10417"/>
+          <a:stretch/>
+        </p:blipFill>
+        <p:spPr>
+          <a:xfrm>
+            <a:off x="6367235" y="68036"/>
+            <a:ext cx="3822697" cy="3200400"/>
+          </a:xfrm>
+          <a:prstGeom prst="rect">
+            <a:avLst/>
+          </a:prstGeom>
+        </p:spPr>
+      </p:pic>
+      <p:pic>
+        <p:nvPicPr>
+          <p:cNvPr id="6" name="Imagem 5"/>
+          <p:cNvPicPr>
+            <a:picLocks noChangeAspect="1"/>
+          </p:cNvPicPr>
+          <p:nvPr/>
+        </p:nvPicPr>
+        <p:blipFill rotWithShape="1">
+          <a:blip r:embed="rId3">
+            <a:extLst>
+              <a:ext uri="{28A0092B-C50C-407E-A947-70E740481C1C}">
+                <a14:useLocalDpi xmlns:a14="http://schemas.microsoft.com/office/drawing/2010/main" val="0"/>
+              </a:ext>
+            </a:extLst>
+          </a:blip>
+          <a:srcRect l="9747" r="18379"/>
+          <a:stretch/>
+        </p:blipFill>
+        <p:spPr>
+          <a:xfrm>
+            <a:off x="261257" y="408213"/>
+            <a:ext cx="5257800" cy="5486411"/>
+          </a:xfrm>
+          <a:prstGeom prst="rect">
+            <a:avLst/>
+          </a:prstGeom>
+        </p:spPr>
+      </p:pic>
+      <p:sp>
+        <p:nvSpPr>
+          <p:cNvPr id="7" name="Retângulo 6"/>
+          <p:cNvSpPr/>
+          <p:nvPr/>
+        </p:nvSpPr>
+        <p:spPr>
+          <a:xfrm>
+            <a:off x="3151413" y="832756"/>
+            <a:ext cx="2237015" cy="2204358"/>
+          </a:xfrm>
+          <a:prstGeom prst="rect">
+            <a:avLst/>
+          </a:prstGeom>
+          <a:solidFill>
+            <a:schemeClr val="bg1">
+              <a:alpha val="75000"/>
+            </a:schemeClr>
+          </a:solidFill>
+          <a:ln>
+            <a:solidFill>
+              <a:schemeClr val="bg1"/>
+            </a:solidFill>
+          </a:ln>
+        </p:spPr>
+        <p:style>
+          <a:lnRef idx="2">
+            <a:schemeClr val="accent1">
+              <a:shade val="50000"/>
+            </a:schemeClr>
+          </a:lnRef>
+          <a:fillRef idx="1">
+            <a:schemeClr val="accent1"/>
+          </a:fillRef>
+          <a:effectRef idx="0">
+            <a:schemeClr val="accent1"/>
+          </a:effectRef>
+          <a:fontRef idx="minor">
+            <a:schemeClr val="lt1"/>
+          </a:fontRef>
+        </p:style>
+        <p:txBody>
+          <a:bodyPr rtlCol="0" anchor="ctr"/>
+          <a:lstStyle/>
+          <a:p>
+            <a:pPr algn="ctr"/>
+            <a:endParaRPr lang="pt-BR"/>
+          </a:p>
+        </p:txBody>
+      </p:sp>
+      <p:sp>
+        <p:nvSpPr>
+          <p:cNvPr id="8" name="Retângulo 7"/>
+          <p:cNvSpPr/>
+          <p:nvPr/>
+        </p:nvSpPr>
+        <p:spPr>
+          <a:xfrm>
+            <a:off x="3151413" y="3037114"/>
+            <a:ext cx="2237016" cy="2269672"/>
+          </a:xfrm>
+          <a:prstGeom prst="rect">
+            <a:avLst/>
+          </a:prstGeom>
+          <a:solidFill>
+            <a:schemeClr val="bg1">
+              <a:alpha val="75000"/>
+            </a:schemeClr>
+          </a:solidFill>
+          <a:ln>
+            <a:solidFill>
+              <a:schemeClr val="bg1"/>
+            </a:solidFill>
+          </a:ln>
+        </p:spPr>
+        <p:style>
+          <a:lnRef idx="2">
+            <a:schemeClr val="accent1">
+              <a:shade val="50000"/>
+            </a:schemeClr>
+          </a:lnRef>
+          <a:fillRef idx="1">
+            <a:schemeClr val="accent1"/>
+          </a:fillRef>
+          <a:effectRef idx="0">
+            <a:schemeClr val="accent1"/>
+          </a:effectRef>
+          <a:fontRef idx="minor">
+            <a:schemeClr val="lt1"/>
+          </a:fontRef>
+        </p:style>
+        <p:txBody>
+          <a:bodyPr rtlCol="0" anchor="ctr"/>
+          <a:lstStyle/>
+          <a:p>
+            <a:pPr algn="ctr"/>
+            <a:endParaRPr lang="pt-BR"/>
+          </a:p>
+        </p:txBody>
+      </p:sp>
+      <p:sp>
+        <p:nvSpPr>
+          <p:cNvPr id="9" name="Retângulo 8"/>
+          <p:cNvSpPr/>
+          <p:nvPr/>
+        </p:nvSpPr>
+        <p:spPr>
+          <a:xfrm>
+            <a:off x="848115" y="3037114"/>
+            <a:ext cx="2303297" cy="2269672"/>
+          </a:xfrm>
+          <a:prstGeom prst="rect">
+            <a:avLst/>
+          </a:prstGeom>
+          <a:solidFill>
+            <a:schemeClr val="bg1">
+              <a:alpha val="75000"/>
+            </a:schemeClr>
+          </a:solidFill>
+          <a:ln>
+            <a:solidFill>
+              <a:schemeClr val="bg1"/>
+            </a:solidFill>
+          </a:ln>
+        </p:spPr>
+        <p:style>
+          <a:lnRef idx="2">
+            <a:schemeClr val="accent1">
+              <a:shade val="50000"/>
+            </a:schemeClr>
+          </a:lnRef>
+          <a:fillRef idx="1">
+            <a:schemeClr val="accent1"/>
+          </a:fillRef>
+          <a:effectRef idx="0">
+            <a:schemeClr val="accent1"/>
+          </a:effectRef>
+          <a:fontRef idx="minor">
+            <a:schemeClr val="lt1"/>
+          </a:fontRef>
+        </p:style>
+        <p:txBody>
+          <a:bodyPr rtlCol="0" anchor="ctr"/>
+          <a:lstStyle/>
+          <a:p>
+            <a:pPr algn="ctr"/>
+            <a:endParaRPr lang="pt-BR"/>
+          </a:p>
+        </p:txBody>
+      </p:sp>
+      <p:cxnSp>
+        <p:nvCxnSpPr>
+          <p:cNvPr id="14" name="Conector de Seta Reta 30"/>
+          <p:cNvCxnSpPr/>
+          <p:nvPr/>
+        </p:nvCxnSpPr>
+        <p:spPr>
+          <a:xfrm>
+            <a:off x="3151412" y="3037114"/>
+            <a:ext cx="669474" cy="0"/>
+          </a:xfrm>
+          <a:prstGeom prst="straightConnector1">
+            <a:avLst/>
+          </a:prstGeom>
+          <a:ln w="38100">
+            <a:solidFill>
+              <a:srgbClr val="00B050"/>
+            </a:solidFill>
+            <a:tailEnd type="triangle"/>
+          </a:ln>
+        </p:spPr>
+        <p:style>
+          <a:lnRef idx="1">
+            <a:schemeClr val="accent1"/>
+          </a:lnRef>
+          <a:fillRef idx="0">
+            <a:schemeClr val="accent1"/>
+          </a:fillRef>
+          <a:effectRef idx="0">
+            <a:schemeClr val="accent1"/>
+          </a:effectRef>
+          <a:fontRef idx="minor">
+            <a:schemeClr val="tx1"/>
+          </a:fontRef>
+        </p:style>
+      </p:cxnSp>
+      <p:pic>
+        <p:nvPicPr>
+          <p:cNvPr id="20" name="Imagem 19"/>
+          <p:cNvPicPr>
+            <a:picLocks noChangeAspect="1"/>
+          </p:cNvPicPr>
+          <p:nvPr/>
+        </p:nvPicPr>
+        <p:blipFill>
+          <a:blip r:embed="rId4">
+            <a:extLst>
+              <a:ext uri="{28A0092B-C50C-407E-A947-70E740481C1C}">
+                <a14:useLocalDpi xmlns:a14="http://schemas.microsoft.com/office/drawing/2010/main" val="0"/>
+              </a:ext>
+            </a:extLst>
+          </a:blip>
+          <a:stretch>
+            <a:fillRect/>
+          </a:stretch>
+        </p:blipFill>
+        <p:spPr>
+          <a:xfrm>
+            <a:off x="5922732" y="3268436"/>
+            <a:ext cx="4267200" cy="3200400"/>
+          </a:xfrm>
+          <a:prstGeom prst="rect">
+            <a:avLst/>
+          </a:prstGeom>
+        </p:spPr>
+      </p:pic>
+      <p:sp>
+        <p:nvSpPr>
+          <p:cNvPr id="22" name="Retângulo 21"/>
+          <p:cNvSpPr/>
+          <p:nvPr/>
+        </p:nvSpPr>
+        <p:spPr>
+          <a:xfrm>
+            <a:off x="6766151" y="346981"/>
+            <a:ext cx="1268188" cy="1267507"/>
+          </a:xfrm>
+          <a:prstGeom prst="rect">
+            <a:avLst/>
+          </a:prstGeom>
+          <a:solidFill>
+            <a:schemeClr val="bg1"/>
+          </a:solidFill>
+          <a:ln>
+            <a:solidFill>
+              <a:schemeClr val="bg1"/>
+            </a:solidFill>
+          </a:ln>
+        </p:spPr>
+        <p:style>
+          <a:lnRef idx="2">
+            <a:schemeClr val="accent1">
+              <a:shade val="50000"/>
+            </a:schemeClr>
+          </a:lnRef>
+          <a:fillRef idx="1">
+            <a:schemeClr val="accent1"/>
+          </a:fillRef>
+          <a:effectRef idx="0">
+            <a:schemeClr val="accent1"/>
+          </a:effectRef>
+          <a:fontRef idx="minor">
+            <a:schemeClr val="lt1"/>
+          </a:fontRef>
+        </p:style>
+        <p:txBody>
+          <a:bodyPr rtlCol="0" anchor="ctr"/>
+          <a:lstStyle/>
+          <a:p>
+            <a:pPr algn="ctr"/>
+            <a:endParaRPr lang="pt-BR"/>
+          </a:p>
+        </p:txBody>
+      </p:sp>
+      <p:sp>
+        <p:nvSpPr>
+          <p:cNvPr id="24" name="Retângulo 23"/>
+          <p:cNvSpPr/>
+          <p:nvPr/>
+        </p:nvSpPr>
+        <p:spPr>
+          <a:xfrm>
+            <a:off x="8034339" y="346981"/>
+            <a:ext cx="1285874" cy="1267507"/>
+          </a:xfrm>
+          <a:prstGeom prst="rect">
+            <a:avLst/>
+          </a:prstGeom>
+          <a:solidFill>
+            <a:schemeClr val="bg1"/>
+          </a:solidFill>
+          <a:ln>
+            <a:solidFill>
+              <a:schemeClr val="bg1"/>
+            </a:solidFill>
+          </a:ln>
+        </p:spPr>
+        <p:style>
+          <a:lnRef idx="2">
+            <a:schemeClr val="accent1">
+              <a:shade val="50000"/>
+            </a:schemeClr>
+          </a:lnRef>
+          <a:fillRef idx="1">
+            <a:schemeClr val="accent1"/>
+          </a:fillRef>
+          <a:effectRef idx="0">
+            <a:schemeClr val="accent1"/>
+          </a:effectRef>
+          <a:fontRef idx="minor">
+            <a:schemeClr val="lt1"/>
+          </a:fontRef>
+        </p:style>
+        <p:txBody>
+          <a:bodyPr rtlCol="0" anchor="ctr"/>
+          <a:lstStyle/>
+          <a:p>
+            <a:pPr algn="ctr"/>
+            <a:endParaRPr lang="pt-BR"/>
+          </a:p>
+        </p:txBody>
+      </p:sp>
+      <p:sp>
+        <p:nvSpPr>
+          <p:cNvPr id="25" name="Retângulo 24"/>
+          <p:cNvSpPr/>
+          <p:nvPr/>
+        </p:nvSpPr>
+        <p:spPr>
+          <a:xfrm>
+            <a:off x="8034338" y="1614488"/>
+            <a:ext cx="1314171" cy="1295400"/>
+          </a:xfrm>
+          <a:prstGeom prst="rect">
+            <a:avLst/>
+          </a:prstGeom>
+          <a:solidFill>
+            <a:schemeClr val="bg1"/>
+          </a:solidFill>
+          <a:ln>
+            <a:solidFill>
+              <a:schemeClr val="bg1"/>
+            </a:solidFill>
+          </a:ln>
+        </p:spPr>
+        <p:style>
+          <a:lnRef idx="2">
+            <a:schemeClr val="accent1">
+              <a:shade val="50000"/>
+            </a:schemeClr>
+          </a:lnRef>
+          <a:fillRef idx="1">
+            <a:schemeClr val="accent1"/>
+          </a:fillRef>
+          <a:effectRef idx="0">
+            <a:schemeClr val="accent1"/>
+          </a:effectRef>
+          <a:fontRef idx="minor">
+            <a:schemeClr val="lt1"/>
+          </a:fontRef>
+        </p:style>
+        <p:txBody>
+          <a:bodyPr rtlCol="0" anchor="ctr"/>
+          <a:lstStyle/>
+          <a:p>
+            <a:pPr algn="ctr"/>
+            <a:endParaRPr lang="pt-BR"/>
+          </a:p>
+        </p:txBody>
+      </p:sp>
+      <p:sp>
+        <p:nvSpPr>
+          <p:cNvPr id="26" name="Retângulo 25"/>
+          <p:cNvSpPr/>
+          <p:nvPr/>
+        </p:nvSpPr>
+        <p:spPr>
+          <a:xfrm>
+            <a:off x="6766150" y="1614488"/>
+            <a:ext cx="1268187" cy="1295400"/>
+          </a:xfrm>
+          <a:prstGeom prst="rect">
+            <a:avLst/>
+          </a:prstGeom>
+          <a:solidFill>
+            <a:schemeClr val="bg1"/>
+          </a:solidFill>
+          <a:ln>
+            <a:solidFill>
+              <a:schemeClr val="bg1"/>
+            </a:solidFill>
+          </a:ln>
+        </p:spPr>
+        <p:style>
+          <a:lnRef idx="2">
+            <a:schemeClr val="accent1">
+              <a:shade val="50000"/>
+            </a:schemeClr>
+          </a:lnRef>
+          <a:fillRef idx="1">
+            <a:schemeClr val="accent1"/>
+          </a:fillRef>
+          <a:effectRef idx="0">
+            <a:schemeClr val="accent1"/>
+          </a:effectRef>
+          <a:fontRef idx="minor">
+            <a:schemeClr val="lt1"/>
+          </a:fontRef>
+        </p:style>
+        <p:txBody>
+          <a:bodyPr rtlCol="0" anchor="ctr"/>
+          <a:lstStyle/>
+          <a:p>
+            <a:pPr algn="ctr"/>
+            <a:endParaRPr lang="pt-BR"/>
+          </a:p>
+        </p:txBody>
+      </p:sp>
+      <p:sp>
+        <p:nvSpPr>
+          <p:cNvPr id="27" name="Retângulo 26"/>
+          <p:cNvSpPr/>
+          <p:nvPr/>
+        </p:nvSpPr>
+        <p:spPr>
+          <a:xfrm>
+            <a:off x="6766151" y="3548400"/>
+            <a:ext cx="1268188" cy="1267507"/>
+          </a:xfrm>
+          <a:prstGeom prst="rect">
+            <a:avLst/>
+          </a:prstGeom>
+          <a:solidFill>
+            <a:schemeClr val="bg1"/>
+          </a:solidFill>
+          <a:ln>
+            <a:solidFill>
+              <a:schemeClr val="bg1"/>
+            </a:solidFill>
+          </a:ln>
+        </p:spPr>
+        <p:style>
+          <a:lnRef idx="2">
+            <a:schemeClr val="accent1">
+              <a:shade val="50000"/>
+            </a:schemeClr>
+          </a:lnRef>
+          <a:fillRef idx="1">
+            <a:schemeClr val="accent1"/>
+          </a:fillRef>
+          <a:effectRef idx="0">
+            <a:schemeClr val="accent1"/>
+          </a:effectRef>
+          <a:fontRef idx="minor">
+            <a:schemeClr val="lt1"/>
+          </a:fontRef>
+        </p:style>
+        <p:txBody>
+          <a:bodyPr rtlCol="0" anchor="ctr"/>
+          <a:lstStyle/>
+          <a:p>
+            <a:pPr algn="ctr"/>
+            <a:endParaRPr lang="pt-BR"/>
+          </a:p>
+        </p:txBody>
+      </p:sp>
+      <p:sp>
+        <p:nvSpPr>
+          <p:cNvPr id="28" name="Retângulo 27"/>
+          <p:cNvSpPr/>
+          <p:nvPr/>
+        </p:nvSpPr>
+        <p:spPr>
+          <a:xfrm>
+            <a:off x="8034339" y="3548400"/>
+            <a:ext cx="1285874" cy="1267507"/>
+          </a:xfrm>
+          <a:prstGeom prst="rect">
+            <a:avLst/>
+          </a:prstGeom>
+          <a:solidFill>
+            <a:schemeClr val="bg1"/>
+          </a:solidFill>
+          <a:ln>
+            <a:solidFill>
+              <a:schemeClr val="bg1"/>
+            </a:solidFill>
+          </a:ln>
+        </p:spPr>
+        <p:style>
+          <a:lnRef idx="2">
+            <a:schemeClr val="accent1">
+              <a:shade val="50000"/>
+            </a:schemeClr>
+          </a:lnRef>
+          <a:fillRef idx="1">
+            <a:schemeClr val="accent1"/>
+          </a:fillRef>
+          <a:effectRef idx="0">
+            <a:schemeClr val="accent1"/>
+          </a:effectRef>
+          <a:fontRef idx="minor">
+            <a:schemeClr val="lt1"/>
+          </a:fontRef>
+        </p:style>
+        <p:txBody>
+          <a:bodyPr rtlCol="0" anchor="ctr"/>
+          <a:lstStyle/>
+          <a:p>
+            <a:pPr algn="ctr"/>
+            <a:endParaRPr lang="pt-BR"/>
+          </a:p>
+        </p:txBody>
+      </p:sp>
+      <p:sp>
+        <p:nvSpPr>
+          <p:cNvPr id="29" name="Retângulo 28"/>
+          <p:cNvSpPr/>
+          <p:nvPr/>
+        </p:nvSpPr>
+        <p:spPr>
+          <a:xfrm>
+            <a:off x="8034338" y="4815907"/>
+            <a:ext cx="1314171" cy="1295400"/>
+          </a:xfrm>
+          <a:prstGeom prst="rect">
+            <a:avLst/>
+          </a:prstGeom>
+          <a:solidFill>
+            <a:schemeClr val="bg1"/>
+          </a:solidFill>
+          <a:ln>
+            <a:solidFill>
+              <a:schemeClr val="bg1"/>
+            </a:solidFill>
+          </a:ln>
+        </p:spPr>
+        <p:style>
+          <a:lnRef idx="2">
+            <a:schemeClr val="accent1">
+              <a:shade val="50000"/>
+            </a:schemeClr>
+          </a:lnRef>
+          <a:fillRef idx="1">
+            <a:schemeClr val="accent1"/>
+          </a:fillRef>
+          <a:effectRef idx="0">
+            <a:schemeClr val="accent1"/>
+          </a:effectRef>
+          <a:fontRef idx="minor">
+            <a:schemeClr val="lt1"/>
+          </a:fontRef>
+        </p:style>
+        <p:txBody>
+          <a:bodyPr rtlCol="0" anchor="ctr"/>
+          <a:lstStyle/>
+          <a:p>
+            <a:pPr algn="ctr"/>
+            <a:endParaRPr lang="pt-BR"/>
+          </a:p>
+        </p:txBody>
+      </p:sp>
+      <p:sp>
+        <p:nvSpPr>
+          <p:cNvPr id="30" name="Retângulo 29"/>
+          <p:cNvSpPr/>
+          <p:nvPr/>
+        </p:nvSpPr>
+        <p:spPr>
+          <a:xfrm>
+            <a:off x="6766150" y="4815907"/>
+            <a:ext cx="1268187" cy="1295400"/>
+          </a:xfrm>
+          <a:prstGeom prst="rect">
+            <a:avLst/>
+          </a:prstGeom>
+          <a:solidFill>
+            <a:schemeClr val="bg1"/>
+          </a:solidFill>
+          <a:ln>
+            <a:solidFill>
+              <a:schemeClr val="bg1"/>
+            </a:solidFill>
+          </a:ln>
+        </p:spPr>
+        <p:style>
+          <a:lnRef idx="2">
+            <a:schemeClr val="accent1">
+              <a:shade val="50000"/>
+            </a:schemeClr>
+          </a:lnRef>
+          <a:fillRef idx="1">
+            <a:schemeClr val="accent1"/>
+          </a:fillRef>
+          <a:effectRef idx="0">
+            <a:schemeClr val="accent1"/>
+          </a:effectRef>
+          <a:fontRef idx="minor">
+            <a:schemeClr val="lt1"/>
+          </a:fontRef>
+        </p:style>
+        <p:txBody>
+          <a:bodyPr rtlCol="0" anchor="ctr"/>
+          <a:lstStyle/>
+          <a:p>
+            <a:pPr algn="ctr"/>
+            <a:endParaRPr lang="pt-BR"/>
+          </a:p>
+        </p:txBody>
+      </p:sp>
+    </p:spTree>
+    <p:extLst>
+      <p:ext uri="{BB962C8B-B14F-4D97-AF65-F5344CB8AC3E}">
+        <p14:creationId xmlns:p14="http://schemas.microsoft.com/office/powerpoint/2010/main" val="1214755258"/>
+      </p:ext>
+    </p:extLst>
+  </p:cSld>
+  <p:clrMapOvr>
+    <a:masterClrMapping/>
+  </p:clrMapOvr>
+</p:sld>
+</file>
+
+<file path=ppt/slides/slide13.xml><?xml version="1.0" encoding="utf-8"?>
+<p:sld xmlns:a="http://schemas.openxmlformats.org/drawingml/2006/main" xmlns:r="http://schemas.openxmlformats.org/officeDocument/2006/relationships" xmlns:p="http://schemas.openxmlformats.org/presentationml/2006/main">
+  <p:cSld>
+    <p:spTree>
+      <p:nvGrpSpPr>
+        <p:cNvPr id="1" name=""/>
+        <p:cNvGrpSpPr/>
+        <p:nvPr/>
+      </p:nvGrpSpPr>
+      <p:grpSpPr>
+        <a:xfrm>
+          <a:off x="0" y="0"/>
+          <a:ext cx="0" cy="0"/>
+          <a:chOff x="0" y="0"/>
+          <a:chExt cx="0" cy="0"/>
+        </a:xfrm>
+      </p:grpSpPr>
+      <p:pic>
+        <p:nvPicPr>
+          <p:cNvPr id="4" name="Imagem 3"/>
+          <p:cNvPicPr>
+            <a:picLocks noChangeAspect="1"/>
+          </p:cNvPicPr>
+          <p:nvPr/>
+        </p:nvPicPr>
+        <p:blipFill rotWithShape="1">
+          <a:blip r:embed="rId2">
+            <a:extLst>
+              <a:ext uri="{28A0092B-C50C-407E-A947-70E740481C1C}">
+                <a14:useLocalDpi xmlns:a14="http://schemas.microsoft.com/office/drawing/2010/main" val="0"/>
+              </a:ext>
+            </a:extLst>
+          </a:blip>
+          <a:srcRect l="10417"/>
+          <a:stretch/>
+        </p:blipFill>
+        <p:spPr>
+          <a:xfrm>
+            <a:off x="6367235" y="68036"/>
+            <a:ext cx="3822697" cy="3200400"/>
+          </a:xfrm>
+          <a:prstGeom prst="rect">
+            <a:avLst/>
+          </a:prstGeom>
+        </p:spPr>
+      </p:pic>
+      <p:pic>
+        <p:nvPicPr>
+          <p:cNvPr id="6" name="Imagem 5"/>
+          <p:cNvPicPr>
+            <a:picLocks noChangeAspect="1"/>
+          </p:cNvPicPr>
+          <p:nvPr/>
+        </p:nvPicPr>
+        <p:blipFill rotWithShape="1">
+          <a:blip r:embed="rId3">
+            <a:extLst>
+              <a:ext uri="{28A0092B-C50C-407E-A947-70E740481C1C}">
+                <a14:useLocalDpi xmlns:a14="http://schemas.microsoft.com/office/drawing/2010/main" val="0"/>
+              </a:ext>
+            </a:extLst>
+          </a:blip>
+          <a:srcRect l="9747" r="18379"/>
+          <a:stretch/>
+        </p:blipFill>
+        <p:spPr>
+          <a:xfrm>
+            <a:off x="261257" y="408213"/>
+            <a:ext cx="5257800" cy="5486411"/>
+          </a:xfrm>
+          <a:prstGeom prst="rect">
+            <a:avLst/>
+          </a:prstGeom>
+        </p:spPr>
+      </p:pic>
+      <p:sp>
+        <p:nvSpPr>
+          <p:cNvPr id="7" name="Retângulo 6"/>
+          <p:cNvSpPr/>
+          <p:nvPr/>
+        </p:nvSpPr>
+        <p:spPr>
+          <a:xfrm>
+            <a:off x="3151413" y="832756"/>
+            <a:ext cx="2237015" cy="2204358"/>
+          </a:xfrm>
+          <a:prstGeom prst="rect">
+            <a:avLst/>
+          </a:prstGeom>
+          <a:solidFill>
+            <a:schemeClr val="bg1">
+              <a:alpha val="75000"/>
+            </a:schemeClr>
+          </a:solidFill>
+          <a:ln>
+            <a:solidFill>
+              <a:schemeClr val="bg1"/>
+            </a:solidFill>
+          </a:ln>
+        </p:spPr>
+        <p:style>
+          <a:lnRef idx="2">
+            <a:schemeClr val="accent1">
+              <a:shade val="50000"/>
+            </a:schemeClr>
+          </a:lnRef>
+          <a:fillRef idx="1">
+            <a:schemeClr val="accent1"/>
+          </a:fillRef>
+          <a:effectRef idx="0">
+            <a:schemeClr val="accent1"/>
+          </a:effectRef>
+          <a:fontRef idx="minor">
+            <a:schemeClr val="lt1"/>
+          </a:fontRef>
+        </p:style>
+        <p:txBody>
+          <a:bodyPr rtlCol="0" anchor="ctr"/>
+          <a:lstStyle/>
+          <a:p>
+            <a:pPr algn="ctr"/>
+            <a:endParaRPr lang="pt-BR"/>
+          </a:p>
+        </p:txBody>
+      </p:sp>
+      <p:sp>
+        <p:nvSpPr>
+          <p:cNvPr id="8" name="Retângulo 7"/>
+          <p:cNvSpPr/>
+          <p:nvPr/>
+        </p:nvSpPr>
+        <p:spPr>
+          <a:xfrm>
+            <a:off x="3151413" y="3037114"/>
+            <a:ext cx="2237016" cy="2269672"/>
+          </a:xfrm>
+          <a:prstGeom prst="rect">
+            <a:avLst/>
+          </a:prstGeom>
+          <a:solidFill>
+            <a:schemeClr val="bg1">
+              <a:alpha val="75000"/>
+            </a:schemeClr>
+          </a:solidFill>
+          <a:ln>
+            <a:solidFill>
+              <a:schemeClr val="bg1"/>
+            </a:solidFill>
+          </a:ln>
+        </p:spPr>
+        <p:style>
+          <a:lnRef idx="2">
+            <a:schemeClr val="accent1">
+              <a:shade val="50000"/>
+            </a:schemeClr>
+          </a:lnRef>
+          <a:fillRef idx="1">
+            <a:schemeClr val="accent1"/>
+          </a:fillRef>
+          <a:effectRef idx="0">
+            <a:schemeClr val="accent1"/>
+          </a:effectRef>
+          <a:fontRef idx="minor">
+            <a:schemeClr val="lt1"/>
+          </a:fontRef>
+        </p:style>
+        <p:txBody>
+          <a:bodyPr rtlCol="0" anchor="ctr"/>
+          <a:lstStyle/>
+          <a:p>
+            <a:pPr algn="ctr"/>
+            <a:endParaRPr lang="pt-BR"/>
+          </a:p>
+        </p:txBody>
+      </p:sp>
+      <p:sp>
+        <p:nvSpPr>
+          <p:cNvPr id="9" name="Retângulo 8"/>
+          <p:cNvSpPr/>
+          <p:nvPr/>
+        </p:nvSpPr>
+        <p:spPr>
+          <a:xfrm>
+            <a:off x="848115" y="3037114"/>
+            <a:ext cx="2303297" cy="2269672"/>
+          </a:xfrm>
+          <a:prstGeom prst="rect">
+            <a:avLst/>
+          </a:prstGeom>
+          <a:solidFill>
+            <a:schemeClr val="bg1">
+              <a:alpha val="75000"/>
+            </a:schemeClr>
+          </a:solidFill>
+          <a:ln>
+            <a:solidFill>
+              <a:schemeClr val="bg1"/>
+            </a:solidFill>
+          </a:ln>
+        </p:spPr>
+        <p:style>
+          <a:lnRef idx="2">
+            <a:schemeClr val="accent1">
+              <a:shade val="50000"/>
+            </a:schemeClr>
+          </a:lnRef>
+          <a:fillRef idx="1">
+            <a:schemeClr val="accent1"/>
+          </a:fillRef>
+          <a:effectRef idx="0">
+            <a:schemeClr val="accent1"/>
+          </a:effectRef>
+          <a:fontRef idx="minor">
+            <a:schemeClr val="lt1"/>
+          </a:fontRef>
+        </p:style>
+        <p:txBody>
+          <a:bodyPr rtlCol="0" anchor="ctr"/>
+          <a:lstStyle/>
+          <a:p>
+            <a:pPr algn="ctr"/>
+            <a:endParaRPr lang="pt-BR"/>
+          </a:p>
+        </p:txBody>
+      </p:sp>
+      <p:pic>
+        <p:nvPicPr>
+          <p:cNvPr id="20" name="Imagem 19"/>
+          <p:cNvPicPr>
+            <a:picLocks noChangeAspect="1"/>
+          </p:cNvPicPr>
+          <p:nvPr/>
+        </p:nvPicPr>
+        <p:blipFill>
+          <a:blip r:embed="rId4">
+            <a:extLst>
+              <a:ext uri="{28A0092B-C50C-407E-A947-70E740481C1C}">
+                <a14:useLocalDpi xmlns:a14="http://schemas.microsoft.com/office/drawing/2010/main" val="0"/>
+              </a:ext>
+            </a:extLst>
+          </a:blip>
+          <a:stretch>
+            <a:fillRect/>
+          </a:stretch>
+        </p:blipFill>
+        <p:spPr>
+          <a:xfrm>
+            <a:off x="5922732" y="3268436"/>
+            <a:ext cx="4267200" cy="3200400"/>
+          </a:xfrm>
+          <a:prstGeom prst="rect">
+            <a:avLst/>
+          </a:prstGeom>
+        </p:spPr>
+      </p:pic>
+      <p:sp>
+        <p:nvSpPr>
+          <p:cNvPr id="22" name="Retângulo 21"/>
+          <p:cNvSpPr/>
+          <p:nvPr/>
+        </p:nvSpPr>
+        <p:spPr>
+          <a:xfrm>
+            <a:off x="6766151" y="346981"/>
+            <a:ext cx="1268188" cy="1267507"/>
+          </a:xfrm>
+          <a:prstGeom prst="rect">
+            <a:avLst/>
+          </a:prstGeom>
+          <a:solidFill>
+            <a:schemeClr val="bg1"/>
+          </a:solidFill>
+          <a:ln>
+            <a:solidFill>
+              <a:schemeClr val="bg1"/>
+            </a:solidFill>
+          </a:ln>
+        </p:spPr>
+        <p:style>
+          <a:lnRef idx="2">
+            <a:schemeClr val="accent1">
+              <a:shade val="50000"/>
+            </a:schemeClr>
+          </a:lnRef>
+          <a:fillRef idx="1">
+            <a:schemeClr val="accent1"/>
+          </a:fillRef>
+          <a:effectRef idx="0">
+            <a:schemeClr val="accent1"/>
+          </a:effectRef>
+          <a:fontRef idx="minor">
+            <a:schemeClr val="lt1"/>
+          </a:fontRef>
+        </p:style>
+        <p:txBody>
+          <a:bodyPr rtlCol="0" anchor="ctr"/>
+          <a:lstStyle/>
+          <a:p>
+            <a:pPr algn="ctr"/>
+            <a:endParaRPr lang="pt-BR"/>
+          </a:p>
+        </p:txBody>
+      </p:sp>
+      <p:sp>
+        <p:nvSpPr>
+          <p:cNvPr id="24" name="Retângulo 23"/>
+          <p:cNvSpPr/>
+          <p:nvPr/>
+        </p:nvSpPr>
+        <p:spPr>
+          <a:xfrm>
+            <a:off x="8034339" y="346981"/>
+            <a:ext cx="1285874" cy="1267507"/>
+          </a:xfrm>
+          <a:prstGeom prst="rect">
+            <a:avLst/>
+          </a:prstGeom>
+          <a:solidFill>
+            <a:schemeClr val="bg1"/>
+          </a:solidFill>
+          <a:ln>
+            <a:solidFill>
+              <a:schemeClr val="bg1"/>
+            </a:solidFill>
+          </a:ln>
+        </p:spPr>
+        <p:style>
+          <a:lnRef idx="2">
+            <a:schemeClr val="accent1">
+              <a:shade val="50000"/>
+            </a:schemeClr>
+          </a:lnRef>
+          <a:fillRef idx="1">
+            <a:schemeClr val="accent1"/>
+          </a:fillRef>
+          <a:effectRef idx="0">
+            <a:schemeClr val="accent1"/>
+          </a:effectRef>
+          <a:fontRef idx="minor">
+            <a:schemeClr val="lt1"/>
+          </a:fontRef>
+        </p:style>
+        <p:txBody>
+          <a:bodyPr rtlCol="0" anchor="ctr"/>
+          <a:lstStyle/>
+          <a:p>
+            <a:pPr algn="ctr"/>
+            <a:endParaRPr lang="pt-BR"/>
+          </a:p>
+        </p:txBody>
+      </p:sp>
+      <p:sp>
+        <p:nvSpPr>
+          <p:cNvPr id="25" name="Retângulo 24"/>
+          <p:cNvSpPr/>
+          <p:nvPr/>
+        </p:nvSpPr>
+        <p:spPr>
+          <a:xfrm>
+            <a:off x="8034338" y="1614488"/>
+            <a:ext cx="1314171" cy="1295400"/>
+          </a:xfrm>
+          <a:prstGeom prst="rect">
+            <a:avLst/>
+          </a:prstGeom>
+          <a:solidFill>
+            <a:schemeClr val="bg1"/>
+          </a:solidFill>
+          <a:ln>
+            <a:solidFill>
+              <a:schemeClr val="bg1"/>
+            </a:solidFill>
+          </a:ln>
+        </p:spPr>
+        <p:style>
+          <a:lnRef idx="2">
+            <a:schemeClr val="accent1">
+              <a:shade val="50000"/>
+            </a:schemeClr>
+          </a:lnRef>
+          <a:fillRef idx="1">
+            <a:schemeClr val="accent1"/>
+          </a:fillRef>
+          <a:effectRef idx="0">
+            <a:schemeClr val="accent1"/>
+          </a:effectRef>
+          <a:fontRef idx="minor">
+            <a:schemeClr val="lt1"/>
+          </a:fontRef>
+        </p:style>
+        <p:txBody>
+          <a:bodyPr rtlCol="0" anchor="ctr"/>
+          <a:lstStyle/>
+          <a:p>
+            <a:pPr algn="ctr"/>
+            <a:endParaRPr lang="pt-BR"/>
+          </a:p>
+        </p:txBody>
+      </p:sp>
+      <p:sp>
+        <p:nvSpPr>
+          <p:cNvPr id="26" name="Retângulo 25"/>
+          <p:cNvSpPr/>
+          <p:nvPr/>
+        </p:nvSpPr>
+        <p:spPr>
+          <a:xfrm>
+            <a:off x="6766150" y="1614488"/>
+            <a:ext cx="1268187" cy="1295400"/>
+          </a:xfrm>
+          <a:prstGeom prst="rect">
+            <a:avLst/>
+          </a:prstGeom>
+          <a:solidFill>
+            <a:schemeClr val="bg1"/>
+          </a:solidFill>
+          <a:ln>
+            <a:solidFill>
+              <a:schemeClr val="bg1"/>
+            </a:solidFill>
+          </a:ln>
+        </p:spPr>
+        <p:style>
+          <a:lnRef idx="2">
+            <a:schemeClr val="accent1">
+              <a:shade val="50000"/>
+            </a:schemeClr>
+          </a:lnRef>
+          <a:fillRef idx="1">
+            <a:schemeClr val="accent1"/>
+          </a:fillRef>
+          <a:effectRef idx="0">
+            <a:schemeClr val="accent1"/>
+          </a:effectRef>
+          <a:fontRef idx="minor">
+            <a:schemeClr val="lt1"/>
+          </a:fontRef>
+        </p:style>
+        <p:txBody>
+          <a:bodyPr rtlCol="0" anchor="ctr"/>
+          <a:lstStyle/>
+          <a:p>
+            <a:pPr algn="ctr"/>
+            <a:endParaRPr lang="pt-BR"/>
+          </a:p>
+        </p:txBody>
+      </p:sp>
+      <p:sp>
+        <p:nvSpPr>
+          <p:cNvPr id="27" name="Retângulo 26"/>
+          <p:cNvSpPr/>
+          <p:nvPr/>
+        </p:nvSpPr>
+        <p:spPr>
+          <a:xfrm>
+            <a:off x="6766151" y="3548400"/>
+            <a:ext cx="1268188" cy="1267507"/>
+          </a:xfrm>
+          <a:prstGeom prst="rect">
+            <a:avLst/>
+          </a:prstGeom>
+          <a:solidFill>
+            <a:schemeClr val="bg1"/>
+          </a:solidFill>
+          <a:ln>
+            <a:solidFill>
+              <a:schemeClr val="bg1"/>
+            </a:solidFill>
+          </a:ln>
+        </p:spPr>
+        <p:style>
+          <a:lnRef idx="2">
+            <a:schemeClr val="accent1">
+              <a:shade val="50000"/>
+            </a:schemeClr>
+          </a:lnRef>
+          <a:fillRef idx="1">
+            <a:schemeClr val="accent1"/>
+          </a:fillRef>
+          <a:effectRef idx="0">
+            <a:schemeClr val="accent1"/>
+          </a:effectRef>
+          <a:fontRef idx="minor">
+            <a:schemeClr val="lt1"/>
+          </a:fontRef>
+        </p:style>
+        <p:txBody>
+          <a:bodyPr rtlCol="0" anchor="ctr"/>
+          <a:lstStyle/>
+          <a:p>
+            <a:pPr algn="ctr"/>
+            <a:endParaRPr lang="pt-BR"/>
+          </a:p>
+        </p:txBody>
+      </p:sp>
+      <p:sp>
+        <p:nvSpPr>
+          <p:cNvPr id="28" name="Retângulo 27"/>
+          <p:cNvSpPr/>
+          <p:nvPr/>
+        </p:nvSpPr>
+        <p:spPr>
+          <a:xfrm>
+            <a:off x="8034339" y="3548400"/>
+            <a:ext cx="1285874" cy="1267507"/>
+          </a:xfrm>
+          <a:prstGeom prst="rect">
+            <a:avLst/>
+          </a:prstGeom>
+          <a:solidFill>
+            <a:schemeClr val="bg1"/>
+          </a:solidFill>
+          <a:ln>
+            <a:solidFill>
+              <a:schemeClr val="bg1"/>
+            </a:solidFill>
+          </a:ln>
+        </p:spPr>
+        <p:style>
+          <a:lnRef idx="2">
+            <a:schemeClr val="accent1">
+              <a:shade val="50000"/>
+            </a:schemeClr>
+          </a:lnRef>
+          <a:fillRef idx="1">
+            <a:schemeClr val="accent1"/>
+          </a:fillRef>
+          <a:effectRef idx="0">
+            <a:schemeClr val="accent1"/>
+          </a:effectRef>
+          <a:fontRef idx="minor">
+            <a:schemeClr val="lt1"/>
+          </a:fontRef>
+        </p:style>
+        <p:txBody>
+          <a:bodyPr rtlCol="0" anchor="ctr"/>
+          <a:lstStyle/>
+          <a:p>
+            <a:pPr algn="ctr"/>
+            <a:endParaRPr lang="pt-BR"/>
+          </a:p>
+        </p:txBody>
+      </p:sp>
+      <p:sp>
+        <p:nvSpPr>
+          <p:cNvPr id="29" name="Retângulo 28"/>
+          <p:cNvSpPr/>
+          <p:nvPr/>
+        </p:nvSpPr>
+        <p:spPr>
+          <a:xfrm>
+            <a:off x="8034338" y="4815907"/>
+            <a:ext cx="1314171" cy="1295400"/>
+          </a:xfrm>
+          <a:prstGeom prst="rect">
+            <a:avLst/>
+          </a:prstGeom>
+          <a:solidFill>
+            <a:schemeClr val="bg1"/>
+          </a:solidFill>
+          <a:ln>
+            <a:solidFill>
+              <a:schemeClr val="bg1"/>
+            </a:solidFill>
+          </a:ln>
+        </p:spPr>
+        <p:style>
+          <a:lnRef idx="2">
+            <a:schemeClr val="accent1">
+              <a:shade val="50000"/>
+            </a:schemeClr>
+          </a:lnRef>
+          <a:fillRef idx="1">
+            <a:schemeClr val="accent1"/>
+          </a:fillRef>
+          <a:effectRef idx="0">
+            <a:schemeClr val="accent1"/>
+          </a:effectRef>
+          <a:fontRef idx="minor">
+            <a:schemeClr val="lt1"/>
+          </a:fontRef>
+        </p:style>
+        <p:txBody>
+          <a:bodyPr rtlCol="0" anchor="ctr"/>
+          <a:lstStyle/>
+          <a:p>
+            <a:pPr algn="ctr"/>
+            <a:endParaRPr lang="pt-BR"/>
+          </a:p>
+        </p:txBody>
+      </p:sp>
+      <p:sp>
+        <p:nvSpPr>
+          <p:cNvPr id="30" name="Retângulo 29"/>
+          <p:cNvSpPr/>
+          <p:nvPr/>
+        </p:nvSpPr>
+        <p:spPr>
+          <a:xfrm>
+            <a:off x="6766150" y="4815907"/>
+            <a:ext cx="1268187" cy="1295400"/>
+          </a:xfrm>
+          <a:prstGeom prst="rect">
+            <a:avLst/>
+          </a:prstGeom>
+          <a:solidFill>
+            <a:schemeClr val="bg1"/>
+          </a:solidFill>
+          <a:ln>
+            <a:solidFill>
+              <a:schemeClr val="bg1"/>
+            </a:solidFill>
+          </a:ln>
+        </p:spPr>
+        <p:style>
+          <a:lnRef idx="2">
+            <a:schemeClr val="accent1">
+              <a:shade val="50000"/>
+            </a:schemeClr>
+          </a:lnRef>
+          <a:fillRef idx="1">
+            <a:schemeClr val="accent1"/>
+          </a:fillRef>
+          <a:effectRef idx="0">
+            <a:schemeClr val="accent1"/>
+          </a:effectRef>
+          <a:fontRef idx="minor">
+            <a:schemeClr val="lt1"/>
+          </a:fontRef>
+        </p:style>
+        <p:txBody>
+          <a:bodyPr rtlCol="0" anchor="ctr"/>
+          <a:lstStyle/>
+          <a:p>
+            <a:pPr algn="ctr"/>
+            <a:endParaRPr lang="pt-BR"/>
+          </a:p>
+        </p:txBody>
+      </p:sp>
+      <p:cxnSp>
+        <p:nvCxnSpPr>
+          <p:cNvPr id="17" name="Conector de Seta Reta 30"/>
+          <p:cNvCxnSpPr/>
+          <p:nvPr/>
+        </p:nvCxnSpPr>
+        <p:spPr>
+          <a:xfrm>
+            <a:off x="3151412" y="3037114"/>
+            <a:ext cx="669474" cy="0"/>
+          </a:xfrm>
+          <a:prstGeom prst="straightConnector1">
+            <a:avLst/>
+          </a:prstGeom>
+          <a:ln w="38100">
+            <a:solidFill>
+              <a:srgbClr val="00B050"/>
+            </a:solidFill>
+            <a:tailEnd type="triangle"/>
+          </a:ln>
+        </p:spPr>
+        <p:style>
+          <a:lnRef idx="1">
+            <a:schemeClr val="accent1"/>
+          </a:lnRef>
+          <a:fillRef idx="0">
+            <a:schemeClr val="accent1"/>
+          </a:fillRef>
+          <a:effectRef idx="0">
+            <a:schemeClr val="accent1"/>
+          </a:effectRef>
+          <a:fontRef idx="minor">
+            <a:schemeClr val="tx1"/>
+          </a:fontRef>
+        </p:style>
+      </p:cxnSp>
+      <p:cxnSp>
+        <p:nvCxnSpPr>
+          <p:cNvPr id="3" name="Conector reto 2"/>
+          <p:cNvCxnSpPr/>
+          <p:nvPr/>
+        </p:nvCxnSpPr>
+        <p:spPr>
+          <a:xfrm>
+            <a:off x="923925" y="3037114"/>
+            <a:ext cx="2227487" cy="0"/>
+          </a:xfrm>
+          <a:prstGeom prst="line">
+            <a:avLst/>
+          </a:prstGeom>
+          <a:ln w="38100">
+            <a:solidFill>
+              <a:srgbClr val="FF0000"/>
+            </a:solidFill>
+          </a:ln>
+        </p:spPr>
+        <p:style>
+          <a:lnRef idx="1">
+            <a:schemeClr val="accent1"/>
+          </a:lnRef>
+          <a:fillRef idx="0">
+            <a:schemeClr val="accent1"/>
+          </a:fillRef>
+          <a:effectRef idx="0">
+            <a:schemeClr val="accent1"/>
+          </a:effectRef>
+          <a:fontRef idx="minor">
+            <a:schemeClr val="tx1"/>
+          </a:fontRef>
+        </p:style>
+      </p:cxnSp>
+      <p:cxnSp>
+        <p:nvCxnSpPr>
+          <p:cNvPr id="21" name="Conector reto 20"/>
+          <p:cNvCxnSpPr/>
+          <p:nvPr/>
+        </p:nvCxnSpPr>
+        <p:spPr>
+          <a:xfrm>
+            <a:off x="3151412" y="832756"/>
+            <a:ext cx="0" cy="2204358"/>
+          </a:xfrm>
+          <a:prstGeom prst="line">
+            <a:avLst/>
+          </a:prstGeom>
+          <a:ln w="38100">
+            <a:solidFill>
+              <a:srgbClr val="FF0000"/>
+            </a:solidFill>
+          </a:ln>
+        </p:spPr>
+        <p:style>
+          <a:lnRef idx="1">
+            <a:schemeClr val="accent1"/>
+          </a:lnRef>
+          <a:fillRef idx="0">
+            <a:schemeClr val="accent1"/>
+          </a:fillRef>
+          <a:effectRef idx="0">
+            <a:schemeClr val="accent1"/>
+          </a:effectRef>
+          <a:fontRef idx="minor">
+            <a:schemeClr val="tx1"/>
+          </a:fontRef>
+        </p:style>
+      </p:cxnSp>
+    </p:spTree>
+    <p:extLst>
+      <p:ext uri="{BB962C8B-B14F-4D97-AF65-F5344CB8AC3E}">
+        <p14:creationId xmlns:p14="http://schemas.microsoft.com/office/powerpoint/2010/main" val="1361457639"/>
+      </p:ext>
+    </p:extLst>
+  </p:cSld>
+  <p:clrMapOvr>
+    <a:masterClrMapping/>
+  </p:clrMapOvr>
+</p:sld>
+</file>
+
+<file path=ppt/slides/slide14.xml><?xml version="1.0" encoding="utf-8"?>
+<p:sld xmlns:a="http://schemas.openxmlformats.org/drawingml/2006/main" xmlns:r="http://schemas.openxmlformats.org/officeDocument/2006/relationships" xmlns:p="http://schemas.openxmlformats.org/presentationml/2006/main">
+  <p:cSld>
+    <p:spTree>
+      <p:nvGrpSpPr>
+        <p:cNvPr id="1" name=""/>
+        <p:cNvGrpSpPr/>
+        <p:nvPr/>
+      </p:nvGrpSpPr>
+      <p:grpSpPr>
+        <a:xfrm>
+          <a:off x="0" y="0"/>
+          <a:ext cx="0" cy="0"/>
+          <a:chOff x="0" y="0"/>
+          <a:chExt cx="0" cy="0"/>
+        </a:xfrm>
+      </p:grpSpPr>
+      <p:pic>
+        <p:nvPicPr>
+          <p:cNvPr id="4" name="Imagem 3"/>
+          <p:cNvPicPr>
+            <a:picLocks noChangeAspect="1"/>
+          </p:cNvPicPr>
+          <p:nvPr/>
+        </p:nvPicPr>
+        <p:blipFill rotWithShape="1">
+          <a:blip r:embed="rId2">
+            <a:extLst>
+              <a:ext uri="{28A0092B-C50C-407E-A947-70E740481C1C}">
+                <a14:useLocalDpi xmlns:a14="http://schemas.microsoft.com/office/drawing/2010/main" val="0"/>
+              </a:ext>
+            </a:extLst>
+          </a:blip>
+          <a:srcRect l="10417"/>
+          <a:stretch/>
+        </p:blipFill>
+        <p:spPr>
+          <a:xfrm>
+            <a:off x="6367235" y="68036"/>
+            <a:ext cx="3822697" cy="3200400"/>
+          </a:xfrm>
+          <a:prstGeom prst="rect">
+            <a:avLst/>
+          </a:prstGeom>
+        </p:spPr>
+      </p:pic>
+      <p:pic>
+        <p:nvPicPr>
+          <p:cNvPr id="6" name="Imagem 5"/>
+          <p:cNvPicPr>
+            <a:picLocks noChangeAspect="1"/>
+          </p:cNvPicPr>
+          <p:nvPr/>
+        </p:nvPicPr>
+        <p:blipFill rotWithShape="1">
+          <a:blip r:embed="rId3">
+            <a:extLst>
+              <a:ext uri="{28A0092B-C50C-407E-A947-70E740481C1C}">
+                <a14:useLocalDpi xmlns:a14="http://schemas.microsoft.com/office/drawing/2010/main" val="0"/>
+              </a:ext>
+            </a:extLst>
+          </a:blip>
+          <a:srcRect l="9747" r="18379"/>
+          <a:stretch/>
+        </p:blipFill>
+        <p:spPr>
+          <a:xfrm>
+            <a:off x="261257" y="408213"/>
+            <a:ext cx="5257800" cy="5486411"/>
+          </a:xfrm>
+          <a:prstGeom prst="rect">
+            <a:avLst/>
+          </a:prstGeom>
+        </p:spPr>
+      </p:pic>
+      <p:sp>
+        <p:nvSpPr>
+          <p:cNvPr id="7" name="Retângulo 6"/>
+          <p:cNvSpPr/>
+          <p:nvPr/>
+        </p:nvSpPr>
+        <p:spPr>
+          <a:xfrm>
+            <a:off x="3151413" y="832756"/>
+            <a:ext cx="2237015" cy="2204358"/>
+          </a:xfrm>
+          <a:prstGeom prst="rect">
+            <a:avLst/>
+          </a:prstGeom>
+          <a:solidFill>
+            <a:schemeClr val="bg1">
+              <a:alpha val="75000"/>
+            </a:schemeClr>
+          </a:solidFill>
+          <a:ln>
+            <a:solidFill>
+              <a:schemeClr val="bg1"/>
+            </a:solidFill>
+          </a:ln>
+        </p:spPr>
+        <p:style>
+          <a:lnRef idx="2">
+            <a:schemeClr val="accent1">
+              <a:shade val="50000"/>
+            </a:schemeClr>
+          </a:lnRef>
+          <a:fillRef idx="1">
+            <a:schemeClr val="accent1"/>
+          </a:fillRef>
+          <a:effectRef idx="0">
+            <a:schemeClr val="accent1"/>
+          </a:effectRef>
+          <a:fontRef idx="minor">
+            <a:schemeClr val="lt1"/>
+          </a:fontRef>
+        </p:style>
+        <p:txBody>
+          <a:bodyPr rtlCol="0" anchor="ctr"/>
+          <a:lstStyle/>
+          <a:p>
+            <a:pPr algn="ctr"/>
+            <a:endParaRPr lang="pt-BR"/>
+          </a:p>
+        </p:txBody>
+      </p:sp>
+      <p:sp>
+        <p:nvSpPr>
+          <p:cNvPr id="8" name="Retângulo 7"/>
+          <p:cNvSpPr/>
+          <p:nvPr/>
+        </p:nvSpPr>
+        <p:spPr>
+          <a:xfrm>
+            <a:off x="3151413" y="3037114"/>
+            <a:ext cx="2237016" cy="2269672"/>
+          </a:xfrm>
+          <a:prstGeom prst="rect">
+            <a:avLst/>
+          </a:prstGeom>
+          <a:solidFill>
+            <a:schemeClr val="bg1">
+              <a:alpha val="75000"/>
+            </a:schemeClr>
+          </a:solidFill>
+          <a:ln>
+            <a:solidFill>
+              <a:schemeClr val="bg1"/>
+            </a:solidFill>
+          </a:ln>
+        </p:spPr>
+        <p:style>
+          <a:lnRef idx="2">
+            <a:schemeClr val="accent1">
+              <a:shade val="50000"/>
+            </a:schemeClr>
+          </a:lnRef>
+          <a:fillRef idx="1">
+            <a:schemeClr val="accent1"/>
+          </a:fillRef>
+          <a:effectRef idx="0">
+            <a:schemeClr val="accent1"/>
+          </a:effectRef>
+          <a:fontRef idx="minor">
+            <a:schemeClr val="lt1"/>
+          </a:fontRef>
+        </p:style>
+        <p:txBody>
+          <a:bodyPr rtlCol="0" anchor="ctr"/>
+          <a:lstStyle/>
+          <a:p>
+            <a:pPr algn="ctr"/>
+            <a:endParaRPr lang="pt-BR"/>
+          </a:p>
+        </p:txBody>
+      </p:sp>
+      <p:sp>
+        <p:nvSpPr>
+          <p:cNvPr id="9" name="Retângulo 8"/>
+          <p:cNvSpPr/>
+          <p:nvPr/>
+        </p:nvSpPr>
+        <p:spPr>
+          <a:xfrm>
+            <a:off x="848115" y="3037114"/>
+            <a:ext cx="2303297" cy="2269672"/>
+          </a:xfrm>
+          <a:prstGeom prst="rect">
+            <a:avLst/>
+          </a:prstGeom>
+          <a:solidFill>
+            <a:schemeClr val="bg1">
+              <a:alpha val="75000"/>
+            </a:schemeClr>
+          </a:solidFill>
+          <a:ln>
+            <a:solidFill>
+              <a:schemeClr val="bg1"/>
+            </a:solidFill>
+          </a:ln>
+        </p:spPr>
+        <p:style>
+          <a:lnRef idx="2">
+            <a:schemeClr val="accent1">
+              <a:shade val="50000"/>
+            </a:schemeClr>
+          </a:lnRef>
+          <a:fillRef idx="1">
+            <a:schemeClr val="accent1"/>
+          </a:fillRef>
+          <a:effectRef idx="0">
+            <a:schemeClr val="accent1"/>
+          </a:effectRef>
+          <a:fontRef idx="minor">
+            <a:schemeClr val="lt1"/>
+          </a:fontRef>
+        </p:style>
+        <p:txBody>
+          <a:bodyPr rtlCol="0" anchor="ctr"/>
+          <a:lstStyle/>
+          <a:p>
+            <a:pPr algn="ctr"/>
+            <a:endParaRPr lang="pt-BR"/>
+          </a:p>
+        </p:txBody>
+      </p:sp>
+      <p:pic>
+        <p:nvPicPr>
+          <p:cNvPr id="20" name="Imagem 19"/>
+          <p:cNvPicPr>
+            <a:picLocks noChangeAspect="1"/>
+          </p:cNvPicPr>
+          <p:nvPr/>
+        </p:nvPicPr>
+        <p:blipFill>
+          <a:blip r:embed="rId4">
+            <a:extLst>
+              <a:ext uri="{28A0092B-C50C-407E-A947-70E740481C1C}">
+                <a14:useLocalDpi xmlns:a14="http://schemas.microsoft.com/office/drawing/2010/main" val="0"/>
+              </a:ext>
+            </a:extLst>
+          </a:blip>
+          <a:stretch>
+            <a:fillRect/>
+          </a:stretch>
+        </p:blipFill>
+        <p:spPr>
+          <a:xfrm>
+            <a:off x="5922732" y="3268436"/>
+            <a:ext cx="4267200" cy="3200400"/>
+          </a:xfrm>
+          <a:prstGeom prst="rect">
+            <a:avLst/>
+          </a:prstGeom>
+        </p:spPr>
+      </p:pic>
+      <p:sp>
+        <p:nvSpPr>
+          <p:cNvPr id="24" name="Retângulo 23"/>
+          <p:cNvSpPr/>
+          <p:nvPr/>
+        </p:nvSpPr>
+        <p:spPr>
+          <a:xfrm>
+            <a:off x="8034339" y="346981"/>
+            <a:ext cx="1285874" cy="1267507"/>
+          </a:xfrm>
+          <a:prstGeom prst="rect">
+            <a:avLst/>
+          </a:prstGeom>
+          <a:solidFill>
+            <a:schemeClr val="bg1"/>
+          </a:solidFill>
+          <a:ln>
+            <a:solidFill>
+              <a:schemeClr val="bg1"/>
+            </a:solidFill>
+          </a:ln>
+        </p:spPr>
+        <p:style>
+          <a:lnRef idx="2">
+            <a:schemeClr val="accent1">
+              <a:shade val="50000"/>
+            </a:schemeClr>
+          </a:lnRef>
+          <a:fillRef idx="1">
+            <a:schemeClr val="accent1"/>
+          </a:fillRef>
+          <a:effectRef idx="0">
+            <a:schemeClr val="accent1"/>
+          </a:effectRef>
+          <a:fontRef idx="minor">
+            <a:schemeClr val="lt1"/>
+          </a:fontRef>
+        </p:style>
+        <p:txBody>
+          <a:bodyPr rtlCol="0" anchor="ctr"/>
+          <a:lstStyle/>
+          <a:p>
+            <a:pPr algn="ctr"/>
+            <a:endParaRPr lang="pt-BR"/>
+          </a:p>
+        </p:txBody>
+      </p:sp>
+      <p:sp>
+        <p:nvSpPr>
+          <p:cNvPr id="25" name="Retângulo 24"/>
+          <p:cNvSpPr/>
+          <p:nvPr/>
+        </p:nvSpPr>
+        <p:spPr>
+          <a:xfrm>
+            <a:off x="8034338" y="1614488"/>
+            <a:ext cx="1314171" cy="1295400"/>
+          </a:xfrm>
+          <a:prstGeom prst="rect">
+            <a:avLst/>
+          </a:prstGeom>
+          <a:solidFill>
+            <a:schemeClr val="bg1"/>
+          </a:solidFill>
+          <a:ln>
+            <a:solidFill>
+              <a:schemeClr val="bg1"/>
+            </a:solidFill>
+          </a:ln>
+        </p:spPr>
+        <p:style>
+          <a:lnRef idx="2">
+            <a:schemeClr val="accent1">
+              <a:shade val="50000"/>
+            </a:schemeClr>
+          </a:lnRef>
+          <a:fillRef idx="1">
+            <a:schemeClr val="accent1"/>
+          </a:fillRef>
+          <a:effectRef idx="0">
+            <a:schemeClr val="accent1"/>
+          </a:effectRef>
+          <a:fontRef idx="minor">
+            <a:schemeClr val="lt1"/>
+          </a:fontRef>
+        </p:style>
+        <p:txBody>
+          <a:bodyPr rtlCol="0" anchor="ctr"/>
+          <a:lstStyle/>
+          <a:p>
+            <a:pPr algn="ctr"/>
+            <a:endParaRPr lang="pt-BR"/>
+          </a:p>
+        </p:txBody>
+      </p:sp>
+      <p:sp>
+        <p:nvSpPr>
+          <p:cNvPr id="26" name="Retângulo 25"/>
+          <p:cNvSpPr/>
+          <p:nvPr/>
+        </p:nvSpPr>
+        <p:spPr>
+          <a:xfrm>
+            <a:off x="6766150" y="1614488"/>
+            <a:ext cx="1268187" cy="1295400"/>
+          </a:xfrm>
+          <a:prstGeom prst="rect">
+            <a:avLst/>
+          </a:prstGeom>
+          <a:solidFill>
+            <a:schemeClr val="bg1"/>
+          </a:solidFill>
+          <a:ln>
+            <a:solidFill>
+              <a:schemeClr val="bg1"/>
+            </a:solidFill>
+          </a:ln>
+        </p:spPr>
+        <p:style>
+          <a:lnRef idx="2">
+            <a:schemeClr val="accent1">
+              <a:shade val="50000"/>
+            </a:schemeClr>
+          </a:lnRef>
+          <a:fillRef idx="1">
+            <a:schemeClr val="accent1"/>
+          </a:fillRef>
+          <a:effectRef idx="0">
+            <a:schemeClr val="accent1"/>
+          </a:effectRef>
+          <a:fontRef idx="minor">
+            <a:schemeClr val="lt1"/>
+          </a:fontRef>
+        </p:style>
+        <p:txBody>
+          <a:bodyPr rtlCol="0" anchor="ctr"/>
+          <a:lstStyle/>
+          <a:p>
+            <a:pPr algn="ctr"/>
+            <a:endParaRPr lang="pt-BR"/>
+          </a:p>
+        </p:txBody>
+      </p:sp>
+      <p:sp>
+        <p:nvSpPr>
+          <p:cNvPr id="28" name="Retângulo 27"/>
+          <p:cNvSpPr/>
+          <p:nvPr/>
+        </p:nvSpPr>
+        <p:spPr>
+          <a:xfrm>
+            <a:off x="8034339" y="3548400"/>
+            <a:ext cx="1285874" cy="1267507"/>
+          </a:xfrm>
+          <a:prstGeom prst="rect">
+            <a:avLst/>
+          </a:prstGeom>
+          <a:solidFill>
+            <a:schemeClr val="bg1"/>
+          </a:solidFill>
+          <a:ln>
+            <a:solidFill>
+              <a:schemeClr val="bg1"/>
+            </a:solidFill>
+          </a:ln>
+        </p:spPr>
+        <p:style>
+          <a:lnRef idx="2">
+            <a:schemeClr val="accent1">
+              <a:shade val="50000"/>
+            </a:schemeClr>
+          </a:lnRef>
+          <a:fillRef idx="1">
+            <a:schemeClr val="accent1"/>
+          </a:fillRef>
+          <a:effectRef idx="0">
+            <a:schemeClr val="accent1"/>
+          </a:effectRef>
+          <a:fontRef idx="minor">
+            <a:schemeClr val="lt1"/>
+          </a:fontRef>
+        </p:style>
+        <p:txBody>
+          <a:bodyPr rtlCol="0" anchor="ctr"/>
+          <a:lstStyle/>
+          <a:p>
+            <a:pPr algn="ctr"/>
+            <a:endParaRPr lang="pt-BR"/>
+          </a:p>
+        </p:txBody>
+      </p:sp>
+      <p:sp>
+        <p:nvSpPr>
+          <p:cNvPr id="29" name="Retângulo 28"/>
+          <p:cNvSpPr/>
+          <p:nvPr/>
+        </p:nvSpPr>
+        <p:spPr>
+          <a:xfrm>
+            <a:off x="8034338" y="4815907"/>
+            <a:ext cx="1314171" cy="1295400"/>
+          </a:xfrm>
+          <a:prstGeom prst="rect">
+            <a:avLst/>
+          </a:prstGeom>
+          <a:solidFill>
+            <a:schemeClr val="bg1"/>
+          </a:solidFill>
+          <a:ln>
+            <a:solidFill>
+              <a:schemeClr val="bg1"/>
+            </a:solidFill>
+          </a:ln>
+        </p:spPr>
+        <p:style>
+          <a:lnRef idx="2">
+            <a:schemeClr val="accent1">
+              <a:shade val="50000"/>
+            </a:schemeClr>
+          </a:lnRef>
+          <a:fillRef idx="1">
+            <a:schemeClr val="accent1"/>
+          </a:fillRef>
+          <a:effectRef idx="0">
+            <a:schemeClr val="accent1"/>
+          </a:effectRef>
+          <a:fontRef idx="minor">
+            <a:schemeClr val="lt1"/>
+          </a:fontRef>
+        </p:style>
+        <p:txBody>
+          <a:bodyPr rtlCol="0" anchor="ctr"/>
+          <a:lstStyle/>
+          <a:p>
+            <a:pPr algn="ctr"/>
+            <a:endParaRPr lang="pt-BR"/>
+          </a:p>
+        </p:txBody>
+      </p:sp>
+      <p:sp>
+        <p:nvSpPr>
+          <p:cNvPr id="30" name="Retângulo 29"/>
+          <p:cNvSpPr/>
+          <p:nvPr/>
+        </p:nvSpPr>
+        <p:spPr>
+          <a:xfrm>
+            <a:off x="6766150" y="4815907"/>
+            <a:ext cx="1268187" cy="1295400"/>
+          </a:xfrm>
+          <a:prstGeom prst="rect">
+            <a:avLst/>
+          </a:prstGeom>
+          <a:solidFill>
+            <a:schemeClr val="bg1"/>
+          </a:solidFill>
+          <a:ln>
+            <a:solidFill>
+              <a:schemeClr val="bg1"/>
+            </a:solidFill>
+          </a:ln>
+        </p:spPr>
+        <p:style>
+          <a:lnRef idx="2">
+            <a:schemeClr val="accent1">
+              <a:shade val="50000"/>
+            </a:schemeClr>
+          </a:lnRef>
+          <a:fillRef idx="1">
+            <a:schemeClr val="accent1"/>
+          </a:fillRef>
+          <a:effectRef idx="0">
+            <a:schemeClr val="accent1"/>
+          </a:effectRef>
+          <a:fontRef idx="minor">
+            <a:schemeClr val="lt1"/>
+          </a:fontRef>
+        </p:style>
+        <p:txBody>
+          <a:bodyPr rtlCol="0" anchor="ctr"/>
+          <a:lstStyle/>
+          <a:p>
+            <a:pPr algn="ctr"/>
+            <a:endParaRPr lang="pt-BR"/>
+          </a:p>
+        </p:txBody>
+      </p:sp>
+      <p:cxnSp>
+        <p:nvCxnSpPr>
+          <p:cNvPr id="17" name="Conector de Seta Reta 30"/>
+          <p:cNvCxnSpPr/>
+          <p:nvPr/>
+        </p:nvCxnSpPr>
+        <p:spPr>
+          <a:xfrm>
+            <a:off x="3151412" y="3037114"/>
+            <a:ext cx="669474" cy="0"/>
+          </a:xfrm>
+          <a:prstGeom prst="straightConnector1">
+            <a:avLst/>
+          </a:prstGeom>
+          <a:ln w="38100">
+            <a:solidFill>
+              <a:srgbClr val="00B050"/>
+            </a:solidFill>
+            <a:tailEnd type="triangle"/>
+          </a:ln>
+        </p:spPr>
+        <p:style>
+          <a:lnRef idx="1">
+            <a:schemeClr val="accent1"/>
+          </a:lnRef>
+          <a:fillRef idx="0">
+            <a:schemeClr val="accent1"/>
+          </a:fillRef>
+          <a:effectRef idx="0">
+            <a:schemeClr val="accent1"/>
+          </a:effectRef>
+          <a:fontRef idx="minor">
+            <a:schemeClr val="tx1"/>
+          </a:fontRef>
+        </p:style>
+      </p:cxnSp>
+      <p:cxnSp>
+        <p:nvCxnSpPr>
+          <p:cNvPr id="3" name="Conector reto 2"/>
+          <p:cNvCxnSpPr/>
+          <p:nvPr/>
+        </p:nvCxnSpPr>
+        <p:spPr>
+          <a:xfrm>
+            <a:off x="923925" y="3037114"/>
+            <a:ext cx="2227487" cy="0"/>
+          </a:xfrm>
+          <a:prstGeom prst="line">
+            <a:avLst/>
+          </a:prstGeom>
+          <a:ln w="38100">
+            <a:solidFill>
+              <a:srgbClr val="FF0000"/>
+            </a:solidFill>
+          </a:ln>
+        </p:spPr>
+        <p:style>
+          <a:lnRef idx="1">
+            <a:schemeClr val="accent1"/>
+          </a:lnRef>
+          <a:fillRef idx="0">
+            <a:schemeClr val="accent1"/>
+          </a:fillRef>
+          <a:effectRef idx="0">
+            <a:schemeClr val="accent1"/>
+          </a:effectRef>
+          <a:fontRef idx="minor">
+            <a:schemeClr val="tx1"/>
+          </a:fontRef>
+        </p:style>
+      </p:cxnSp>
+      <p:cxnSp>
+        <p:nvCxnSpPr>
+          <p:cNvPr id="21" name="Conector reto 20"/>
+          <p:cNvCxnSpPr/>
+          <p:nvPr/>
+        </p:nvCxnSpPr>
+        <p:spPr>
+          <a:xfrm>
+            <a:off x="3151412" y="832756"/>
+            <a:ext cx="0" cy="2204358"/>
+          </a:xfrm>
+          <a:prstGeom prst="line">
+            <a:avLst/>
+          </a:prstGeom>
+          <a:ln w="38100">
+            <a:solidFill>
+              <a:srgbClr val="FF0000"/>
+            </a:solidFill>
+          </a:ln>
+        </p:spPr>
+        <p:style>
+          <a:lnRef idx="1">
+            <a:schemeClr val="accent1"/>
+          </a:lnRef>
+          <a:fillRef idx="0">
+            <a:schemeClr val="accent1"/>
+          </a:fillRef>
+          <a:effectRef idx="0">
+            <a:schemeClr val="accent1"/>
+          </a:effectRef>
+          <a:fontRef idx="minor">
+            <a:schemeClr val="tx1"/>
+          </a:fontRef>
+        </p:style>
+      </p:cxnSp>
+    </p:spTree>
+    <p:extLst>
+      <p:ext uri="{BB962C8B-B14F-4D97-AF65-F5344CB8AC3E}">
+        <p14:creationId xmlns:p14="http://schemas.microsoft.com/office/powerpoint/2010/main" val="2444846250"/>
+      </p:ext>
+    </p:extLst>
+  </p:cSld>
+  <p:clrMapOvr>
+    <a:masterClrMapping/>
+  </p:clrMapOvr>
+</p:sld>
+</file>
+
+<file path=ppt/slides/slide15.xml><?xml version="1.0" encoding="utf-8"?>
+<p:sld xmlns:a="http://schemas.openxmlformats.org/drawingml/2006/main" xmlns:r="http://schemas.openxmlformats.org/officeDocument/2006/relationships" xmlns:p="http://schemas.openxmlformats.org/presentationml/2006/main">
+  <p:cSld>
+    <p:spTree>
+      <p:nvGrpSpPr>
+        <p:cNvPr id="1" name=""/>
+        <p:cNvGrpSpPr/>
+        <p:nvPr/>
+      </p:nvGrpSpPr>
+      <p:grpSpPr>
+        <a:xfrm>
+          <a:off x="0" y="0"/>
+          <a:ext cx="0" cy="0"/>
+          <a:chOff x="0" y="0"/>
+          <a:chExt cx="0" cy="0"/>
+        </a:xfrm>
+      </p:grpSpPr>
+      <p:pic>
+        <p:nvPicPr>
+          <p:cNvPr id="4" name="Imagem 3"/>
+          <p:cNvPicPr>
+            <a:picLocks noChangeAspect="1"/>
+          </p:cNvPicPr>
+          <p:nvPr/>
+        </p:nvPicPr>
+        <p:blipFill rotWithShape="1">
+          <a:blip r:embed="rId2">
+            <a:extLst>
+              <a:ext uri="{28A0092B-C50C-407E-A947-70E740481C1C}">
+                <a14:useLocalDpi xmlns:a14="http://schemas.microsoft.com/office/drawing/2010/main" val="0"/>
+              </a:ext>
+            </a:extLst>
+          </a:blip>
+          <a:srcRect l="10417"/>
+          <a:stretch/>
+        </p:blipFill>
+        <p:spPr>
+          <a:xfrm>
+            <a:off x="6367235" y="68036"/>
+            <a:ext cx="3822697" cy="3200400"/>
+          </a:xfrm>
+          <a:prstGeom prst="rect">
+            <a:avLst/>
+          </a:prstGeom>
+        </p:spPr>
+      </p:pic>
+      <p:pic>
+        <p:nvPicPr>
+          <p:cNvPr id="6" name="Imagem 5"/>
+          <p:cNvPicPr>
+            <a:picLocks noChangeAspect="1"/>
+          </p:cNvPicPr>
+          <p:nvPr/>
+        </p:nvPicPr>
+        <p:blipFill rotWithShape="1">
+          <a:blip r:embed="rId3">
+            <a:extLst>
+              <a:ext uri="{28A0092B-C50C-407E-A947-70E740481C1C}">
+                <a14:useLocalDpi xmlns:a14="http://schemas.microsoft.com/office/drawing/2010/main" val="0"/>
+              </a:ext>
+            </a:extLst>
+          </a:blip>
+          <a:srcRect l="9747" r="18379"/>
+          <a:stretch/>
+        </p:blipFill>
+        <p:spPr>
+          <a:xfrm>
+            <a:off x="261257" y="408213"/>
+            <a:ext cx="5257800" cy="5486411"/>
+          </a:xfrm>
+          <a:prstGeom prst="rect">
+            <a:avLst/>
+          </a:prstGeom>
+        </p:spPr>
+      </p:pic>
+      <p:sp>
+        <p:nvSpPr>
+          <p:cNvPr id="8" name="Retângulo 7"/>
+          <p:cNvSpPr/>
+          <p:nvPr/>
+        </p:nvSpPr>
+        <p:spPr>
+          <a:xfrm>
+            <a:off x="3151413" y="3037114"/>
+            <a:ext cx="2237016" cy="2269672"/>
+          </a:xfrm>
+          <a:prstGeom prst="rect">
+            <a:avLst/>
+          </a:prstGeom>
+          <a:solidFill>
+            <a:schemeClr val="bg1">
+              <a:alpha val="75000"/>
+            </a:schemeClr>
+          </a:solidFill>
+          <a:ln>
+            <a:solidFill>
+              <a:schemeClr val="bg1"/>
+            </a:solidFill>
+          </a:ln>
+        </p:spPr>
+        <p:style>
+          <a:lnRef idx="2">
+            <a:schemeClr val="accent1">
+              <a:shade val="50000"/>
+            </a:schemeClr>
+          </a:lnRef>
+          <a:fillRef idx="1">
+            <a:schemeClr val="accent1"/>
+          </a:fillRef>
+          <a:effectRef idx="0">
+            <a:schemeClr val="accent1"/>
+          </a:effectRef>
+          <a:fontRef idx="minor">
+            <a:schemeClr val="lt1"/>
+          </a:fontRef>
+        </p:style>
+        <p:txBody>
+          <a:bodyPr rtlCol="0" anchor="ctr"/>
+          <a:lstStyle/>
+          <a:p>
+            <a:pPr algn="ctr"/>
+            <a:endParaRPr lang="pt-BR"/>
+          </a:p>
+        </p:txBody>
+      </p:sp>
+      <p:sp>
+        <p:nvSpPr>
+          <p:cNvPr id="9" name="Retângulo 8"/>
+          <p:cNvSpPr/>
+          <p:nvPr/>
+        </p:nvSpPr>
+        <p:spPr>
+          <a:xfrm>
+            <a:off x="848115" y="3037114"/>
+            <a:ext cx="2303297" cy="2269672"/>
+          </a:xfrm>
+          <a:prstGeom prst="rect">
+            <a:avLst/>
+          </a:prstGeom>
+          <a:solidFill>
+            <a:schemeClr val="bg1">
+              <a:alpha val="75000"/>
+            </a:schemeClr>
+          </a:solidFill>
+          <a:ln>
+            <a:solidFill>
+              <a:schemeClr val="bg1"/>
+            </a:solidFill>
+          </a:ln>
+        </p:spPr>
+        <p:style>
+          <a:lnRef idx="2">
+            <a:schemeClr val="accent1">
+              <a:shade val="50000"/>
+            </a:schemeClr>
+          </a:lnRef>
+          <a:fillRef idx="1">
+            <a:schemeClr val="accent1"/>
+          </a:fillRef>
+          <a:effectRef idx="0">
+            <a:schemeClr val="accent1"/>
+          </a:effectRef>
+          <a:fontRef idx="minor">
+            <a:schemeClr val="lt1"/>
+          </a:fontRef>
+        </p:style>
+        <p:txBody>
+          <a:bodyPr rtlCol="0" anchor="ctr"/>
+          <a:lstStyle/>
+          <a:p>
+            <a:pPr algn="ctr"/>
+            <a:endParaRPr lang="pt-BR"/>
+          </a:p>
+        </p:txBody>
+      </p:sp>
+      <p:pic>
+        <p:nvPicPr>
+          <p:cNvPr id="20" name="Imagem 19"/>
+          <p:cNvPicPr>
+            <a:picLocks noChangeAspect="1"/>
+          </p:cNvPicPr>
+          <p:nvPr/>
+        </p:nvPicPr>
+        <p:blipFill>
+          <a:blip r:embed="rId4">
+            <a:extLst>
+              <a:ext uri="{28A0092B-C50C-407E-A947-70E740481C1C}">
+                <a14:useLocalDpi xmlns:a14="http://schemas.microsoft.com/office/drawing/2010/main" val="0"/>
+              </a:ext>
+            </a:extLst>
+          </a:blip>
+          <a:stretch>
+            <a:fillRect/>
+          </a:stretch>
+        </p:blipFill>
+        <p:spPr>
+          <a:xfrm>
+            <a:off x="5922732" y="3268436"/>
+            <a:ext cx="4267200" cy="3200400"/>
+          </a:xfrm>
+          <a:prstGeom prst="rect">
+            <a:avLst/>
+          </a:prstGeom>
+        </p:spPr>
+      </p:pic>
+      <p:sp>
+        <p:nvSpPr>
+          <p:cNvPr id="22" name="Retângulo 21"/>
+          <p:cNvSpPr/>
+          <p:nvPr/>
+        </p:nvSpPr>
+        <p:spPr>
+          <a:xfrm>
+            <a:off x="6766151" y="346981"/>
+            <a:ext cx="1268188" cy="1267507"/>
+          </a:xfrm>
+          <a:prstGeom prst="rect">
+            <a:avLst/>
+          </a:prstGeom>
+          <a:solidFill>
+            <a:schemeClr val="bg1">
+              <a:alpha val="60000"/>
+            </a:schemeClr>
+          </a:solidFill>
+          <a:ln>
+            <a:solidFill>
+              <a:schemeClr val="bg1"/>
+            </a:solidFill>
+          </a:ln>
+        </p:spPr>
+        <p:style>
+          <a:lnRef idx="2">
+            <a:schemeClr val="accent1">
+              <a:shade val="50000"/>
+            </a:schemeClr>
+          </a:lnRef>
+          <a:fillRef idx="1">
+            <a:schemeClr val="accent1"/>
+          </a:fillRef>
+          <a:effectRef idx="0">
+            <a:schemeClr val="accent1"/>
+          </a:effectRef>
+          <a:fontRef idx="minor">
+            <a:schemeClr val="lt1"/>
+          </a:fontRef>
+        </p:style>
+        <p:txBody>
+          <a:bodyPr rtlCol="0" anchor="ctr"/>
+          <a:lstStyle/>
+          <a:p>
+            <a:pPr algn="ctr"/>
+            <a:endParaRPr lang="pt-BR"/>
+          </a:p>
+        </p:txBody>
+      </p:sp>
+      <p:sp>
+        <p:nvSpPr>
+          <p:cNvPr id="24" name="Retângulo 23"/>
+          <p:cNvSpPr/>
+          <p:nvPr/>
+        </p:nvSpPr>
+        <p:spPr>
+          <a:xfrm>
+            <a:off x="8034339" y="346981"/>
+            <a:ext cx="1285874" cy="1267507"/>
+          </a:xfrm>
+          <a:prstGeom prst="rect">
+            <a:avLst/>
+          </a:prstGeom>
+          <a:solidFill>
+            <a:schemeClr val="bg1"/>
+          </a:solidFill>
+          <a:ln>
+            <a:solidFill>
+              <a:schemeClr val="bg1"/>
+            </a:solidFill>
+          </a:ln>
+        </p:spPr>
+        <p:style>
+          <a:lnRef idx="2">
+            <a:schemeClr val="accent1">
+              <a:shade val="50000"/>
+            </a:schemeClr>
+          </a:lnRef>
+          <a:fillRef idx="1">
+            <a:schemeClr val="accent1"/>
+          </a:fillRef>
+          <a:effectRef idx="0">
+            <a:schemeClr val="accent1"/>
+          </a:effectRef>
+          <a:fontRef idx="minor">
+            <a:schemeClr val="lt1"/>
+          </a:fontRef>
+        </p:style>
+        <p:txBody>
+          <a:bodyPr rtlCol="0" anchor="ctr"/>
+          <a:lstStyle/>
+          <a:p>
+            <a:pPr algn="ctr"/>
+            <a:endParaRPr lang="pt-BR"/>
+          </a:p>
+        </p:txBody>
+      </p:sp>
+      <p:sp>
+        <p:nvSpPr>
+          <p:cNvPr id="25" name="Retângulo 24"/>
+          <p:cNvSpPr/>
+          <p:nvPr/>
+        </p:nvSpPr>
+        <p:spPr>
+          <a:xfrm>
+            <a:off x="8034338" y="1614488"/>
+            <a:ext cx="1314171" cy="1295400"/>
+          </a:xfrm>
+          <a:prstGeom prst="rect">
+            <a:avLst/>
+          </a:prstGeom>
+          <a:solidFill>
+            <a:schemeClr val="bg1"/>
+          </a:solidFill>
+          <a:ln>
+            <a:solidFill>
+              <a:schemeClr val="bg1"/>
+            </a:solidFill>
+          </a:ln>
+        </p:spPr>
+        <p:style>
+          <a:lnRef idx="2">
+            <a:schemeClr val="accent1">
+              <a:shade val="50000"/>
+            </a:schemeClr>
+          </a:lnRef>
+          <a:fillRef idx="1">
+            <a:schemeClr val="accent1"/>
+          </a:fillRef>
+          <a:effectRef idx="0">
+            <a:schemeClr val="accent1"/>
+          </a:effectRef>
+          <a:fontRef idx="minor">
+            <a:schemeClr val="lt1"/>
+          </a:fontRef>
+        </p:style>
+        <p:txBody>
+          <a:bodyPr rtlCol="0" anchor="ctr"/>
+          <a:lstStyle/>
+          <a:p>
+            <a:pPr algn="ctr"/>
+            <a:endParaRPr lang="pt-BR"/>
+          </a:p>
+        </p:txBody>
+      </p:sp>
+      <p:sp>
+        <p:nvSpPr>
+          <p:cNvPr id="26" name="Retângulo 25"/>
+          <p:cNvSpPr/>
+          <p:nvPr/>
+        </p:nvSpPr>
+        <p:spPr>
+          <a:xfrm>
+            <a:off x="6766150" y="1614488"/>
+            <a:ext cx="1268187" cy="1295400"/>
+          </a:xfrm>
+          <a:prstGeom prst="rect">
+            <a:avLst/>
+          </a:prstGeom>
+          <a:solidFill>
+            <a:schemeClr val="bg1"/>
+          </a:solidFill>
+          <a:ln>
+            <a:solidFill>
+              <a:schemeClr val="bg1"/>
+            </a:solidFill>
+          </a:ln>
+        </p:spPr>
+        <p:style>
+          <a:lnRef idx="2">
+            <a:schemeClr val="accent1">
+              <a:shade val="50000"/>
+            </a:schemeClr>
+          </a:lnRef>
+          <a:fillRef idx="1">
+            <a:schemeClr val="accent1"/>
+          </a:fillRef>
+          <a:effectRef idx="0">
+            <a:schemeClr val="accent1"/>
+          </a:effectRef>
+          <a:fontRef idx="minor">
+            <a:schemeClr val="lt1"/>
+          </a:fontRef>
+        </p:style>
+        <p:txBody>
+          <a:bodyPr rtlCol="0" anchor="ctr"/>
+          <a:lstStyle/>
+          <a:p>
+            <a:pPr algn="ctr"/>
+            <a:endParaRPr lang="pt-BR"/>
+          </a:p>
+        </p:txBody>
+      </p:sp>
+      <p:sp>
+        <p:nvSpPr>
+          <p:cNvPr id="27" name="Retângulo 26"/>
+          <p:cNvSpPr/>
+          <p:nvPr/>
+        </p:nvSpPr>
+        <p:spPr>
+          <a:xfrm>
+            <a:off x="6766151" y="3548400"/>
+            <a:ext cx="1268188" cy="1267507"/>
+          </a:xfrm>
+          <a:prstGeom prst="rect">
+            <a:avLst/>
+          </a:prstGeom>
+          <a:solidFill>
+            <a:schemeClr val="bg1">
+              <a:alpha val="60000"/>
+            </a:schemeClr>
+          </a:solidFill>
+          <a:ln>
+            <a:solidFill>
+              <a:schemeClr val="bg1"/>
+            </a:solidFill>
+          </a:ln>
+        </p:spPr>
+        <p:style>
+          <a:lnRef idx="2">
+            <a:schemeClr val="accent1">
+              <a:shade val="50000"/>
+            </a:schemeClr>
+          </a:lnRef>
+          <a:fillRef idx="1">
+            <a:schemeClr val="accent1"/>
+          </a:fillRef>
+          <a:effectRef idx="0">
+            <a:schemeClr val="accent1"/>
+          </a:effectRef>
+          <a:fontRef idx="minor">
+            <a:schemeClr val="lt1"/>
+          </a:fontRef>
+        </p:style>
+        <p:txBody>
+          <a:bodyPr rtlCol="0" anchor="ctr"/>
+          <a:lstStyle/>
+          <a:p>
+            <a:pPr algn="ctr"/>
+            <a:endParaRPr lang="pt-BR"/>
+          </a:p>
+        </p:txBody>
+      </p:sp>
+      <p:sp>
+        <p:nvSpPr>
+          <p:cNvPr id="28" name="Retângulo 27"/>
+          <p:cNvSpPr/>
+          <p:nvPr/>
+        </p:nvSpPr>
+        <p:spPr>
+          <a:xfrm>
+            <a:off x="8034339" y="3548400"/>
+            <a:ext cx="1285874" cy="1267507"/>
+          </a:xfrm>
+          <a:prstGeom prst="rect">
+            <a:avLst/>
+          </a:prstGeom>
+          <a:solidFill>
+            <a:schemeClr val="bg1"/>
+          </a:solidFill>
+          <a:ln>
+            <a:solidFill>
+              <a:schemeClr val="bg1"/>
+            </a:solidFill>
+          </a:ln>
+        </p:spPr>
+        <p:style>
+          <a:lnRef idx="2">
+            <a:schemeClr val="accent1">
+              <a:shade val="50000"/>
+            </a:schemeClr>
+          </a:lnRef>
+          <a:fillRef idx="1">
+            <a:schemeClr val="accent1"/>
+          </a:fillRef>
+          <a:effectRef idx="0">
+            <a:schemeClr val="accent1"/>
+          </a:effectRef>
+          <a:fontRef idx="minor">
+            <a:schemeClr val="lt1"/>
+          </a:fontRef>
+        </p:style>
+        <p:txBody>
+          <a:bodyPr rtlCol="0" anchor="ctr"/>
+          <a:lstStyle/>
+          <a:p>
+            <a:pPr algn="ctr"/>
+            <a:endParaRPr lang="pt-BR"/>
+          </a:p>
+        </p:txBody>
+      </p:sp>
+      <p:sp>
+        <p:nvSpPr>
+          <p:cNvPr id="29" name="Retângulo 28"/>
+          <p:cNvSpPr/>
+          <p:nvPr/>
+        </p:nvSpPr>
+        <p:spPr>
+          <a:xfrm>
+            <a:off x="8034338" y="4815907"/>
+            <a:ext cx="1314171" cy="1295400"/>
+          </a:xfrm>
+          <a:prstGeom prst="rect">
+            <a:avLst/>
+          </a:prstGeom>
+          <a:solidFill>
+            <a:schemeClr val="bg1"/>
+          </a:solidFill>
+          <a:ln>
+            <a:solidFill>
+              <a:schemeClr val="bg1"/>
+            </a:solidFill>
+          </a:ln>
+        </p:spPr>
+        <p:style>
+          <a:lnRef idx="2">
+            <a:schemeClr val="accent1">
+              <a:shade val="50000"/>
+            </a:schemeClr>
+          </a:lnRef>
+          <a:fillRef idx="1">
+            <a:schemeClr val="accent1"/>
+          </a:fillRef>
+          <a:effectRef idx="0">
+            <a:schemeClr val="accent1"/>
+          </a:effectRef>
+          <a:fontRef idx="minor">
+            <a:schemeClr val="lt1"/>
+          </a:fontRef>
+        </p:style>
+        <p:txBody>
+          <a:bodyPr rtlCol="0" anchor="ctr"/>
+          <a:lstStyle/>
+          <a:p>
+            <a:pPr algn="ctr"/>
+            <a:endParaRPr lang="pt-BR"/>
+          </a:p>
+        </p:txBody>
+      </p:sp>
+      <p:sp>
+        <p:nvSpPr>
+          <p:cNvPr id="30" name="Retângulo 29"/>
+          <p:cNvSpPr/>
+          <p:nvPr/>
+        </p:nvSpPr>
+        <p:spPr>
+          <a:xfrm>
+            <a:off x="6766150" y="4815907"/>
+            <a:ext cx="1268187" cy="1295400"/>
+          </a:xfrm>
+          <a:prstGeom prst="rect">
+            <a:avLst/>
+          </a:prstGeom>
+          <a:solidFill>
+            <a:schemeClr val="bg1"/>
+          </a:solidFill>
+          <a:ln>
+            <a:solidFill>
+              <a:schemeClr val="bg1"/>
+            </a:solidFill>
+          </a:ln>
+        </p:spPr>
+        <p:style>
+          <a:lnRef idx="2">
+            <a:schemeClr val="accent1">
+              <a:shade val="50000"/>
+            </a:schemeClr>
+          </a:lnRef>
+          <a:fillRef idx="1">
+            <a:schemeClr val="accent1"/>
+          </a:fillRef>
+          <a:effectRef idx="0">
+            <a:schemeClr val="accent1"/>
+          </a:effectRef>
+          <a:fontRef idx="minor">
+            <a:schemeClr val="lt1"/>
+          </a:fontRef>
+        </p:style>
+        <p:txBody>
+          <a:bodyPr rtlCol="0" anchor="ctr"/>
+          <a:lstStyle/>
+          <a:p>
+            <a:pPr algn="ctr"/>
+            <a:endParaRPr lang="pt-BR"/>
+          </a:p>
+        </p:txBody>
+      </p:sp>
+      <p:sp>
+        <p:nvSpPr>
+          <p:cNvPr id="17" name="Retângulo 16"/>
+          <p:cNvSpPr/>
+          <p:nvPr/>
+        </p:nvSpPr>
+        <p:spPr>
+          <a:xfrm>
+            <a:off x="919120" y="832756"/>
+            <a:ext cx="2237015" cy="2204358"/>
+          </a:xfrm>
+          <a:prstGeom prst="rect">
+            <a:avLst/>
+          </a:prstGeom>
+          <a:solidFill>
+            <a:schemeClr val="bg1">
+              <a:alpha val="75000"/>
+            </a:schemeClr>
+          </a:solidFill>
+          <a:ln>
+            <a:solidFill>
+              <a:schemeClr val="bg1"/>
+            </a:solidFill>
+          </a:ln>
+        </p:spPr>
+        <p:style>
+          <a:lnRef idx="2">
+            <a:schemeClr val="accent1">
+              <a:shade val="50000"/>
+            </a:schemeClr>
+          </a:lnRef>
+          <a:fillRef idx="1">
+            <a:schemeClr val="accent1"/>
+          </a:fillRef>
+          <a:effectRef idx="0">
+            <a:schemeClr val="accent1"/>
+          </a:effectRef>
+          <a:fontRef idx="minor">
+            <a:schemeClr val="lt1"/>
+          </a:fontRef>
+        </p:style>
+        <p:txBody>
+          <a:bodyPr rtlCol="0" anchor="ctr"/>
+          <a:lstStyle/>
+          <a:p>
+            <a:pPr algn="ctr"/>
+            <a:endParaRPr lang="pt-BR"/>
+          </a:p>
+        </p:txBody>
+      </p:sp>
+      <p:cxnSp>
+        <p:nvCxnSpPr>
+          <p:cNvPr id="18" name="Conector de Seta Reta 30"/>
+          <p:cNvCxnSpPr/>
+          <p:nvPr/>
+        </p:nvCxnSpPr>
+        <p:spPr>
+          <a:xfrm>
+            <a:off x="3151412" y="3037114"/>
+            <a:ext cx="669474" cy="0"/>
+          </a:xfrm>
+          <a:prstGeom prst="straightConnector1">
+            <a:avLst/>
+          </a:prstGeom>
+          <a:ln w="38100">
+            <a:solidFill>
+              <a:srgbClr val="00B050"/>
+            </a:solidFill>
+            <a:tailEnd type="triangle"/>
+          </a:ln>
+        </p:spPr>
+        <p:style>
+          <a:lnRef idx="1">
+            <a:schemeClr val="accent1"/>
+          </a:lnRef>
+          <a:fillRef idx="0">
+            <a:schemeClr val="accent1"/>
+          </a:fillRef>
+          <a:effectRef idx="0">
+            <a:schemeClr val="accent1"/>
+          </a:effectRef>
+          <a:fontRef idx="minor">
+            <a:schemeClr val="tx1"/>
+          </a:fontRef>
+        </p:style>
+      </p:cxnSp>
+    </p:spTree>
+    <p:extLst>
+      <p:ext uri="{BB962C8B-B14F-4D97-AF65-F5344CB8AC3E}">
+        <p14:creationId xmlns:p14="http://schemas.microsoft.com/office/powerpoint/2010/main" val="3560521006"/>
+      </p:ext>
+    </p:extLst>
+  </p:cSld>
+  <p:clrMapOvr>
+    <a:masterClrMapping/>
+  </p:clrMapOvr>
+</p:sld>
+</file>
+
+<file path=ppt/slides/slide16.xml><?xml version="1.0" encoding="utf-8"?>
+<p:sld xmlns:a="http://schemas.openxmlformats.org/drawingml/2006/main" xmlns:r="http://schemas.openxmlformats.org/officeDocument/2006/relationships" xmlns:p="http://schemas.openxmlformats.org/presentationml/2006/main">
+  <p:cSld>
+    <p:spTree>
+      <p:nvGrpSpPr>
+        <p:cNvPr id="1" name=""/>
+        <p:cNvGrpSpPr/>
+        <p:nvPr/>
+      </p:nvGrpSpPr>
+      <p:grpSpPr>
+        <a:xfrm>
+          <a:off x="0" y="0"/>
+          <a:ext cx="0" cy="0"/>
+          <a:chOff x="0" y="0"/>
+          <a:chExt cx="0" cy="0"/>
+        </a:xfrm>
+      </p:grpSpPr>
+      <p:pic>
+        <p:nvPicPr>
+          <p:cNvPr id="6" name="Imagem 5"/>
+          <p:cNvPicPr>
+            <a:picLocks noChangeAspect="1"/>
+          </p:cNvPicPr>
+          <p:nvPr/>
+        </p:nvPicPr>
+        <p:blipFill rotWithShape="1">
+          <a:blip r:embed="rId2">
+            <a:extLst>
+              <a:ext uri="{28A0092B-C50C-407E-A947-70E740481C1C}">
+                <a14:useLocalDpi xmlns:a14="http://schemas.microsoft.com/office/drawing/2010/main" val="0"/>
+              </a:ext>
+            </a:extLst>
+          </a:blip>
+          <a:srcRect l="9747" r="18379"/>
+          <a:stretch/>
+        </p:blipFill>
+        <p:spPr>
+          <a:xfrm>
+            <a:off x="261257" y="408213"/>
+            <a:ext cx="5257800" cy="5486411"/>
+          </a:xfrm>
+          <a:prstGeom prst="rect">
+            <a:avLst/>
+          </a:prstGeom>
+        </p:spPr>
+      </p:pic>
+      <p:sp>
+        <p:nvSpPr>
+          <p:cNvPr id="8" name="Retângulo 7"/>
+          <p:cNvSpPr/>
+          <p:nvPr/>
+        </p:nvSpPr>
+        <p:spPr>
+          <a:xfrm>
+            <a:off x="3151413" y="3037114"/>
+            <a:ext cx="2237016" cy="2269672"/>
+          </a:xfrm>
+          <a:prstGeom prst="rect">
+            <a:avLst/>
+          </a:prstGeom>
+          <a:solidFill>
+            <a:schemeClr val="bg1">
+              <a:alpha val="75000"/>
+            </a:schemeClr>
+          </a:solidFill>
+          <a:ln>
+            <a:solidFill>
+              <a:schemeClr val="bg1"/>
+            </a:solidFill>
+          </a:ln>
+        </p:spPr>
+        <p:style>
+          <a:lnRef idx="2">
+            <a:schemeClr val="accent1">
+              <a:shade val="50000"/>
+            </a:schemeClr>
+          </a:lnRef>
+          <a:fillRef idx="1">
+            <a:schemeClr val="accent1"/>
+          </a:fillRef>
+          <a:effectRef idx="0">
+            <a:schemeClr val="accent1"/>
+          </a:effectRef>
+          <a:fontRef idx="minor">
+            <a:schemeClr val="lt1"/>
+          </a:fontRef>
+        </p:style>
+        <p:txBody>
+          <a:bodyPr rtlCol="0" anchor="ctr"/>
+          <a:lstStyle/>
+          <a:p>
+            <a:pPr algn="ctr"/>
+            <a:endParaRPr lang="pt-BR"/>
+          </a:p>
+        </p:txBody>
+      </p:sp>
+      <p:cxnSp>
+        <p:nvCxnSpPr>
+          <p:cNvPr id="21" name="Conector reto 20"/>
+          <p:cNvCxnSpPr/>
+          <p:nvPr/>
+        </p:nvCxnSpPr>
+        <p:spPr>
+          <a:xfrm flipH="1">
+            <a:off x="3151413" y="3050722"/>
+            <a:ext cx="2232291" cy="0"/>
+          </a:xfrm>
+          <a:prstGeom prst="line">
+            <a:avLst/>
+          </a:prstGeom>
+          <a:ln w="38100">
+            <a:solidFill>
+              <a:srgbClr val="FF0000"/>
+            </a:solidFill>
+          </a:ln>
+        </p:spPr>
+        <p:style>
+          <a:lnRef idx="1">
+            <a:schemeClr val="accent1"/>
+          </a:lnRef>
+          <a:fillRef idx="0">
+            <a:schemeClr val="accent1"/>
+          </a:fillRef>
+          <a:effectRef idx="0">
+            <a:schemeClr val="accent1"/>
+          </a:effectRef>
+          <a:fontRef idx="minor">
+            <a:schemeClr val="tx1"/>
+          </a:fontRef>
+        </p:style>
+      </p:cxnSp>
+      <p:pic>
+        <p:nvPicPr>
+          <p:cNvPr id="4" name="Imagem 3"/>
+          <p:cNvPicPr>
+            <a:picLocks noChangeAspect="1"/>
+          </p:cNvPicPr>
+          <p:nvPr/>
+        </p:nvPicPr>
+        <p:blipFill rotWithShape="1">
+          <a:blip r:embed="rId3">
+            <a:extLst>
+              <a:ext uri="{28A0092B-C50C-407E-A947-70E740481C1C}">
+                <a14:useLocalDpi xmlns:a14="http://schemas.microsoft.com/office/drawing/2010/main" val="0"/>
+              </a:ext>
+            </a:extLst>
+          </a:blip>
+          <a:srcRect l="10417"/>
+          <a:stretch/>
+        </p:blipFill>
+        <p:spPr>
+          <a:xfrm>
+            <a:off x="6367235" y="68036"/>
+            <a:ext cx="3822697" cy="3200400"/>
+          </a:xfrm>
+          <a:prstGeom prst="rect">
+            <a:avLst/>
+          </a:prstGeom>
+        </p:spPr>
+      </p:pic>
+      <p:sp>
+        <p:nvSpPr>
+          <p:cNvPr id="9" name="Retângulo 8"/>
+          <p:cNvSpPr/>
+          <p:nvPr/>
+        </p:nvSpPr>
+        <p:spPr>
+          <a:xfrm>
+            <a:off x="848115" y="3037114"/>
+            <a:ext cx="2303297" cy="2269672"/>
+          </a:xfrm>
+          <a:prstGeom prst="rect">
+            <a:avLst/>
+          </a:prstGeom>
+          <a:solidFill>
+            <a:schemeClr val="bg1">
+              <a:alpha val="75000"/>
+            </a:schemeClr>
+          </a:solidFill>
+          <a:ln>
+            <a:solidFill>
+              <a:schemeClr val="bg1"/>
+            </a:solidFill>
+          </a:ln>
+        </p:spPr>
+        <p:style>
+          <a:lnRef idx="2">
+            <a:schemeClr val="accent1">
+              <a:shade val="50000"/>
+            </a:schemeClr>
+          </a:lnRef>
+          <a:fillRef idx="1">
+            <a:schemeClr val="accent1"/>
+          </a:fillRef>
+          <a:effectRef idx="0">
+            <a:schemeClr val="accent1"/>
+          </a:effectRef>
+          <a:fontRef idx="minor">
+            <a:schemeClr val="lt1"/>
+          </a:fontRef>
+        </p:style>
+        <p:txBody>
+          <a:bodyPr rtlCol="0" anchor="ctr"/>
+          <a:lstStyle/>
+          <a:p>
+            <a:pPr algn="ctr"/>
+            <a:endParaRPr lang="pt-BR"/>
+          </a:p>
+        </p:txBody>
+      </p:sp>
+      <p:pic>
+        <p:nvPicPr>
+          <p:cNvPr id="20" name="Imagem 19"/>
+          <p:cNvPicPr>
+            <a:picLocks noChangeAspect="1"/>
+          </p:cNvPicPr>
+          <p:nvPr/>
+        </p:nvPicPr>
+        <p:blipFill>
+          <a:blip r:embed="rId4">
+            <a:extLst>
+              <a:ext uri="{28A0092B-C50C-407E-A947-70E740481C1C}">
+                <a14:useLocalDpi xmlns:a14="http://schemas.microsoft.com/office/drawing/2010/main" val="0"/>
+              </a:ext>
+            </a:extLst>
+          </a:blip>
+          <a:stretch>
+            <a:fillRect/>
+          </a:stretch>
+        </p:blipFill>
+        <p:spPr>
+          <a:xfrm>
+            <a:off x="5922732" y="3268436"/>
+            <a:ext cx="4267200" cy="3200400"/>
+          </a:xfrm>
+          <a:prstGeom prst="rect">
+            <a:avLst/>
+          </a:prstGeom>
+        </p:spPr>
+      </p:pic>
+      <p:sp>
+        <p:nvSpPr>
+          <p:cNvPr id="22" name="Retângulo 21"/>
+          <p:cNvSpPr/>
+          <p:nvPr/>
+        </p:nvSpPr>
+        <p:spPr>
+          <a:xfrm>
+            <a:off x="6766151" y="346981"/>
+            <a:ext cx="1268188" cy="1267507"/>
+          </a:xfrm>
+          <a:prstGeom prst="rect">
+            <a:avLst/>
+          </a:prstGeom>
+          <a:solidFill>
+            <a:schemeClr val="bg1">
+              <a:alpha val="60000"/>
+            </a:schemeClr>
+          </a:solidFill>
+          <a:ln>
+            <a:solidFill>
+              <a:schemeClr val="bg1"/>
+            </a:solidFill>
+          </a:ln>
+        </p:spPr>
+        <p:style>
+          <a:lnRef idx="2">
+            <a:schemeClr val="accent1">
+              <a:shade val="50000"/>
+            </a:schemeClr>
+          </a:lnRef>
+          <a:fillRef idx="1">
+            <a:schemeClr val="accent1"/>
+          </a:fillRef>
+          <a:effectRef idx="0">
+            <a:schemeClr val="accent1"/>
+          </a:effectRef>
+          <a:fontRef idx="minor">
+            <a:schemeClr val="lt1"/>
+          </a:fontRef>
+        </p:style>
+        <p:txBody>
+          <a:bodyPr rtlCol="0" anchor="ctr"/>
+          <a:lstStyle/>
+          <a:p>
+            <a:pPr algn="ctr"/>
+            <a:endParaRPr lang="pt-BR"/>
+          </a:p>
+        </p:txBody>
+      </p:sp>
+      <p:sp>
+        <p:nvSpPr>
+          <p:cNvPr id="24" name="Retângulo 23"/>
+          <p:cNvSpPr/>
+          <p:nvPr/>
+        </p:nvSpPr>
+        <p:spPr>
+          <a:xfrm>
+            <a:off x="8034339" y="346981"/>
+            <a:ext cx="1285874" cy="1267507"/>
+          </a:xfrm>
+          <a:prstGeom prst="rect">
+            <a:avLst/>
+          </a:prstGeom>
+          <a:solidFill>
+            <a:schemeClr val="bg1"/>
+          </a:solidFill>
+          <a:ln>
+            <a:solidFill>
+              <a:schemeClr val="bg1"/>
+            </a:solidFill>
+          </a:ln>
+        </p:spPr>
+        <p:style>
+          <a:lnRef idx="2">
+            <a:schemeClr val="accent1">
+              <a:shade val="50000"/>
+            </a:schemeClr>
+          </a:lnRef>
+          <a:fillRef idx="1">
+            <a:schemeClr val="accent1"/>
+          </a:fillRef>
+          <a:effectRef idx="0">
+            <a:schemeClr val="accent1"/>
+          </a:effectRef>
+          <a:fontRef idx="minor">
+            <a:schemeClr val="lt1"/>
+          </a:fontRef>
+        </p:style>
+        <p:txBody>
+          <a:bodyPr rtlCol="0" anchor="ctr"/>
+          <a:lstStyle/>
+          <a:p>
+            <a:pPr algn="ctr"/>
+            <a:endParaRPr lang="pt-BR"/>
+          </a:p>
+        </p:txBody>
+      </p:sp>
+      <p:sp>
+        <p:nvSpPr>
+          <p:cNvPr id="25" name="Retângulo 24"/>
+          <p:cNvSpPr/>
+          <p:nvPr/>
+        </p:nvSpPr>
+        <p:spPr>
+          <a:xfrm>
+            <a:off x="8034338" y="1614488"/>
+            <a:ext cx="1314171" cy="1295400"/>
+          </a:xfrm>
+          <a:prstGeom prst="rect">
+            <a:avLst/>
+          </a:prstGeom>
+          <a:solidFill>
+            <a:schemeClr val="bg1"/>
+          </a:solidFill>
+          <a:ln>
+            <a:solidFill>
+              <a:schemeClr val="bg1"/>
+            </a:solidFill>
+          </a:ln>
+        </p:spPr>
+        <p:style>
+          <a:lnRef idx="2">
+            <a:schemeClr val="accent1">
+              <a:shade val="50000"/>
+            </a:schemeClr>
+          </a:lnRef>
+          <a:fillRef idx="1">
+            <a:schemeClr val="accent1"/>
+          </a:fillRef>
+          <a:effectRef idx="0">
+            <a:schemeClr val="accent1"/>
+          </a:effectRef>
+          <a:fontRef idx="minor">
+            <a:schemeClr val="lt1"/>
+          </a:fontRef>
+        </p:style>
+        <p:txBody>
+          <a:bodyPr rtlCol="0" anchor="ctr"/>
+          <a:lstStyle/>
+          <a:p>
+            <a:pPr algn="ctr"/>
+            <a:endParaRPr lang="pt-BR"/>
+          </a:p>
+        </p:txBody>
+      </p:sp>
+      <p:sp>
+        <p:nvSpPr>
+          <p:cNvPr id="26" name="Retângulo 25"/>
+          <p:cNvSpPr/>
+          <p:nvPr/>
+        </p:nvSpPr>
+        <p:spPr>
+          <a:xfrm>
+            <a:off x="6766150" y="1614488"/>
+            <a:ext cx="1268187" cy="1295400"/>
+          </a:xfrm>
+          <a:prstGeom prst="rect">
+            <a:avLst/>
+          </a:prstGeom>
+          <a:solidFill>
+            <a:schemeClr val="bg1"/>
+          </a:solidFill>
+          <a:ln>
+            <a:solidFill>
+              <a:schemeClr val="bg1"/>
+            </a:solidFill>
+          </a:ln>
+        </p:spPr>
+        <p:style>
+          <a:lnRef idx="2">
+            <a:schemeClr val="accent1">
+              <a:shade val="50000"/>
+            </a:schemeClr>
+          </a:lnRef>
+          <a:fillRef idx="1">
+            <a:schemeClr val="accent1"/>
+          </a:fillRef>
+          <a:effectRef idx="0">
+            <a:schemeClr val="accent1"/>
+          </a:effectRef>
+          <a:fontRef idx="minor">
+            <a:schemeClr val="lt1"/>
+          </a:fontRef>
+        </p:style>
+        <p:txBody>
+          <a:bodyPr rtlCol="0" anchor="ctr"/>
+          <a:lstStyle/>
+          <a:p>
+            <a:pPr algn="ctr"/>
+            <a:endParaRPr lang="pt-BR"/>
+          </a:p>
+        </p:txBody>
+      </p:sp>
+      <p:sp>
+        <p:nvSpPr>
+          <p:cNvPr id="27" name="Retângulo 26"/>
+          <p:cNvSpPr/>
+          <p:nvPr/>
+        </p:nvSpPr>
+        <p:spPr>
+          <a:xfrm>
+            <a:off x="6766151" y="3548400"/>
+            <a:ext cx="1268188" cy="1267507"/>
+          </a:xfrm>
+          <a:prstGeom prst="rect">
+            <a:avLst/>
+          </a:prstGeom>
+          <a:solidFill>
+            <a:schemeClr val="bg1">
+              <a:alpha val="60000"/>
+            </a:schemeClr>
+          </a:solidFill>
+          <a:ln>
+            <a:solidFill>
+              <a:schemeClr val="bg1"/>
+            </a:solidFill>
+          </a:ln>
+        </p:spPr>
+        <p:style>
+          <a:lnRef idx="2">
+            <a:schemeClr val="accent1">
+              <a:shade val="50000"/>
+            </a:schemeClr>
+          </a:lnRef>
+          <a:fillRef idx="1">
+            <a:schemeClr val="accent1"/>
+          </a:fillRef>
+          <a:effectRef idx="0">
+            <a:schemeClr val="accent1"/>
+          </a:effectRef>
+          <a:fontRef idx="minor">
+            <a:schemeClr val="lt1"/>
+          </a:fontRef>
+        </p:style>
+        <p:txBody>
+          <a:bodyPr rtlCol="0" anchor="ctr"/>
+          <a:lstStyle/>
+          <a:p>
+            <a:pPr algn="ctr"/>
+            <a:endParaRPr lang="pt-BR"/>
+          </a:p>
+        </p:txBody>
+      </p:sp>
+      <p:sp>
+        <p:nvSpPr>
+          <p:cNvPr id="28" name="Retângulo 27"/>
+          <p:cNvSpPr/>
+          <p:nvPr/>
+        </p:nvSpPr>
+        <p:spPr>
+          <a:xfrm>
+            <a:off x="8034339" y="3548400"/>
+            <a:ext cx="1285874" cy="1267507"/>
+          </a:xfrm>
+          <a:prstGeom prst="rect">
+            <a:avLst/>
+          </a:prstGeom>
+          <a:solidFill>
+            <a:schemeClr val="bg1"/>
+          </a:solidFill>
+          <a:ln>
+            <a:solidFill>
+              <a:schemeClr val="bg1"/>
+            </a:solidFill>
+          </a:ln>
+        </p:spPr>
+        <p:style>
+          <a:lnRef idx="2">
+            <a:schemeClr val="accent1">
+              <a:shade val="50000"/>
+            </a:schemeClr>
+          </a:lnRef>
+          <a:fillRef idx="1">
+            <a:schemeClr val="accent1"/>
+          </a:fillRef>
+          <a:effectRef idx="0">
+            <a:schemeClr val="accent1"/>
+          </a:effectRef>
+          <a:fontRef idx="minor">
+            <a:schemeClr val="lt1"/>
+          </a:fontRef>
+        </p:style>
+        <p:txBody>
+          <a:bodyPr rtlCol="0" anchor="ctr"/>
+          <a:lstStyle/>
+          <a:p>
+            <a:pPr algn="ctr"/>
+            <a:endParaRPr lang="pt-BR"/>
+          </a:p>
+        </p:txBody>
+      </p:sp>
+      <p:sp>
+        <p:nvSpPr>
+          <p:cNvPr id="29" name="Retângulo 28"/>
+          <p:cNvSpPr/>
+          <p:nvPr/>
+        </p:nvSpPr>
+        <p:spPr>
+          <a:xfrm>
+            <a:off x="8034338" y="4815907"/>
+            <a:ext cx="1314171" cy="1295400"/>
+          </a:xfrm>
+          <a:prstGeom prst="rect">
+            <a:avLst/>
+          </a:prstGeom>
+          <a:solidFill>
+            <a:schemeClr val="bg1"/>
+          </a:solidFill>
+          <a:ln>
+            <a:solidFill>
+              <a:schemeClr val="bg1"/>
+            </a:solidFill>
+          </a:ln>
+        </p:spPr>
+        <p:style>
+          <a:lnRef idx="2">
+            <a:schemeClr val="accent1">
+              <a:shade val="50000"/>
+            </a:schemeClr>
+          </a:lnRef>
+          <a:fillRef idx="1">
+            <a:schemeClr val="accent1"/>
+          </a:fillRef>
+          <a:effectRef idx="0">
+            <a:schemeClr val="accent1"/>
+          </a:effectRef>
+          <a:fontRef idx="minor">
+            <a:schemeClr val="lt1"/>
+          </a:fontRef>
+        </p:style>
+        <p:txBody>
+          <a:bodyPr rtlCol="0" anchor="ctr"/>
+          <a:lstStyle/>
+          <a:p>
+            <a:pPr algn="ctr"/>
+            <a:endParaRPr lang="pt-BR"/>
+          </a:p>
+        </p:txBody>
+      </p:sp>
+      <p:sp>
+        <p:nvSpPr>
+          <p:cNvPr id="30" name="Retângulo 29"/>
+          <p:cNvSpPr/>
+          <p:nvPr/>
+        </p:nvSpPr>
+        <p:spPr>
+          <a:xfrm>
+            <a:off x="6766150" y="4815907"/>
+            <a:ext cx="1268187" cy="1295400"/>
+          </a:xfrm>
+          <a:prstGeom prst="rect">
+            <a:avLst/>
+          </a:prstGeom>
+          <a:solidFill>
+            <a:schemeClr val="bg1"/>
+          </a:solidFill>
+          <a:ln>
+            <a:solidFill>
+              <a:schemeClr val="bg1"/>
+            </a:solidFill>
+          </a:ln>
+        </p:spPr>
+        <p:style>
+          <a:lnRef idx="2">
+            <a:schemeClr val="accent1">
+              <a:shade val="50000"/>
+            </a:schemeClr>
+          </a:lnRef>
+          <a:fillRef idx="1">
+            <a:schemeClr val="accent1"/>
+          </a:fillRef>
+          <a:effectRef idx="0">
+            <a:schemeClr val="accent1"/>
+          </a:effectRef>
+          <a:fontRef idx="minor">
+            <a:schemeClr val="lt1"/>
+          </a:fontRef>
+        </p:style>
+        <p:txBody>
+          <a:bodyPr rtlCol="0" anchor="ctr"/>
+          <a:lstStyle/>
+          <a:p>
+            <a:pPr algn="ctr"/>
+            <a:endParaRPr lang="pt-BR"/>
+          </a:p>
+        </p:txBody>
+      </p:sp>
+      <p:sp>
+        <p:nvSpPr>
+          <p:cNvPr id="17" name="Retângulo 16"/>
+          <p:cNvSpPr/>
+          <p:nvPr/>
+        </p:nvSpPr>
+        <p:spPr>
+          <a:xfrm>
+            <a:off x="919120" y="832756"/>
+            <a:ext cx="2237015" cy="2204358"/>
+          </a:xfrm>
+          <a:prstGeom prst="rect">
+            <a:avLst/>
+          </a:prstGeom>
+          <a:solidFill>
+            <a:schemeClr val="bg1">
+              <a:alpha val="75000"/>
+            </a:schemeClr>
+          </a:solidFill>
+          <a:ln>
+            <a:solidFill>
+              <a:schemeClr val="bg1"/>
+            </a:solidFill>
+          </a:ln>
+        </p:spPr>
+        <p:style>
+          <a:lnRef idx="2">
+            <a:schemeClr val="accent1">
+              <a:shade val="50000"/>
+            </a:schemeClr>
+          </a:lnRef>
+          <a:fillRef idx="1">
+            <a:schemeClr val="accent1"/>
+          </a:fillRef>
+          <a:effectRef idx="0">
+            <a:schemeClr val="accent1"/>
+          </a:effectRef>
+          <a:fontRef idx="minor">
+            <a:schemeClr val="lt1"/>
+          </a:fontRef>
+        </p:style>
+        <p:txBody>
+          <a:bodyPr rtlCol="0" anchor="ctr"/>
+          <a:lstStyle/>
+          <a:p>
+            <a:pPr algn="ctr"/>
+            <a:endParaRPr lang="pt-BR"/>
+          </a:p>
+        </p:txBody>
+      </p:sp>
+      <p:cxnSp>
+        <p:nvCxnSpPr>
+          <p:cNvPr id="18" name="Conector de Seta Reta 30"/>
+          <p:cNvCxnSpPr/>
+          <p:nvPr/>
+        </p:nvCxnSpPr>
+        <p:spPr>
+          <a:xfrm>
+            <a:off x="3151412" y="3037114"/>
+            <a:ext cx="669474" cy="0"/>
+          </a:xfrm>
+          <a:prstGeom prst="straightConnector1">
+            <a:avLst/>
+          </a:prstGeom>
+          <a:ln w="38100">
+            <a:solidFill>
+              <a:srgbClr val="00B050"/>
+            </a:solidFill>
+            <a:tailEnd type="triangle"/>
+          </a:ln>
+        </p:spPr>
+        <p:style>
+          <a:lnRef idx="1">
+            <a:schemeClr val="accent1"/>
+          </a:lnRef>
+          <a:fillRef idx="0">
+            <a:schemeClr val="accent1"/>
+          </a:fillRef>
+          <a:effectRef idx="0">
+            <a:schemeClr val="accent1"/>
+          </a:effectRef>
+          <a:fontRef idx="minor">
+            <a:schemeClr val="tx1"/>
+          </a:fontRef>
+        </p:style>
+      </p:cxnSp>
+      <p:cxnSp>
+        <p:nvCxnSpPr>
+          <p:cNvPr id="19" name="Conector reto 18"/>
+          <p:cNvCxnSpPr/>
+          <p:nvPr/>
+        </p:nvCxnSpPr>
+        <p:spPr>
+          <a:xfrm>
+            <a:off x="3151412" y="832756"/>
+            <a:ext cx="0" cy="2204358"/>
+          </a:xfrm>
+          <a:prstGeom prst="line">
+            <a:avLst/>
+          </a:prstGeom>
+          <a:ln w="38100">
+            <a:solidFill>
+              <a:srgbClr val="FF0000"/>
+            </a:solidFill>
+          </a:ln>
+        </p:spPr>
+        <p:style>
+          <a:lnRef idx="1">
+            <a:schemeClr val="accent1"/>
+          </a:lnRef>
+          <a:fillRef idx="0">
+            <a:schemeClr val="accent1"/>
+          </a:fillRef>
+          <a:effectRef idx="0">
+            <a:schemeClr val="accent1"/>
+          </a:effectRef>
+          <a:fontRef idx="minor">
+            <a:schemeClr val="tx1"/>
+          </a:fontRef>
+        </p:style>
+      </p:cxnSp>
+    </p:spTree>
+    <p:extLst>
+      <p:ext uri="{BB962C8B-B14F-4D97-AF65-F5344CB8AC3E}">
+        <p14:creationId xmlns:p14="http://schemas.microsoft.com/office/powerpoint/2010/main" val="3923404092"/>
+      </p:ext>
+    </p:extLst>
+  </p:cSld>
+  <p:clrMapOvr>
+    <a:masterClrMapping/>
+  </p:clrMapOvr>
+</p:sld>
+</file>
+
+<file path=ppt/slides/slide17.xml><?xml version="1.0" encoding="utf-8"?>
+<p:sld xmlns:a="http://schemas.openxmlformats.org/drawingml/2006/main" xmlns:r="http://schemas.openxmlformats.org/officeDocument/2006/relationships" xmlns:p="http://schemas.openxmlformats.org/presentationml/2006/main">
+  <p:cSld>
+    <p:spTree>
+      <p:nvGrpSpPr>
+        <p:cNvPr id="1" name=""/>
+        <p:cNvGrpSpPr/>
+        <p:nvPr/>
+      </p:nvGrpSpPr>
+      <p:grpSpPr>
+        <a:xfrm>
+          <a:off x="0" y="0"/>
+          <a:ext cx="0" cy="0"/>
+          <a:chOff x="0" y="0"/>
+          <a:chExt cx="0" cy="0"/>
+        </a:xfrm>
+      </p:grpSpPr>
+      <p:pic>
+        <p:nvPicPr>
+          <p:cNvPr id="6" name="Imagem 5"/>
+          <p:cNvPicPr>
+            <a:picLocks noChangeAspect="1"/>
+          </p:cNvPicPr>
+          <p:nvPr/>
+        </p:nvPicPr>
+        <p:blipFill rotWithShape="1">
+          <a:blip r:embed="rId2">
+            <a:extLst>
+              <a:ext uri="{28A0092B-C50C-407E-A947-70E740481C1C}">
+                <a14:useLocalDpi xmlns:a14="http://schemas.microsoft.com/office/drawing/2010/main" val="0"/>
+              </a:ext>
+            </a:extLst>
+          </a:blip>
+          <a:srcRect l="9747" r="18379"/>
+          <a:stretch/>
+        </p:blipFill>
+        <p:spPr>
+          <a:xfrm>
+            <a:off x="261257" y="408213"/>
+            <a:ext cx="5257800" cy="5486411"/>
+          </a:xfrm>
+          <a:prstGeom prst="rect">
+            <a:avLst/>
+          </a:prstGeom>
+        </p:spPr>
+      </p:pic>
+      <p:sp>
+        <p:nvSpPr>
+          <p:cNvPr id="8" name="Retângulo 7"/>
+          <p:cNvSpPr/>
+          <p:nvPr/>
+        </p:nvSpPr>
+        <p:spPr>
+          <a:xfrm>
+            <a:off x="3151413" y="3037114"/>
+            <a:ext cx="2237016" cy="2269672"/>
+          </a:xfrm>
+          <a:prstGeom prst="rect">
+            <a:avLst/>
+          </a:prstGeom>
+          <a:solidFill>
+            <a:schemeClr val="bg1">
+              <a:alpha val="75000"/>
+            </a:schemeClr>
+          </a:solidFill>
+          <a:ln>
+            <a:solidFill>
+              <a:schemeClr val="bg1"/>
+            </a:solidFill>
+          </a:ln>
+        </p:spPr>
+        <p:style>
+          <a:lnRef idx="2">
+            <a:schemeClr val="accent1">
+              <a:shade val="50000"/>
+            </a:schemeClr>
+          </a:lnRef>
+          <a:fillRef idx="1">
+            <a:schemeClr val="accent1"/>
+          </a:fillRef>
+          <a:effectRef idx="0">
+            <a:schemeClr val="accent1"/>
+          </a:effectRef>
+          <a:fontRef idx="minor">
+            <a:schemeClr val="lt1"/>
+          </a:fontRef>
+        </p:style>
+        <p:txBody>
+          <a:bodyPr rtlCol="0" anchor="ctr"/>
+          <a:lstStyle/>
+          <a:p>
+            <a:pPr algn="ctr"/>
+            <a:endParaRPr lang="pt-BR"/>
+          </a:p>
+        </p:txBody>
+      </p:sp>
+      <p:cxnSp>
+        <p:nvCxnSpPr>
+          <p:cNvPr id="21" name="Conector reto 20"/>
+          <p:cNvCxnSpPr/>
+          <p:nvPr/>
+        </p:nvCxnSpPr>
+        <p:spPr>
+          <a:xfrm flipH="1">
+            <a:off x="3151413" y="3050722"/>
+            <a:ext cx="2232291" cy="0"/>
+          </a:xfrm>
+          <a:prstGeom prst="line">
+            <a:avLst/>
+          </a:prstGeom>
+          <a:ln w="38100">
+            <a:solidFill>
+              <a:srgbClr val="FF0000"/>
+            </a:solidFill>
+          </a:ln>
+        </p:spPr>
+        <p:style>
+          <a:lnRef idx="1">
+            <a:schemeClr val="accent1"/>
+          </a:lnRef>
+          <a:fillRef idx="0">
+            <a:schemeClr val="accent1"/>
+          </a:fillRef>
+          <a:effectRef idx="0">
+            <a:schemeClr val="accent1"/>
+          </a:effectRef>
+          <a:fontRef idx="minor">
+            <a:schemeClr val="tx1"/>
+          </a:fontRef>
+        </p:style>
+      </p:cxnSp>
+      <p:pic>
+        <p:nvPicPr>
+          <p:cNvPr id="4" name="Imagem 3"/>
+          <p:cNvPicPr>
+            <a:picLocks noChangeAspect="1"/>
+          </p:cNvPicPr>
+          <p:nvPr/>
+        </p:nvPicPr>
+        <p:blipFill rotWithShape="1">
+          <a:blip r:embed="rId3">
+            <a:extLst>
+              <a:ext uri="{28A0092B-C50C-407E-A947-70E740481C1C}">
+                <a14:useLocalDpi xmlns:a14="http://schemas.microsoft.com/office/drawing/2010/main" val="0"/>
+              </a:ext>
+            </a:extLst>
+          </a:blip>
+          <a:srcRect l="10417"/>
+          <a:stretch/>
+        </p:blipFill>
+        <p:spPr>
+          <a:xfrm>
+            <a:off x="6367235" y="68036"/>
+            <a:ext cx="3822697" cy="3200400"/>
+          </a:xfrm>
+          <a:prstGeom prst="rect">
+            <a:avLst/>
+          </a:prstGeom>
+        </p:spPr>
+      </p:pic>
+      <p:sp>
+        <p:nvSpPr>
+          <p:cNvPr id="9" name="Retângulo 8"/>
+          <p:cNvSpPr/>
+          <p:nvPr/>
+        </p:nvSpPr>
+        <p:spPr>
+          <a:xfrm>
+            <a:off x="848115" y="3037114"/>
+            <a:ext cx="2303297" cy="2269672"/>
+          </a:xfrm>
+          <a:prstGeom prst="rect">
+            <a:avLst/>
+          </a:prstGeom>
+          <a:solidFill>
+            <a:schemeClr val="bg1">
+              <a:alpha val="75000"/>
+            </a:schemeClr>
+          </a:solidFill>
+          <a:ln>
+            <a:solidFill>
+              <a:schemeClr val="bg1"/>
+            </a:solidFill>
+          </a:ln>
+        </p:spPr>
+        <p:style>
+          <a:lnRef idx="2">
+            <a:schemeClr val="accent1">
+              <a:shade val="50000"/>
+            </a:schemeClr>
+          </a:lnRef>
+          <a:fillRef idx="1">
+            <a:schemeClr val="accent1"/>
+          </a:fillRef>
+          <a:effectRef idx="0">
+            <a:schemeClr val="accent1"/>
+          </a:effectRef>
+          <a:fontRef idx="minor">
+            <a:schemeClr val="lt1"/>
+          </a:fontRef>
+        </p:style>
+        <p:txBody>
+          <a:bodyPr rtlCol="0" anchor="ctr"/>
+          <a:lstStyle/>
+          <a:p>
+            <a:pPr algn="ctr"/>
+            <a:endParaRPr lang="pt-BR"/>
+          </a:p>
+        </p:txBody>
+      </p:sp>
+      <p:pic>
+        <p:nvPicPr>
+          <p:cNvPr id="20" name="Imagem 19"/>
+          <p:cNvPicPr>
+            <a:picLocks noChangeAspect="1"/>
+          </p:cNvPicPr>
+          <p:nvPr/>
+        </p:nvPicPr>
+        <p:blipFill>
+          <a:blip r:embed="rId4">
+            <a:extLst>
+              <a:ext uri="{28A0092B-C50C-407E-A947-70E740481C1C}">
+                <a14:useLocalDpi xmlns:a14="http://schemas.microsoft.com/office/drawing/2010/main" val="0"/>
+              </a:ext>
+            </a:extLst>
+          </a:blip>
+          <a:stretch>
+            <a:fillRect/>
+          </a:stretch>
+        </p:blipFill>
+        <p:spPr>
+          <a:xfrm>
+            <a:off x="5922732" y="3268436"/>
+            <a:ext cx="4267200" cy="3200400"/>
+          </a:xfrm>
+          <a:prstGeom prst="rect">
+            <a:avLst/>
+          </a:prstGeom>
+        </p:spPr>
+      </p:pic>
+      <p:sp>
+        <p:nvSpPr>
+          <p:cNvPr id="22" name="Retângulo 21"/>
+          <p:cNvSpPr/>
+          <p:nvPr/>
+        </p:nvSpPr>
+        <p:spPr>
+          <a:xfrm>
+            <a:off x="6766151" y="346981"/>
+            <a:ext cx="1268188" cy="1267507"/>
+          </a:xfrm>
+          <a:prstGeom prst="rect">
+            <a:avLst/>
+          </a:prstGeom>
+          <a:solidFill>
+            <a:schemeClr val="bg1">
+              <a:alpha val="60000"/>
+            </a:schemeClr>
+          </a:solidFill>
+          <a:ln>
+            <a:solidFill>
+              <a:schemeClr val="bg1"/>
+            </a:solidFill>
+          </a:ln>
+        </p:spPr>
+        <p:style>
+          <a:lnRef idx="2">
+            <a:schemeClr val="accent1">
+              <a:shade val="50000"/>
+            </a:schemeClr>
+          </a:lnRef>
+          <a:fillRef idx="1">
+            <a:schemeClr val="accent1"/>
+          </a:fillRef>
+          <a:effectRef idx="0">
+            <a:schemeClr val="accent1"/>
+          </a:effectRef>
+          <a:fontRef idx="minor">
+            <a:schemeClr val="lt1"/>
+          </a:fontRef>
+        </p:style>
+        <p:txBody>
+          <a:bodyPr rtlCol="0" anchor="ctr"/>
+          <a:lstStyle/>
+          <a:p>
+            <a:pPr algn="ctr"/>
+            <a:endParaRPr lang="pt-BR"/>
+          </a:p>
+        </p:txBody>
+      </p:sp>
+      <p:sp>
+        <p:nvSpPr>
+          <p:cNvPr id="25" name="Retângulo 24"/>
+          <p:cNvSpPr/>
+          <p:nvPr/>
+        </p:nvSpPr>
+        <p:spPr>
+          <a:xfrm>
+            <a:off x="8034338" y="1614488"/>
+            <a:ext cx="1314171" cy="1295400"/>
+          </a:xfrm>
+          <a:prstGeom prst="rect">
+            <a:avLst/>
+          </a:prstGeom>
+          <a:solidFill>
+            <a:schemeClr val="bg1"/>
+          </a:solidFill>
+          <a:ln>
+            <a:solidFill>
+              <a:schemeClr val="bg1"/>
+            </a:solidFill>
+          </a:ln>
+        </p:spPr>
+        <p:style>
+          <a:lnRef idx="2">
+            <a:schemeClr val="accent1">
+              <a:shade val="50000"/>
+            </a:schemeClr>
+          </a:lnRef>
+          <a:fillRef idx="1">
+            <a:schemeClr val="accent1"/>
+          </a:fillRef>
+          <a:effectRef idx="0">
+            <a:schemeClr val="accent1"/>
+          </a:effectRef>
+          <a:fontRef idx="minor">
+            <a:schemeClr val="lt1"/>
+          </a:fontRef>
+        </p:style>
+        <p:txBody>
+          <a:bodyPr rtlCol="0" anchor="ctr"/>
+          <a:lstStyle/>
+          <a:p>
+            <a:pPr algn="ctr"/>
+            <a:endParaRPr lang="pt-BR"/>
+          </a:p>
+        </p:txBody>
+      </p:sp>
+      <p:sp>
+        <p:nvSpPr>
+          <p:cNvPr id="26" name="Retângulo 25"/>
+          <p:cNvSpPr/>
+          <p:nvPr/>
+        </p:nvSpPr>
+        <p:spPr>
+          <a:xfrm>
+            <a:off x="6766150" y="1614488"/>
+            <a:ext cx="1268187" cy="1295400"/>
+          </a:xfrm>
+          <a:prstGeom prst="rect">
+            <a:avLst/>
+          </a:prstGeom>
+          <a:solidFill>
+            <a:schemeClr val="bg1"/>
+          </a:solidFill>
+          <a:ln>
+            <a:solidFill>
+              <a:schemeClr val="bg1"/>
+            </a:solidFill>
+          </a:ln>
+        </p:spPr>
+        <p:style>
+          <a:lnRef idx="2">
+            <a:schemeClr val="accent1">
+              <a:shade val="50000"/>
+            </a:schemeClr>
+          </a:lnRef>
+          <a:fillRef idx="1">
+            <a:schemeClr val="accent1"/>
+          </a:fillRef>
+          <a:effectRef idx="0">
+            <a:schemeClr val="accent1"/>
+          </a:effectRef>
+          <a:fontRef idx="minor">
+            <a:schemeClr val="lt1"/>
+          </a:fontRef>
+        </p:style>
+        <p:txBody>
+          <a:bodyPr rtlCol="0" anchor="ctr"/>
+          <a:lstStyle/>
+          <a:p>
+            <a:pPr algn="ctr"/>
+            <a:endParaRPr lang="pt-BR"/>
+          </a:p>
+        </p:txBody>
+      </p:sp>
+      <p:sp>
+        <p:nvSpPr>
+          <p:cNvPr id="27" name="Retângulo 26"/>
+          <p:cNvSpPr/>
+          <p:nvPr/>
+        </p:nvSpPr>
+        <p:spPr>
+          <a:xfrm>
+            <a:off x="6766151" y="3548400"/>
+            <a:ext cx="1268188" cy="1267507"/>
+          </a:xfrm>
+          <a:prstGeom prst="rect">
+            <a:avLst/>
+          </a:prstGeom>
+          <a:solidFill>
+            <a:schemeClr val="bg1">
+              <a:alpha val="60000"/>
+            </a:schemeClr>
+          </a:solidFill>
+          <a:ln>
+            <a:solidFill>
+              <a:schemeClr val="bg1"/>
+            </a:solidFill>
+          </a:ln>
+        </p:spPr>
+        <p:style>
+          <a:lnRef idx="2">
+            <a:schemeClr val="accent1">
+              <a:shade val="50000"/>
+            </a:schemeClr>
+          </a:lnRef>
+          <a:fillRef idx="1">
+            <a:schemeClr val="accent1"/>
+          </a:fillRef>
+          <a:effectRef idx="0">
+            <a:schemeClr val="accent1"/>
+          </a:effectRef>
+          <a:fontRef idx="minor">
+            <a:schemeClr val="lt1"/>
+          </a:fontRef>
+        </p:style>
+        <p:txBody>
+          <a:bodyPr rtlCol="0" anchor="ctr"/>
+          <a:lstStyle/>
+          <a:p>
+            <a:pPr algn="ctr"/>
+            <a:endParaRPr lang="pt-BR"/>
+          </a:p>
+        </p:txBody>
+      </p:sp>
+      <p:sp>
+        <p:nvSpPr>
+          <p:cNvPr id="29" name="Retângulo 28"/>
+          <p:cNvSpPr/>
+          <p:nvPr/>
+        </p:nvSpPr>
+        <p:spPr>
+          <a:xfrm>
+            <a:off x="8034338" y="4815907"/>
+            <a:ext cx="1314171" cy="1295400"/>
+          </a:xfrm>
+          <a:prstGeom prst="rect">
+            <a:avLst/>
+          </a:prstGeom>
+          <a:solidFill>
+            <a:schemeClr val="bg1"/>
+          </a:solidFill>
+          <a:ln>
+            <a:solidFill>
+              <a:schemeClr val="bg1"/>
+            </a:solidFill>
+          </a:ln>
+        </p:spPr>
+        <p:style>
+          <a:lnRef idx="2">
+            <a:schemeClr val="accent1">
+              <a:shade val="50000"/>
+            </a:schemeClr>
+          </a:lnRef>
+          <a:fillRef idx="1">
+            <a:schemeClr val="accent1"/>
+          </a:fillRef>
+          <a:effectRef idx="0">
+            <a:schemeClr val="accent1"/>
+          </a:effectRef>
+          <a:fontRef idx="minor">
+            <a:schemeClr val="lt1"/>
+          </a:fontRef>
+        </p:style>
+        <p:txBody>
+          <a:bodyPr rtlCol="0" anchor="ctr"/>
+          <a:lstStyle/>
+          <a:p>
+            <a:pPr algn="ctr"/>
+            <a:endParaRPr lang="pt-BR"/>
+          </a:p>
+        </p:txBody>
+      </p:sp>
+      <p:sp>
+        <p:nvSpPr>
+          <p:cNvPr id="30" name="Retângulo 29"/>
+          <p:cNvSpPr/>
+          <p:nvPr/>
+        </p:nvSpPr>
+        <p:spPr>
+          <a:xfrm>
+            <a:off x="6766150" y="4815907"/>
+            <a:ext cx="1268187" cy="1295400"/>
+          </a:xfrm>
+          <a:prstGeom prst="rect">
+            <a:avLst/>
+          </a:prstGeom>
+          <a:solidFill>
+            <a:schemeClr val="bg1"/>
+          </a:solidFill>
+          <a:ln>
+            <a:solidFill>
+              <a:schemeClr val="bg1"/>
+            </a:solidFill>
+          </a:ln>
+        </p:spPr>
+        <p:style>
+          <a:lnRef idx="2">
+            <a:schemeClr val="accent1">
+              <a:shade val="50000"/>
+            </a:schemeClr>
+          </a:lnRef>
+          <a:fillRef idx="1">
+            <a:schemeClr val="accent1"/>
+          </a:fillRef>
+          <a:effectRef idx="0">
+            <a:schemeClr val="accent1"/>
+          </a:effectRef>
+          <a:fontRef idx="minor">
+            <a:schemeClr val="lt1"/>
+          </a:fontRef>
+        </p:style>
+        <p:txBody>
+          <a:bodyPr rtlCol="0" anchor="ctr"/>
+          <a:lstStyle/>
+          <a:p>
+            <a:pPr algn="ctr"/>
+            <a:endParaRPr lang="pt-BR"/>
+          </a:p>
+        </p:txBody>
+      </p:sp>
+      <p:sp>
+        <p:nvSpPr>
+          <p:cNvPr id="17" name="Retângulo 16"/>
+          <p:cNvSpPr/>
+          <p:nvPr/>
+        </p:nvSpPr>
+        <p:spPr>
+          <a:xfrm>
+            <a:off x="919120" y="832756"/>
+            <a:ext cx="2237015" cy="2204358"/>
+          </a:xfrm>
+          <a:prstGeom prst="rect">
+            <a:avLst/>
+          </a:prstGeom>
+          <a:solidFill>
+            <a:schemeClr val="bg1">
+              <a:alpha val="75000"/>
+            </a:schemeClr>
+          </a:solidFill>
+          <a:ln>
+            <a:solidFill>
+              <a:schemeClr val="bg1"/>
+            </a:solidFill>
+          </a:ln>
+        </p:spPr>
+        <p:style>
+          <a:lnRef idx="2">
+            <a:schemeClr val="accent1">
+              <a:shade val="50000"/>
+            </a:schemeClr>
+          </a:lnRef>
+          <a:fillRef idx="1">
+            <a:schemeClr val="accent1"/>
+          </a:fillRef>
+          <a:effectRef idx="0">
+            <a:schemeClr val="accent1"/>
+          </a:effectRef>
+          <a:fontRef idx="minor">
+            <a:schemeClr val="lt1"/>
+          </a:fontRef>
+        </p:style>
+        <p:txBody>
+          <a:bodyPr rtlCol="0" anchor="ctr"/>
+          <a:lstStyle/>
+          <a:p>
+            <a:pPr algn="ctr"/>
+            <a:endParaRPr lang="pt-BR"/>
+          </a:p>
+        </p:txBody>
+      </p:sp>
+      <p:cxnSp>
+        <p:nvCxnSpPr>
+          <p:cNvPr id="18" name="Conector de Seta Reta 30"/>
+          <p:cNvCxnSpPr/>
+          <p:nvPr/>
+        </p:nvCxnSpPr>
+        <p:spPr>
+          <a:xfrm>
+            <a:off x="3151412" y="3037114"/>
+            <a:ext cx="669474" cy="0"/>
+          </a:xfrm>
+          <a:prstGeom prst="straightConnector1">
+            <a:avLst/>
+          </a:prstGeom>
+          <a:ln w="38100">
+            <a:solidFill>
+              <a:srgbClr val="00B050"/>
+            </a:solidFill>
+            <a:tailEnd type="triangle"/>
+          </a:ln>
+        </p:spPr>
+        <p:style>
+          <a:lnRef idx="1">
+            <a:schemeClr val="accent1"/>
+          </a:lnRef>
+          <a:fillRef idx="0">
+            <a:schemeClr val="accent1"/>
+          </a:fillRef>
+          <a:effectRef idx="0">
+            <a:schemeClr val="accent1"/>
+          </a:effectRef>
+          <a:fontRef idx="minor">
+            <a:schemeClr val="tx1"/>
+          </a:fontRef>
+        </p:style>
+      </p:cxnSp>
+      <p:cxnSp>
+        <p:nvCxnSpPr>
+          <p:cNvPr id="19" name="Conector reto 18"/>
+          <p:cNvCxnSpPr/>
+          <p:nvPr/>
+        </p:nvCxnSpPr>
+        <p:spPr>
+          <a:xfrm>
+            <a:off x="3151412" y="832756"/>
+            <a:ext cx="0" cy="2204358"/>
+          </a:xfrm>
+          <a:prstGeom prst="line">
+            <a:avLst/>
+          </a:prstGeom>
+          <a:ln w="38100">
+            <a:solidFill>
+              <a:srgbClr val="FF0000"/>
+            </a:solidFill>
+          </a:ln>
+        </p:spPr>
+        <p:style>
+          <a:lnRef idx="1">
+            <a:schemeClr val="accent1"/>
+          </a:lnRef>
+          <a:fillRef idx="0">
+            <a:schemeClr val="accent1"/>
+          </a:fillRef>
+          <a:effectRef idx="0">
+            <a:schemeClr val="accent1"/>
+          </a:effectRef>
+          <a:fontRef idx="minor">
+            <a:schemeClr val="tx1"/>
+          </a:fontRef>
+        </p:style>
+      </p:cxnSp>
+    </p:spTree>
+    <p:extLst>
+      <p:ext uri="{BB962C8B-B14F-4D97-AF65-F5344CB8AC3E}">
+        <p14:creationId xmlns:p14="http://schemas.microsoft.com/office/powerpoint/2010/main" val="1013375524"/>
+      </p:ext>
+    </p:extLst>
+  </p:cSld>
+  <p:clrMapOvr>
+    <a:masterClrMapping/>
+  </p:clrMapOvr>
+</p:sld>
+</file>
+
+<file path=ppt/slides/slide18.xml><?xml version="1.0" encoding="utf-8"?>
+<p:sld xmlns:a="http://schemas.openxmlformats.org/drawingml/2006/main" xmlns:r="http://schemas.openxmlformats.org/officeDocument/2006/relationships" xmlns:p="http://schemas.openxmlformats.org/presentationml/2006/main">
+  <p:cSld>
+    <p:spTree>
+      <p:nvGrpSpPr>
+        <p:cNvPr id="1" name=""/>
+        <p:cNvGrpSpPr/>
+        <p:nvPr/>
+      </p:nvGrpSpPr>
+      <p:grpSpPr>
+        <a:xfrm>
+          <a:off x="0" y="0"/>
+          <a:ext cx="0" cy="0"/>
+          <a:chOff x="0" y="0"/>
+          <a:chExt cx="0" cy="0"/>
+        </a:xfrm>
+      </p:grpSpPr>
+      <p:pic>
+        <p:nvPicPr>
+          <p:cNvPr id="6" name="Imagem 5"/>
+          <p:cNvPicPr>
+            <a:picLocks noChangeAspect="1"/>
+          </p:cNvPicPr>
+          <p:nvPr/>
+        </p:nvPicPr>
+        <p:blipFill rotWithShape="1">
+          <a:blip r:embed="rId2">
+            <a:extLst>
+              <a:ext uri="{28A0092B-C50C-407E-A947-70E740481C1C}">
+                <a14:useLocalDpi xmlns:a14="http://schemas.microsoft.com/office/drawing/2010/main" val="0"/>
+              </a:ext>
+            </a:extLst>
+          </a:blip>
+          <a:srcRect l="9747" r="18379"/>
+          <a:stretch/>
+        </p:blipFill>
+        <p:spPr>
+          <a:xfrm>
+            <a:off x="261257" y="408213"/>
+            <a:ext cx="5257800" cy="5486411"/>
+          </a:xfrm>
+          <a:prstGeom prst="rect">
+            <a:avLst/>
+          </a:prstGeom>
+        </p:spPr>
+      </p:pic>
+      <p:sp>
+        <p:nvSpPr>
+          <p:cNvPr id="23" name="Retângulo 22"/>
+          <p:cNvSpPr/>
+          <p:nvPr/>
+        </p:nvSpPr>
+        <p:spPr>
+          <a:xfrm>
+            <a:off x="3156135" y="839560"/>
+            <a:ext cx="2237015" cy="2204358"/>
+          </a:xfrm>
+          <a:prstGeom prst="rect">
+            <a:avLst/>
+          </a:prstGeom>
+          <a:solidFill>
+            <a:schemeClr val="bg1">
+              <a:alpha val="75000"/>
+            </a:schemeClr>
+          </a:solidFill>
+          <a:ln>
+            <a:solidFill>
+              <a:schemeClr val="bg1"/>
+            </a:solidFill>
+          </a:ln>
+        </p:spPr>
+        <p:style>
+          <a:lnRef idx="2">
+            <a:schemeClr val="accent1">
+              <a:shade val="50000"/>
+            </a:schemeClr>
+          </a:lnRef>
+          <a:fillRef idx="1">
+            <a:schemeClr val="accent1"/>
+          </a:fillRef>
+          <a:effectRef idx="0">
+            <a:schemeClr val="accent1"/>
+          </a:effectRef>
+          <a:fontRef idx="minor">
+            <a:schemeClr val="lt1"/>
+          </a:fontRef>
+        </p:style>
+        <p:txBody>
+          <a:bodyPr rtlCol="0" anchor="ctr"/>
+          <a:lstStyle/>
+          <a:p>
+            <a:pPr algn="ctr"/>
+            <a:endParaRPr lang="pt-BR"/>
+          </a:p>
+        </p:txBody>
+      </p:sp>
+      <p:sp>
+        <p:nvSpPr>
+          <p:cNvPr id="8" name="Retângulo 7"/>
+          <p:cNvSpPr/>
+          <p:nvPr/>
+        </p:nvSpPr>
+        <p:spPr>
+          <a:xfrm>
+            <a:off x="3151413" y="3037114"/>
+            <a:ext cx="2237016" cy="2269672"/>
+          </a:xfrm>
+          <a:prstGeom prst="rect">
+            <a:avLst/>
+          </a:prstGeom>
+          <a:solidFill>
+            <a:schemeClr val="bg1">
+              <a:alpha val="75000"/>
+            </a:schemeClr>
+          </a:solidFill>
+          <a:ln>
+            <a:solidFill>
+              <a:schemeClr val="bg1"/>
+            </a:solidFill>
+          </a:ln>
+        </p:spPr>
+        <p:style>
+          <a:lnRef idx="2">
+            <a:schemeClr val="accent1">
+              <a:shade val="50000"/>
+            </a:schemeClr>
+          </a:lnRef>
+          <a:fillRef idx="1">
+            <a:schemeClr val="accent1"/>
+          </a:fillRef>
+          <a:effectRef idx="0">
+            <a:schemeClr val="accent1"/>
+          </a:effectRef>
+          <a:fontRef idx="minor">
+            <a:schemeClr val="lt1"/>
+          </a:fontRef>
+        </p:style>
+        <p:txBody>
+          <a:bodyPr rtlCol="0" anchor="ctr"/>
+          <a:lstStyle/>
+          <a:p>
+            <a:pPr algn="ctr"/>
+            <a:endParaRPr lang="pt-BR"/>
+          </a:p>
+        </p:txBody>
+      </p:sp>
+      <p:pic>
+        <p:nvPicPr>
+          <p:cNvPr id="4" name="Imagem 3"/>
+          <p:cNvPicPr>
+            <a:picLocks noChangeAspect="1"/>
+          </p:cNvPicPr>
+          <p:nvPr/>
+        </p:nvPicPr>
+        <p:blipFill rotWithShape="1">
+          <a:blip r:embed="rId3">
+            <a:extLst>
+              <a:ext uri="{28A0092B-C50C-407E-A947-70E740481C1C}">
+                <a14:useLocalDpi xmlns:a14="http://schemas.microsoft.com/office/drawing/2010/main" val="0"/>
+              </a:ext>
+            </a:extLst>
+          </a:blip>
+          <a:srcRect l="10417"/>
+          <a:stretch/>
+        </p:blipFill>
+        <p:spPr>
+          <a:xfrm>
+            <a:off x="6367235" y="68036"/>
+            <a:ext cx="3822697" cy="3200400"/>
+          </a:xfrm>
+          <a:prstGeom prst="rect">
+            <a:avLst/>
+          </a:prstGeom>
+        </p:spPr>
+      </p:pic>
+      <p:pic>
+        <p:nvPicPr>
+          <p:cNvPr id="20" name="Imagem 19"/>
+          <p:cNvPicPr>
+            <a:picLocks noChangeAspect="1"/>
+          </p:cNvPicPr>
+          <p:nvPr/>
+        </p:nvPicPr>
+        <p:blipFill>
+          <a:blip r:embed="rId4">
+            <a:extLst>
+              <a:ext uri="{28A0092B-C50C-407E-A947-70E740481C1C}">
+                <a14:useLocalDpi xmlns:a14="http://schemas.microsoft.com/office/drawing/2010/main" val="0"/>
+              </a:ext>
+            </a:extLst>
+          </a:blip>
+          <a:stretch>
+            <a:fillRect/>
+          </a:stretch>
+        </p:blipFill>
+        <p:spPr>
+          <a:xfrm>
+            <a:off x="5922732" y="3268436"/>
+            <a:ext cx="4267200" cy="3200400"/>
+          </a:xfrm>
+          <a:prstGeom prst="rect">
+            <a:avLst/>
+          </a:prstGeom>
+        </p:spPr>
+      </p:pic>
+      <p:sp>
+        <p:nvSpPr>
+          <p:cNvPr id="22" name="Retângulo 21"/>
+          <p:cNvSpPr/>
+          <p:nvPr/>
+        </p:nvSpPr>
+        <p:spPr>
+          <a:xfrm>
+            <a:off x="6766151" y="346981"/>
+            <a:ext cx="2582358" cy="2580971"/>
+          </a:xfrm>
+          <a:prstGeom prst="rect">
+            <a:avLst/>
+          </a:prstGeom>
+          <a:solidFill>
+            <a:schemeClr val="bg1">
+              <a:alpha val="0"/>
+            </a:schemeClr>
+          </a:solidFill>
+          <a:ln>
+            <a:solidFill>
+              <a:schemeClr val="bg1"/>
+            </a:solidFill>
+          </a:ln>
+        </p:spPr>
+        <p:style>
+          <a:lnRef idx="2">
+            <a:schemeClr val="accent1">
+              <a:shade val="50000"/>
+            </a:schemeClr>
+          </a:lnRef>
+          <a:fillRef idx="1">
+            <a:schemeClr val="accent1"/>
+          </a:fillRef>
+          <a:effectRef idx="0">
+            <a:schemeClr val="accent1"/>
+          </a:effectRef>
+          <a:fontRef idx="minor">
+            <a:schemeClr val="lt1"/>
+          </a:fontRef>
+        </p:style>
+        <p:txBody>
+          <a:bodyPr rtlCol="0" anchor="ctr"/>
+          <a:lstStyle/>
+          <a:p>
+            <a:pPr algn="ctr"/>
+            <a:endParaRPr lang="pt-BR"/>
+          </a:p>
+        </p:txBody>
+      </p:sp>
+      <p:sp>
+        <p:nvSpPr>
+          <p:cNvPr id="25" name="Retângulo 24"/>
+          <p:cNvSpPr/>
+          <p:nvPr/>
+        </p:nvSpPr>
+        <p:spPr>
+          <a:xfrm>
+            <a:off x="8034338" y="1614488"/>
+            <a:ext cx="1314171" cy="1295400"/>
+          </a:xfrm>
+          <a:prstGeom prst="rect">
+            <a:avLst/>
+          </a:prstGeom>
+          <a:solidFill>
+            <a:schemeClr val="bg1"/>
+          </a:solidFill>
+          <a:ln>
+            <a:solidFill>
+              <a:schemeClr val="bg1"/>
+            </a:solidFill>
+          </a:ln>
+        </p:spPr>
+        <p:style>
+          <a:lnRef idx="2">
+            <a:schemeClr val="accent1">
+              <a:shade val="50000"/>
+            </a:schemeClr>
+          </a:lnRef>
+          <a:fillRef idx="1">
+            <a:schemeClr val="accent1"/>
+          </a:fillRef>
+          <a:effectRef idx="0">
+            <a:schemeClr val="accent1"/>
+          </a:effectRef>
+          <a:fontRef idx="minor">
+            <a:schemeClr val="lt1"/>
+          </a:fontRef>
+        </p:style>
+        <p:txBody>
+          <a:bodyPr rtlCol="0" anchor="ctr"/>
+          <a:lstStyle/>
+          <a:p>
+            <a:pPr algn="ctr"/>
+            <a:endParaRPr lang="pt-BR"/>
+          </a:p>
+        </p:txBody>
+      </p:sp>
+      <p:sp>
+        <p:nvSpPr>
+          <p:cNvPr id="27" name="Retângulo 26"/>
+          <p:cNvSpPr/>
+          <p:nvPr/>
+        </p:nvSpPr>
+        <p:spPr>
+          <a:xfrm>
+            <a:off x="6766151" y="3548400"/>
+            <a:ext cx="2582358" cy="2580971"/>
+          </a:xfrm>
+          <a:prstGeom prst="rect">
+            <a:avLst/>
+          </a:prstGeom>
+          <a:solidFill>
+            <a:schemeClr val="bg1">
+              <a:alpha val="0"/>
+            </a:schemeClr>
+          </a:solidFill>
+          <a:ln>
+            <a:solidFill>
+              <a:schemeClr val="bg1"/>
+            </a:solidFill>
+          </a:ln>
+        </p:spPr>
+        <p:style>
+          <a:lnRef idx="2">
+            <a:schemeClr val="accent1">
+              <a:shade val="50000"/>
+            </a:schemeClr>
+          </a:lnRef>
+          <a:fillRef idx="1">
+            <a:schemeClr val="accent1"/>
+          </a:fillRef>
+          <a:effectRef idx="0">
+            <a:schemeClr val="accent1"/>
+          </a:effectRef>
+          <a:fontRef idx="minor">
+            <a:schemeClr val="lt1"/>
+          </a:fontRef>
+        </p:style>
+        <p:txBody>
+          <a:bodyPr rtlCol="0" anchor="ctr"/>
+          <a:lstStyle/>
+          <a:p>
+            <a:pPr algn="ctr"/>
+            <a:endParaRPr lang="pt-BR"/>
+          </a:p>
+        </p:txBody>
+      </p:sp>
+      <p:sp>
+        <p:nvSpPr>
+          <p:cNvPr id="29" name="Retângulo 28"/>
+          <p:cNvSpPr/>
+          <p:nvPr/>
+        </p:nvSpPr>
+        <p:spPr>
+          <a:xfrm>
+            <a:off x="8034338" y="4815907"/>
+            <a:ext cx="1314171" cy="1295400"/>
+          </a:xfrm>
+          <a:prstGeom prst="rect">
+            <a:avLst/>
+          </a:prstGeom>
+          <a:solidFill>
+            <a:schemeClr val="bg1"/>
+          </a:solidFill>
+          <a:ln>
+            <a:solidFill>
+              <a:schemeClr val="bg1"/>
+            </a:solidFill>
+          </a:ln>
+        </p:spPr>
+        <p:style>
+          <a:lnRef idx="2">
+            <a:schemeClr val="accent1">
+              <a:shade val="50000"/>
+            </a:schemeClr>
+          </a:lnRef>
+          <a:fillRef idx="1">
+            <a:schemeClr val="accent1"/>
+          </a:fillRef>
+          <a:effectRef idx="0">
+            <a:schemeClr val="accent1"/>
+          </a:effectRef>
+          <a:fontRef idx="minor">
+            <a:schemeClr val="lt1"/>
+          </a:fontRef>
+        </p:style>
+        <p:txBody>
+          <a:bodyPr rtlCol="0" anchor="ctr"/>
+          <a:lstStyle/>
+          <a:p>
+            <a:pPr algn="ctr"/>
+            <a:endParaRPr lang="pt-BR"/>
+          </a:p>
+        </p:txBody>
+      </p:sp>
+      <p:cxnSp>
+        <p:nvCxnSpPr>
+          <p:cNvPr id="18" name="Conector de Seta Reta 30"/>
+          <p:cNvCxnSpPr/>
+          <p:nvPr/>
+        </p:nvCxnSpPr>
+        <p:spPr>
+          <a:xfrm>
+            <a:off x="3151412" y="3037114"/>
+            <a:ext cx="669474" cy="0"/>
+          </a:xfrm>
+          <a:prstGeom prst="straightConnector1">
+            <a:avLst/>
+          </a:prstGeom>
+          <a:ln w="38100">
+            <a:solidFill>
+              <a:srgbClr val="00B050"/>
+            </a:solidFill>
+            <a:tailEnd type="triangle"/>
+          </a:ln>
+        </p:spPr>
+        <p:style>
+          <a:lnRef idx="1">
+            <a:schemeClr val="accent1"/>
+          </a:lnRef>
+          <a:fillRef idx="0">
+            <a:schemeClr val="accent1"/>
+          </a:fillRef>
+          <a:effectRef idx="0">
+            <a:schemeClr val="accent1"/>
+          </a:effectRef>
+          <a:fontRef idx="minor">
+            <a:schemeClr val="tx1"/>
+          </a:fontRef>
+        </p:style>
+      </p:cxnSp>
+      <p:cxnSp>
+        <p:nvCxnSpPr>
+          <p:cNvPr id="19" name="Conector reto 18"/>
+          <p:cNvCxnSpPr/>
+          <p:nvPr/>
+        </p:nvCxnSpPr>
+        <p:spPr>
+          <a:xfrm>
+            <a:off x="3159574" y="3043918"/>
+            <a:ext cx="0" cy="2204358"/>
+          </a:xfrm>
+          <a:prstGeom prst="line">
+            <a:avLst/>
+          </a:prstGeom>
+          <a:ln w="38100">
+            <a:solidFill>
+              <a:srgbClr val="FF0000"/>
+            </a:solidFill>
+          </a:ln>
+        </p:spPr>
+        <p:style>
+          <a:lnRef idx="1">
+            <a:schemeClr val="accent1"/>
+          </a:lnRef>
+          <a:fillRef idx="0">
+            <a:schemeClr val="accent1"/>
+          </a:fillRef>
+          <a:effectRef idx="0">
+            <a:schemeClr val="accent1"/>
+          </a:effectRef>
+          <a:fontRef idx="minor">
+            <a:schemeClr val="tx1"/>
+          </a:fontRef>
+        </p:style>
+      </p:cxnSp>
+      <p:sp>
+        <p:nvSpPr>
+          <p:cNvPr id="24" name="Retângulo 23"/>
+          <p:cNvSpPr/>
+          <p:nvPr/>
+        </p:nvSpPr>
+        <p:spPr>
+          <a:xfrm>
+            <a:off x="919120" y="832756"/>
+            <a:ext cx="2237015" cy="2204358"/>
+          </a:xfrm>
+          <a:prstGeom prst="rect">
+            <a:avLst/>
+          </a:prstGeom>
+          <a:solidFill>
+            <a:schemeClr val="bg1">
+              <a:alpha val="75000"/>
+            </a:schemeClr>
+          </a:solidFill>
+          <a:ln>
+            <a:solidFill>
+              <a:schemeClr val="bg1"/>
+            </a:solidFill>
+          </a:ln>
+        </p:spPr>
+        <p:style>
+          <a:lnRef idx="2">
+            <a:schemeClr val="accent1">
+              <a:shade val="50000"/>
+            </a:schemeClr>
+          </a:lnRef>
+          <a:fillRef idx="1">
+            <a:schemeClr val="accent1"/>
+          </a:fillRef>
+          <a:effectRef idx="0">
+            <a:schemeClr val="accent1"/>
+          </a:effectRef>
+          <a:fontRef idx="minor">
+            <a:schemeClr val="lt1"/>
+          </a:fontRef>
+        </p:style>
+        <p:txBody>
+          <a:bodyPr rtlCol="0" anchor="ctr"/>
+          <a:lstStyle/>
+          <a:p>
+            <a:pPr algn="ctr"/>
+            <a:endParaRPr lang="pt-BR"/>
+          </a:p>
+        </p:txBody>
+      </p:sp>
+      <p:cxnSp>
+        <p:nvCxnSpPr>
+          <p:cNvPr id="28" name="Conector reto 27"/>
+          <p:cNvCxnSpPr/>
+          <p:nvPr/>
+        </p:nvCxnSpPr>
+        <p:spPr>
+          <a:xfrm flipH="1">
+            <a:off x="921481" y="3043918"/>
+            <a:ext cx="2232291" cy="0"/>
+          </a:xfrm>
+          <a:prstGeom prst="line">
+            <a:avLst/>
+          </a:prstGeom>
+          <a:ln w="38100">
+            <a:solidFill>
+              <a:srgbClr val="FF0000"/>
+            </a:solidFill>
+          </a:ln>
+        </p:spPr>
+        <p:style>
+          <a:lnRef idx="1">
+            <a:schemeClr val="accent1"/>
+          </a:lnRef>
+          <a:fillRef idx="0">
+            <a:schemeClr val="accent1"/>
+          </a:fillRef>
+          <a:effectRef idx="0">
+            <a:schemeClr val="accent1"/>
+          </a:effectRef>
+          <a:fontRef idx="minor">
+            <a:schemeClr val="tx1"/>
+          </a:fontRef>
+        </p:style>
+      </p:cxnSp>
+      <p:sp>
+        <p:nvSpPr>
+          <p:cNvPr id="31" name="Retângulo 30"/>
+          <p:cNvSpPr/>
+          <p:nvPr/>
+        </p:nvSpPr>
+        <p:spPr>
+          <a:xfrm>
+            <a:off x="6766151" y="3547759"/>
+            <a:ext cx="2582358" cy="1268148"/>
+          </a:xfrm>
+          <a:prstGeom prst="rect">
+            <a:avLst/>
+          </a:prstGeom>
+          <a:solidFill>
+            <a:schemeClr val="bg1">
+              <a:alpha val="60000"/>
+            </a:schemeClr>
+          </a:solidFill>
+          <a:ln>
+            <a:solidFill>
+              <a:schemeClr val="bg1"/>
+            </a:solidFill>
+          </a:ln>
+        </p:spPr>
+        <p:style>
+          <a:lnRef idx="2">
+            <a:schemeClr val="accent1">
+              <a:shade val="50000"/>
+            </a:schemeClr>
+          </a:lnRef>
+          <a:fillRef idx="1">
+            <a:schemeClr val="accent1"/>
+          </a:fillRef>
+          <a:effectRef idx="0">
+            <a:schemeClr val="accent1"/>
+          </a:effectRef>
+          <a:fontRef idx="minor">
+            <a:schemeClr val="lt1"/>
+          </a:fontRef>
+        </p:style>
+        <p:txBody>
+          <a:bodyPr rtlCol="0" anchor="ctr"/>
+          <a:lstStyle/>
+          <a:p>
+            <a:pPr algn="ctr"/>
+            <a:endParaRPr lang="pt-BR"/>
+          </a:p>
+        </p:txBody>
+      </p:sp>
+      <p:sp>
+        <p:nvSpPr>
+          <p:cNvPr id="32" name="Retângulo 31"/>
+          <p:cNvSpPr/>
+          <p:nvPr/>
+        </p:nvSpPr>
+        <p:spPr>
+          <a:xfrm>
+            <a:off x="6766151" y="346020"/>
+            <a:ext cx="2582358" cy="1268148"/>
+          </a:xfrm>
+          <a:prstGeom prst="rect">
+            <a:avLst/>
+          </a:prstGeom>
+          <a:solidFill>
+            <a:schemeClr val="bg1">
+              <a:alpha val="60000"/>
+            </a:schemeClr>
+          </a:solidFill>
+          <a:ln>
+            <a:solidFill>
+              <a:schemeClr val="bg1"/>
+            </a:solidFill>
+          </a:ln>
+        </p:spPr>
+        <p:style>
+          <a:lnRef idx="2">
+            <a:schemeClr val="accent1">
+              <a:shade val="50000"/>
+            </a:schemeClr>
+          </a:lnRef>
+          <a:fillRef idx="1">
+            <a:schemeClr val="accent1"/>
+          </a:fillRef>
+          <a:effectRef idx="0">
+            <a:schemeClr val="accent1"/>
+          </a:effectRef>
+          <a:fontRef idx="minor">
+            <a:schemeClr val="lt1"/>
+          </a:fontRef>
+        </p:style>
+        <p:txBody>
+          <a:bodyPr rtlCol="0" anchor="ctr"/>
+          <a:lstStyle/>
+          <a:p>
+            <a:pPr algn="ctr"/>
+            <a:endParaRPr lang="pt-BR"/>
+          </a:p>
+        </p:txBody>
+      </p:sp>
+    </p:spTree>
+    <p:extLst>
+      <p:ext uri="{BB962C8B-B14F-4D97-AF65-F5344CB8AC3E}">
+        <p14:creationId xmlns:p14="http://schemas.microsoft.com/office/powerpoint/2010/main" val="554357190"/>
+      </p:ext>
+    </p:extLst>
+  </p:cSld>
+  <p:clrMapOvr>
+    <a:masterClrMapping/>
+  </p:clrMapOvr>
+</p:sld>
+</file>
+
+<file path=ppt/slides/slide19.xml><?xml version="1.0" encoding="utf-8"?>
+<p:sld xmlns:a="http://schemas.openxmlformats.org/drawingml/2006/main" xmlns:r="http://schemas.openxmlformats.org/officeDocument/2006/relationships" xmlns:p="http://schemas.openxmlformats.org/presentationml/2006/main">
+  <p:cSld>
+    <p:spTree>
+      <p:nvGrpSpPr>
+        <p:cNvPr id="1" name=""/>
+        <p:cNvGrpSpPr/>
+        <p:nvPr/>
+      </p:nvGrpSpPr>
+      <p:grpSpPr>
+        <a:xfrm>
+          <a:off x="0" y="0"/>
+          <a:ext cx="0" cy="0"/>
+          <a:chOff x="0" y="0"/>
+          <a:chExt cx="0" cy="0"/>
+        </a:xfrm>
+      </p:grpSpPr>
+      <p:pic>
+        <p:nvPicPr>
+          <p:cNvPr id="6" name="Imagem 5"/>
+          <p:cNvPicPr>
+            <a:picLocks noChangeAspect="1"/>
+          </p:cNvPicPr>
+          <p:nvPr/>
+        </p:nvPicPr>
+        <p:blipFill rotWithShape="1">
+          <a:blip r:embed="rId2">
+            <a:extLst>
+              <a:ext uri="{28A0092B-C50C-407E-A947-70E740481C1C}">
+                <a14:useLocalDpi xmlns:a14="http://schemas.microsoft.com/office/drawing/2010/main" val="0"/>
+              </a:ext>
+            </a:extLst>
+          </a:blip>
+          <a:srcRect l="9747" r="18379"/>
+          <a:stretch/>
+        </p:blipFill>
+        <p:spPr>
+          <a:xfrm>
+            <a:off x="261257" y="408213"/>
+            <a:ext cx="5257800" cy="5486411"/>
+          </a:xfrm>
+          <a:prstGeom prst="rect">
+            <a:avLst/>
+          </a:prstGeom>
+        </p:spPr>
+      </p:pic>
+      <p:sp>
+        <p:nvSpPr>
+          <p:cNvPr id="23" name="Retângulo 22"/>
+          <p:cNvSpPr/>
+          <p:nvPr/>
+        </p:nvSpPr>
+        <p:spPr>
+          <a:xfrm>
+            <a:off x="3156135" y="839560"/>
+            <a:ext cx="2237015" cy="2204358"/>
+          </a:xfrm>
+          <a:prstGeom prst="rect">
+            <a:avLst/>
+          </a:prstGeom>
+          <a:solidFill>
+            <a:schemeClr val="bg1">
+              <a:alpha val="75000"/>
+            </a:schemeClr>
+          </a:solidFill>
+          <a:ln>
+            <a:solidFill>
+              <a:schemeClr val="bg1"/>
+            </a:solidFill>
+          </a:ln>
+        </p:spPr>
+        <p:style>
+          <a:lnRef idx="2">
+            <a:schemeClr val="accent1">
+              <a:shade val="50000"/>
+            </a:schemeClr>
+          </a:lnRef>
+          <a:fillRef idx="1">
+            <a:schemeClr val="accent1"/>
+          </a:fillRef>
+          <a:effectRef idx="0">
+            <a:schemeClr val="accent1"/>
+          </a:effectRef>
+          <a:fontRef idx="minor">
+            <a:schemeClr val="lt1"/>
+          </a:fontRef>
+        </p:style>
+        <p:txBody>
+          <a:bodyPr rtlCol="0" anchor="ctr"/>
+          <a:lstStyle/>
+          <a:p>
+            <a:pPr algn="ctr"/>
+            <a:endParaRPr lang="pt-BR"/>
+          </a:p>
+        </p:txBody>
+      </p:sp>
+      <p:cxnSp>
+        <p:nvCxnSpPr>
+          <p:cNvPr id="17" name="Conector reto 16"/>
+          <p:cNvCxnSpPr/>
+          <p:nvPr/>
+        </p:nvCxnSpPr>
+        <p:spPr>
+          <a:xfrm flipH="1">
+            <a:off x="3151412" y="3043918"/>
+            <a:ext cx="2232291" cy="0"/>
+          </a:xfrm>
+          <a:prstGeom prst="line">
+            <a:avLst/>
+          </a:prstGeom>
+          <a:ln w="38100">
+            <a:solidFill>
+              <a:srgbClr val="FF0000"/>
+            </a:solidFill>
+          </a:ln>
+        </p:spPr>
+        <p:style>
+          <a:lnRef idx="1">
+            <a:schemeClr val="accent1"/>
+          </a:lnRef>
+          <a:fillRef idx="0">
+            <a:schemeClr val="accent1"/>
+          </a:fillRef>
+          <a:effectRef idx="0">
+            <a:schemeClr val="accent1"/>
+          </a:effectRef>
+          <a:fontRef idx="minor">
+            <a:schemeClr val="tx1"/>
+          </a:fontRef>
+        </p:style>
+      </p:cxnSp>
+      <p:sp>
+        <p:nvSpPr>
+          <p:cNvPr id="8" name="Retângulo 7"/>
+          <p:cNvSpPr/>
+          <p:nvPr/>
+        </p:nvSpPr>
+        <p:spPr>
+          <a:xfrm>
+            <a:off x="904949" y="3037114"/>
+            <a:ext cx="2237016" cy="2269672"/>
+          </a:xfrm>
+          <a:prstGeom prst="rect">
+            <a:avLst/>
+          </a:prstGeom>
+          <a:solidFill>
+            <a:schemeClr val="bg1">
+              <a:alpha val="75000"/>
+            </a:schemeClr>
+          </a:solidFill>
+          <a:ln>
+            <a:solidFill>
+              <a:schemeClr val="bg1"/>
+            </a:solidFill>
+          </a:ln>
+        </p:spPr>
+        <p:style>
+          <a:lnRef idx="2">
+            <a:schemeClr val="accent1">
+              <a:shade val="50000"/>
+            </a:schemeClr>
+          </a:lnRef>
+          <a:fillRef idx="1">
+            <a:schemeClr val="accent1"/>
+          </a:fillRef>
+          <a:effectRef idx="0">
+            <a:schemeClr val="accent1"/>
+          </a:effectRef>
+          <a:fontRef idx="minor">
+            <a:schemeClr val="lt1"/>
+          </a:fontRef>
+        </p:style>
+        <p:txBody>
+          <a:bodyPr rtlCol="0" anchor="ctr"/>
+          <a:lstStyle/>
+          <a:p>
+            <a:pPr algn="ctr"/>
+            <a:endParaRPr lang="pt-BR"/>
+          </a:p>
+        </p:txBody>
+      </p:sp>
+      <p:pic>
+        <p:nvPicPr>
+          <p:cNvPr id="4" name="Imagem 3"/>
+          <p:cNvPicPr>
+            <a:picLocks noChangeAspect="1"/>
+          </p:cNvPicPr>
+          <p:nvPr/>
+        </p:nvPicPr>
+        <p:blipFill rotWithShape="1">
+          <a:blip r:embed="rId3">
+            <a:extLst>
+              <a:ext uri="{28A0092B-C50C-407E-A947-70E740481C1C}">
+                <a14:useLocalDpi xmlns:a14="http://schemas.microsoft.com/office/drawing/2010/main" val="0"/>
+              </a:ext>
+            </a:extLst>
+          </a:blip>
+          <a:srcRect l="10417"/>
+          <a:stretch/>
+        </p:blipFill>
+        <p:spPr>
+          <a:xfrm>
+            <a:off x="6367235" y="68036"/>
+            <a:ext cx="3822697" cy="3200400"/>
+          </a:xfrm>
+          <a:prstGeom prst="rect">
+            <a:avLst/>
+          </a:prstGeom>
+        </p:spPr>
+      </p:pic>
+      <p:pic>
+        <p:nvPicPr>
+          <p:cNvPr id="20" name="Imagem 19"/>
+          <p:cNvPicPr>
+            <a:picLocks noChangeAspect="1"/>
+          </p:cNvPicPr>
+          <p:nvPr/>
+        </p:nvPicPr>
+        <p:blipFill>
+          <a:blip r:embed="rId4">
+            <a:extLst>
+              <a:ext uri="{28A0092B-C50C-407E-A947-70E740481C1C}">
+                <a14:useLocalDpi xmlns:a14="http://schemas.microsoft.com/office/drawing/2010/main" val="0"/>
+              </a:ext>
+            </a:extLst>
+          </a:blip>
+          <a:stretch>
+            <a:fillRect/>
+          </a:stretch>
+        </p:blipFill>
+        <p:spPr>
+          <a:xfrm>
+            <a:off x="5922732" y="3268436"/>
+            <a:ext cx="4267200" cy="3200400"/>
+          </a:xfrm>
+          <a:prstGeom prst="rect">
+            <a:avLst/>
+          </a:prstGeom>
+        </p:spPr>
+      </p:pic>
+      <p:sp>
+        <p:nvSpPr>
+          <p:cNvPr id="22" name="Retângulo 21"/>
+          <p:cNvSpPr/>
+          <p:nvPr/>
+        </p:nvSpPr>
+        <p:spPr>
+          <a:xfrm>
+            <a:off x="6766151" y="346981"/>
+            <a:ext cx="2582358" cy="2580971"/>
+          </a:xfrm>
+          <a:prstGeom prst="rect">
+            <a:avLst/>
+          </a:prstGeom>
+          <a:solidFill>
+            <a:schemeClr val="bg1">
+              <a:alpha val="0"/>
+            </a:schemeClr>
+          </a:solidFill>
+          <a:ln>
+            <a:solidFill>
+              <a:schemeClr val="bg1"/>
+            </a:solidFill>
+          </a:ln>
+        </p:spPr>
+        <p:style>
+          <a:lnRef idx="2">
+            <a:schemeClr val="accent1">
+              <a:shade val="50000"/>
+            </a:schemeClr>
+          </a:lnRef>
+          <a:fillRef idx="1">
+            <a:schemeClr val="accent1"/>
+          </a:fillRef>
+          <a:effectRef idx="0">
+            <a:schemeClr val="accent1"/>
+          </a:effectRef>
+          <a:fontRef idx="minor">
+            <a:schemeClr val="lt1"/>
+          </a:fontRef>
+        </p:style>
+        <p:txBody>
+          <a:bodyPr rtlCol="0" anchor="ctr"/>
+          <a:lstStyle/>
+          <a:p>
+            <a:pPr algn="ctr"/>
+            <a:endParaRPr lang="pt-BR"/>
+          </a:p>
+        </p:txBody>
+      </p:sp>
+      <p:sp>
+        <p:nvSpPr>
+          <p:cNvPr id="27" name="Retângulo 26"/>
+          <p:cNvSpPr/>
+          <p:nvPr/>
+        </p:nvSpPr>
+        <p:spPr>
+          <a:xfrm>
+            <a:off x="6766151" y="3548400"/>
+            <a:ext cx="2582358" cy="2580971"/>
+          </a:xfrm>
+          <a:prstGeom prst="rect">
+            <a:avLst/>
+          </a:prstGeom>
+          <a:solidFill>
+            <a:schemeClr val="bg1">
+              <a:alpha val="0"/>
+            </a:schemeClr>
+          </a:solidFill>
+          <a:ln>
+            <a:solidFill>
+              <a:schemeClr val="bg1"/>
+            </a:solidFill>
+          </a:ln>
+        </p:spPr>
+        <p:style>
+          <a:lnRef idx="2">
+            <a:schemeClr val="accent1">
+              <a:shade val="50000"/>
+            </a:schemeClr>
+          </a:lnRef>
+          <a:fillRef idx="1">
+            <a:schemeClr val="accent1"/>
+          </a:fillRef>
+          <a:effectRef idx="0">
+            <a:schemeClr val="accent1"/>
+          </a:effectRef>
+          <a:fontRef idx="minor">
+            <a:schemeClr val="lt1"/>
+          </a:fontRef>
+        </p:style>
+        <p:txBody>
+          <a:bodyPr rtlCol="0" anchor="ctr"/>
+          <a:lstStyle/>
+          <a:p>
+            <a:pPr algn="ctr"/>
+            <a:endParaRPr lang="pt-BR"/>
+          </a:p>
+        </p:txBody>
+      </p:sp>
+      <p:cxnSp>
+        <p:nvCxnSpPr>
+          <p:cNvPr id="18" name="Conector de Seta Reta 30"/>
+          <p:cNvCxnSpPr/>
+          <p:nvPr/>
+        </p:nvCxnSpPr>
+        <p:spPr>
+          <a:xfrm>
+            <a:off x="3151412" y="3037114"/>
+            <a:ext cx="669474" cy="0"/>
+          </a:xfrm>
+          <a:prstGeom prst="straightConnector1">
+            <a:avLst/>
+          </a:prstGeom>
+          <a:ln w="38100">
+            <a:solidFill>
+              <a:srgbClr val="00B050"/>
+            </a:solidFill>
+            <a:tailEnd type="triangle"/>
+          </a:ln>
+        </p:spPr>
+        <p:style>
+          <a:lnRef idx="1">
+            <a:schemeClr val="accent1"/>
+          </a:lnRef>
+          <a:fillRef idx="0">
+            <a:schemeClr val="accent1"/>
+          </a:fillRef>
+          <a:effectRef idx="0">
+            <a:schemeClr val="accent1"/>
+          </a:effectRef>
+          <a:fontRef idx="minor">
+            <a:schemeClr val="tx1"/>
+          </a:fontRef>
+        </p:style>
+      </p:cxnSp>
+      <p:cxnSp>
+        <p:nvCxnSpPr>
+          <p:cNvPr id="19" name="Conector reto 18"/>
+          <p:cNvCxnSpPr/>
+          <p:nvPr/>
+        </p:nvCxnSpPr>
+        <p:spPr>
+          <a:xfrm>
+            <a:off x="3159574" y="3043918"/>
+            <a:ext cx="0" cy="2204358"/>
+          </a:xfrm>
+          <a:prstGeom prst="line">
+            <a:avLst/>
+          </a:prstGeom>
+          <a:ln w="38100">
+            <a:solidFill>
+              <a:srgbClr val="FF0000"/>
+            </a:solidFill>
+          </a:ln>
+        </p:spPr>
+        <p:style>
+          <a:lnRef idx="1">
+            <a:schemeClr val="accent1"/>
+          </a:lnRef>
+          <a:fillRef idx="0">
+            <a:schemeClr val="accent1"/>
+          </a:fillRef>
+          <a:effectRef idx="0">
+            <a:schemeClr val="accent1"/>
+          </a:effectRef>
+          <a:fontRef idx="minor">
+            <a:schemeClr val="tx1"/>
+          </a:fontRef>
+        </p:style>
+      </p:cxnSp>
+      <p:sp>
+        <p:nvSpPr>
+          <p:cNvPr id="24" name="Retângulo 23"/>
+          <p:cNvSpPr/>
+          <p:nvPr/>
+        </p:nvSpPr>
+        <p:spPr>
+          <a:xfrm>
+            <a:off x="919120" y="832756"/>
+            <a:ext cx="2237015" cy="2204358"/>
+          </a:xfrm>
+          <a:prstGeom prst="rect">
+            <a:avLst/>
+          </a:prstGeom>
+          <a:solidFill>
+            <a:schemeClr val="bg1">
+              <a:alpha val="75000"/>
+            </a:schemeClr>
+          </a:solidFill>
+          <a:ln>
+            <a:solidFill>
+              <a:schemeClr val="bg1"/>
+            </a:solidFill>
+          </a:ln>
+        </p:spPr>
+        <p:style>
+          <a:lnRef idx="2">
+            <a:schemeClr val="accent1">
+              <a:shade val="50000"/>
+            </a:schemeClr>
+          </a:lnRef>
+          <a:fillRef idx="1">
+            <a:schemeClr val="accent1"/>
+          </a:fillRef>
+          <a:effectRef idx="0">
+            <a:schemeClr val="accent1"/>
+          </a:effectRef>
+          <a:fontRef idx="minor">
+            <a:schemeClr val="lt1"/>
+          </a:fontRef>
+        </p:style>
+        <p:txBody>
+          <a:bodyPr rtlCol="0" anchor="ctr"/>
+          <a:lstStyle/>
+          <a:p>
+            <a:pPr algn="ctr"/>
+            <a:endParaRPr lang="pt-BR"/>
+          </a:p>
+        </p:txBody>
+      </p:sp>
+      <p:sp>
+        <p:nvSpPr>
+          <p:cNvPr id="31" name="Retângulo 30"/>
+          <p:cNvSpPr/>
+          <p:nvPr/>
+        </p:nvSpPr>
+        <p:spPr>
+          <a:xfrm>
+            <a:off x="6766151" y="3547759"/>
+            <a:ext cx="2582358" cy="1268148"/>
+          </a:xfrm>
+          <a:prstGeom prst="rect">
+            <a:avLst/>
+          </a:prstGeom>
+          <a:solidFill>
+            <a:schemeClr val="bg1">
+              <a:alpha val="60000"/>
+            </a:schemeClr>
+          </a:solidFill>
+          <a:ln>
+            <a:solidFill>
+              <a:schemeClr val="bg1"/>
+            </a:solidFill>
+          </a:ln>
+        </p:spPr>
+        <p:style>
+          <a:lnRef idx="2">
+            <a:schemeClr val="accent1">
+              <a:shade val="50000"/>
+            </a:schemeClr>
+          </a:lnRef>
+          <a:fillRef idx="1">
+            <a:schemeClr val="accent1"/>
+          </a:fillRef>
+          <a:effectRef idx="0">
+            <a:schemeClr val="accent1"/>
+          </a:effectRef>
+          <a:fontRef idx="minor">
+            <a:schemeClr val="lt1"/>
+          </a:fontRef>
+        </p:style>
+        <p:txBody>
+          <a:bodyPr rtlCol="0" anchor="ctr"/>
+          <a:lstStyle/>
+          <a:p>
+            <a:pPr algn="ctr"/>
+            <a:endParaRPr lang="pt-BR"/>
+          </a:p>
+        </p:txBody>
+      </p:sp>
+      <p:sp>
+        <p:nvSpPr>
+          <p:cNvPr id="32" name="Retângulo 31"/>
+          <p:cNvSpPr/>
+          <p:nvPr/>
+        </p:nvSpPr>
+        <p:spPr>
+          <a:xfrm>
+            <a:off x="6766151" y="346020"/>
+            <a:ext cx="2582358" cy="1268148"/>
+          </a:xfrm>
+          <a:prstGeom prst="rect">
+            <a:avLst/>
+          </a:prstGeom>
+          <a:solidFill>
+            <a:schemeClr val="bg1">
+              <a:alpha val="60000"/>
+            </a:schemeClr>
+          </a:solidFill>
+          <a:ln>
+            <a:solidFill>
+              <a:schemeClr val="bg1"/>
+            </a:solidFill>
+          </a:ln>
+        </p:spPr>
+        <p:style>
+          <a:lnRef idx="2">
+            <a:schemeClr val="accent1">
+              <a:shade val="50000"/>
+            </a:schemeClr>
+          </a:lnRef>
+          <a:fillRef idx="1">
+            <a:schemeClr val="accent1"/>
+          </a:fillRef>
+          <a:effectRef idx="0">
+            <a:schemeClr val="accent1"/>
+          </a:effectRef>
+          <a:fontRef idx="minor">
+            <a:schemeClr val="lt1"/>
+          </a:fontRef>
+        </p:style>
+        <p:txBody>
+          <a:bodyPr rtlCol="0" anchor="ctr"/>
+          <a:lstStyle/>
+          <a:p>
+            <a:pPr algn="ctr"/>
+            <a:endParaRPr lang="pt-BR"/>
+          </a:p>
+        </p:txBody>
+      </p:sp>
+      <p:sp>
+        <p:nvSpPr>
+          <p:cNvPr id="21" name="Retângulo 20"/>
+          <p:cNvSpPr/>
+          <p:nvPr/>
+        </p:nvSpPr>
+        <p:spPr>
+          <a:xfrm>
+            <a:off x="6773858" y="4842140"/>
+            <a:ext cx="1260480" cy="1268148"/>
+          </a:xfrm>
+          <a:prstGeom prst="rect">
+            <a:avLst/>
+          </a:prstGeom>
+          <a:solidFill>
+            <a:schemeClr val="bg1">
+              <a:alpha val="60000"/>
+            </a:schemeClr>
+          </a:solidFill>
+          <a:ln>
+            <a:solidFill>
+              <a:schemeClr val="bg1"/>
+            </a:solidFill>
+          </a:ln>
+        </p:spPr>
+        <p:style>
+          <a:lnRef idx="2">
+            <a:schemeClr val="accent1">
+              <a:shade val="50000"/>
+            </a:schemeClr>
+          </a:lnRef>
+          <a:fillRef idx="1">
+            <a:schemeClr val="accent1"/>
+          </a:fillRef>
+          <a:effectRef idx="0">
+            <a:schemeClr val="accent1"/>
+          </a:effectRef>
+          <a:fontRef idx="minor">
+            <a:schemeClr val="lt1"/>
+          </a:fontRef>
+        </p:style>
+        <p:txBody>
+          <a:bodyPr rtlCol="0" anchor="ctr"/>
+          <a:lstStyle/>
+          <a:p>
+            <a:pPr algn="ctr"/>
+            <a:endParaRPr lang="pt-BR"/>
+          </a:p>
+        </p:txBody>
+      </p:sp>
+      <p:sp>
+        <p:nvSpPr>
+          <p:cNvPr id="26" name="Retângulo 25"/>
+          <p:cNvSpPr/>
+          <p:nvPr/>
+        </p:nvSpPr>
+        <p:spPr>
+          <a:xfrm>
+            <a:off x="6773858" y="1632421"/>
+            <a:ext cx="1260480" cy="1268148"/>
+          </a:xfrm>
+          <a:prstGeom prst="rect">
+            <a:avLst/>
+          </a:prstGeom>
+          <a:solidFill>
+            <a:schemeClr val="bg1">
+              <a:alpha val="60000"/>
+            </a:schemeClr>
+          </a:solidFill>
+          <a:ln>
+            <a:solidFill>
+              <a:schemeClr val="bg1"/>
+            </a:solidFill>
+          </a:ln>
+        </p:spPr>
+        <p:style>
+          <a:lnRef idx="2">
+            <a:schemeClr val="accent1">
+              <a:shade val="50000"/>
+            </a:schemeClr>
+          </a:lnRef>
+          <a:fillRef idx="1">
+            <a:schemeClr val="accent1"/>
+          </a:fillRef>
+          <a:effectRef idx="0">
+            <a:schemeClr val="accent1"/>
+          </a:effectRef>
+          <a:fontRef idx="minor">
+            <a:schemeClr val="lt1"/>
+          </a:fontRef>
+        </p:style>
+        <p:txBody>
+          <a:bodyPr rtlCol="0" anchor="ctr"/>
+          <a:lstStyle/>
+          <a:p>
+            <a:pPr algn="ctr"/>
+            <a:endParaRPr lang="pt-BR"/>
+          </a:p>
+        </p:txBody>
+      </p:sp>
+    </p:spTree>
+    <p:extLst>
+      <p:ext uri="{BB962C8B-B14F-4D97-AF65-F5344CB8AC3E}">
+        <p14:creationId xmlns:p14="http://schemas.microsoft.com/office/powerpoint/2010/main" val="1116878106"/>
+      </p:ext>
+    </p:extLst>
+  </p:cSld>
+  <p:clrMapOvr>
+    <a:masterClrMapping/>
+  </p:clrMapOvr>
+</p:sld>
+</file>
+
 <file path=ppt/slides/slide2.xml><?xml version="1.0" encoding="utf-8"?>
 <p:sld xmlns:a="http://schemas.openxmlformats.org/drawingml/2006/main" xmlns:r="http://schemas.openxmlformats.org/officeDocument/2006/relationships" xmlns:p="http://schemas.openxmlformats.org/presentationml/2006/main">
   <p:cSld>
@@ -6050,6 +13306,583 @@
     <p:extLst>
       <p:ext uri="{BB962C8B-B14F-4D97-AF65-F5344CB8AC3E}">
         <p14:creationId xmlns:p14="http://schemas.microsoft.com/office/powerpoint/2010/main" val="805235863"/>
+      </p:ext>
+    </p:extLst>
+  </p:cSld>
+  <p:clrMapOvr>
+    <a:masterClrMapping/>
+  </p:clrMapOvr>
+</p:sld>
+</file>
+
+<file path=ppt/slides/slide20.xml><?xml version="1.0" encoding="utf-8"?>
+<p:sld xmlns:a="http://schemas.openxmlformats.org/drawingml/2006/main" xmlns:r="http://schemas.openxmlformats.org/officeDocument/2006/relationships" xmlns:p="http://schemas.openxmlformats.org/presentationml/2006/main">
+  <p:cSld>
+    <p:spTree>
+      <p:nvGrpSpPr>
+        <p:cNvPr id="1" name=""/>
+        <p:cNvGrpSpPr/>
+        <p:nvPr/>
+      </p:nvGrpSpPr>
+      <p:grpSpPr>
+        <a:xfrm>
+          <a:off x="0" y="0"/>
+          <a:ext cx="0" cy="0"/>
+          <a:chOff x="0" y="0"/>
+          <a:chExt cx="0" cy="0"/>
+        </a:xfrm>
+      </p:grpSpPr>
+      <p:pic>
+        <p:nvPicPr>
+          <p:cNvPr id="6" name="Imagem 5"/>
+          <p:cNvPicPr>
+            <a:picLocks noChangeAspect="1"/>
+          </p:cNvPicPr>
+          <p:nvPr/>
+        </p:nvPicPr>
+        <p:blipFill rotWithShape="1">
+          <a:blip r:embed="rId2">
+            <a:extLst>
+              <a:ext uri="{28A0092B-C50C-407E-A947-70E740481C1C}">
+                <a14:useLocalDpi xmlns:a14="http://schemas.microsoft.com/office/drawing/2010/main" val="0"/>
+              </a:ext>
+            </a:extLst>
+          </a:blip>
+          <a:srcRect l="9747" r="18379"/>
+          <a:stretch/>
+        </p:blipFill>
+        <p:spPr>
+          <a:xfrm>
+            <a:off x="261257" y="408213"/>
+            <a:ext cx="5257800" cy="5486411"/>
+          </a:xfrm>
+          <a:prstGeom prst="rect">
+            <a:avLst/>
+          </a:prstGeom>
+        </p:spPr>
+      </p:pic>
+      <p:pic>
+        <p:nvPicPr>
+          <p:cNvPr id="4" name="Imagem 3"/>
+          <p:cNvPicPr>
+            <a:picLocks noChangeAspect="1"/>
+          </p:cNvPicPr>
+          <p:nvPr/>
+        </p:nvPicPr>
+        <p:blipFill rotWithShape="1">
+          <a:blip r:embed="rId3">
+            <a:extLst>
+              <a:ext uri="{28A0092B-C50C-407E-A947-70E740481C1C}">
+                <a14:useLocalDpi xmlns:a14="http://schemas.microsoft.com/office/drawing/2010/main" val="0"/>
+              </a:ext>
+            </a:extLst>
+          </a:blip>
+          <a:srcRect l="10417"/>
+          <a:stretch/>
+        </p:blipFill>
+        <p:spPr>
+          <a:xfrm>
+            <a:off x="6367235" y="68036"/>
+            <a:ext cx="3822697" cy="3200400"/>
+          </a:xfrm>
+          <a:prstGeom prst="rect">
+            <a:avLst/>
+          </a:prstGeom>
+        </p:spPr>
+      </p:pic>
+      <p:pic>
+        <p:nvPicPr>
+          <p:cNvPr id="20" name="Imagem 19"/>
+          <p:cNvPicPr>
+            <a:picLocks noChangeAspect="1"/>
+          </p:cNvPicPr>
+          <p:nvPr/>
+        </p:nvPicPr>
+        <p:blipFill>
+          <a:blip r:embed="rId4">
+            <a:extLst>
+              <a:ext uri="{28A0092B-C50C-407E-A947-70E740481C1C}">
+                <a14:useLocalDpi xmlns:a14="http://schemas.microsoft.com/office/drawing/2010/main" val="0"/>
+              </a:ext>
+            </a:extLst>
+          </a:blip>
+          <a:stretch>
+            <a:fillRect/>
+          </a:stretch>
+        </p:blipFill>
+        <p:spPr>
+          <a:xfrm>
+            <a:off x="5922732" y="3268436"/>
+            <a:ext cx="4267200" cy="3200400"/>
+          </a:xfrm>
+          <a:prstGeom prst="rect">
+            <a:avLst/>
+          </a:prstGeom>
+        </p:spPr>
+      </p:pic>
+      <p:sp>
+        <p:nvSpPr>
+          <p:cNvPr id="27" name="Retângulo 26"/>
+          <p:cNvSpPr/>
+          <p:nvPr/>
+        </p:nvSpPr>
+        <p:spPr>
+          <a:xfrm>
+            <a:off x="6766151" y="3548400"/>
+            <a:ext cx="2582358" cy="2580971"/>
+          </a:xfrm>
+          <a:prstGeom prst="rect">
+            <a:avLst/>
+          </a:prstGeom>
+          <a:solidFill>
+            <a:schemeClr val="bg1">
+              <a:alpha val="0"/>
+            </a:schemeClr>
+          </a:solidFill>
+          <a:ln>
+            <a:solidFill>
+              <a:schemeClr val="bg1"/>
+            </a:solidFill>
+          </a:ln>
+        </p:spPr>
+        <p:style>
+          <a:lnRef idx="2">
+            <a:schemeClr val="accent1">
+              <a:shade val="50000"/>
+            </a:schemeClr>
+          </a:lnRef>
+          <a:fillRef idx="1">
+            <a:schemeClr val="accent1"/>
+          </a:fillRef>
+          <a:effectRef idx="0">
+            <a:schemeClr val="accent1"/>
+          </a:effectRef>
+          <a:fontRef idx="minor">
+            <a:schemeClr val="lt1"/>
+          </a:fontRef>
+        </p:style>
+        <p:txBody>
+          <a:bodyPr rtlCol="0" anchor="ctr"/>
+          <a:lstStyle/>
+          <a:p>
+            <a:pPr algn="ctr"/>
+            <a:endParaRPr lang="pt-BR"/>
+          </a:p>
+        </p:txBody>
+      </p:sp>
+    </p:spTree>
+    <p:extLst>
+      <p:ext uri="{BB962C8B-B14F-4D97-AF65-F5344CB8AC3E}">
+        <p14:creationId xmlns:p14="http://schemas.microsoft.com/office/powerpoint/2010/main" val="3222779731"/>
+      </p:ext>
+    </p:extLst>
+  </p:cSld>
+  <p:clrMapOvr>
+    <a:masterClrMapping/>
+  </p:clrMapOvr>
+</p:sld>
+</file>
+
+<file path=ppt/slides/slide21.xml><?xml version="1.0" encoding="utf-8"?>
+<p:sld xmlns:a="http://schemas.openxmlformats.org/drawingml/2006/main" xmlns:r="http://schemas.openxmlformats.org/officeDocument/2006/relationships" xmlns:p="http://schemas.openxmlformats.org/presentationml/2006/main">
+  <p:cSld>
+    <p:spTree>
+      <p:nvGrpSpPr>
+        <p:cNvPr id="1" name=""/>
+        <p:cNvGrpSpPr/>
+        <p:nvPr/>
+      </p:nvGrpSpPr>
+      <p:grpSpPr>
+        <a:xfrm>
+          <a:off x="0" y="0"/>
+          <a:ext cx="0" cy="0"/>
+          <a:chOff x="0" y="0"/>
+          <a:chExt cx="0" cy="0"/>
+        </a:xfrm>
+      </p:grpSpPr>
+      <p:pic>
+        <p:nvPicPr>
+          <p:cNvPr id="4" name="Imagem 3"/>
+          <p:cNvPicPr>
+            <a:picLocks noChangeAspect="1"/>
+          </p:cNvPicPr>
+          <p:nvPr/>
+        </p:nvPicPr>
+        <p:blipFill rotWithShape="1">
+          <a:blip r:embed="rId2">
+            <a:extLst>
+              <a:ext uri="{28A0092B-C50C-407E-A947-70E740481C1C}">
+                <a14:useLocalDpi xmlns:a14="http://schemas.microsoft.com/office/drawing/2010/main" val="0"/>
+              </a:ext>
+            </a:extLst>
+          </a:blip>
+          <a:srcRect l="10417"/>
+          <a:stretch/>
+        </p:blipFill>
+        <p:spPr>
+          <a:xfrm>
+            <a:off x="985610" y="153761"/>
+            <a:ext cx="3822697" cy="3200400"/>
+          </a:xfrm>
+          <a:prstGeom prst="rect">
+            <a:avLst/>
+          </a:prstGeom>
+        </p:spPr>
+      </p:pic>
+      <p:pic>
+        <p:nvPicPr>
+          <p:cNvPr id="5" name="Imagem 4"/>
+          <p:cNvPicPr>
+            <a:picLocks noChangeAspect="1"/>
+          </p:cNvPicPr>
+          <p:nvPr/>
+        </p:nvPicPr>
+        <p:blipFill rotWithShape="1">
+          <a:blip r:embed="rId3">
+            <a:extLst>
+              <a:ext uri="{28A0092B-C50C-407E-A947-70E740481C1C}">
+                <a14:useLocalDpi xmlns:a14="http://schemas.microsoft.com/office/drawing/2010/main" val="0"/>
+              </a:ext>
+            </a:extLst>
+          </a:blip>
+          <a:srcRect l="10757"/>
+          <a:stretch/>
+        </p:blipFill>
+        <p:spPr>
+          <a:xfrm>
+            <a:off x="1000125" y="3354161"/>
+            <a:ext cx="3808182" cy="3200400"/>
+          </a:xfrm>
+          <a:prstGeom prst="rect">
+            <a:avLst/>
+          </a:prstGeom>
+        </p:spPr>
+      </p:pic>
+      <p:sp>
+        <p:nvSpPr>
+          <p:cNvPr id="6" name="Retângulo 5"/>
+          <p:cNvSpPr/>
+          <p:nvPr/>
+        </p:nvSpPr>
+        <p:spPr>
+          <a:xfrm>
+            <a:off x="1384526" y="3634125"/>
+            <a:ext cx="2582358" cy="2580971"/>
+          </a:xfrm>
+          <a:prstGeom prst="rect">
+            <a:avLst/>
+          </a:prstGeom>
+          <a:solidFill>
+            <a:schemeClr val="bg1">
+              <a:alpha val="0"/>
+            </a:schemeClr>
+          </a:solidFill>
+          <a:ln>
+            <a:solidFill>
+              <a:schemeClr val="bg1"/>
+            </a:solidFill>
+          </a:ln>
+        </p:spPr>
+        <p:style>
+          <a:lnRef idx="2">
+            <a:schemeClr val="accent1">
+              <a:shade val="50000"/>
+            </a:schemeClr>
+          </a:lnRef>
+          <a:fillRef idx="1">
+            <a:schemeClr val="accent1"/>
+          </a:fillRef>
+          <a:effectRef idx="0">
+            <a:schemeClr val="accent1"/>
+          </a:effectRef>
+          <a:fontRef idx="minor">
+            <a:schemeClr val="lt1"/>
+          </a:fontRef>
+        </p:style>
+        <p:txBody>
+          <a:bodyPr rtlCol="0" anchor="ctr"/>
+          <a:lstStyle/>
+          <a:p>
+            <a:pPr algn="ctr"/>
+            <a:endParaRPr lang="pt-BR"/>
+          </a:p>
+        </p:txBody>
+      </p:sp>
+      <p:sp>
+        <p:nvSpPr>
+          <p:cNvPr id="7" name="Seta para a direita 6"/>
+          <p:cNvSpPr/>
+          <p:nvPr/>
+        </p:nvSpPr>
+        <p:spPr>
+          <a:xfrm rot="1947337">
+            <a:off x="4585666" y="2022333"/>
+            <a:ext cx="1420130" cy="400050"/>
+          </a:xfrm>
+          <a:prstGeom prst="rightArrow">
+            <a:avLst/>
+          </a:prstGeom>
+          <a:solidFill>
+            <a:srgbClr val="E09B57"/>
+          </a:solidFill>
+          <a:ln>
+            <a:noFill/>
+          </a:ln>
+        </p:spPr>
+        <p:style>
+          <a:lnRef idx="2">
+            <a:schemeClr val="accent1">
+              <a:shade val="50000"/>
+            </a:schemeClr>
+          </a:lnRef>
+          <a:fillRef idx="1">
+            <a:schemeClr val="accent1"/>
+          </a:fillRef>
+          <a:effectRef idx="0">
+            <a:schemeClr val="accent1"/>
+          </a:effectRef>
+          <a:fontRef idx="minor">
+            <a:schemeClr val="lt1"/>
+          </a:fontRef>
+        </p:style>
+        <p:txBody>
+          <a:bodyPr rtlCol="0" anchor="ctr"/>
+          <a:lstStyle/>
+          <a:p>
+            <a:pPr algn="ctr"/>
+            <a:endParaRPr lang="pt-BR"/>
+          </a:p>
+        </p:txBody>
+      </p:sp>
+      <p:sp>
+        <p:nvSpPr>
+          <p:cNvPr id="8" name="Seta para a direita 7"/>
+          <p:cNvSpPr/>
+          <p:nvPr/>
+        </p:nvSpPr>
+        <p:spPr>
+          <a:xfrm rot="19616911">
+            <a:off x="4619018" y="4342508"/>
+            <a:ext cx="1416161" cy="400050"/>
+          </a:xfrm>
+          <a:prstGeom prst="rightArrow">
+            <a:avLst/>
+          </a:prstGeom>
+          <a:solidFill>
+            <a:srgbClr val="E09B57"/>
+          </a:solidFill>
+          <a:ln>
+            <a:noFill/>
+          </a:ln>
+        </p:spPr>
+        <p:style>
+          <a:lnRef idx="2">
+            <a:schemeClr val="accent1">
+              <a:shade val="50000"/>
+            </a:schemeClr>
+          </a:lnRef>
+          <a:fillRef idx="1">
+            <a:schemeClr val="accent1"/>
+          </a:fillRef>
+          <a:effectRef idx="0">
+            <a:schemeClr val="accent1"/>
+          </a:effectRef>
+          <a:fontRef idx="minor">
+            <a:schemeClr val="lt1"/>
+          </a:fontRef>
+        </p:style>
+        <p:txBody>
+          <a:bodyPr rtlCol="0" anchor="ctr"/>
+          <a:lstStyle/>
+          <a:p>
+            <a:pPr algn="ctr"/>
+            <a:endParaRPr lang="pt-BR"/>
+          </a:p>
+        </p:txBody>
+      </p:sp>
+      <p:pic>
+        <p:nvPicPr>
+          <p:cNvPr id="10" name="Imagem 9"/>
+          <p:cNvPicPr>
+            <a:picLocks noChangeAspect="1"/>
+          </p:cNvPicPr>
+          <p:nvPr/>
+        </p:nvPicPr>
+        <p:blipFill>
+          <a:blip r:embed="rId4"/>
+          <a:stretch>
+            <a:fillRect/>
+          </a:stretch>
+        </p:blipFill>
+        <p:spPr>
+          <a:xfrm>
+            <a:off x="1056135" y="7189094"/>
+            <a:ext cx="9146946" cy="6858000"/>
+          </a:xfrm>
+          <a:prstGeom prst="rect">
+            <a:avLst/>
+          </a:prstGeom>
+          <a:solidFill>
+            <a:srgbClr val="E09B57"/>
+          </a:solidFill>
+        </p:spPr>
+      </p:pic>
+      <p:pic>
+        <p:nvPicPr>
+          <p:cNvPr id="15" name="Imagem 14"/>
+          <p:cNvPicPr>
+            <a:picLocks noChangeAspect="1"/>
+          </p:cNvPicPr>
+          <p:nvPr/>
+        </p:nvPicPr>
+        <p:blipFill>
+          <a:blip r:embed="rId5">
+            <a:extLst>
+              <a:ext uri="{28A0092B-C50C-407E-A947-70E740481C1C}">
+                <a14:useLocalDpi xmlns:a14="http://schemas.microsoft.com/office/drawing/2010/main" val="0"/>
+              </a:ext>
+            </a:extLst>
+          </a:blip>
+          <a:stretch>
+            <a:fillRect/>
+          </a:stretch>
+        </p:blipFill>
+        <p:spPr>
+          <a:xfrm>
+            <a:off x="6266541" y="3091200"/>
+            <a:ext cx="704850" cy="533400"/>
+          </a:xfrm>
+          <a:prstGeom prst="rect">
+            <a:avLst/>
+          </a:prstGeom>
+        </p:spPr>
+      </p:pic>
+      <p:pic>
+        <p:nvPicPr>
+          <p:cNvPr id="17" name="Imagem 16"/>
+          <p:cNvPicPr>
+            <a:picLocks noChangeAspect="1"/>
+          </p:cNvPicPr>
+          <p:nvPr/>
+        </p:nvPicPr>
+        <p:blipFill>
+          <a:blip r:embed="rId6">
+            <a:extLst>
+              <a:ext uri="{28A0092B-C50C-407E-A947-70E740481C1C}">
+                <a14:useLocalDpi xmlns:a14="http://schemas.microsoft.com/office/drawing/2010/main" val="0"/>
+              </a:ext>
+            </a:extLst>
+          </a:blip>
+          <a:stretch>
+            <a:fillRect/>
+          </a:stretch>
+        </p:blipFill>
+        <p:spPr>
+          <a:xfrm>
+            <a:off x="8163798" y="3480198"/>
+            <a:ext cx="3315102" cy="2948325"/>
+          </a:xfrm>
+          <a:prstGeom prst="rect">
+            <a:avLst/>
+          </a:prstGeom>
+        </p:spPr>
+      </p:pic>
+      <p:sp>
+        <p:nvSpPr>
+          <p:cNvPr id="18" name="Seta em curva para baixo 17"/>
+          <p:cNvSpPr/>
+          <p:nvPr/>
+        </p:nvSpPr>
+        <p:spPr>
+          <a:xfrm>
+            <a:off x="6620772" y="2212832"/>
+            <a:ext cx="3582309" cy="778017"/>
+          </a:xfrm>
+          <a:prstGeom prst="curvedDownArrow">
+            <a:avLst/>
+          </a:prstGeom>
+          <a:solidFill>
+            <a:srgbClr val="E09B57"/>
+          </a:solidFill>
+          <a:ln>
+            <a:noFill/>
+          </a:ln>
+        </p:spPr>
+        <p:style>
+          <a:lnRef idx="2">
+            <a:schemeClr val="accent1">
+              <a:shade val="50000"/>
+            </a:schemeClr>
+          </a:lnRef>
+          <a:fillRef idx="1">
+            <a:schemeClr val="accent1"/>
+          </a:fillRef>
+          <a:effectRef idx="0">
+            <a:schemeClr val="accent1"/>
+          </a:effectRef>
+          <a:fontRef idx="minor">
+            <a:schemeClr val="lt1"/>
+          </a:fontRef>
+        </p:style>
+        <p:txBody>
+          <a:bodyPr rtlCol="0" anchor="ctr"/>
+          <a:lstStyle/>
+          <a:p>
+            <a:pPr algn="ctr"/>
+            <a:endParaRPr lang="pt-BR"/>
+          </a:p>
+        </p:txBody>
+      </p:sp>
+      <p:sp>
+        <p:nvSpPr>
+          <p:cNvPr id="19" name="Retângulo 18"/>
+          <p:cNvSpPr/>
+          <p:nvPr/>
+        </p:nvSpPr>
+        <p:spPr>
+          <a:xfrm>
+            <a:off x="9734550" y="3494142"/>
+            <a:ext cx="654244" cy="2860935"/>
+          </a:xfrm>
+          <a:prstGeom prst="rect">
+            <a:avLst/>
+          </a:prstGeom>
+          <a:noFill/>
+          <a:ln w="19050">
+            <a:solidFill>
+              <a:srgbClr val="E09B57"/>
+            </a:solidFill>
+          </a:ln>
+        </p:spPr>
+        <p:style>
+          <a:lnRef idx="2">
+            <a:schemeClr val="accent1">
+              <a:shade val="50000"/>
+            </a:schemeClr>
+          </a:lnRef>
+          <a:fillRef idx="1">
+            <a:schemeClr val="accent1"/>
+          </a:fillRef>
+          <a:effectRef idx="0">
+            <a:schemeClr val="accent1"/>
+          </a:effectRef>
+          <a:fontRef idx="minor">
+            <a:schemeClr val="lt1"/>
+          </a:fontRef>
+        </p:style>
+        <p:txBody>
+          <a:bodyPr rtlCol="0" anchor="ctr"/>
+          <a:lstStyle/>
+          <a:p>
+            <a:pPr algn="ctr"/>
+            <a:endParaRPr lang="pt-BR"/>
+          </a:p>
+        </p:txBody>
+      </p:sp>
+    </p:spTree>
+    <p:extLst>
+      <p:ext uri="{BB962C8B-B14F-4D97-AF65-F5344CB8AC3E}">
+        <p14:creationId xmlns:p14="http://schemas.microsoft.com/office/powerpoint/2010/main" val="4245463659"/>
       </p:ext>
     </p:extLst>
   </p:cSld>
@@ -11661,7 +19494,7 @@
           <p:cNvPr id="9" name="Conector de Seta Reta 30">
             <a:extLst>
               <a:ext uri="{FF2B5EF4-FFF2-40B4-BE49-F238E27FC236}">
-                <a16:creationId xmlns:a16="http://schemas.microsoft.com/office/drawing/2014/main" id="{F4E2726F-250A-244A-9FEF-08E332214A0E}"/>
+                <a16:creationId xmlns="" xmlns:a16="http://schemas.microsoft.com/office/drawing/2014/main" id="{F4E2726F-250A-244A-9FEF-08E332214A0E}"/>
               </a:ext>
             </a:extLst>
           </p:cNvPr>
@@ -11703,7 +19536,7 @@
           <p:cNvPr id="11" name="Conector de Seta Reta 31">
             <a:extLst>
               <a:ext uri="{FF2B5EF4-FFF2-40B4-BE49-F238E27FC236}">
-                <a16:creationId xmlns:a16="http://schemas.microsoft.com/office/drawing/2014/main" id="{58C6BB8A-40B7-1D44-841F-91C8117B7A12}"/>
+                <a16:creationId xmlns="" xmlns:a16="http://schemas.microsoft.com/office/drawing/2014/main" id="{58C6BB8A-40B7-1D44-841F-91C8117B7A12}"/>
               </a:ext>
             </a:extLst>
           </p:cNvPr>
@@ -11745,7 +19578,7 @@
           <p:cNvPr id="12" name="CaixaDeTexto 37">
             <a:extLst>
               <a:ext uri="{FF2B5EF4-FFF2-40B4-BE49-F238E27FC236}">
-                <a16:creationId xmlns:a16="http://schemas.microsoft.com/office/drawing/2014/main" id="{71091896-9F67-8847-9C2A-DE057411D085}"/>
+                <a16:creationId xmlns="" xmlns:a16="http://schemas.microsoft.com/office/drawing/2014/main" id="{71091896-9F67-8847-9C2A-DE057411D085}"/>
               </a:ext>
             </a:extLst>
           </p:cNvPr>
@@ -11780,7 +19613,7 @@
           <p:cNvPr id="13" name="CaixaDeTexto 38">
             <a:extLst>
               <a:ext uri="{FF2B5EF4-FFF2-40B4-BE49-F238E27FC236}">
-                <a16:creationId xmlns:a16="http://schemas.microsoft.com/office/drawing/2014/main" id="{76B8159C-42E2-4940-B7F6-6CFD8DA7CF7E}"/>
+                <a16:creationId xmlns="" xmlns:a16="http://schemas.microsoft.com/office/drawing/2014/main" id="{76B8159C-42E2-4940-B7F6-6CFD8DA7CF7E}"/>
               </a:ext>
             </a:extLst>
           </p:cNvPr>
@@ -11815,7 +19648,7 @@
           <p:cNvPr id="14" name="Conector de Seta Reta 31">
             <a:extLst>
               <a:ext uri="{FF2B5EF4-FFF2-40B4-BE49-F238E27FC236}">
-                <a16:creationId xmlns:a16="http://schemas.microsoft.com/office/drawing/2014/main" id="{6270ED07-5855-EB46-9509-DAAB56BDB6EE}"/>
+                <a16:creationId xmlns="" xmlns:a16="http://schemas.microsoft.com/office/drawing/2014/main" id="{6270ED07-5855-EB46-9509-DAAB56BDB6EE}"/>
               </a:ext>
             </a:extLst>
           </p:cNvPr>
@@ -11859,7 +19692,7 @@
           <p:cNvPr id="15" name="CaixaDeTexto 37">
             <a:extLst>
               <a:ext uri="{FF2B5EF4-FFF2-40B4-BE49-F238E27FC236}">
-                <a16:creationId xmlns:a16="http://schemas.microsoft.com/office/drawing/2014/main" id="{A883361E-6275-FD48-BBBB-CC236BA50F68}"/>
+                <a16:creationId xmlns="" xmlns:a16="http://schemas.microsoft.com/office/drawing/2014/main" id="{A883361E-6275-FD48-BBBB-CC236BA50F68}"/>
               </a:ext>
             </a:extLst>
           </p:cNvPr>
@@ -11895,7 +19728,7 @@
           <p:cNvPr id="4" name="Cube 3">
             <a:extLst>
               <a:ext uri="{FF2B5EF4-FFF2-40B4-BE49-F238E27FC236}">
-                <a16:creationId xmlns:a16="http://schemas.microsoft.com/office/drawing/2014/main" id="{91386F85-D730-BC4D-BFB6-86BD933FCE40}"/>
+                <a16:creationId xmlns="" xmlns:a16="http://schemas.microsoft.com/office/drawing/2014/main" id="{91386F85-D730-BC4D-BFB6-86BD933FCE40}"/>
               </a:ext>
             </a:extLst>
           </p:cNvPr>
@@ -11947,7 +19780,7 @@
           <p:cNvPr id="7" name="Straight Arrow Connector 6">
             <a:extLst>
               <a:ext uri="{FF2B5EF4-FFF2-40B4-BE49-F238E27FC236}">
-                <a16:creationId xmlns:a16="http://schemas.microsoft.com/office/drawing/2014/main" id="{FB5C299A-1052-4746-8710-63FF6CFD409E}"/>
+                <a16:creationId xmlns="" xmlns:a16="http://schemas.microsoft.com/office/drawing/2014/main" id="{FB5C299A-1052-4746-8710-63FF6CFD409E}"/>
               </a:ext>
             </a:extLst>
           </p:cNvPr>
@@ -11994,7 +19827,7 @@
               <p:cNvPr id="16" name="TextBox 15">
                 <a:extLst>
                   <a:ext uri="{FF2B5EF4-FFF2-40B4-BE49-F238E27FC236}">
-                    <a16:creationId xmlns:a16="http://schemas.microsoft.com/office/drawing/2014/main" id="{ADCB2C18-6EAD-5D4A-98EB-E29D64C0FCAF}"/>
+                    <a16:creationId xmlns="" xmlns:a16="http://schemas.microsoft.com/office/drawing/2014/main" id="{ADCB2C18-6EAD-5D4A-98EB-E29D64C0FCAF}"/>
                   </a:ext>
                 </a:extLst>
               </p:cNvPr>
@@ -12107,7 +19940,7 @@
           <p:cNvPr id="25" name="Straight Arrow Connector 24">
             <a:extLst>
               <a:ext uri="{FF2B5EF4-FFF2-40B4-BE49-F238E27FC236}">
-                <a16:creationId xmlns:a16="http://schemas.microsoft.com/office/drawing/2014/main" id="{ED64D3D5-6A3F-5A41-83A7-36085B488607}"/>
+                <a16:creationId xmlns="" xmlns:a16="http://schemas.microsoft.com/office/drawing/2014/main" id="{ED64D3D5-6A3F-5A41-83A7-36085B488607}"/>
               </a:ext>
             </a:extLst>
           </p:cNvPr>
@@ -12153,7 +19986,7 @@
               <p:cNvPr id="27" name="TextBox 26">
                 <a:extLst>
                   <a:ext uri="{FF2B5EF4-FFF2-40B4-BE49-F238E27FC236}">
-                    <a16:creationId xmlns:a16="http://schemas.microsoft.com/office/drawing/2014/main" id="{85C03481-1FBF-DF4E-96C2-CDB1991F1F7B}"/>
+                    <a16:creationId xmlns="" xmlns:a16="http://schemas.microsoft.com/office/drawing/2014/main" id="{85C03481-1FBF-DF4E-96C2-CDB1991F1F7B}"/>
                   </a:ext>
                 </a:extLst>
               </p:cNvPr>
@@ -12266,7 +20099,7 @@
           <p:cNvPr id="28" name="Straight Arrow Connector 27">
             <a:extLst>
               <a:ext uri="{FF2B5EF4-FFF2-40B4-BE49-F238E27FC236}">
-                <a16:creationId xmlns:a16="http://schemas.microsoft.com/office/drawing/2014/main" id="{12070AFC-2402-1041-8B48-36FB0348B700}"/>
+                <a16:creationId xmlns="" xmlns:a16="http://schemas.microsoft.com/office/drawing/2014/main" id="{12070AFC-2402-1041-8B48-36FB0348B700}"/>
               </a:ext>
             </a:extLst>
           </p:cNvPr>
@@ -12312,7 +20145,7 @@
               <p:cNvPr id="36" name="TextBox 35">
                 <a:extLst>
                   <a:ext uri="{FF2B5EF4-FFF2-40B4-BE49-F238E27FC236}">
-                    <a16:creationId xmlns:a16="http://schemas.microsoft.com/office/drawing/2014/main" id="{5FE8FBEA-ADFF-AB40-A54A-449E780BBA65}"/>
+                    <a16:creationId xmlns="" xmlns:a16="http://schemas.microsoft.com/office/drawing/2014/main" id="{5FE8FBEA-ADFF-AB40-A54A-449E780BBA65}"/>
                   </a:ext>
                 </a:extLst>
               </p:cNvPr>
@@ -12425,7 +20258,7 @@
           <p:cNvPr id="40" name="Conector de Seta Reta 30">
             <a:extLst>
               <a:ext uri="{FF2B5EF4-FFF2-40B4-BE49-F238E27FC236}">
-                <a16:creationId xmlns:a16="http://schemas.microsoft.com/office/drawing/2014/main" id="{BA2E9DFA-5E42-7A45-BAAF-990ADF7EA0D3}"/>
+                <a16:creationId xmlns="" xmlns:a16="http://schemas.microsoft.com/office/drawing/2014/main" id="{BA2E9DFA-5E42-7A45-BAAF-990ADF7EA0D3}"/>
               </a:ext>
             </a:extLst>
           </p:cNvPr>
@@ -12469,7 +20302,7 @@
           <p:cNvPr id="41" name="Conector de Seta Reta 31">
             <a:extLst>
               <a:ext uri="{FF2B5EF4-FFF2-40B4-BE49-F238E27FC236}">
-                <a16:creationId xmlns:a16="http://schemas.microsoft.com/office/drawing/2014/main" id="{E89DE250-B42E-074A-9B4B-D32C5B21682A}"/>
+                <a16:creationId xmlns="" xmlns:a16="http://schemas.microsoft.com/office/drawing/2014/main" id="{E89DE250-B42E-074A-9B4B-D32C5B21682A}"/>
               </a:ext>
             </a:extLst>
           </p:cNvPr>
@@ -12513,7 +20346,7 @@
           <p:cNvPr id="42" name="CaixaDeTexto 37">
             <a:extLst>
               <a:ext uri="{FF2B5EF4-FFF2-40B4-BE49-F238E27FC236}">
-                <a16:creationId xmlns:a16="http://schemas.microsoft.com/office/drawing/2014/main" id="{EB1519E0-5286-4349-B80E-C58B3668839D}"/>
+                <a16:creationId xmlns="" xmlns:a16="http://schemas.microsoft.com/office/drawing/2014/main" id="{EB1519E0-5286-4349-B80E-C58B3668839D}"/>
               </a:ext>
             </a:extLst>
           </p:cNvPr>
@@ -12548,7 +20381,7 @@
           <p:cNvPr id="44" name="Conector de Seta Reta 31">
             <a:extLst>
               <a:ext uri="{FF2B5EF4-FFF2-40B4-BE49-F238E27FC236}">
-                <a16:creationId xmlns:a16="http://schemas.microsoft.com/office/drawing/2014/main" id="{498F1A6C-5107-C140-BB57-1B5DC6F026FE}"/>
+                <a16:creationId xmlns="" xmlns:a16="http://schemas.microsoft.com/office/drawing/2014/main" id="{498F1A6C-5107-C140-BB57-1B5DC6F026FE}"/>
               </a:ext>
             </a:extLst>
           </p:cNvPr>
@@ -12592,7 +20425,7 @@
           <p:cNvPr id="45" name="CaixaDeTexto 37">
             <a:extLst>
               <a:ext uri="{FF2B5EF4-FFF2-40B4-BE49-F238E27FC236}">
-                <a16:creationId xmlns:a16="http://schemas.microsoft.com/office/drawing/2014/main" id="{B6B0C0B4-5D95-E046-8F05-DBA56B369AC9}"/>
+                <a16:creationId xmlns="" xmlns:a16="http://schemas.microsoft.com/office/drawing/2014/main" id="{B6B0C0B4-5D95-E046-8F05-DBA56B369AC9}"/>
               </a:ext>
             </a:extLst>
           </p:cNvPr>
@@ -12628,7 +20461,7 @@
           <p:cNvPr id="37" name="Cube 36">
             <a:extLst>
               <a:ext uri="{FF2B5EF4-FFF2-40B4-BE49-F238E27FC236}">
-                <a16:creationId xmlns:a16="http://schemas.microsoft.com/office/drawing/2014/main" id="{678A5E09-5210-8B4F-9C6E-687A6DAE997E}"/>
+                <a16:creationId xmlns="" xmlns:a16="http://schemas.microsoft.com/office/drawing/2014/main" id="{678A5E09-5210-8B4F-9C6E-687A6DAE997E}"/>
               </a:ext>
             </a:extLst>
           </p:cNvPr>
@@ -12680,7 +20513,7 @@
           <p:cNvPr id="54" name="Straight Connector 53">
             <a:extLst>
               <a:ext uri="{FF2B5EF4-FFF2-40B4-BE49-F238E27FC236}">
-                <a16:creationId xmlns:a16="http://schemas.microsoft.com/office/drawing/2014/main" id="{13538F5B-109E-414B-A880-6203A7899206}"/>
+                <a16:creationId xmlns="" xmlns:a16="http://schemas.microsoft.com/office/drawing/2014/main" id="{13538F5B-109E-414B-A880-6203A7899206}"/>
               </a:ext>
             </a:extLst>
           </p:cNvPr>
@@ -12722,7 +20555,7 @@
           <p:cNvPr id="55" name="Straight Connector 54">
             <a:extLst>
               <a:ext uri="{FF2B5EF4-FFF2-40B4-BE49-F238E27FC236}">
-                <a16:creationId xmlns:a16="http://schemas.microsoft.com/office/drawing/2014/main" id="{57FE85EB-0365-8045-A5A8-D95E80529B6A}"/>
+                <a16:creationId xmlns="" xmlns:a16="http://schemas.microsoft.com/office/drawing/2014/main" id="{57FE85EB-0365-8045-A5A8-D95E80529B6A}"/>
               </a:ext>
             </a:extLst>
           </p:cNvPr>
@@ -12766,7 +20599,7 @@
           <p:cNvPr id="59" name="Straight Connector 58">
             <a:extLst>
               <a:ext uri="{FF2B5EF4-FFF2-40B4-BE49-F238E27FC236}">
-                <a16:creationId xmlns:a16="http://schemas.microsoft.com/office/drawing/2014/main" id="{4C50B42D-6F2E-F143-8613-E77625FDA0C2}"/>
+                <a16:creationId xmlns="" xmlns:a16="http://schemas.microsoft.com/office/drawing/2014/main" id="{4C50B42D-6F2E-F143-8613-E77625FDA0C2}"/>
               </a:ext>
             </a:extLst>
           </p:cNvPr>
@@ -12810,7 +20643,7 @@
           <p:cNvPr id="61" name="Straight Arrow Connector 60">
             <a:extLst>
               <a:ext uri="{FF2B5EF4-FFF2-40B4-BE49-F238E27FC236}">
-                <a16:creationId xmlns:a16="http://schemas.microsoft.com/office/drawing/2014/main" id="{CF4E5FA0-002E-E44C-85C4-9D2B890C8F48}"/>
+                <a16:creationId xmlns="" xmlns:a16="http://schemas.microsoft.com/office/drawing/2014/main" id="{CF4E5FA0-002E-E44C-85C4-9D2B890C8F48}"/>
               </a:ext>
             </a:extLst>
           </p:cNvPr>
@@ -12856,7 +20689,7 @@
               <p:cNvPr id="64" name="TextBox 63">
                 <a:extLst>
                   <a:ext uri="{FF2B5EF4-FFF2-40B4-BE49-F238E27FC236}">
-                    <a16:creationId xmlns:a16="http://schemas.microsoft.com/office/drawing/2014/main" id="{D3DDB3F6-3863-8B40-8B0C-765B50556082}"/>
+                    <a16:creationId xmlns="" xmlns:a16="http://schemas.microsoft.com/office/drawing/2014/main" id="{D3DDB3F6-3863-8B40-8B0C-765B50556082}"/>
                   </a:ext>
                 </a:extLst>
               </p:cNvPr>
@@ -13009,7 +20842,7 @@
           <p:cNvPr id="66" name="Straight Arrow Connector 65">
             <a:extLst>
               <a:ext uri="{FF2B5EF4-FFF2-40B4-BE49-F238E27FC236}">
-                <a16:creationId xmlns:a16="http://schemas.microsoft.com/office/drawing/2014/main" id="{754DC28D-02DE-074B-A64E-37E346FFDEAB}"/>
+                <a16:creationId xmlns="" xmlns:a16="http://schemas.microsoft.com/office/drawing/2014/main" id="{754DC28D-02DE-074B-A64E-37E346FFDEAB}"/>
               </a:ext>
             </a:extLst>
           </p:cNvPr>
@@ -13056,7 +20889,7 @@
               <p:cNvPr id="68" name="Rectangle 67">
                 <a:extLst>
                   <a:ext uri="{FF2B5EF4-FFF2-40B4-BE49-F238E27FC236}">
-                    <a16:creationId xmlns:a16="http://schemas.microsoft.com/office/drawing/2014/main" id="{FE8B028E-C93E-E548-AF4F-0A464D80D063}"/>
+                    <a16:creationId xmlns="" xmlns:a16="http://schemas.microsoft.com/office/drawing/2014/main" id="{FE8B028E-C93E-E548-AF4F-0A464D80D063}"/>
                   </a:ext>
                 </a:extLst>
               </p:cNvPr>
@@ -13171,7 +21004,7 @@
           <p:cNvPr id="69" name="Straight Arrow Connector 68">
             <a:extLst>
               <a:ext uri="{FF2B5EF4-FFF2-40B4-BE49-F238E27FC236}">
-                <a16:creationId xmlns:a16="http://schemas.microsoft.com/office/drawing/2014/main" id="{BE0D7074-2E41-6946-A7C8-8B995652278D}"/>
+                <a16:creationId xmlns="" xmlns:a16="http://schemas.microsoft.com/office/drawing/2014/main" id="{BE0D7074-2E41-6946-A7C8-8B995652278D}"/>
               </a:ext>
             </a:extLst>
           </p:cNvPr>
@@ -13217,7 +21050,7 @@
               <p:cNvPr id="71" name="Rectangle 70">
                 <a:extLst>
                   <a:ext uri="{FF2B5EF4-FFF2-40B4-BE49-F238E27FC236}">
-                    <a16:creationId xmlns:a16="http://schemas.microsoft.com/office/drawing/2014/main" id="{40CC5FCB-F480-2645-BAD0-61FA0E7FE5ED}"/>
+                    <a16:creationId xmlns="" xmlns:a16="http://schemas.microsoft.com/office/drawing/2014/main" id="{40CC5FCB-F480-2645-BAD0-61FA0E7FE5ED}"/>
                   </a:ext>
                 </a:extLst>
               </p:cNvPr>
@@ -13383,7 +21216,7 @@
               <p:cNvPr id="72" name="Rectangle 71">
                 <a:extLst>
                   <a:ext uri="{FF2B5EF4-FFF2-40B4-BE49-F238E27FC236}">
-                    <a16:creationId xmlns:a16="http://schemas.microsoft.com/office/drawing/2014/main" id="{23629297-22E7-7441-81D1-749C3AD58B54}"/>
+                    <a16:creationId xmlns="" xmlns:a16="http://schemas.microsoft.com/office/drawing/2014/main" id="{23629297-22E7-7441-81D1-749C3AD58B54}"/>
                   </a:ext>
                 </a:extLst>
               </p:cNvPr>
@@ -13495,7 +21328,7 @@
           <p:cNvPr id="73" name="Straight Arrow Connector 72">
             <a:extLst>
               <a:ext uri="{FF2B5EF4-FFF2-40B4-BE49-F238E27FC236}">
-                <a16:creationId xmlns:a16="http://schemas.microsoft.com/office/drawing/2014/main" id="{46F78AF6-5B3C-564C-8FAE-8D1FD83E19D9}"/>
+                <a16:creationId xmlns="" xmlns:a16="http://schemas.microsoft.com/office/drawing/2014/main" id="{46F78AF6-5B3C-564C-8FAE-8D1FD83E19D9}"/>
               </a:ext>
             </a:extLst>
           </p:cNvPr>
@@ -13540,7 +21373,7 @@
           <p:cNvPr id="74" name="Straight Arrow Connector 73">
             <a:extLst>
               <a:ext uri="{FF2B5EF4-FFF2-40B4-BE49-F238E27FC236}">
-                <a16:creationId xmlns:a16="http://schemas.microsoft.com/office/drawing/2014/main" id="{DE12505A-7235-6448-B5C6-FE671E3F8A22}"/>
+                <a16:creationId xmlns="" xmlns:a16="http://schemas.microsoft.com/office/drawing/2014/main" id="{DE12505A-7235-6448-B5C6-FE671E3F8A22}"/>
               </a:ext>
             </a:extLst>
           </p:cNvPr>
@@ -13586,7 +21419,7 @@
               <p:cNvPr id="75" name="TextBox 74">
                 <a:extLst>
                   <a:ext uri="{FF2B5EF4-FFF2-40B4-BE49-F238E27FC236}">
-                    <a16:creationId xmlns:a16="http://schemas.microsoft.com/office/drawing/2014/main" id="{71F8CD0D-BA76-8E46-9CCA-A28143CAAB39}"/>
+                    <a16:creationId xmlns="" xmlns:a16="http://schemas.microsoft.com/office/drawing/2014/main" id="{71F8CD0D-BA76-8E46-9CCA-A28143CAAB39}"/>
                   </a:ext>
                 </a:extLst>
               </p:cNvPr>
@@ -13745,7 +21578,7 @@
           <p:cNvPr id="83" name="CaixaDeTexto 37">
             <a:extLst>
               <a:ext uri="{FF2B5EF4-FFF2-40B4-BE49-F238E27FC236}">
-                <a16:creationId xmlns:a16="http://schemas.microsoft.com/office/drawing/2014/main" id="{82977875-7FA0-AA40-AFC9-85EBA228660F}"/>
+                <a16:creationId xmlns="" xmlns:a16="http://schemas.microsoft.com/office/drawing/2014/main" id="{82977875-7FA0-AA40-AFC9-85EBA228660F}"/>
               </a:ext>
             </a:extLst>
           </p:cNvPr>
@@ -13780,7 +21613,7 @@
           <p:cNvPr id="84" name="Straight Arrow Connector 83">
             <a:extLst>
               <a:ext uri="{FF2B5EF4-FFF2-40B4-BE49-F238E27FC236}">
-                <a16:creationId xmlns:a16="http://schemas.microsoft.com/office/drawing/2014/main" id="{7B2A7D30-80F5-E04E-AF2E-46549DA5001A}"/>
+                <a16:creationId xmlns="" xmlns:a16="http://schemas.microsoft.com/office/drawing/2014/main" id="{7B2A7D30-80F5-E04E-AF2E-46549DA5001A}"/>
               </a:ext>
             </a:extLst>
           </p:cNvPr>
@@ -13826,7 +21659,7 @@
               <p:cNvPr id="85" name="TextBox 84">
                 <a:extLst>
                   <a:ext uri="{FF2B5EF4-FFF2-40B4-BE49-F238E27FC236}">
-                    <a16:creationId xmlns:a16="http://schemas.microsoft.com/office/drawing/2014/main" id="{9EA20542-1E02-FB4B-8965-FFAFE1DDEE71}"/>
+                    <a16:creationId xmlns="" xmlns:a16="http://schemas.microsoft.com/office/drawing/2014/main" id="{9EA20542-1E02-FB4B-8965-FFAFE1DDEE71}"/>
                   </a:ext>
                 </a:extLst>
               </p:cNvPr>
@@ -13939,7 +21772,7 @@
           <p:cNvPr id="29" name="Group 28">
             <a:extLst>
               <a:ext uri="{FF2B5EF4-FFF2-40B4-BE49-F238E27FC236}">
-                <a16:creationId xmlns:a16="http://schemas.microsoft.com/office/drawing/2014/main" id="{3490477F-763A-4F4D-9169-63E295F28330}"/>
+                <a16:creationId xmlns="" xmlns:a16="http://schemas.microsoft.com/office/drawing/2014/main" id="{3490477F-763A-4F4D-9169-63E295F28330}"/>
               </a:ext>
             </a:extLst>
           </p:cNvPr>
@@ -13959,7 +21792,7 @@
             <p:cNvPr id="2" name="Rectangle 1">
               <a:extLst>
                 <a:ext uri="{FF2B5EF4-FFF2-40B4-BE49-F238E27FC236}">
-                  <a16:creationId xmlns:a16="http://schemas.microsoft.com/office/drawing/2014/main" id="{44D1A702-3EFD-7147-9604-63E809BECA89}"/>
+                  <a16:creationId xmlns="" xmlns:a16="http://schemas.microsoft.com/office/drawing/2014/main" id="{44D1A702-3EFD-7147-9604-63E809BECA89}"/>
                 </a:ext>
               </a:extLst>
             </p:cNvPr>
@@ -14016,7 +21849,7 @@
             <p:cNvPr id="3" name="Freeform 2">
               <a:extLst>
                 <a:ext uri="{FF2B5EF4-FFF2-40B4-BE49-F238E27FC236}">
-                  <a16:creationId xmlns:a16="http://schemas.microsoft.com/office/drawing/2014/main" id="{B8C752B6-8936-584E-9D03-0B78FBF9796E}"/>
+                  <a16:creationId xmlns="" xmlns:a16="http://schemas.microsoft.com/office/drawing/2014/main" id="{B8C752B6-8936-584E-9D03-0B78FBF9796E}"/>
                 </a:ext>
               </a:extLst>
             </p:cNvPr>
@@ -14402,7 +22235,7 @@
             <p:cNvPr id="6" name="Oval 5">
               <a:extLst>
                 <a:ext uri="{FF2B5EF4-FFF2-40B4-BE49-F238E27FC236}">
-                  <a16:creationId xmlns:a16="http://schemas.microsoft.com/office/drawing/2014/main" id="{957036A3-CE44-3948-9771-2A025BF838D5}"/>
+                  <a16:creationId xmlns="" xmlns:a16="http://schemas.microsoft.com/office/drawing/2014/main" id="{957036A3-CE44-3948-9771-2A025BF838D5}"/>
                 </a:ext>
               </a:extLst>
             </p:cNvPr>
@@ -14459,7 +22292,7 @@
             <p:cNvPr id="8" name="Freeform 7">
               <a:extLst>
                 <a:ext uri="{FF2B5EF4-FFF2-40B4-BE49-F238E27FC236}">
-                  <a16:creationId xmlns:a16="http://schemas.microsoft.com/office/drawing/2014/main" id="{B9218790-1900-2742-B907-060A7FD7EF9D}"/>
+                  <a16:creationId xmlns="" xmlns:a16="http://schemas.microsoft.com/office/drawing/2014/main" id="{B9218790-1900-2742-B907-060A7FD7EF9D}"/>
                 </a:ext>
               </a:extLst>
             </p:cNvPr>
@@ -14789,7 +22622,7 @@
             <p:cNvPr id="17" name="Freeform 16">
               <a:extLst>
                 <a:ext uri="{FF2B5EF4-FFF2-40B4-BE49-F238E27FC236}">
-                  <a16:creationId xmlns:a16="http://schemas.microsoft.com/office/drawing/2014/main" id="{983FDBFF-E7D3-4A4D-9B1C-35CBBDDED5F6}"/>
+                  <a16:creationId xmlns="" xmlns:a16="http://schemas.microsoft.com/office/drawing/2014/main" id="{983FDBFF-E7D3-4A4D-9B1C-35CBBDDED5F6}"/>
                 </a:ext>
               </a:extLst>
             </p:cNvPr>
@@ -15177,7 +23010,7 @@
             <p:cNvPr id="18" name="Freeform 17">
               <a:extLst>
                 <a:ext uri="{FF2B5EF4-FFF2-40B4-BE49-F238E27FC236}">
-                  <a16:creationId xmlns:a16="http://schemas.microsoft.com/office/drawing/2014/main" id="{351E04E1-FCD0-664D-A440-E67F5F4D328D}"/>
+                  <a16:creationId xmlns="" xmlns:a16="http://schemas.microsoft.com/office/drawing/2014/main" id="{351E04E1-FCD0-664D-A440-E67F5F4D328D}"/>
                 </a:ext>
               </a:extLst>
             </p:cNvPr>
@@ -15399,7 +23232,7 @@
             <p:cNvPr id="20" name="Freeform 19">
               <a:extLst>
                 <a:ext uri="{FF2B5EF4-FFF2-40B4-BE49-F238E27FC236}">
-                  <a16:creationId xmlns:a16="http://schemas.microsoft.com/office/drawing/2014/main" id="{8DC4F329-D01C-094D-ABC3-C4DA25596C37}"/>
+                  <a16:creationId xmlns="" xmlns:a16="http://schemas.microsoft.com/office/drawing/2014/main" id="{8DC4F329-D01C-094D-ABC3-C4DA25596C37}"/>
                 </a:ext>
               </a:extLst>
             </p:cNvPr>
@@ -15649,7 +23482,7 @@
             <p:cNvPr id="22" name="Freeform 21">
               <a:extLst>
                 <a:ext uri="{FF2B5EF4-FFF2-40B4-BE49-F238E27FC236}">
-                  <a16:creationId xmlns:a16="http://schemas.microsoft.com/office/drawing/2014/main" id="{7E04F2F1-51C6-6A47-91BE-CA28F302B4A9}"/>
+                  <a16:creationId xmlns="" xmlns:a16="http://schemas.microsoft.com/office/drawing/2014/main" id="{7E04F2F1-51C6-6A47-91BE-CA28F302B4A9}"/>
                 </a:ext>
               </a:extLst>
             </p:cNvPr>
@@ -15893,7 +23726,7 @@
             <p:cNvPr id="53" name="Freeform 52">
               <a:extLst>
                 <a:ext uri="{FF2B5EF4-FFF2-40B4-BE49-F238E27FC236}">
-                  <a16:creationId xmlns:a16="http://schemas.microsoft.com/office/drawing/2014/main" id="{0147C010-60C8-9843-8796-B13BD5EB5C78}"/>
+                  <a16:creationId xmlns="" xmlns:a16="http://schemas.microsoft.com/office/drawing/2014/main" id="{0147C010-60C8-9843-8796-B13BD5EB5C78}"/>
                 </a:ext>
               </a:extLst>
             </p:cNvPr>
@@ -16281,7 +24114,7 @@
             <p:cNvPr id="56" name="Freeform 55">
               <a:extLst>
                 <a:ext uri="{FF2B5EF4-FFF2-40B4-BE49-F238E27FC236}">
-                  <a16:creationId xmlns:a16="http://schemas.microsoft.com/office/drawing/2014/main" id="{F0095C1D-22F3-BB4B-B94A-E1418D8828E8}"/>
+                  <a16:creationId xmlns="" xmlns:a16="http://schemas.microsoft.com/office/drawing/2014/main" id="{F0095C1D-22F3-BB4B-B94A-E1418D8828E8}"/>
                 </a:ext>
               </a:extLst>
             </p:cNvPr>
@@ -16667,7 +24500,7 @@
             <p:cNvPr id="57" name="Freeform 56">
               <a:extLst>
                 <a:ext uri="{FF2B5EF4-FFF2-40B4-BE49-F238E27FC236}">
-                  <a16:creationId xmlns:a16="http://schemas.microsoft.com/office/drawing/2014/main" id="{47A790B9-35EB-B644-B261-B2582C621B1A}"/>
+                  <a16:creationId xmlns="" xmlns:a16="http://schemas.microsoft.com/office/drawing/2014/main" id="{47A790B9-35EB-B644-B261-B2582C621B1A}"/>
                 </a:ext>
               </a:extLst>
             </p:cNvPr>
@@ -16917,7 +24750,7 @@
             <p:cNvPr id="58" name="Freeform 57">
               <a:extLst>
                 <a:ext uri="{FF2B5EF4-FFF2-40B4-BE49-F238E27FC236}">
-                  <a16:creationId xmlns:a16="http://schemas.microsoft.com/office/drawing/2014/main" id="{72AB0C17-E2D7-9E4A-8F06-5AA42B43D956}"/>
+                  <a16:creationId xmlns="" xmlns:a16="http://schemas.microsoft.com/office/drawing/2014/main" id="{72AB0C17-E2D7-9E4A-8F06-5AA42B43D956}"/>
                 </a:ext>
               </a:extLst>
             </p:cNvPr>
@@ -17303,7 +25136,7 @@
             <p:cNvPr id="60" name="Freeform 59">
               <a:extLst>
                 <a:ext uri="{FF2B5EF4-FFF2-40B4-BE49-F238E27FC236}">
-                  <a16:creationId xmlns:a16="http://schemas.microsoft.com/office/drawing/2014/main" id="{F8FBCBA5-8772-9141-A68A-733CD1CE40F4}"/>
+                  <a16:creationId xmlns="" xmlns:a16="http://schemas.microsoft.com/office/drawing/2014/main" id="{F8FBCBA5-8772-9141-A68A-733CD1CE40F4}"/>
                 </a:ext>
               </a:extLst>
             </p:cNvPr>
@@ -17689,7 +25522,7 @@
             <p:cNvPr id="62" name="Freeform 61">
               <a:extLst>
                 <a:ext uri="{FF2B5EF4-FFF2-40B4-BE49-F238E27FC236}">
-                  <a16:creationId xmlns:a16="http://schemas.microsoft.com/office/drawing/2014/main" id="{81F5B2E2-D515-5449-8565-69EB2D19B507}"/>
+                  <a16:creationId xmlns="" xmlns:a16="http://schemas.microsoft.com/office/drawing/2014/main" id="{81F5B2E2-D515-5449-8565-69EB2D19B507}"/>
                 </a:ext>
               </a:extLst>
             </p:cNvPr>
@@ -17911,7 +25744,7 @@
             <p:cNvPr id="63" name="Freeform 62">
               <a:extLst>
                 <a:ext uri="{FF2B5EF4-FFF2-40B4-BE49-F238E27FC236}">
-                  <a16:creationId xmlns:a16="http://schemas.microsoft.com/office/drawing/2014/main" id="{86706AD3-955C-8C40-A242-3B2625A36FDC}"/>
+                  <a16:creationId xmlns="" xmlns:a16="http://schemas.microsoft.com/office/drawing/2014/main" id="{86706AD3-955C-8C40-A242-3B2625A36FDC}"/>
                 </a:ext>
               </a:extLst>
             </p:cNvPr>
@@ -18241,7 +26074,7 @@
             <p:cNvPr id="65" name="Freeform 64">
               <a:extLst>
                 <a:ext uri="{FF2B5EF4-FFF2-40B4-BE49-F238E27FC236}">
-                  <a16:creationId xmlns:a16="http://schemas.microsoft.com/office/drawing/2014/main" id="{392ED72B-B593-E94B-8E3A-47A57F4EFA28}"/>
+                  <a16:creationId xmlns="" xmlns:a16="http://schemas.microsoft.com/office/drawing/2014/main" id="{392ED72B-B593-E94B-8E3A-47A57F4EFA28}"/>
                 </a:ext>
               </a:extLst>
             </p:cNvPr>
@@ -18627,7 +26460,7 @@
             <p:cNvPr id="67" name="Freeform 66">
               <a:extLst>
                 <a:ext uri="{FF2B5EF4-FFF2-40B4-BE49-F238E27FC236}">
-                  <a16:creationId xmlns:a16="http://schemas.microsoft.com/office/drawing/2014/main" id="{863BAA95-54EC-6648-A2E4-B92D02F843F9}"/>
+                  <a16:creationId xmlns="" xmlns:a16="http://schemas.microsoft.com/office/drawing/2014/main" id="{863BAA95-54EC-6648-A2E4-B92D02F843F9}"/>
                 </a:ext>
               </a:extLst>
             </p:cNvPr>
@@ -18849,7 +26682,7 @@
             <p:cNvPr id="70" name="Straight Arrow Connector 69">
               <a:extLst>
                 <a:ext uri="{FF2B5EF4-FFF2-40B4-BE49-F238E27FC236}">
-                  <a16:creationId xmlns:a16="http://schemas.microsoft.com/office/drawing/2014/main" id="{37CB2550-0B63-614F-A657-CA0C3BAD55B1}"/>
+                  <a16:creationId xmlns="" xmlns:a16="http://schemas.microsoft.com/office/drawing/2014/main" id="{37CB2550-0B63-614F-A657-CA0C3BAD55B1}"/>
                 </a:ext>
               </a:extLst>
             </p:cNvPr>
@@ -18895,7 +26728,7 @@
                 <p:cNvPr id="76" name="TextBox 75">
                   <a:extLst>
                     <a:ext uri="{FF2B5EF4-FFF2-40B4-BE49-F238E27FC236}">
-                      <a16:creationId xmlns:a16="http://schemas.microsoft.com/office/drawing/2014/main" id="{9855CA9B-1AE1-6F48-B19D-C1DCCFD013A6}"/>
+                      <a16:creationId xmlns="" xmlns:a16="http://schemas.microsoft.com/office/drawing/2014/main" id="{9855CA9B-1AE1-6F48-B19D-C1DCCFD013A6}"/>
                     </a:ext>
                   </a:extLst>
                 </p:cNvPr>
@@ -19008,7 +26841,7 @@
             <p:cNvPr id="79" name="Straight Arrow Connector 78">
               <a:extLst>
                 <a:ext uri="{FF2B5EF4-FFF2-40B4-BE49-F238E27FC236}">
-                  <a16:creationId xmlns:a16="http://schemas.microsoft.com/office/drawing/2014/main" id="{55665669-207C-A24A-BA6F-7BBB58EA34B9}"/>
+                  <a16:creationId xmlns="" xmlns:a16="http://schemas.microsoft.com/office/drawing/2014/main" id="{55665669-207C-A24A-BA6F-7BBB58EA34B9}"/>
                 </a:ext>
               </a:extLst>
             </p:cNvPr>
@@ -19047,14 +26880,14 @@
             </a:fontRef>
           </p:style>
         </p:cxnSp>
-        <mc:AlternateContent xmlns:mc="http://schemas.openxmlformats.org/markup-compatibility/2006">
-          <mc:Choice xmlns:a14="http://schemas.microsoft.com/office/drawing/2010/main" Requires="a14">
+        <mc:AlternateContent xmlns:mc="http://schemas.openxmlformats.org/markup-compatibility/2006" xmlns:a14="http://schemas.microsoft.com/office/drawing/2010/main">
+          <mc:Choice Requires="a14">
             <p:sp>
               <p:nvSpPr>
                 <p:cNvPr id="80" name="TextBox 79">
                   <a:extLst>
                     <a:ext uri="{FF2B5EF4-FFF2-40B4-BE49-F238E27FC236}">
-                      <a16:creationId xmlns:a16="http://schemas.microsoft.com/office/drawing/2014/main" id="{34A6CB74-D772-554F-8A10-ABD6AFE1BFFE}"/>
+                      <a16:creationId xmlns="" xmlns:a16="http://schemas.microsoft.com/office/drawing/2014/main" id="{34A6CB74-D772-554F-8A10-ABD6AFE1BFFE}"/>
                     </a:ext>
                   </a:extLst>
                 </p:cNvPr>
@@ -19163,7 +26996,7 @@
               </p:txBody>
             </p:sp>
           </mc:Choice>
-          <mc:Fallback>
+          <mc:Fallback xmlns="">
             <p:sp>
               <p:nvSpPr>
                 <p:cNvPr id="80" name="TextBox 79">
@@ -19213,7 +27046,7 @@
             <p:cNvPr id="81" name="Straight Arrow Connector 80">
               <a:extLst>
                 <a:ext uri="{FF2B5EF4-FFF2-40B4-BE49-F238E27FC236}">
-                  <a16:creationId xmlns:a16="http://schemas.microsoft.com/office/drawing/2014/main" id="{FDFE2E75-8803-D645-962C-55BE74228762}"/>
+                  <a16:creationId xmlns="" xmlns:a16="http://schemas.microsoft.com/office/drawing/2014/main" id="{FDFE2E75-8803-D645-962C-55BE74228762}"/>
                 </a:ext>
               </a:extLst>
             </p:cNvPr>
@@ -19257,7 +27090,7 @@
             <p:cNvPr id="86" name="Straight Arrow Connector 85">
               <a:extLst>
                 <a:ext uri="{FF2B5EF4-FFF2-40B4-BE49-F238E27FC236}">
-                  <a16:creationId xmlns:a16="http://schemas.microsoft.com/office/drawing/2014/main" id="{93DD0A17-02BB-484C-A585-78064B5351E9}"/>
+                  <a16:creationId xmlns="" xmlns:a16="http://schemas.microsoft.com/office/drawing/2014/main" id="{93DD0A17-02BB-484C-A585-78064B5351E9}"/>
                 </a:ext>
               </a:extLst>
             </p:cNvPr>
@@ -19296,14 +27129,14 @@
             </a:fontRef>
           </p:style>
         </p:cxnSp>
-        <mc:AlternateContent xmlns:mc="http://schemas.openxmlformats.org/markup-compatibility/2006">
-          <mc:Choice xmlns:a14="http://schemas.microsoft.com/office/drawing/2010/main" Requires="a14">
+        <mc:AlternateContent xmlns:mc="http://schemas.openxmlformats.org/markup-compatibility/2006" xmlns:a14="http://schemas.microsoft.com/office/drawing/2010/main">
+          <mc:Choice Requires="a14">
             <p:sp>
               <p:nvSpPr>
                 <p:cNvPr id="87" name="TextBox 86">
                   <a:extLst>
                     <a:ext uri="{FF2B5EF4-FFF2-40B4-BE49-F238E27FC236}">
-                      <a16:creationId xmlns:a16="http://schemas.microsoft.com/office/drawing/2014/main" id="{99094E6F-4903-FA41-A682-767C00BC8280}"/>
+                      <a16:creationId xmlns="" xmlns:a16="http://schemas.microsoft.com/office/drawing/2014/main" id="{99094E6F-4903-FA41-A682-767C00BC8280}"/>
                     </a:ext>
                   </a:extLst>
                 </p:cNvPr>
@@ -19406,7 +27239,7 @@
               </p:txBody>
             </p:sp>
           </mc:Choice>
-          <mc:Fallback>
+          <mc:Fallback xmlns="">
             <p:sp>
               <p:nvSpPr>
                 <p:cNvPr id="87" name="TextBox 86">
@@ -19458,7 +27291,7 @@
                 <p:cNvPr id="88" name="TextBox 87">
                   <a:extLst>
                     <a:ext uri="{FF2B5EF4-FFF2-40B4-BE49-F238E27FC236}">
-                      <a16:creationId xmlns:a16="http://schemas.microsoft.com/office/drawing/2014/main" id="{CA81FD42-A571-FD45-A4BD-D662E0F8144C}"/>
+                      <a16:creationId xmlns="" xmlns:a16="http://schemas.microsoft.com/office/drawing/2014/main" id="{CA81FD42-A571-FD45-A4BD-D662E0F8144C}"/>
                     </a:ext>
                   </a:extLst>
                 </p:cNvPr>
@@ -19637,7 +27470,7 @@
           <p:cNvPr id="4" name="Picture 3">
             <a:extLst>
               <a:ext uri="{FF2B5EF4-FFF2-40B4-BE49-F238E27FC236}">
-                <a16:creationId xmlns:a16="http://schemas.microsoft.com/office/drawing/2014/main" id="{1F46FB23-65FB-9049-9C50-43B5B6AD9EA8}"/>
+                <a16:creationId xmlns="" xmlns:a16="http://schemas.microsoft.com/office/drawing/2014/main" id="{1F46FB23-65FB-9049-9C50-43B5B6AD9EA8}"/>
               </a:ext>
             </a:extLst>
           </p:cNvPr>
@@ -19667,7 +27500,7 @@
           <p:cNvPr id="6" name="Straight Connector 5">
             <a:extLst>
               <a:ext uri="{FF2B5EF4-FFF2-40B4-BE49-F238E27FC236}">
-                <a16:creationId xmlns:a16="http://schemas.microsoft.com/office/drawing/2014/main" id="{3E621B72-9657-FE4E-9C41-001E2A069FE3}"/>
+                <a16:creationId xmlns="" xmlns:a16="http://schemas.microsoft.com/office/drawing/2014/main" id="{3E621B72-9657-FE4E-9C41-001E2A069FE3}"/>
               </a:ext>
             </a:extLst>
           </p:cNvPr>
@@ -25253,7 +33086,7 @@
           <a:bodyPr/>
           <a:lstStyle/>
           <a:p>
-            <a:endParaRPr lang="pt-BR"/>
+            <a:endParaRPr lang="pt-BR" dirty="0"/>
           </a:p>
         </p:txBody>
       </p:sp>
@@ -25281,56 +33114,56 @@
                 <a:gridCol w="521749">
                   <a:extLst>
                     <a:ext uri="{9D8B030D-6E8A-4147-A177-3AD203B41FA5}">
-                      <a16:colId xmlns:a16="http://schemas.microsoft.com/office/drawing/2014/main" val="20000"/>
+                      <a16:colId xmlns="" xmlns:a16="http://schemas.microsoft.com/office/drawing/2014/main" val="20000"/>
                     </a:ext>
                   </a:extLst>
                 </a:gridCol>
                 <a:gridCol w="521749">
                   <a:extLst>
                     <a:ext uri="{9D8B030D-6E8A-4147-A177-3AD203B41FA5}">
-                      <a16:colId xmlns:a16="http://schemas.microsoft.com/office/drawing/2014/main" val="20001"/>
+                      <a16:colId xmlns="" xmlns:a16="http://schemas.microsoft.com/office/drawing/2014/main" val="20001"/>
                     </a:ext>
                   </a:extLst>
                 </a:gridCol>
                 <a:gridCol w="521749">
                   <a:extLst>
                     <a:ext uri="{9D8B030D-6E8A-4147-A177-3AD203B41FA5}">
-                      <a16:colId xmlns:a16="http://schemas.microsoft.com/office/drawing/2014/main" val="20002"/>
+                      <a16:colId xmlns="" xmlns:a16="http://schemas.microsoft.com/office/drawing/2014/main" val="20002"/>
                     </a:ext>
                   </a:extLst>
                 </a:gridCol>
                 <a:gridCol w="521749">
                   <a:extLst>
                     <a:ext uri="{9D8B030D-6E8A-4147-A177-3AD203B41FA5}">
-                      <a16:colId xmlns:a16="http://schemas.microsoft.com/office/drawing/2014/main" val="20003"/>
+                      <a16:colId xmlns="" xmlns:a16="http://schemas.microsoft.com/office/drawing/2014/main" val="20003"/>
                     </a:ext>
                   </a:extLst>
                 </a:gridCol>
                 <a:gridCol w="521749">
                   <a:extLst>
                     <a:ext uri="{9D8B030D-6E8A-4147-A177-3AD203B41FA5}">
-                      <a16:colId xmlns:a16="http://schemas.microsoft.com/office/drawing/2014/main" val="20004"/>
+                      <a16:colId xmlns="" xmlns:a16="http://schemas.microsoft.com/office/drawing/2014/main" val="20004"/>
                     </a:ext>
                   </a:extLst>
                 </a:gridCol>
                 <a:gridCol w="521749">
                   <a:extLst>
                     <a:ext uri="{9D8B030D-6E8A-4147-A177-3AD203B41FA5}">
-                      <a16:colId xmlns:a16="http://schemas.microsoft.com/office/drawing/2014/main" val="20005"/>
+                      <a16:colId xmlns="" xmlns:a16="http://schemas.microsoft.com/office/drawing/2014/main" val="20005"/>
                     </a:ext>
                   </a:extLst>
                 </a:gridCol>
                 <a:gridCol w="521749">
                   <a:extLst>
                     <a:ext uri="{9D8B030D-6E8A-4147-A177-3AD203B41FA5}">
-                      <a16:colId xmlns:a16="http://schemas.microsoft.com/office/drawing/2014/main" val="20006"/>
+                      <a16:colId xmlns="" xmlns:a16="http://schemas.microsoft.com/office/drawing/2014/main" val="20006"/>
                     </a:ext>
                   </a:extLst>
                 </a:gridCol>
                 <a:gridCol w="521749">
                   <a:extLst>
                     <a:ext uri="{9D8B030D-6E8A-4147-A177-3AD203B41FA5}">
-                      <a16:colId xmlns:a16="http://schemas.microsoft.com/office/drawing/2014/main" val="20007"/>
+                      <a16:colId xmlns="" xmlns:a16="http://schemas.microsoft.com/office/drawing/2014/main" val="20007"/>
                     </a:ext>
                   </a:extLst>
                 </a:gridCol>
@@ -25458,7 +33291,7 @@
                 </a:tc>
                 <a:extLst>
                   <a:ext uri="{0D108BD9-81ED-4DB2-BD59-A6C34878D82A}">
-                    <a16:rowId xmlns:a16="http://schemas.microsoft.com/office/drawing/2014/main" val="10000"/>
+                    <a16:rowId xmlns="" xmlns:a16="http://schemas.microsoft.com/office/drawing/2014/main" val="10000"/>
                   </a:ext>
                 </a:extLst>
               </a:tr>
@@ -25595,7 +33428,7 @@
                 </a:tc>
                 <a:extLst>
                   <a:ext uri="{0D108BD9-81ED-4DB2-BD59-A6C34878D82A}">
-                    <a16:rowId xmlns:a16="http://schemas.microsoft.com/office/drawing/2014/main" val="10001"/>
+                    <a16:rowId xmlns="" xmlns:a16="http://schemas.microsoft.com/office/drawing/2014/main" val="10001"/>
                   </a:ext>
                 </a:extLst>
               </a:tr>
@@ -25792,7 +33625,7 @@
                 </a:tc>
                 <a:extLst>
                   <a:ext uri="{0D108BD9-81ED-4DB2-BD59-A6C34878D82A}">
-                    <a16:rowId xmlns:a16="http://schemas.microsoft.com/office/drawing/2014/main" val="10002"/>
+                    <a16:rowId xmlns="" xmlns:a16="http://schemas.microsoft.com/office/drawing/2014/main" val="10002"/>
                   </a:ext>
                 </a:extLst>
               </a:tr>
@@ -26038,7 +33871,7 @@
                 </a:tc>
                 <a:extLst>
                   <a:ext uri="{0D108BD9-81ED-4DB2-BD59-A6C34878D82A}">
-                    <a16:rowId xmlns:a16="http://schemas.microsoft.com/office/drawing/2014/main" val="10003"/>
+                    <a16:rowId xmlns="" xmlns:a16="http://schemas.microsoft.com/office/drawing/2014/main" val="10003"/>
                   </a:ext>
                 </a:extLst>
               </a:tr>
@@ -26237,7 +34070,7 @@
                 </a:tc>
                 <a:extLst>
                   <a:ext uri="{0D108BD9-81ED-4DB2-BD59-A6C34878D82A}">
-                    <a16:rowId xmlns:a16="http://schemas.microsoft.com/office/drawing/2014/main" val="10004"/>
+                    <a16:rowId xmlns="" xmlns:a16="http://schemas.microsoft.com/office/drawing/2014/main" val="10004"/>
                   </a:ext>
                 </a:extLst>
               </a:tr>
@@ -26347,7 +34180,7 @@
                 </a:tc>
                 <a:extLst>
                   <a:ext uri="{0D108BD9-81ED-4DB2-BD59-A6C34878D82A}">
-                    <a16:rowId xmlns:a16="http://schemas.microsoft.com/office/drawing/2014/main" val="10005"/>
+                    <a16:rowId xmlns="" xmlns:a16="http://schemas.microsoft.com/office/drawing/2014/main" val="10005"/>
                   </a:ext>
                 </a:extLst>
               </a:tr>
@@ -26482,7 +34315,7 @@
                 </a:tc>
                 <a:extLst>
                   <a:ext uri="{0D108BD9-81ED-4DB2-BD59-A6C34878D82A}">
-                    <a16:rowId xmlns:a16="http://schemas.microsoft.com/office/drawing/2014/main" val="10006"/>
+                    <a16:rowId xmlns="" xmlns:a16="http://schemas.microsoft.com/office/drawing/2014/main" val="10006"/>
                   </a:ext>
                 </a:extLst>
               </a:tr>
@@ -26617,7 +34450,7 @@
                 </a:tc>
                 <a:extLst>
                   <a:ext uri="{0D108BD9-81ED-4DB2-BD59-A6C34878D82A}">
-                    <a16:rowId xmlns:a16="http://schemas.microsoft.com/office/drawing/2014/main" val="10007"/>
+                    <a16:rowId xmlns="" xmlns:a16="http://schemas.microsoft.com/office/drawing/2014/main" val="10007"/>
                   </a:ext>
                 </a:extLst>
               </a:tr>
@@ -26726,56 +34559,56 @@
                 <a:gridCol w="521749">
                   <a:extLst>
                     <a:ext uri="{9D8B030D-6E8A-4147-A177-3AD203B41FA5}">
-                      <a16:colId xmlns:a16="http://schemas.microsoft.com/office/drawing/2014/main" val="20000"/>
+                      <a16:colId xmlns="" xmlns:a16="http://schemas.microsoft.com/office/drawing/2014/main" val="20000"/>
                     </a:ext>
                   </a:extLst>
                 </a:gridCol>
                 <a:gridCol w="521749">
                   <a:extLst>
                     <a:ext uri="{9D8B030D-6E8A-4147-A177-3AD203B41FA5}">
-                      <a16:colId xmlns:a16="http://schemas.microsoft.com/office/drawing/2014/main" val="20001"/>
+                      <a16:colId xmlns="" xmlns:a16="http://schemas.microsoft.com/office/drawing/2014/main" val="20001"/>
                     </a:ext>
                   </a:extLst>
                 </a:gridCol>
                 <a:gridCol w="521749">
                   <a:extLst>
                     <a:ext uri="{9D8B030D-6E8A-4147-A177-3AD203B41FA5}">
-                      <a16:colId xmlns:a16="http://schemas.microsoft.com/office/drawing/2014/main" val="20002"/>
+                      <a16:colId xmlns="" xmlns:a16="http://schemas.microsoft.com/office/drawing/2014/main" val="20002"/>
                     </a:ext>
                   </a:extLst>
                 </a:gridCol>
                 <a:gridCol w="521749">
                   <a:extLst>
                     <a:ext uri="{9D8B030D-6E8A-4147-A177-3AD203B41FA5}">
-                      <a16:colId xmlns:a16="http://schemas.microsoft.com/office/drawing/2014/main" val="20003"/>
+                      <a16:colId xmlns="" xmlns:a16="http://schemas.microsoft.com/office/drawing/2014/main" val="20003"/>
                     </a:ext>
                   </a:extLst>
                 </a:gridCol>
                 <a:gridCol w="521749">
                   <a:extLst>
                     <a:ext uri="{9D8B030D-6E8A-4147-A177-3AD203B41FA5}">
-                      <a16:colId xmlns:a16="http://schemas.microsoft.com/office/drawing/2014/main" val="20004"/>
+                      <a16:colId xmlns="" xmlns:a16="http://schemas.microsoft.com/office/drawing/2014/main" val="20004"/>
                     </a:ext>
                   </a:extLst>
                 </a:gridCol>
                 <a:gridCol w="521749">
                   <a:extLst>
                     <a:ext uri="{9D8B030D-6E8A-4147-A177-3AD203B41FA5}">
-                      <a16:colId xmlns:a16="http://schemas.microsoft.com/office/drawing/2014/main" val="20005"/>
+                      <a16:colId xmlns="" xmlns:a16="http://schemas.microsoft.com/office/drawing/2014/main" val="20005"/>
                     </a:ext>
                   </a:extLst>
                 </a:gridCol>
                 <a:gridCol w="521749">
                   <a:extLst>
                     <a:ext uri="{9D8B030D-6E8A-4147-A177-3AD203B41FA5}">
-                      <a16:colId xmlns:a16="http://schemas.microsoft.com/office/drawing/2014/main" val="20006"/>
+                      <a16:colId xmlns="" xmlns:a16="http://schemas.microsoft.com/office/drawing/2014/main" val="20006"/>
                     </a:ext>
                   </a:extLst>
                 </a:gridCol>
                 <a:gridCol w="521749">
                   <a:extLst>
                     <a:ext uri="{9D8B030D-6E8A-4147-A177-3AD203B41FA5}">
-                      <a16:colId xmlns:a16="http://schemas.microsoft.com/office/drawing/2014/main" val="20007"/>
+                      <a16:colId xmlns="" xmlns:a16="http://schemas.microsoft.com/office/drawing/2014/main" val="20007"/>
                     </a:ext>
                   </a:extLst>
                 </a:gridCol>
@@ -26903,7 +34736,7 @@
                 </a:tc>
                 <a:extLst>
                   <a:ext uri="{0D108BD9-81ED-4DB2-BD59-A6C34878D82A}">
-                    <a16:rowId xmlns:a16="http://schemas.microsoft.com/office/drawing/2014/main" val="10000"/>
+                    <a16:rowId xmlns="" xmlns:a16="http://schemas.microsoft.com/office/drawing/2014/main" val="10000"/>
                   </a:ext>
                 </a:extLst>
               </a:tr>
@@ -27040,7 +34873,7 @@
                 </a:tc>
                 <a:extLst>
                   <a:ext uri="{0D108BD9-81ED-4DB2-BD59-A6C34878D82A}">
-                    <a16:rowId xmlns:a16="http://schemas.microsoft.com/office/drawing/2014/main" val="10001"/>
+                    <a16:rowId xmlns="" xmlns:a16="http://schemas.microsoft.com/office/drawing/2014/main" val="10001"/>
                   </a:ext>
                 </a:extLst>
               </a:tr>
@@ -27237,7 +35070,7 @@
                 </a:tc>
                 <a:extLst>
                   <a:ext uri="{0D108BD9-81ED-4DB2-BD59-A6C34878D82A}">
-                    <a16:rowId xmlns:a16="http://schemas.microsoft.com/office/drawing/2014/main" val="10002"/>
+                    <a16:rowId xmlns="" xmlns:a16="http://schemas.microsoft.com/office/drawing/2014/main" val="10002"/>
                   </a:ext>
                 </a:extLst>
               </a:tr>
@@ -27483,7 +35316,7 @@
                 </a:tc>
                 <a:extLst>
                   <a:ext uri="{0D108BD9-81ED-4DB2-BD59-A6C34878D82A}">
-                    <a16:rowId xmlns:a16="http://schemas.microsoft.com/office/drawing/2014/main" val="10003"/>
+                    <a16:rowId xmlns="" xmlns:a16="http://schemas.microsoft.com/office/drawing/2014/main" val="10003"/>
                   </a:ext>
                 </a:extLst>
               </a:tr>
@@ -27682,7 +35515,7 @@
                 </a:tc>
                 <a:extLst>
                   <a:ext uri="{0D108BD9-81ED-4DB2-BD59-A6C34878D82A}">
-                    <a16:rowId xmlns:a16="http://schemas.microsoft.com/office/drawing/2014/main" val="10004"/>
+                    <a16:rowId xmlns="" xmlns:a16="http://schemas.microsoft.com/office/drawing/2014/main" val="10004"/>
                   </a:ext>
                 </a:extLst>
               </a:tr>
@@ -27792,7 +35625,7 @@
                 </a:tc>
                 <a:extLst>
                   <a:ext uri="{0D108BD9-81ED-4DB2-BD59-A6C34878D82A}">
-                    <a16:rowId xmlns:a16="http://schemas.microsoft.com/office/drawing/2014/main" val="10005"/>
+                    <a16:rowId xmlns="" xmlns:a16="http://schemas.microsoft.com/office/drawing/2014/main" val="10005"/>
                   </a:ext>
                 </a:extLst>
               </a:tr>
@@ -27927,7 +35760,7 @@
                 </a:tc>
                 <a:extLst>
                   <a:ext uri="{0D108BD9-81ED-4DB2-BD59-A6C34878D82A}">
-                    <a16:rowId xmlns:a16="http://schemas.microsoft.com/office/drawing/2014/main" val="10006"/>
+                    <a16:rowId xmlns="" xmlns:a16="http://schemas.microsoft.com/office/drawing/2014/main" val="10006"/>
                   </a:ext>
                 </a:extLst>
               </a:tr>
@@ -28062,7 +35895,7 @@
                 </a:tc>
                 <a:extLst>
                   <a:ext uri="{0D108BD9-81ED-4DB2-BD59-A6C34878D82A}">
-                    <a16:rowId xmlns:a16="http://schemas.microsoft.com/office/drawing/2014/main" val="10007"/>
+                    <a16:rowId xmlns="" xmlns:a16="http://schemas.microsoft.com/office/drawing/2014/main" val="10007"/>
                   </a:ext>
                 </a:extLst>
               </a:tr>
